--- a/SAT-решатели (презентация).pptx
+++ b/SAT-решатели (презентация).pptx
@@ -5,7 +5,7 @@
     <p:sldMasterId id="2147483660" r:id="rId1"/>
   </p:sldMasterIdLst>
   <p:notesMasterIdLst>
-    <p:notesMasterId r:id="rId36"/>
+    <p:notesMasterId r:id="rId37"/>
   </p:notesMasterIdLst>
   <p:sldIdLst>
     <p:sldId id="256" r:id="rId2"/>
@@ -20,28 +20,29 @@
     <p:sldId id="267" r:id="rId11"/>
     <p:sldId id="268" r:id="rId12"/>
     <p:sldId id="269" r:id="rId13"/>
-    <p:sldId id="270" r:id="rId14"/>
-    <p:sldId id="271" r:id="rId15"/>
-    <p:sldId id="272" r:id="rId16"/>
-    <p:sldId id="273" r:id="rId17"/>
-    <p:sldId id="274" r:id="rId18"/>
-    <p:sldId id="275" r:id="rId19"/>
-    <p:sldId id="276" r:id="rId20"/>
-    <p:sldId id="277" r:id="rId21"/>
-    <p:sldId id="278" r:id="rId22"/>
-    <p:sldId id="279" r:id="rId23"/>
-    <p:sldId id="280" r:id="rId24"/>
-    <p:sldId id="281" r:id="rId25"/>
-    <p:sldId id="282" r:id="rId26"/>
-    <p:sldId id="283" r:id="rId27"/>
-    <p:sldId id="284" r:id="rId28"/>
-    <p:sldId id="285" r:id="rId29"/>
-    <p:sldId id="286" r:id="rId30"/>
-    <p:sldId id="287" r:id="rId31"/>
-    <p:sldId id="288" r:id="rId32"/>
-    <p:sldId id="289" r:id="rId33"/>
-    <p:sldId id="291" r:id="rId34"/>
-    <p:sldId id="290" r:id="rId35"/>
+    <p:sldId id="292" r:id="rId14"/>
+    <p:sldId id="293" r:id="rId15"/>
+    <p:sldId id="271" r:id="rId16"/>
+    <p:sldId id="272" r:id="rId17"/>
+    <p:sldId id="273" r:id="rId18"/>
+    <p:sldId id="274" r:id="rId19"/>
+    <p:sldId id="275" r:id="rId20"/>
+    <p:sldId id="276" r:id="rId21"/>
+    <p:sldId id="277" r:id="rId22"/>
+    <p:sldId id="278" r:id="rId23"/>
+    <p:sldId id="279" r:id="rId24"/>
+    <p:sldId id="280" r:id="rId25"/>
+    <p:sldId id="281" r:id="rId26"/>
+    <p:sldId id="282" r:id="rId27"/>
+    <p:sldId id="283" r:id="rId28"/>
+    <p:sldId id="284" r:id="rId29"/>
+    <p:sldId id="285" r:id="rId30"/>
+    <p:sldId id="286" r:id="rId31"/>
+    <p:sldId id="287" r:id="rId32"/>
+    <p:sldId id="288" r:id="rId33"/>
+    <p:sldId id="289" r:id="rId34"/>
+    <p:sldId id="291" r:id="rId35"/>
+    <p:sldId id="290" r:id="rId36"/>
   </p:sldIdLst>
   <p:sldSz cx="12192000" cy="6858000"/>
   <p:notesSz cx="6858000" cy="9144000"/>
@@ -230,7 +231,7 @@
           <a:p>
             <a:fld id="{378CC9F5-884F-49E5-B517-9E8FA7861F61}" type="datetimeFigureOut">
               <a:rPr lang="ru-RU" smtClean="0"/>
-              <a:t>23.12.2025</a:t>
+              <a:t>07.01.2026</a:t>
             </a:fld>
             <a:endParaRPr lang="ru-RU"/>
           </a:p>
@@ -626,9 +627,9 @@
           <a:bodyPr/>
           <a:lstStyle/>
           <a:p>
-            <a:fld id="{9E74D589-FD6D-48B0-A2AC-749518E8EFCF}" type="datetimeFigureOut">
+            <a:fld id="{2D6DC980-0D23-43BB-A63D-56EA25751E22}" type="datetime1">
               <a:rPr lang="ru-RU" smtClean="0"/>
-              <a:t>23.12.2025</a:t>
+              <a:t>07.01.2026</a:t>
             </a:fld>
             <a:endParaRPr lang="ru-RU"/>
           </a:p>
@@ -796,9 +797,9 @@
           <a:bodyPr/>
           <a:lstStyle/>
           <a:p>
-            <a:fld id="{9E74D589-FD6D-48B0-A2AC-749518E8EFCF}" type="datetimeFigureOut">
+            <a:fld id="{4B715FF3-9884-4E00-9FC8-FC2FD387C6D9}" type="datetime1">
               <a:rPr lang="ru-RU" smtClean="0"/>
-              <a:t>23.12.2025</a:t>
+              <a:t>07.01.2026</a:t>
             </a:fld>
             <a:endParaRPr lang="ru-RU"/>
           </a:p>
@@ -976,9 +977,9 @@
           <a:bodyPr/>
           <a:lstStyle/>
           <a:p>
-            <a:fld id="{9E74D589-FD6D-48B0-A2AC-749518E8EFCF}" type="datetimeFigureOut">
+            <a:fld id="{11AA60C8-0F3A-4141-9ED5-D0A4E82A6F06}" type="datetime1">
               <a:rPr lang="ru-RU" smtClean="0"/>
-              <a:t>23.12.2025</a:t>
+              <a:t>07.01.2026</a:t>
             </a:fld>
             <a:endParaRPr lang="ru-RU"/>
           </a:p>
@@ -1146,9 +1147,9 @@
           <a:bodyPr/>
           <a:lstStyle/>
           <a:p>
-            <a:fld id="{9E74D589-FD6D-48B0-A2AC-749518E8EFCF}" type="datetimeFigureOut">
+            <a:fld id="{17A71A22-D42E-48D0-B1EB-6892DBED9C56}" type="datetime1">
               <a:rPr lang="ru-RU" smtClean="0"/>
-              <a:t>23.12.2025</a:t>
+              <a:t>07.01.2026</a:t>
             </a:fld>
             <a:endParaRPr lang="ru-RU"/>
           </a:p>
@@ -1392,9 +1393,9 @@
           <a:bodyPr/>
           <a:lstStyle/>
           <a:p>
-            <a:fld id="{9E74D589-FD6D-48B0-A2AC-749518E8EFCF}" type="datetimeFigureOut">
+            <a:fld id="{BADD7171-AC31-463F-8826-96FEC8E67E89}" type="datetime1">
               <a:rPr lang="ru-RU" smtClean="0"/>
-              <a:t>23.12.2025</a:t>
+              <a:t>07.01.2026</a:t>
             </a:fld>
             <a:endParaRPr lang="ru-RU"/>
           </a:p>
@@ -1624,9 +1625,9 @@
           <a:bodyPr/>
           <a:lstStyle/>
           <a:p>
-            <a:fld id="{9E74D589-FD6D-48B0-A2AC-749518E8EFCF}" type="datetimeFigureOut">
+            <a:fld id="{DE1178B0-B191-4CA8-A160-1541DB9A6C24}" type="datetime1">
               <a:rPr lang="ru-RU" smtClean="0"/>
-              <a:t>23.12.2025</a:t>
+              <a:t>07.01.2026</a:t>
             </a:fld>
             <a:endParaRPr lang="ru-RU"/>
           </a:p>
@@ -1991,9 +1992,9 @@
           <a:bodyPr/>
           <a:lstStyle/>
           <a:p>
-            <a:fld id="{9E74D589-FD6D-48B0-A2AC-749518E8EFCF}" type="datetimeFigureOut">
+            <a:fld id="{63C2932A-EC0D-4F11-89AA-A0E1CA5C3E2B}" type="datetime1">
               <a:rPr lang="ru-RU" smtClean="0"/>
-              <a:t>23.12.2025</a:t>
+              <a:t>07.01.2026</a:t>
             </a:fld>
             <a:endParaRPr lang="ru-RU"/>
           </a:p>
@@ -2109,9 +2110,9 @@
           <a:bodyPr/>
           <a:lstStyle/>
           <a:p>
-            <a:fld id="{9E74D589-FD6D-48B0-A2AC-749518E8EFCF}" type="datetimeFigureOut">
+            <a:fld id="{F0A57ABA-A7EE-4550-8639-D4A488B95078}" type="datetime1">
               <a:rPr lang="ru-RU" smtClean="0"/>
-              <a:t>23.12.2025</a:t>
+              <a:t>07.01.2026</a:t>
             </a:fld>
             <a:endParaRPr lang="ru-RU"/>
           </a:p>
@@ -2204,9 +2205,9 @@
           <a:bodyPr/>
           <a:lstStyle/>
           <a:p>
-            <a:fld id="{9E74D589-FD6D-48B0-A2AC-749518E8EFCF}" type="datetimeFigureOut">
+            <a:fld id="{B9B34CC7-46C4-4103-B06C-B49D2A297761}" type="datetime1">
               <a:rPr lang="ru-RU" smtClean="0"/>
-              <a:t>23.12.2025</a:t>
+              <a:t>07.01.2026</a:t>
             </a:fld>
             <a:endParaRPr lang="ru-RU"/>
           </a:p>
@@ -2481,9 +2482,9 @@
           <a:bodyPr/>
           <a:lstStyle/>
           <a:p>
-            <a:fld id="{9E74D589-FD6D-48B0-A2AC-749518E8EFCF}" type="datetimeFigureOut">
+            <a:fld id="{770038EE-DC73-4007-AA63-1E959F10CF99}" type="datetime1">
               <a:rPr lang="ru-RU" smtClean="0"/>
-              <a:t>23.12.2025</a:t>
+              <a:t>07.01.2026</a:t>
             </a:fld>
             <a:endParaRPr lang="ru-RU"/>
           </a:p>
@@ -2738,9 +2739,9 @@
           <a:bodyPr/>
           <a:lstStyle/>
           <a:p>
-            <a:fld id="{9E74D589-FD6D-48B0-A2AC-749518E8EFCF}" type="datetimeFigureOut">
+            <a:fld id="{1F00D20A-60A2-4F74-B982-667F8D4AF630}" type="datetime1">
               <a:rPr lang="ru-RU" smtClean="0"/>
-              <a:t>23.12.2025</a:t>
+              <a:t>07.01.2026</a:t>
             </a:fld>
             <a:endParaRPr lang="ru-RU"/>
           </a:p>
@@ -2960,9 +2961,9 @@
             </a:lvl1pPr>
           </a:lstStyle>
           <a:p>
-            <a:fld id="{9E74D589-FD6D-48B0-A2AC-749518E8EFCF}" type="datetimeFigureOut">
+            <a:fld id="{9A1BF9C1-DB9B-4141-BFA9-B42D79F508B1}" type="datetime1">
               <a:rPr lang="ru-RU" smtClean="0"/>
-              <a:t>23.12.2025</a:t>
+              <a:t>07.01.2026</a:t>
             </a:fld>
             <a:endParaRPr lang="ru-RU"/>
           </a:p>
@@ -3067,6 +3068,7 @@
     <p:sldLayoutId id="2147483670" r:id="rId10"/>
     <p:sldLayoutId id="2147483671" r:id="rId11"/>
   </p:sldLayoutIdLst>
+  <p:hf hdr="0" ftr="0" dt="0"/>
   <p:txStyles>
     <p:titleStyle>
       <a:lvl1pPr algn="l" defTabSz="914400" rtl="0" eaLnBrk="1" latinLnBrk="0" hangingPunct="1">
@@ -3450,6 +3452,35 @@
           </a:p>
         </p:txBody>
       </p:sp>
+      <p:sp>
+        <p:nvSpPr>
+          <p:cNvPr id="5" name="Номер слайда 4">
+            <a:extLst>
+              <a:ext uri="{FF2B5EF4-FFF2-40B4-BE49-F238E27FC236}">
+                <a16:creationId xmlns:a16="http://schemas.microsoft.com/office/drawing/2014/main" id="{A1C32449-B853-470B-8DFB-2D6497745EEA}"/>
+              </a:ext>
+            </a:extLst>
+          </p:cNvPr>
+          <p:cNvSpPr>
+            <a:spLocks noGrp="1"/>
+          </p:cNvSpPr>
+          <p:nvPr>
+            <p:ph type="sldNum" sz="quarter" idx="12"/>
+          </p:nvPr>
+        </p:nvSpPr>
+        <p:spPr/>
+        <p:txBody>
+          <a:bodyPr/>
+          <a:lstStyle/>
+          <a:p>
+            <a:fld id="{EF7A8E35-B303-42FD-88A6-20A8D5E4F372}" type="slidenum">
+              <a:rPr lang="ru-RU" smtClean="0"/>
+              <a:t>1</a:t>
+            </a:fld>
+            <a:endParaRPr lang="ru-RU"/>
+          </a:p>
+        </p:txBody>
+      </p:sp>
     </p:spTree>
     <p:extLst>
       <p:ext uri="{BB962C8B-B14F-4D97-AF65-F5344CB8AC3E}">
@@ -3568,6 +3599,32 @@
                 <a:effectLst/>
                 <a:latin typeface="fkGroteskNeue"/>
               </a:rPr>
+              <a:t>(4) </a:t>
+            </a:r>
+            <a:r>
+              <a:rPr lang="ru-RU" b="0" i="0" dirty="0" err="1">
+                <a:effectLst/>
+                <a:latin typeface="fkGroteskNeue"/>
+              </a:rPr>
+              <a:t>Backtracking</a:t>
+            </a:r>
+            <a:r>
+              <a:rPr lang="ru-RU" b="0" i="0" dirty="0">
+                <a:effectLst/>
+                <a:latin typeface="fkGroteskNeue"/>
+              </a:rPr>
+              <a:t> — при обнаружении противоречия (пустой клаузы) возврат к последней точке выбора и попытка альтернативного значения.</a:t>
+            </a:r>
+          </a:p>
+          <a:p>
+            <a:pPr marL="0" indent="0">
+              <a:buNone/>
+            </a:pPr>
+            <a:r>
+              <a:rPr lang="ru-RU" b="0" i="0" dirty="0">
+                <a:effectLst/>
+                <a:latin typeface="fkGroteskNeue"/>
+              </a:rPr>
               <a:t>DPLL значительно снижает эффективный размер пространства поиска по сравнению с полным перебором, однако не использует информацию из предыдущих конфликтов для оптимизации будущего поиска.</a:t>
             </a:r>
             <a:r>
@@ -3584,7 +3641,48 @@
               </a:rPr>
               <a:t>Этого недостатка лишён следующий алгоритм.</a:t>
             </a:r>
+          </a:p>
+          <a:p>
+            <a:pPr marL="0" indent="0">
+              <a:buNone/>
+            </a:pPr>
+            <a:r>
+              <a:rPr lang="ru-RU" b="0" i="0" dirty="0">
+                <a:effectLst/>
+                <a:latin typeface="fkGroteskNeue"/>
+              </a:rPr>
+              <a:t>В худшем случае временная сложность DPLL остаётся экспоненциальной.</a:t>
+            </a:r>
             <a:endParaRPr lang="ru-RU" dirty="0"/>
+          </a:p>
+        </p:txBody>
+      </p:sp>
+      <p:sp>
+        <p:nvSpPr>
+          <p:cNvPr id="5" name="Номер слайда 4">
+            <a:extLst>
+              <a:ext uri="{FF2B5EF4-FFF2-40B4-BE49-F238E27FC236}">
+                <a16:creationId xmlns:a16="http://schemas.microsoft.com/office/drawing/2014/main" id="{7F3F3132-00CF-4874-8B4C-59FAEA43972C}"/>
+              </a:ext>
+            </a:extLst>
+          </p:cNvPr>
+          <p:cNvSpPr>
+            <a:spLocks noGrp="1"/>
+          </p:cNvSpPr>
+          <p:nvPr>
+            <p:ph type="sldNum" sz="quarter" idx="12"/>
+          </p:nvPr>
+        </p:nvSpPr>
+        <p:spPr/>
+        <p:txBody>
+          <a:bodyPr/>
+          <a:lstStyle/>
+          <a:p>
+            <a:fld id="{EF7A8E35-B303-42FD-88A6-20A8D5E4F372}" type="slidenum">
+              <a:rPr lang="ru-RU" smtClean="0"/>
+              <a:t>10</a:t>
+            </a:fld>
+            <a:endParaRPr lang="ru-RU"/>
           </a:p>
         </p:txBody>
       </p:sp>
@@ -3764,63 +3862,7 @@
                 <a:effectLst/>
                 <a:latin typeface="fkGroteskNeue"/>
               </a:rPr>
-              <a:t> Learning — при обнаружении конфликта выполняется анализ причин конфликта посредством </a:t>
-            </a:r>
-            <a:r>
-              <a:rPr lang="ru-RU" b="0" i="0" dirty="0" err="1">
-                <a:effectLst/>
-                <a:latin typeface="fkGroteskNeue"/>
-              </a:rPr>
-              <a:t>backward</a:t>
-            </a:r>
-            <a:r>
-              <a:rPr lang="ru-RU" b="0" i="0" dirty="0">
-                <a:effectLst/>
-                <a:latin typeface="fkGroteskNeue"/>
-              </a:rPr>
-              <a:t> </a:t>
-            </a:r>
-            <a:r>
-              <a:rPr lang="ru-RU" b="0" i="0" dirty="0" err="1">
-                <a:effectLst/>
-                <a:latin typeface="fkGroteskNeue"/>
-              </a:rPr>
-              <a:t>traversal</a:t>
-            </a:r>
-            <a:r>
-              <a:rPr lang="ru-RU" b="0" i="0" dirty="0">
-                <a:effectLst/>
-                <a:latin typeface="fkGroteskNeue"/>
-              </a:rPr>
-              <a:t> по цепочке причинно-следственных связей (</a:t>
-            </a:r>
-            <a:r>
-              <a:rPr lang="ru-RU" b="0" i="0" dirty="0" err="1">
-                <a:effectLst/>
-                <a:latin typeface="fkGroteskNeue"/>
-              </a:rPr>
-              <a:t>implication</a:t>
-            </a:r>
-            <a:r>
-              <a:rPr lang="ru-RU" b="0" i="0" dirty="0">
-                <a:effectLst/>
-                <a:latin typeface="fkGroteskNeue"/>
-              </a:rPr>
-              <a:t> </a:t>
-            </a:r>
-            <a:r>
-              <a:rPr lang="ru-RU" b="0" i="0" dirty="0" err="1">
-                <a:effectLst/>
-                <a:latin typeface="fkGroteskNeue"/>
-              </a:rPr>
-              <a:t>graph</a:t>
-            </a:r>
-            <a:r>
-              <a:rPr lang="ru-RU" b="0" i="0" dirty="0">
-                <a:effectLst/>
-                <a:latin typeface="fkGroteskNeue"/>
-              </a:rPr>
-              <a:t>); на основе этого анализа синтезируется новая клауза, которая добавляется в формулу и предотвращает повторение идентичного конфликта; </a:t>
+              <a:t> Learning — при обнаружении конфликта анализируются причины конфликта: выполняется обход графа импликаций в обратном направлении; на основе этого анализа синтезируется новая клауза, которая добавляется в формулу и предотвращает повторение идентичного конфликта; </a:t>
             </a:r>
             <a:endParaRPr lang="en-US" b="0" i="0" dirty="0">
               <a:effectLst/>
@@ -3898,6 +3940,35 @@
               <a:effectLst/>
               <a:latin typeface="fkGroteskNeue"/>
             </a:endParaRPr>
+          </a:p>
+        </p:txBody>
+      </p:sp>
+      <p:sp>
+        <p:nvSpPr>
+          <p:cNvPr id="5" name="Номер слайда 4">
+            <a:extLst>
+              <a:ext uri="{FF2B5EF4-FFF2-40B4-BE49-F238E27FC236}">
+                <a16:creationId xmlns:a16="http://schemas.microsoft.com/office/drawing/2014/main" id="{AB133BAB-901F-4384-B9F6-B8D98B83DEDE}"/>
+              </a:ext>
+            </a:extLst>
+          </p:cNvPr>
+          <p:cNvSpPr>
+            <a:spLocks noGrp="1"/>
+          </p:cNvSpPr>
+          <p:nvPr>
+            <p:ph type="sldNum" sz="quarter" idx="12"/>
+          </p:nvPr>
+        </p:nvSpPr>
+        <p:spPr/>
+        <p:txBody>
+          <a:bodyPr/>
+          <a:lstStyle/>
+          <a:p>
+            <a:fld id="{EF7A8E35-B303-42FD-88A6-20A8D5E4F372}" type="slidenum">
+              <a:rPr lang="ru-RU" smtClean="0"/>
+              <a:t>11</a:t>
+            </a:fld>
+            <a:endParaRPr lang="ru-RU"/>
           </a:p>
         </p:txBody>
       </p:sp>
@@ -4185,6 +4256,35 @@
           </a:p>
         </p:txBody>
       </p:sp>
+      <p:sp>
+        <p:nvSpPr>
+          <p:cNvPr id="5" name="Номер слайда 4">
+            <a:extLst>
+              <a:ext uri="{FF2B5EF4-FFF2-40B4-BE49-F238E27FC236}">
+                <a16:creationId xmlns:a16="http://schemas.microsoft.com/office/drawing/2014/main" id="{7D31043C-911B-444D-A1E3-CBCD9C0FA54D}"/>
+              </a:ext>
+            </a:extLst>
+          </p:cNvPr>
+          <p:cNvSpPr>
+            <a:spLocks noGrp="1"/>
+          </p:cNvSpPr>
+          <p:nvPr>
+            <p:ph type="sldNum" sz="quarter" idx="12"/>
+          </p:nvPr>
+        </p:nvSpPr>
+        <p:spPr/>
+        <p:txBody>
+          <a:bodyPr/>
+          <a:lstStyle/>
+          <a:p>
+            <a:fld id="{EF7A8E35-B303-42FD-88A6-20A8D5E4F372}" type="slidenum">
+              <a:rPr lang="ru-RU" smtClean="0"/>
+              <a:t>12</a:t>
+            </a:fld>
+            <a:endParaRPr lang="ru-RU"/>
+          </a:p>
+        </p:txBody>
+      </p:sp>
     </p:spTree>
     <p:extLst>
       <p:ext uri="{BB962C8B-B14F-4D97-AF65-F5344CB8AC3E}">
@@ -4384,10 +4484,39 @@
           </a:p>
         </p:txBody>
       </p:sp>
+      <p:sp>
+        <p:nvSpPr>
+          <p:cNvPr id="5" name="Номер слайда 4">
+            <a:extLst>
+              <a:ext uri="{FF2B5EF4-FFF2-40B4-BE49-F238E27FC236}">
+                <a16:creationId xmlns:a16="http://schemas.microsoft.com/office/drawing/2014/main" id="{1CB4DA7F-6AFA-4332-B7B0-81DF413806FD}"/>
+              </a:ext>
+            </a:extLst>
+          </p:cNvPr>
+          <p:cNvSpPr>
+            <a:spLocks noGrp="1"/>
+          </p:cNvSpPr>
+          <p:nvPr>
+            <p:ph type="sldNum" sz="quarter" idx="12"/>
+          </p:nvPr>
+        </p:nvSpPr>
+        <p:spPr/>
+        <p:txBody>
+          <a:bodyPr/>
+          <a:lstStyle/>
+          <a:p>
+            <a:fld id="{EF7A8E35-B303-42FD-88A6-20A8D5E4F372}" type="slidenum">
+              <a:rPr lang="ru-RU" smtClean="0"/>
+              <a:t>13</a:t>
+            </a:fld>
+            <a:endParaRPr lang="ru-RU"/>
+          </a:p>
+        </p:txBody>
+      </p:sp>
     </p:spTree>
     <p:extLst>
       <p:ext uri="{BB962C8B-B14F-4D97-AF65-F5344CB8AC3E}">
-        <p14:creationId xmlns:p14="http://schemas.microsoft.com/office/powerpoint/2010/main" val="3620044350"/>
+        <p14:creationId xmlns:p14="http://schemas.microsoft.com/office/powerpoint/2010/main" val="2130917507"/>
       </p:ext>
     </p:extLst>
   </p:cSld>
@@ -4443,13 +4572,18 @@
           <a:lstStyle/>
           <a:p>
             <a:r>
-              <a:rPr lang="ru-RU" dirty="0">
+              <a:rPr lang="en-US" dirty="0">
                 <a:solidFill>
                   <a:schemeClr val="bg1"/>
                 </a:solidFill>
               </a:rPr>
-              <a:t>Описание ПК</a:t>
-            </a:r>
+              <a:t>AST</a:t>
+            </a:r>
+            <a:endParaRPr lang="ru-RU" dirty="0">
+              <a:solidFill>
+                <a:schemeClr val="bg1"/>
+              </a:solidFill>
+            </a:endParaRPr>
           </a:p>
         </p:txBody>
       </p:sp>
@@ -4489,67 +4623,132 @@
                 <a:effectLst/>
                 <a:latin typeface="fkGroteskNeue"/>
               </a:rPr>
-              <a:t>Реализованная система верификации состоит из следующих основных компонентов: </a:t>
-            </a:r>
-          </a:p>
-          <a:p>
-            <a:pPr marL="0" indent="0">
-              <a:buNone/>
-            </a:pPr>
-            <a:r>
-              <a:rPr lang="ru-RU" b="0" i="0" dirty="0">
-                <a:effectLst/>
-                <a:latin typeface="fkGroteskNeue"/>
-              </a:rPr>
-              <a:t>(1) </a:t>
+              <a:t>Абстрактное синтаксическое дерево (англ. </a:t>
             </a:r>
             <a:r>
               <a:rPr lang="ru-RU" b="0" i="0" dirty="0" err="1">
                 <a:effectLst/>
                 <a:latin typeface="fkGroteskNeue"/>
               </a:rPr>
-              <a:t>Tokenizer</a:t>
-            </a:r>
-            <a:r>
-              <a:rPr lang="ru-RU" b="0" i="0" dirty="0">
-                <a:effectLst/>
-                <a:latin typeface="fkGroteskNeue"/>
-              </a:rPr>
-              <a:t> — лексический анализатор, преобразующий входную строку булева выражения в последовательность токенов (переменные, операторы, скобки), с обработкой ошибок синтаксиса; </a:t>
-            </a:r>
-          </a:p>
-          <a:p>
-            <a:pPr marL="0" indent="0">
-              <a:buNone/>
-            </a:pPr>
-            <a:r>
-              <a:rPr lang="ru-RU" b="0" i="0" dirty="0">
-                <a:effectLst/>
-                <a:latin typeface="fkGroteskNeue"/>
-              </a:rPr>
-              <a:t>(2) </a:t>
+              <a:t>abstract</a:t>
+            </a:r>
+            <a:r>
+              <a:rPr lang="ru-RU" b="0" i="0" dirty="0">
+                <a:effectLst/>
+                <a:latin typeface="fkGroteskNeue"/>
+              </a:rPr>
+              <a:t> </a:t>
             </a:r>
             <a:r>
               <a:rPr lang="ru-RU" b="0" i="0" dirty="0" err="1">
                 <a:effectLst/>
                 <a:latin typeface="fkGroteskNeue"/>
               </a:rPr>
-              <a:t>Parser</a:t>
-            </a:r>
-            <a:r>
-              <a:rPr lang="ru-RU" b="0" i="0" dirty="0">
-                <a:effectLst/>
-                <a:latin typeface="fkGroteskNeue"/>
-              </a:rPr>
-              <a:t> — синтаксический анализатор, конструирующий Абстрактное Синтаксическое Дерево (AST) с соблюдением приоритета операций (!&gt; ∧ &gt; ∨ &gt; →); </a:t>
-            </a:r>
+              <a:t>syntax</a:t>
+            </a:r>
+            <a:r>
+              <a:rPr lang="ru-RU" b="0" i="0" dirty="0">
+                <a:effectLst/>
+                <a:latin typeface="fkGroteskNeue"/>
+              </a:rPr>
+              <a:t> </a:t>
+            </a:r>
+            <a:r>
+              <a:rPr lang="ru-RU" b="0" i="0" dirty="0" err="1">
+                <a:effectLst/>
+                <a:latin typeface="fkGroteskNeue"/>
+              </a:rPr>
+              <a:t>tree</a:t>
+            </a:r>
+            <a:r>
+              <a:rPr lang="ru-RU" b="0" i="0" dirty="0">
+                <a:effectLst/>
+                <a:latin typeface="fkGroteskNeue"/>
+              </a:rPr>
+              <a:t>, AST) — конечное помеченное ориентированное дерево, в котором внутренние вершины сопоставлены (помечены) с операторами, а листья — с соответствующими операндами.</a:t>
+            </a:r>
+            <a:r>
+              <a:rPr lang="en-US" b="0" i="0" dirty="0">
+                <a:effectLst/>
+                <a:latin typeface="fkGroteskNeue"/>
+              </a:rPr>
+              <a:t> </a:t>
+            </a:r>
+            <a:r>
+              <a:rPr lang="ru-RU" dirty="0"/>
+              <a:t>Таким образом, листья являются пустыми операторами и представляют только переменные и константы.</a:t>
+            </a:r>
+          </a:p>
+        </p:txBody>
+      </p:sp>
+      <p:pic>
+        <p:nvPicPr>
+          <p:cNvPr id="5" name="Рисунок 4">
+            <a:extLst>
+              <a:ext uri="{FF2B5EF4-FFF2-40B4-BE49-F238E27FC236}">
+                <a16:creationId xmlns:a16="http://schemas.microsoft.com/office/drawing/2014/main" id="{2F58395C-9FD8-4434-81C3-6965928A0080}"/>
+              </a:ext>
+            </a:extLst>
+          </p:cNvPr>
+          <p:cNvPicPr>
+            <a:picLocks noChangeAspect="1"/>
+          </p:cNvPicPr>
+          <p:nvPr/>
+        </p:nvPicPr>
+        <p:blipFill rotWithShape="1">
+          <a:blip r:embed="rId2">
+            <a:extLst>
+              <a:ext uri="{28A0092B-C50C-407E-A947-70E740481C1C}">
+                <a14:useLocalDpi xmlns:a14="http://schemas.microsoft.com/office/drawing/2010/main" val="0"/>
+              </a:ext>
+            </a:extLst>
+          </a:blip>
+          <a:srcRect t="13107"/>
+          <a:stretch/>
+        </p:blipFill>
+        <p:spPr>
+          <a:xfrm>
+            <a:off x="5449561" y="4039501"/>
+            <a:ext cx="5904239" cy="2404842"/>
+          </a:xfrm>
+          <a:prstGeom prst="rect">
+            <a:avLst/>
+          </a:prstGeom>
+        </p:spPr>
+      </p:pic>
+      <p:sp>
+        <p:nvSpPr>
+          <p:cNvPr id="6" name="Номер слайда 5">
+            <a:extLst>
+              <a:ext uri="{FF2B5EF4-FFF2-40B4-BE49-F238E27FC236}">
+                <a16:creationId xmlns:a16="http://schemas.microsoft.com/office/drawing/2014/main" id="{0CE1BE82-7172-4188-874A-3C6F6F47E75A}"/>
+              </a:ext>
+            </a:extLst>
+          </p:cNvPr>
+          <p:cNvSpPr>
+            <a:spLocks noGrp="1"/>
+          </p:cNvSpPr>
+          <p:nvPr>
+            <p:ph type="sldNum" sz="quarter" idx="12"/>
+          </p:nvPr>
+        </p:nvSpPr>
+        <p:spPr/>
+        <p:txBody>
+          <a:bodyPr/>
+          <a:lstStyle/>
+          <a:p>
+            <a:fld id="{EF7A8E35-B303-42FD-88A6-20A8D5E4F372}" type="slidenum">
+              <a:rPr lang="ru-RU" smtClean="0"/>
+              <a:t>14</a:t>
+            </a:fld>
+            <a:endParaRPr lang="ru-RU"/>
           </a:p>
         </p:txBody>
       </p:sp>
     </p:spTree>
     <p:extLst>
       <p:ext uri="{BB962C8B-B14F-4D97-AF65-F5344CB8AC3E}">
-        <p14:creationId xmlns:p14="http://schemas.microsoft.com/office/powerpoint/2010/main" val="283163326"/>
+        <p14:creationId xmlns:p14="http://schemas.microsoft.com/office/powerpoint/2010/main" val="2002222344"/>
       </p:ext>
     </p:extLst>
   </p:cSld>
@@ -4639,7 +4838,7 @@
         </p:spPr>
         <p:txBody>
           <a:bodyPr>
-            <a:normAutofit fontScale="92500" lnSpcReduction="10000"/>
+            <a:normAutofit/>
           </a:bodyPr>
           <a:lstStyle/>
           <a:p>
@@ -4651,192 +4850,96 @@
                 <a:effectLst/>
                 <a:latin typeface="fkGroteskNeue"/>
               </a:rPr>
-              <a:t>(3) AST </a:t>
+              <a:t>Реализованная система верификации состоит из следующих основных компонентов: </a:t>
+            </a:r>
+          </a:p>
+          <a:p>
+            <a:pPr marL="0" indent="0">
+              <a:buNone/>
+            </a:pPr>
+            <a:r>
+              <a:rPr lang="ru-RU" b="0" i="0" dirty="0">
+                <a:effectLst/>
+                <a:latin typeface="fkGroteskNeue"/>
+              </a:rPr>
+              <a:t>(1) </a:t>
             </a:r>
             <a:r>
               <a:rPr lang="ru-RU" b="0" i="0" dirty="0" err="1">
                 <a:effectLst/>
                 <a:latin typeface="fkGroteskNeue"/>
               </a:rPr>
-              <a:t>Representation</a:t>
-            </a:r>
-            <a:r>
-              <a:rPr lang="ru-RU" b="0" i="0" dirty="0">
-                <a:effectLst/>
-                <a:latin typeface="fkGroteskNeue"/>
-              </a:rPr>
-              <a:t> — иерархическое представление формулы с использованием узлов типов </a:t>
+              <a:t>Tokenizer</a:t>
+            </a:r>
+            <a:r>
+              <a:rPr lang="ru-RU" b="0" i="0" dirty="0">
+                <a:effectLst/>
+                <a:latin typeface="fkGroteskNeue"/>
+              </a:rPr>
+              <a:t> — лексический анализатор, преобразующий входную строку булева выражения в последовательность токенов (переменные, операторы, скобки), с обработкой ошибок синтаксиса; </a:t>
+            </a:r>
+          </a:p>
+          <a:p>
+            <a:pPr marL="0" indent="0">
+              <a:buNone/>
+            </a:pPr>
+            <a:r>
+              <a:rPr lang="ru-RU" b="0" i="0" dirty="0">
+                <a:effectLst/>
+                <a:latin typeface="fkGroteskNeue"/>
+              </a:rPr>
+              <a:t>(2) </a:t>
             </a:r>
             <a:r>
               <a:rPr lang="ru-RU" b="0" i="0" dirty="0" err="1">
                 <a:effectLst/>
                 <a:latin typeface="fkGroteskNeue"/>
               </a:rPr>
-              <a:t>Var</a:t>
-            </a:r>
-            <a:r>
-              <a:rPr lang="ru-RU" b="0" i="0" dirty="0">
-                <a:effectLst/>
-                <a:latin typeface="fkGroteskNeue"/>
-              </a:rPr>
-              <a:t> (переменная), </a:t>
-            </a:r>
-            <a:r>
-              <a:rPr lang="ru-RU" b="0" i="0" dirty="0" err="1">
-                <a:effectLst/>
-                <a:latin typeface="fkGroteskNeue"/>
-              </a:rPr>
-              <a:t>NotNode</a:t>
-            </a:r>
-            <a:r>
-              <a:rPr lang="ru-RU" b="0" i="0" dirty="0">
-                <a:effectLst/>
-                <a:latin typeface="fkGroteskNeue"/>
-              </a:rPr>
-              <a:t> (отрицание), </a:t>
-            </a:r>
-            <a:r>
-              <a:rPr lang="ru-RU" b="0" i="0" dirty="0" err="1">
-                <a:effectLst/>
-                <a:latin typeface="fkGroteskNeue"/>
-              </a:rPr>
-              <a:t>BinNode</a:t>
-            </a:r>
-            <a:r>
-              <a:rPr lang="ru-RU" b="0" i="0" dirty="0">
-                <a:effectLst/>
-                <a:latin typeface="fkGroteskNeue"/>
-              </a:rPr>
-              <a:t> (бинарная операция);</a:t>
-            </a:r>
-          </a:p>
-          <a:p>
-            <a:pPr marL="0" indent="0">
-              <a:buNone/>
-            </a:pPr>
-            <a:r>
-              <a:rPr lang="ru-RU" b="0" i="0" dirty="0">
-                <a:effectLst/>
-                <a:latin typeface="fkGroteskNeue"/>
-              </a:rPr>
-              <a:t>(4) </a:t>
-            </a:r>
-            <a:r>
-              <a:rPr lang="ru-RU" b="0" i="0" dirty="0" err="1">
-                <a:effectLst/>
-                <a:latin typeface="fkGroteskNeue"/>
-              </a:rPr>
-              <a:t>Brute</a:t>
-            </a:r>
-            <a:r>
-              <a:rPr lang="ru-RU" b="0" i="0" dirty="0">
-                <a:effectLst/>
-                <a:latin typeface="fkGroteskNeue"/>
-              </a:rPr>
-              <a:t> Force </a:t>
-            </a:r>
-            <a:r>
-              <a:rPr lang="ru-RU" b="0" i="0" dirty="0" err="1">
-                <a:effectLst/>
-                <a:latin typeface="fkGroteskNeue"/>
-              </a:rPr>
-              <a:t>Verifier</a:t>
-            </a:r>
-            <a:r>
-              <a:rPr lang="ru-RU" b="0" i="0" dirty="0">
-                <a:effectLst/>
-                <a:latin typeface="fkGroteskNeue"/>
-              </a:rPr>
-              <a:t> — модуль полного перебора, перечисляющий все 2ⁿ интерпретаций и сравнивающий результаты вычисления обеих формул;</a:t>
-            </a:r>
-          </a:p>
-          <a:p>
-            <a:pPr marL="0" indent="0">
-              <a:buNone/>
-            </a:pPr>
-            <a:r>
-              <a:rPr lang="ru-RU" b="0" i="0" dirty="0">
-                <a:effectLst/>
-                <a:latin typeface="fkGroteskNeue"/>
-              </a:rPr>
-              <a:t>(5) Z3 </a:t>
-            </a:r>
-            <a:r>
-              <a:rPr lang="ru-RU" b="0" i="0" dirty="0" err="1">
-                <a:effectLst/>
-                <a:latin typeface="fkGroteskNeue"/>
-              </a:rPr>
-              <a:t>Integration</a:t>
-            </a:r>
-            <a:r>
-              <a:rPr lang="ru-RU" b="0" i="0" dirty="0">
-                <a:effectLst/>
-                <a:latin typeface="fkGroteskNeue"/>
-              </a:rPr>
-              <a:t> Layer — преобразование AST в Z3-выражения и использование Z3 </a:t>
-            </a:r>
-            <a:r>
-              <a:rPr lang="ru-RU" b="0" i="0" dirty="0" err="1">
-                <a:effectLst/>
-                <a:latin typeface="fkGroteskNeue"/>
-              </a:rPr>
-              <a:t>Solver</a:t>
-            </a:r>
-            <a:r>
-              <a:rPr lang="ru-RU" b="0" i="0" dirty="0">
-                <a:effectLst/>
-                <a:latin typeface="fkGroteskNeue"/>
-              </a:rPr>
-              <a:t> для проверки выполнимости </a:t>
-            </a:r>
-            <a:r>
-              <a:rPr lang="ru-RU" b="0" i="0" dirty="0" err="1">
-                <a:effectLst/>
-                <a:latin typeface="fkGroteskNeue"/>
-              </a:rPr>
-              <a:t>miter</a:t>
-            </a:r>
-            <a:r>
-              <a:rPr lang="ru-RU" b="0" i="0" dirty="0">
-                <a:effectLst/>
-                <a:latin typeface="fkGroteskNeue"/>
-              </a:rPr>
-              <a:t>;</a:t>
-            </a:r>
-          </a:p>
-          <a:p>
-            <a:pPr marL="0" indent="0">
-              <a:buNone/>
-            </a:pPr>
-            <a:r>
-              <a:rPr lang="ru-RU" b="0" i="0" dirty="0">
-                <a:effectLst/>
-                <a:latin typeface="fkGroteskNeue"/>
-              </a:rPr>
-              <a:t>(6) </a:t>
-            </a:r>
-            <a:r>
-              <a:rPr lang="ru-RU" b="0" i="0" dirty="0" err="1">
-                <a:effectLst/>
-                <a:latin typeface="fkGroteskNeue"/>
-              </a:rPr>
-              <a:t>Benchmarking</a:t>
-            </a:r>
-            <a:r>
-              <a:rPr lang="ru-RU" b="0" i="0" dirty="0">
-                <a:effectLst/>
-                <a:latin typeface="fkGroteskNeue"/>
-              </a:rPr>
-              <a:t> Framework — система сбора и анализа временных метрик, включающая измерение производительности обоих подходов на формулах возрастающей сложности с сохранением результатов в CSV-формате.</a:t>
-            </a:r>
-            <a:endParaRPr lang="ru-RU" dirty="0"/>
+              <a:t>Parser</a:t>
+            </a:r>
+            <a:r>
+              <a:rPr lang="ru-RU" b="0" i="0" dirty="0">
+                <a:effectLst/>
+                <a:latin typeface="fkGroteskNeue"/>
+              </a:rPr>
+              <a:t> — синтаксический анализатор, конструирующий Абстрактное Синтаксическое Дерево (AST) с соблюдением приоритета операций (!&gt; ∧ &gt; ∨ &gt; →); </a:t>
+            </a:r>
+          </a:p>
+        </p:txBody>
+      </p:sp>
+      <p:sp>
+        <p:nvSpPr>
+          <p:cNvPr id="5" name="Номер слайда 4">
+            <a:extLst>
+              <a:ext uri="{FF2B5EF4-FFF2-40B4-BE49-F238E27FC236}">
+                <a16:creationId xmlns:a16="http://schemas.microsoft.com/office/drawing/2014/main" id="{80DF14DF-BD61-4C34-9E4E-CCFAF16E940B}"/>
+              </a:ext>
+            </a:extLst>
+          </p:cNvPr>
+          <p:cNvSpPr>
+            <a:spLocks noGrp="1"/>
+          </p:cNvSpPr>
+          <p:nvPr>
+            <p:ph type="sldNum" sz="quarter" idx="12"/>
+          </p:nvPr>
+        </p:nvSpPr>
+        <p:spPr/>
+        <p:txBody>
+          <a:bodyPr/>
+          <a:lstStyle/>
+          <a:p>
+            <a:fld id="{EF7A8E35-B303-42FD-88A6-20A8D5E4F372}" type="slidenum">
+              <a:rPr lang="ru-RU" smtClean="0"/>
+              <a:t>15</a:t>
+            </a:fld>
+            <a:endParaRPr lang="ru-RU"/>
           </a:p>
         </p:txBody>
       </p:sp>
     </p:spTree>
     <p:extLst>
       <p:ext uri="{BB962C8B-B14F-4D97-AF65-F5344CB8AC3E}">
-        <p14:creationId xmlns:p14="http://schemas.microsoft.com/office/powerpoint/2010/main" val="1298711507"/>
+        <p14:creationId xmlns:p14="http://schemas.microsoft.com/office/powerpoint/2010/main" val="283163326"/>
       </p:ext>
     </p:extLst>
   </p:cSld>
@@ -4897,7 +5000,7 @@
                   <a:schemeClr val="bg1"/>
                 </a:solidFill>
               </a:rPr>
-              <a:t>Полный перебор</a:t>
+              <a:t>Описание ПК</a:t>
             </a:r>
           </a:p>
         </p:txBody>
@@ -4926,7 +5029,7 @@
         </p:spPr>
         <p:txBody>
           <a:bodyPr>
-            <a:normAutofit/>
+            <a:normAutofit fontScale="92500" lnSpcReduction="10000"/>
           </a:bodyPr>
           <a:lstStyle/>
           <a:p>
@@ -4938,7 +5041,63 @@
                 <a:effectLst/>
                 <a:latin typeface="fkGroteskNeue"/>
               </a:rPr>
-              <a:t>Алгоритм полного перебора для проверки эквивалентности двух булевых формул F₁ и F₂ основан на следующей процедуре:</a:t>
+              <a:t>(3) AST </a:t>
+            </a:r>
+            <a:r>
+              <a:rPr lang="ru-RU" b="0" i="0" dirty="0" err="1">
+                <a:effectLst/>
+                <a:latin typeface="fkGroteskNeue"/>
+              </a:rPr>
+              <a:t>Representation</a:t>
+            </a:r>
+            <a:r>
+              <a:rPr lang="ru-RU" b="0" i="0" dirty="0">
+                <a:effectLst/>
+                <a:latin typeface="fkGroteskNeue"/>
+              </a:rPr>
+              <a:t> — иерархическое представление формулы с использованием узлов типов </a:t>
+            </a:r>
+            <a:r>
+              <a:rPr lang="ru-RU" b="0" i="0" dirty="0" err="1">
+                <a:effectLst/>
+                <a:latin typeface="fkGroteskNeue"/>
+              </a:rPr>
+              <a:t>Var</a:t>
+            </a:r>
+            <a:r>
+              <a:rPr lang="ru-RU" b="0" i="0" dirty="0">
+                <a:effectLst/>
+                <a:latin typeface="fkGroteskNeue"/>
+              </a:rPr>
+              <a:t> (переменная), </a:t>
+            </a:r>
+            <a:r>
+              <a:rPr lang="ru-RU" b="0" i="0" dirty="0" err="1">
+                <a:effectLst/>
+                <a:latin typeface="fkGroteskNeue"/>
+              </a:rPr>
+              <a:t>NotNode</a:t>
+            </a:r>
+            <a:r>
+              <a:rPr lang="ru-RU" b="0" i="0" dirty="0">
+                <a:effectLst/>
+                <a:latin typeface="fkGroteskNeue"/>
+              </a:rPr>
+              <a:t> (отрицание), </a:t>
+            </a:r>
+            <a:r>
+              <a:rPr lang="ru-RU" b="0" i="0" dirty="0" err="1">
+                <a:effectLst/>
+                <a:latin typeface="fkGroteskNeue"/>
+              </a:rPr>
+              <a:t>BinNode</a:t>
+            </a:r>
+            <a:r>
+              <a:rPr lang="ru-RU" b="0" i="0" dirty="0">
+                <a:effectLst/>
+                <a:latin typeface="fkGroteskNeue"/>
+              </a:rPr>
+              <a:t> (бинарная операция);</a:t>
             </a:r>
           </a:p>
           <a:p>
@@ -4950,57 +5109,153 @@
                 <a:effectLst/>
                 <a:latin typeface="fkGroteskNeue"/>
               </a:rPr>
-              <a:t>Пусть </a:t>
+              <a:t>(4) </a:t>
             </a:r>
             <a:r>
               <a:rPr lang="ru-RU" b="0" i="0" dirty="0" err="1">
                 <a:effectLst/>
                 <a:latin typeface="fkGroteskNeue"/>
               </a:rPr>
-              <a:t>Var</a:t>
-            </a:r>
-            <a:r>
-              <a:rPr lang="ru-RU" b="0" i="0" dirty="0">
-                <a:effectLst/>
-                <a:latin typeface="fkGroteskNeue"/>
-              </a:rPr>
-              <a:t> = {x₀, x₁, ..., xₙ₋₁} — объединение множеств переменных обеих формул. Для каждой интерпретации σ: </a:t>
+              <a:t>Brute</a:t>
+            </a:r>
+            <a:r>
+              <a:rPr lang="ru-RU" b="0" i="0" dirty="0">
+                <a:effectLst/>
+                <a:latin typeface="fkGroteskNeue"/>
+              </a:rPr>
+              <a:t> Force </a:t>
             </a:r>
             <a:r>
               <a:rPr lang="ru-RU" b="0" i="0" dirty="0" err="1">
                 <a:effectLst/>
                 <a:latin typeface="fkGroteskNeue"/>
               </a:rPr>
-              <a:t>Var</a:t>
-            </a:r>
-            <a:r>
-              <a:rPr lang="ru-RU" b="0" i="0" dirty="0">
-                <a:effectLst/>
-                <a:latin typeface="fkGroteskNeue"/>
-              </a:rPr>
-              <a:t> → {0, 1} (всего 2ⁿ интерпретаций) вычисляются значения F₁(σ) и F₂(σ). Если существует интерпретация σ, для которой F₁(σ) ≠ F₂(σ), формулы не эквивалентны — процедура возвращает </a:t>
+              <a:t>Verifier</a:t>
+            </a:r>
+            <a:r>
+              <a:rPr lang="ru-RU" b="0" i="0" dirty="0">
+                <a:effectLst/>
+                <a:latin typeface="fkGroteskNeue"/>
+              </a:rPr>
+              <a:t> — модуль полного перебора, перечисляющий все 2ⁿ интерпретаций и сравнивающий результаты вычисления обеих формул;</a:t>
+            </a:r>
+          </a:p>
+          <a:p>
+            <a:pPr marL="0" indent="0">
+              <a:buNone/>
+            </a:pPr>
+            <a:r>
+              <a:rPr lang="ru-RU" b="0" i="0" dirty="0">
+                <a:effectLst/>
+                <a:latin typeface="fkGroteskNeue"/>
+              </a:rPr>
+              <a:t>(5) Z3 </a:t>
             </a:r>
             <a:r>
               <a:rPr lang="ru-RU" b="0" i="0" dirty="0" err="1">
                 <a:effectLst/>
                 <a:latin typeface="fkGroteskNeue"/>
               </a:rPr>
-              <a:t>False</a:t>
-            </a:r>
-            <a:r>
-              <a:rPr lang="ru-RU" b="0" i="0" dirty="0">
-                <a:effectLst/>
-                <a:latin typeface="fkGroteskNeue"/>
-              </a:rPr>
-              <a:t>. Если все интерпретации удовлетворяют F₁(σ) = F₂(σ), формулы эквивалентны — возвращает True. </a:t>
-            </a:r>
+              <a:t>Integration</a:t>
+            </a:r>
+            <a:r>
+              <a:rPr lang="ru-RU" b="0" i="0" dirty="0">
+                <a:effectLst/>
+                <a:latin typeface="fkGroteskNeue"/>
+              </a:rPr>
+              <a:t> Layer — преобразование AST в Z3-выражения и использование Z3 </a:t>
+            </a:r>
+            <a:r>
+              <a:rPr lang="ru-RU" b="0" i="0" dirty="0" err="1">
+                <a:effectLst/>
+                <a:latin typeface="fkGroteskNeue"/>
+              </a:rPr>
+              <a:t>Solver</a:t>
+            </a:r>
+            <a:r>
+              <a:rPr lang="ru-RU" b="0" i="0" dirty="0">
+                <a:effectLst/>
+                <a:latin typeface="fkGroteskNeue"/>
+              </a:rPr>
+              <a:t> для проверки выполнимости </a:t>
+            </a:r>
+            <a:r>
+              <a:rPr lang="ru-RU" b="0" i="0" dirty="0" err="1">
+                <a:effectLst/>
+                <a:latin typeface="fkGroteskNeue"/>
+              </a:rPr>
+              <a:t>miter</a:t>
+            </a:r>
+            <a:r>
+              <a:rPr lang="ru-RU" b="0" i="0" dirty="0">
+                <a:effectLst/>
+                <a:latin typeface="fkGroteskNeue"/>
+              </a:rPr>
+              <a:t>;</a:t>
+            </a:r>
+          </a:p>
+          <a:p>
+            <a:pPr marL="0" indent="0">
+              <a:buNone/>
+            </a:pPr>
+            <a:r>
+              <a:rPr lang="ru-RU" b="0" i="0" dirty="0">
+                <a:effectLst/>
+                <a:latin typeface="fkGroteskNeue"/>
+              </a:rPr>
+              <a:t>(6) </a:t>
+            </a:r>
+            <a:r>
+              <a:rPr lang="ru-RU" b="0" i="0" dirty="0" err="1">
+                <a:effectLst/>
+                <a:latin typeface="fkGroteskNeue"/>
+              </a:rPr>
+              <a:t>Benchmarking</a:t>
+            </a:r>
+            <a:r>
+              <a:rPr lang="ru-RU" b="0" i="0" dirty="0">
+                <a:effectLst/>
+                <a:latin typeface="fkGroteskNeue"/>
+              </a:rPr>
+              <a:t> Framework — система сбора и анализа временных метрик, включающая измерение производительности обоих подходов на формулах возрастающей сложности с сохранением результатов в CSV-формате.</a:t>
+            </a:r>
+            <a:endParaRPr lang="ru-RU" dirty="0"/>
+          </a:p>
+        </p:txBody>
+      </p:sp>
+      <p:sp>
+        <p:nvSpPr>
+          <p:cNvPr id="5" name="Номер слайда 4">
+            <a:extLst>
+              <a:ext uri="{FF2B5EF4-FFF2-40B4-BE49-F238E27FC236}">
+                <a16:creationId xmlns:a16="http://schemas.microsoft.com/office/drawing/2014/main" id="{EAC1ABF7-2EAC-45F1-9081-D88161981163}"/>
+              </a:ext>
+            </a:extLst>
+          </p:cNvPr>
+          <p:cNvSpPr>
+            <a:spLocks noGrp="1"/>
+          </p:cNvSpPr>
+          <p:nvPr>
+            <p:ph type="sldNum" sz="quarter" idx="12"/>
+          </p:nvPr>
+        </p:nvSpPr>
+        <p:spPr/>
+        <p:txBody>
+          <a:bodyPr/>
+          <a:lstStyle/>
+          <a:p>
+            <a:fld id="{EF7A8E35-B303-42FD-88A6-20A8D5E4F372}" type="slidenum">
+              <a:rPr lang="ru-RU" smtClean="0"/>
+              <a:t>16</a:t>
+            </a:fld>
+            <a:endParaRPr lang="ru-RU"/>
           </a:p>
         </p:txBody>
       </p:sp>
     </p:spTree>
     <p:extLst>
       <p:ext uri="{BB962C8B-B14F-4D97-AF65-F5344CB8AC3E}">
-        <p14:creationId xmlns:p14="http://schemas.microsoft.com/office/powerpoint/2010/main" val="166322421"/>
+        <p14:creationId xmlns:p14="http://schemas.microsoft.com/office/powerpoint/2010/main" val="1298711507"/>
       </p:ext>
     </p:extLst>
   </p:cSld>
@@ -5098,25 +5353,11 @@
               <a:buNone/>
             </a:pPr>
             <a:r>
-              <a:rPr lang="ru-RU" b="0" i="0">
-                <a:effectLst/>
-                <a:latin typeface="fkGroteskNeue"/>
-              </a:rPr>
-              <a:t>Временная </a:t>
-            </a:r>
-            <a:r>
-              <a:rPr lang="ru-RU" b="0" i="0" dirty="0">
-                <a:effectLst/>
-                <a:latin typeface="fkGroteskNeue"/>
-              </a:rPr>
-              <a:t>сложность алгоритма: T = O(2ⁿ · m), где m — время вычисления формулы. Пространственная сложность: O(n). Практическая верхняя граница применимости полного перебора составляет n ≤ 25 переменных на современных ПК, при этом время вычисления может достигать нескольких минут</a:t>
-            </a:r>
-            <a:r>
-              <a:rPr lang="ru-RU" b="0" i="0">
-                <a:effectLst/>
-                <a:latin typeface="fkGroteskNeue"/>
-              </a:rPr>
-              <a:t>. </a:t>
+              <a:rPr lang="ru-RU" b="0" i="0" dirty="0">
+                <a:effectLst/>
+                <a:latin typeface="fkGroteskNeue"/>
+              </a:rPr>
+              <a:t>Алгоритм полного перебора для проверки эквивалентности двух булевых формул F₁ и F₂ основан на следующей процедуре:</a:t>
             </a:r>
           </a:p>
           <a:p>
@@ -5124,27 +5365,90 @@
               <a:buNone/>
             </a:pPr>
             <a:r>
-              <a:rPr lang="ru-RU" b="0" i="0">
-                <a:effectLst/>
-                <a:latin typeface="fkGroteskNeue"/>
-              </a:rPr>
-              <a:t>Преимущество </a:t>
-            </a:r>
-            <a:r>
-              <a:rPr lang="ru-RU" b="0" i="0" dirty="0">
-                <a:effectLst/>
-                <a:latin typeface="fkGroteskNeue"/>
-              </a:rPr>
-              <a:t>метода — простота реализации и гарантированная корректность. Недостаток — невозможность масштабирования на более крупные задачи.</a:t>
-            </a:r>
-            <a:endParaRPr lang="ru-RU" dirty="0"/>
+              <a:rPr lang="ru-RU" b="0" i="0" dirty="0">
+                <a:effectLst/>
+                <a:latin typeface="fkGroteskNeue"/>
+              </a:rPr>
+              <a:t>Пусть </a:t>
+            </a:r>
+            <a:r>
+              <a:rPr lang="ru-RU" b="0" i="0" dirty="0" err="1">
+                <a:effectLst/>
+                <a:latin typeface="fkGroteskNeue"/>
+              </a:rPr>
+              <a:t>Var</a:t>
+            </a:r>
+            <a:r>
+              <a:rPr lang="ru-RU" b="0" i="0" dirty="0">
+                <a:effectLst/>
+                <a:latin typeface="fkGroteskNeue"/>
+              </a:rPr>
+              <a:t> = {x₀, x₁, ..., xₙ₋₁} — объединение множеств переменных обеих формул. Для каждой интерпретации σ: </a:t>
+            </a:r>
+            <a:r>
+              <a:rPr lang="ru-RU" b="0" i="0" dirty="0" err="1">
+                <a:effectLst/>
+                <a:latin typeface="fkGroteskNeue"/>
+              </a:rPr>
+              <a:t>Var</a:t>
+            </a:r>
+            <a:r>
+              <a:rPr lang="ru-RU" b="0" i="0" dirty="0">
+                <a:effectLst/>
+                <a:latin typeface="fkGroteskNeue"/>
+              </a:rPr>
+              <a:t> → {0, 1} (всего 2ⁿ интерпретаций) вычисляются значения F₁(σ) и F₂(σ). Если существует интерпретация σ, для которой F₁(σ) ≠ F₂(σ), формулы не эквивалентны — процедура возвращает </a:t>
+            </a:r>
+            <a:r>
+              <a:rPr lang="ru-RU" b="0" i="0" dirty="0" err="1">
+                <a:effectLst/>
+                <a:latin typeface="fkGroteskNeue"/>
+              </a:rPr>
+              <a:t>False</a:t>
+            </a:r>
+            <a:r>
+              <a:rPr lang="ru-RU" b="0" i="0" dirty="0">
+                <a:effectLst/>
+                <a:latin typeface="fkGroteskNeue"/>
+              </a:rPr>
+              <a:t>. Если все интерпретации удовлетворяют F₁(σ) = F₂(σ), формулы эквивалентны — возвращает True. </a:t>
+            </a:r>
+          </a:p>
+        </p:txBody>
+      </p:sp>
+      <p:sp>
+        <p:nvSpPr>
+          <p:cNvPr id="5" name="Номер слайда 4">
+            <a:extLst>
+              <a:ext uri="{FF2B5EF4-FFF2-40B4-BE49-F238E27FC236}">
+                <a16:creationId xmlns:a16="http://schemas.microsoft.com/office/drawing/2014/main" id="{40FDAAFE-ACCE-459A-BD42-482B02F6CD9B}"/>
+              </a:ext>
+            </a:extLst>
+          </p:cNvPr>
+          <p:cNvSpPr>
+            <a:spLocks noGrp="1"/>
+          </p:cNvSpPr>
+          <p:nvPr>
+            <p:ph type="sldNum" sz="quarter" idx="12"/>
+          </p:nvPr>
+        </p:nvSpPr>
+        <p:spPr/>
+        <p:txBody>
+          <a:bodyPr/>
+          <a:lstStyle/>
+          <a:p>
+            <a:fld id="{EF7A8E35-B303-42FD-88A6-20A8D5E4F372}" type="slidenum">
+              <a:rPr lang="ru-RU" smtClean="0"/>
+              <a:t>17</a:t>
+            </a:fld>
+            <a:endParaRPr lang="ru-RU"/>
           </a:p>
         </p:txBody>
       </p:sp>
     </p:spTree>
     <p:extLst>
       <p:ext uri="{BB962C8B-B14F-4D97-AF65-F5344CB8AC3E}">
-        <p14:creationId xmlns:p14="http://schemas.microsoft.com/office/powerpoint/2010/main" val="1863443848"/>
+        <p14:creationId xmlns:p14="http://schemas.microsoft.com/office/powerpoint/2010/main" val="166322421"/>
       </p:ext>
     </p:extLst>
   </p:cSld>
@@ -5205,21 +5509,8 @@
                   <a:schemeClr val="bg1"/>
                 </a:solidFill>
               </a:rPr>
-              <a:t>Использование </a:t>
-            </a:r>
-            <a:r>
-              <a:rPr lang="en-US" dirty="0">
-                <a:solidFill>
-                  <a:schemeClr val="bg1"/>
-                </a:solidFill>
-              </a:rPr>
-              <a:t>Z3</a:t>
-            </a:r>
-            <a:endParaRPr lang="ru-RU" dirty="0">
-              <a:solidFill>
-                <a:schemeClr val="bg1"/>
-              </a:solidFill>
-            </a:endParaRPr>
+              <a:t>Полный перебор</a:t>
+            </a:r>
           </a:p>
         </p:txBody>
       </p:sp>
@@ -5255,127 +5546,82 @@
               <a:buNone/>
             </a:pPr>
             <a:r>
-              <a:rPr lang="ru-RU" b="0" i="0" dirty="0">
-                <a:effectLst/>
-                <a:latin typeface="fkGroteskNeue"/>
-              </a:rPr>
-              <a:t>Подход верификации с использованием Z3 основан на редукции к задаче выполнимости. Для проверки эквивалентности F₁ ≡ F₂ строится формула </a:t>
-            </a:r>
-            <a:r>
-              <a:rPr lang="ru-RU" b="0" i="0" dirty="0" err="1">
-                <a:effectLst/>
-                <a:latin typeface="fkGroteskNeue"/>
-              </a:rPr>
-              <a:t>miter</a:t>
-            </a:r>
-            <a:r>
-              <a:rPr lang="ru-RU" b="0" i="0" dirty="0">
-                <a:effectLst/>
-                <a:latin typeface="fkGroteskNeue"/>
-              </a:rPr>
-              <a:t>: M(x) = (F₁(x) ∧ ¬F₂(x)) ∨ (¬F₁(x) ∧ F₂(x)). </a:t>
-            </a:r>
-            <a:endParaRPr lang="en-US" b="0" i="0" dirty="0">
-              <a:effectLst/>
-              <a:latin typeface="fkGroteskNeue"/>
-            </a:endParaRPr>
+              <a:rPr lang="ru-RU" b="0" i="0">
+                <a:effectLst/>
+                <a:latin typeface="fkGroteskNeue"/>
+              </a:rPr>
+              <a:t>Временная </a:t>
+            </a:r>
+            <a:r>
+              <a:rPr lang="ru-RU" b="0" i="0" dirty="0">
+                <a:effectLst/>
+                <a:latin typeface="fkGroteskNeue"/>
+              </a:rPr>
+              <a:t>сложность алгоритма: T = O(2ⁿ · m), где m — время вычисления формулы. Пространственная сложность: O(n). Практическая верхняя граница применимости полного перебора составляет n ≤ 25 переменных на современных ПК, при этом время вычисления может достигать нескольких минут</a:t>
+            </a:r>
+            <a:r>
+              <a:rPr lang="ru-RU" b="0" i="0">
+                <a:effectLst/>
+                <a:latin typeface="fkGroteskNeue"/>
+              </a:rPr>
+              <a:t>. </a:t>
+            </a:r>
           </a:p>
           <a:p>
             <a:pPr marL="0" indent="0">
               <a:buNone/>
             </a:pPr>
             <a:r>
-              <a:rPr lang="ru-RU" b="0" i="0" dirty="0">
-                <a:effectLst/>
-                <a:latin typeface="fkGroteskNeue"/>
-              </a:rPr>
-              <a:t>Формула M выражает XOR функций: M истинна тогда и только тогда, когда F₁ и F₂ выдают различные значения. Процедура: </a:t>
-            </a:r>
-            <a:endParaRPr lang="en-US" b="0" i="0" dirty="0">
-              <a:effectLst/>
-              <a:latin typeface="fkGroteskNeue"/>
-            </a:endParaRPr>
-          </a:p>
-          <a:p>
-            <a:pPr marL="0" indent="0">
-              <a:buNone/>
-            </a:pPr>
-            <a:r>
-              <a:rPr lang="ru-RU" b="0" i="0" dirty="0">
-                <a:effectLst/>
-                <a:latin typeface="fkGroteskNeue"/>
-              </a:rPr>
-              <a:t>(1) </a:t>
-            </a:r>
-            <a:r>
-              <a:rPr lang="ru-RU" b="0" i="0" dirty="0" err="1">
-                <a:effectLst/>
-                <a:latin typeface="fkGroteskNeue"/>
-              </a:rPr>
-              <a:t>Парсинг</a:t>
-            </a:r>
-            <a:r>
-              <a:rPr lang="ru-RU" b="0" i="0" dirty="0">
-                <a:effectLst/>
-                <a:latin typeface="fkGroteskNeue"/>
-              </a:rPr>
-              <a:t> обеих формул в AST; </a:t>
-            </a:r>
-            <a:endParaRPr lang="en-US" b="0" i="0" dirty="0">
-              <a:effectLst/>
-              <a:latin typeface="fkGroteskNeue"/>
-            </a:endParaRPr>
-          </a:p>
-          <a:p>
-            <a:pPr marL="0" indent="0">
-              <a:buNone/>
-            </a:pPr>
-            <a:r>
-              <a:rPr lang="ru-RU" b="0" i="0" dirty="0">
-                <a:effectLst/>
-                <a:latin typeface="fkGroteskNeue"/>
-              </a:rPr>
-              <a:t>(2) Трансляция AST в Z3 выражения с использованием рекурсивного обхода дерева и преобразования узлов в соответствующие Z3 примитивы (And, </a:t>
-            </a:r>
-            <a:r>
-              <a:rPr lang="ru-RU" b="0" i="0" dirty="0" err="1">
-                <a:effectLst/>
-                <a:latin typeface="fkGroteskNeue"/>
-              </a:rPr>
-              <a:t>Or</a:t>
-            </a:r>
-            <a:r>
-              <a:rPr lang="ru-RU" b="0" i="0" dirty="0">
-                <a:effectLst/>
-                <a:latin typeface="fkGroteskNeue"/>
-              </a:rPr>
-              <a:t>, </a:t>
-            </a:r>
-            <a:r>
-              <a:rPr lang="ru-RU" b="0" i="0" dirty="0" err="1">
-                <a:effectLst/>
-                <a:latin typeface="fkGroteskNeue"/>
-              </a:rPr>
-              <a:t>Not</a:t>
-            </a:r>
-            <a:r>
-              <a:rPr lang="ru-RU" b="0" i="0" dirty="0">
-                <a:effectLst/>
-                <a:latin typeface="fkGroteskNeue"/>
-              </a:rPr>
-              <a:t>);</a:t>
-            </a:r>
-            <a:endParaRPr lang="en-US" b="0" i="0" dirty="0">
-              <a:effectLst/>
-              <a:latin typeface="fkGroteskNeue"/>
-            </a:endParaRPr>
+              <a:rPr lang="ru-RU" b="0" i="0">
+                <a:effectLst/>
+                <a:latin typeface="fkGroteskNeue"/>
+              </a:rPr>
+              <a:t>Преимущество </a:t>
+            </a:r>
+            <a:r>
+              <a:rPr lang="ru-RU" b="0" i="0" dirty="0">
+                <a:effectLst/>
+                <a:latin typeface="fkGroteskNeue"/>
+              </a:rPr>
+              <a:t>метода — простота реализации и гарантированная корректность. Недостаток — невозможность масштабирования на более крупные задачи.</a:t>
+            </a:r>
+            <a:endParaRPr lang="ru-RU" dirty="0"/>
+          </a:p>
+        </p:txBody>
+      </p:sp>
+      <p:sp>
+        <p:nvSpPr>
+          <p:cNvPr id="5" name="Номер слайда 4">
+            <a:extLst>
+              <a:ext uri="{FF2B5EF4-FFF2-40B4-BE49-F238E27FC236}">
+                <a16:creationId xmlns:a16="http://schemas.microsoft.com/office/drawing/2014/main" id="{4DFD50E0-FD6E-4394-B4DD-801178EEC8F2}"/>
+              </a:ext>
+            </a:extLst>
+          </p:cNvPr>
+          <p:cNvSpPr>
+            <a:spLocks noGrp="1"/>
+          </p:cNvSpPr>
+          <p:nvPr>
+            <p:ph type="sldNum" sz="quarter" idx="12"/>
+          </p:nvPr>
+        </p:nvSpPr>
+        <p:spPr/>
+        <p:txBody>
+          <a:bodyPr/>
+          <a:lstStyle/>
+          <a:p>
+            <a:fld id="{EF7A8E35-B303-42FD-88A6-20A8D5E4F372}" type="slidenum">
+              <a:rPr lang="ru-RU" smtClean="0"/>
+              <a:t>18</a:t>
+            </a:fld>
+            <a:endParaRPr lang="ru-RU"/>
           </a:p>
         </p:txBody>
       </p:sp>
     </p:spTree>
     <p:extLst>
       <p:ext uri="{BB962C8B-B14F-4D97-AF65-F5344CB8AC3E}">
-        <p14:creationId xmlns:p14="http://schemas.microsoft.com/office/powerpoint/2010/main" val="2689562067"/>
+        <p14:creationId xmlns:p14="http://schemas.microsoft.com/office/powerpoint/2010/main" val="1863443848"/>
       </p:ext>
     </p:extLst>
   </p:cSld>
@@ -5486,18 +5732,11 @@
               <a:buNone/>
             </a:pPr>
             <a:r>
-              <a:rPr lang="ru-RU" b="0" i="0">
-                <a:effectLst/>
-                <a:latin typeface="fkGroteskNeue"/>
-              </a:rPr>
-              <a:t>(</a:t>
-            </a:r>
-            <a:r>
-              <a:rPr lang="ru-RU" b="0" i="0" dirty="0">
-                <a:effectLst/>
-                <a:latin typeface="fkGroteskNeue"/>
-              </a:rPr>
-              <a:t>3) Конструирование </a:t>
+              <a:rPr lang="ru-RU" b="0" i="0" dirty="0">
+                <a:effectLst/>
+                <a:latin typeface="fkGroteskNeue"/>
+              </a:rPr>
+              <a:t>Подход верификации с использованием Z3 основан на редукции к задаче выполнимости. Для проверки эквивалентности F₁ ≡ F₂ строится формула </a:t>
             </a:r>
             <a:r>
               <a:rPr lang="ru-RU" b="0" i="0" dirty="0" err="1">
@@ -5511,7 +5750,7 @@
                 <a:effectLst/>
                 <a:latin typeface="fkGroteskNeue"/>
               </a:rPr>
-              <a:t> как булево выражение в Z3;</a:t>
+              <a:t>: M(x) = (F₁(x) ∧ ¬F₂(x)) ∨ (¬F₁(x) ∧ F₂(x)). </a:t>
             </a:r>
             <a:endParaRPr lang="en-US" b="0" i="0" dirty="0">
               <a:effectLst/>
@@ -5527,49 +5766,7 @@
                 <a:effectLst/>
                 <a:latin typeface="fkGroteskNeue"/>
               </a:rPr>
-              <a:t>(4) Добавление </a:t>
-            </a:r>
-            <a:r>
-              <a:rPr lang="ru-RU" b="0" i="0" dirty="0" err="1">
-                <a:effectLst/>
-                <a:latin typeface="fkGroteskNeue"/>
-              </a:rPr>
-              <a:t>miter</a:t>
-            </a:r>
-            <a:r>
-              <a:rPr lang="ru-RU" b="0" i="0" dirty="0">
-                <a:effectLst/>
-                <a:latin typeface="fkGroteskNeue"/>
-              </a:rPr>
-              <a:t> в Z3 </a:t>
-            </a:r>
-            <a:r>
-              <a:rPr lang="ru-RU" b="0" i="0" dirty="0" err="1">
-                <a:effectLst/>
-                <a:latin typeface="fkGroteskNeue"/>
-              </a:rPr>
-              <a:t>Solver</a:t>
-            </a:r>
-            <a:r>
-              <a:rPr lang="ru-RU" b="0" i="0" dirty="0">
-                <a:effectLst/>
-                <a:latin typeface="fkGroteskNeue"/>
-              </a:rPr>
-              <a:t>: </a:t>
-            </a:r>
-            <a:r>
-              <a:rPr lang="ru-RU" b="0" i="0" dirty="0" err="1">
-                <a:effectLst/>
-                <a:latin typeface="fkGroteskNeue"/>
-              </a:rPr>
-              <a:t>solver.add</a:t>
-            </a:r>
-            <a:r>
-              <a:rPr lang="ru-RU" b="0" i="0" dirty="0">
-                <a:effectLst/>
-                <a:latin typeface="fkGroteskNeue"/>
-              </a:rPr>
-              <a:t>(M);</a:t>
+              <a:t>Формула M выражает XOR функций: M истинна тогда и только тогда, когда F₁ и F₂ выдают различные значения. Процедура: </a:t>
             </a:r>
             <a:endParaRPr lang="en-US" b="0" i="0" dirty="0">
               <a:effectLst/>
@@ -5585,21 +5782,21 @@
                 <a:effectLst/>
                 <a:latin typeface="fkGroteskNeue"/>
               </a:rPr>
-              <a:t>(5) Вызов </a:t>
+              <a:t>(1) </a:t>
             </a:r>
             <a:r>
               <a:rPr lang="ru-RU" b="0" i="0" dirty="0" err="1">
                 <a:effectLst/>
                 <a:latin typeface="fkGroteskNeue"/>
               </a:rPr>
-              <a:t>solver.check</a:t>
-            </a:r>
-            <a:r>
-              <a:rPr lang="ru-RU" b="0" i="0" dirty="0">
-                <a:effectLst/>
-                <a:latin typeface="fkGroteskNeue"/>
-              </a:rPr>
-              <a:t>(): если результат SAT, найдено свидетельство различия — формулы не эквивалентны; если UNSAT — формулы эквивалентны. Z3 при наличии свидетельства (SAT) может извлечь значение-модель, которое служит контрпримером.</a:t>
+              <a:t>Парсинг</a:t>
+            </a:r>
+            <a:r>
+              <a:rPr lang="ru-RU" b="0" i="0" dirty="0">
+                <a:effectLst/>
+                <a:latin typeface="fkGroteskNeue"/>
+              </a:rPr>
+              <a:t> обеих формул в AST; </a:t>
             </a:r>
             <a:endParaRPr lang="en-US" b="0" i="0" dirty="0">
               <a:effectLst/>
@@ -5611,27 +5808,80 @@
               <a:buNone/>
             </a:pPr>
             <a:r>
-              <a:rPr lang="ru-RU" b="0" i="0">
-                <a:effectLst/>
-                <a:latin typeface="fkGroteskNeue"/>
-              </a:rPr>
-              <a:t>Временная </a:t>
-            </a:r>
-            <a:r>
-              <a:rPr lang="ru-RU" b="0" i="0" dirty="0">
-                <a:effectLst/>
-                <a:latin typeface="fkGroteskNeue"/>
-              </a:rPr>
-              <a:t>сложность в среднем случае практически не зависит от n, что демонстрирует эффективность CDCL-стратегий.</a:t>
-            </a:r>
-            <a:endParaRPr lang="ru-RU" dirty="0"/>
+              <a:rPr lang="ru-RU" b="0" i="0" dirty="0">
+                <a:effectLst/>
+                <a:latin typeface="fkGroteskNeue"/>
+              </a:rPr>
+              <a:t>(2) Трансляция AST в Z3 выражения с использованием рекурсивного обхода дерева и преобразования узлов в соответствующие Z3 примитивы (And, </a:t>
+            </a:r>
+            <a:r>
+              <a:rPr lang="ru-RU" b="0" i="0" dirty="0" err="1">
+                <a:effectLst/>
+                <a:latin typeface="fkGroteskNeue"/>
+              </a:rPr>
+              <a:t>Or</a:t>
+            </a:r>
+            <a:r>
+              <a:rPr lang="ru-RU" b="0" i="0" dirty="0">
+                <a:effectLst/>
+                <a:latin typeface="fkGroteskNeue"/>
+              </a:rPr>
+              <a:t>, </a:t>
+            </a:r>
+            <a:r>
+              <a:rPr lang="ru-RU" b="0" i="0" dirty="0" err="1">
+                <a:effectLst/>
+                <a:latin typeface="fkGroteskNeue"/>
+              </a:rPr>
+              <a:t>Not</a:t>
+            </a:r>
+            <a:r>
+              <a:rPr lang="ru-RU" b="0" i="0" dirty="0">
+                <a:effectLst/>
+                <a:latin typeface="fkGroteskNeue"/>
+              </a:rPr>
+              <a:t>);</a:t>
+            </a:r>
+            <a:endParaRPr lang="en-US" b="0" i="0" dirty="0">
+              <a:effectLst/>
+              <a:latin typeface="fkGroteskNeue"/>
+            </a:endParaRPr>
+          </a:p>
+        </p:txBody>
+      </p:sp>
+      <p:sp>
+        <p:nvSpPr>
+          <p:cNvPr id="5" name="Номер слайда 4">
+            <a:extLst>
+              <a:ext uri="{FF2B5EF4-FFF2-40B4-BE49-F238E27FC236}">
+                <a16:creationId xmlns:a16="http://schemas.microsoft.com/office/drawing/2014/main" id="{50728505-F386-45EA-90CC-D691EA1CA201}"/>
+              </a:ext>
+            </a:extLst>
+          </p:cNvPr>
+          <p:cNvSpPr>
+            <a:spLocks noGrp="1"/>
+          </p:cNvSpPr>
+          <p:nvPr>
+            <p:ph type="sldNum" sz="quarter" idx="12"/>
+          </p:nvPr>
+        </p:nvSpPr>
+        <p:spPr/>
+        <p:txBody>
+          <a:bodyPr/>
+          <a:lstStyle/>
+          <a:p>
+            <a:fld id="{EF7A8E35-B303-42FD-88A6-20A8D5E4F372}" type="slidenum">
+              <a:rPr lang="ru-RU" smtClean="0"/>
+              <a:t>19</a:t>
+            </a:fld>
+            <a:endParaRPr lang="ru-RU"/>
           </a:p>
         </p:txBody>
       </p:sp>
     </p:spTree>
     <p:extLst>
       <p:ext uri="{BB962C8B-B14F-4D97-AF65-F5344CB8AC3E}">
-        <p14:creationId xmlns:p14="http://schemas.microsoft.com/office/powerpoint/2010/main" val="3612776343"/>
+        <p14:creationId xmlns:p14="http://schemas.microsoft.com/office/powerpoint/2010/main" val="2689562067"/>
       </p:ext>
     </p:extLst>
   </p:cSld>
@@ -5692,7 +5942,7 @@
                   <a:schemeClr val="bg1"/>
                 </a:solidFill>
               </a:rPr>
-              <a:t>Цель исследования</a:t>
+              <a:t>Введение</a:t>
             </a:r>
           </a:p>
         </p:txBody>
@@ -5759,6 +6009,35 @@
               <a:t> Learning), демонстрируют эффективное решение формул с сотнями и тысячами переменных. </a:t>
             </a:r>
             <a:endParaRPr lang="ru-RU" dirty="0"/>
+          </a:p>
+        </p:txBody>
+      </p:sp>
+      <p:sp>
+        <p:nvSpPr>
+          <p:cNvPr id="5" name="Номер слайда 4">
+            <a:extLst>
+              <a:ext uri="{FF2B5EF4-FFF2-40B4-BE49-F238E27FC236}">
+                <a16:creationId xmlns:a16="http://schemas.microsoft.com/office/drawing/2014/main" id="{18DFCAB0-9277-439D-8D0D-D5EA5B4F40E9}"/>
+              </a:ext>
+            </a:extLst>
+          </p:cNvPr>
+          <p:cNvSpPr>
+            <a:spLocks noGrp="1"/>
+          </p:cNvSpPr>
+          <p:nvPr>
+            <p:ph type="sldNum" sz="quarter" idx="12"/>
+          </p:nvPr>
+        </p:nvSpPr>
+        <p:spPr/>
+        <p:txBody>
+          <a:bodyPr/>
+          <a:lstStyle/>
+          <a:p>
+            <a:fld id="{EF7A8E35-B303-42FD-88A6-20A8D5E4F372}" type="slidenum">
+              <a:rPr lang="ru-RU" smtClean="0"/>
+              <a:t>2</a:t>
+            </a:fld>
+            <a:endParaRPr lang="ru-RU"/>
           </a:p>
         </p:txBody>
       </p:sp>
@@ -5826,8 +6105,21 @@
                   <a:schemeClr val="bg1"/>
                 </a:solidFill>
               </a:rPr>
-              <a:t>Ручное сравнение</a:t>
-            </a:r>
+              <a:t>Использование </a:t>
+            </a:r>
+            <a:r>
+              <a:rPr lang="en-US" dirty="0">
+                <a:solidFill>
+                  <a:schemeClr val="bg1"/>
+                </a:solidFill>
+              </a:rPr>
+              <a:t>Z3</a:t>
+            </a:r>
+            <a:endParaRPr lang="ru-RU" dirty="0">
+              <a:solidFill>
+                <a:schemeClr val="bg1"/>
+              </a:solidFill>
+            </a:endParaRPr>
           </a:p>
         </p:txBody>
       </p:sp>
@@ -5867,8 +6159,26 @@
                 <a:effectLst/>
                 <a:latin typeface="fkGroteskNeue"/>
               </a:rPr>
-              <a:t>Для анализа производительности на малых формулах (n ≤ 10 переменных) были проведены измерения на наборе тестовых примеров с различными типами логических связей. Результаты показали:</a:t>
-            </a:r>
+              <a:t>(3) Конструирование </a:t>
+            </a:r>
+            <a:r>
+              <a:rPr lang="ru-RU" b="0" i="0" dirty="0" err="1">
+                <a:effectLst/>
+                <a:latin typeface="fkGroteskNeue"/>
+              </a:rPr>
+              <a:t>miter</a:t>
+            </a:r>
+            <a:r>
+              <a:rPr lang="ru-RU" b="0" i="0" dirty="0">
+                <a:effectLst/>
+                <a:latin typeface="fkGroteskNeue"/>
+              </a:rPr>
+              <a:t> как булево выражение в Z3;</a:t>
+            </a:r>
+            <a:endParaRPr lang="en-US" b="0" i="0" dirty="0">
+              <a:effectLst/>
+              <a:latin typeface="fkGroteskNeue"/>
+            </a:endParaRPr>
           </a:p>
           <a:p>
             <a:pPr marL="0" indent="0">
@@ -5879,50 +6189,54 @@
                 <a:effectLst/>
                 <a:latin typeface="fkGroteskNeue"/>
               </a:rPr>
-              <a:t>Пример 1 (x₀ ∨ x₁ </a:t>
+              <a:t>(4) Добавление </a:t>
             </a:r>
             <a:r>
               <a:rPr lang="ru-RU" b="0" i="0" dirty="0" err="1">
                 <a:effectLst/>
                 <a:latin typeface="fkGroteskNeue"/>
               </a:rPr>
-              <a:t>vs</a:t>
-            </a:r>
-            <a:r>
-              <a:rPr lang="ru-RU" b="0" i="0" dirty="0">
-                <a:effectLst/>
-                <a:latin typeface="fkGroteskNeue"/>
-              </a:rPr>
-              <a:t> x₁ ∨ x₀): </a:t>
+              <a:t>miter</a:t>
+            </a:r>
+            <a:r>
+              <a:rPr lang="ru-RU" b="0" i="0" dirty="0">
+                <a:effectLst/>
+                <a:latin typeface="fkGroteskNeue"/>
+              </a:rPr>
+              <a:t> в Z3 </a:t>
             </a:r>
             <a:r>
               <a:rPr lang="ru-RU" b="0" i="0" dirty="0" err="1">
                 <a:effectLst/>
                 <a:latin typeface="fkGroteskNeue"/>
               </a:rPr>
-              <a:t>brute</a:t>
-            </a:r>
-            <a:r>
-              <a:rPr lang="ru-RU" b="0" i="0" dirty="0">
-                <a:effectLst/>
-                <a:latin typeface="fkGroteskNeue"/>
-              </a:rPr>
-              <a:t> </a:t>
+              <a:t>Solver</a:t>
+            </a:r>
+            <a:r>
+              <a:rPr lang="ru-RU" b="0" i="0" dirty="0">
+                <a:effectLst/>
+                <a:latin typeface="fkGroteskNeue"/>
+              </a:rPr>
+              <a:t>: </a:t>
             </a:r>
             <a:r>
               <a:rPr lang="ru-RU" b="0" i="0" dirty="0" err="1">
                 <a:effectLst/>
                 <a:latin typeface="fkGroteskNeue"/>
               </a:rPr>
-              <a:t>force</a:t>
-            </a:r>
-            <a:r>
-              <a:rPr lang="ru-RU" b="0" i="0" dirty="0">
-                <a:effectLst/>
-                <a:latin typeface="fkGroteskNeue"/>
-              </a:rPr>
-              <a:t> = 0.016 мс, Z3 = 0.576 мс; </a:t>
-            </a:r>
+              <a:t>solver.add</a:t>
+            </a:r>
+            <a:r>
+              <a:rPr lang="ru-RU" b="0" i="0" dirty="0">
+                <a:effectLst/>
+                <a:latin typeface="fkGroteskNeue"/>
+              </a:rPr>
+              <a:t>(M);</a:t>
+            </a:r>
+            <a:endParaRPr lang="en-US" b="0" i="0" dirty="0">
+              <a:effectLst/>
+              <a:latin typeface="fkGroteskNeue"/>
+            </a:endParaRPr>
           </a:p>
           <a:p>
             <a:pPr marL="0" indent="0">
@@ -5933,50 +6247,26 @@
                 <a:effectLst/>
                 <a:latin typeface="fkGroteskNeue"/>
               </a:rPr>
-              <a:t>Пример 2 (x₀ ∨ x₁ </a:t>
+              <a:t>(5) Вызов </a:t>
             </a:r>
             <a:r>
               <a:rPr lang="ru-RU" b="0" i="0" dirty="0" err="1">
                 <a:effectLst/>
                 <a:latin typeface="fkGroteskNeue"/>
               </a:rPr>
-              <a:t>vs</a:t>
-            </a:r>
-            <a:r>
-              <a:rPr lang="ru-RU" b="0" i="0" dirty="0">
-                <a:effectLst/>
-                <a:latin typeface="fkGroteskNeue"/>
-              </a:rPr>
-              <a:t> x₀ ∨ x₁): </a:t>
-            </a:r>
-            <a:r>
-              <a:rPr lang="ru-RU" b="0" i="0" dirty="0" err="1">
-                <a:effectLst/>
-                <a:latin typeface="fkGroteskNeue"/>
-              </a:rPr>
-              <a:t>brute</a:t>
-            </a:r>
-            <a:r>
-              <a:rPr lang="ru-RU" b="0" i="0" dirty="0">
-                <a:effectLst/>
-                <a:latin typeface="fkGroteskNeue"/>
-              </a:rPr>
-              <a:t> </a:t>
-            </a:r>
-            <a:r>
-              <a:rPr lang="ru-RU" b="0" i="0" dirty="0" err="1">
-                <a:effectLst/>
-                <a:latin typeface="fkGroteskNeue"/>
-              </a:rPr>
-              <a:t>force</a:t>
-            </a:r>
-            <a:r>
-              <a:rPr lang="ru-RU" b="0" i="0" dirty="0">
-                <a:effectLst/>
-                <a:latin typeface="fkGroteskNeue"/>
-              </a:rPr>
-              <a:t> = 0.011 мс, Z3 = 0.650 мс; </a:t>
-            </a:r>
+              <a:t>solver.check</a:t>
+            </a:r>
+            <a:r>
+              <a:rPr lang="ru-RU" b="0" i="0" dirty="0">
+                <a:effectLst/>
+                <a:latin typeface="fkGroteskNeue"/>
+              </a:rPr>
+              <a:t>(): если результат SAT, найдено свидетельство различия — формулы не эквивалентны; если UNSAT — формулы эквивалентны. Z3 при наличии свидетельства (SAT) может извлечь значение-модель, которое служит контрпримером.</a:t>
+            </a:r>
+            <a:endParaRPr lang="en-US" b="0" i="0" dirty="0">
+              <a:effectLst/>
+              <a:latin typeface="fkGroteskNeue"/>
+            </a:endParaRPr>
           </a:p>
           <a:p>
             <a:pPr marL="0" indent="0">
@@ -5987,57 +6277,45 @@
                 <a:effectLst/>
                 <a:latin typeface="fkGroteskNeue"/>
               </a:rPr>
-              <a:t>Пример 8 (x₀ → x₁ </a:t>
-            </a:r>
-            <a:r>
-              <a:rPr lang="ru-RU" b="0" i="0" dirty="0" err="1">
-                <a:effectLst/>
-                <a:latin typeface="fkGroteskNeue"/>
-              </a:rPr>
-              <a:t>vs</a:t>
-            </a:r>
-            <a:r>
-              <a:rPr lang="ru-RU" b="0" i="0" dirty="0">
-                <a:effectLst/>
-                <a:latin typeface="fkGroteskNeue"/>
-              </a:rPr>
-              <a:t> ¬x₀ ∨ x₁): </a:t>
-            </a:r>
-            <a:r>
-              <a:rPr lang="ru-RU" b="0" i="0" dirty="0" err="1">
-                <a:effectLst/>
-                <a:latin typeface="fkGroteskNeue"/>
-              </a:rPr>
-              <a:t>brute</a:t>
-            </a:r>
-            <a:r>
-              <a:rPr lang="ru-RU" b="0" i="0" dirty="0">
-                <a:effectLst/>
-                <a:latin typeface="fkGroteskNeue"/>
-              </a:rPr>
-              <a:t> </a:t>
-            </a:r>
-            <a:r>
-              <a:rPr lang="ru-RU" b="0" i="0" dirty="0" err="1">
-                <a:effectLst/>
-                <a:latin typeface="fkGroteskNeue"/>
-              </a:rPr>
-              <a:t>force</a:t>
-            </a:r>
-            <a:r>
-              <a:rPr lang="ru-RU" b="0" i="0" dirty="0">
-                <a:effectLst/>
-                <a:latin typeface="fkGroteskNeue"/>
-              </a:rPr>
-              <a:t> = 0.012 мс, Z3 = 0.040 мс. </a:t>
-            </a:r>
+              <a:t>Временная сложность в среднем случае практически не зависит от n, что демонстрирует эффективность CDCL-стратегий.</a:t>
+            </a:r>
+            <a:endParaRPr lang="ru-RU" dirty="0"/>
+          </a:p>
+        </p:txBody>
+      </p:sp>
+      <p:sp>
+        <p:nvSpPr>
+          <p:cNvPr id="5" name="Номер слайда 4">
+            <a:extLst>
+              <a:ext uri="{FF2B5EF4-FFF2-40B4-BE49-F238E27FC236}">
+                <a16:creationId xmlns:a16="http://schemas.microsoft.com/office/drawing/2014/main" id="{6F24A9A7-DD02-4C15-B447-CC7B6D02079B}"/>
+              </a:ext>
+            </a:extLst>
+          </p:cNvPr>
+          <p:cNvSpPr>
+            <a:spLocks noGrp="1"/>
+          </p:cNvSpPr>
+          <p:nvPr>
+            <p:ph type="sldNum" sz="quarter" idx="12"/>
+          </p:nvPr>
+        </p:nvSpPr>
+        <p:spPr/>
+        <p:txBody>
+          <a:bodyPr/>
+          <a:lstStyle/>
+          <a:p>
+            <a:fld id="{EF7A8E35-B303-42FD-88A6-20A8D5E4F372}" type="slidenum">
+              <a:rPr lang="ru-RU" smtClean="0"/>
+              <a:t>20</a:t>
+            </a:fld>
+            <a:endParaRPr lang="ru-RU"/>
           </a:p>
         </p:txBody>
       </p:sp>
     </p:spTree>
     <p:extLst>
       <p:ext uri="{BB962C8B-B14F-4D97-AF65-F5344CB8AC3E}">
-        <p14:creationId xmlns:p14="http://schemas.microsoft.com/office/powerpoint/2010/main" val="2751913459"/>
+        <p14:creationId xmlns:p14="http://schemas.microsoft.com/office/powerpoint/2010/main" val="3612776343"/>
       </p:ext>
     </p:extLst>
   </p:cSld>
@@ -6103,12 +6381,280 @@
           </a:p>
         </p:txBody>
       </p:sp>
-      <p:sp>
-        <p:nvSpPr>
-          <p:cNvPr id="3" name="Объект 2">
+      <mc:AlternateContent xmlns:mc="http://schemas.openxmlformats.org/markup-compatibility/2006" xmlns:a14="http://schemas.microsoft.com/office/drawing/2010/main">
+        <mc:Choice Requires="a14">
+          <p:sp>
+            <p:nvSpPr>
+              <p:cNvPr id="3" name="Объект 2">
+                <a:extLst>
+                  <a:ext uri="{FF2B5EF4-FFF2-40B4-BE49-F238E27FC236}">
+                    <a16:creationId xmlns:a16="http://schemas.microsoft.com/office/drawing/2014/main" id="{EF1A858C-C156-B159-B6C9-F121B8D996B9}"/>
+                  </a:ext>
+                </a:extLst>
+              </p:cNvPr>
+              <p:cNvSpPr>
+                <a:spLocks noGrp="1"/>
+              </p:cNvSpPr>
+              <p:nvPr>
+                <p:ph idx="1"/>
+              </p:nvPr>
+            </p:nvSpPr>
+            <p:spPr>
+              <a:xfrm>
+                <a:off x="838200" y="1825625"/>
+                <a:ext cx="10515600" cy="4618718"/>
+              </a:xfrm>
+            </p:spPr>
+            <p:txBody>
+              <a:bodyPr>
+                <a:normAutofit/>
+              </a:bodyPr>
+              <a:lstStyle/>
+              <a:p>
+                <a:pPr marL="0" indent="0">
+                  <a:buNone/>
+                </a:pPr>
+                <a:r>
+                  <a:rPr lang="ru-RU" b="0" i="0" dirty="0">
+                    <a:effectLst/>
+                    <a:latin typeface="fkGroteskNeue"/>
+                  </a:rPr>
+                  <a:t>Для анализа производительности на малых формулах (n ≤ 10 переменных) были проведены измерения на наборе тестовых примеров с различными типами логических связей. Результаты показали:</a:t>
+                </a:r>
+              </a:p>
+              <a:p>
+                <a:pPr marL="0" indent="0">
+                  <a:buNone/>
+                </a:pPr>
+                <a:r>
+                  <a:rPr lang="ru-RU" b="0" i="0" dirty="0">
+                    <a:effectLst/>
+                    <a:latin typeface="fkGroteskNeue"/>
+                  </a:rPr>
+                  <a:t>Пример 1 (x₀ ∨ x₁ </a:t>
+                </a:r>
+                <a:r>
+                  <a:rPr lang="ru-RU" b="0" i="0" dirty="0" err="1">
+                    <a:effectLst/>
+                    <a:latin typeface="fkGroteskNeue"/>
+                  </a:rPr>
+                  <a:t>vs</a:t>
+                </a:r>
+                <a:r>
+                  <a:rPr lang="ru-RU" b="0" i="0" dirty="0">
+                    <a:effectLst/>
+                    <a:latin typeface="fkGroteskNeue"/>
+                  </a:rPr>
+                  <a:t> x₁ ∨ x₀): </a:t>
+                </a:r>
+                <a:r>
+                  <a:rPr lang="ru-RU" b="0" i="0" dirty="0" err="1">
+                    <a:effectLst/>
+                    <a:latin typeface="fkGroteskNeue"/>
+                  </a:rPr>
+                  <a:t>brute</a:t>
+                </a:r>
+                <a:r>
+                  <a:rPr lang="ru-RU" b="0" i="0" dirty="0">
+                    <a:effectLst/>
+                    <a:latin typeface="fkGroteskNeue"/>
+                  </a:rPr>
+                  <a:t> </a:t>
+                </a:r>
+                <a:r>
+                  <a:rPr lang="ru-RU" b="0" i="0" dirty="0" err="1">
+                    <a:effectLst/>
+                    <a:latin typeface="fkGroteskNeue"/>
+                  </a:rPr>
+                  <a:t>force</a:t>
+                </a:r>
+                <a:r>
+                  <a:rPr lang="ru-RU" b="0" i="0" dirty="0">
+                    <a:effectLst/>
+                    <a:latin typeface="fkGroteskNeue"/>
+                  </a:rPr>
+                  <a:t> = 0.016 мс, Z3 = 0.576 мс; </a:t>
+                </a:r>
+              </a:p>
+              <a:p>
+                <a:pPr marL="0" indent="0">
+                  <a:buNone/>
+                </a:pPr>
+                <a:r>
+                  <a:rPr lang="ru-RU" b="0" i="0" dirty="0">
+                    <a:effectLst/>
+                    <a:latin typeface="fkGroteskNeue"/>
+                  </a:rPr>
+                  <a:t>Пример 2 (x₀ ∨ x₁ </a:t>
+                </a:r>
+                <a:r>
+                  <a:rPr lang="ru-RU" b="0" i="0" dirty="0" err="1">
+                    <a:effectLst/>
+                    <a:latin typeface="fkGroteskNeue"/>
+                  </a:rPr>
+                  <a:t>vs</a:t>
+                </a:r>
+                <a:r>
+                  <a:rPr lang="ru-RU" b="0" i="0" dirty="0">
+                    <a:effectLst/>
+                    <a:latin typeface="fkGroteskNeue"/>
+                  </a:rPr>
+                  <a:t> x₀ </a:t>
+                </a:r>
+                <a14:m>
+                  <m:oMath xmlns:m="http://schemas.openxmlformats.org/officeDocument/2006/math">
+                    <m:r>
+                      <a:rPr lang="ru-RU" b="0" i="1" smtClean="0">
+                        <a:effectLst/>
+                        <a:latin typeface="Cambria Math" panose="02040503050406030204" pitchFamily="18" charset="0"/>
+                      </a:rPr>
+                      <m:t>∧</m:t>
+                    </m:r>
+                  </m:oMath>
+                </a14:m>
+                <a:r>
+                  <a:rPr lang="ru-RU" b="0" i="0" dirty="0">
+                    <a:effectLst/>
+                    <a:latin typeface="fkGroteskNeue"/>
+                  </a:rPr>
+                  <a:t> x₁): </a:t>
+                </a:r>
+                <a:r>
+                  <a:rPr lang="ru-RU" b="0" i="0" dirty="0" err="1">
+                    <a:effectLst/>
+                    <a:latin typeface="fkGroteskNeue"/>
+                  </a:rPr>
+                  <a:t>brute</a:t>
+                </a:r>
+                <a:r>
+                  <a:rPr lang="ru-RU" b="0" i="0" dirty="0">
+                    <a:effectLst/>
+                    <a:latin typeface="fkGroteskNeue"/>
+                  </a:rPr>
+                  <a:t> </a:t>
+                </a:r>
+                <a:r>
+                  <a:rPr lang="ru-RU" b="0" i="0" dirty="0" err="1">
+                    <a:effectLst/>
+                    <a:latin typeface="fkGroteskNeue"/>
+                  </a:rPr>
+                  <a:t>force</a:t>
+                </a:r>
+                <a:r>
+                  <a:rPr lang="ru-RU" b="0" i="0" dirty="0">
+                    <a:effectLst/>
+                    <a:latin typeface="fkGroteskNeue"/>
+                  </a:rPr>
+                  <a:t> = 0.011 мс, Z3 = 0.650 мс; </a:t>
+                </a:r>
+              </a:p>
+              <a:p>
+                <a:pPr marL="0" indent="0">
+                  <a:buNone/>
+                </a:pPr>
+                <a:r>
+                  <a:rPr lang="ru-RU" b="0" i="0" dirty="0">
+                    <a:effectLst/>
+                    <a:latin typeface="fkGroteskNeue"/>
+                  </a:rPr>
+                  <a:t>Пример 8 (x₀ → x₁ </a:t>
+                </a:r>
+                <a:r>
+                  <a:rPr lang="ru-RU" b="0" i="0" dirty="0" err="1">
+                    <a:effectLst/>
+                    <a:latin typeface="fkGroteskNeue"/>
+                  </a:rPr>
+                  <a:t>vs</a:t>
+                </a:r>
+                <a:r>
+                  <a:rPr lang="ru-RU" b="0" i="0" dirty="0">
+                    <a:effectLst/>
+                    <a:latin typeface="fkGroteskNeue"/>
+                  </a:rPr>
+                  <a:t> ¬x₀ ∨ x₁): </a:t>
+                </a:r>
+                <a:r>
+                  <a:rPr lang="ru-RU" b="0" i="0" dirty="0" err="1">
+                    <a:effectLst/>
+                    <a:latin typeface="fkGroteskNeue"/>
+                  </a:rPr>
+                  <a:t>brute</a:t>
+                </a:r>
+                <a:r>
+                  <a:rPr lang="ru-RU" b="0" i="0" dirty="0">
+                    <a:effectLst/>
+                    <a:latin typeface="fkGroteskNeue"/>
+                  </a:rPr>
+                  <a:t> </a:t>
+                </a:r>
+                <a:r>
+                  <a:rPr lang="ru-RU" b="0" i="0" dirty="0" err="1">
+                    <a:effectLst/>
+                    <a:latin typeface="fkGroteskNeue"/>
+                  </a:rPr>
+                  <a:t>force</a:t>
+                </a:r>
+                <a:r>
+                  <a:rPr lang="ru-RU" b="0" i="0" dirty="0">
+                    <a:effectLst/>
+                    <a:latin typeface="fkGroteskNeue"/>
+                  </a:rPr>
+                  <a:t> = 0.012 мс, Z3 = 0.040 мс. </a:t>
+                </a:r>
+              </a:p>
+            </p:txBody>
+          </p:sp>
+        </mc:Choice>
+        <mc:Fallback xmlns="">
+          <p:sp>
+            <p:nvSpPr>
+              <p:cNvPr id="3" name="Объект 2">
+                <a:extLst>
+                  <a:ext uri="{FF2B5EF4-FFF2-40B4-BE49-F238E27FC236}">
+                    <a16:creationId xmlns:a16="http://schemas.microsoft.com/office/drawing/2014/main" id="{EF1A858C-C156-B159-B6C9-F121B8D996B9}"/>
+                  </a:ext>
+                </a:extLst>
+              </p:cNvPr>
+              <p:cNvSpPr>
+                <a:spLocks noGrp="1" noRot="1" noChangeAspect="1" noMove="1" noResize="1" noEditPoints="1" noAdjustHandles="1" noChangeArrowheads="1" noChangeShapeType="1" noTextEdit="1"/>
+              </p:cNvSpPr>
+              <p:nvPr>
+                <p:ph idx="1"/>
+              </p:nvPr>
+            </p:nvSpPr>
+            <p:spPr>
+              <a:xfrm>
+                <a:off x="838200" y="1825625"/>
+                <a:ext cx="10515600" cy="4618718"/>
+              </a:xfrm>
+              <a:blipFill>
+                <a:blip r:embed="rId2"/>
+                <a:stretch>
+                  <a:fillRect l="-1217" t="-2111"/>
+                </a:stretch>
+              </a:blipFill>
+            </p:spPr>
+            <p:txBody>
+              <a:bodyPr/>
+              <a:lstStyle/>
+              <a:p>
+                <a:r>
+                  <a:rPr lang="ru-RU">
+                    <a:noFill/>
+                  </a:rPr>
+                  <a:t> </a:t>
+                </a:r>
+              </a:p>
+            </p:txBody>
+          </p:sp>
+        </mc:Fallback>
+      </mc:AlternateContent>
+      <p:sp>
+        <p:nvSpPr>
+          <p:cNvPr id="5" name="Номер слайда 4">
             <a:extLst>
               <a:ext uri="{FF2B5EF4-FFF2-40B4-BE49-F238E27FC236}">
-                <a16:creationId xmlns:a16="http://schemas.microsoft.com/office/drawing/2014/main" id="{EF1A858C-C156-B159-B6C9-F121B8D996B9}"/>
+                <a16:creationId xmlns:a16="http://schemas.microsoft.com/office/drawing/2014/main" id="{0EA9B4D4-F583-4F00-82AF-F1312670A6E2}"/>
               </a:ext>
             </a:extLst>
           </p:cNvPr>
@@ -6116,93 +6662,26 @@
             <a:spLocks noGrp="1"/>
           </p:cNvSpPr>
           <p:nvPr>
-            <p:ph idx="1"/>
-          </p:nvPr>
-        </p:nvSpPr>
-        <p:spPr>
-          <a:xfrm>
-            <a:off x="838200" y="1825625"/>
-            <a:ext cx="10515600" cy="4618718"/>
-          </a:xfrm>
-        </p:spPr>
-        <p:txBody>
-          <a:bodyPr>
-            <a:normAutofit/>
-          </a:bodyPr>
-          <a:lstStyle/>
-          <a:p>
-            <a:pPr marL="0" indent="0">
-              <a:buNone/>
-            </a:pPr>
-            <a:r>
-              <a:rPr lang="ru-RU" b="0" i="0" dirty="0">
-                <a:effectLst/>
-                <a:latin typeface="fkGroteskNeue"/>
-              </a:rPr>
-              <a:t>Анализ показывает, что на малых входах </a:t>
-            </a:r>
-            <a:r>
-              <a:rPr lang="ru-RU" b="0" i="0" dirty="0" err="1">
-                <a:effectLst/>
-                <a:latin typeface="fkGroteskNeue"/>
-              </a:rPr>
-              <a:t>брутфорс</a:t>
-            </a:r>
-            <a:r>
-              <a:rPr lang="ru-RU" b="0" i="0" dirty="0">
-                <a:effectLst/>
-                <a:latin typeface="fkGroteskNeue"/>
-              </a:rPr>
-              <a:t> часто быстрее Z3 из-за накладных расходов инициализации Z3 (</a:t>
-            </a:r>
-            <a:r>
-              <a:rPr lang="ru-RU" b="0" i="0" dirty="0" err="1">
-                <a:effectLst/>
-                <a:latin typeface="fkGroteskNeue"/>
-              </a:rPr>
-              <a:t>парсинг</a:t>
-            </a:r>
-            <a:r>
-              <a:rPr lang="ru-RU" b="0" i="0" dirty="0">
-                <a:effectLst/>
-                <a:latin typeface="fkGroteskNeue"/>
-              </a:rPr>
-              <a:t>, инициализация </a:t>
-            </a:r>
-            <a:r>
-              <a:rPr lang="ru-RU" b="0" i="0" dirty="0" err="1">
-                <a:effectLst/>
-                <a:latin typeface="fkGroteskNeue"/>
-              </a:rPr>
-              <a:t>Solver</a:t>
-            </a:r>
-            <a:r>
-              <a:rPr lang="ru-RU" b="0" i="0" dirty="0">
-                <a:effectLst/>
-                <a:latin typeface="fkGroteskNeue"/>
-              </a:rPr>
-              <a:t>, построение внутренних структур данных). Однако наблюдается высокая вариативность Z3, что объясняется сложностью конкретной формулы и эффективностью применяемых эвристик.</a:t>
-            </a:r>
-          </a:p>
-          <a:p>
-            <a:pPr marL="0" indent="0">
-              <a:buNone/>
-            </a:pPr>
-            <a:r>
-              <a:rPr lang="ru-RU" b="0" i="0" dirty="0">
-                <a:effectLst/>
-                <a:latin typeface="fkGroteskNeue"/>
-              </a:rPr>
-              <a:t>На примере № 8 видно, что при простой логической эквивалентности Z3 показывает превосходство. Эти результаты иллюстрируют существование точки пересечения, после которой CDCL-подход становится доминирующим.</a:t>
-            </a:r>
-            <a:endParaRPr lang="ru-RU" dirty="0"/>
+            <p:ph type="sldNum" sz="quarter" idx="12"/>
+          </p:nvPr>
+        </p:nvSpPr>
+        <p:spPr/>
+        <p:txBody>
+          <a:bodyPr/>
+          <a:lstStyle/>
+          <a:p>
+            <a:fld id="{EF7A8E35-B303-42FD-88A6-20A8D5E4F372}" type="slidenum">
+              <a:rPr lang="ru-RU" smtClean="0"/>
+              <a:t>21</a:t>
+            </a:fld>
+            <a:endParaRPr lang="ru-RU"/>
           </a:p>
         </p:txBody>
       </p:sp>
     </p:spTree>
     <p:extLst>
       <p:ext uri="{BB962C8B-B14F-4D97-AF65-F5344CB8AC3E}">
-        <p14:creationId xmlns:p14="http://schemas.microsoft.com/office/powerpoint/2010/main" val="719907022"/>
+        <p14:creationId xmlns:p14="http://schemas.microsoft.com/office/powerpoint/2010/main" val="2751913459"/>
       </p:ext>
     </p:extLst>
   </p:cSld>
@@ -6263,7 +6742,7 @@
                   <a:schemeClr val="bg1"/>
                 </a:solidFill>
               </a:rPr>
-              <a:t>Автоматическое сравнение</a:t>
+              <a:t>Ручное сравнение</a:t>
             </a:r>
           </a:p>
         </p:txBody>
@@ -6304,7 +6783,49 @@
                 <a:effectLst/>
                 <a:latin typeface="fkGroteskNeue"/>
               </a:rPr>
-              <a:t>Основной набор экспериментов включал бенчмарки на формулах с числом переменных от 2 до 25. Результаты (средние значения из 30 проходов): </a:t>
+              <a:t>Анализ показывает, что на малых входах </a:t>
+            </a:r>
+            <a:r>
+              <a:rPr lang="ru-RU" b="0" i="0" dirty="0" err="1">
+                <a:effectLst/>
+                <a:latin typeface="fkGroteskNeue"/>
+              </a:rPr>
+              <a:t>брутфорс</a:t>
+            </a:r>
+            <a:r>
+              <a:rPr lang="ru-RU" b="0" i="0" dirty="0">
+                <a:effectLst/>
+                <a:latin typeface="fkGroteskNeue"/>
+              </a:rPr>
+              <a:t> часто быстрее Z3 из-за накладных расходов инициализации Z3 (</a:t>
+            </a:r>
+            <a:r>
+              <a:rPr lang="ru-RU" b="0" i="0" dirty="0" err="1">
+                <a:effectLst/>
+                <a:latin typeface="fkGroteskNeue"/>
+              </a:rPr>
+              <a:t>парсинг</a:t>
+            </a:r>
+            <a:r>
+              <a:rPr lang="ru-RU" b="0" i="0" dirty="0">
+                <a:effectLst/>
+                <a:latin typeface="fkGroteskNeue"/>
+              </a:rPr>
+              <a:t>, инициализация </a:t>
+            </a:r>
+            <a:r>
+              <a:rPr lang="ru-RU" b="0" i="0" dirty="0" err="1">
+                <a:effectLst/>
+                <a:latin typeface="fkGroteskNeue"/>
+              </a:rPr>
+              <a:t>Solver</a:t>
+            </a:r>
+            <a:r>
+              <a:rPr lang="ru-RU" b="0" i="0" dirty="0">
+                <a:effectLst/>
+                <a:latin typeface="fkGroteskNeue"/>
+              </a:rPr>
+              <a:t>, построение внутренних структур данных). Однако наблюдается высокая вариативность Z3, что объясняется сложностью конкретной формулы и эффективностью применяемых эвристик.</a:t>
             </a:r>
           </a:p>
           <a:p>
@@ -6316,212 +6837,45 @@
                 <a:effectLst/>
                 <a:latin typeface="fkGroteskNeue"/>
               </a:rPr>
-              <a:t>n=10: </a:t>
-            </a:r>
-            <a:r>
-              <a:rPr lang="ru-RU" b="0" i="0" dirty="0" err="1">
-                <a:effectLst/>
-                <a:latin typeface="fkGroteskNeue"/>
-              </a:rPr>
-              <a:t>brute</a:t>
-            </a:r>
-            <a:r>
-              <a:rPr lang="ru-RU" b="0" i="0" dirty="0">
-                <a:effectLst/>
-                <a:latin typeface="fkGroteskNeue"/>
-              </a:rPr>
-              <a:t> </a:t>
-            </a:r>
-            <a:r>
-              <a:rPr lang="ru-RU" b="0" i="0" dirty="0" err="1">
-                <a:effectLst/>
-                <a:latin typeface="fkGroteskNeue"/>
-              </a:rPr>
-              <a:t>force</a:t>
-            </a:r>
-            <a:r>
-              <a:rPr lang="ru-RU" b="0" i="0" dirty="0">
-                <a:effectLst/>
-                <a:latin typeface="fkGroteskNeue"/>
-              </a:rPr>
-              <a:t> = 0.117 мс, Z3 = 0.345 мс;</a:t>
-            </a:r>
-          </a:p>
-          <a:p>
-            <a:pPr marL="0" indent="0">
-              <a:buNone/>
-            </a:pPr>
-            <a:r>
-              <a:rPr lang="ru-RU" b="0" i="0" dirty="0">
-                <a:effectLst/>
-                <a:latin typeface="fkGroteskNeue"/>
-              </a:rPr>
-              <a:t>n=15: </a:t>
-            </a:r>
-            <a:r>
-              <a:rPr lang="ru-RU" b="0" i="0" dirty="0" err="1">
-                <a:effectLst/>
-                <a:latin typeface="fkGroteskNeue"/>
-              </a:rPr>
-              <a:t>brute</a:t>
-            </a:r>
-            <a:r>
-              <a:rPr lang="ru-RU" b="0" i="0" dirty="0">
-                <a:effectLst/>
-                <a:latin typeface="fkGroteskNeue"/>
-              </a:rPr>
-              <a:t> </a:t>
-            </a:r>
-            <a:r>
-              <a:rPr lang="ru-RU" b="0" i="0" dirty="0" err="1">
-                <a:effectLst/>
-                <a:latin typeface="fkGroteskNeue"/>
-              </a:rPr>
-              <a:t>force</a:t>
-            </a:r>
-            <a:r>
-              <a:rPr lang="ru-RU" b="0" i="0" dirty="0">
-                <a:effectLst/>
-                <a:latin typeface="fkGroteskNeue"/>
-              </a:rPr>
-              <a:t> = 1.164 мс, Z3 = 0.331 мс; </a:t>
-            </a:r>
-          </a:p>
-          <a:p>
-            <a:pPr marL="0" indent="0">
-              <a:buNone/>
-            </a:pPr>
-            <a:r>
-              <a:rPr lang="ru-RU" b="0" i="0" dirty="0">
-                <a:effectLst/>
-                <a:latin typeface="fkGroteskNeue"/>
-              </a:rPr>
-              <a:t>n=17: </a:t>
-            </a:r>
-            <a:r>
-              <a:rPr lang="ru-RU" b="0" i="0" dirty="0" err="1">
-                <a:effectLst/>
-                <a:latin typeface="fkGroteskNeue"/>
-              </a:rPr>
-              <a:t>brute</a:t>
-            </a:r>
-            <a:r>
-              <a:rPr lang="ru-RU" b="0" i="0" dirty="0">
-                <a:effectLst/>
-                <a:latin typeface="fkGroteskNeue"/>
-              </a:rPr>
-              <a:t> </a:t>
-            </a:r>
-            <a:r>
-              <a:rPr lang="ru-RU" b="0" i="0" dirty="0" err="1">
-                <a:effectLst/>
-                <a:latin typeface="fkGroteskNeue"/>
-              </a:rPr>
-              <a:t>force</a:t>
-            </a:r>
-            <a:r>
-              <a:rPr lang="ru-RU" b="0" i="0" dirty="0">
-                <a:effectLst/>
-                <a:latin typeface="fkGroteskNeue"/>
-              </a:rPr>
-              <a:t> = 6.220 мс, Z3 = 0.346 мс;</a:t>
-            </a:r>
-          </a:p>
-          <a:p>
-            <a:pPr marL="0" indent="0">
-              <a:buNone/>
-            </a:pPr>
-            <a:r>
-              <a:rPr lang="ru-RU" b="0" i="0" dirty="0">
-                <a:effectLst/>
-                <a:latin typeface="fkGroteskNeue"/>
-              </a:rPr>
-              <a:t>n=19: </a:t>
-            </a:r>
-            <a:r>
-              <a:rPr lang="ru-RU" b="0" i="0" dirty="0" err="1">
-                <a:effectLst/>
-                <a:latin typeface="fkGroteskNeue"/>
-              </a:rPr>
-              <a:t>brute</a:t>
-            </a:r>
-            <a:r>
-              <a:rPr lang="ru-RU" b="0" i="0" dirty="0">
-                <a:effectLst/>
-                <a:latin typeface="fkGroteskNeue"/>
-              </a:rPr>
-              <a:t> </a:t>
-            </a:r>
-            <a:r>
-              <a:rPr lang="ru-RU" b="0" i="0" dirty="0" err="1">
-                <a:effectLst/>
-                <a:latin typeface="fkGroteskNeue"/>
-              </a:rPr>
-              <a:t>force</a:t>
-            </a:r>
-            <a:r>
-              <a:rPr lang="ru-RU" b="0" i="0" dirty="0">
-                <a:effectLst/>
-                <a:latin typeface="fkGroteskNeue"/>
-              </a:rPr>
-              <a:t> = 19.309 мс, Z3 = 0.321 мс;</a:t>
-            </a:r>
-          </a:p>
-          <a:p>
-            <a:pPr marL="0" indent="0">
-              <a:buNone/>
-            </a:pPr>
-            <a:r>
-              <a:rPr lang="ru-RU" b="0" i="0" dirty="0">
-                <a:effectLst/>
-                <a:latin typeface="fkGroteskNeue"/>
-              </a:rPr>
-              <a:t>n=20: </a:t>
-            </a:r>
-            <a:r>
-              <a:rPr lang="ru-RU" b="0" i="0" dirty="0" err="1">
-                <a:effectLst/>
-                <a:latin typeface="fkGroteskNeue"/>
-              </a:rPr>
-              <a:t>brute</a:t>
-            </a:r>
-            <a:r>
-              <a:rPr lang="ru-RU" b="0" i="0" dirty="0">
-                <a:effectLst/>
-                <a:latin typeface="fkGroteskNeue"/>
-              </a:rPr>
-              <a:t> </a:t>
-            </a:r>
-            <a:r>
-              <a:rPr lang="ru-RU" b="0" i="0" dirty="0" err="1">
-                <a:effectLst/>
-                <a:latin typeface="fkGroteskNeue"/>
-              </a:rPr>
-              <a:t>force</a:t>
-            </a:r>
-            <a:r>
-              <a:rPr lang="ru-RU" b="0" i="0" dirty="0">
-                <a:effectLst/>
-                <a:latin typeface="fkGroteskNeue"/>
-              </a:rPr>
-              <a:t> = 15.168 мс, Z3 = 0.360 мс;</a:t>
-            </a:r>
-          </a:p>
-          <a:p>
-            <a:pPr marL="0" indent="0">
-              <a:buNone/>
-            </a:pPr>
-            <a:endParaRPr lang="ru-RU" b="0" i="0" dirty="0">
-              <a:effectLst/>
-              <a:latin typeface="fkGroteskNeue"/>
-            </a:endParaRPr>
+              <a:t>На примере № 8 видно, что при простой логической эквивалентности Z3 показывает превосходство. Эти результаты иллюстрируют существование точки пересечения, после которой CDCL-подход становится доминирующим.</a:t>
+            </a:r>
+            <a:endParaRPr lang="ru-RU" dirty="0"/>
+          </a:p>
+        </p:txBody>
+      </p:sp>
+      <p:sp>
+        <p:nvSpPr>
+          <p:cNvPr id="5" name="Номер слайда 4">
+            <a:extLst>
+              <a:ext uri="{FF2B5EF4-FFF2-40B4-BE49-F238E27FC236}">
+                <a16:creationId xmlns:a16="http://schemas.microsoft.com/office/drawing/2014/main" id="{D8B48195-C63F-4F12-A718-4C6E839887E4}"/>
+              </a:ext>
+            </a:extLst>
+          </p:cNvPr>
+          <p:cNvSpPr>
+            <a:spLocks noGrp="1"/>
+          </p:cNvSpPr>
+          <p:nvPr>
+            <p:ph type="sldNum" sz="quarter" idx="12"/>
+          </p:nvPr>
+        </p:nvSpPr>
+        <p:spPr/>
+        <p:txBody>
+          <a:bodyPr/>
+          <a:lstStyle/>
+          <a:p>
+            <a:fld id="{EF7A8E35-B303-42FD-88A6-20A8D5E4F372}" type="slidenum">
+              <a:rPr lang="ru-RU" smtClean="0"/>
+              <a:t>22</a:t>
+            </a:fld>
+            <a:endParaRPr lang="ru-RU"/>
           </a:p>
         </p:txBody>
       </p:sp>
     </p:spTree>
     <p:extLst>
       <p:ext uri="{BB962C8B-B14F-4D97-AF65-F5344CB8AC3E}">
-        <p14:creationId xmlns:p14="http://schemas.microsoft.com/office/powerpoint/2010/main" val="1262261505"/>
+        <p14:creationId xmlns:p14="http://schemas.microsoft.com/office/powerpoint/2010/main" val="719907022"/>
       </p:ext>
     </p:extLst>
   </p:cSld>
@@ -6623,6 +6977,354 @@
                 <a:effectLst/>
                 <a:latin typeface="fkGroteskNeue"/>
               </a:rPr>
+              <a:t>Основной набор экспериментов включал бенчмарки на формулах с числом переменных от 2 до 25. Результаты (средние значения из 30 проходов): </a:t>
+            </a:r>
+          </a:p>
+          <a:p>
+            <a:pPr marL="0" indent="0">
+              <a:buNone/>
+            </a:pPr>
+            <a:r>
+              <a:rPr lang="ru-RU" b="0" i="0" dirty="0">
+                <a:effectLst/>
+                <a:latin typeface="fkGroteskNeue"/>
+              </a:rPr>
+              <a:t>n=10: </a:t>
+            </a:r>
+            <a:r>
+              <a:rPr lang="ru-RU" b="0" i="0" dirty="0" err="1">
+                <a:effectLst/>
+                <a:latin typeface="fkGroteskNeue"/>
+              </a:rPr>
+              <a:t>brute</a:t>
+            </a:r>
+            <a:r>
+              <a:rPr lang="ru-RU" b="0" i="0" dirty="0">
+                <a:effectLst/>
+                <a:latin typeface="fkGroteskNeue"/>
+              </a:rPr>
+              <a:t> </a:t>
+            </a:r>
+            <a:r>
+              <a:rPr lang="ru-RU" b="0" i="0" dirty="0" err="1">
+                <a:effectLst/>
+                <a:latin typeface="fkGroteskNeue"/>
+              </a:rPr>
+              <a:t>force</a:t>
+            </a:r>
+            <a:r>
+              <a:rPr lang="ru-RU" b="0" i="0" dirty="0">
+                <a:effectLst/>
+                <a:latin typeface="fkGroteskNeue"/>
+              </a:rPr>
+              <a:t> = 0.117 мс, Z3 = 0.345 мс;</a:t>
+            </a:r>
+          </a:p>
+          <a:p>
+            <a:pPr marL="0" indent="0">
+              <a:buNone/>
+            </a:pPr>
+            <a:r>
+              <a:rPr lang="ru-RU" b="0" i="0" dirty="0">
+                <a:effectLst/>
+                <a:latin typeface="fkGroteskNeue"/>
+              </a:rPr>
+              <a:t>n=15: </a:t>
+            </a:r>
+            <a:r>
+              <a:rPr lang="ru-RU" b="0" i="0" dirty="0" err="1">
+                <a:effectLst/>
+                <a:latin typeface="fkGroteskNeue"/>
+              </a:rPr>
+              <a:t>brute</a:t>
+            </a:r>
+            <a:r>
+              <a:rPr lang="ru-RU" b="0" i="0" dirty="0">
+                <a:effectLst/>
+                <a:latin typeface="fkGroteskNeue"/>
+              </a:rPr>
+              <a:t> </a:t>
+            </a:r>
+            <a:r>
+              <a:rPr lang="ru-RU" b="0" i="0" dirty="0" err="1">
+                <a:effectLst/>
+                <a:latin typeface="fkGroteskNeue"/>
+              </a:rPr>
+              <a:t>force</a:t>
+            </a:r>
+            <a:r>
+              <a:rPr lang="ru-RU" b="0" i="0" dirty="0">
+                <a:effectLst/>
+                <a:latin typeface="fkGroteskNeue"/>
+              </a:rPr>
+              <a:t> = 1.164 мс, Z3 = 0.331 мс; </a:t>
+            </a:r>
+          </a:p>
+          <a:p>
+            <a:pPr marL="0" indent="0">
+              <a:buNone/>
+            </a:pPr>
+            <a:r>
+              <a:rPr lang="ru-RU" b="0" i="0" dirty="0">
+                <a:effectLst/>
+                <a:latin typeface="fkGroteskNeue"/>
+              </a:rPr>
+              <a:t>n=17: </a:t>
+            </a:r>
+            <a:r>
+              <a:rPr lang="ru-RU" b="0" i="0" dirty="0" err="1">
+                <a:effectLst/>
+                <a:latin typeface="fkGroteskNeue"/>
+              </a:rPr>
+              <a:t>brute</a:t>
+            </a:r>
+            <a:r>
+              <a:rPr lang="ru-RU" b="0" i="0" dirty="0">
+                <a:effectLst/>
+                <a:latin typeface="fkGroteskNeue"/>
+              </a:rPr>
+              <a:t> </a:t>
+            </a:r>
+            <a:r>
+              <a:rPr lang="ru-RU" b="0" i="0" dirty="0" err="1">
+                <a:effectLst/>
+                <a:latin typeface="fkGroteskNeue"/>
+              </a:rPr>
+              <a:t>force</a:t>
+            </a:r>
+            <a:r>
+              <a:rPr lang="ru-RU" b="0" i="0" dirty="0">
+                <a:effectLst/>
+                <a:latin typeface="fkGroteskNeue"/>
+              </a:rPr>
+              <a:t> = 6.220 мс, Z3 = 0.346 мс;</a:t>
+            </a:r>
+          </a:p>
+          <a:p>
+            <a:pPr marL="0" indent="0">
+              <a:buNone/>
+            </a:pPr>
+            <a:r>
+              <a:rPr lang="ru-RU" b="0" i="0" dirty="0">
+                <a:effectLst/>
+                <a:latin typeface="fkGroteskNeue"/>
+              </a:rPr>
+              <a:t>n=19: </a:t>
+            </a:r>
+            <a:r>
+              <a:rPr lang="ru-RU" b="0" i="0" dirty="0" err="1">
+                <a:effectLst/>
+                <a:latin typeface="fkGroteskNeue"/>
+              </a:rPr>
+              <a:t>brute</a:t>
+            </a:r>
+            <a:r>
+              <a:rPr lang="ru-RU" b="0" i="0" dirty="0">
+                <a:effectLst/>
+                <a:latin typeface="fkGroteskNeue"/>
+              </a:rPr>
+              <a:t> </a:t>
+            </a:r>
+            <a:r>
+              <a:rPr lang="ru-RU" b="0" i="0" dirty="0" err="1">
+                <a:effectLst/>
+                <a:latin typeface="fkGroteskNeue"/>
+              </a:rPr>
+              <a:t>force</a:t>
+            </a:r>
+            <a:r>
+              <a:rPr lang="ru-RU" b="0" i="0" dirty="0">
+                <a:effectLst/>
+                <a:latin typeface="fkGroteskNeue"/>
+              </a:rPr>
+              <a:t> = 19.309 мс, Z3 = 0.321 мс;</a:t>
+            </a:r>
+          </a:p>
+          <a:p>
+            <a:pPr marL="0" indent="0">
+              <a:buNone/>
+            </a:pPr>
+            <a:r>
+              <a:rPr lang="ru-RU" b="0" i="0" dirty="0">
+                <a:effectLst/>
+                <a:latin typeface="fkGroteskNeue"/>
+              </a:rPr>
+              <a:t>n=20: </a:t>
+            </a:r>
+            <a:r>
+              <a:rPr lang="ru-RU" b="0" i="0" dirty="0" err="1">
+                <a:effectLst/>
+                <a:latin typeface="fkGroteskNeue"/>
+              </a:rPr>
+              <a:t>brute</a:t>
+            </a:r>
+            <a:r>
+              <a:rPr lang="ru-RU" b="0" i="0" dirty="0">
+                <a:effectLst/>
+                <a:latin typeface="fkGroteskNeue"/>
+              </a:rPr>
+              <a:t> </a:t>
+            </a:r>
+            <a:r>
+              <a:rPr lang="ru-RU" b="0" i="0" dirty="0" err="1">
+                <a:effectLst/>
+                <a:latin typeface="fkGroteskNeue"/>
+              </a:rPr>
+              <a:t>force</a:t>
+            </a:r>
+            <a:r>
+              <a:rPr lang="ru-RU" b="0" i="0" dirty="0">
+                <a:effectLst/>
+                <a:latin typeface="fkGroteskNeue"/>
+              </a:rPr>
+              <a:t> = 15.168 мс, Z3 = 0.360 мс;</a:t>
+            </a:r>
+          </a:p>
+          <a:p>
+            <a:pPr marL="0" indent="0">
+              <a:buNone/>
+            </a:pPr>
+            <a:endParaRPr lang="ru-RU" b="0" i="0" dirty="0">
+              <a:effectLst/>
+              <a:latin typeface="fkGroteskNeue"/>
+            </a:endParaRPr>
+          </a:p>
+        </p:txBody>
+      </p:sp>
+      <p:sp>
+        <p:nvSpPr>
+          <p:cNvPr id="5" name="Номер слайда 4">
+            <a:extLst>
+              <a:ext uri="{FF2B5EF4-FFF2-40B4-BE49-F238E27FC236}">
+                <a16:creationId xmlns:a16="http://schemas.microsoft.com/office/drawing/2014/main" id="{602A2F1F-0D0F-4B1E-9DF2-007B1B928C21}"/>
+              </a:ext>
+            </a:extLst>
+          </p:cNvPr>
+          <p:cNvSpPr>
+            <a:spLocks noGrp="1"/>
+          </p:cNvSpPr>
+          <p:nvPr>
+            <p:ph type="sldNum" sz="quarter" idx="12"/>
+          </p:nvPr>
+        </p:nvSpPr>
+        <p:spPr/>
+        <p:txBody>
+          <a:bodyPr/>
+          <a:lstStyle/>
+          <a:p>
+            <a:fld id="{EF7A8E35-B303-42FD-88A6-20A8D5E4F372}" type="slidenum">
+              <a:rPr lang="ru-RU" smtClean="0"/>
+              <a:t>23</a:t>
+            </a:fld>
+            <a:endParaRPr lang="ru-RU"/>
+          </a:p>
+        </p:txBody>
+      </p:sp>
+    </p:spTree>
+    <p:extLst>
+      <p:ext uri="{BB962C8B-B14F-4D97-AF65-F5344CB8AC3E}">
+        <p14:creationId xmlns:p14="http://schemas.microsoft.com/office/powerpoint/2010/main" val="1262261505"/>
+      </p:ext>
+    </p:extLst>
+  </p:cSld>
+  <p:clrMapOvr>
+    <a:masterClrMapping/>
+  </p:clrMapOvr>
+</p:sld>
+</file>
+
+<file path=ppt/slides/slide24.xml><?xml version="1.0" encoding="utf-8"?>
+<p:sld xmlns:a="http://schemas.openxmlformats.org/drawingml/2006/main" xmlns:r="http://schemas.openxmlformats.org/officeDocument/2006/relationships" xmlns:p="http://schemas.openxmlformats.org/presentationml/2006/main">
+  <p:cSld>
+    <p:spTree>
+      <p:nvGrpSpPr>
+        <p:cNvPr id="1" name=""/>
+        <p:cNvGrpSpPr/>
+        <p:nvPr/>
+      </p:nvGrpSpPr>
+      <p:grpSpPr>
+        <a:xfrm>
+          <a:off x="0" y="0"/>
+          <a:ext cx="0" cy="0"/>
+          <a:chOff x="0" y="0"/>
+          <a:chExt cx="0" cy="0"/>
+        </a:xfrm>
+      </p:grpSpPr>
+      <p:sp>
+        <p:nvSpPr>
+          <p:cNvPr id="2" name="Заголовок 1">
+            <a:extLst>
+              <a:ext uri="{FF2B5EF4-FFF2-40B4-BE49-F238E27FC236}">
+                <a16:creationId xmlns:a16="http://schemas.microsoft.com/office/drawing/2014/main" id="{560A5064-666A-7555-7357-0F8EFD667F80}"/>
+              </a:ext>
+            </a:extLst>
+          </p:cNvPr>
+          <p:cNvSpPr>
+            <a:spLocks noGrp="1"/>
+          </p:cNvSpPr>
+          <p:nvPr>
+            <p:ph type="title"/>
+          </p:nvPr>
+        </p:nvSpPr>
+        <p:spPr>
+          <a:xfrm>
+            <a:off x="185056" y="0"/>
+            <a:ext cx="12006943" cy="919842"/>
+          </a:xfrm>
+        </p:spPr>
+        <p:txBody>
+          <a:bodyPr>
+            <a:normAutofit/>
+          </a:bodyPr>
+          <a:lstStyle/>
+          <a:p>
+            <a:r>
+              <a:rPr lang="ru-RU" dirty="0">
+                <a:solidFill>
+                  <a:schemeClr val="bg1"/>
+                </a:solidFill>
+              </a:rPr>
+              <a:t>Автоматическое сравнение</a:t>
+            </a:r>
+          </a:p>
+        </p:txBody>
+      </p:sp>
+      <p:sp>
+        <p:nvSpPr>
+          <p:cNvPr id="3" name="Объект 2">
+            <a:extLst>
+              <a:ext uri="{FF2B5EF4-FFF2-40B4-BE49-F238E27FC236}">
+                <a16:creationId xmlns:a16="http://schemas.microsoft.com/office/drawing/2014/main" id="{EF1A858C-C156-B159-B6C9-F121B8D996B9}"/>
+              </a:ext>
+            </a:extLst>
+          </p:cNvPr>
+          <p:cNvSpPr>
+            <a:spLocks noGrp="1"/>
+          </p:cNvSpPr>
+          <p:nvPr>
+            <p:ph idx="1"/>
+          </p:nvPr>
+        </p:nvSpPr>
+        <p:spPr>
+          <a:xfrm>
+            <a:off x="838200" y="1825625"/>
+            <a:ext cx="10515600" cy="4618718"/>
+          </a:xfrm>
+        </p:spPr>
+        <p:txBody>
+          <a:bodyPr>
+            <a:normAutofit/>
+          </a:bodyPr>
+          <a:lstStyle/>
+          <a:p>
+            <a:pPr marL="0" indent="0">
+              <a:buNone/>
+            </a:pPr>
+            <a:r>
+              <a:rPr lang="ru-RU" b="0" i="0" dirty="0">
+                <a:effectLst/>
+                <a:latin typeface="fkGroteskNeue"/>
+              </a:rPr>
               <a:t>n=25: </a:t>
             </a:r>
             <a:r>
@@ -6706,6 +7408,35 @@
               <a:t> в 400 раз. Z3 демонстрирует практически константное время выполнения (0.2-0.4 мс) независимо от n, что подтверждает эффективность CDCL-алгоритма при работе с реальными формулами.</a:t>
             </a:r>
             <a:endParaRPr lang="ru-RU" dirty="0"/>
+          </a:p>
+        </p:txBody>
+      </p:sp>
+      <p:sp>
+        <p:nvSpPr>
+          <p:cNvPr id="5" name="Номер слайда 4">
+            <a:extLst>
+              <a:ext uri="{FF2B5EF4-FFF2-40B4-BE49-F238E27FC236}">
+                <a16:creationId xmlns:a16="http://schemas.microsoft.com/office/drawing/2014/main" id="{08B91326-A240-4ECF-862C-8E973625B25B}"/>
+              </a:ext>
+            </a:extLst>
+          </p:cNvPr>
+          <p:cNvSpPr>
+            <a:spLocks noGrp="1"/>
+          </p:cNvSpPr>
+          <p:nvPr>
+            <p:ph type="sldNum" sz="quarter" idx="12"/>
+          </p:nvPr>
+        </p:nvSpPr>
+        <p:spPr/>
+        <p:txBody>
+          <a:bodyPr/>
+          <a:lstStyle/>
+          <a:p>
+            <a:fld id="{EF7A8E35-B303-42FD-88A6-20A8D5E4F372}" type="slidenum">
+              <a:rPr lang="ru-RU" smtClean="0"/>
+              <a:t>24</a:t>
+            </a:fld>
+            <a:endParaRPr lang="ru-RU"/>
           </a:p>
         </p:txBody>
       </p:sp>
@@ -6722,7 +7453,7 @@
 </p:sld>
 </file>
 
-<file path=ppt/slides/slide24.xml><?xml version="1.0" encoding="utf-8"?>
+<file path=ppt/slides/slide25.xml><?xml version="1.0" encoding="utf-8"?>
 <p:sld xmlns:a="http://schemas.openxmlformats.org/drawingml/2006/main" xmlns:r="http://schemas.openxmlformats.org/officeDocument/2006/relationships" xmlns:p="http://schemas.openxmlformats.org/presentationml/2006/main">
   <p:cSld>
     <p:spTree>
@@ -6858,186 +7589,39 @@
           </a:p>
         </p:txBody>
       </p:sp>
+      <p:sp>
+        <p:nvSpPr>
+          <p:cNvPr id="4" name="Номер слайда 3">
+            <a:extLst>
+              <a:ext uri="{FF2B5EF4-FFF2-40B4-BE49-F238E27FC236}">
+                <a16:creationId xmlns:a16="http://schemas.microsoft.com/office/drawing/2014/main" id="{F4AB321F-351E-47DB-82CC-C73189F1A264}"/>
+              </a:ext>
+            </a:extLst>
+          </p:cNvPr>
+          <p:cNvSpPr>
+            <a:spLocks noGrp="1"/>
+          </p:cNvSpPr>
+          <p:nvPr>
+            <p:ph type="sldNum" sz="quarter" idx="12"/>
+          </p:nvPr>
+        </p:nvSpPr>
+        <p:spPr/>
+        <p:txBody>
+          <a:bodyPr/>
+          <a:lstStyle/>
+          <a:p>
+            <a:fld id="{EF7A8E35-B303-42FD-88A6-20A8D5E4F372}" type="slidenum">
+              <a:rPr lang="ru-RU" smtClean="0"/>
+              <a:t>25</a:t>
+            </a:fld>
+            <a:endParaRPr lang="ru-RU"/>
+          </a:p>
+        </p:txBody>
+      </p:sp>
     </p:spTree>
     <p:extLst>
       <p:ext uri="{BB962C8B-B14F-4D97-AF65-F5344CB8AC3E}">
         <p14:creationId xmlns:p14="http://schemas.microsoft.com/office/powerpoint/2010/main" val="2161295793"/>
-      </p:ext>
-    </p:extLst>
-  </p:cSld>
-  <p:clrMapOvr>
-    <a:masterClrMapping/>
-  </p:clrMapOvr>
-</p:sld>
-</file>
-
-<file path=ppt/slides/slide25.xml><?xml version="1.0" encoding="utf-8"?>
-<p:sld xmlns:a="http://schemas.openxmlformats.org/drawingml/2006/main" xmlns:r="http://schemas.openxmlformats.org/officeDocument/2006/relationships" xmlns:p="http://schemas.openxmlformats.org/presentationml/2006/main">
-  <p:cSld>
-    <p:spTree>
-      <p:nvGrpSpPr>
-        <p:cNvPr id="1" name=""/>
-        <p:cNvGrpSpPr/>
-        <p:nvPr/>
-      </p:nvGrpSpPr>
-      <p:grpSpPr>
-        <a:xfrm>
-          <a:off x="0" y="0"/>
-          <a:ext cx="0" cy="0"/>
-          <a:chOff x="0" y="0"/>
-          <a:chExt cx="0" cy="0"/>
-        </a:xfrm>
-      </p:grpSpPr>
-      <p:sp>
-        <p:nvSpPr>
-          <p:cNvPr id="2" name="Заголовок 1">
-            <a:extLst>
-              <a:ext uri="{FF2B5EF4-FFF2-40B4-BE49-F238E27FC236}">
-                <a16:creationId xmlns:a16="http://schemas.microsoft.com/office/drawing/2014/main" id="{560A5064-666A-7555-7357-0F8EFD667F80}"/>
-              </a:ext>
-            </a:extLst>
-          </p:cNvPr>
-          <p:cNvSpPr>
-            <a:spLocks noGrp="1"/>
-          </p:cNvSpPr>
-          <p:nvPr>
-            <p:ph type="title"/>
-          </p:nvPr>
-        </p:nvSpPr>
-        <p:spPr>
-          <a:xfrm>
-            <a:off x="185056" y="0"/>
-            <a:ext cx="12006943" cy="919842"/>
-          </a:xfrm>
-        </p:spPr>
-        <p:txBody>
-          <a:bodyPr>
-            <a:normAutofit/>
-          </a:bodyPr>
-          <a:lstStyle/>
-          <a:p>
-            <a:r>
-              <a:rPr lang="ru-RU" dirty="0">
-                <a:solidFill>
-                  <a:schemeClr val="bg1"/>
-                </a:solidFill>
-              </a:rPr>
-              <a:t>Анализ графика</a:t>
-            </a:r>
-          </a:p>
-        </p:txBody>
-      </p:sp>
-      <p:sp>
-        <p:nvSpPr>
-          <p:cNvPr id="3" name="Объект 2">
-            <a:extLst>
-              <a:ext uri="{FF2B5EF4-FFF2-40B4-BE49-F238E27FC236}">
-                <a16:creationId xmlns:a16="http://schemas.microsoft.com/office/drawing/2014/main" id="{EF1A858C-C156-B159-B6C9-F121B8D996B9}"/>
-              </a:ext>
-            </a:extLst>
-          </p:cNvPr>
-          <p:cNvSpPr>
-            <a:spLocks noGrp="1"/>
-          </p:cNvSpPr>
-          <p:nvPr>
-            <p:ph idx="1"/>
-          </p:nvPr>
-        </p:nvSpPr>
-        <p:spPr>
-          <a:xfrm>
-            <a:off x="838200" y="1825625"/>
-            <a:ext cx="10515600" cy="4618718"/>
-          </a:xfrm>
-        </p:spPr>
-        <p:txBody>
-          <a:bodyPr>
-            <a:normAutofit/>
-          </a:bodyPr>
-          <a:lstStyle/>
-          <a:p>
-            <a:pPr marL="0" indent="0">
-              <a:buNone/>
-            </a:pPr>
-            <a:r>
-              <a:rPr lang="ru-RU" b="0" i="0" dirty="0">
-                <a:effectLst/>
-                <a:latin typeface="fkGroteskNeue"/>
-              </a:rPr>
-              <a:t>Визуализация результатов на графике с логарифмической шкалой времени выявляет контрастные характеристики двух подходов.</a:t>
-            </a:r>
-          </a:p>
-          <a:p>
-            <a:pPr marL="0" indent="0">
-              <a:buNone/>
-            </a:pPr>
-            <a:r>
-              <a:rPr lang="ru-RU" b="0" i="0" dirty="0">
-                <a:effectLst/>
-                <a:latin typeface="fkGroteskNeue"/>
-              </a:rPr>
-              <a:t>Кривая </a:t>
-            </a:r>
-            <a:r>
-              <a:rPr lang="ru-RU" b="0" i="0" dirty="0" err="1">
-                <a:effectLst/>
-                <a:latin typeface="fkGroteskNeue"/>
-              </a:rPr>
-              <a:t>brute</a:t>
-            </a:r>
-            <a:r>
-              <a:rPr lang="ru-RU" b="0" i="0" dirty="0">
-                <a:effectLst/>
-                <a:latin typeface="fkGroteskNeue"/>
-              </a:rPr>
-              <a:t> </a:t>
-            </a:r>
-            <a:r>
-              <a:rPr lang="ru-RU" b="0" i="0" dirty="0" err="1">
-                <a:effectLst/>
-                <a:latin typeface="fkGroteskNeue"/>
-              </a:rPr>
-              <a:t>force</a:t>
-            </a:r>
-            <a:r>
-              <a:rPr lang="ru-RU" b="0" i="0" dirty="0">
-                <a:effectLst/>
-                <a:latin typeface="fkGroteskNeue"/>
-              </a:rPr>
-              <a:t> демонстрирует характерный для O(2ⁿ) функции вид: практически горизонтальная для n ≤ 13, затем резкое экспоненциальное возрастание.</a:t>
-            </a:r>
-          </a:p>
-          <a:p>
-            <a:pPr marL="0" indent="0">
-              <a:buNone/>
-            </a:pPr>
-            <a:r>
-              <a:rPr lang="ru-RU" b="0" i="0" dirty="0">
-                <a:effectLst/>
-                <a:latin typeface="fkGroteskNeue"/>
-              </a:rPr>
-              <a:t>Кривая Z3 проявляет </a:t>
-            </a:r>
-            <a:r>
-              <a:rPr lang="ru-RU" b="0" i="0" dirty="0" err="1">
-                <a:effectLst/>
-                <a:latin typeface="fkGroteskNeue"/>
-              </a:rPr>
-              <a:t>субэкспоненциальное</a:t>
-            </a:r>
-            <a:r>
-              <a:rPr lang="ru-RU" b="0" i="0" dirty="0">
-                <a:effectLst/>
-                <a:latin typeface="fkGroteskNeue"/>
-              </a:rPr>
-              <a:t> поведение: практически горизонтальная на всём диапазоне с малой вариативностью.</a:t>
-            </a:r>
-          </a:p>
-        </p:txBody>
-      </p:sp>
-    </p:spTree>
-    <p:extLst>
-      <p:ext uri="{BB962C8B-B14F-4D97-AF65-F5344CB8AC3E}">
-        <p14:creationId xmlns:p14="http://schemas.microsoft.com/office/powerpoint/2010/main" val="3287134601"/>
       </p:ext>
     </p:extLst>
   </p:cSld>
@@ -7139,21 +7723,47 @@
                 <a:effectLst/>
                 <a:latin typeface="fkGroteskNeue"/>
               </a:rPr>
-              <a:t>Это графически демонстрирует качественное различие между подходами: полный перебор </a:t>
+              <a:t>Визуализация результатов на графике с логарифмической шкалой времени выявляет контрастные характеристики двух подходов.</a:t>
+            </a:r>
+          </a:p>
+          <a:p>
+            <a:pPr marL="0" indent="0">
+              <a:buNone/>
+            </a:pPr>
+            <a:r>
+              <a:rPr lang="ru-RU" b="0" i="0" dirty="0">
+                <a:effectLst/>
+                <a:latin typeface="fkGroteskNeue"/>
+              </a:rPr>
+              <a:t>Кривая </a:t>
             </a:r>
             <a:r>
               <a:rPr lang="ru-RU" b="0" i="0" dirty="0" err="1">
                 <a:effectLst/>
                 <a:latin typeface="fkGroteskNeue"/>
               </a:rPr>
-              <a:t>экспоненциален</a:t>
-            </a:r>
-            <a:r>
-              <a:rPr lang="ru-RU" b="0" i="0" dirty="0">
-                <a:effectLst/>
-                <a:latin typeface="fkGroteskNeue"/>
-              </a:rPr>
-              <a:t> по определению, тогда как CDCL показывает практическую нечувствительность к размеру входа на экземплярах со структурой.</a:t>
+              <a:t>brute</a:t>
+            </a:r>
+            <a:r>
+              <a:rPr lang="ru-RU" b="0" i="0" dirty="0">
+                <a:effectLst/>
+                <a:latin typeface="fkGroteskNeue"/>
+              </a:rPr>
+              <a:t> </a:t>
+            </a:r>
+            <a:r>
+              <a:rPr lang="ru-RU" b="0" i="0" dirty="0" err="1">
+                <a:effectLst/>
+                <a:latin typeface="fkGroteskNeue"/>
+              </a:rPr>
+              <a:t>force</a:t>
+            </a:r>
+            <a:r>
+              <a:rPr lang="ru-RU" b="0" i="0" dirty="0">
+                <a:effectLst/>
+                <a:latin typeface="fkGroteskNeue"/>
+              </a:rPr>
+              <a:t> демонстрирует характерный для O(2ⁿ) функции вид: практически горизонтальная для n ≤ 13, затем резкое экспоненциальное возрастание.</a:t>
             </a:r>
           </a:p>
           <a:p>
@@ -7165,16 +7775,58 @@
                 <a:effectLst/>
                 <a:latin typeface="fkGroteskNeue"/>
               </a:rPr>
-              <a:t>Область пересечения кривых находится при n ≈ 10-12 переменных, что соответствует точке уравновешивания накладных расходов Z3 и превосходства эффективности алгоритма при возрастании сложности.</a:t>
-            </a:r>
-            <a:endParaRPr lang="ru-RU" dirty="0"/>
+              <a:t>Кривая Z3 проявляет </a:t>
+            </a:r>
+            <a:r>
+              <a:rPr lang="ru-RU" b="0" i="0" dirty="0" err="1">
+                <a:effectLst/>
+                <a:latin typeface="fkGroteskNeue"/>
+              </a:rPr>
+              <a:t>субэкспоненциальное</a:t>
+            </a:r>
+            <a:r>
+              <a:rPr lang="ru-RU" b="0" i="0" dirty="0">
+                <a:effectLst/>
+                <a:latin typeface="fkGroteskNeue"/>
+              </a:rPr>
+              <a:t> поведение: практически горизонтальная на всём диапазоне с малой вариативностью.</a:t>
+            </a:r>
+          </a:p>
+        </p:txBody>
+      </p:sp>
+      <p:sp>
+        <p:nvSpPr>
+          <p:cNvPr id="5" name="Номер слайда 4">
+            <a:extLst>
+              <a:ext uri="{FF2B5EF4-FFF2-40B4-BE49-F238E27FC236}">
+                <a16:creationId xmlns:a16="http://schemas.microsoft.com/office/drawing/2014/main" id="{F0DBAE94-8F3E-4894-96DC-F958E6CC7930}"/>
+              </a:ext>
+            </a:extLst>
+          </p:cNvPr>
+          <p:cNvSpPr>
+            <a:spLocks noGrp="1"/>
+          </p:cNvSpPr>
+          <p:nvPr>
+            <p:ph type="sldNum" sz="quarter" idx="12"/>
+          </p:nvPr>
+        </p:nvSpPr>
+        <p:spPr/>
+        <p:txBody>
+          <a:bodyPr/>
+          <a:lstStyle/>
+          <a:p>
+            <a:fld id="{EF7A8E35-B303-42FD-88A6-20A8D5E4F372}" type="slidenum">
+              <a:rPr lang="ru-RU" smtClean="0"/>
+              <a:t>26</a:t>
+            </a:fld>
+            <a:endParaRPr lang="ru-RU"/>
           </a:p>
         </p:txBody>
       </p:sp>
     </p:spTree>
     <p:extLst>
       <p:ext uri="{BB962C8B-B14F-4D97-AF65-F5344CB8AC3E}">
-        <p14:creationId xmlns:p14="http://schemas.microsoft.com/office/powerpoint/2010/main" val="839798794"/>
+        <p14:creationId xmlns:p14="http://schemas.microsoft.com/office/powerpoint/2010/main" val="3287134601"/>
       </p:ext>
     </p:extLst>
   </p:cSld>
@@ -7235,23 +7887,7 @@
                   <a:schemeClr val="bg1"/>
                 </a:solidFill>
               </a:rPr>
-              <a:t>Применение </a:t>
-            </a:r>
-            <a:r>
-              <a:rPr lang="en-US" dirty="0">
-                <a:solidFill>
-                  <a:schemeClr val="bg1"/>
-                </a:solidFill>
-              </a:rPr>
-              <a:t>SAT-</a:t>
-            </a:r>
-            <a:r>
-              <a:rPr lang="ru-RU" dirty="0">
-                <a:solidFill>
-                  <a:schemeClr val="bg1"/>
-                </a:solidFill>
-              </a:rPr>
-              <a:t>технологий</a:t>
+              <a:t>Анализ графика</a:t>
             </a:r>
           </a:p>
         </p:txBody>
@@ -7292,7 +7928,21 @@
                 <a:effectLst/>
                 <a:latin typeface="fkGroteskNeue"/>
               </a:rPr>
-              <a:t>SAT-решатели используются в критических приложениях современной цифровой индустрии: </a:t>
+              <a:t>Это графически демонстрирует качественное различие между подходами: полный перебор </a:t>
+            </a:r>
+            <a:r>
+              <a:rPr lang="ru-RU" b="0" i="0" dirty="0" err="1">
+                <a:effectLst/>
+                <a:latin typeface="fkGroteskNeue"/>
+              </a:rPr>
+              <a:t>экспоненциален</a:t>
+            </a:r>
+            <a:r>
+              <a:rPr lang="ru-RU" b="0" i="0" dirty="0">
+                <a:effectLst/>
+                <a:latin typeface="fkGroteskNeue"/>
+              </a:rPr>
+              <a:t> по определению, тогда как CDCL показывает практическую нечувствительность к размеру входа на экземплярах со структурой.</a:t>
             </a:r>
           </a:p>
           <a:p>
@@ -7304,97 +7954,45 @@
                 <a:effectLst/>
                 <a:latin typeface="fkGroteskNeue"/>
               </a:rPr>
-              <a:t>(1) Верификация аппаратуры (</a:t>
-            </a:r>
-            <a:r>
-              <a:rPr lang="ru-RU" b="0" i="0" dirty="0" err="1">
-                <a:effectLst/>
-                <a:latin typeface="fkGroteskNeue"/>
-              </a:rPr>
-              <a:t>Hardware</a:t>
-            </a:r>
-            <a:r>
-              <a:rPr lang="ru-RU" b="0" i="0" dirty="0">
-                <a:effectLst/>
-                <a:latin typeface="fkGroteskNeue"/>
-              </a:rPr>
-              <a:t> </a:t>
-            </a:r>
-            <a:r>
-              <a:rPr lang="ru-RU" b="0" i="0" dirty="0" err="1">
-                <a:effectLst/>
-                <a:latin typeface="fkGroteskNeue"/>
-              </a:rPr>
-              <a:t>Verification</a:t>
-            </a:r>
-            <a:r>
-              <a:rPr lang="ru-RU" b="0" i="0" dirty="0">
-                <a:effectLst/>
-                <a:latin typeface="fkGroteskNeue"/>
-              </a:rPr>
-              <a:t>) — SAT является основным инструментом при проверке эквивалентности схем (</a:t>
-            </a:r>
-            <a:r>
-              <a:rPr lang="ru-RU" b="0" i="0" dirty="0" err="1">
-                <a:effectLst/>
-                <a:latin typeface="fkGroteskNeue"/>
-              </a:rPr>
-              <a:t>Equivalence</a:t>
-            </a:r>
-            <a:r>
-              <a:rPr lang="ru-RU" b="0" i="0" dirty="0">
-                <a:effectLst/>
-                <a:latin typeface="fkGroteskNeue"/>
-              </a:rPr>
-              <a:t> </a:t>
-            </a:r>
-            <a:r>
-              <a:rPr lang="ru-RU" b="0" i="0" dirty="0" err="1">
-                <a:effectLst/>
-                <a:latin typeface="fkGroteskNeue"/>
-              </a:rPr>
-              <a:t>Checking</a:t>
-            </a:r>
-            <a:r>
-              <a:rPr lang="ru-RU" b="0" i="0" dirty="0">
-                <a:effectLst/>
-                <a:latin typeface="fkGroteskNeue"/>
-              </a:rPr>
-              <a:t>) в процессе проектирования СБИС, что обеспечивает корректность микропроцессоров и других цифровых систем;</a:t>
-            </a:r>
-          </a:p>
-          <a:p>
-            <a:pPr marL="0" indent="0">
-              <a:buNone/>
-            </a:pPr>
-            <a:r>
-              <a:rPr lang="ru-RU" b="0" i="0" dirty="0">
-                <a:effectLst/>
-                <a:latin typeface="fkGroteskNeue"/>
-              </a:rPr>
-              <a:t>(2) Формальная верификация программного обеспечения (Model </a:t>
-            </a:r>
-            <a:r>
-              <a:rPr lang="ru-RU" b="0" i="0" dirty="0" err="1">
-                <a:effectLst/>
-                <a:latin typeface="fkGroteskNeue"/>
-              </a:rPr>
-              <a:t>Checking</a:t>
-            </a:r>
-            <a:r>
-              <a:rPr lang="ru-RU" b="0" i="0" dirty="0">
-                <a:effectLst/>
-                <a:latin typeface="fkGroteskNeue"/>
-              </a:rPr>
-              <a:t>) — использование SAT для автоматической проверки моделей систем против спецификаций безопасности;</a:t>
-            </a:r>
+              <a:t>Область пересечения кривых находится при n ≈ 10-12 переменных, что соответствует точке уравновешивания накладных расходов Z3 и превосходства эффективности алгоритма при возрастании сложности.</a:t>
+            </a:r>
+            <a:endParaRPr lang="ru-RU" dirty="0"/>
+          </a:p>
+        </p:txBody>
+      </p:sp>
+      <p:sp>
+        <p:nvSpPr>
+          <p:cNvPr id="5" name="Номер слайда 4">
+            <a:extLst>
+              <a:ext uri="{FF2B5EF4-FFF2-40B4-BE49-F238E27FC236}">
+                <a16:creationId xmlns:a16="http://schemas.microsoft.com/office/drawing/2014/main" id="{E541CAD4-49F3-4705-BA4A-012A355B437D}"/>
+              </a:ext>
+            </a:extLst>
+          </p:cNvPr>
+          <p:cNvSpPr>
+            <a:spLocks noGrp="1"/>
+          </p:cNvSpPr>
+          <p:nvPr>
+            <p:ph type="sldNum" sz="quarter" idx="12"/>
+          </p:nvPr>
+        </p:nvSpPr>
+        <p:spPr/>
+        <p:txBody>
+          <a:bodyPr/>
+          <a:lstStyle/>
+          <a:p>
+            <a:fld id="{EF7A8E35-B303-42FD-88A6-20A8D5E4F372}" type="slidenum">
+              <a:rPr lang="ru-RU" smtClean="0"/>
+              <a:t>27</a:t>
+            </a:fld>
+            <a:endParaRPr lang="ru-RU"/>
           </a:p>
         </p:txBody>
       </p:sp>
     </p:spTree>
     <p:extLst>
       <p:ext uri="{BB962C8B-B14F-4D97-AF65-F5344CB8AC3E}">
-        <p14:creationId xmlns:p14="http://schemas.microsoft.com/office/powerpoint/2010/main" val="1024331436"/>
+        <p14:creationId xmlns:p14="http://schemas.microsoft.com/office/powerpoint/2010/main" val="839798794"/>
       </p:ext>
     </p:extLst>
   </p:cSld>
@@ -7500,7 +8098,7 @@
         </p:spPr>
         <p:txBody>
           <a:bodyPr>
-            <a:normAutofit fontScale="92500" lnSpcReduction="10000"/>
+            <a:normAutofit/>
           </a:bodyPr>
           <a:lstStyle/>
           <a:p>
@@ -7508,18 +8106,11 @@
               <a:buNone/>
             </a:pPr>
             <a:r>
-              <a:rPr lang="ru-RU" b="0" i="0">
-                <a:effectLst/>
-                <a:latin typeface="fkGroteskNeue"/>
-              </a:rPr>
-              <a:t>(</a:t>
-            </a:r>
-            <a:r>
-              <a:rPr lang="ru-RU" b="0" i="0" dirty="0">
-                <a:effectLst/>
-                <a:latin typeface="fkGroteskNeue"/>
-              </a:rPr>
-              <a:t>3) Оптимизация и планирование — решение задач удовлетворения ограничений (CSP) при планировании производства, составлении расписаний, размещении ресурсов;</a:t>
+              <a:rPr lang="ru-RU" b="0" i="0" dirty="0">
+                <a:effectLst/>
+                <a:latin typeface="fkGroteskNeue"/>
+              </a:rPr>
+              <a:t>SAT-решатели используются в критических приложениях современной цифровой индустрии: </a:t>
             </a:r>
           </a:p>
           <a:p>
@@ -7531,7 +8122,63 @@
                 <a:effectLst/>
                 <a:latin typeface="fkGroteskNeue"/>
               </a:rPr>
-              <a:t>(4) Криптографический анализ — использование SAT-решателей для анализа криптографических примитивов, поиска коллизий, обнаружения уязвимостей;</a:t>
+              <a:t>(1) Верификация аппаратуры (</a:t>
+            </a:r>
+            <a:r>
+              <a:rPr lang="ru-RU" b="0" i="0" dirty="0" err="1">
+                <a:effectLst/>
+                <a:latin typeface="fkGroteskNeue"/>
+              </a:rPr>
+              <a:t>Hardware</a:t>
+            </a:r>
+            <a:r>
+              <a:rPr lang="ru-RU" b="0" i="0" dirty="0">
+                <a:effectLst/>
+                <a:latin typeface="fkGroteskNeue"/>
+              </a:rPr>
+              <a:t> </a:t>
+            </a:r>
+            <a:r>
+              <a:rPr lang="ru-RU" b="0" i="0" dirty="0" err="1">
+                <a:effectLst/>
+                <a:latin typeface="fkGroteskNeue"/>
+              </a:rPr>
+              <a:t>Verification</a:t>
+            </a:r>
+            <a:r>
+              <a:rPr lang="ru-RU" b="0" i="0" dirty="0">
+                <a:effectLst/>
+                <a:latin typeface="fkGroteskNeue"/>
+              </a:rPr>
+              <a:t>) — SAT является основным инструментом при проверке эквивалентности схем (</a:t>
+            </a:r>
+            <a:r>
+              <a:rPr lang="ru-RU" b="0" i="0" dirty="0" err="1">
+                <a:effectLst/>
+                <a:latin typeface="fkGroteskNeue"/>
+              </a:rPr>
+              <a:t>Equivalence</a:t>
+            </a:r>
+            <a:r>
+              <a:rPr lang="ru-RU" b="0" i="0" dirty="0">
+                <a:effectLst/>
+                <a:latin typeface="fkGroteskNeue"/>
+              </a:rPr>
+              <a:t> </a:t>
+            </a:r>
+            <a:r>
+              <a:rPr lang="ru-RU" b="0" i="0" dirty="0" err="1">
+                <a:effectLst/>
+                <a:latin typeface="fkGroteskNeue"/>
+              </a:rPr>
+              <a:t>Checking</a:t>
+            </a:r>
+            <a:r>
+              <a:rPr lang="ru-RU" b="0" i="0" dirty="0">
+                <a:effectLst/>
+                <a:latin typeface="fkGroteskNeue"/>
+              </a:rPr>
+              <a:t>) в процессе проектирования СБИС, что обеспечивает корректность микропроцессоров и других цифровых систем;</a:t>
             </a:r>
           </a:p>
           <a:p>
@@ -7539,53 +8186,62 @@
               <a:buNone/>
             </a:pPr>
             <a:r>
-              <a:rPr lang="ru-RU" b="0" i="0">
-                <a:effectLst/>
-                <a:latin typeface="fkGroteskNeue"/>
-              </a:rPr>
-              <a:t>(</a:t>
-            </a:r>
-            <a:r>
-              <a:rPr lang="ru-RU" b="0" i="0" dirty="0">
-                <a:effectLst/>
-                <a:latin typeface="fkGroteskNeue"/>
-              </a:rPr>
-              <a:t>5) Синтез программ — автоматическое синтезирование кода, удовлетворяющего заданным спецификациям посредством </a:t>
-            </a:r>
-            <a:r>
-              <a:rPr lang="ru-RU" b="0" i="0">
-                <a:effectLst/>
-                <a:latin typeface="fkGroteskNeue"/>
-              </a:rPr>
-              <a:t>SAT-редукции.</a:t>
-            </a:r>
-          </a:p>
-          <a:p>
-            <a:pPr marL="0" indent="0">
-              <a:buNone/>
-            </a:pPr>
-            <a:r>
-              <a:rPr lang="ru-RU" b="0" i="0">
-                <a:effectLst/>
-                <a:latin typeface="fkGroteskNeue"/>
-              </a:rPr>
-              <a:t>Глобальный </a:t>
-            </a:r>
-            <a:r>
-              <a:rPr lang="ru-RU" b="0" i="0" dirty="0">
-                <a:effectLst/>
-                <a:latin typeface="fkGroteskNeue"/>
-              </a:rPr>
-              <a:t>рынок средств верификации аппаратуры, опирающихся на SAT-технологию, оценивается в миллиарды долларов, что подтверждает критическую значимость этой технологии.</a:t>
-            </a:r>
-            <a:endParaRPr lang="ru-RU" dirty="0"/>
+              <a:rPr lang="ru-RU" b="0" i="0" dirty="0">
+                <a:effectLst/>
+                <a:latin typeface="fkGroteskNeue"/>
+              </a:rPr>
+              <a:t>(2) Формальная верификация программного обеспечения (Model </a:t>
+            </a:r>
+            <a:r>
+              <a:rPr lang="ru-RU" b="0" i="0" dirty="0" err="1">
+                <a:effectLst/>
+                <a:latin typeface="fkGroteskNeue"/>
+              </a:rPr>
+              <a:t>Checking</a:t>
+            </a:r>
+            <a:r>
+              <a:rPr lang="ru-RU" b="0" i="0" dirty="0">
+                <a:effectLst/>
+                <a:latin typeface="fkGroteskNeue"/>
+              </a:rPr>
+              <a:t>) — использование SAT для автоматической проверки моделей систем против спецификаций безопасности;</a:t>
+            </a:r>
+          </a:p>
+        </p:txBody>
+      </p:sp>
+      <p:sp>
+        <p:nvSpPr>
+          <p:cNvPr id="5" name="Номер слайда 4">
+            <a:extLst>
+              <a:ext uri="{FF2B5EF4-FFF2-40B4-BE49-F238E27FC236}">
+                <a16:creationId xmlns:a16="http://schemas.microsoft.com/office/drawing/2014/main" id="{2FCEFF7A-0248-41B7-B2F6-FAE6D76E310C}"/>
+              </a:ext>
+            </a:extLst>
+          </p:cNvPr>
+          <p:cNvSpPr>
+            <a:spLocks noGrp="1"/>
+          </p:cNvSpPr>
+          <p:nvPr>
+            <p:ph type="sldNum" sz="quarter" idx="12"/>
+          </p:nvPr>
+        </p:nvSpPr>
+        <p:spPr/>
+        <p:txBody>
+          <a:bodyPr/>
+          <a:lstStyle/>
+          <a:p>
+            <a:fld id="{EF7A8E35-B303-42FD-88A6-20A8D5E4F372}" type="slidenum">
+              <a:rPr lang="ru-RU" smtClean="0"/>
+              <a:t>28</a:t>
+            </a:fld>
+            <a:endParaRPr lang="ru-RU"/>
           </a:p>
         </p:txBody>
       </p:sp>
     </p:spTree>
     <p:extLst>
       <p:ext uri="{BB962C8B-B14F-4D97-AF65-F5344CB8AC3E}">
-        <p14:creationId xmlns:p14="http://schemas.microsoft.com/office/powerpoint/2010/main" val="3765097112"/>
+        <p14:creationId xmlns:p14="http://schemas.microsoft.com/office/powerpoint/2010/main" val="1024331436"/>
       </p:ext>
     </p:extLst>
   </p:cSld>
@@ -7646,7 +8302,23 @@
                   <a:schemeClr val="bg1"/>
                 </a:solidFill>
               </a:rPr>
-              <a:t>Ограничения и проблемы</a:t>
+              <a:t>Применение </a:t>
+            </a:r>
+            <a:r>
+              <a:rPr lang="en-US" dirty="0">
+                <a:solidFill>
+                  <a:schemeClr val="bg1"/>
+                </a:solidFill>
+              </a:rPr>
+              <a:t>SAT-</a:t>
+            </a:r>
+            <a:r>
+              <a:rPr lang="ru-RU" dirty="0">
+                <a:solidFill>
+                  <a:schemeClr val="bg1"/>
+                </a:solidFill>
+              </a:rPr>
+              <a:t>технологий</a:t>
             </a:r>
           </a:p>
         </p:txBody>
@@ -7675,7 +8347,7 @@
         </p:spPr>
         <p:txBody>
           <a:bodyPr>
-            <a:normAutofit/>
+            <a:normAutofit fontScale="92500" lnSpcReduction="10000"/>
           </a:bodyPr>
           <a:lstStyle/>
           <a:p>
@@ -7683,11 +8355,18 @@
               <a:buNone/>
             </a:pPr>
             <a:r>
-              <a:rPr lang="ru-RU" b="0" i="0" dirty="0">
-                <a:effectLst/>
-                <a:latin typeface="fkGroteskNeue"/>
-              </a:rPr>
-              <a:t>Несмотря на значительные успехи, CDCL-решатели сталкиваются с рядом трудностей:</a:t>
+              <a:rPr lang="ru-RU" b="0" i="0">
+                <a:effectLst/>
+                <a:latin typeface="fkGroteskNeue"/>
+              </a:rPr>
+              <a:t>(</a:t>
+            </a:r>
+            <a:r>
+              <a:rPr lang="ru-RU" b="0" i="0" dirty="0">
+                <a:effectLst/>
+                <a:latin typeface="fkGroteskNeue"/>
+              </a:rPr>
+              <a:t>3) Оптимизация и планирование — решение задач удовлетворения ограничений (CSP) при планировании производства, составлении расписаний, размещении ресурсов;</a:t>
             </a:r>
           </a:p>
           <a:p>
@@ -7699,7 +8378,7 @@
                 <a:effectLst/>
                 <a:latin typeface="fkGroteskNeue"/>
               </a:rPr>
-              <a:t>(1) Масштабируемость на очень большие экземпляры — формулы с сотнями тысяч клауз остаются вызовом, требуя часов вычисления;</a:t>
+              <a:t>(4) Криптографический анализ — использование SAT-решателей для анализа криптографических примитивов, поиска коллизий, обнаружения уязвимостей;</a:t>
             </a:r>
           </a:p>
           <a:p>
@@ -7707,11 +8386,25 @@
               <a:buNone/>
             </a:pPr>
             <a:r>
-              <a:rPr lang="ru-RU" b="0" i="0" dirty="0">
-                <a:effectLst/>
-                <a:latin typeface="fkGroteskNeue"/>
-              </a:rPr>
-              <a:t>(2) Зависимость от структуры экземпляра — случайные формулы часто решаются быстро, тогда как структурированные экземпляры (возникающие из реальных приложений) могут демонстрировать непредсказуемо долгое время решения;</a:t>
+              <a:rPr lang="ru-RU" b="0" i="0">
+                <a:effectLst/>
+                <a:latin typeface="fkGroteskNeue"/>
+              </a:rPr>
+              <a:t>(</a:t>
+            </a:r>
+            <a:r>
+              <a:rPr lang="ru-RU" b="0" i="0" dirty="0">
+                <a:effectLst/>
+                <a:latin typeface="fkGroteskNeue"/>
+              </a:rPr>
+              <a:t>5) Синтез программ — автоматическое синтезирование кода, удовлетворяющего заданным спецификациям посредством </a:t>
+            </a:r>
+            <a:r>
+              <a:rPr lang="ru-RU" b="0" i="0">
+                <a:effectLst/>
+                <a:latin typeface="fkGroteskNeue"/>
+              </a:rPr>
+              <a:t>SAT-редукции.</a:t>
             </a:r>
           </a:p>
           <a:p>
@@ -7719,19 +8412,56 @@
               <a:buNone/>
             </a:pPr>
             <a:r>
-              <a:rPr lang="ru-RU" b="0" i="0" dirty="0">
-                <a:effectLst/>
-                <a:latin typeface="fkGroteskNeue"/>
-              </a:rPr>
-              <a:t>(3) Качество эвристик выбора переменной — неправильный выбор эвристики может замедлить алгоритм в 1000 раз;</a:t>
-            </a:r>
+              <a:rPr lang="ru-RU" b="0" i="0">
+                <a:effectLst/>
+                <a:latin typeface="fkGroteskNeue"/>
+              </a:rPr>
+              <a:t>Глобальный </a:t>
+            </a:r>
+            <a:r>
+              <a:rPr lang="ru-RU" b="0" i="0" dirty="0">
+                <a:effectLst/>
+                <a:latin typeface="fkGroteskNeue"/>
+              </a:rPr>
+              <a:t>рынок средств верификации аппаратуры, опирающихся на SAT-технологию, оценивается в миллиарды долларов, что подтверждает критическую значимость этой технологии.</a:t>
+            </a:r>
+            <a:endParaRPr lang="ru-RU" dirty="0"/>
+          </a:p>
+        </p:txBody>
+      </p:sp>
+      <p:sp>
+        <p:nvSpPr>
+          <p:cNvPr id="5" name="Номер слайда 4">
+            <a:extLst>
+              <a:ext uri="{FF2B5EF4-FFF2-40B4-BE49-F238E27FC236}">
+                <a16:creationId xmlns:a16="http://schemas.microsoft.com/office/drawing/2014/main" id="{17B199B2-C158-49A4-9EDA-5B2D84B2935A}"/>
+              </a:ext>
+            </a:extLst>
+          </p:cNvPr>
+          <p:cNvSpPr>
+            <a:spLocks noGrp="1"/>
+          </p:cNvSpPr>
+          <p:nvPr>
+            <p:ph type="sldNum" sz="quarter" idx="12"/>
+          </p:nvPr>
+        </p:nvSpPr>
+        <p:spPr/>
+        <p:txBody>
+          <a:bodyPr/>
+          <a:lstStyle/>
+          <a:p>
+            <a:fld id="{EF7A8E35-B303-42FD-88A6-20A8D5E4F372}" type="slidenum">
+              <a:rPr lang="ru-RU" smtClean="0"/>
+              <a:t>29</a:t>
+            </a:fld>
+            <a:endParaRPr lang="ru-RU"/>
           </a:p>
         </p:txBody>
       </p:sp>
     </p:spTree>
     <p:extLst>
       <p:ext uri="{BB962C8B-B14F-4D97-AF65-F5344CB8AC3E}">
-        <p14:creationId xmlns:p14="http://schemas.microsoft.com/office/powerpoint/2010/main" val="2790502837"/>
+        <p14:creationId xmlns:p14="http://schemas.microsoft.com/office/powerpoint/2010/main" val="3765097112"/>
       </p:ext>
     </p:extLst>
   </p:cSld>
@@ -7845,6 +8575,35 @@
               <a:t>) к современному CDCL, анализ архитектуры промышленного SMT-решателя Z3 от Microsoft Research, и эмпирическое сравнение производительности полного перебора с CDCL-алгоритмом на примере задачи проверки эквивалентности булевых схем.</a:t>
             </a:r>
             <a:endParaRPr lang="ru-RU" dirty="0"/>
+          </a:p>
+        </p:txBody>
+      </p:sp>
+      <p:sp>
+        <p:nvSpPr>
+          <p:cNvPr id="5" name="Номер слайда 4">
+            <a:extLst>
+              <a:ext uri="{FF2B5EF4-FFF2-40B4-BE49-F238E27FC236}">
+                <a16:creationId xmlns:a16="http://schemas.microsoft.com/office/drawing/2014/main" id="{7D48999C-A15F-4A53-8E5B-4B51C3C6A2C0}"/>
+              </a:ext>
+            </a:extLst>
+          </p:cNvPr>
+          <p:cNvSpPr>
+            <a:spLocks noGrp="1"/>
+          </p:cNvSpPr>
+          <p:nvPr>
+            <p:ph type="sldNum" sz="quarter" idx="12"/>
+          </p:nvPr>
+        </p:nvSpPr>
+        <p:spPr/>
+        <p:txBody>
+          <a:bodyPr/>
+          <a:lstStyle/>
+          <a:p>
+            <a:fld id="{EF7A8E35-B303-42FD-88A6-20A8D5E4F372}" type="slidenum">
+              <a:rPr lang="ru-RU" smtClean="0"/>
+              <a:t>3</a:t>
+            </a:fld>
+            <a:endParaRPr lang="ru-RU"/>
           </a:p>
         </p:txBody>
       </p:sp>
@@ -7949,18 +8708,11 @@
               <a:buNone/>
             </a:pPr>
             <a:r>
-              <a:rPr lang="ru-RU" b="0" i="0">
-                <a:effectLst/>
-                <a:latin typeface="fkGroteskNeue"/>
-              </a:rPr>
-              <a:t>(</a:t>
-            </a:r>
-            <a:r>
-              <a:rPr lang="ru-RU" b="0" i="0" dirty="0">
-                <a:effectLst/>
-                <a:latin typeface="fkGroteskNeue"/>
-              </a:rPr>
-              <a:t>4) Фазовые переходы — для некоторого класса случайных формул наблюдается резкий переход от простого к сложному при определённом соотношении клауз к переменным, создающий "пиковую сложность";</a:t>
+              <a:rPr lang="ru-RU" b="0" i="0" dirty="0">
+                <a:effectLst/>
+                <a:latin typeface="fkGroteskNeue"/>
+              </a:rPr>
+              <a:t>Несмотря на значительные успехи, CDCL-решатели сталкиваются с рядом трудностей:</a:t>
             </a:r>
           </a:p>
           <a:p>
@@ -7972,14 +8724,7 @@
                 <a:effectLst/>
                 <a:latin typeface="fkGroteskNeue"/>
               </a:rPr>
-              <a:t>(5) Проблема несбалансированного поиска — алгоритм может зависнуть в неудачной ветви, несмотря на наличие других решающих </a:t>
-            </a:r>
-            <a:r>
-              <a:rPr lang="ru-RU" b="0" i="0">
-                <a:effectLst/>
-                <a:latin typeface="fkGroteskNeue"/>
-              </a:rPr>
-              <a:t>путей.</a:t>
+              <a:t>(1) Масштабируемость на очень большие экземпляры — формулы с сотнями тысяч клауз остаются вызовом, требуя часов вычисления;</a:t>
             </a:r>
           </a:p>
           <a:p>
@@ -7987,35 +8732,60 @@
               <a:buNone/>
             </a:pPr>
             <a:r>
-              <a:rPr lang="ru-RU" b="0" i="0">
-                <a:effectLst/>
-                <a:latin typeface="fkGroteskNeue"/>
-              </a:rPr>
-              <a:t>Указанные </a:t>
-            </a:r>
-            <a:r>
-              <a:rPr lang="ru-RU" b="0" i="0" dirty="0">
-                <a:effectLst/>
-                <a:latin typeface="fkGroteskNeue"/>
-              </a:rPr>
-              <a:t>ограничения остаются активной областью исследований, включая разработку адаптивных эвристик, параллельных SAT-решателей и гибридных подходов.</a:t>
+              <a:rPr lang="ru-RU" b="0" i="0" dirty="0">
+                <a:effectLst/>
+                <a:latin typeface="fkGroteskNeue"/>
+              </a:rPr>
+              <a:t>(2) Зависимость от структуры экземпляра — случайные формулы часто решаются быстро, тогда как структурированные экземпляры (возникающие из реальных приложений) могут демонстрировать непредсказуемо долгое время решения;</a:t>
             </a:r>
           </a:p>
           <a:p>
             <a:pPr marL="0" indent="0">
               <a:buNone/>
             </a:pPr>
-            <a:endParaRPr lang="ru-RU" b="0" i="0" dirty="0">
-              <a:effectLst/>
-              <a:latin typeface="fkGroteskNeue"/>
-            </a:endParaRPr>
+            <a:r>
+              <a:rPr lang="ru-RU" b="0" i="0" dirty="0">
+                <a:effectLst/>
+                <a:latin typeface="fkGroteskNeue"/>
+              </a:rPr>
+              <a:t>(3) Качество эвристик выбора переменной — неправильный выбор эвристики может замедлить алгоритм в 1000 раз;</a:t>
+            </a:r>
+          </a:p>
+        </p:txBody>
+      </p:sp>
+      <p:sp>
+        <p:nvSpPr>
+          <p:cNvPr id="5" name="Номер слайда 4">
+            <a:extLst>
+              <a:ext uri="{FF2B5EF4-FFF2-40B4-BE49-F238E27FC236}">
+                <a16:creationId xmlns:a16="http://schemas.microsoft.com/office/drawing/2014/main" id="{D4414503-E004-4E28-992E-24EBE48EB4F6}"/>
+              </a:ext>
+            </a:extLst>
+          </p:cNvPr>
+          <p:cNvSpPr>
+            <a:spLocks noGrp="1"/>
+          </p:cNvSpPr>
+          <p:nvPr>
+            <p:ph type="sldNum" sz="quarter" idx="12"/>
+          </p:nvPr>
+        </p:nvSpPr>
+        <p:spPr/>
+        <p:txBody>
+          <a:bodyPr/>
+          <a:lstStyle/>
+          <a:p>
+            <a:fld id="{EF7A8E35-B303-42FD-88A6-20A8D5E4F372}" type="slidenum">
+              <a:rPr lang="ru-RU" smtClean="0"/>
+              <a:t>30</a:t>
+            </a:fld>
+            <a:endParaRPr lang="ru-RU"/>
           </a:p>
         </p:txBody>
       </p:sp>
     </p:spTree>
     <p:extLst>
       <p:ext uri="{BB962C8B-B14F-4D97-AF65-F5344CB8AC3E}">
-        <p14:creationId xmlns:p14="http://schemas.microsoft.com/office/powerpoint/2010/main" val="1522365481"/>
+        <p14:creationId xmlns:p14="http://schemas.microsoft.com/office/powerpoint/2010/main" val="2790502837"/>
       </p:ext>
     </p:extLst>
   </p:cSld>
@@ -8076,7 +8846,7 @@
                   <a:schemeClr val="bg1"/>
                 </a:solidFill>
               </a:rPr>
-              <a:t>Выводы</a:t>
+              <a:t>Ограничения и проблемы</a:t>
             </a:r>
           </a:p>
         </p:txBody>
@@ -8113,11 +8883,18 @@
               <a:buNone/>
             </a:pPr>
             <a:r>
-              <a:rPr lang="ru-RU" b="0" i="0" dirty="0">
-                <a:effectLst/>
-                <a:latin typeface="fkGroteskNeue"/>
-              </a:rPr>
-              <a:t>Проведённое исследование подтвердило следующие ключевые положения:</a:t>
+              <a:rPr lang="ru-RU" b="0" i="0">
+                <a:effectLst/>
+                <a:latin typeface="fkGroteskNeue"/>
+              </a:rPr>
+              <a:t>(</a:t>
+            </a:r>
+            <a:r>
+              <a:rPr lang="ru-RU" b="0" i="0" dirty="0">
+                <a:effectLst/>
+                <a:latin typeface="fkGroteskNeue"/>
+              </a:rPr>
+              <a:t>4) Фазовые переходы — для некоторого класса случайных формул наблюдается резкий переход от простого к сложному при определённом соотношении клауз к переменным, создающий "пиковую сложность";</a:t>
             </a:r>
           </a:p>
           <a:p>
@@ -8129,21 +8906,14 @@
                 <a:effectLst/>
                 <a:latin typeface="fkGroteskNeue"/>
               </a:rPr>
-              <a:t>(1) Проблема SAT остаётся NP-полной, и методы полного перебора </a:t>
-            </a:r>
-            <a:r>
-              <a:rPr lang="ru-RU" b="0" i="0" dirty="0" err="1">
-                <a:effectLst/>
-                <a:latin typeface="fkGroteskNeue"/>
-              </a:rPr>
-              <a:t>экспоненциальны</a:t>
-            </a:r>
-            <a:r>
-              <a:rPr lang="ru-RU" b="0" i="0" dirty="0">
-                <a:effectLst/>
-                <a:latin typeface="fkGroteskNeue"/>
-              </a:rPr>
-              <a:t> по определению, практически применимы только для n ≤ 25 переменных;</a:t>
+              <a:t>(5) Проблема несбалансированного поиска — алгоритм может зависнуть в неудачной ветви, несмотря на наличие других решающих </a:t>
+            </a:r>
+            <a:r>
+              <a:rPr lang="ru-RU" b="0" i="0">
+                <a:effectLst/>
+                <a:latin typeface="fkGroteskNeue"/>
+              </a:rPr>
+              <a:t>путей.</a:t>
             </a:r>
           </a:p>
           <a:p>
@@ -8151,61 +8921,64 @@
               <a:buNone/>
             </a:pPr>
             <a:r>
-              <a:rPr lang="ru-RU" b="0" i="0" dirty="0">
-                <a:effectLst/>
-                <a:latin typeface="fkGroteskNeue"/>
-              </a:rPr>
-              <a:t>(2) Алгоритм DPLL, базирующийся на </a:t>
-            </a:r>
-            <a:r>
-              <a:rPr lang="ru-RU" b="0" i="0" dirty="0" err="1">
-                <a:effectLst/>
-                <a:latin typeface="fkGroteskNeue"/>
-              </a:rPr>
-              <a:t>unit</a:t>
-            </a:r>
-            <a:r>
-              <a:rPr lang="ru-RU" b="0" i="0" dirty="0">
-                <a:effectLst/>
-                <a:latin typeface="fkGroteskNeue"/>
-              </a:rPr>
-              <a:t> </a:t>
-            </a:r>
-            <a:r>
-              <a:rPr lang="ru-RU" b="0" i="0" dirty="0" err="1">
-                <a:effectLst/>
-                <a:latin typeface="fkGroteskNeue"/>
-              </a:rPr>
-              <a:t>propagation</a:t>
-            </a:r>
-            <a:r>
-              <a:rPr lang="ru-RU" b="0" i="0" dirty="0">
-                <a:effectLst/>
-                <a:latin typeface="fkGroteskNeue"/>
-              </a:rPr>
-              <a:t> и </a:t>
-            </a:r>
-            <a:r>
-              <a:rPr lang="ru-RU" b="0" i="0" dirty="0" err="1">
-                <a:effectLst/>
-                <a:latin typeface="fkGroteskNeue"/>
-              </a:rPr>
-              <a:t>backtracking</a:t>
-            </a:r>
-            <a:r>
-              <a:rPr lang="ru-RU" b="0" i="0" dirty="0">
-                <a:effectLst/>
-                <a:latin typeface="fkGroteskNeue"/>
-              </a:rPr>
-              <a:t>, обеспечивает значительное сокращение пространства поиска по сравнению с полным перебором, но не использует информацию из конфликтов;</a:t>
-            </a:r>
+              <a:rPr lang="ru-RU" b="0" i="0">
+                <a:effectLst/>
+                <a:latin typeface="fkGroteskNeue"/>
+              </a:rPr>
+              <a:t>Указанные </a:t>
+            </a:r>
+            <a:r>
+              <a:rPr lang="ru-RU" b="0" i="0" dirty="0">
+                <a:effectLst/>
+                <a:latin typeface="fkGroteskNeue"/>
+              </a:rPr>
+              <a:t>ограничения остаются активной областью исследований, включая разработку адаптивных эвристик, параллельных SAT-решателей и гибридных подходов.</a:t>
+            </a:r>
+          </a:p>
+          <a:p>
+            <a:pPr marL="0" indent="0">
+              <a:buNone/>
+            </a:pPr>
+            <a:endParaRPr lang="ru-RU" b="0" i="0" dirty="0">
+              <a:effectLst/>
+              <a:latin typeface="fkGroteskNeue"/>
+            </a:endParaRPr>
+          </a:p>
+        </p:txBody>
+      </p:sp>
+      <p:sp>
+        <p:nvSpPr>
+          <p:cNvPr id="5" name="Номер слайда 4">
+            <a:extLst>
+              <a:ext uri="{FF2B5EF4-FFF2-40B4-BE49-F238E27FC236}">
+                <a16:creationId xmlns:a16="http://schemas.microsoft.com/office/drawing/2014/main" id="{19A37503-CBE7-44C8-BDE3-BE11EC2CF3B8}"/>
+              </a:ext>
+            </a:extLst>
+          </p:cNvPr>
+          <p:cNvSpPr>
+            <a:spLocks noGrp="1"/>
+          </p:cNvSpPr>
+          <p:nvPr>
+            <p:ph type="sldNum" sz="quarter" idx="12"/>
+          </p:nvPr>
+        </p:nvSpPr>
+        <p:spPr/>
+        <p:txBody>
+          <a:bodyPr/>
+          <a:lstStyle/>
+          <a:p>
+            <a:fld id="{EF7A8E35-B303-42FD-88A6-20A8D5E4F372}" type="slidenum">
+              <a:rPr lang="ru-RU" smtClean="0"/>
+              <a:t>31</a:t>
+            </a:fld>
+            <a:endParaRPr lang="ru-RU"/>
           </a:p>
         </p:txBody>
       </p:sp>
     </p:spTree>
     <p:extLst>
       <p:ext uri="{BB962C8B-B14F-4D97-AF65-F5344CB8AC3E}">
-        <p14:creationId xmlns:p14="http://schemas.microsoft.com/office/powerpoint/2010/main" val="245253284"/>
+        <p14:creationId xmlns:p14="http://schemas.microsoft.com/office/powerpoint/2010/main" val="1522365481"/>
       </p:ext>
     </p:extLst>
   </p:cSld>
@@ -8307,14 +9080,52 @@
                 <a:effectLst/>
                 <a:latin typeface="fkGroteskNeue"/>
               </a:rPr>
-              <a:t>(3) Алгоритм CDCL, расширяющий DPLL посредством </a:t>
+              <a:t>Проведённое исследование подтвердило следующие ключевые положения:</a:t>
+            </a:r>
+          </a:p>
+          <a:p>
+            <a:pPr marL="0" indent="0">
+              <a:buNone/>
+            </a:pPr>
+            <a:r>
+              <a:rPr lang="ru-RU" b="0" i="0" dirty="0">
+                <a:effectLst/>
+                <a:latin typeface="fkGroteskNeue"/>
+              </a:rPr>
+              <a:t>(1) Проблема SAT остаётся NP-полной, и методы полного перебора </a:t>
             </a:r>
             <a:r>
               <a:rPr lang="ru-RU" b="0" i="0" dirty="0" err="1">
                 <a:effectLst/>
                 <a:latin typeface="fkGroteskNeue"/>
               </a:rPr>
-              <a:t>clause</a:t>
+              <a:t>экспоненциальны</a:t>
+            </a:r>
+            <a:r>
+              <a:rPr lang="ru-RU" b="0" i="0" dirty="0">
+                <a:effectLst/>
+                <a:latin typeface="fkGroteskNeue"/>
+              </a:rPr>
+              <a:t> по определению, практически применимы только для n ≤ 25 переменных;</a:t>
+            </a:r>
+          </a:p>
+          <a:p>
+            <a:pPr marL="0" indent="0">
+              <a:buNone/>
+            </a:pPr>
+            <a:r>
+              <a:rPr lang="ru-RU" b="0" i="0" dirty="0">
+                <a:effectLst/>
+                <a:latin typeface="fkGroteskNeue"/>
+              </a:rPr>
+              <a:t>(2) Алгоритм DPLL, базирующийся на </a:t>
+            </a:r>
+            <a:r>
+              <a:rPr lang="ru-RU" b="0" i="0" dirty="0" err="1">
+                <a:effectLst/>
+                <a:latin typeface="fkGroteskNeue"/>
+              </a:rPr>
+              <a:t>unit</a:t>
             </a:r>
             <a:r>
               <a:rPr lang="ru-RU" b="0" i="0" dirty="0">
@@ -8328,34 +9139,20 @@
                 <a:effectLst/>
                 <a:latin typeface="fkGroteskNeue"/>
               </a:rPr>
-              <a:t>learning</a:t>
-            </a:r>
-            <a:r>
-              <a:rPr lang="ru-RU" b="0" i="0" dirty="0">
-                <a:effectLst/>
-                <a:latin typeface="fkGroteskNeue"/>
-              </a:rPr>
-              <a:t>, </a:t>
+              <a:t>propagation</a:t>
+            </a:r>
+            <a:r>
+              <a:rPr lang="ru-RU" b="0" i="0" dirty="0">
+                <a:effectLst/>
+                <a:latin typeface="fkGroteskNeue"/>
+              </a:rPr>
+              <a:t> и </a:t>
             </a:r>
             <a:r>
               <a:rPr lang="ru-RU" b="0" i="0" dirty="0" err="1">
                 <a:effectLst/>
                 <a:latin typeface="fkGroteskNeue"/>
               </a:rPr>
-              <a:t>non-chronological</a:t>
-            </a:r>
-            <a:r>
-              <a:rPr lang="ru-RU" b="0" i="0" dirty="0">
-                <a:effectLst/>
-                <a:latin typeface="fkGroteskNeue"/>
-              </a:rPr>
-              <a:t> </a:t>
-            </a:r>
-            <a:r>
-              <a:rPr lang="ru-RU" b="0" i="0" dirty="0" err="1">
-                <a:effectLst/>
-                <a:latin typeface="fkGroteskNeue"/>
-              </a:rPr>
               <a:t>backtracking</a:t>
             </a:r>
             <a:r>
@@ -8363,41 +9160,44 @@
                 <a:effectLst/>
                 <a:latin typeface="fkGroteskNeue"/>
               </a:rPr>
-              <a:t> и интеллектуальных эвристик, достигает практических решений задач со сложностью, казалось бы, непреодолимой для методов полного перебора;</a:t>
-            </a:r>
-          </a:p>
-          <a:p>
-            <a:pPr marL="0" indent="0">
-              <a:buNone/>
-            </a:pPr>
-            <a:r>
-              <a:rPr lang="ru-RU" b="0" i="0" dirty="0">
-                <a:effectLst/>
-                <a:latin typeface="fkGroteskNeue"/>
-              </a:rPr>
-              <a:t>(4) Z3 SMT-решатель, реализующий CDCL с многочисленными оптимизациями, демонстрирует ускорение на 100-400 раз по сравнению с </a:t>
-            </a:r>
-            <a:r>
-              <a:rPr lang="ru-RU" b="0" i="0" dirty="0" err="1">
-                <a:effectLst/>
-                <a:latin typeface="fkGroteskNeue"/>
-              </a:rPr>
-              <a:t>брутфорсом</a:t>
-            </a:r>
-            <a:r>
-              <a:rPr lang="ru-RU" b="0" i="0" dirty="0">
-                <a:effectLst/>
-                <a:latin typeface="fkGroteskNeue"/>
-              </a:rPr>
-              <a:t> на формулах масштаба 20-25 переменных;</a:t>
-            </a:r>
+              <a:t>, обеспечивает значительное сокращение пространства поиска по сравнению с полным перебором, но не использует информацию из конфликтов;</a:t>
+            </a:r>
+          </a:p>
+        </p:txBody>
+      </p:sp>
+      <p:sp>
+        <p:nvSpPr>
+          <p:cNvPr id="5" name="Номер слайда 4">
+            <a:extLst>
+              <a:ext uri="{FF2B5EF4-FFF2-40B4-BE49-F238E27FC236}">
+                <a16:creationId xmlns:a16="http://schemas.microsoft.com/office/drawing/2014/main" id="{483094D7-4AAE-40FD-B102-287EFB92C6D5}"/>
+              </a:ext>
+            </a:extLst>
+          </p:cNvPr>
+          <p:cNvSpPr>
+            <a:spLocks noGrp="1"/>
+          </p:cNvSpPr>
+          <p:nvPr>
+            <p:ph type="sldNum" sz="quarter" idx="12"/>
+          </p:nvPr>
+        </p:nvSpPr>
+        <p:spPr/>
+        <p:txBody>
+          <a:bodyPr/>
+          <a:lstStyle/>
+          <a:p>
+            <a:fld id="{EF7A8E35-B303-42FD-88A6-20A8D5E4F372}" type="slidenum">
+              <a:rPr lang="ru-RU" smtClean="0"/>
+              <a:t>32</a:t>
+            </a:fld>
+            <a:endParaRPr lang="ru-RU"/>
           </a:p>
         </p:txBody>
       </p:sp>
     </p:spTree>
     <p:extLst>
       <p:ext uri="{BB962C8B-B14F-4D97-AF65-F5344CB8AC3E}">
-        <p14:creationId xmlns:p14="http://schemas.microsoft.com/office/powerpoint/2010/main" val="1992044431"/>
+        <p14:creationId xmlns:p14="http://schemas.microsoft.com/office/powerpoint/2010/main" val="245253284"/>
       </p:ext>
     </p:extLst>
   </p:cSld>
@@ -8495,18 +9295,67 @@
               <a:buNone/>
             </a:pPr>
             <a:r>
-              <a:rPr lang="ru-RU" b="0" i="0">
-                <a:effectLst/>
-                <a:latin typeface="fkGroteskNeue"/>
-              </a:rPr>
-              <a:t>(</a:t>
-            </a:r>
-            <a:r>
-              <a:rPr lang="ru-RU" b="0" i="0" dirty="0">
-                <a:effectLst/>
-                <a:latin typeface="fkGroteskNeue"/>
-              </a:rPr>
-              <a:t>5) SAT-технология является критической инфраструктурой для верификации аппаратуры, тестирования ПО и множества других приложений в современной цифровой индустрии</a:t>
+              <a:rPr lang="ru-RU" b="0" i="0" dirty="0">
+                <a:effectLst/>
+                <a:latin typeface="fkGroteskNeue"/>
+              </a:rPr>
+              <a:t>(3) Алгоритм CDCL, расширяющий DPLL посредством </a:t>
+            </a:r>
+            <a:r>
+              <a:rPr lang="ru-RU" b="0" i="0" dirty="0" err="1">
+                <a:effectLst/>
+                <a:latin typeface="fkGroteskNeue"/>
+              </a:rPr>
+              <a:t>clause</a:t>
+            </a:r>
+            <a:r>
+              <a:rPr lang="ru-RU" b="0" i="0" dirty="0">
+                <a:effectLst/>
+                <a:latin typeface="fkGroteskNeue"/>
+              </a:rPr>
+              <a:t> </a:t>
+            </a:r>
+            <a:r>
+              <a:rPr lang="ru-RU" b="0" i="0" dirty="0" err="1">
+                <a:effectLst/>
+                <a:latin typeface="fkGroteskNeue"/>
+              </a:rPr>
+              <a:t>learning</a:t>
+            </a:r>
+            <a:r>
+              <a:rPr lang="ru-RU" b="0" i="0" dirty="0">
+                <a:effectLst/>
+                <a:latin typeface="fkGroteskNeue"/>
+              </a:rPr>
+              <a:t>, </a:t>
+            </a:r>
+            <a:r>
+              <a:rPr lang="ru-RU" b="0" i="0" dirty="0" err="1">
+                <a:effectLst/>
+                <a:latin typeface="fkGroteskNeue"/>
+              </a:rPr>
+              <a:t>non-chronological</a:t>
+            </a:r>
+            <a:r>
+              <a:rPr lang="ru-RU" b="0" i="0" dirty="0">
+                <a:effectLst/>
+                <a:latin typeface="fkGroteskNeue"/>
+              </a:rPr>
+              <a:t> </a:t>
+            </a:r>
+            <a:r>
+              <a:rPr lang="ru-RU" b="0" i="0" dirty="0" err="1">
+                <a:effectLst/>
+                <a:latin typeface="fkGroteskNeue"/>
+              </a:rPr>
+              <a:t>backtracking</a:t>
+            </a:r>
+            <a:r>
+              <a:rPr lang="ru-RU" b="0" i="0" dirty="0">
+                <a:effectLst/>
+                <a:latin typeface="fkGroteskNeue"/>
+              </a:rPr>
+              <a:t> и интеллектуальных эвристик, достигает практических решений задач со сложностью, казалось бы, непреодолимой для методов полного перебора;</a:t>
             </a:r>
           </a:p>
           <a:p>
@@ -8514,26 +9363,62 @@
               <a:buNone/>
             </a:pPr>
             <a:r>
-              <a:rPr lang="ru-RU" b="0" i="0">
-                <a:effectLst/>
-                <a:latin typeface="fkGroteskNeue"/>
-              </a:rPr>
-              <a:t>Результаты </a:t>
-            </a:r>
-            <a:r>
-              <a:rPr lang="ru-RU" b="0" i="0" dirty="0">
-                <a:effectLst/>
-                <a:latin typeface="fkGroteskNeue"/>
-              </a:rPr>
-              <a:t>подтверждают гипотезу о том, что интеллектуальные алгоритмические подходы преодолевают теоретические барьеры экспоненциальной сложности и обеспечивают практическую разрешимость задач, неразрешимых наивными методами.</a:t>
-            </a:r>
+              <a:rPr lang="ru-RU" b="0" i="0" dirty="0">
+                <a:effectLst/>
+                <a:latin typeface="fkGroteskNeue"/>
+              </a:rPr>
+              <a:t>(4) Z3 SMT-решатель, реализующий CDCL с многочисленными оптимизациями, демонстрирует ускорение на 100-400 раз по сравнению с </a:t>
+            </a:r>
+            <a:r>
+              <a:rPr lang="ru-RU" b="0" i="0" dirty="0" err="1">
+                <a:effectLst/>
+                <a:latin typeface="fkGroteskNeue"/>
+              </a:rPr>
+              <a:t>брутфорсом</a:t>
+            </a:r>
+            <a:r>
+              <a:rPr lang="ru-RU" b="0" i="0" dirty="0">
+                <a:effectLst/>
+                <a:latin typeface="fkGroteskNeue"/>
+              </a:rPr>
+              <a:t> на формулах масштаба 20-25 переменных;</a:t>
+            </a:r>
+          </a:p>
+        </p:txBody>
+      </p:sp>
+      <p:sp>
+        <p:nvSpPr>
+          <p:cNvPr id="5" name="Номер слайда 4">
+            <a:extLst>
+              <a:ext uri="{FF2B5EF4-FFF2-40B4-BE49-F238E27FC236}">
+                <a16:creationId xmlns:a16="http://schemas.microsoft.com/office/drawing/2014/main" id="{A2ECA31E-91E0-4F72-9FE1-3F8171538966}"/>
+              </a:ext>
+            </a:extLst>
+          </p:cNvPr>
+          <p:cNvSpPr>
+            <a:spLocks noGrp="1"/>
+          </p:cNvSpPr>
+          <p:nvPr>
+            <p:ph type="sldNum" sz="quarter" idx="12"/>
+          </p:nvPr>
+        </p:nvSpPr>
+        <p:spPr/>
+        <p:txBody>
+          <a:bodyPr/>
+          <a:lstStyle/>
+          <a:p>
+            <a:fld id="{EF7A8E35-B303-42FD-88A6-20A8D5E4F372}" type="slidenum">
+              <a:rPr lang="ru-RU" smtClean="0"/>
+              <a:t>33</a:t>
+            </a:fld>
+            <a:endParaRPr lang="ru-RU"/>
           </a:p>
         </p:txBody>
       </p:sp>
     </p:spTree>
     <p:extLst>
       <p:ext uri="{BB962C8B-B14F-4D97-AF65-F5344CB8AC3E}">
-        <p14:creationId xmlns:p14="http://schemas.microsoft.com/office/powerpoint/2010/main" val="1971149438"/>
+        <p14:creationId xmlns:p14="http://schemas.microsoft.com/office/powerpoint/2010/main" val="1992044431"/>
       </p:ext>
     </p:extLst>
   </p:cSld>
@@ -8594,7 +9479,7 @@
                   <a:schemeClr val="bg1"/>
                 </a:solidFill>
               </a:rPr>
-              <a:t>Роли в команде</a:t>
+              <a:t>Выводы</a:t>
             </a:r>
           </a:p>
         </p:txBody>
@@ -8631,6 +9516,171 @@
               <a:buNone/>
             </a:pPr>
             <a:r>
+              <a:rPr lang="ru-RU" b="0" i="0">
+                <a:effectLst/>
+                <a:latin typeface="fkGroteskNeue"/>
+              </a:rPr>
+              <a:t>(</a:t>
+            </a:r>
+            <a:r>
+              <a:rPr lang="ru-RU" b="0" i="0" dirty="0">
+                <a:effectLst/>
+                <a:latin typeface="fkGroteskNeue"/>
+              </a:rPr>
+              <a:t>5) SAT-технология является критической инфраструктурой для верификации аппаратуры, тестирования ПО и множества других приложений в современной цифровой индустрии</a:t>
+            </a:r>
+          </a:p>
+          <a:p>
+            <a:pPr marL="0" indent="0">
+              <a:buNone/>
+            </a:pPr>
+            <a:r>
+              <a:rPr lang="ru-RU" b="0" i="0">
+                <a:effectLst/>
+                <a:latin typeface="fkGroteskNeue"/>
+              </a:rPr>
+              <a:t>Результаты </a:t>
+            </a:r>
+            <a:r>
+              <a:rPr lang="ru-RU" b="0" i="0" dirty="0">
+                <a:effectLst/>
+                <a:latin typeface="fkGroteskNeue"/>
+              </a:rPr>
+              <a:t>подтверждают гипотезу о том, что интеллектуальные алгоритмические подходы преодолевают теоретические барьеры экспоненциальной сложности и обеспечивают практическую разрешимость задач, неразрешимых наивными методами.</a:t>
+            </a:r>
+          </a:p>
+        </p:txBody>
+      </p:sp>
+      <p:sp>
+        <p:nvSpPr>
+          <p:cNvPr id="5" name="Номер слайда 4">
+            <a:extLst>
+              <a:ext uri="{FF2B5EF4-FFF2-40B4-BE49-F238E27FC236}">
+                <a16:creationId xmlns:a16="http://schemas.microsoft.com/office/drawing/2014/main" id="{EFEA3F5C-1A10-4333-BB12-4ED8F6BCA869}"/>
+              </a:ext>
+            </a:extLst>
+          </p:cNvPr>
+          <p:cNvSpPr>
+            <a:spLocks noGrp="1"/>
+          </p:cNvSpPr>
+          <p:nvPr>
+            <p:ph type="sldNum" sz="quarter" idx="12"/>
+          </p:nvPr>
+        </p:nvSpPr>
+        <p:spPr/>
+        <p:txBody>
+          <a:bodyPr/>
+          <a:lstStyle/>
+          <a:p>
+            <a:fld id="{EF7A8E35-B303-42FD-88A6-20A8D5E4F372}" type="slidenum">
+              <a:rPr lang="ru-RU" smtClean="0"/>
+              <a:t>34</a:t>
+            </a:fld>
+            <a:endParaRPr lang="ru-RU"/>
+          </a:p>
+        </p:txBody>
+      </p:sp>
+    </p:spTree>
+    <p:extLst>
+      <p:ext uri="{BB962C8B-B14F-4D97-AF65-F5344CB8AC3E}">
+        <p14:creationId xmlns:p14="http://schemas.microsoft.com/office/powerpoint/2010/main" val="1971149438"/>
+      </p:ext>
+    </p:extLst>
+  </p:cSld>
+  <p:clrMapOvr>
+    <a:masterClrMapping/>
+  </p:clrMapOvr>
+</p:sld>
+</file>
+
+<file path=ppt/slides/slide35.xml><?xml version="1.0" encoding="utf-8"?>
+<p:sld xmlns:a="http://schemas.openxmlformats.org/drawingml/2006/main" xmlns:r="http://schemas.openxmlformats.org/officeDocument/2006/relationships" xmlns:p="http://schemas.openxmlformats.org/presentationml/2006/main">
+  <p:cSld>
+    <p:spTree>
+      <p:nvGrpSpPr>
+        <p:cNvPr id="1" name=""/>
+        <p:cNvGrpSpPr/>
+        <p:nvPr/>
+      </p:nvGrpSpPr>
+      <p:grpSpPr>
+        <a:xfrm>
+          <a:off x="0" y="0"/>
+          <a:ext cx="0" cy="0"/>
+          <a:chOff x="0" y="0"/>
+          <a:chExt cx="0" cy="0"/>
+        </a:xfrm>
+      </p:grpSpPr>
+      <p:sp>
+        <p:nvSpPr>
+          <p:cNvPr id="2" name="Заголовок 1">
+            <a:extLst>
+              <a:ext uri="{FF2B5EF4-FFF2-40B4-BE49-F238E27FC236}">
+                <a16:creationId xmlns:a16="http://schemas.microsoft.com/office/drawing/2014/main" id="{560A5064-666A-7555-7357-0F8EFD667F80}"/>
+              </a:ext>
+            </a:extLst>
+          </p:cNvPr>
+          <p:cNvSpPr>
+            <a:spLocks noGrp="1"/>
+          </p:cNvSpPr>
+          <p:nvPr>
+            <p:ph type="title"/>
+          </p:nvPr>
+        </p:nvSpPr>
+        <p:spPr>
+          <a:xfrm>
+            <a:off x="185056" y="0"/>
+            <a:ext cx="12006943" cy="919842"/>
+          </a:xfrm>
+        </p:spPr>
+        <p:txBody>
+          <a:bodyPr>
+            <a:normAutofit/>
+          </a:bodyPr>
+          <a:lstStyle/>
+          <a:p>
+            <a:r>
+              <a:rPr lang="ru-RU" dirty="0">
+                <a:solidFill>
+                  <a:schemeClr val="bg1"/>
+                </a:solidFill>
+              </a:rPr>
+              <a:t>Роли в команде</a:t>
+            </a:r>
+          </a:p>
+        </p:txBody>
+      </p:sp>
+      <p:sp>
+        <p:nvSpPr>
+          <p:cNvPr id="3" name="Объект 2">
+            <a:extLst>
+              <a:ext uri="{FF2B5EF4-FFF2-40B4-BE49-F238E27FC236}">
+                <a16:creationId xmlns:a16="http://schemas.microsoft.com/office/drawing/2014/main" id="{EF1A858C-C156-B159-B6C9-F121B8D996B9}"/>
+              </a:ext>
+            </a:extLst>
+          </p:cNvPr>
+          <p:cNvSpPr>
+            <a:spLocks noGrp="1"/>
+          </p:cNvSpPr>
+          <p:nvPr>
+            <p:ph idx="1"/>
+          </p:nvPr>
+        </p:nvSpPr>
+        <p:spPr>
+          <a:xfrm>
+            <a:off x="838200" y="1825625"/>
+            <a:ext cx="10515600" cy="4618718"/>
+          </a:xfrm>
+        </p:spPr>
+        <p:txBody>
+          <a:bodyPr>
+            <a:normAutofit/>
+          </a:bodyPr>
+          <a:lstStyle/>
+          <a:p>
+            <a:pPr marL="0" indent="0">
+              <a:buNone/>
+            </a:pPr>
+            <a:r>
               <a:rPr lang="ru-RU" b="0" i="0" dirty="0">
                 <a:effectLst/>
                 <a:latin typeface="fkGroteskNeue"/>
@@ -8661,6 +9711,35 @@
               </a:rPr>
               <a:t>Шарапов И.Д. — тестирование ПК, Глава 3, презентация</a:t>
             </a:r>
+          </a:p>
+        </p:txBody>
+      </p:sp>
+      <p:sp>
+        <p:nvSpPr>
+          <p:cNvPr id="5" name="Номер слайда 4">
+            <a:extLst>
+              <a:ext uri="{FF2B5EF4-FFF2-40B4-BE49-F238E27FC236}">
+                <a16:creationId xmlns:a16="http://schemas.microsoft.com/office/drawing/2014/main" id="{0A9FC68C-42E9-4D87-ADC9-79020943E357}"/>
+              </a:ext>
+            </a:extLst>
+          </p:cNvPr>
+          <p:cNvSpPr>
+            <a:spLocks noGrp="1"/>
+          </p:cNvSpPr>
+          <p:nvPr>
+            <p:ph type="sldNum" sz="quarter" idx="12"/>
+          </p:nvPr>
+        </p:nvSpPr>
+        <p:spPr/>
+        <p:txBody>
+          <a:bodyPr/>
+          <a:lstStyle/>
+          <a:p>
+            <a:fld id="{EF7A8E35-B303-42FD-88A6-20A8D5E4F372}" type="slidenum">
+              <a:rPr lang="ru-RU" smtClean="0"/>
+              <a:t>35</a:t>
+            </a:fld>
+            <a:endParaRPr lang="ru-RU"/>
           </a:p>
         </p:txBody>
       </p:sp>
@@ -8774,6 +9853,35 @@
           </a:p>
         </p:txBody>
       </p:sp>
+      <p:sp>
+        <p:nvSpPr>
+          <p:cNvPr id="5" name="Номер слайда 4">
+            <a:extLst>
+              <a:ext uri="{FF2B5EF4-FFF2-40B4-BE49-F238E27FC236}">
+                <a16:creationId xmlns:a16="http://schemas.microsoft.com/office/drawing/2014/main" id="{0E265271-A918-4D03-954F-8176C2A41985}"/>
+              </a:ext>
+            </a:extLst>
+          </p:cNvPr>
+          <p:cNvSpPr>
+            <a:spLocks noGrp="1"/>
+          </p:cNvSpPr>
+          <p:nvPr>
+            <p:ph type="sldNum" sz="quarter" idx="12"/>
+          </p:nvPr>
+        </p:nvSpPr>
+        <p:spPr/>
+        <p:txBody>
+          <a:bodyPr/>
+          <a:lstStyle/>
+          <a:p>
+            <a:fld id="{EF7A8E35-B303-42FD-88A6-20A8D5E4F372}" type="slidenum">
+              <a:rPr lang="ru-RU" smtClean="0"/>
+              <a:t>4</a:t>
+            </a:fld>
+            <a:endParaRPr lang="ru-RU"/>
+          </a:p>
+        </p:txBody>
+      </p:sp>
     </p:spTree>
     <p:extLst>
       <p:ext uri="{BB962C8B-B14F-4D97-AF65-F5344CB8AC3E}">
@@ -8885,6 +9993,35 @@
           </a:p>
         </p:txBody>
       </p:sp>
+      <p:sp>
+        <p:nvSpPr>
+          <p:cNvPr id="5" name="Номер слайда 4">
+            <a:extLst>
+              <a:ext uri="{FF2B5EF4-FFF2-40B4-BE49-F238E27FC236}">
+                <a16:creationId xmlns:a16="http://schemas.microsoft.com/office/drawing/2014/main" id="{453BA7F9-A899-4BF3-834E-B15ECDB8391B}"/>
+              </a:ext>
+            </a:extLst>
+          </p:cNvPr>
+          <p:cNvSpPr>
+            <a:spLocks noGrp="1"/>
+          </p:cNvSpPr>
+          <p:nvPr>
+            <p:ph type="sldNum" sz="quarter" idx="12"/>
+          </p:nvPr>
+        </p:nvSpPr>
+        <p:spPr/>
+        <p:txBody>
+          <a:bodyPr/>
+          <a:lstStyle/>
+          <a:p>
+            <a:fld id="{EF7A8E35-B303-42FD-88A6-20A8D5E4F372}" type="slidenum">
+              <a:rPr lang="ru-RU" smtClean="0"/>
+              <a:t>5</a:t>
+            </a:fld>
+            <a:endParaRPr lang="ru-RU"/>
+          </a:p>
+        </p:txBody>
+      </p:sp>
     </p:spTree>
     <p:extLst>
       <p:ext uri="{BB962C8B-B14F-4D97-AF65-F5344CB8AC3E}">
@@ -9074,6 +10211,35 @@
           </a:p>
         </p:txBody>
       </p:sp>
+      <p:sp>
+        <p:nvSpPr>
+          <p:cNvPr id="5" name="Номер слайда 4">
+            <a:extLst>
+              <a:ext uri="{FF2B5EF4-FFF2-40B4-BE49-F238E27FC236}">
+                <a16:creationId xmlns:a16="http://schemas.microsoft.com/office/drawing/2014/main" id="{BCDF7197-9710-4F65-AA4A-E4BA8225E5E2}"/>
+              </a:ext>
+            </a:extLst>
+          </p:cNvPr>
+          <p:cNvSpPr>
+            <a:spLocks noGrp="1"/>
+          </p:cNvSpPr>
+          <p:nvPr>
+            <p:ph type="sldNum" sz="quarter" idx="12"/>
+          </p:nvPr>
+        </p:nvSpPr>
+        <p:spPr/>
+        <p:txBody>
+          <a:bodyPr/>
+          <a:lstStyle/>
+          <a:p>
+            <a:fld id="{EF7A8E35-B303-42FD-88A6-20A8D5E4F372}" type="slidenum">
+              <a:rPr lang="ru-RU" smtClean="0"/>
+              <a:t>6</a:t>
+            </a:fld>
+            <a:endParaRPr lang="ru-RU"/>
+          </a:p>
+        </p:txBody>
+      </p:sp>
     </p:spTree>
     <p:extLst>
       <p:ext uri="{BB962C8B-B14F-4D97-AF65-F5344CB8AC3E}">
@@ -9225,6 +10391,35 @@
           </a:p>
         </p:txBody>
       </p:sp>
+      <p:sp>
+        <p:nvSpPr>
+          <p:cNvPr id="5" name="Номер слайда 4">
+            <a:extLst>
+              <a:ext uri="{FF2B5EF4-FFF2-40B4-BE49-F238E27FC236}">
+                <a16:creationId xmlns:a16="http://schemas.microsoft.com/office/drawing/2014/main" id="{ABCF50E8-CF4E-4F7A-9469-8A13C19A3F90}"/>
+              </a:ext>
+            </a:extLst>
+          </p:cNvPr>
+          <p:cNvSpPr>
+            <a:spLocks noGrp="1"/>
+          </p:cNvSpPr>
+          <p:nvPr>
+            <p:ph type="sldNum" sz="quarter" idx="12"/>
+          </p:nvPr>
+        </p:nvSpPr>
+        <p:spPr/>
+        <p:txBody>
+          <a:bodyPr/>
+          <a:lstStyle/>
+          <a:p>
+            <a:fld id="{EF7A8E35-B303-42FD-88A6-20A8D5E4F372}" type="slidenum">
+              <a:rPr lang="ru-RU" smtClean="0"/>
+              <a:t>7</a:t>
+            </a:fld>
+            <a:endParaRPr lang="ru-RU"/>
+          </a:p>
+        </p:txBody>
+      </p:sp>
     </p:spTree>
     <p:extLst>
       <p:ext uri="{BB962C8B-B14F-4D97-AF65-F5344CB8AC3E}">
@@ -9370,6 +10565,35 @@
           </a:p>
         </p:txBody>
       </p:sp>
+      <p:sp>
+        <p:nvSpPr>
+          <p:cNvPr id="5" name="Номер слайда 4">
+            <a:extLst>
+              <a:ext uri="{FF2B5EF4-FFF2-40B4-BE49-F238E27FC236}">
+                <a16:creationId xmlns:a16="http://schemas.microsoft.com/office/drawing/2014/main" id="{FB2F3A90-9F6E-4A95-9DA8-C97913D986AE}"/>
+              </a:ext>
+            </a:extLst>
+          </p:cNvPr>
+          <p:cNvSpPr>
+            <a:spLocks noGrp="1"/>
+          </p:cNvSpPr>
+          <p:nvPr>
+            <p:ph type="sldNum" sz="quarter" idx="12"/>
+          </p:nvPr>
+        </p:nvSpPr>
+        <p:spPr/>
+        <p:txBody>
+          <a:bodyPr/>
+          <a:lstStyle/>
+          <a:p>
+            <a:fld id="{EF7A8E35-B303-42FD-88A6-20A8D5E4F372}" type="slidenum">
+              <a:rPr lang="ru-RU" smtClean="0"/>
+              <a:t>8</a:t>
+            </a:fld>
+            <a:endParaRPr lang="ru-RU"/>
+          </a:p>
+        </p:txBody>
+      </p:sp>
     </p:spTree>
     <p:extLst>
       <p:ext uri="{BB962C8B-B14F-4D97-AF65-F5344CB8AC3E}">
@@ -9476,7 +10700,7 @@
         </p:spPr>
         <p:txBody>
           <a:bodyPr>
-            <a:normAutofit fontScale="85000" lnSpcReduction="20000"/>
+            <a:normAutofit fontScale="92500" lnSpcReduction="20000"/>
           </a:bodyPr>
           <a:lstStyle/>
           <a:p>
@@ -9558,7 +10782,7 @@
                 <a:effectLst/>
                 <a:latin typeface="fkGroteskNeue"/>
               </a:rPr>
-              <a:t>). Основные компоненты алгоритма включают: </a:t>
+              <a:t>). Работает исключительно с формулами в конъюнктивной нормальной форме (КНФ). Основные компоненты алгоритма включают: </a:t>
             </a:r>
             <a:endParaRPr lang="en-US" b="0" i="0" dirty="0">
               <a:effectLst/>
@@ -9669,35 +10893,34 @@
               <a:latin typeface="fkGroteskNeue"/>
             </a:endParaRPr>
           </a:p>
-          <a:p>
-            <a:pPr marL="0" indent="0">
-              <a:buNone/>
-            </a:pPr>
-            <a:r>
-              <a:rPr lang="ru-RU" b="0" i="0" dirty="0">
-                <a:effectLst/>
-                <a:latin typeface="fkGroteskNeue"/>
-              </a:rPr>
-              <a:t>(4) </a:t>
-            </a:r>
-            <a:r>
-              <a:rPr lang="ru-RU" b="0" i="0" dirty="0" err="1">
-                <a:effectLst/>
-                <a:latin typeface="fkGroteskNeue"/>
-              </a:rPr>
-              <a:t>Backtracking</a:t>
-            </a:r>
-            <a:r>
-              <a:rPr lang="ru-RU" b="0" i="0" dirty="0">
-                <a:effectLst/>
-                <a:latin typeface="fkGroteskNeue"/>
-              </a:rPr>
-              <a:t> — при обнаружении противоречия (пустой клаузы) возврат к последней точке выбора и попытка альтернативного значения. </a:t>
-            </a:r>
-            <a:endParaRPr lang="en-US" b="0" i="0" dirty="0">
-              <a:effectLst/>
-              <a:latin typeface="fkGroteskNeue"/>
-            </a:endParaRPr>
+        </p:txBody>
+      </p:sp>
+      <p:sp>
+        <p:nvSpPr>
+          <p:cNvPr id="5" name="Номер слайда 4">
+            <a:extLst>
+              <a:ext uri="{FF2B5EF4-FFF2-40B4-BE49-F238E27FC236}">
+                <a16:creationId xmlns:a16="http://schemas.microsoft.com/office/drawing/2014/main" id="{898957FA-0A58-4FB5-A0FA-A12124F91845}"/>
+              </a:ext>
+            </a:extLst>
+          </p:cNvPr>
+          <p:cNvSpPr>
+            <a:spLocks noGrp="1"/>
+          </p:cNvSpPr>
+          <p:nvPr>
+            <p:ph type="sldNum" sz="quarter" idx="12"/>
+          </p:nvPr>
+        </p:nvSpPr>
+        <p:spPr/>
+        <p:txBody>
+          <a:bodyPr/>
+          <a:lstStyle/>
+          <a:p>
+            <a:fld id="{EF7A8E35-B303-42FD-88A6-20A8D5E4F372}" type="slidenum">
+              <a:rPr lang="ru-RU" smtClean="0"/>
+              <a:t>9</a:t>
+            </a:fld>
+            <a:endParaRPr lang="ru-RU"/>
           </a:p>
         </p:txBody>
       </p:sp>

--- a/SAT-решатели (презентация).pptx
+++ b/SAT-решатели (презентация).pptx
@@ -5,7 +5,7 @@
     <p:sldMasterId id="2147483660" r:id="rId1"/>
   </p:sldMasterIdLst>
   <p:notesMasterIdLst>
-    <p:notesMasterId r:id="rId37"/>
+    <p:notesMasterId r:id="rId35"/>
   </p:notesMasterIdLst>
   <p:sldIdLst>
     <p:sldId id="256" r:id="rId2"/>
@@ -22,27 +22,25 @@
     <p:sldId id="269" r:id="rId13"/>
     <p:sldId id="292" r:id="rId14"/>
     <p:sldId id="293" r:id="rId15"/>
-    <p:sldId id="271" r:id="rId16"/>
-    <p:sldId id="272" r:id="rId17"/>
-    <p:sldId id="273" r:id="rId18"/>
-    <p:sldId id="274" r:id="rId19"/>
-    <p:sldId id="275" r:id="rId20"/>
-    <p:sldId id="276" r:id="rId21"/>
-    <p:sldId id="277" r:id="rId22"/>
-    <p:sldId id="278" r:id="rId23"/>
-    <p:sldId id="279" r:id="rId24"/>
-    <p:sldId id="280" r:id="rId25"/>
-    <p:sldId id="281" r:id="rId26"/>
-    <p:sldId id="282" r:id="rId27"/>
-    <p:sldId id="283" r:id="rId28"/>
-    <p:sldId id="284" r:id="rId29"/>
-    <p:sldId id="285" r:id="rId30"/>
-    <p:sldId id="286" r:id="rId31"/>
-    <p:sldId id="287" r:id="rId32"/>
-    <p:sldId id="288" r:id="rId33"/>
-    <p:sldId id="289" r:id="rId34"/>
-    <p:sldId id="291" r:id="rId35"/>
-    <p:sldId id="290" r:id="rId36"/>
+    <p:sldId id="273" r:id="rId16"/>
+    <p:sldId id="274" r:id="rId17"/>
+    <p:sldId id="294" r:id="rId18"/>
+    <p:sldId id="276" r:id="rId19"/>
+    <p:sldId id="277" r:id="rId20"/>
+    <p:sldId id="278" r:id="rId21"/>
+    <p:sldId id="279" r:id="rId22"/>
+    <p:sldId id="280" r:id="rId23"/>
+    <p:sldId id="281" r:id="rId24"/>
+    <p:sldId id="282" r:id="rId25"/>
+    <p:sldId id="283" r:id="rId26"/>
+    <p:sldId id="284" r:id="rId27"/>
+    <p:sldId id="285" r:id="rId28"/>
+    <p:sldId id="286" r:id="rId29"/>
+    <p:sldId id="287" r:id="rId30"/>
+    <p:sldId id="288" r:id="rId31"/>
+    <p:sldId id="289" r:id="rId32"/>
+    <p:sldId id="291" r:id="rId33"/>
+    <p:sldId id="290" r:id="rId34"/>
   </p:sldIdLst>
   <p:sldSz cx="12192000" cy="6858000"/>
   <p:notesSz cx="6858000" cy="9144000"/>
@@ -231,7 +229,7 @@
           <a:p>
             <a:fld id="{378CC9F5-884F-49E5-B517-9E8FA7861F61}" type="datetimeFigureOut">
               <a:rPr lang="ru-RU" smtClean="0"/>
-              <a:t>07.01.2026</a:t>
+              <a:t>08.01.2026</a:t>
             </a:fld>
             <a:endParaRPr lang="ru-RU"/>
           </a:p>
@@ -629,7 +627,7 @@
           <a:p>
             <a:fld id="{2D6DC980-0D23-43BB-A63D-56EA25751E22}" type="datetime1">
               <a:rPr lang="ru-RU" smtClean="0"/>
-              <a:t>07.01.2026</a:t>
+              <a:t>08.01.2026</a:t>
             </a:fld>
             <a:endParaRPr lang="ru-RU"/>
           </a:p>
@@ -799,7 +797,7 @@
           <a:p>
             <a:fld id="{4B715FF3-9884-4E00-9FC8-FC2FD387C6D9}" type="datetime1">
               <a:rPr lang="ru-RU" smtClean="0"/>
-              <a:t>07.01.2026</a:t>
+              <a:t>08.01.2026</a:t>
             </a:fld>
             <a:endParaRPr lang="ru-RU"/>
           </a:p>
@@ -979,7 +977,7 @@
           <a:p>
             <a:fld id="{11AA60C8-0F3A-4141-9ED5-D0A4E82A6F06}" type="datetime1">
               <a:rPr lang="ru-RU" smtClean="0"/>
-              <a:t>07.01.2026</a:t>
+              <a:t>08.01.2026</a:t>
             </a:fld>
             <a:endParaRPr lang="ru-RU"/>
           </a:p>
@@ -1149,7 +1147,7 @@
           <a:p>
             <a:fld id="{17A71A22-D42E-48D0-B1EB-6892DBED9C56}" type="datetime1">
               <a:rPr lang="ru-RU" smtClean="0"/>
-              <a:t>07.01.2026</a:t>
+              <a:t>08.01.2026</a:t>
             </a:fld>
             <a:endParaRPr lang="ru-RU"/>
           </a:p>
@@ -1395,7 +1393,7 @@
           <a:p>
             <a:fld id="{BADD7171-AC31-463F-8826-96FEC8E67E89}" type="datetime1">
               <a:rPr lang="ru-RU" smtClean="0"/>
-              <a:t>07.01.2026</a:t>
+              <a:t>08.01.2026</a:t>
             </a:fld>
             <a:endParaRPr lang="ru-RU"/>
           </a:p>
@@ -1627,7 +1625,7 @@
           <a:p>
             <a:fld id="{DE1178B0-B191-4CA8-A160-1541DB9A6C24}" type="datetime1">
               <a:rPr lang="ru-RU" smtClean="0"/>
-              <a:t>07.01.2026</a:t>
+              <a:t>08.01.2026</a:t>
             </a:fld>
             <a:endParaRPr lang="ru-RU"/>
           </a:p>
@@ -1994,7 +1992,7 @@
           <a:p>
             <a:fld id="{63C2932A-EC0D-4F11-89AA-A0E1CA5C3E2B}" type="datetime1">
               <a:rPr lang="ru-RU" smtClean="0"/>
-              <a:t>07.01.2026</a:t>
+              <a:t>08.01.2026</a:t>
             </a:fld>
             <a:endParaRPr lang="ru-RU"/>
           </a:p>
@@ -2112,7 +2110,7 @@
           <a:p>
             <a:fld id="{F0A57ABA-A7EE-4550-8639-D4A488B95078}" type="datetime1">
               <a:rPr lang="ru-RU" smtClean="0"/>
-              <a:t>07.01.2026</a:t>
+              <a:t>08.01.2026</a:t>
             </a:fld>
             <a:endParaRPr lang="ru-RU"/>
           </a:p>
@@ -2207,7 +2205,7 @@
           <a:p>
             <a:fld id="{B9B34CC7-46C4-4103-B06C-B49D2A297761}" type="datetime1">
               <a:rPr lang="ru-RU" smtClean="0"/>
-              <a:t>07.01.2026</a:t>
+              <a:t>08.01.2026</a:t>
             </a:fld>
             <a:endParaRPr lang="ru-RU"/>
           </a:p>
@@ -2484,7 +2482,7 @@
           <a:p>
             <a:fld id="{770038EE-DC73-4007-AA63-1E959F10CF99}" type="datetime1">
               <a:rPr lang="ru-RU" smtClean="0"/>
-              <a:t>07.01.2026</a:t>
+              <a:t>08.01.2026</a:t>
             </a:fld>
             <a:endParaRPr lang="ru-RU"/>
           </a:p>
@@ -2741,7 +2739,7 @@
           <a:p>
             <a:fld id="{1F00D20A-60A2-4F74-B982-667F8D4AF630}" type="datetime1">
               <a:rPr lang="ru-RU" smtClean="0"/>
-              <a:t>07.01.2026</a:t>
+              <a:t>08.01.2026</a:t>
             </a:fld>
             <a:endParaRPr lang="ru-RU"/>
           </a:p>
@@ -2963,7 +2961,7 @@
           <a:p>
             <a:fld id="{9A1BF9C1-DB9B-4141-BFA9-B42D79F508B1}" type="datetime1">
               <a:rPr lang="ru-RU" smtClean="0"/>
-              <a:t>07.01.2026</a:t>
+              <a:t>08.01.2026</a:t>
             </a:fld>
             <a:endParaRPr lang="ru-RU"/>
           </a:p>
@@ -4809,7 +4807,7 @@
                   <a:schemeClr val="bg1"/>
                 </a:solidFill>
               </a:rPr>
-              <a:t>Описание ПК</a:t>
+              <a:t>Полный перебор</a:t>
             </a:r>
           </a:p>
         </p:txBody>
@@ -4850,7 +4848,7 @@
                 <a:effectLst/>
                 <a:latin typeface="fkGroteskNeue"/>
               </a:rPr>
-              <a:t>Реализованная система верификации состоит из следующих основных компонентов: </a:t>
+              <a:t>Алгоритм полного перебора для проверки эквивалентности двух булевых формул F₁ и F₂ основан на следующей процедуре:</a:t>
             </a:r>
           </a:p>
           <a:p>
@@ -4862,47 +4860,49 @@
                 <a:effectLst/>
                 <a:latin typeface="fkGroteskNeue"/>
               </a:rPr>
-              <a:t>(1) </a:t>
+              <a:t>Пусть </a:t>
             </a:r>
             <a:r>
               <a:rPr lang="ru-RU" b="0" i="0" dirty="0" err="1">
                 <a:effectLst/>
                 <a:latin typeface="fkGroteskNeue"/>
               </a:rPr>
-              <a:t>Tokenizer</a:t>
-            </a:r>
-            <a:r>
-              <a:rPr lang="ru-RU" b="0" i="0" dirty="0">
-                <a:effectLst/>
-                <a:latin typeface="fkGroteskNeue"/>
-              </a:rPr>
-              <a:t> — лексический анализатор, преобразующий входную строку булева выражения в последовательность токенов (переменные, операторы, скобки), с обработкой ошибок синтаксиса; </a:t>
-            </a:r>
-          </a:p>
-          <a:p>
-            <a:pPr marL="0" indent="0">
-              <a:buNone/>
-            </a:pPr>
-            <a:r>
-              <a:rPr lang="ru-RU" b="0" i="0" dirty="0">
-                <a:effectLst/>
-                <a:latin typeface="fkGroteskNeue"/>
-              </a:rPr>
-              <a:t>(2) </a:t>
+              <a:t>Var</a:t>
+            </a:r>
+            <a:r>
+              <a:rPr lang="ru-RU" b="0" i="0" dirty="0">
+                <a:effectLst/>
+                <a:latin typeface="fkGroteskNeue"/>
+              </a:rPr>
+              <a:t> = {x₀, x₁, ..., xₙ₋₁} — объединение множеств переменных обеих формул. Для каждой интерпретации σ: </a:t>
             </a:r>
             <a:r>
               <a:rPr lang="ru-RU" b="0" i="0" dirty="0" err="1">
                 <a:effectLst/>
                 <a:latin typeface="fkGroteskNeue"/>
               </a:rPr>
-              <a:t>Parser</a:t>
-            </a:r>
-            <a:r>
-              <a:rPr lang="ru-RU" b="0" i="0" dirty="0">
-                <a:effectLst/>
-                <a:latin typeface="fkGroteskNeue"/>
-              </a:rPr>
-              <a:t> — синтаксический анализатор, конструирующий Абстрактное Синтаксическое Дерево (AST) с соблюдением приоритета операций (!&gt; ∧ &gt; ∨ &gt; →); </a:t>
+              <a:t>Var</a:t>
+            </a:r>
+            <a:r>
+              <a:rPr lang="ru-RU" b="0" i="0" dirty="0">
+                <a:effectLst/>
+                <a:latin typeface="fkGroteskNeue"/>
+              </a:rPr>
+              <a:t> → {0, 1} (всего 2ⁿ интерпретаций) вычисляются значения F₁(σ) и F₂(σ). Если существует интерпретация σ, для которой F₁(σ) ≠ F₂(σ), формулы не эквивалентны — процедура возвращает </a:t>
+            </a:r>
+            <a:r>
+              <a:rPr lang="ru-RU" b="0" i="0" dirty="0" err="1">
+                <a:effectLst/>
+                <a:latin typeface="fkGroteskNeue"/>
+              </a:rPr>
+              <a:t>False</a:t>
+            </a:r>
+            <a:r>
+              <a:rPr lang="ru-RU" b="0" i="0" dirty="0">
+                <a:effectLst/>
+                <a:latin typeface="fkGroteskNeue"/>
+              </a:rPr>
+              <a:t>. Если все интерпретации удовлетворяют F₁(σ) = F₂(σ), формулы эквивалентны — возвращает True. </a:t>
             </a:r>
           </a:p>
         </p:txBody>
@@ -4912,7 +4912,7 @@
           <p:cNvPr id="5" name="Номер слайда 4">
             <a:extLst>
               <a:ext uri="{FF2B5EF4-FFF2-40B4-BE49-F238E27FC236}">
-                <a16:creationId xmlns:a16="http://schemas.microsoft.com/office/drawing/2014/main" id="{80DF14DF-BD61-4C34-9E4E-CCFAF16E940B}"/>
+                <a16:creationId xmlns:a16="http://schemas.microsoft.com/office/drawing/2014/main" id="{40FDAAFE-ACCE-459A-BD42-482B02F6CD9B}"/>
               </a:ext>
             </a:extLst>
           </p:cNvPr>
@@ -4939,7 +4939,7 @@
     </p:spTree>
     <p:extLst>
       <p:ext uri="{BB962C8B-B14F-4D97-AF65-F5344CB8AC3E}">
-        <p14:creationId xmlns:p14="http://schemas.microsoft.com/office/powerpoint/2010/main" val="283163326"/>
+        <p14:creationId xmlns:p14="http://schemas.microsoft.com/office/powerpoint/2010/main" val="166322421"/>
       </p:ext>
     </p:extLst>
   </p:cSld>
@@ -5000,7 +5000,7 @@
                   <a:schemeClr val="bg1"/>
                 </a:solidFill>
               </a:rPr>
-              <a:t>Описание ПК</a:t>
+              <a:t>Полный перебор</a:t>
             </a:r>
           </a:p>
         </p:txBody>
@@ -5029,7 +5029,7 @@
         </p:spPr>
         <p:txBody>
           <a:bodyPr>
-            <a:normAutofit fontScale="92500" lnSpcReduction="10000"/>
+            <a:normAutofit/>
           </a:bodyPr>
           <a:lstStyle/>
           <a:p>
@@ -5041,63 +5041,7 @@
                 <a:effectLst/>
                 <a:latin typeface="fkGroteskNeue"/>
               </a:rPr>
-              <a:t>(3) AST </a:t>
-            </a:r>
-            <a:r>
-              <a:rPr lang="ru-RU" b="0" i="0" dirty="0" err="1">
-                <a:effectLst/>
-                <a:latin typeface="fkGroteskNeue"/>
-              </a:rPr>
-              <a:t>Representation</a:t>
-            </a:r>
-            <a:r>
-              <a:rPr lang="ru-RU" b="0" i="0" dirty="0">
-                <a:effectLst/>
-                <a:latin typeface="fkGroteskNeue"/>
-              </a:rPr>
-              <a:t> — иерархическое представление формулы с использованием узлов типов </a:t>
-            </a:r>
-            <a:r>
-              <a:rPr lang="ru-RU" b="0" i="0" dirty="0" err="1">
-                <a:effectLst/>
-                <a:latin typeface="fkGroteskNeue"/>
-              </a:rPr>
-              <a:t>Var</a:t>
-            </a:r>
-            <a:r>
-              <a:rPr lang="ru-RU" b="0" i="0" dirty="0">
-                <a:effectLst/>
-                <a:latin typeface="fkGroteskNeue"/>
-              </a:rPr>
-              <a:t> (переменная), </a:t>
-            </a:r>
-            <a:r>
-              <a:rPr lang="ru-RU" b="0" i="0" dirty="0" err="1">
-                <a:effectLst/>
-                <a:latin typeface="fkGroteskNeue"/>
-              </a:rPr>
-              <a:t>NotNode</a:t>
-            </a:r>
-            <a:r>
-              <a:rPr lang="ru-RU" b="0" i="0" dirty="0">
-                <a:effectLst/>
-                <a:latin typeface="fkGroteskNeue"/>
-              </a:rPr>
-              <a:t> (отрицание), </a:t>
-            </a:r>
-            <a:r>
-              <a:rPr lang="ru-RU" b="0" i="0" dirty="0" err="1">
-                <a:effectLst/>
-                <a:latin typeface="fkGroteskNeue"/>
-              </a:rPr>
-              <a:t>BinNode</a:t>
-            </a:r>
-            <a:r>
-              <a:rPr lang="ru-RU" b="0" i="0" dirty="0">
-                <a:effectLst/>
-                <a:latin typeface="fkGroteskNeue"/>
-              </a:rPr>
-              <a:t> (бинарная операция);</a:t>
+              <a:t>Временная сложность алгоритма: T = O(2ⁿ · m), где m — время вычисления формулы. Пространственная сложность: O(n). Практическая верхняя граница применимости полного перебора составляет n ≤ 25 переменных на современных ПК, при этом время вычисления может достигать нескольких минут. </a:t>
             </a:r>
           </a:p>
           <a:p>
@@ -5109,115 +5053,7 @@
                 <a:effectLst/>
                 <a:latin typeface="fkGroteskNeue"/>
               </a:rPr>
-              <a:t>(4) </a:t>
-            </a:r>
-            <a:r>
-              <a:rPr lang="ru-RU" b="0" i="0" dirty="0" err="1">
-                <a:effectLst/>
-                <a:latin typeface="fkGroteskNeue"/>
-              </a:rPr>
-              <a:t>Brute</a:t>
-            </a:r>
-            <a:r>
-              <a:rPr lang="ru-RU" b="0" i="0" dirty="0">
-                <a:effectLst/>
-                <a:latin typeface="fkGroteskNeue"/>
-              </a:rPr>
-              <a:t> Force </a:t>
-            </a:r>
-            <a:r>
-              <a:rPr lang="ru-RU" b="0" i="0" dirty="0" err="1">
-                <a:effectLst/>
-                <a:latin typeface="fkGroteskNeue"/>
-              </a:rPr>
-              <a:t>Verifier</a:t>
-            </a:r>
-            <a:r>
-              <a:rPr lang="ru-RU" b="0" i="0" dirty="0">
-                <a:effectLst/>
-                <a:latin typeface="fkGroteskNeue"/>
-              </a:rPr>
-              <a:t> — модуль полного перебора, перечисляющий все 2ⁿ интерпретаций и сравнивающий результаты вычисления обеих формул;</a:t>
-            </a:r>
-          </a:p>
-          <a:p>
-            <a:pPr marL="0" indent="0">
-              <a:buNone/>
-            </a:pPr>
-            <a:r>
-              <a:rPr lang="ru-RU" b="0" i="0" dirty="0">
-                <a:effectLst/>
-                <a:latin typeface="fkGroteskNeue"/>
-              </a:rPr>
-              <a:t>(5) Z3 </a:t>
-            </a:r>
-            <a:r>
-              <a:rPr lang="ru-RU" b="0" i="0" dirty="0" err="1">
-                <a:effectLst/>
-                <a:latin typeface="fkGroteskNeue"/>
-              </a:rPr>
-              <a:t>Integration</a:t>
-            </a:r>
-            <a:r>
-              <a:rPr lang="ru-RU" b="0" i="0" dirty="0">
-                <a:effectLst/>
-                <a:latin typeface="fkGroteskNeue"/>
-              </a:rPr>
-              <a:t> Layer — преобразование AST в Z3-выражения и использование Z3 </a:t>
-            </a:r>
-            <a:r>
-              <a:rPr lang="ru-RU" b="0" i="0" dirty="0" err="1">
-                <a:effectLst/>
-                <a:latin typeface="fkGroteskNeue"/>
-              </a:rPr>
-              <a:t>Solver</a:t>
-            </a:r>
-            <a:r>
-              <a:rPr lang="ru-RU" b="0" i="0" dirty="0">
-                <a:effectLst/>
-                <a:latin typeface="fkGroteskNeue"/>
-              </a:rPr>
-              <a:t> для проверки выполнимости </a:t>
-            </a:r>
-            <a:r>
-              <a:rPr lang="ru-RU" b="0" i="0" dirty="0" err="1">
-                <a:effectLst/>
-                <a:latin typeface="fkGroteskNeue"/>
-              </a:rPr>
-              <a:t>miter</a:t>
-            </a:r>
-            <a:r>
-              <a:rPr lang="ru-RU" b="0" i="0" dirty="0">
-                <a:effectLst/>
-                <a:latin typeface="fkGroteskNeue"/>
-              </a:rPr>
-              <a:t>;</a:t>
-            </a:r>
-          </a:p>
-          <a:p>
-            <a:pPr marL="0" indent="0">
-              <a:buNone/>
-            </a:pPr>
-            <a:r>
-              <a:rPr lang="ru-RU" b="0" i="0" dirty="0">
-                <a:effectLst/>
-                <a:latin typeface="fkGroteskNeue"/>
-              </a:rPr>
-              <a:t>(6) </a:t>
-            </a:r>
-            <a:r>
-              <a:rPr lang="ru-RU" b="0" i="0" dirty="0" err="1">
-                <a:effectLst/>
-                <a:latin typeface="fkGroteskNeue"/>
-              </a:rPr>
-              <a:t>Benchmarking</a:t>
-            </a:r>
-            <a:r>
-              <a:rPr lang="ru-RU" b="0" i="0" dirty="0">
-                <a:effectLst/>
-                <a:latin typeface="fkGroteskNeue"/>
-              </a:rPr>
-              <a:t> Framework — система сбора и анализа временных метрик, включающая измерение производительности обоих подходов на формулах возрастающей сложности с сохранением результатов в CSV-формате.</a:t>
+              <a:t>Преимущество метода — простота реализации и гарантированная корректность. Недостаток — невозможность масштабирования на более крупные задачи.</a:t>
             </a:r>
             <a:endParaRPr lang="ru-RU" dirty="0"/>
           </a:p>
@@ -5228,7 +5064,7 @@
           <p:cNvPr id="5" name="Номер слайда 4">
             <a:extLst>
               <a:ext uri="{FF2B5EF4-FFF2-40B4-BE49-F238E27FC236}">
-                <a16:creationId xmlns:a16="http://schemas.microsoft.com/office/drawing/2014/main" id="{EAC1ABF7-2EAC-45F1-9081-D88161981163}"/>
+                <a16:creationId xmlns:a16="http://schemas.microsoft.com/office/drawing/2014/main" id="{4DFD50E0-FD6E-4394-B4DD-801178EEC8F2}"/>
               </a:ext>
             </a:extLst>
           </p:cNvPr>
@@ -5255,7 +5091,7 @@
     </p:spTree>
     <p:extLst>
       <p:ext uri="{BB962C8B-B14F-4D97-AF65-F5344CB8AC3E}">
-        <p14:creationId xmlns:p14="http://schemas.microsoft.com/office/powerpoint/2010/main" val="1298711507"/>
+        <p14:creationId xmlns:p14="http://schemas.microsoft.com/office/powerpoint/2010/main" val="1863443848"/>
       </p:ext>
     </p:extLst>
   </p:cSld>
@@ -5316,8 +5152,21 @@
                   <a:schemeClr val="bg1"/>
                 </a:solidFill>
               </a:rPr>
-              <a:t>Полный перебор</a:t>
-            </a:r>
+              <a:t>Использование </a:t>
+            </a:r>
+            <a:r>
+              <a:rPr lang="en-US" dirty="0">
+                <a:solidFill>
+                  <a:schemeClr val="bg1"/>
+                </a:solidFill>
+              </a:rPr>
+              <a:t>Z3</a:t>
+            </a:r>
+            <a:endParaRPr lang="ru-RU" dirty="0">
+              <a:solidFill>
+                <a:schemeClr val="bg1"/>
+              </a:solidFill>
+            </a:endParaRPr>
           </a:p>
         </p:txBody>
       </p:sp>
@@ -5357,8 +5206,26 @@
                 <a:effectLst/>
                 <a:latin typeface="fkGroteskNeue"/>
               </a:rPr>
-              <a:t>Алгоритм полного перебора для проверки эквивалентности двух булевых формул F₁ и F₂ основан на следующей процедуре:</a:t>
-            </a:r>
+              <a:t>Подход верификации с использованием Z3 основан на редукции к задаче выполнимости. Для проверки эквивалентности F₁ ≡ F₂ строится формула </a:t>
+            </a:r>
+            <a:r>
+              <a:rPr lang="ru-RU" b="0" i="0" dirty="0" err="1">
+                <a:effectLst/>
+                <a:latin typeface="fkGroteskNeue"/>
+              </a:rPr>
+              <a:t>miter</a:t>
+            </a:r>
+            <a:r>
+              <a:rPr lang="ru-RU" b="0" i="0" dirty="0">
+                <a:effectLst/>
+                <a:latin typeface="fkGroteskNeue"/>
+              </a:rPr>
+              <a:t>: M(x) = (F₁(x) ∧ ¬F₂(x)) ∨ (¬F₁(x) ∧ F₂(x)). </a:t>
+            </a:r>
+            <a:endParaRPr lang="en-US" b="0" i="0" dirty="0">
+              <a:effectLst/>
+              <a:latin typeface="fkGroteskNeue"/>
+            </a:endParaRPr>
           </a:p>
           <a:p>
             <a:pPr marL="0" indent="0">
@@ -5369,50 +5236,86 @@
                 <a:effectLst/>
                 <a:latin typeface="fkGroteskNeue"/>
               </a:rPr>
-              <a:t>Пусть </a:t>
+              <a:t>Формула M выражает XOR функций: M истинна тогда и только тогда, когда F₁ и F₂ выдают различные значения. Процедура: </a:t>
+            </a:r>
+            <a:endParaRPr lang="en-US" b="0" i="0" dirty="0">
+              <a:effectLst/>
+              <a:latin typeface="fkGroteskNeue"/>
+            </a:endParaRPr>
+          </a:p>
+          <a:p>
+            <a:pPr marL="0" indent="0">
+              <a:buNone/>
+            </a:pPr>
+            <a:r>
+              <a:rPr lang="ru-RU" b="0" i="0" dirty="0">
+                <a:effectLst/>
+                <a:latin typeface="fkGroteskNeue"/>
+              </a:rPr>
+              <a:t>(1) </a:t>
             </a:r>
             <a:r>
               <a:rPr lang="ru-RU" b="0" i="0" dirty="0" err="1">
                 <a:effectLst/>
                 <a:latin typeface="fkGroteskNeue"/>
               </a:rPr>
-              <a:t>Var</a:t>
-            </a:r>
-            <a:r>
-              <a:rPr lang="ru-RU" b="0" i="0" dirty="0">
-                <a:effectLst/>
-                <a:latin typeface="fkGroteskNeue"/>
-              </a:rPr>
-              <a:t> = {x₀, x₁, ..., xₙ₋₁} — объединение множеств переменных обеих формул. Для каждой интерпретации σ: </a:t>
+              <a:t>Парсинг</a:t>
+            </a:r>
+            <a:r>
+              <a:rPr lang="ru-RU" b="0" i="0" dirty="0">
+                <a:effectLst/>
+                <a:latin typeface="fkGroteskNeue"/>
+              </a:rPr>
+              <a:t> обеих формул в AST; </a:t>
+            </a:r>
+            <a:endParaRPr lang="en-US" b="0" i="0" dirty="0">
+              <a:effectLst/>
+              <a:latin typeface="fkGroteskNeue"/>
+            </a:endParaRPr>
+          </a:p>
+          <a:p>
+            <a:pPr marL="0" indent="0">
+              <a:buNone/>
+            </a:pPr>
+            <a:r>
+              <a:rPr lang="ru-RU" b="0" i="0" dirty="0">
+                <a:effectLst/>
+                <a:latin typeface="fkGroteskNeue"/>
+              </a:rPr>
+              <a:t>(2) Трансляция AST в Z3 выражения с использованием рекурсивного обхода дерева и преобразования узлов в соответствующие Z3 примитивы (And, </a:t>
             </a:r>
             <a:r>
               <a:rPr lang="ru-RU" b="0" i="0" dirty="0" err="1">
                 <a:effectLst/>
                 <a:latin typeface="fkGroteskNeue"/>
               </a:rPr>
-              <a:t>Var</a:t>
-            </a:r>
-            <a:r>
-              <a:rPr lang="ru-RU" b="0" i="0" dirty="0">
-                <a:effectLst/>
-                <a:latin typeface="fkGroteskNeue"/>
-              </a:rPr>
-              <a:t> → {0, 1} (всего 2ⁿ интерпретаций) вычисляются значения F₁(σ) и F₂(σ). Если существует интерпретация σ, для которой F₁(σ) ≠ F₂(σ), формулы не эквивалентны — процедура возвращает </a:t>
+              <a:t>Or</a:t>
+            </a:r>
+            <a:r>
+              <a:rPr lang="ru-RU" b="0" i="0" dirty="0">
+                <a:effectLst/>
+                <a:latin typeface="fkGroteskNeue"/>
+              </a:rPr>
+              <a:t>, </a:t>
             </a:r>
             <a:r>
               <a:rPr lang="ru-RU" b="0" i="0" dirty="0" err="1">
                 <a:effectLst/>
                 <a:latin typeface="fkGroteskNeue"/>
               </a:rPr>
-              <a:t>False</a:t>
-            </a:r>
-            <a:r>
-              <a:rPr lang="ru-RU" b="0" i="0" dirty="0">
-                <a:effectLst/>
-                <a:latin typeface="fkGroteskNeue"/>
-              </a:rPr>
-              <a:t>. Если все интерпретации удовлетворяют F₁(σ) = F₂(σ), формулы эквивалентны — возвращает True. </a:t>
-            </a:r>
+              <a:t>Not</a:t>
+            </a:r>
+            <a:r>
+              <a:rPr lang="ru-RU" b="0" i="0" dirty="0">
+                <a:effectLst/>
+                <a:latin typeface="fkGroteskNeue"/>
+              </a:rPr>
+              <a:t>);</a:t>
+            </a:r>
+            <a:endParaRPr lang="en-US" b="0" i="0" dirty="0">
+              <a:effectLst/>
+              <a:latin typeface="fkGroteskNeue"/>
+            </a:endParaRPr>
           </a:p>
         </p:txBody>
       </p:sp>
@@ -5421,7 +5324,7 @@
           <p:cNvPr id="5" name="Номер слайда 4">
             <a:extLst>
               <a:ext uri="{FF2B5EF4-FFF2-40B4-BE49-F238E27FC236}">
-                <a16:creationId xmlns:a16="http://schemas.microsoft.com/office/drawing/2014/main" id="{40FDAAFE-ACCE-459A-BD42-482B02F6CD9B}"/>
+                <a16:creationId xmlns:a16="http://schemas.microsoft.com/office/drawing/2014/main" id="{50728505-F386-45EA-90CC-D691EA1CA201}"/>
               </a:ext>
             </a:extLst>
           </p:cNvPr>
@@ -5448,7 +5351,7 @@
     </p:spTree>
     <p:extLst>
       <p:ext uri="{BB962C8B-B14F-4D97-AF65-F5344CB8AC3E}">
-        <p14:creationId xmlns:p14="http://schemas.microsoft.com/office/powerpoint/2010/main" val="166322421"/>
+        <p14:creationId xmlns:p14="http://schemas.microsoft.com/office/powerpoint/2010/main" val="527916295"/>
       </p:ext>
     </p:extLst>
   </p:cSld>
@@ -5509,8 +5412,21 @@
                   <a:schemeClr val="bg1"/>
                 </a:solidFill>
               </a:rPr>
-              <a:t>Полный перебор</a:t>
-            </a:r>
+              <a:t>Использование </a:t>
+            </a:r>
+            <a:r>
+              <a:rPr lang="en-US" dirty="0">
+                <a:solidFill>
+                  <a:schemeClr val="bg1"/>
+                </a:solidFill>
+              </a:rPr>
+              <a:t>Z3</a:t>
+            </a:r>
+            <a:endParaRPr lang="ru-RU" dirty="0">
+              <a:solidFill>
+                <a:schemeClr val="bg1"/>
+              </a:solidFill>
+            </a:endParaRPr>
           </a:p>
         </p:txBody>
       </p:sp>
@@ -5546,615 +5462,6 @@
               <a:buNone/>
             </a:pPr>
             <a:r>
-              <a:rPr lang="ru-RU" b="0" i="0">
-                <a:effectLst/>
-                <a:latin typeface="fkGroteskNeue"/>
-              </a:rPr>
-              <a:t>Временная </a:t>
-            </a:r>
-            <a:r>
-              <a:rPr lang="ru-RU" b="0" i="0" dirty="0">
-                <a:effectLst/>
-                <a:latin typeface="fkGroteskNeue"/>
-              </a:rPr>
-              <a:t>сложность алгоритма: T = O(2ⁿ · m), где m — время вычисления формулы. Пространственная сложность: O(n). Практическая верхняя граница применимости полного перебора составляет n ≤ 25 переменных на современных ПК, при этом время вычисления может достигать нескольких минут</a:t>
-            </a:r>
-            <a:r>
-              <a:rPr lang="ru-RU" b="0" i="0">
-                <a:effectLst/>
-                <a:latin typeface="fkGroteskNeue"/>
-              </a:rPr>
-              <a:t>. </a:t>
-            </a:r>
-          </a:p>
-          <a:p>
-            <a:pPr marL="0" indent="0">
-              <a:buNone/>
-            </a:pPr>
-            <a:r>
-              <a:rPr lang="ru-RU" b="0" i="0">
-                <a:effectLst/>
-                <a:latin typeface="fkGroteskNeue"/>
-              </a:rPr>
-              <a:t>Преимущество </a:t>
-            </a:r>
-            <a:r>
-              <a:rPr lang="ru-RU" b="0" i="0" dirty="0">
-                <a:effectLst/>
-                <a:latin typeface="fkGroteskNeue"/>
-              </a:rPr>
-              <a:t>метода — простота реализации и гарантированная корректность. Недостаток — невозможность масштабирования на более крупные задачи.</a:t>
-            </a:r>
-            <a:endParaRPr lang="ru-RU" dirty="0"/>
-          </a:p>
-        </p:txBody>
-      </p:sp>
-      <p:sp>
-        <p:nvSpPr>
-          <p:cNvPr id="5" name="Номер слайда 4">
-            <a:extLst>
-              <a:ext uri="{FF2B5EF4-FFF2-40B4-BE49-F238E27FC236}">
-                <a16:creationId xmlns:a16="http://schemas.microsoft.com/office/drawing/2014/main" id="{4DFD50E0-FD6E-4394-B4DD-801178EEC8F2}"/>
-              </a:ext>
-            </a:extLst>
-          </p:cNvPr>
-          <p:cNvSpPr>
-            <a:spLocks noGrp="1"/>
-          </p:cNvSpPr>
-          <p:nvPr>
-            <p:ph type="sldNum" sz="quarter" idx="12"/>
-          </p:nvPr>
-        </p:nvSpPr>
-        <p:spPr/>
-        <p:txBody>
-          <a:bodyPr/>
-          <a:lstStyle/>
-          <a:p>
-            <a:fld id="{EF7A8E35-B303-42FD-88A6-20A8D5E4F372}" type="slidenum">
-              <a:rPr lang="ru-RU" smtClean="0"/>
-              <a:t>18</a:t>
-            </a:fld>
-            <a:endParaRPr lang="ru-RU"/>
-          </a:p>
-        </p:txBody>
-      </p:sp>
-    </p:spTree>
-    <p:extLst>
-      <p:ext uri="{BB962C8B-B14F-4D97-AF65-F5344CB8AC3E}">
-        <p14:creationId xmlns:p14="http://schemas.microsoft.com/office/powerpoint/2010/main" val="1863443848"/>
-      </p:ext>
-    </p:extLst>
-  </p:cSld>
-  <p:clrMapOvr>
-    <a:masterClrMapping/>
-  </p:clrMapOvr>
-</p:sld>
-</file>
-
-<file path=ppt/slides/slide19.xml><?xml version="1.0" encoding="utf-8"?>
-<p:sld xmlns:a="http://schemas.openxmlformats.org/drawingml/2006/main" xmlns:r="http://schemas.openxmlformats.org/officeDocument/2006/relationships" xmlns:p="http://schemas.openxmlformats.org/presentationml/2006/main">
-  <p:cSld>
-    <p:spTree>
-      <p:nvGrpSpPr>
-        <p:cNvPr id="1" name=""/>
-        <p:cNvGrpSpPr/>
-        <p:nvPr/>
-      </p:nvGrpSpPr>
-      <p:grpSpPr>
-        <a:xfrm>
-          <a:off x="0" y="0"/>
-          <a:ext cx="0" cy="0"/>
-          <a:chOff x="0" y="0"/>
-          <a:chExt cx="0" cy="0"/>
-        </a:xfrm>
-      </p:grpSpPr>
-      <p:sp>
-        <p:nvSpPr>
-          <p:cNvPr id="2" name="Заголовок 1">
-            <a:extLst>
-              <a:ext uri="{FF2B5EF4-FFF2-40B4-BE49-F238E27FC236}">
-                <a16:creationId xmlns:a16="http://schemas.microsoft.com/office/drawing/2014/main" id="{560A5064-666A-7555-7357-0F8EFD667F80}"/>
-              </a:ext>
-            </a:extLst>
-          </p:cNvPr>
-          <p:cNvSpPr>
-            <a:spLocks noGrp="1"/>
-          </p:cNvSpPr>
-          <p:nvPr>
-            <p:ph type="title"/>
-          </p:nvPr>
-        </p:nvSpPr>
-        <p:spPr>
-          <a:xfrm>
-            <a:off x="185056" y="0"/>
-            <a:ext cx="12006943" cy="919842"/>
-          </a:xfrm>
-        </p:spPr>
-        <p:txBody>
-          <a:bodyPr>
-            <a:normAutofit/>
-          </a:bodyPr>
-          <a:lstStyle/>
-          <a:p>
-            <a:r>
-              <a:rPr lang="ru-RU" dirty="0">
-                <a:solidFill>
-                  <a:schemeClr val="bg1"/>
-                </a:solidFill>
-              </a:rPr>
-              <a:t>Использование </a:t>
-            </a:r>
-            <a:r>
-              <a:rPr lang="en-US" dirty="0">
-                <a:solidFill>
-                  <a:schemeClr val="bg1"/>
-                </a:solidFill>
-              </a:rPr>
-              <a:t>Z3</a:t>
-            </a:r>
-            <a:endParaRPr lang="ru-RU" dirty="0">
-              <a:solidFill>
-                <a:schemeClr val="bg1"/>
-              </a:solidFill>
-            </a:endParaRPr>
-          </a:p>
-        </p:txBody>
-      </p:sp>
-      <p:sp>
-        <p:nvSpPr>
-          <p:cNvPr id="3" name="Объект 2">
-            <a:extLst>
-              <a:ext uri="{FF2B5EF4-FFF2-40B4-BE49-F238E27FC236}">
-                <a16:creationId xmlns:a16="http://schemas.microsoft.com/office/drawing/2014/main" id="{EF1A858C-C156-B159-B6C9-F121B8D996B9}"/>
-              </a:ext>
-            </a:extLst>
-          </p:cNvPr>
-          <p:cNvSpPr>
-            <a:spLocks noGrp="1"/>
-          </p:cNvSpPr>
-          <p:nvPr>
-            <p:ph idx="1"/>
-          </p:nvPr>
-        </p:nvSpPr>
-        <p:spPr>
-          <a:xfrm>
-            <a:off x="838200" y="1825625"/>
-            <a:ext cx="10515600" cy="4618718"/>
-          </a:xfrm>
-        </p:spPr>
-        <p:txBody>
-          <a:bodyPr>
-            <a:normAutofit/>
-          </a:bodyPr>
-          <a:lstStyle/>
-          <a:p>
-            <a:pPr marL="0" indent="0">
-              <a:buNone/>
-            </a:pPr>
-            <a:r>
-              <a:rPr lang="ru-RU" b="0" i="0" dirty="0">
-                <a:effectLst/>
-                <a:latin typeface="fkGroteskNeue"/>
-              </a:rPr>
-              <a:t>Подход верификации с использованием Z3 основан на редукции к задаче выполнимости. Для проверки эквивалентности F₁ ≡ F₂ строится формула </a:t>
-            </a:r>
-            <a:r>
-              <a:rPr lang="ru-RU" b="0" i="0" dirty="0" err="1">
-                <a:effectLst/>
-                <a:latin typeface="fkGroteskNeue"/>
-              </a:rPr>
-              <a:t>miter</a:t>
-            </a:r>
-            <a:r>
-              <a:rPr lang="ru-RU" b="0" i="0" dirty="0">
-                <a:effectLst/>
-                <a:latin typeface="fkGroteskNeue"/>
-              </a:rPr>
-              <a:t>: M(x) = (F₁(x) ∧ ¬F₂(x)) ∨ (¬F₁(x) ∧ F₂(x)). </a:t>
-            </a:r>
-            <a:endParaRPr lang="en-US" b="0" i="0" dirty="0">
-              <a:effectLst/>
-              <a:latin typeface="fkGroteskNeue"/>
-            </a:endParaRPr>
-          </a:p>
-          <a:p>
-            <a:pPr marL="0" indent="0">
-              <a:buNone/>
-            </a:pPr>
-            <a:r>
-              <a:rPr lang="ru-RU" b="0" i="0" dirty="0">
-                <a:effectLst/>
-                <a:latin typeface="fkGroteskNeue"/>
-              </a:rPr>
-              <a:t>Формула M выражает XOR функций: M истинна тогда и только тогда, когда F₁ и F₂ выдают различные значения. Процедура: </a:t>
-            </a:r>
-            <a:endParaRPr lang="en-US" b="0" i="0" dirty="0">
-              <a:effectLst/>
-              <a:latin typeface="fkGroteskNeue"/>
-            </a:endParaRPr>
-          </a:p>
-          <a:p>
-            <a:pPr marL="0" indent="0">
-              <a:buNone/>
-            </a:pPr>
-            <a:r>
-              <a:rPr lang="ru-RU" b="0" i="0" dirty="0">
-                <a:effectLst/>
-                <a:latin typeface="fkGroteskNeue"/>
-              </a:rPr>
-              <a:t>(1) </a:t>
-            </a:r>
-            <a:r>
-              <a:rPr lang="ru-RU" b="0" i="0" dirty="0" err="1">
-                <a:effectLst/>
-                <a:latin typeface="fkGroteskNeue"/>
-              </a:rPr>
-              <a:t>Парсинг</a:t>
-            </a:r>
-            <a:r>
-              <a:rPr lang="ru-RU" b="0" i="0" dirty="0">
-                <a:effectLst/>
-                <a:latin typeface="fkGroteskNeue"/>
-              </a:rPr>
-              <a:t> обеих формул в AST; </a:t>
-            </a:r>
-            <a:endParaRPr lang="en-US" b="0" i="0" dirty="0">
-              <a:effectLst/>
-              <a:latin typeface="fkGroteskNeue"/>
-            </a:endParaRPr>
-          </a:p>
-          <a:p>
-            <a:pPr marL="0" indent="0">
-              <a:buNone/>
-            </a:pPr>
-            <a:r>
-              <a:rPr lang="ru-RU" b="0" i="0" dirty="0">
-                <a:effectLst/>
-                <a:latin typeface="fkGroteskNeue"/>
-              </a:rPr>
-              <a:t>(2) Трансляция AST в Z3 выражения с использованием рекурсивного обхода дерева и преобразования узлов в соответствующие Z3 примитивы (And, </a:t>
-            </a:r>
-            <a:r>
-              <a:rPr lang="ru-RU" b="0" i="0" dirty="0" err="1">
-                <a:effectLst/>
-                <a:latin typeface="fkGroteskNeue"/>
-              </a:rPr>
-              <a:t>Or</a:t>
-            </a:r>
-            <a:r>
-              <a:rPr lang="ru-RU" b="0" i="0" dirty="0">
-                <a:effectLst/>
-                <a:latin typeface="fkGroteskNeue"/>
-              </a:rPr>
-              <a:t>, </a:t>
-            </a:r>
-            <a:r>
-              <a:rPr lang="ru-RU" b="0" i="0" dirty="0" err="1">
-                <a:effectLst/>
-                <a:latin typeface="fkGroteskNeue"/>
-              </a:rPr>
-              <a:t>Not</a:t>
-            </a:r>
-            <a:r>
-              <a:rPr lang="ru-RU" b="0" i="0" dirty="0">
-                <a:effectLst/>
-                <a:latin typeface="fkGroteskNeue"/>
-              </a:rPr>
-              <a:t>);</a:t>
-            </a:r>
-            <a:endParaRPr lang="en-US" b="0" i="0" dirty="0">
-              <a:effectLst/>
-              <a:latin typeface="fkGroteskNeue"/>
-            </a:endParaRPr>
-          </a:p>
-        </p:txBody>
-      </p:sp>
-      <p:sp>
-        <p:nvSpPr>
-          <p:cNvPr id="5" name="Номер слайда 4">
-            <a:extLst>
-              <a:ext uri="{FF2B5EF4-FFF2-40B4-BE49-F238E27FC236}">
-                <a16:creationId xmlns:a16="http://schemas.microsoft.com/office/drawing/2014/main" id="{50728505-F386-45EA-90CC-D691EA1CA201}"/>
-              </a:ext>
-            </a:extLst>
-          </p:cNvPr>
-          <p:cNvSpPr>
-            <a:spLocks noGrp="1"/>
-          </p:cNvSpPr>
-          <p:nvPr>
-            <p:ph type="sldNum" sz="quarter" idx="12"/>
-          </p:nvPr>
-        </p:nvSpPr>
-        <p:spPr/>
-        <p:txBody>
-          <a:bodyPr/>
-          <a:lstStyle/>
-          <a:p>
-            <a:fld id="{EF7A8E35-B303-42FD-88A6-20A8D5E4F372}" type="slidenum">
-              <a:rPr lang="ru-RU" smtClean="0"/>
-              <a:t>19</a:t>
-            </a:fld>
-            <a:endParaRPr lang="ru-RU"/>
-          </a:p>
-        </p:txBody>
-      </p:sp>
-    </p:spTree>
-    <p:extLst>
-      <p:ext uri="{BB962C8B-B14F-4D97-AF65-F5344CB8AC3E}">
-        <p14:creationId xmlns:p14="http://schemas.microsoft.com/office/powerpoint/2010/main" val="2689562067"/>
-      </p:ext>
-    </p:extLst>
-  </p:cSld>
-  <p:clrMapOvr>
-    <a:masterClrMapping/>
-  </p:clrMapOvr>
-</p:sld>
-</file>
-
-<file path=ppt/slides/slide2.xml><?xml version="1.0" encoding="utf-8"?>
-<p:sld xmlns:a="http://schemas.openxmlformats.org/drawingml/2006/main" xmlns:r="http://schemas.openxmlformats.org/officeDocument/2006/relationships" xmlns:p="http://schemas.openxmlformats.org/presentationml/2006/main">
-  <p:cSld>
-    <p:spTree>
-      <p:nvGrpSpPr>
-        <p:cNvPr id="1" name=""/>
-        <p:cNvGrpSpPr/>
-        <p:nvPr/>
-      </p:nvGrpSpPr>
-      <p:grpSpPr>
-        <a:xfrm>
-          <a:off x="0" y="0"/>
-          <a:ext cx="0" cy="0"/>
-          <a:chOff x="0" y="0"/>
-          <a:chExt cx="0" cy="0"/>
-        </a:xfrm>
-      </p:grpSpPr>
-      <p:sp>
-        <p:nvSpPr>
-          <p:cNvPr id="2" name="Заголовок 1">
-            <a:extLst>
-              <a:ext uri="{FF2B5EF4-FFF2-40B4-BE49-F238E27FC236}">
-                <a16:creationId xmlns:a16="http://schemas.microsoft.com/office/drawing/2014/main" id="{560A5064-666A-7555-7357-0F8EFD667F80}"/>
-              </a:ext>
-            </a:extLst>
-          </p:cNvPr>
-          <p:cNvSpPr>
-            <a:spLocks noGrp="1"/>
-          </p:cNvSpPr>
-          <p:nvPr>
-            <p:ph type="title"/>
-          </p:nvPr>
-        </p:nvSpPr>
-        <p:spPr>
-          <a:xfrm>
-            <a:off x="185056" y="0"/>
-            <a:ext cx="12006943" cy="919842"/>
-          </a:xfrm>
-        </p:spPr>
-        <p:txBody>
-          <a:bodyPr>
-            <a:normAutofit/>
-          </a:bodyPr>
-          <a:lstStyle/>
-          <a:p>
-            <a:r>
-              <a:rPr lang="ru-RU" dirty="0">
-                <a:solidFill>
-                  <a:schemeClr val="bg1"/>
-                </a:solidFill>
-              </a:rPr>
-              <a:t>Введение</a:t>
-            </a:r>
-          </a:p>
-        </p:txBody>
-      </p:sp>
-      <p:sp>
-        <p:nvSpPr>
-          <p:cNvPr id="3" name="Объект 2">
-            <a:extLst>
-              <a:ext uri="{FF2B5EF4-FFF2-40B4-BE49-F238E27FC236}">
-                <a16:creationId xmlns:a16="http://schemas.microsoft.com/office/drawing/2014/main" id="{EF1A858C-C156-B159-B6C9-F121B8D996B9}"/>
-              </a:ext>
-            </a:extLst>
-          </p:cNvPr>
-          <p:cNvSpPr>
-            <a:spLocks noGrp="1"/>
-          </p:cNvSpPr>
-          <p:nvPr>
-            <p:ph idx="1"/>
-          </p:nvPr>
-        </p:nvSpPr>
-        <p:spPr/>
-        <p:txBody>
-          <a:bodyPr>
-            <a:normAutofit/>
-          </a:bodyPr>
-          <a:lstStyle/>
-          <a:p>
-            <a:pPr marL="0" indent="0">
-              <a:buNone/>
-            </a:pPr>
-            <a:r>
-              <a:rPr lang="ru-RU" b="0" i="0" dirty="0">
-                <a:effectLst/>
-                <a:latin typeface="fkGroteskNeue"/>
-              </a:rPr>
-              <a:t>Проблема проверки выполнимости булевых формул (SAT) представляет собой одну из фундаментальных NP-полных (полный перебор). Несмотря на отсутствие известных полиномиальных алгоритмов решения в общем случае, современные SAT-решатели, основанные на алгоритме CDCL (</a:t>
-            </a:r>
-            <a:r>
-              <a:rPr lang="ru-RU" b="0" i="0" dirty="0" err="1">
-                <a:effectLst/>
-                <a:latin typeface="fkGroteskNeue"/>
-              </a:rPr>
-              <a:t>Conflict</a:t>
-            </a:r>
-            <a:r>
-              <a:rPr lang="ru-RU" b="0" i="0" dirty="0">
-                <a:effectLst/>
-                <a:latin typeface="fkGroteskNeue"/>
-              </a:rPr>
-              <a:t>-Driven </a:t>
-            </a:r>
-            <a:r>
-              <a:rPr lang="ru-RU" b="0" i="0" dirty="0" err="1">
-                <a:effectLst/>
-                <a:latin typeface="fkGroteskNeue"/>
-              </a:rPr>
-              <a:t>Clause</a:t>
-            </a:r>
-            <a:r>
-              <a:rPr lang="ru-RU" b="0" i="0" dirty="0">
-                <a:effectLst/>
-                <a:latin typeface="fkGroteskNeue"/>
-              </a:rPr>
-              <a:t> Learning), демонстрируют эффективное решение формул с сотнями и тысячами переменных. </a:t>
-            </a:r>
-            <a:endParaRPr lang="ru-RU" dirty="0"/>
-          </a:p>
-        </p:txBody>
-      </p:sp>
-      <p:sp>
-        <p:nvSpPr>
-          <p:cNvPr id="5" name="Номер слайда 4">
-            <a:extLst>
-              <a:ext uri="{FF2B5EF4-FFF2-40B4-BE49-F238E27FC236}">
-                <a16:creationId xmlns:a16="http://schemas.microsoft.com/office/drawing/2014/main" id="{18DFCAB0-9277-439D-8D0D-D5EA5B4F40E9}"/>
-              </a:ext>
-            </a:extLst>
-          </p:cNvPr>
-          <p:cNvSpPr>
-            <a:spLocks noGrp="1"/>
-          </p:cNvSpPr>
-          <p:nvPr>
-            <p:ph type="sldNum" sz="quarter" idx="12"/>
-          </p:nvPr>
-        </p:nvSpPr>
-        <p:spPr/>
-        <p:txBody>
-          <a:bodyPr/>
-          <a:lstStyle/>
-          <a:p>
-            <a:fld id="{EF7A8E35-B303-42FD-88A6-20A8D5E4F372}" type="slidenum">
-              <a:rPr lang="ru-RU" smtClean="0"/>
-              <a:t>2</a:t>
-            </a:fld>
-            <a:endParaRPr lang="ru-RU"/>
-          </a:p>
-        </p:txBody>
-      </p:sp>
-    </p:spTree>
-    <p:extLst>
-      <p:ext uri="{BB962C8B-B14F-4D97-AF65-F5344CB8AC3E}">
-        <p14:creationId xmlns:p14="http://schemas.microsoft.com/office/powerpoint/2010/main" val="679214638"/>
-      </p:ext>
-    </p:extLst>
-  </p:cSld>
-  <p:clrMapOvr>
-    <a:masterClrMapping/>
-  </p:clrMapOvr>
-</p:sld>
-</file>
-
-<file path=ppt/slides/slide20.xml><?xml version="1.0" encoding="utf-8"?>
-<p:sld xmlns:a="http://schemas.openxmlformats.org/drawingml/2006/main" xmlns:r="http://schemas.openxmlformats.org/officeDocument/2006/relationships" xmlns:p="http://schemas.openxmlformats.org/presentationml/2006/main">
-  <p:cSld>
-    <p:spTree>
-      <p:nvGrpSpPr>
-        <p:cNvPr id="1" name=""/>
-        <p:cNvGrpSpPr/>
-        <p:nvPr/>
-      </p:nvGrpSpPr>
-      <p:grpSpPr>
-        <a:xfrm>
-          <a:off x="0" y="0"/>
-          <a:ext cx="0" cy="0"/>
-          <a:chOff x="0" y="0"/>
-          <a:chExt cx="0" cy="0"/>
-        </a:xfrm>
-      </p:grpSpPr>
-      <p:sp>
-        <p:nvSpPr>
-          <p:cNvPr id="2" name="Заголовок 1">
-            <a:extLst>
-              <a:ext uri="{FF2B5EF4-FFF2-40B4-BE49-F238E27FC236}">
-                <a16:creationId xmlns:a16="http://schemas.microsoft.com/office/drawing/2014/main" id="{560A5064-666A-7555-7357-0F8EFD667F80}"/>
-              </a:ext>
-            </a:extLst>
-          </p:cNvPr>
-          <p:cNvSpPr>
-            <a:spLocks noGrp="1"/>
-          </p:cNvSpPr>
-          <p:nvPr>
-            <p:ph type="title"/>
-          </p:nvPr>
-        </p:nvSpPr>
-        <p:spPr>
-          <a:xfrm>
-            <a:off x="185056" y="0"/>
-            <a:ext cx="12006943" cy="919842"/>
-          </a:xfrm>
-        </p:spPr>
-        <p:txBody>
-          <a:bodyPr>
-            <a:normAutofit/>
-          </a:bodyPr>
-          <a:lstStyle/>
-          <a:p>
-            <a:r>
-              <a:rPr lang="ru-RU" dirty="0">
-                <a:solidFill>
-                  <a:schemeClr val="bg1"/>
-                </a:solidFill>
-              </a:rPr>
-              <a:t>Использование </a:t>
-            </a:r>
-            <a:r>
-              <a:rPr lang="en-US" dirty="0">
-                <a:solidFill>
-                  <a:schemeClr val="bg1"/>
-                </a:solidFill>
-              </a:rPr>
-              <a:t>Z3</a:t>
-            </a:r>
-            <a:endParaRPr lang="ru-RU" dirty="0">
-              <a:solidFill>
-                <a:schemeClr val="bg1"/>
-              </a:solidFill>
-            </a:endParaRPr>
-          </a:p>
-        </p:txBody>
-      </p:sp>
-      <p:sp>
-        <p:nvSpPr>
-          <p:cNvPr id="3" name="Объект 2">
-            <a:extLst>
-              <a:ext uri="{FF2B5EF4-FFF2-40B4-BE49-F238E27FC236}">
-                <a16:creationId xmlns:a16="http://schemas.microsoft.com/office/drawing/2014/main" id="{EF1A858C-C156-B159-B6C9-F121B8D996B9}"/>
-              </a:ext>
-            </a:extLst>
-          </p:cNvPr>
-          <p:cNvSpPr>
-            <a:spLocks noGrp="1"/>
-          </p:cNvSpPr>
-          <p:nvPr>
-            <p:ph idx="1"/>
-          </p:nvPr>
-        </p:nvSpPr>
-        <p:spPr>
-          <a:xfrm>
-            <a:off x="838200" y="1825625"/>
-            <a:ext cx="10515600" cy="4618718"/>
-          </a:xfrm>
-        </p:spPr>
-        <p:txBody>
-          <a:bodyPr>
-            <a:normAutofit/>
-          </a:bodyPr>
-          <a:lstStyle/>
-          <a:p>
-            <a:pPr marL="0" indent="0">
-              <a:buNone/>
-            </a:pPr>
-            <a:r>
               <a:rPr lang="ru-RU" b="0" i="0" dirty="0">
                 <a:effectLst/>
                 <a:latin typeface="fkGroteskNeue"/>
@@ -6306,7 +5613,7 @@
           <a:p>
             <a:fld id="{EF7A8E35-B303-42FD-88A6-20A8D5E4F372}" type="slidenum">
               <a:rPr lang="ru-RU" smtClean="0"/>
-              <a:t>20</a:t>
+              <a:t>18</a:t>
             </a:fld>
             <a:endParaRPr lang="ru-RU"/>
           </a:p>
@@ -6325,7 +5632,7 @@
 </p:sld>
 </file>
 
-<file path=ppt/slides/slide21.xml><?xml version="1.0" encoding="utf-8"?>
+<file path=ppt/slides/slide19.xml><?xml version="1.0" encoding="utf-8"?>
 <p:sld xmlns:a="http://schemas.openxmlformats.org/drawingml/2006/main" xmlns:r="http://schemas.openxmlformats.org/officeDocument/2006/relationships" xmlns:p="http://schemas.openxmlformats.org/presentationml/2006/main">
   <p:cSld>
     <p:spTree>
@@ -6431,75 +5738,7 @@
                     <a:effectLst/>
                     <a:latin typeface="fkGroteskNeue"/>
                   </a:rPr>
-                  <a:t>Пример 1 (x₀ ∨ x₁ </a:t>
-                </a:r>
-                <a:r>
-                  <a:rPr lang="ru-RU" b="0" i="0" dirty="0" err="1">
-                    <a:effectLst/>
-                    <a:latin typeface="fkGroteskNeue"/>
-                  </a:rPr>
-                  <a:t>vs</a:t>
-                </a:r>
-                <a:r>
-                  <a:rPr lang="ru-RU" b="0" i="0" dirty="0">
-                    <a:effectLst/>
-                    <a:latin typeface="fkGroteskNeue"/>
-                  </a:rPr>
-                  <a:t> x₁ ∨ x₀): </a:t>
-                </a:r>
-                <a:r>
-                  <a:rPr lang="ru-RU" b="0" i="0" dirty="0" err="1">
-                    <a:effectLst/>
-                    <a:latin typeface="fkGroteskNeue"/>
-                  </a:rPr>
-                  <a:t>brute</a:t>
-                </a:r>
-                <a:r>
-                  <a:rPr lang="ru-RU" b="0" i="0" dirty="0">
-                    <a:effectLst/>
-                    <a:latin typeface="fkGroteskNeue"/>
-                  </a:rPr>
-                  <a:t> </a:t>
-                </a:r>
-                <a:r>
-                  <a:rPr lang="ru-RU" b="0" i="0" dirty="0" err="1">
-                    <a:effectLst/>
-                    <a:latin typeface="fkGroteskNeue"/>
-                  </a:rPr>
-                  <a:t>force</a:t>
-                </a:r>
-                <a:r>
-                  <a:rPr lang="ru-RU" b="0" i="0" dirty="0">
-                    <a:effectLst/>
-                    <a:latin typeface="fkGroteskNeue"/>
-                  </a:rPr>
-                  <a:t> = 0.016 мс, Z3 = 0.576 мс; </a:t>
-                </a:r>
-              </a:p>
-              <a:p>
-                <a:pPr marL="0" indent="0">
-                  <a:buNone/>
-                </a:pPr>
-                <a:r>
-                  <a:rPr lang="ru-RU" b="0" i="0" dirty="0">
-                    <a:effectLst/>
-                    <a:latin typeface="fkGroteskNeue"/>
-                  </a:rPr>
-                  <a:t>Пример 2 (x₀ ∨ x₁ </a:t>
-                </a:r>
-                <a:r>
-                  <a:rPr lang="ru-RU" b="0" i="0" dirty="0" err="1">
-                    <a:effectLst/>
-                    <a:latin typeface="fkGroteskNeue"/>
-                  </a:rPr>
-                  <a:t>vs</a:t>
-                </a:r>
-                <a:r>
-                  <a:rPr lang="ru-RU" b="0" i="0" dirty="0">
-                    <a:effectLst/>
-                    <a:latin typeface="fkGroteskNeue"/>
-                  </a:rPr>
-                  <a:t> x₀ </a:t>
+                  <a:t>Пример 1 (x₀ </a:t>
                 </a:r>
                 <a14:m>
                   <m:oMath xmlns:m="http://schemas.openxmlformats.org/officeDocument/2006/math">
@@ -6517,14 +5756,59 @@
                     <a:effectLst/>
                     <a:latin typeface="fkGroteskNeue"/>
                   </a:rPr>
-                  <a:t> x₁): </a:t>
+                  <a:t> x₁ </a:t>
                 </a:r>
                 <a:r>
                   <a:rPr lang="ru-RU" b="0" i="0" dirty="0" err="1">
                     <a:effectLst/>
                     <a:latin typeface="fkGroteskNeue"/>
                   </a:rPr>
-                  <a:t>brute</a:t>
+                  <a:t>vs</a:t>
+                </a:r>
+                <a:r>
+                  <a:rPr lang="ru-RU" b="0" i="0" dirty="0">
+                    <a:effectLst/>
+                    <a:latin typeface="fkGroteskNeue"/>
+                  </a:rPr>
+                  <a:t> x₁ </a:t>
+                </a:r>
+                <a14:m>
+                  <m:oMath xmlns:m="http://schemas.openxmlformats.org/officeDocument/2006/math">
+                    <m:r>
+                      <a:rPr lang="ru-RU" i="1">
+                        <a:latin typeface="Cambria Math" panose="02040503050406030204" pitchFamily="18" charset="0"/>
+                      </a:rPr>
+                      <m:t>∧</m:t>
+                    </m:r>
+                  </m:oMath>
+                </a14:m>
+                <a:r>
+                  <a:rPr lang="ru-RU" b="0" i="0" dirty="0">
+                    <a:effectLst/>
+                    <a:latin typeface="fkGroteskNeue"/>
+                  </a:rPr>
+                  <a:t> x₀): </a:t>
+                </a:r>
+                <a:r>
+                  <a:rPr lang="ru-RU" b="0" i="0" dirty="0" err="1">
+                    <a:effectLst/>
+                    <a:latin typeface="fkGroteskNeue"/>
+                  </a:rPr>
+                  <a:t>bruteforce</a:t>
+                </a:r>
+                <a:r>
+                  <a:rPr lang="ru-RU" b="0" i="0" dirty="0">
+                    <a:effectLst/>
+                    <a:latin typeface="fkGroteskNeue"/>
+                  </a:rPr>
+                  <a:t> = 0.01</a:t>
+                </a:r>
+                <a:r>
+                  <a:rPr lang="en-US" b="0" i="0" dirty="0">
+                    <a:effectLst/>
+                    <a:latin typeface="fkGroteskNeue"/>
+                  </a:rPr>
+                  <a:t>2</a:t>
                 </a:r>
                 <a:r>
                   <a:rPr lang="ru-RU" b="0" i="0" dirty="0">
@@ -6538,15 +5822,303 @@
                     <a:effectLst/>
                     <a:latin typeface="fkGroteskNeue"/>
                   </a:rPr>
-                  <a:t>force</a:t>
+                  <a:t>мс</a:t>
+                </a:r>
+                <a:r>
+                  <a:rPr lang="en-US" b="0" i="0" dirty="0">
+                    <a:effectLst/>
+                    <a:latin typeface="fkGroteskNeue"/>
+                  </a:rPr>
+                  <a:t>,</a:t>
                 </a:r>
                 <a:r>
                   <a:rPr lang="ru-RU" b="0" i="0" dirty="0">
                     <a:effectLst/>
                     <a:latin typeface="fkGroteskNeue"/>
                   </a:rPr>
-                  <a:t> = 0.011 мс, Z3 = 0.650 мс; </a:t>
+                  <a:t> </a:t>
                 </a:r>
+                <a:r>
+                  <a:rPr lang="en-US" dirty="0">
+                    <a:latin typeface="fkGroteskNeue"/>
+                  </a:rPr>
+                  <a:t>DPLL = 0.209</a:t>
+                </a:r>
+                <a:r>
+                  <a:rPr lang="ru-RU" dirty="0">
+                    <a:latin typeface="fkGroteskNeue"/>
+                  </a:rPr>
+                  <a:t> </a:t>
+                </a:r>
+                <a:r>
+                  <a:rPr lang="ru-RU" dirty="0" err="1">
+                    <a:latin typeface="fkGroteskNeue"/>
+                  </a:rPr>
+                  <a:t>мс</a:t>
+                </a:r>
+                <a:r>
+                  <a:rPr lang="ru-RU" dirty="0">
+                    <a:latin typeface="fkGroteskNeue"/>
+                  </a:rPr>
+                  <a:t>, </a:t>
+                </a:r>
+                <a:r>
+                  <a:rPr lang="en-US" dirty="0">
+                    <a:latin typeface="fkGroteskNeue"/>
+                  </a:rPr>
+                  <a:t>CDCL = </a:t>
+                </a:r>
+                <a:r>
+                  <a:rPr lang="ru-RU" dirty="0">
+                    <a:latin typeface="fkGroteskNeue"/>
+                  </a:rPr>
+                  <a:t>0.370 </a:t>
+                </a:r>
+                <a:r>
+                  <a:rPr lang="ru-RU" dirty="0" err="1">
+                    <a:latin typeface="fkGroteskNeue"/>
+                  </a:rPr>
+                  <a:t>мс</a:t>
+                </a:r>
+                <a:r>
+                  <a:rPr lang="en-US" dirty="0">
+                    <a:latin typeface="fkGroteskNeue"/>
+                  </a:rPr>
+                  <a:t>, </a:t>
+                </a:r>
+                <a:r>
+                  <a:rPr lang="ru-RU" dirty="0">
+                    <a:latin typeface="fkGroteskNeue"/>
+                  </a:rPr>
+                  <a:t>Z3 </a:t>
+                </a:r>
+                <a:r>
+                  <a:rPr lang="ru-RU" b="0" i="0" dirty="0">
+                    <a:effectLst/>
+                    <a:latin typeface="fkGroteskNeue"/>
+                  </a:rPr>
+                  <a:t>= </a:t>
+                </a:r>
+                <a:r>
+                  <a:rPr lang="en-US" b="0" i="0" dirty="0">
+                    <a:effectLst/>
+                    <a:latin typeface="fkGroteskNeue"/>
+                  </a:rPr>
+                  <a:t>60.015</a:t>
+                </a:r>
+                <a:r>
+                  <a:rPr lang="ru-RU" b="0" i="0" dirty="0">
+                    <a:effectLst/>
+                    <a:latin typeface="fkGroteskNeue"/>
+                  </a:rPr>
+                  <a:t> </a:t>
+                </a:r>
+                <a:r>
+                  <a:rPr lang="ru-RU" b="0" i="0" dirty="0" err="1">
+                    <a:effectLst/>
+                    <a:latin typeface="fkGroteskNeue"/>
+                  </a:rPr>
+                  <a:t>мс</a:t>
+                </a:r>
+                <a:r>
+                  <a:rPr lang="ru-RU" b="0" i="0" dirty="0">
+                    <a:effectLst/>
+                    <a:latin typeface="fkGroteskNeue"/>
+                  </a:rPr>
+                  <a:t>; </a:t>
+                </a:r>
+              </a:p>
+              <a:p>
+                <a:pPr marL="0" indent="0">
+                  <a:buNone/>
+                </a:pPr>
+                <a:r>
+                  <a:rPr lang="ru-RU" b="0" i="0" dirty="0">
+                    <a:effectLst/>
+                    <a:latin typeface="fkGroteskNeue"/>
+                  </a:rPr>
+                  <a:t>Пример 2 (x₀ </a:t>
+                </a:r>
+                <a14:m>
+                  <m:oMath xmlns:m="http://schemas.openxmlformats.org/officeDocument/2006/math">
+                    <m:r>
+                      <a:rPr lang="ru-RU" i="1" smtClean="0">
+                        <a:latin typeface="Cambria Math" panose="02040503050406030204" pitchFamily="18" charset="0"/>
+                      </a:rPr>
+                      <m:t>∧</m:t>
+                    </m:r>
+                  </m:oMath>
+                </a14:m>
+                <a:r>
+                  <a:rPr lang="ru-RU" b="0" i="0" dirty="0">
+                    <a:effectLst/>
+                    <a:latin typeface="fkGroteskNeue"/>
+                  </a:rPr>
+                  <a:t> x₁ </a:t>
+                </a:r>
+                <a:r>
+                  <a:rPr lang="ru-RU" b="0" i="0" dirty="0" err="1">
+                    <a:effectLst/>
+                    <a:latin typeface="fkGroteskNeue"/>
+                  </a:rPr>
+                  <a:t>vs</a:t>
+                </a:r>
+                <a:r>
+                  <a:rPr lang="ru-RU" b="0" i="0" dirty="0">
+                    <a:effectLst/>
+                    <a:latin typeface="fkGroteskNeue"/>
+                  </a:rPr>
+                  <a:t> x</a:t>
+                </a:r>
+                <a:r>
+                  <a:rPr lang="ru-RU" dirty="0">
+                    <a:latin typeface="fkGroteskNeue"/>
+                  </a:rPr>
+                  <a:t>₀ ∨ x</a:t>
+                </a:r>
+                <a:r>
+                  <a:rPr lang="ru-RU" b="0" i="0" dirty="0">
+                    <a:effectLst/>
+                    <a:latin typeface="fkGroteskNeue"/>
+                  </a:rPr>
+                  <a:t>₁): </a:t>
+                </a:r>
+                <a:r>
+                  <a:rPr lang="en-US" dirty="0" err="1">
+                    <a:latin typeface="fkGroteskNeue"/>
+                  </a:rPr>
+                  <a:t>bruteforce</a:t>
+                </a:r>
+                <a:r>
+                  <a:rPr lang="en-US" dirty="0">
+                    <a:latin typeface="fkGroteskNeue"/>
+                  </a:rPr>
+                  <a:t> = 0.0</a:t>
+                </a:r>
+                <a:r>
+                  <a:rPr lang="ru-RU" dirty="0">
+                    <a:latin typeface="fkGroteskNeue"/>
+                  </a:rPr>
+                  <a:t>08</a:t>
+                </a:r>
+                <a:r>
+                  <a:rPr lang="en-US" dirty="0">
+                    <a:latin typeface="fkGroteskNeue"/>
+                  </a:rPr>
+                  <a:t> </a:t>
+                </a:r>
+                <a:r>
+                  <a:rPr lang="ru-RU" dirty="0" err="1">
+                    <a:latin typeface="fkGroteskNeue"/>
+                  </a:rPr>
+                  <a:t>мс</a:t>
+                </a:r>
+                <a:r>
+                  <a:rPr lang="ru-RU" dirty="0">
+                    <a:latin typeface="fkGroteskNeue"/>
+                  </a:rPr>
+                  <a:t>, </a:t>
+                </a:r>
+                <a:r>
+                  <a:rPr lang="en-US" dirty="0">
+                    <a:latin typeface="fkGroteskNeue"/>
+                  </a:rPr>
+                  <a:t>DPLL = 0.</a:t>
+                </a:r>
+                <a:r>
+                  <a:rPr lang="ru-RU" dirty="0">
+                    <a:latin typeface="fkGroteskNeue"/>
+                  </a:rPr>
+                  <a:t>125</a:t>
+                </a:r>
+                <a:r>
+                  <a:rPr lang="en-US" dirty="0">
+                    <a:latin typeface="fkGroteskNeue"/>
+                  </a:rPr>
+                  <a:t> </a:t>
+                </a:r>
+                <a:r>
+                  <a:rPr lang="ru-RU" dirty="0" err="1">
+                    <a:latin typeface="fkGroteskNeue"/>
+                  </a:rPr>
+                  <a:t>мс</a:t>
+                </a:r>
+                <a:r>
+                  <a:rPr lang="ru-RU" dirty="0">
+                    <a:latin typeface="fkGroteskNeue"/>
+                  </a:rPr>
+                  <a:t>, </a:t>
+                </a:r>
+                <a:r>
+                  <a:rPr lang="en-US" dirty="0">
+                    <a:latin typeface="fkGroteskNeue"/>
+                  </a:rPr>
+                  <a:t>CDCL = 0.</a:t>
+                </a:r>
+                <a:r>
+                  <a:rPr lang="ru-RU" dirty="0">
+                    <a:latin typeface="fkGroteskNeue"/>
+                  </a:rPr>
+                  <a:t>169</a:t>
+                </a:r>
+                <a:r>
+                  <a:rPr lang="en-US" dirty="0">
+                    <a:latin typeface="fkGroteskNeue"/>
+                  </a:rPr>
+                  <a:t> </a:t>
+                </a:r>
+                <a:r>
+                  <a:rPr lang="ru-RU" dirty="0" err="1">
+                    <a:latin typeface="fkGroteskNeue"/>
+                  </a:rPr>
+                  <a:t>мс</a:t>
+                </a:r>
+                <a:r>
+                  <a:rPr lang="en-US" dirty="0">
+                    <a:latin typeface="fkGroteskNeue"/>
+                  </a:rPr>
+                  <a:t>, Z3 = </a:t>
+                </a:r>
+                <a:r>
+                  <a:rPr lang="ru-RU" dirty="0">
+                    <a:latin typeface="fkGroteskNeue"/>
+                  </a:rPr>
+                  <a:t>7</a:t>
+                </a:r>
+                <a:r>
+                  <a:rPr lang="en-US" dirty="0">
+                    <a:latin typeface="fkGroteskNeue"/>
+                  </a:rPr>
+                  <a:t>.</a:t>
+                </a:r>
+                <a:r>
+                  <a:rPr lang="ru-RU" dirty="0">
+                    <a:latin typeface="fkGroteskNeue"/>
+                  </a:rPr>
+                  <a:t>522</a:t>
+                </a:r>
+                <a:r>
+                  <a:rPr lang="en-US" dirty="0">
+                    <a:latin typeface="fkGroteskNeue"/>
+                  </a:rPr>
+                  <a:t> </a:t>
+                </a:r>
+                <a:r>
+                  <a:rPr lang="ru-RU" dirty="0" err="1">
+                    <a:latin typeface="fkGroteskNeue"/>
+                  </a:rPr>
+                  <a:t>мс</a:t>
+                </a:r>
+                <a:r>
+                  <a:rPr lang="ru-RU" dirty="0">
+                    <a:latin typeface="fkGroteskNeue"/>
+                  </a:rPr>
+                  <a:t>; </a:t>
+                </a:r>
+                <a:endParaRPr lang="ru-RU" b="0" i="0" dirty="0">
+                  <a:effectLst/>
+                  <a:latin typeface="fkGroteskNeue"/>
+                </a:endParaRPr>
               </a:p>
               <a:p>
                 <a:pPr marL="0" indent="0">
@@ -6578,7 +6150,28 @@
                     <a:effectLst/>
                     <a:latin typeface="fkGroteskNeue"/>
                   </a:rPr>
-                  <a:t>brute</a:t>
+                  <a:t>bruteforce</a:t>
+                </a:r>
+                <a:r>
+                  <a:rPr lang="ru-RU" b="0" i="0" dirty="0">
+                    <a:effectLst/>
+                    <a:latin typeface="fkGroteskNeue"/>
+                  </a:rPr>
+                  <a:t> = 0.011 </a:t>
+                </a:r>
+                <a:r>
+                  <a:rPr lang="ru-RU" b="0" i="0" dirty="0" err="1">
+                    <a:effectLst/>
+                    <a:latin typeface="fkGroteskNeue"/>
+                  </a:rPr>
+                  <a:t>мс</a:t>
+                </a:r>
+                <a:r>
+                  <a:rPr lang="en-US" b="0" i="0" dirty="0">
+                    <a:effectLst/>
+                    <a:latin typeface="fkGroteskNeue"/>
+                  </a:rPr>
+                  <a:t>,</a:t>
                 </a:r>
                 <a:r>
                   <a:rPr lang="ru-RU" b="0" i="0" dirty="0">
@@ -6588,18 +6181,94 @@
                   <a:t> </a:t>
                 </a:r>
                 <a:r>
-                  <a:rPr lang="ru-RU" b="0" i="0" dirty="0" err="1">
+                  <a:rPr lang="en-US" b="0" i="0" dirty="0">
                     <a:effectLst/>
                     <a:latin typeface="fkGroteskNeue"/>
                   </a:rPr>
-                  <a:t>force</a:t>
+                  <a:t>DPLL = 0.</a:t>
                 </a:r>
                 <a:r>
                   <a:rPr lang="ru-RU" b="0" i="0" dirty="0">
                     <a:effectLst/>
                     <a:latin typeface="fkGroteskNeue"/>
                   </a:rPr>
-                  <a:t> = 0.012 мс, Z3 = 0.040 мс. </a:t>
+                  <a:t>130 </a:t>
+                </a:r>
+                <a:r>
+                  <a:rPr lang="ru-RU" b="0" i="0" dirty="0" err="1">
+                    <a:effectLst/>
+                    <a:latin typeface="fkGroteskNeue"/>
+                  </a:rPr>
+                  <a:t>мс</a:t>
+                </a:r>
+                <a:r>
+                  <a:rPr lang="ru-RU" b="0" i="0" dirty="0">
+                    <a:effectLst/>
+                    <a:latin typeface="fkGroteskNeue"/>
+                  </a:rPr>
+                  <a:t>, </a:t>
+                </a:r>
+                <a:r>
+                  <a:rPr lang="en-US" b="0" i="0" dirty="0">
+                    <a:effectLst/>
+                    <a:latin typeface="fkGroteskNeue"/>
+                  </a:rPr>
+                  <a:t>CDCL = </a:t>
+                </a:r>
+                <a:r>
+                  <a:rPr lang="ru-RU" b="0" i="0" dirty="0">
+                    <a:effectLst/>
+                    <a:latin typeface="fkGroteskNeue"/>
+                  </a:rPr>
+                  <a:t>0.250 </a:t>
+                </a:r>
+                <a:r>
+                  <a:rPr lang="ru-RU" b="0" i="0" dirty="0" err="1">
+                    <a:effectLst/>
+                    <a:latin typeface="fkGroteskNeue"/>
+                  </a:rPr>
+                  <a:t>мс</a:t>
+                </a:r>
+                <a:r>
+                  <a:rPr lang="en-US" dirty="0">
+                    <a:latin typeface="fkGroteskNeue"/>
+                  </a:rPr>
+                  <a:t>, </a:t>
+                </a:r>
+                <a:r>
+                  <a:rPr lang="ru-RU" b="0" i="0" dirty="0">
+                    <a:effectLst/>
+                    <a:latin typeface="fkGroteskNeue"/>
+                  </a:rPr>
+                  <a:t>Z3 = </a:t>
+                </a:r>
+                <a:r>
+                  <a:rPr lang="en-US" b="0" i="0" dirty="0">
+                    <a:effectLst/>
+                    <a:latin typeface="fkGroteskNeue"/>
+                  </a:rPr>
+                  <a:t>0.0</a:t>
+                </a:r>
+                <a:r>
+                  <a:rPr lang="ru-RU" b="0" i="0" dirty="0">
+                    <a:effectLst/>
+                    <a:latin typeface="fkGroteskNeue"/>
+                  </a:rPr>
+                  <a:t>59 </a:t>
+                </a:r>
+                <a:r>
+                  <a:rPr lang="ru-RU" b="0" i="0" dirty="0" err="1">
+                    <a:effectLst/>
+                    <a:latin typeface="fkGroteskNeue"/>
+                  </a:rPr>
+                  <a:t>мс</a:t>
+                </a:r>
+                <a:r>
+                  <a:rPr lang="ru-RU" b="0" i="0" dirty="0">
+                    <a:effectLst/>
+                    <a:latin typeface="fkGroteskNeue"/>
+                  </a:rPr>
+                  <a:t>. </a:t>
                 </a:r>
               </a:p>
             </p:txBody>
@@ -6630,7 +6299,7 @@
               <a:blipFill>
                 <a:blip r:embed="rId2"/>
                 <a:stretch>
-                  <a:fillRect l="-1217" t="-2111"/>
+                  <a:fillRect l="-1217" t="-2111" r="-986"/>
                 </a:stretch>
               </a:blipFill>
             </p:spPr>
@@ -6672,7 +6341,7 @@
           <a:p>
             <a:fld id="{EF7A8E35-B303-42FD-88A6-20A8D5E4F372}" type="slidenum">
               <a:rPr lang="ru-RU" smtClean="0"/>
-              <a:t>21</a:t>
+              <a:t>19</a:t>
             </a:fld>
             <a:endParaRPr lang="ru-RU"/>
           </a:p>
@@ -6682,6 +6351,1235 @@
     <p:extLst>
       <p:ext uri="{BB962C8B-B14F-4D97-AF65-F5344CB8AC3E}">
         <p14:creationId xmlns:p14="http://schemas.microsoft.com/office/powerpoint/2010/main" val="2751913459"/>
+      </p:ext>
+    </p:extLst>
+  </p:cSld>
+  <p:clrMapOvr>
+    <a:masterClrMapping/>
+  </p:clrMapOvr>
+</p:sld>
+</file>
+
+<file path=ppt/slides/slide2.xml><?xml version="1.0" encoding="utf-8"?>
+<p:sld xmlns:a="http://schemas.openxmlformats.org/drawingml/2006/main" xmlns:r="http://schemas.openxmlformats.org/officeDocument/2006/relationships" xmlns:p="http://schemas.openxmlformats.org/presentationml/2006/main">
+  <p:cSld>
+    <p:spTree>
+      <p:nvGrpSpPr>
+        <p:cNvPr id="1" name=""/>
+        <p:cNvGrpSpPr/>
+        <p:nvPr/>
+      </p:nvGrpSpPr>
+      <p:grpSpPr>
+        <a:xfrm>
+          <a:off x="0" y="0"/>
+          <a:ext cx="0" cy="0"/>
+          <a:chOff x="0" y="0"/>
+          <a:chExt cx="0" cy="0"/>
+        </a:xfrm>
+      </p:grpSpPr>
+      <p:sp>
+        <p:nvSpPr>
+          <p:cNvPr id="2" name="Заголовок 1">
+            <a:extLst>
+              <a:ext uri="{FF2B5EF4-FFF2-40B4-BE49-F238E27FC236}">
+                <a16:creationId xmlns:a16="http://schemas.microsoft.com/office/drawing/2014/main" id="{560A5064-666A-7555-7357-0F8EFD667F80}"/>
+              </a:ext>
+            </a:extLst>
+          </p:cNvPr>
+          <p:cNvSpPr>
+            <a:spLocks noGrp="1"/>
+          </p:cNvSpPr>
+          <p:nvPr>
+            <p:ph type="title"/>
+          </p:nvPr>
+        </p:nvSpPr>
+        <p:spPr>
+          <a:xfrm>
+            <a:off x="185056" y="0"/>
+            <a:ext cx="12006943" cy="919842"/>
+          </a:xfrm>
+        </p:spPr>
+        <p:txBody>
+          <a:bodyPr>
+            <a:normAutofit/>
+          </a:bodyPr>
+          <a:lstStyle/>
+          <a:p>
+            <a:r>
+              <a:rPr lang="ru-RU" dirty="0">
+                <a:solidFill>
+                  <a:schemeClr val="bg1"/>
+                </a:solidFill>
+              </a:rPr>
+              <a:t>Введение</a:t>
+            </a:r>
+          </a:p>
+        </p:txBody>
+      </p:sp>
+      <p:sp>
+        <p:nvSpPr>
+          <p:cNvPr id="3" name="Объект 2">
+            <a:extLst>
+              <a:ext uri="{FF2B5EF4-FFF2-40B4-BE49-F238E27FC236}">
+                <a16:creationId xmlns:a16="http://schemas.microsoft.com/office/drawing/2014/main" id="{EF1A858C-C156-B159-B6C9-F121B8D996B9}"/>
+              </a:ext>
+            </a:extLst>
+          </p:cNvPr>
+          <p:cNvSpPr>
+            <a:spLocks noGrp="1"/>
+          </p:cNvSpPr>
+          <p:nvPr>
+            <p:ph idx="1"/>
+          </p:nvPr>
+        </p:nvSpPr>
+        <p:spPr/>
+        <p:txBody>
+          <a:bodyPr>
+            <a:normAutofit/>
+          </a:bodyPr>
+          <a:lstStyle/>
+          <a:p>
+            <a:pPr marL="0" indent="0">
+              <a:buNone/>
+            </a:pPr>
+            <a:r>
+              <a:rPr lang="ru-RU" b="0" i="0" dirty="0">
+                <a:effectLst/>
+                <a:latin typeface="fkGroteskNeue"/>
+              </a:rPr>
+              <a:t>Проблема проверки выполнимости булевых формул (SAT) представляет собой одну из фундаментальных NP-полных (полный перебор). Несмотря на отсутствие известных полиномиальных алгоритмов решения в общем случае, современные SAT-решатели, основанные на алгоритме CDCL (</a:t>
+            </a:r>
+            <a:r>
+              <a:rPr lang="ru-RU" b="0" i="0" dirty="0" err="1">
+                <a:effectLst/>
+                <a:latin typeface="fkGroteskNeue"/>
+              </a:rPr>
+              <a:t>Conflict</a:t>
+            </a:r>
+            <a:r>
+              <a:rPr lang="ru-RU" b="0" i="0" dirty="0">
+                <a:effectLst/>
+                <a:latin typeface="fkGroteskNeue"/>
+              </a:rPr>
+              <a:t>-Driven </a:t>
+            </a:r>
+            <a:r>
+              <a:rPr lang="ru-RU" b="0" i="0" dirty="0" err="1">
+                <a:effectLst/>
+                <a:latin typeface="fkGroteskNeue"/>
+              </a:rPr>
+              <a:t>Clause</a:t>
+            </a:r>
+            <a:r>
+              <a:rPr lang="ru-RU" b="0" i="0" dirty="0">
+                <a:effectLst/>
+                <a:latin typeface="fkGroteskNeue"/>
+              </a:rPr>
+              <a:t> Learning), демонстрируют эффективное решение формул с сотнями и тысячами переменных. </a:t>
+            </a:r>
+            <a:endParaRPr lang="ru-RU" dirty="0"/>
+          </a:p>
+        </p:txBody>
+      </p:sp>
+      <p:sp>
+        <p:nvSpPr>
+          <p:cNvPr id="5" name="Номер слайда 4">
+            <a:extLst>
+              <a:ext uri="{FF2B5EF4-FFF2-40B4-BE49-F238E27FC236}">
+                <a16:creationId xmlns:a16="http://schemas.microsoft.com/office/drawing/2014/main" id="{18DFCAB0-9277-439D-8D0D-D5EA5B4F40E9}"/>
+              </a:ext>
+            </a:extLst>
+          </p:cNvPr>
+          <p:cNvSpPr>
+            <a:spLocks noGrp="1"/>
+          </p:cNvSpPr>
+          <p:nvPr>
+            <p:ph type="sldNum" sz="quarter" idx="12"/>
+          </p:nvPr>
+        </p:nvSpPr>
+        <p:spPr/>
+        <p:txBody>
+          <a:bodyPr/>
+          <a:lstStyle/>
+          <a:p>
+            <a:fld id="{EF7A8E35-B303-42FD-88A6-20A8D5E4F372}" type="slidenum">
+              <a:rPr lang="ru-RU" smtClean="0"/>
+              <a:t>2</a:t>
+            </a:fld>
+            <a:endParaRPr lang="ru-RU"/>
+          </a:p>
+        </p:txBody>
+      </p:sp>
+    </p:spTree>
+    <p:extLst>
+      <p:ext uri="{BB962C8B-B14F-4D97-AF65-F5344CB8AC3E}">
+        <p14:creationId xmlns:p14="http://schemas.microsoft.com/office/powerpoint/2010/main" val="679214638"/>
+      </p:ext>
+    </p:extLst>
+  </p:cSld>
+  <p:clrMapOvr>
+    <a:masterClrMapping/>
+  </p:clrMapOvr>
+</p:sld>
+</file>
+
+<file path=ppt/slides/slide20.xml><?xml version="1.0" encoding="utf-8"?>
+<p:sld xmlns:a="http://schemas.openxmlformats.org/drawingml/2006/main" xmlns:r="http://schemas.openxmlformats.org/officeDocument/2006/relationships" xmlns:p="http://schemas.openxmlformats.org/presentationml/2006/main">
+  <p:cSld>
+    <p:spTree>
+      <p:nvGrpSpPr>
+        <p:cNvPr id="1" name=""/>
+        <p:cNvGrpSpPr/>
+        <p:nvPr/>
+      </p:nvGrpSpPr>
+      <p:grpSpPr>
+        <a:xfrm>
+          <a:off x="0" y="0"/>
+          <a:ext cx="0" cy="0"/>
+          <a:chOff x="0" y="0"/>
+          <a:chExt cx="0" cy="0"/>
+        </a:xfrm>
+      </p:grpSpPr>
+      <p:sp>
+        <p:nvSpPr>
+          <p:cNvPr id="2" name="Заголовок 1">
+            <a:extLst>
+              <a:ext uri="{FF2B5EF4-FFF2-40B4-BE49-F238E27FC236}">
+                <a16:creationId xmlns:a16="http://schemas.microsoft.com/office/drawing/2014/main" id="{560A5064-666A-7555-7357-0F8EFD667F80}"/>
+              </a:ext>
+            </a:extLst>
+          </p:cNvPr>
+          <p:cNvSpPr>
+            <a:spLocks noGrp="1"/>
+          </p:cNvSpPr>
+          <p:nvPr>
+            <p:ph type="title"/>
+          </p:nvPr>
+        </p:nvSpPr>
+        <p:spPr>
+          <a:xfrm>
+            <a:off x="185056" y="0"/>
+            <a:ext cx="12006943" cy="919842"/>
+          </a:xfrm>
+        </p:spPr>
+        <p:txBody>
+          <a:bodyPr>
+            <a:normAutofit/>
+          </a:bodyPr>
+          <a:lstStyle/>
+          <a:p>
+            <a:r>
+              <a:rPr lang="ru-RU" dirty="0">
+                <a:solidFill>
+                  <a:schemeClr val="bg1"/>
+                </a:solidFill>
+              </a:rPr>
+              <a:t>Ручное сравнение</a:t>
+            </a:r>
+          </a:p>
+        </p:txBody>
+      </p:sp>
+      <p:sp>
+        <p:nvSpPr>
+          <p:cNvPr id="3" name="Объект 2">
+            <a:extLst>
+              <a:ext uri="{FF2B5EF4-FFF2-40B4-BE49-F238E27FC236}">
+                <a16:creationId xmlns:a16="http://schemas.microsoft.com/office/drawing/2014/main" id="{EF1A858C-C156-B159-B6C9-F121B8D996B9}"/>
+              </a:ext>
+            </a:extLst>
+          </p:cNvPr>
+          <p:cNvSpPr>
+            <a:spLocks noGrp="1"/>
+          </p:cNvSpPr>
+          <p:nvPr>
+            <p:ph idx="1"/>
+          </p:nvPr>
+        </p:nvSpPr>
+        <p:spPr>
+          <a:xfrm>
+            <a:off x="838200" y="1825625"/>
+            <a:ext cx="10515600" cy="4618718"/>
+          </a:xfrm>
+        </p:spPr>
+        <p:txBody>
+          <a:bodyPr>
+            <a:normAutofit/>
+          </a:bodyPr>
+          <a:lstStyle/>
+          <a:p>
+            <a:pPr marL="0" indent="0">
+              <a:buNone/>
+            </a:pPr>
+            <a:r>
+              <a:rPr lang="ru-RU" b="0" i="0" dirty="0">
+                <a:effectLst/>
+                <a:latin typeface="fkGroteskNeue"/>
+              </a:rPr>
+              <a:t>Анализ показывает, что на малых входах </a:t>
+            </a:r>
+            <a:r>
+              <a:rPr lang="ru-RU" b="0" i="0" dirty="0" err="1">
+                <a:effectLst/>
+                <a:latin typeface="fkGroteskNeue"/>
+              </a:rPr>
+              <a:t>брутфорс</a:t>
+            </a:r>
+            <a:r>
+              <a:rPr lang="ru-RU" b="0" i="0" dirty="0">
+                <a:effectLst/>
+                <a:latin typeface="fkGroteskNeue"/>
+              </a:rPr>
+              <a:t> часто быстрее Z3 из-за накладных расходов инициализации Z3. </a:t>
+            </a:r>
+            <a:r>
+              <a:rPr lang="en-US" b="0" i="0" dirty="0">
+                <a:effectLst/>
+                <a:latin typeface="fkGroteskNeue"/>
+              </a:rPr>
+              <a:t>DPLL </a:t>
+            </a:r>
+            <a:r>
+              <a:rPr lang="ru-RU" b="0" i="0" dirty="0">
+                <a:effectLst/>
+                <a:latin typeface="fkGroteskNeue"/>
+              </a:rPr>
+              <a:t>и </a:t>
+            </a:r>
+            <a:r>
+              <a:rPr lang="en-US" b="0" i="0" dirty="0">
+                <a:effectLst/>
+                <a:latin typeface="fkGroteskNeue"/>
+              </a:rPr>
+              <a:t>CDCL </a:t>
+            </a:r>
+            <a:r>
+              <a:rPr lang="ru-RU" dirty="0">
+                <a:latin typeface="fkGroteskNeue"/>
+              </a:rPr>
+              <a:t>«стабильны» и показывают близкое друг к другу время.</a:t>
+            </a:r>
+            <a:endParaRPr lang="ru-RU" b="0" i="0" dirty="0">
+              <a:effectLst/>
+              <a:latin typeface="fkGroteskNeue"/>
+            </a:endParaRPr>
+          </a:p>
+          <a:p>
+            <a:pPr marL="0" indent="0">
+              <a:buNone/>
+            </a:pPr>
+            <a:r>
+              <a:rPr lang="ru-RU" b="0" i="0" dirty="0">
+                <a:effectLst/>
+                <a:latin typeface="fkGroteskNeue"/>
+              </a:rPr>
+              <a:t>Наблюдается высокая вариативность Z3, что объясняется сложностью конкретной формулы и эффективностью применяемых эвристик.</a:t>
+            </a:r>
+          </a:p>
+        </p:txBody>
+      </p:sp>
+      <p:sp>
+        <p:nvSpPr>
+          <p:cNvPr id="5" name="Номер слайда 4">
+            <a:extLst>
+              <a:ext uri="{FF2B5EF4-FFF2-40B4-BE49-F238E27FC236}">
+                <a16:creationId xmlns:a16="http://schemas.microsoft.com/office/drawing/2014/main" id="{D8B48195-C63F-4F12-A718-4C6E839887E4}"/>
+              </a:ext>
+            </a:extLst>
+          </p:cNvPr>
+          <p:cNvSpPr>
+            <a:spLocks noGrp="1"/>
+          </p:cNvSpPr>
+          <p:nvPr>
+            <p:ph type="sldNum" sz="quarter" idx="12"/>
+          </p:nvPr>
+        </p:nvSpPr>
+        <p:spPr/>
+        <p:txBody>
+          <a:bodyPr/>
+          <a:lstStyle/>
+          <a:p>
+            <a:fld id="{EF7A8E35-B303-42FD-88A6-20A8D5E4F372}" type="slidenum">
+              <a:rPr lang="ru-RU" smtClean="0"/>
+              <a:t>20</a:t>
+            </a:fld>
+            <a:endParaRPr lang="ru-RU"/>
+          </a:p>
+        </p:txBody>
+      </p:sp>
+    </p:spTree>
+    <p:extLst>
+      <p:ext uri="{BB962C8B-B14F-4D97-AF65-F5344CB8AC3E}">
+        <p14:creationId xmlns:p14="http://schemas.microsoft.com/office/powerpoint/2010/main" val="719907022"/>
+      </p:ext>
+    </p:extLst>
+  </p:cSld>
+  <p:clrMapOvr>
+    <a:masterClrMapping/>
+  </p:clrMapOvr>
+</p:sld>
+</file>
+
+<file path=ppt/slides/slide21.xml><?xml version="1.0" encoding="utf-8"?>
+<p:sld xmlns:a="http://schemas.openxmlformats.org/drawingml/2006/main" xmlns:r="http://schemas.openxmlformats.org/officeDocument/2006/relationships" xmlns:p="http://schemas.openxmlformats.org/presentationml/2006/main">
+  <p:cSld>
+    <p:spTree>
+      <p:nvGrpSpPr>
+        <p:cNvPr id="1" name=""/>
+        <p:cNvGrpSpPr/>
+        <p:nvPr/>
+      </p:nvGrpSpPr>
+      <p:grpSpPr>
+        <a:xfrm>
+          <a:off x="0" y="0"/>
+          <a:ext cx="0" cy="0"/>
+          <a:chOff x="0" y="0"/>
+          <a:chExt cx="0" cy="0"/>
+        </a:xfrm>
+      </p:grpSpPr>
+      <p:sp>
+        <p:nvSpPr>
+          <p:cNvPr id="2" name="Заголовок 1">
+            <a:extLst>
+              <a:ext uri="{FF2B5EF4-FFF2-40B4-BE49-F238E27FC236}">
+                <a16:creationId xmlns:a16="http://schemas.microsoft.com/office/drawing/2014/main" id="{560A5064-666A-7555-7357-0F8EFD667F80}"/>
+              </a:ext>
+            </a:extLst>
+          </p:cNvPr>
+          <p:cNvSpPr>
+            <a:spLocks noGrp="1"/>
+          </p:cNvSpPr>
+          <p:nvPr>
+            <p:ph type="title"/>
+          </p:nvPr>
+        </p:nvSpPr>
+        <p:spPr>
+          <a:xfrm>
+            <a:off x="185056" y="0"/>
+            <a:ext cx="12006943" cy="919842"/>
+          </a:xfrm>
+        </p:spPr>
+        <p:txBody>
+          <a:bodyPr>
+            <a:normAutofit/>
+          </a:bodyPr>
+          <a:lstStyle/>
+          <a:p>
+            <a:r>
+              <a:rPr lang="ru-RU" dirty="0">
+                <a:solidFill>
+                  <a:schemeClr val="bg1"/>
+                </a:solidFill>
+              </a:rPr>
+              <a:t>Автоматическое сравнение</a:t>
+            </a:r>
+          </a:p>
+        </p:txBody>
+      </p:sp>
+      <p:sp>
+        <p:nvSpPr>
+          <p:cNvPr id="3" name="Объект 2">
+            <a:extLst>
+              <a:ext uri="{FF2B5EF4-FFF2-40B4-BE49-F238E27FC236}">
+                <a16:creationId xmlns:a16="http://schemas.microsoft.com/office/drawing/2014/main" id="{EF1A858C-C156-B159-B6C9-F121B8D996B9}"/>
+              </a:ext>
+            </a:extLst>
+          </p:cNvPr>
+          <p:cNvSpPr>
+            <a:spLocks noGrp="1"/>
+          </p:cNvSpPr>
+          <p:nvPr>
+            <p:ph idx="1"/>
+          </p:nvPr>
+        </p:nvSpPr>
+        <p:spPr>
+          <a:xfrm>
+            <a:off x="838200" y="1825625"/>
+            <a:ext cx="10515600" cy="4618718"/>
+          </a:xfrm>
+        </p:spPr>
+        <p:txBody>
+          <a:bodyPr>
+            <a:normAutofit/>
+          </a:bodyPr>
+          <a:lstStyle/>
+          <a:p>
+            <a:pPr marL="0" indent="0">
+              <a:buNone/>
+            </a:pPr>
+            <a:r>
+              <a:rPr lang="ru-RU" b="0" i="0" dirty="0">
+                <a:effectLst/>
+                <a:latin typeface="fkGroteskNeue"/>
+              </a:rPr>
+              <a:t>Основной набор экспериментов включал бенчмарки на формулах с числом переменных от 2 до </a:t>
+            </a:r>
+            <a:r>
+              <a:rPr lang="en-US" b="0" i="0" dirty="0">
+                <a:effectLst/>
+                <a:latin typeface="fkGroteskNeue"/>
+              </a:rPr>
+              <a:t>100</a:t>
+            </a:r>
+            <a:r>
+              <a:rPr lang="ru-RU" b="0" i="0" dirty="0">
+                <a:effectLst/>
+                <a:latin typeface="fkGroteskNeue"/>
+              </a:rPr>
+              <a:t>. Результаты (средние значения из </a:t>
+            </a:r>
+            <a:r>
+              <a:rPr lang="en-US" b="0" i="0" dirty="0">
+                <a:effectLst/>
+                <a:latin typeface="fkGroteskNeue"/>
+              </a:rPr>
+              <a:t>5</a:t>
+            </a:r>
+            <a:r>
+              <a:rPr lang="ru-RU" b="0" i="0" dirty="0">
+                <a:effectLst/>
+                <a:latin typeface="fkGroteskNeue"/>
+              </a:rPr>
+              <a:t> проходов): </a:t>
+            </a:r>
+          </a:p>
+          <a:p>
+            <a:pPr marL="0" indent="0">
+              <a:buNone/>
+            </a:pPr>
+            <a:endParaRPr lang="ru-RU" b="0" i="0" dirty="0">
+              <a:effectLst/>
+              <a:latin typeface="fkGroteskNeue"/>
+            </a:endParaRPr>
+          </a:p>
+        </p:txBody>
+      </p:sp>
+      <p:sp>
+        <p:nvSpPr>
+          <p:cNvPr id="5" name="Номер слайда 4">
+            <a:extLst>
+              <a:ext uri="{FF2B5EF4-FFF2-40B4-BE49-F238E27FC236}">
+                <a16:creationId xmlns:a16="http://schemas.microsoft.com/office/drawing/2014/main" id="{602A2F1F-0D0F-4B1E-9DF2-007B1B928C21}"/>
+              </a:ext>
+            </a:extLst>
+          </p:cNvPr>
+          <p:cNvSpPr>
+            <a:spLocks noGrp="1"/>
+          </p:cNvSpPr>
+          <p:nvPr>
+            <p:ph type="sldNum" sz="quarter" idx="12"/>
+          </p:nvPr>
+        </p:nvSpPr>
+        <p:spPr/>
+        <p:txBody>
+          <a:bodyPr/>
+          <a:lstStyle/>
+          <a:p>
+            <a:fld id="{EF7A8E35-B303-42FD-88A6-20A8D5E4F372}" type="slidenum">
+              <a:rPr lang="ru-RU" smtClean="0"/>
+              <a:t>21</a:t>
+            </a:fld>
+            <a:endParaRPr lang="ru-RU"/>
+          </a:p>
+        </p:txBody>
+      </p:sp>
+      <p:graphicFrame>
+        <p:nvGraphicFramePr>
+          <p:cNvPr id="4" name="Таблица 5">
+            <a:extLst>
+              <a:ext uri="{FF2B5EF4-FFF2-40B4-BE49-F238E27FC236}">
+                <a16:creationId xmlns:a16="http://schemas.microsoft.com/office/drawing/2014/main" id="{6D2B0336-6D32-4E1A-8814-FB60900DCC19}"/>
+              </a:ext>
+            </a:extLst>
+          </p:cNvPr>
+          <p:cNvGraphicFramePr>
+            <a:graphicFrameLocks noGrp="1"/>
+          </p:cNvGraphicFramePr>
+          <p:nvPr>
+            <p:extLst>
+              <p:ext uri="{D42A27DB-BD31-4B8C-83A1-F6EECF244321}">
+                <p14:modId xmlns:p14="http://schemas.microsoft.com/office/powerpoint/2010/main" val="3770469005"/>
+              </p:ext>
+            </p:extLst>
+          </p:nvPr>
+        </p:nvGraphicFramePr>
+        <p:xfrm>
+          <a:off x="2124527" y="3206612"/>
+          <a:ext cx="8128000" cy="2595880"/>
+        </p:xfrm>
+        <a:graphic>
+          <a:graphicData uri="http://schemas.openxmlformats.org/drawingml/2006/table">
+            <a:tbl>
+              <a:tblPr firstRow="1" bandRow="1">
+                <a:tableStyleId>{00A15C55-8517-42AA-B614-E9B94910E393}</a:tableStyleId>
+              </a:tblPr>
+              <a:tblGrid>
+                <a:gridCol w="1625600">
+                  <a:extLst>
+                    <a:ext uri="{9D8B030D-6E8A-4147-A177-3AD203B41FA5}">
+                      <a16:colId xmlns:a16="http://schemas.microsoft.com/office/drawing/2014/main" val="773430691"/>
+                    </a:ext>
+                  </a:extLst>
+                </a:gridCol>
+                <a:gridCol w="1625600">
+                  <a:extLst>
+                    <a:ext uri="{9D8B030D-6E8A-4147-A177-3AD203B41FA5}">
+                      <a16:colId xmlns:a16="http://schemas.microsoft.com/office/drawing/2014/main" val="486038333"/>
+                    </a:ext>
+                  </a:extLst>
+                </a:gridCol>
+                <a:gridCol w="1625600">
+                  <a:extLst>
+                    <a:ext uri="{9D8B030D-6E8A-4147-A177-3AD203B41FA5}">
+                      <a16:colId xmlns:a16="http://schemas.microsoft.com/office/drawing/2014/main" val="2187118086"/>
+                    </a:ext>
+                  </a:extLst>
+                </a:gridCol>
+                <a:gridCol w="1625600">
+                  <a:extLst>
+                    <a:ext uri="{9D8B030D-6E8A-4147-A177-3AD203B41FA5}">
+                      <a16:colId xmlns:a16="http://schemas.microsoft.com/office/drawing/2014/main" val="1827506295"/>
+                    </a:ext>
+                  </a:extLst>
+                </a:gridCol>
+                <a:gridCol w="1625600">
+                  <a:extLst>
+                    <a:ext uri="{9D8B030D-6E8A-4147-A177-3AD203B41FA5}">
+                      <a16:colId xmlns:a16="http://schemas.microsoft.com/office/drawing/2014/main" val="1950096917"/>
+                    </a:ext>
+                  </a:extLst>
+                </a:gridCol>
+              </a:tblGrid>
+              <a:tr h="370840">
+                <a:tc>
+                  <a:txBody>
+                    <a:bodyPr/>
+                    <a:lstStyle/>
+                    <a:p>
+                      <a:pPr algn="ctr"/>
+                      <a:r>
+                        <a:rPr lang="en-US" dirty="0"/>
+                        <a:t>n</a:t>
+                      </a:r>
+                      <a:endParaRPr lang="ru-RU" dirty="0"/>
+                    </a:p>
+                  </a:txBody>
+                  <a:tcPr anchor="ctr"/>
+                </a:tc>
+                <a:tc>
+                  <a:txBody>
+                    <a:bodyPr/>
+                    <a:lstStyle/>
+                    <a:p>
+                      <a:pPr algn="ctr"/>
+                      <a:r>
+                        <a:rPr lang="en-US" dirty="0" err="1"/>
+                        <a:t>Bruteforce</a:t>
+                      </a:r>
+                      <a:r>
+                        <a:rPr lang="en-US" dirty="0"/>
+                        <a:t>, </a:t>
+                      </a:r>
+                      <a:r>
+                        <a:rPr lang="ru-RU" dirty="0" err="1"/>
+                        <a:t>мс</a:t>
+                      </a:r>
+                      <a:endParaRPr lang="ru-RU" dirty="0"/>
+                    </a:p>
+                  </a:txBody>
+                  <a:tcPr anchor="ctr"/>
+                </a:tc>
+                <a:tc>
+                  <a:txBody>
+                    <a:bodyPr/>
+                    <a:lstStyle/>
+                    <a:p>
+                      <a:pPr algn="ctr"/>
+                      <a:r>
+                        <a:rPr lang="en-US" dirty="0"/>
+                        <a:t>DPLL, </a:t>
+                      </a:r>
+                      <a:r>
+                        <a:rPr lang="ru-RU" dirty="0" err="1"/>
+                        <a:t>мс</a:t>
+                      </a:r>
+                      <a:endParaRPr lang="ru-RU" dirty="0"/>
+                    </a:p>
+                  </a:txBody>
+                  <a:tcPr anchor="ctr"/>
+                </a:tc>
+                <a:tc>
+                  <a:txBody>
+                    <a:bodyPr/>
+                    <a:lstStyle/>
+                    <a:p>
+                      <a:pPr algn="ctr"/>
+                      <a:r>
+                        <a:rPr lang="en-US" dirty="0"/>
+                        <a:t>CDCL</a:t>
+                      </a:r>
+                      <a:r>
+                        <a:rPr lang="ru-RU" dirty="0"/>
+                        <a:t>, </a:t>
+                      </a:r>
+                      <a:r>
+                        <a:rPr lang="ru-RU" dirty="0" err="1"/>
+                        <a:t>мс</a:t>
+                      </a:r>
+                      <a:endParaRPr lang="ru-RU" dirty="0"/>
+                    </a:p>
+                  </a:txBody>
+                  <a:tcPr anchor="ctr"/>
+                </a:tc>
+                <a:tc>
+                  <a:txBody>
+                    <a:bodyPr/>
+                    <a:lstStyle/>
+                    <a:p>
+                      <a:pPr algn="ctr"/>
+                      <a:r>
+                        <a:rPr lang="en-US" dirty="0"/>
+                        <a:t>Z3</a:t>
+                      </a:r>
+                      <a:r>
+                        <a:rPr lang="ru-RU" dirty="0"/>
+                        <a:t>, </a:t>
+                      </a:r>
+                      <a:r>
+                        <a:rPr lang="ru-RU" dirty="0" err="1"/>
+                        <a:t>мс</a:t>
+                      </a:r>
+                      <a:endParaRPr lang="ru-RU" dirty="0"/>
+                    </a:p>
+                  </a:txBody>
+                  <a:tcPr anchor="ctr"/>
+                </a:tc>
+                <a:extLst>
+                  <a:ext uri="{0D108BD9-81ED-4DB2-BD59-A6C34878D82A}">
+                    <a16:rowId xmlns:a16="http://schemas.microsoft.com/office/drawing/2014/main" val="2790527863"/>
+                  </a:ext>
+                </a:extLst>
+              </a:tr>
+              <a:tr h="370840">
+                <a:tc>
+                  <a:txBody>
+                    <a:bodyPr/>
+                    <a:lstStyle/>
+                    <a:p>
+                      <a:pPr algn="ctr"/>
+                      <a:r>
+                        <a:rPr lang="en-US" dirty="0"/>
+                        <a:t>4</a:t>
+                      </a:r>
+                      <a:endParaRPr lang="ru-RU" dirty="0"/>
+                    </a:p>
+                  </a:txBody>
+                  <a:tcPr anchor="ctr"/>
+                </a:tc>
+                <a:tc>
+                  <a:txBody>
+                    <a:bodyPr/>
+                    <a:lstStyle/>
+                    <a:p>
+                      <a:pPr algn="ctr"/>
+                      <a:r>
+                        <a:rPr lang="en-US" dirty="0"/>
+                        <a:t>0.021</a:t>
+                      </a:r>
+                      <a:endParaRPr lang="ru-RU" dirty="0"/>
+                    </a:p>
+                  </a:txBody>
+                  <a:tcPr anchor="ctr"/>
+                </a:tc>
+                <a:tc>
+                  <a:txBody>
+                    <a:bodyPr/>
+                    <a:lstStyle/>
+                    <a:p>
+                      <a:pPr algn="ctr"/>
+                      <a:r>
+                        <a:rPr lang="ru-RU" dirty="0"/>
+                        <a:t>0.538</a:t>
+                      </a:r>
+                    </a:p>
+                  </a:txBody>
+                  <a:tcPr anchor="ctr"/>
+                </a:tc>
+                <a:tc>
+                  <a:txBody>
+                    <a:bodyPr/>
+                    <a:lstStyle/>
+                    <a:p>
+                      <a:pPr algn="ctr"/>
+                      <a:r>
+                        <a:rPr lang="ru-RU" dirty="0"/>
+                        <a:t>1.047</a:t>
+                      </a:r>
+                    </a:p>
+                  </a:txBody>
+                  <a:tcPr anchor="ctr"/>
+                </a:tc>
+                <a:tc>
+                  <a:txBody>
+                    <a:bodyPr/>
+                    <a:lstStyle/>
+                    <a:p>
+                      <a:pPr algn="ctr"/>
+                      <a:r>
+                        <a:rPr lang="ru-RU" dirty="0"/>
+                        <a:t>0.294</a:t>
+                      </a:r>
+                    </a:p>
+                  </a:txBody>
+                  <a:tcPr anchor="ctr"/>
+                </a:tc>
+                <a:extLst>
+                  <a:ext uri="{0D108BD9-81ED-4DB2-BD59-A6C34878D82A}">
+                    <a16:rowId xmlns:a16="http://schemas.microsoft.com/office/drawing/2014/main" val="468480789"/>
+                  </a:ext>
+                </a:extLst>
+              </a:tr>
+              <a:tr h="370840">
+                <a:tc>
+                  <a:txBody>
+                    <a:bodyPr/>
+                    <a:lstStyle/>
+                    <a:p>
+                      <a:pPr algn="ctr"/>
+                      <a:r>
+                        <a:rPr lang="en-US" dirty="0"/>
+                        <a:t>10</a:t>
+                      </a:r>
+                      <a:endParaRPr lang="ru-RU" dirty="0"/>
+                    </a:p>
+                  </a:txBody>
+                  <a:tcPr anchor="ctr"/>
+                </a:tc>
+                <a:tc>
+                  <a:txBody>
+                    <a:bodyPr/>
+                    <a:lstStyle/>
+                    <a:p>
+                      <a:pPr algn="ctr"/>
+                      <a:r>
+                        <a:rPr lang="en-US" dirty="0"/>
+                        <a:t>1.447</a:t>
+                      </a:r>
+                      <a:endParaRPr lang="ru-RU" dirty="0"/>
+                    </a:p>
+                  </a:txBody>
+                  <a:tcPr anchor="ctr"/>
+                </a:tc>
+                <a:tc>
+                  <a:txBody>
+                    <a:bodyPr/>
+                    <a:lstStyle/>
+                    <a:p>
+                      <a:pPr algn="ctr"/>
+                      <a:r>
+                        <a:rPr lang="ru-RU" dirty="0"/>
+                        <a:t>3.317</a:t>
+                      </a:r>
+                    </a:p>
+                  </a:txBody>
+                  <a:tcPr anchor="ctr"/>
+                </a:tc>
+                <a:tc>
+                  <a:txBody>
+                    <a:bodyPr/>
+                    <a:lstStyle/>
+                    <a:p>
+                      <a:pPr algn="ctr"/>
+                      <a:r>
+                        <a:rPr lang="ru-RU" dirty="0"/>
+                        <a:t>6.142</a:t>
+                      </a:r>
+                    </a:p>
+                  </a:txBody>
+                  <a:tcPr anchor="ctr"/>
+                </a:tc>
+                <a:tc>
+                  <a:txBody>
+                    <a:bodyPr/>
+                    <a:lstStyle/>
+                    <a:p>
+                      <a:pPr algn="ctr"/>
+                      <a:r>
+                        <a:rPr lang="ru-RU" dirty="0"/>
+                        <a:t>0.340</a:t>
+                      </a:r>
+                    </a:p>
+                  </a:txBody>
+                  <a:tcPr anchor="ctr"/>
+                </a:tc>
+                <a:extLst>
+                  <a:ext uri="{0D108BD9-81ED-4DB2-BD59-A6C34878D82A}">
+                    <a16:rowId xmlns:a16="http://schemas.microsoft.com/office/drawing/2014/main" val="2629777623"/>
+                  </a:ext>
+                </a:extLst>
+              </a:tr>
+              <a:tr h="370840">
+                <a:tc>
+                  <a:txBody>
+                    <a:bodyPr/>
+                    <a:lstStyle/>
+                    <a:p>
+                      <a:pPr algn="ctr"/>
+                      <a:r>
+                        <a:rPr lang="en-US" dirty="0"/>
+                        <a:t>12</a:t>
+                      </a:r>
+                      <a:endParaRPr lang="ru-RU" dirty="0"/>
+                    </a:p>
+                  </a:txBody>
+                  <a:tcPr anchor="ctr"/>
+                </a:tc>
+                <a:tc>
+                  <a:txBody>
+                    <a:bodyPr/>
+                    <a:lstStyle/>
+                    <a:p>
+                      <a:pPr algn="ctr"/>
+                      <a:r>
+                        <a:rPr lang="en-US" dirty="0"/>
+                        <a:t>6.424</a:t>
+                      </a:r>
+                      <a:endParaRPr lang="ru-RU" dirty="0"/>
+                    </a:p>
+                  </a:txBody>
+                  <a:tcPr anchor="ctr"/>
+                </a:tc>
+                <a:tc>
+                  <a:txBody>
+                    <a:bodyPr/>
+                    <a:lstStyle/>
+                    <a:p>
+                      <a:pPr algn="ctr"/>
+                      <a:r>
+                        <a:rPr lang="ru-RU" dirty="0"/>
+                        <a:t>1.911</a:t>
+                      </a:r>
+                    </a:p>
+                  </a:txBody>
+                  <a:tcPr anchor="ctr"/>
+                </a:tc>
+                <a:tc>
+                  <a:txBody>
+                    <a:bodyPr/>
+                    <a:lstStyle/>
+                    <a:p>
+                      <a:pPr algn="ctr"/>
+                      <a:r>
+                        <a:rPr lang="ru-RU" dirty="0"/>
+                        <a:t>2.935</a:t>
+                      </a:r>
+                    </a:p>
+                  </a:txBody>
+                  <a:tcPr anchor="ctr"/>
+                </a:tc>
+                <a:tc>
+                  <a:txBody>
+                    <a:bodyPr/>
+                    <a:lstStyle/>
+                    <a:p>
+                      <a:pPr algn="ctr"/>
+                      <a:r>
+                        <a:rPr lang="ru-RU" dirty="0"/>
+                        <a:t>0.342</a:t>
+                      </a:r>
+                    </a:p>
+                  </a:txBody>
+                  <a:tcPr anchor="ctr"/>
+                </a:tc>
+                <a:extLst>
+                  <a:ext uri="{0D108BD9-81ED-4DB2-BD59-A6C34878D82A}">
+                    <a16:rowId xmlns:a16="http://schemas.microsoft.com/office/drawing/2014/main" val="1139846075"/>
+                  </a:ext>
+                </a:extLst>
+              </a:tr>
+              <a:tr h="370840">
+                <a:tc>
+                  <a:txBody>
+                    <a:bodyPr/>
+                    <a:lstStyle/>
+                    <a:p>
+                      <a:pPr algn="ctr"/>
+                      <a:r>
+                        <a:rPr lang="en-US" dirty="0"/>
+                        <a:t>22</a:t>
+                      </a:r>
+                      <a:endParaRPr lang="ru-RU" dirty="0"/>
+                    </a:p>
+                  </a:txBody>
+                  <a:tcPr anchor="ctr"/>
+                </a:tc>
+                <a:tc>
+                  <a:txBody>
+                    <a:bodyPr/>
+                    <a:lstStyle/>
+                    <a:p>
+                      <a:pPr algn="ctr"/>
+                      <a:r>
+                        <a:rPr lang="en-US" dirty="0"/>
+                        <a:t>9175.2</a:t>
+                      </a:r>
+                      <a:endParaRPr lang="ru-RU" dirty="0"/>
+                    </a:p>
+                  </a:txBody>
+                  <a:tcPr anchor="ctr"/>
+                </a:tc>
+                <a:tc>
+                  <a:txBody>
+                    <a:bodyPr/>
+                    <a:lstStyle/>
+                    <a:p>
+                      <a:pPr algn="ctr"/>
+                      <a:r>
+                        <a:rPr lang="ru-RU" dirty="0"/>
+                        <a:t>18.12</a:t>
+                      </a:r>
+                    </a:p>
+                  </a:txBody>
+                  <a:tcPr anchor="ctr"/>
+                </a:tc>
+                <a:tc>
+                  <a:txBody>
+                    <a:bodyPr/>
+                    <a:lstStyle/>
+                    <a:p>
+                      <a:pPr algn="ctr"/>
+                      <a:r>
+                        <a:rPr lang="ru-RU" dirty="0"/>
+                        <a:t>30.91</a:t>
+                      </a:r>
+                    </a:p>
+                  </a:txBody>
+                  <a:tcPr anchor="ctr"/>
+                </a:tc>
+                <a:tc>
+                  <a:txBody>
+                    <a:bodyPr/>
+                    <a:lstStyle/>
+                    <a:p>
+                      <a:pPr algn="ctr"/>
+                      <a:r>
+                        <a:rPr lang="ru-RU" dirty="0"/>
+                        <a:t>0.365</a:t>
+                      </a:r>
+                    </a:p>
+                  </a:txBody>
+                  <a:tcPr anchor="ctr"/>
+                </a:tc>
+                <a:extLst>
+                  <a:ext uri="{0D108BD9-81ED-4DB2-BD59-A6C34878D82A}">
+                    <a16:rowId xmlns:a16="http://schemas.microsoft.com/office/drawing/2014/main" val="2471826606"/>
+                  </a:ext>
+                </a:extLst>
+              </a:tr>
+              <a:tr h="370840">
+                <a:tc>
+                  <a:txBody>
+                    <a:bodyPr/>
+                    <a:lstStyle/>
+                    <a:p>
+                      <a:pPr algn="ctr"/>
+                      <a:r>
+                        <a:rPr lang="en-US" dirty="0"/>
+                        <a:t>70</a:t>
+                      </a:r>
+                      <a:endParaRPr lang="ru-RU" dirty="0"/>
+                    </a:p>
+                  </a:txBody>
+                  <a:tcPr anchor="ctr"/>
+                </a:tc>
+                <a:tc>
+                  <a:txBody>
+                    <a:bodyPr/>
+                    <a:lstStyle/>
+                    <a:p>
+                      <a:pPr algn="ctr"/>
+                      <a:r>
+                        <a:rPr lang="ru-RU" dirty="0"/>
+                        <a:t>-</a:t>
+                      </a:r>
+                    </a:p>
+                  </a:txBody>
+                  <a:tcPr anchor="ctr"/>
+                </a:tc>
+                <a:tc>
+                  <a:txBody>
+                    <a:bodyPr/>
+                    <a:lstStyle/>
+                    <a:p>
+                      <a:pPr algn="ctr"/>
+                      <a:r>
+                        <a:rPr lang="ru-RU" dirty="0"/>
+                        <a:t>202.1</a:t>
+                      </a:r>
+                    </a:p>
+                  </a:txBody>
+                  <a:tcPr anchor="ctr"/>
+                </a:tc>
+                <a:tc>
+                  <a:txBody>
+                    <a:bodyPr/>
+                    <a:lstStyle/>
+                    <a:p>
+                      <a:pPr algn="ctr"/>
+                      <a:r>
+                        <a:rPr lang="ru-RU" dirty="0"/>
+                        <a:t>347.0</a:t>
+                      </a:r>
+                    </a:p>
+                  </a:txBody>
+                  <a:tcPr anchor="ctr"/>
+                </a:tc>
+                <a:tc>
+                  <a:txBody>
+                    <a:bodyPr/>
+                    <a:lstStyle/>
+                    <a:p>
+                      <a:pPr algn="ctr"/>
+                      <a:r>
+                        <a:rPr lang="ru-RU" dirty="0"/>
+                        <a:t>0.469</a:t>
+                      </a:r>
+                    </a:p>
+                  </a:txBody>
+                  <a:tcPr anchor="ctr"/>
+                </a:tc>
+                <a:extLst>
+                  <a:ext uri="{0D108BD9-81ED-4DB2-BD59-A6C34878D82A}">
+                    <a16:rowId xmlns:a16="http://schemas.microsoft.com/office/drawing/2014/main" val="2362978389"/>
+                  </a:ext>
+                </a:extLst>
+              </a:tr>
+              <a:tr h="370840">
+                <a:tc>
+                  <a:txBody>
+                    <a:bodyPr/>
+                    <a:lstStyle/>
+                    <a:p>
+                      <a:pPr algn="ctr"/>
+                      <a:r>
+                        <a:rPr lang="en-US" dirty="0"/>
+                        <a:t>90</a:t>
+                      </a:r>
+                      <a:endParaRPr lang="ru-RU" dirty="0"/>
+                    </a:p>
+                  </a:txBody>
+                  <a:tcPr anchor="ctr"/>
+                </a:tc>
+                <a:tc>
+                  <a:txBody>
+                    <a:bodyPr/>
+                    <a:lstStyle/>
+                    <a:p>
+                      <a:pPr algn="ctr"/>
+                      <a:r>
+                        <a:rPr lang="ru-RU" dirty="0"/>
+                        <a:t>-</a:t>
+                      </a:r>
+                    </a:p>
+                  </a:txBody>
+                  <a:tcPr anchor="ctr"/>
+                </a:tc>
+                <a:tc>
+                  <a:txBody>
+                    <a:bodyPr/>
+                    <a:lstStyle/>
+                    <a:p>
+                      <a:pPr algn="ctr"/>
+                      <a:r>
+                        <a:rPr lang="ru-RU" dirty="0"/>
+                        <a:t>658.1</a:t>
+                      </a:r>
+                    </a:p>
+                  </a:txBody>
+                  <a:tcPr anchor="ctr"/>
+                </a:tc>
+                <a:tc>
+                  <a:txBody>
+                    <a:bodyPr/>
+                    <a:lstStyle/>
+                    <a:p>
+                      <a:pPr algn="ctr"/>
+                      <a:r>
+                        <a:rPr lang="ru-RU" dirty="0"/>
+                        <a:t>987.7</a:t>
+                      </a:r>
+                    </a:p>
+                  </a:txBody>
+                  <a:tcPr anchor="ctr"/>
+                </a:tc>
+                <a:tc>
+                  <a:txBody>
+                    <a:bodyPr/>
+                    <a:lstStyle/>
+                    <a:p>
+                      <a:pPr algn="ctr"/>
+                      <a:r>
+                        <a:rPr lang="ru-RU" dirty="0"/>
+                        <a:t>0.477</a:t>
+                      </a:r>
+                    </a:p>
+                  </a:txBody>
+                  <a:tcPr anchor="ctr"/>
+                </a:tc>
+                <a:extLst>
+                  <a:ext uri="{0D108BD9-81ED-4DB2-BD59-A6C34878D82A}">
+                    <a16:rowId xmlns:a16="http://schemas.microsoft.com/office/drawing/2014/main" val="2706424814"/>
+                  </a:ext>
+                </a:extLst>
+              </a:tr>
+            </a:tbl>
+          </a:graphicData>
+        </a:graphic>
+      </p:graphicFrame>
+      <p:sp>
+        <p:nvSpPr>
+          <p:cNvPr id="6" name="TextBox 5">
+            <a:extLst>
+              <a:ext uri="{FF2B5EF4-FFF2-40B4-BE49-F238E27FC236}">
+                <a16:creationId xmlns:a16="http://schemas.microsoft.com/office/drawing/2014/main" id="{681F0687-91F4-404D-B4A0-F1C0F6C92EC9}"/>
+              </a:ext>
+            </a:extLst>
+          </p:cNvPr>
+          <p:cNvSpPr txBox="1"/>
+          <p:nvPr/>
+        </p:nvSpPr>
+        <p:spPr>
+          <a:xfrm>
+            <a:off x="838200" y="5986019"/>
+            <a:ext cx="7884695" cy="369332"/>
+          </a:xfrm>
+          <a:prstGeom prst="rect">
+            <a:avLst/>
+          </a:prstGeom>
+          <a:noFill/>
+        </p:spPr>
+        <p:txBody>
+          <a:bodyPr wrap="square" rtlCol="0" anchor="ctr">
+            <a:spAutoFit/>
+          </a:bodyPr>
+          <a:lstStyle/>
+          <a:p>
+            <a:r>
+              <a:rPr lang="ru-RU" dirty="0">
+                <a:latin typeface="fkGroteskNeue"/>
+                <a:hlinkClick r:id="rId2"/>
+              </a:rPr>
+              <a:t>Полная таблица</a:t>
+            </a:r>
+            <a:endParaRPr lang="ru-RU" dirty="0">
+              <a:latin typeface="fkGroteskNeue"/>
+            </a:endParaRPr>
+          </a:p>
+        </p:txBody>
+      </p:sp>
+    </p:spTree>
+    <p:extLst>
+      <p:ext uri="{BB962C8B-B14F-4D97-AF65-F5344CB8AC3E}">
+        <p14:creationId xmlns:p14="http://schemas.microsoft.com/office/powerpoint/2010/main" val="1262261505"/>
       </p:ext>
     </p:extLst>
   </p:cSld>
@@ -6742,7 +7640,7 @@
                   <a:schemeClr val="bg1"/>
                 </a:solidFill>
               </a:rPr>
-              <a:t>Ручное сравнение</a:t>
+              <a:t>Автоматическое сравнение</a:t>
             </a:r>
           </a:p>
         </p:txBody>
@@ -6778,12 +7676,49 @@
             <a:pPr marL="0" indent="0">
               <a:buNone/>
             </a:pPr>
-            <a:r>
-              <a:rPr lang="ru-RU" b="0" i="0" dirty="0">
-                <a:effectLst/>
-                <a:latin typeface="fkGroteskNeue"/>
-              </a:rPr>
-              <a:t>Анализ показывает, что на малых входах </a:t>
+            <a:endParaRPr lang="ru-RU" b="0" i="0" dirty="0">
+              <a:effectLst/>
+              <a:latin typeface="fkGroteskNeue"/>
+            </a:endParaRPr>
+          </a:p>
+          <a:p>
+            <a:pPr marL="0" indent="0">
+              <a:buNone/>
+            </a:pPr>
+            <a:r>
+              <a:rPr lang="ru-RU" b="0" i="0" dirty="0">
+                <a:effectLst/>
+                <a:latin typeface="fkGroteskNeue"/>
+              </a:rPr>
+              <a:t>Анализ данных выявляет критическую точку между n=</a:t>
+            </a:r>
+            <a:r>
+              <a:rPr lang="en-US" b="0" i="0" dirty="0">
+                <a:effectLst/>
+                <a:latin typeface="fkGroteskNeue"/>
+              </a:rPr>
+              <a:t>10</a:t>
+            </a:r>
+            <a:r>
+              <a:rPr lang="ru-RU" b="0" i="0" dirty="0">
+                <a:effectLst/>
+                <a:latin typeface="fkGroteskNeue"/>
+              </a:rPr>
+              <a:t> и n=1</a:t>
+            </a:r>
+            <a:r>
+              <a:rPr lang="en-US" b="0" i="0" dirty="0">
+                <a:effectLst/>
+                <a:latin typeface="fkGroteskNeue"/>
+              </a:rPr>
+              <a:t>2</a:t>
+            </a:r>
+            <a:r>
+              <a:rPr lang="ru-RU" b="0" i="0" dirty="0">
+                <a:effectLst/>
+                <a:latin typeface="fkGroteskNeue"/>
+              </a:rPr>
+              <a:t>, где </a:t>
             </a:r>
             <a:r>
               <a:rPr lang="ru-RU" b="0" i="0" dirty="0" err="1">
@@ -6797,35 +7732,60 @@
                 <a:effectLst/>
                 <a:latin typeface="fkGroteskNeue"/>
               </a:rPr>
-              <a:t> часто быстрее Z3 из-за накладных расходов инициализации Z3 (</a:t>
+              <a:t> начинает демонстрировать экспоненциальный рост временной сложности, соответствующий предсказанной теоретической O(2ⁿ) сложности. </a:t>
+            </a:r>
+          </a:p>
+          <a:p>
+            <a:pPr marL="0" indent="0">
+              <a:buNone/>
+            </a:pPr>
+            <a:r>
+              <a:rPr lang="ru-RU" b="0" i="0" dirty="0">
+                <a:effectLst/>
+                <a:latin typeface="fkGroteskNeue"/>
+              </a:rPr>
+              <a:t>На n=2</a:t>
+            </a:r>
+            <a:r>
+              <a:rPr lang="en-US" b="0" i="0" dirty="0">
+                <a:effectLst/>
+                <a:latin typeface="fkGroteskNeue"/>
+              </a:rPr>
+              <a:t>2</a:t>
+            </a:r>
+            <a:r>
+              <a:rPr lang="ru-RU" b="0" i="0" dirty="0">
+                <a:effectLst/>
+                <a:latin typeface="fkGroteskNeue"/>
+              </a:rPr>
+              <a:t> Z3 превосходит </a:t>
             </a:r>
             <a:r>
               <a:rPr lang="ru-RU" b="0" i="0" dirty="0" err="1">
                 <a:effectLst/>
                 <a:latin typeface="fkGroteskNeue"/>
               </a:rPr>
-              <a:t>парсинг</a:t>
-            </a:r>
-            <a:r>
-              <a:rPr lang="ru-RU" b="0" i="0" dirty="0">
-                <a:effectLst/>
-                <a:latin typeface="fkGroteskNeue"/>
-              </a:rPr>
-              <a:t>, инициализация </a:t>
-            </a:r>
-            <a:r>
-              <a:rPr lang="ru-RU" b="0" i="0" dirty="0" err="1">
-                <a:effectLst/>
-                <a:latin typeface="fkGroteskNeue"/>
-              </a:rPr>
-              <a:t>Solver</a:t>
-            </a:r>
-            <a:r>
-              <a:rPr lang="ru-RU" b="0" i="0" dirty="0">
-                <a:effectLst/>
-                <a:latin typeface="fkGroteskNeue"/>
-              </a:rPr>
-              <a:t>, построение внутренних структур данных). Однако наблюдается высокая вариативность Z3, что объясняется сложностью конкретной формулы и эффективностью применяемых эвристик.</a:t>
+              <a:t>брутфорс</a:t>
+            </a:r>
+            <a:r>
+              <a:rPr lang="ru-RU" b="0" i="0" dirty="0">
+                <a:effectLst/>
+                <a:latin typeface="fkGroteskNeue"/>
+              </a:rPr>
+              <a:t> в </a:t>
+            </a:r>
+            <a:r>
+              <a:rPr lang="ru-RU" dirty="0">
+                <a:latin typeface="fkGroteskNeue"/>
+              </a:rPr>
+              <a:t>тысячи</a:t>
+            </a:r>
+            <a:r>
+              <a:rPr lang="ru-RU" b="0" i="0" dirty="0">
+                <a:effectLst/>
+                <a:latin typeface="fkGroteskNeue"/>
+              </a:rPr>
+              <a:t> раз. Z3 демонстрирует практически константное время выполнения (0.2-0.4 мс) независимо от n.</a:t>
             </a:r>
           </a:p>
           <a:p>
@@ -6833,11 +7793,40 @@
               <a:buNone/>
             </a:pPr>
             <a:r>
-              <a:rPr lang="ru-RU" b="0" i="0" dirty="0">
-                <a:effectLst/>
-                <a:latin typeface="fkGroteskNeue"/>
-              </a:rPr>
-              <a:t>На примере № 8 видно, что при простой логической эквивалентности Z3 показывает превосходство. Эти результаты иллюстрируют существование точки пересечения, после которой CDCL-подход становится доминирующим.</a:t>
+              <a:rPr lang="ru-RU" dirty="0">
+                <a:latin typeface="fkGroteskNeue"/>
+              </a:rPr>
+              <a:t>Учебные версии </a:t>
+            </a:r>
+            <a:r>
+              <a:rPr lang="en-US" dirty="0">
+                <a:latin typeface="fkGroteskNeue"/>
+              </a:rPr>
+              <a:t>DPLL </a:t>
+            </a:r>
+            <a:r>
+              <a:rPr lang="ru-RU" dirty="0">
+                <a:latin typeface="fkGroteskNeue"/>
+              </a:rPr>
+              <a:t>и </a:t>
+            </a:r>
+            <a:r>
+              <a:rPr lang="en-US" dirty="0">
+                <a:latin typeface="fkGroteskNeue"/>
+              </a:rPr>
+              <a:t>CDCL </a:t>
+            </a:r>
+            <a:r>
+              <a:rPr lang="ru-RU" dirty="0">
+                <a:latin typeface="fkGroteskNeue"/>
+              </a:rPr>
+              <a:t>также демонстрируют отличное время, но заметен рост времени с ростом </a:t>
+            </a:r>
+            <a:r>
+              <a:rPr lang="en-US" dirty="0">
+                <a:latin typeface="fkGroteskNeue"/>
+              </a:rPr>
+              <a:t>n.</a:t>
             </a:r>
             <a:endParaRPr lang="ru-RU" dirty="0"/>
           </a:p>
@@ -6848,7 +7837,7 @@
           <p:cNvPr id="5" name="Номер слайда 4">
             <a:extLst>
               <a:ext uri="{FF2B5EF4-FFF2-40B4-BE49-F238E27FC236}">
-                <a16:creationId xmlns:a16="http://schemas.microsoft.com/office/drawing/2014/main" id="{D8B48195-C63F-4F12-A718-4C6E839887E4}"/>
+                <a16:creationId xmlns:a16="http://schemas.microsoft.com/office/drawing/2014/main" id="{08B91326-A240-4ECF-862C-8E973625B25B}"/>
               </a:ext>
             </a:extLst>
           </p:cNvPr>
@@ -6875,7 +7864,7 @@
     </p:spTree>
     <p:extLst>
       <p:ext uri="{BB962C8B-B14F-4D97-AF65-F5344CB8AC3E}">
-        <p14:creationId xmlns:p14="http://schemas.microsoft.com/office/powerpoint/2010/main" val="719907022"/>
+        <p14:creationId xmlns:p14="http://schemas.microsoft.com/office/powerpoint/2010/main" val="380996662"/>
       </p:ext>
     </p:extLst>
   </p:cSld>
@@ -6936,267 +7925,96 @@
                   <a:schemeClr val="bg1"/>
                 </a:solidFill>
               </a:rPr>
-              <a:t>Автоматическое сравнение</a:t>
-            </a:r>
-          </a:p>
-        </p:txBody>
-      </p:sp>
-      <p:sp>
-        <p:nvSpPr>
-          <p:cNvPr id="3" name="Объект 2">
+              <a:t>График сравнения</a:t>
+            </a:r>
+          </a:p>
+        </p:txBody>
+      </p:sp>
+      <p:pic>
+        <p:nvPicPr>
+          <p:cNvPr id="9" name="Рисунок 8">
             <a:extLst>
               <a:ext uri="{FF2B5EF4-FFF2-40B4-BE49-F238E27FC236}">
-                <a16:creationId xmlns:a16="http://schemas.microsoft.com/office/drawing/2014/main" id="{EF1A858C-C156-B159-B6C9-F121B8D996B9}"/>
+                <a16:creationId xmlns:a16="http://schemas.microsoft.com/office/drawing/2014/main" id="{7C1A45A6-5423-3701-984B-3E74D0929AEE}"/>
               </a:ext>
             </a:extLst>
           </p:cNvPr>
-          <p:cNvSpPr>
-            <a:spLocks noGrp="1"/>
-          </p:cNvSpPr>
-          <p:nvPr>
-            <p:ph idx="1"/>
-          </p:nvPr>
-        </p:nvSpPr>
+          <p:cNvPicPr>
+            <a:picLocks noChangeAspect="1"/>
+          </p:cNvPicPr>
+          <p:nvPr/>
+        </p:nvPicPr>
+        <p:blipFill rotWithShape="1">
+          <a:blip r:embed="rId2">
+            <a:extLst>
+              <a:ext uri="{28A0092B-C50C-407E-A947-70E740481C1C}">
+                <a14:useLocalDpi xmlns:a14="http://schemas.microsoft.com/office/drawing/2010/main" val="0"/>
+              </a:ext>
+            </a:extLst>
+          </a:blip>
+          <a:srcRect t="5998"/>
+          <a:stretch/>
+        </p:blipFill>
         <p:spPr>
           <a:xfrm>
-            <a:off x="838200" y="1825625"/>
-            <a:ext cx="10515600" cy="4618718"/>
+            <a:off x="2283292" y="1395663"/>
+            <a:ext cx="7625416" cy="4300833"/>
           </a:xfrm>
+          <a:prstGeom prst="rect">
+            <a:avLst/>
+          </a:prstGeom>
         </p:spPr>
-        <p:txBody>
-          <a:bodyPr>
-            <a:normAutofit/>
-          </a:bodyPr>
-          <a:lstStyle/>
-          <a:p>
-            <a:pPr marL="0" indent="0">
-              <a:buNone/>
-            </a:pPr>
-            <a:r>
-              <a:rPr lang="ru-RU" b="0" i="0" dirty="0">
-                <a:effectLst/>
-                <a:latin typeface="fkGroteskNeue"/>
-              </a:rPr>
-              <a:t>Основной набор экспериментов включал бенчмарки на формулах с числом переменных от 2 до 25. Результаты (средние значения из 30 проходов): </a:t>
-            </a:r>
-          </a:p>
-          <a:p>
-            <a:pPr marL="0" indent="0">
-              <a:buNone/>
-            </a:pPr>
-            <a:r>
-              <a:rPr lang="ru-RU" b="0" i="0" dirty="0">
-                <a:effectLst/>
-                <a:latin typeface="fkGroteskNeue"/>
-              </a:rPr>
-              <a:t>n=10: </a:t>
-            </a:r>
-            <a:r>
-              <a:rPr lang="ru-RU" b="0" i="0" dirty="0" err="1">
-                <a:effectLst/>
-                <a:latin typeface="fkGroteskNeue"/>
-              </a:rPr>
-              <a:t>brute</a:t>
-            </a:r>
-            <a:r>
-              <a:rPr lang="ru-RU" b="0" i="0" dirty="0">
-                <a:effectLst/>
-                <a:latin typeface="fkGroteskNeue"/>
-              </a:rPr>
-              <a:t> </a:t>
-            </a:r>
-            <a:r>
-              <a:rPr lang="ru-RU" b="0" i="0" dirty="0" err="1">
-                <a:effectLst/>
-                <a:latin typeface="fkGroteskNeue"/>
-              </a:rPr>
-              <a:t>force</a:t>
-            </a:r>
-            <a:r>
-              <a:rPr lang="ru-RU" b="0" i="0" dirty="0">
-                <a:effectLst/>
-                <a:latin typeface="fkGroteskNeue"/>
-              </a:rPr>
-              <a:t> = 0.117 мс, Z3 = 0.345 мс;</a:t>
-            </a:r>
-          </a:p>
-          <a:p>
-            <a:pPr marL="0" indent="0">
-              <a:buNone/>
-            </a:pPr>
-            <a:r>
-              <a:rPr lang="ru-RU" b="0" i="0" dirty="0">
-                <a:effectLst/>
-                <a:latin typeface="fkGroteskNeue"/>
-              </a:rPr>
-              <a:t>n=15: </a:t>
-            </a:r>
-            <a:r>
-              <a:rPr lang="ru-RU" b="0" i="0" dirty="0" err="1">
-                <a:effectLst/>
-                <a:latin typeface="fkGroteskNeue"/>
-              </a:rPr>
-              <a:t>brute</a:t>
-            </a:r>
-            <a:r>
-              <a:rPr lang="ru-RU" b="0" i="0" dirty="0">
-                <a:effectLst/>
-                <a:latin typeface="fkGroteskNeue"/>
-              </a:rPr>
-              <a:t> </a:t>
-            </a:r>
-            <a:r>
-              <a:rPr lang="ru-RU" b="0" i="0" dirty="0" err="1">
-                <a:effectLst/>
-                <a:latin typeface="fkGroteskNeue"/>
-              </a:rPr>
-              <a:t>force</a:t>
-            </a:r>
-            <a:r>
-              <a:rPr lang="ru-RU" b="0" i="0" dirty="0">
-                <a:effectLst/>
-                <a:latin typeface="fkGroteskNeue"/>
-              </a:rPr>
-              <a:t> = 1.164 мс, Z3 = 0.331 мс; </a:t>
-            </a:r>
-          </a:p>
-          <a:p>
-            <a:pPr marL="0" indent="0">
-              <a:buNone/>
-            </a:pPr>
-            <a:r>
-              <a:rPr lang="ru-RU" b="0" i="0" dirty="0">
-                <a:effectLst/>
-                <a:latin typeface="fkGroteskNeue"/>
-              </a:rPr>
-              <a:t>n=17: </a:t>
-            </a:r>
-            <a:r>
-              <a:rPr lang="ru-RU" b="0" i="0" dirty="0" err="1">
-                <a:effectLst/>
-                <a:latin typeface="fkGroteskNeue"/>
-              </a:rPr>
-              <a:t>brute</a:t>
-            </a:r>
-            <a:r>
-              <a:rPr lang="ru-RU" b="0" i="0" dirty="0">
-                <a:effectLst/>
-                <a:latin typeface="fkGroteskNeue"/>
-              </a:rPr>
-              <a:t> </a:t>
-            </a:r>
-            <a:r>
-              <a:rPr lang="ru-RU" b="0" i="0" dirty="0" err="1">
-                <a:effectLst/>
-                <a:latin typeface="fkGroteskNeue"/>
-              </a:rPr>
-              <a:t>force</a:t>
-            </a:r>
-            <a:r>
-              <a:rPr lang="ru-RU" b="0" i="0" dirty="0">
-                <a:effectLst/>
-                <a:latin typeface="fkGroteskNeue"/>
-              </a:rPr>
-              <a:t> = 6.220 мс, Z3 = 0.346 мс;</a:t>
-            </a:r>
-          </a:p>
-          <a:p>
-            <a:pPr marL="0" indent="0">
-              <a:buNone/>
-            </a:pPr>
-            <a:r>
-              <a:rPr lang="ru-RU" b="0" i="0" dirty="0">
-                <a:effectLst/>
-                <a:latin typeface="fkGroteskNeue"/>
-              </a:rPr>
-              <a:t>n=19: </a:t>
-            </a:r>
-            <a:r>
-              <a:rPr lang="ru-RU" b="0" i="0" dirty="0" err="1">
-                <a:effectLst/>
-                <a:latin typeface="fkGroteskNeue"/>
-              </a:rPr>
-              <a:t>brute</a:t>
-            </a:r>
-            <a:r>
-              <a:rPr lang="ru-RU" b="0" i="0" dirty="0">
-                <a:effectLst/>
-                <a:latin typeface="fkGroteskNeue"/>
-              </a:rPr>
-              <a:t> </a:t>
-            </a:r>
-            <a:r>
-              <a:rPr lang="ru-RU" b="0" i="0" dirty="0" err="1">
-                <a:effectLst/>
-                <a:latin typeface="fkGroteskNeue"/>
-              </a:rPr>
-              <a:t>force</a:t>
-            </a:r>
-            <a:r>
-              <a:rPr lang="ru-RU" b="0" i="0" dirty="0">
-                <a:effectLst/>
-                <a:latin typeface="fkGroteskNeue"/>
-              </a:rPr>
-              <a:t> = 19.309 мс, Z3 = 0.321 мс;</a:t>
-            </a:r>
-          </a:p>
-          <a:p>
-            <a:pPr marL="0" indent="0">
-              <a:buNone/>
-            </a:pPr>
-            <a:r>
-              <a:rPr lang="ru-RU" b="0" i="0" dirty="0">
-                <a:effectLst/>
-                <a:latin typeface="fkGroteskNeue"/>
-              </a:rPr>
-              <a:t>n=20: </a:t>
-            </a:r>
-            <a:r>
-              <a:rPr lang="ru-RU" b="0" i="0" dirty="0" err="1">
-                <a:effectLst/>
-                <a:latin typeface="fkGroteskNeue"/>
-              </a:rPr>
-              <a:t>brute</a:t>
-            </a:r>
-            <a:r>
-              <a:rPr lang="ru-RU" b="0" i="0" dirty="0">
-                <a:effectLst/>
-                <a:latin typeface="fkGroteskNeue"/>
-              </a:rPr>
-              <a:t> </a:t>
-            </a:r>
-            <a:r>
-              <a:rPr lang="ru-RU" b="0" i="0" dirty="0" err="1">
-                <a:effectLst/>
-                <a:latin typeface="fkGroteskNeue"/>
-              </a:rPr>
-              <a:t>force</a:t>
-            </a:r>
-            <a:r>
-              <a:rPr lang="ru-RU" b="0" i="0" dirty="0">
-                <a:effectLst/>
-                <a:latin typeface="fkGroteskNeue"/>
-              </a:rPr>
-              <a:t> = 15.168 мс, Z3 = 0.360 мс;</a:t>
-            </a:r>
-          </a:p>
-          <a:p>
-            <a:pPr marL="0" indent="0">
-              <a:buNone/>
-            </a:pPr>
-            <a:endParaRPr lang="ru-RU" b="0" i="0" dirty="0">
-              <a:effectLst/>
-              <a:latin typeface="fkGroteskNeue"/>
-            </a:endParaRPr>
-          </a:p>
-        </p:txBody>
-      </p:sp>
-      <p:sp>
-        <p:nvSpPr>
-          <p:cNvPr id="5" name="Номер слайда 4">
+      </p:pic>
+      <p:sp>
+        <p:nvSpPr>
+          <p:cNvPr id="10" name="TextBox 9">
             <a:extLst>
               <a:ext uri="{FF2B5EF4-FFF2-40B4-BE49-F238E27FC236}">
-                <a16:creationId xmlns:a16="http://schemas.microsoft.com/office/drawing/2014/main" id="{602A2F1F-0D0F-4B1E-9DF2-007B1B928C21}"/>
+                <a16:creationId xmlns:a16="http://schemas.microsoft.com/office/drawing/2014/main" id="{85A32219-7E12-F0D8-E972-007704B22F27}"/>
+              </a:ext>
+            </a:extLst>
+          </p:cNvPr>
+          <p:cNvSpPr txBox="1"/>
+          <p:nvPr/>
+        </p:nvSpPr>
+        <p:spPr>
+          <a:xfrm>
+            <a:off x="1651905" y="5696496"/>
+            <a:ext cx="9073243" cy="400110"/>
+          </a:xfrm>
+          <a:prstGeom prst="rect">
+            <a:avLst/>
+          </a:prstGeom>
+          <a:noFill/>
+        </p:spPr>
+        <p:txBody>
+          <a:bodyPr wrap="square" rtlCol="0">
+            <a:spAutoFit/>
+          </a:bodyPr>
+          <a:lstStyle/>
+          <a:p>
+            <a:pPr algn="ctr"/>
+            <a:r>
+              <a:rPr lang="ru-RU" sz="2000" dirty="0"/>
+              <a:t>График зависимости времени выполнения от числа </a:t>
+            </a:r>
+            <a:r>
+              <a:rPr lang="ru-RU" sz="2000" dirty="0" err="1"/>
+              <a:t>входовых</a:t>
+            </a:r>
+            <a:r>
+              <a:rPr lang="ru-RU" sz="2000" dirty="0"/>
+              <a:t> переменных</a:t>
+            </a:r>
+          </a:p>
+        </p:txBody>
+      </p:sp>
+      <p:sp>
+        <p:nvSpPr>
+          <p:cNvPr id="4" name="Номер слайда 3">
+            <a:extLst>
+              <a:ext uri="{FF2B5EF4-FFF2-40B4-BE49-F238E27FC236}">
+                <a16:creationId xmlns:a16="http://schemas.microsoft.com/office/drawing/2014/main" id="{F4AB321F-351E-47DB-82CC-C73189F1A264}"/>
               </a:ext>
             </a:extLst>
           </p:cNvPr>
@@ -7223,7 +8041,7 @@
     </p:spTree>
     <p:extLst>
       <p:ext uri="{BB962C8B-B14F-4D97-AF65-F5344CB8AC3E}">
-        <p14:creationId xmlns:p14="http://schemas.microsoft.com/office/powerpoint/2010/main" val="1262261505"/>
+        <p14:creationId xmlns:p14="http://schemas.microsoft.com/office/powerpoint/2010/main" val="2161295793"/>
       </p:ext>
     </p:extLst>
   </p:cSld>
@@ -7284,7 +8102,7 @@
                   <a:schemeClr val="bg1"/>
                 </a:solidFill>
               </a:rPr>
-              <a:t>Автоматическое сравнение</a:t>
+              <a:t>Анализ графика</a:t>
             </a:r>
           </a:p>
         </p:txBody>
@@ -7325,7 +8143,32 @@
                 <a:effectLst/>
                 <a:latin typeface="fkGroteskNeue"/>
               </a:rPr>
-              <a:t>n=25: </a:t>
+              <a:t>Визуализация результатов на графике с логарифмической шкалой времени выявляет контрастные характеристики </a:t>
+            </a:r>
+            <a:r>
+              <a:rPr lang="ru-RU" dirty="0">
+                <a:latin typeface="fkGroteskNeue"/>
+              </a:rPr>
+              <a:t>четырёх </a:t>
+            </a:r>
+            <a:r>
+              <a:rPr lang="ru-RU" b="0" i="0" dirty="0">
+                <a:effectLst/>
+                <a:latin typeface="fkGroteskNeue"/>
+              </a:rPr>
+              <a:t>подходов.</a:t>
+            </a:r>
+          </a:p>
+          <a:p>
+            <a:pPr marL="0" indent="0">
+              <a:buNone/>
+            </a:pPr>
+            <a:r>
+              <a:rPr lang="ru-RU" b="0" i="0" dirty="0">
+                <a:effectLst/>
+                <a:latin typeface="fkGroteskNeue"/>
+              </a:rPr>
+              <a:t>Кривая </a:t>
             </a:r>
             <a:r>
               <a:rPr lang="ru-RU" b="0" i="0" dirty="0" err="1">
@@ -7353,7 +8196,7 @@
                 <a:effectLst/>
                 <a:latin typeface="fkGroteskNeue"/>
               </a:rPr>
-              <a:t> = 124.952 мс, Z3 = 0.291 мс.</a:t>
+              <a:t> демонстрирует характерный для O(2ⁿ) функции вид: резкое экспоненциальное возрастание.</a:t>
             </a:r>
           </a:p>
           <a:p>
@@ -7365,21 +8208,21 @@
                 <a:effectLst/>
                 <a:latin typeface="fkGroteskNeue"/>
               </a:rPr>
-              <a:t>Анализ данных выявляет критическую точку между n=13 и n=15, где </a:t>
+              <a:t>Кривая Z3 проявляет </a:t>
             </a:r>
             <a:r>
               <a:rPr lang="ru-RU" b="0" i="0" dirty="0" err="1">
                 <a:effectLst/>
                 <a:latin typeface="fkGroteskNeue"/>
               </a:rPr>
-              <a:t>брутфорс</a:t>
-            </a:r>
-            <a:r>
-              <a:rPr lang="ru-RU" b="0" i="0" dirty="0">
-                <a:effectLst/>
-                <a:latin typeface="fkGroteskNeue"/>
-              </a:rPr>
-              <a:t> начинает демонстрировать экспоненциальный рост временной сложности, соответствующий предсказанной теоретической O(2ⁿ) сложности. </a:t>
+              <a:t>субэкспоненциальное</a:t>
+            </a:r>
+            <a:r>
+              <a:rPr lang="ru-RU" b="0" i="0" dirty="0">
+                <a:effectLst/>
+                <a:latin typeface="fkGroteskNeue"/>
+              </a:rPr>
+              <a:t> поведение: практически горизонтальная на всём диапазоне с малой вариативностью.</a:t>
             </a:r>
           </a:p>
           <a:p>
@@ -7387,27 +8230,39 @@
               <a:buNone/>
             </a:pPr>
             <a:r>
-              <a:rPr lang="ru-RU" b="0" i="0" dirty="0">
-                <a:effectLst/>
-                <a:latin typeface="fkGroteskNeue"/>
-              </a:rPr>
-              <a:t>На n=25 Z3 превосходит </a:t>
-            </a:r>
-            <a:r>
-              <a:rPr lang="ru-RU" b="0" i="0" dirty="0" err="1">
-                <a:effectLst/>
-                <a:latin typeface="fkGroteskNeue"/>
-              </a:rPr>
-              <a:t>брутфорс</a:t>
-            </a:r>
-            <a:r>
-              <a:rPr lang="ru-RU" b="0" i="0" dirty="0">
-                <a:effectLst/>
-                <a:latin typeface="fkGroteskNeue"/>
-              </a:rPr>
-              <a:t> в 400 раз. Z3 демонстрирует практически константное время выполнения (0.2-0.4 мс) независимо от n, что подтверждает эффективность CDCL-алгоритма при работе с реальными формулами.</a:t>
-            </a:r>
-            <a:endParaRPr lang="ru-RU" dirty="0"/>
+              <a:rPr lang="ru-RU" dirty="0">
+                <a:latin typeface="fkGroteskNeue"/>
+              </a:rPr>
+              <a:t>Учебные </a:t>
+            </a:r>
+            <a:r>
+              <a:rPr lang="en-US" dirty="0">
+                <a:latin typeface="fkGroteskNeue"/>
+              </a:rPr>
+              <a:t>DPLL </a:t>
+            </a:r>
+            <a:r>
+              <a:rPr lang="ru-RU" dirty="0">
+                <a:latin typeface="fkGroteskNeue"/>
+              </a:rPr>
+              <a:t>и </a:t>
+            </a:r>
+            <a:r>
+              <a:rPr lang="en-US" dirty="0">
+                <a:latin typeface="fkGroteskNeue"/>
+              </a:rPr>
+              <a:t>CDCL </a:t>
+            </a:r>
+            <a:r>
+              <a:rPr lang="ru-RU" dirty="0">
+                <a:latin typeface="fkGroteskNeue"/>
+              </a:rPr>
+              <a:t>растут с небольшой скоростью.</a:t>
+            </a:r>
+            <a:endParaRPr lang="ru-RU" b="0" i="0" dirty="0">
+              <a:effectLst/>
+              <a:latin typeface="fkGroteskNeue"/>
+            </a:endParaRPr>
           </a:p>
         </p:txBody>
       </p:sp>
@@ -7416,7 +8271,7 @@
           <p:cNvPr id="5" name="Номер слайда 4">
             <a:extLst>
               <a:ext uri="{FF2B5EF4-FFF2-40B4-BE49-F238E27FC236}">
-                <a16:creationId xmlns:a16="http://schemas.microsoft.com/office/drawing/2014/main" id="{08B91326-A240-4ECF-862C-8E973625B25B}"/>
+                <a16:creationId xmlns:a16="http://schemas.microsoft.com/office/drawing/2014/main" id="{F0DBAE94-8F3E-4894-96DC-F958E6CC7930}"/>
               </a:ext>
             </a:extLst>
           </p:cNvPr>
@@ -7443,7 +8298,7 @@
     </p:spTree>
     <p:extLst>
       <p:ext uri="{BB962C8B-B14F-4D97-AF65-F5344CB8AC3E}">
-        <p14:creationId xmlns:p14="http://schemas.microsoft.com/office/powerpoint/2010/main" val="380996662"/>
+        <p14:creationId xmlns:p14="http://schemas.microsoft.com/office/powerpoint/2010/main" val="3287134601"/>
       </p:ext>
     </p:extLst>
   </p:cSld>
@@ -7504,97 +8359,98 @@
                   <a:schemeClr val="bg1"/>
                 </a:solidFill>
               </a:rPr>
-              <a:t>График сравнения</a:t>
-            </a:r>
-          </a:p>
-        </p:txBody>
-      </p:sp>
-      <p:pic>
-        <p:nvPicPr>
-          <p:cNvPr id="9" name="Рисунок 8" descr="График сравнения времени от количества входов">
+              <a:t>Анализ графика</a:t>
+            </a:r>
+          </a:p>
+        </p:txBody>
+      </p:sp>
+      <p:sp>
+        <p:nvSpPr>
+          <p:cNvPr id="3" name="Объект 2">
             <a:extLst>
               <a:ext uri="{FF2B5EF4-FFF2-40B4-BE49-F238E27FC236}">
-                <a16:creationId xmlns:a16="http://schemas.microsoft.com/office/drawing/2014/main" id="{7C1A45A6-5423-3701-984B-3E74D0929AEE}"/>
+                <a16:creationId xmlns:a16="http://schemas.microsoft.com/office/drawing/2014/main" id="{EF1A858C-C156-B159-B6C9-F121B8D996B9}"/>
               </a:ext>
             </a:extLst>
           </p:cNvPr>
-          <p:cNvPicPr>
-            <a:picLocks noChangeAspect="1"/>
-          </p:cNvPicPr>
-          <p:nvPr/>
-        </p:nvPicPr>
-        <p:blipFill>
-          <a:blip r:embed="rId2">
-            <a:extLst>
-              <a:ext uri="{28A0092B-C50C-407E-A947-70E740481C1C}">
-                <a14:useLocalDpi xmlns:a14="http://schemas.microsoft.com/office/drawing/2010/main" val="0"/>
-              </a:ext>
-            </a:extLst>
-          </a:blip>
-          <a:stretch>
-            <a:fillRect/>
-          </a:stretch>
-        </p:blipFill>
+          <p:cNvSpPr>
+            <a:spLocks noGrp="1"/>
+          </p:cNvSpPr>
+          <p:nvPr>
+            <p:ph idx="1"/>
+          </p:nvPr>
+        </p:nvSpPr>
         <p:spPr>
           <a:xfrm>
-            <a:off x="3169914" y="1234435"/>
-            <a:ext cx="5852172" cy="4389129"/>
+            <a:off x="838200" y="1825625"/>
+            <a:ext cx="10515600" cy="4618718"/>
           </a:xfrm>
-          <a:prstGeom prst="rect">
-            <a:avLst/>
-          </a:prstGeom>
         </p:spPr>
-      </p:pic>
-      <p:sp>
-        <p:nvSpPr>
-          <p:cNvPr id="10" name="TextBox 9">
+        <p:txBody>
+          <a:bodyPr>
+            <a:normAutofit/>
+          </a:bodyPr>
+          <a:lstStyle/>
+          <a:p>
+            <a:pPr marL="0" indent="0">
+              <a:buNone/>
+            </a:pPr>
+            <a:r>
+              <a:rPr lang="ru-RU" b="0" i="0" dirty="0">
+                <a:effectLst/>
+                <a:latin typeface="fkGroteskNeue"/>
+              </a:rPr>
+              <a:t>Это графически демонстрирует качественное различие между подходами: полный перебор </a:t>
+            </a:r>
+            <a:r>
+              <a:rPr lang="ru-RU" b="0" i="0" dirty="0" err="1">
+                <a:effectLst/>
+                <a:latin typeface="fkGroteskNeue"/>
+              </a:rPr>
+              <a:t>экспоненциален</a:t>
+            </a:r>
+            <a:r>
+              <a:rPr lang="ru-RU" b="0" i="0" dirty="0">
+                <a:effectLst/>
+                <a:latin typeface="fkGroteskNeue"/>
+              </a:rPr>
+              <a:t> по определению, тогда как </a:t>
+            </a:r>
+            <a:r>
+              <a:rPr lang="en-US" dirty="0">
+                <a:latin typeface="fkGroteskNeue"/>
+              </a:rPr>
+              <a:t>Z3</a:t>
+            </a:r>
+            <a:r>
+              <a:rPr lang="ru-RU" b="0" i="0" dirty="0">
+                <a:effectLst/>
+                <a:latin typeface="fkGroteskNeue"/>
+              </a:rPr>
+              <a:t> показывает практическую нечувствительность к размеру входа на экземплярах со структурой.</a:t>
+            </a:r>
+          </a:p>
+          <a:p>
+            <a:pPr marL="0" indent="0">
+              <a:buNone/>
+            </a:pPr>
+            <a:r>
+              <a:rPr lang="ru-RU" b="0" i="0" dirty="0">
+                <a:effectLst/>
+                <a:latin typeface="fkGroteskNeue"/>
+              </a:rPr>
+              <a:t>Область пересечения кривых находится при n ≈ 10-12 переменных, что соответствует точке уравновешивания накладных расходов Z3 и превосходства эффективности алгоритма при возрастании сложности.</a:t>
+            </a:r>
+            <a:endParaRPr lang="ru-RU" dirty="0"/>
+          </a:p>
+        </p:txBody>
+      </p:sp>
+      <p:sp>
+        <p:nvSpPr>
+          <p:cNvPr id="5" name="Номер слайда 4">
             <a:extLst>
               <a:ext uri="{FF2B5EF4-FFF2-40B4-BE49-F238E27FC236}">
-                <a16:creationId xmlns:a16="http://schemas.microsoft.com/office/drawing/2014/main" id="{85A32219-7E12-F0D8-E972-007704B22F27}"/>
-              </a:ext>
-            </a:extLst>
-          </p:cNvPr>
-          <p:cNvSpPr txBox="1"/>
-          <p:nvPr/>
-        </p:nvSpPr>
-        <p:spPr>
-          <a:xfrm>
-            <a:off x="1651905" y="5696496"/>
-            <a:ext cx="9073243" cy="400110"/>
-          </a:xfrm>
-          <a:prstGeom prst="rect">
-            <a:avLst/>
-          </a:prstGeom>
-          <a:noFill/>
-        </p:spPr>
-        <p:txBody>
-          <a:bodyPr wrap="square" rtlCol="0">
-            <a:spAutoFit/>
-          </a:bodyPr>
-          <a:lstStyle/>
-          <a:p>
-            <a:pPr algn="ctr"/>
-            <a:r>
-              <a:rPr lang="ru-RU" sz="2000" dirty="0"/>
-              <a:t>График зависимости времени выполнения от числа </a:t>
-            </a:r>
-            <a:r>
-              <a:rPr lang="ru-RU" sz="2000" dirty="0" err="1"/>
-              <a:t>входовых</a:t>
-            </a:r>
-            <a:r>
-              <a:rPr lang="ru-RU" sz="2000" dirty="0"/>
-              <a:t> переменных</a:t>
-            </a:r>
-          </a:p>
-        </p:txBody>
-      </p:sp>
-      <p:sp>
-        <p:nvSpPr>
-          <p:cNvPr id="4" name="Номер слайда 3">
-            <a:extLst>
-              <a:ext uri="{FF2B5EF4-FFF2-40B4-BE49-F238E27FC236}">
-                <a16:creationId xmlns:a16="http://schemas.microsoft.com/office/drawing/2014/main" id="{F4AB321F-351E-47DB-82CC-C73189F1A264}"/>
+                <a16:creationId xmlns:a16="http://schemas.microsoft.com/office/drawing/2014/main" id="{E541CAD4-49F3-4705-BA4A-012A355B437D}"/>
               </a:ext>
             </a:extLst>
           </p:cNvPr>
@@ -7621,7 +8477,7 @@
     </p:spTree>
     <p:extLst>
       <p:ext uri="{BB962C8B-B14F-4D97-AF65-F5344CB8AC3E}">
-        <p14:creationId xmlns:p14="http://schemas.microsoft.com/office/powerpoint/2010/main" val="2161295793"/>
+        <p14:creationId xmlns:p14="http://schemas.microsoft.com/office/powerpoint/2010/main" val="839798794"/>
       </p:ext>
     </p:extLst>
   </p:cSld>
@@ -7682,7 +8538,23 @@
                   <a:schemeClr val="bg1"/>
                 </a:solidFill>
               </a:rPr>
-              <a:t>Анализ графика</a:t>
+              <a:t>Применение </a:t>
+            </a:r>
+            <a:r>
+              <a:rPr lang="en-US" dirty="0">
+                <a:solidFill>
+                  <a:schemeClr val="bg1"/>
+                </a:solidFill>
+              </a:rPr>
+              <a:t>SAT-</a:t>
+            </a:r>
+            <a:r>
+              <a:rPr lang="ru-RU" dirty="0">
+                <a:solidFill>
+                  <a:schemeClr val="bg1"/>
+                </a:solidFill>
+              </a:rPr>
+              <a:t>технологий</a:t>
             </a:r>
           </a:p>
         </p:txBody>
@@ -7723,7 +8595,7 @@
                 <a:effectLst/>
                 <a:latin typeface="fkGroteskNeue"/>
               </a:rPr>
-              <a:t>Визуализация результатов на графике с логарифмической шкалой времени выявляет контрастные характеристики двух подходов.</a:t>
+              <a:t>SAT-решатели используются в критических приложениях современной цифровой индустрии: </a:t>
             </a:r>
           </a:p>
           <a:p>
@@ -7735,14 +8607,14 @@
                 <a:effectLst/>
                 <a:latin typeface="fkGroteskNeue"/>
               </a:rPr>
-              <a:t>Кривая </a:t>
+              <a:t>(1) Верификация аппаратуры (</a:t>
             </a:r>
             <a:r>
               <a:rPr lang="ru-RU" b="0" i="0" dirty="0" err="1">
                 <a:effectLst/>
                 <a:latin typeface="fkGroteskNeue"/>
               </a:rPr>
-              <a:t>brute</a:t>
+              <a:t>Hardware</a:t>
             </a:r>
             <a:r>
               <a:rPr lang="ru-RU" b="0" i="0" dirty="0">
@@ -7756,14 +8628,42 @@
                 <a:effectLst/>
                 <a:latin typeface="fkGroteskNeue"/>
               </a:rPr>
-              <a:t>force</a:t>
-            </a:r>
-            <a:r>
-              <a:rPr lang="ru-RU" b="0" i="0" dirty="0">
-                <a:effectLst/>
-                <a:latin typeface="fkGroteskNeue"/>
-              </a:rPr>
-              <a:t> демонстрирует характерный для O(2ⁿ) функции вид: практически горизонтальная для n ≤ 13, затем резкое экспоненциальное возрастание.</a:t>
+              <a:t>Verification</a:t>
+            </a:r>
+            <a:r>
+              <a:rPr lang="ru-RU" b="0" i="0" dirty="0">
+                <a:effectLst/>
+                <a:latin typeface="fkGroteskNeue"/>
+              </a:rPr>
+              <a:t>) — SAT является основным инструментом при проверке эквивалентности схем (</a:t>
+            </a:r>
+            <a:r>
+              <a:rPr lang="ru-RU" b="0" i="0" dirty="0" err="1">
+                <a:effectLst/>
+                <a:latin typeface="fkGroteskNeue"/>
+              </a:rPr>
+              <a:t>Equivalence</a:t>
+            </a:r>
+            <a:r>
+              <a:rPr lang="ru-RU" b="0" i="0" dirty="0">
+                <a:effectLst/>
+                <a:latin typeface="fkGroteskNeue"/>
+              </a:rPr>
+              <a:t> </a:t>
+            </a:r>
+            <a:r>
+              <a:rPr lang="ru-RU" b="0" i="0" dirty="0" err="1">
+                <a:effectLst/>
+                <a:latin typeface="fkGroteskNeue"/>
+              </a:rPr>
+              <a:t>Checking</a:t>
+            </a:r>
+            <a:r>
+              <a:rPr lang="ru-RU" b="0" i="0" dirty="0">
+                <a:effectLst/>
+                <a:latin typeface="fkGroteskNeue"/>
+              </a:rPr>
+              <a:t>) в процессе проектирования СБИС, что обеспечивает корректность микропроцессоров и других цифровых систем;</a:t>
             </a:r>
           </a:p>
           <a:p>
@@ -7775,21 +8675,21 @@
                 <a:effectLst/>
                 <a:latin typeface="fkGroteskNeue"/>
               </a:rPr>
-              <a:t>Кривая Z3 проявляет </a:t>
+              <a:t>(2) Формальная верификация программного обеспечения (Model </a:t>
             </a:r>
             <a:r>
               <a:rPr lang="ru-RU" b="0" i="0" dirty="0" err="1">
                 <a:effectLst/>
                 <a:latin typeface="fkGroteskNeue"/>
               </a:rPr>
-              <a:t>субэкспоненциальное</a:t>
-            </a:r>
-            <a:r>
-              <a:rPr lang="ru-RU" b="0" i="0" dirty="0">
-                <a:effectLst/>
-                <a:latin typeface="fkGroteskNeue"/>
-              </a:rPr>
-              <a:t> поведение: практически горизонтальная на всём диапазоне с малой вариативностью.</a:t>
+              <a:t>Checking</a:t>
+            </a:r>
+            <a:r>
+              <a:rPr lang="ru-RU" b="0" i="0" dirty="0">
+                <a:effectLst/>
+                <a:latin typeface="fkGroteskNeue"/>
+              </a:rPr>
+              <a:t>) — использование SAT для автоматической проверки моделей систем против спецификаций безопасности;</a:t>
             </a:r>
           </a:p>
         </p:txBody>
@@ -7799,7 +8699,7 @@
           <p:cNvPr id="5" name="Номер слайда 4">
             <a:extLst>
               <a:ext uri="{FF2B5EF4-FFF2-40B4-BE49-F238E27FC236}">
-                <a16:creationId xmlns:a16="http://schemas.microsoft.com/office/drawing/2014/main" id="{F0DBAE94-8F3E-4894-96DC-F958E6CC7930}"/>
+                <a16:creationId xmlns:a16="http://schemas.microsoft.com/office/drawing/2014/main" id="{2FCEFF7A-0248-41B7-B2F6-FAE6D76E310C}"/>
               </a:ext>
             </a:extLst>
           </p:cNvPr>
@@ -7826,7 +8726,7 @@
     </p:spTree>
     <p:extLst>
       <p:ext uri="{BB962C8B-B14F-4D97-AF65-F5344CB8AC3E}">
-        <p14:creationId xmlns:p14="http://schemas.microsoft.com/office/powerpoint/2010/main" val="3287134601"/>
+        <p14:creationId xmlns:p14="http://schemas.microsoft.com/office/powerpoint/2010/main" val="1024331436"/>
       </p:ext>
     </p:extLst>
   </p:cSld>
@@ -7887,7 +8787,23 @@
                   <a:schemeClr val="bg1"/>
                 </a:solidFill>
               </a:rPr>
-              <a:t>Анализ графика</a:t>
+              <a:t>Применение </a:t>
+            </a:r>
+            <a:r>
+              <a:rPr lang="en-US" dirty="0">
+                <a:solidFill>
+                  <a:schemeClr val="bg1"/>
+                </a:solidFill>
+              </a:rPr>
+              <a:t>SAT-</a:t>
+            </a:r>
+            <a:r>
+              <a:rPr lang="ru-RU" dirty="0">
+                <a:solidFill>
+                  <a:schemeClr val="bg1"/>
+                </a:solidFill>
+              </a:rPr>
+              <a:t>технологий</a:t>
             </a:r>
           </a:p>
         </p:txBody>
@@ -7916,7 +8832,7 @@
         </p:spPr>
         <p:txBody>
           <a:bodyPr>
-            <a:normAutofit/>
+            <a:normAutofit fontScale="92500" lnSpcReduction="10000"/>
           </a:bodyPr>
           <a:lstStyle/>
           <a:p>
@@ -7924,25 +8840,18 @@
               <a:buNone/>
             </a:pPr>
             <a:r>
-              <a:rPr lang="ru-RU" b="0" i="0" dirty="0">
-                <a:effectLst/>
-                <a:latin typeface="fkGroteskNeue"/>
-              </a:rPr>
-              <a:t>Это графически демонстрирует качественное различие между подходами: полный перебор </a:t>
-            </a:r>
-            <a:r>
-              <a:rPr lang="ru-RU" b="0" i="0" dirty="0" err="1">
-                <a:effectLst/>
-                <a:latin typeface="fkGroteskNeue"/>
-              </a:rPr>
-              <a:t>экспоненциален</a:t>
-            </a:r>
-            <a:r>
-              <a:rPr lang="ru-RU" b="0" i="0" dirty="0">
-                <a:effectLst/>
-                <a:latin typeface="fkGroteskNeue"/>
-              </a:rPr>
-              <a:t> по определению, тогда как CDCL показывает практическую нечувствительность к размеру входа на экземплярах со структурой.</a:t>
+              <a:rPr lang="ru-RU" b="0" i="0">
+                <a:effectLst/>
+                <a:latin typeface="fkGroteskNeue"/>
+              </a:rPr>
+              <a:t>(</a:t>
+            </a:r>
+            <a:r>
+              <a:rPr lang="ru-RU" b="0" i="0" dirty="0">
+                <a:effectLst/>
+                <a:latin typeface="fkGroteskNeue"/>
+              </a:rPr>
+              <a:t>3) Оптимизация и планирование — решение задач удовлетворения ограничений (CSP) при планировании производства, составлении расписаний, размещении ресурсов;</a:t>
             </a:r>
           </a:p>
           <a:p>
@@ -7954,7 +8863,52 @@
                 <a:effectLst/>
                 <a:latin typeface="fkGroteskNeue"/>
               </a:rPr>
-              <a:t>Область пересечения кривых находится при n ≈ 10-12 переменных, что соответствует точке уравновешивания накладных расходов Z3 и превосходства эффективности алгоритма при возрастании сложности.</a:t>
+              <a:t>(4) Криптографический анализ — использование SAT-решателей для анализа криптографических примитивов, поиска коллизий, обнаружения уязвимостей;</a:t>
+            </a:r>
+          </a:p>
+          <a:p>
+            <a:pPr marL="0" indent="0">
+              <a:buNone/>
+            </a:pPr>
+            <a:r>
+              <a:rPr lang="ru-RU" b="0" i="0">
+                <a:effectLst/>
+                <a:latin typeface="fkGroteskNeue"/>
+              </a:rPr>
+              <a:t>(</a:t>
+            </a:r>
+            <a:r>
+              <a:rPr lang="ru-RU" b="0" i="0" dirty="0">
+                <a:effectLst/>
+                <a:latin typeface="fkGroteskNeue"/>
+              </a:rPr>
+              <a:t>5) Синтез программ — автоматическое синтезирование кода, удовлетворяющего заданным спецификациям посредством </a:t>
+            </a:r>
+            <a:r>
+              <a:rPr lang="ru-RU" b="0" i="0">
+                <a:effectLst/>
+                <a:latin typeface="fkGroteskNeue"/>
+              </a:rPr>
+              <a:t>SAT-редукции.</a:t>
+            </a:r>
+          </a:p>
+          <a:p>
+            <a:pPr marL="0" indent="0">
+              <a:buNone/>
+            </a:pPr>
+            <a:r>
+              <a:rPr lang="ru-RU" b="0" i="0">
+                <a:effectLst/>
+                <a:latin typeface="fkGroteskNeue"/>
+              </a:rPr>
+              <a:t>Глобальный </a:t>
+            </a:r>
+            <a:r>
+              <a:rPr lang="ru-RU" b="0" i="0" dirty="0">
+                <a:effectLst/>
+                <a:latin typeface="fkGroteskNeue"/>
+              </a:rPr>
+              <a:t>рынок средств верификации аппаратуры, опирающихся на SAT-технологию, оценивается в миллиарды долларов, что подтверждает критическую значимость этой технологии.</a:t>
             </a:r>
             <a:endParaRPr lang="ru-RU" dirty="0"/>
           </a:p>
@@ -7965,7 +8919,7 @@
           <p:cNvPr id="5" name="Номер слайда 4">
             <a:extLst>
               <a:ext uri="{FF2B5EF4-FFF2-40B4-BE49-F238E27FC236}">
-                <a16:creationId xmlns:a16="http://schemas.microsoft.com/office/drawing/2014/main" id="{E541CAD4-49F3-4705-BA4A-012A355B437D}"/>
+                <a16:creationId xmlns:a16="http://schemas.microsoft.com/office/drawing/2014/main" id="{17B199B2-C158-49A4-9EDA-5B2D84B2935A}"/>
               </a:ext>
             </a:extLst>
           </p:cNvPr>
@@ -7992,7 +8946,7 @@
     </p:spTree>
     <p:extLst>
       <p:ext uri="{BB962C8B-B14F-4D97-AF65-F5344CB8AC3E}">
-        <p14:creationId xmlns:p14="http://schemas.microsoft.com/office/powerpoint/2010/main" val="839798794"/>
+        <p14:creationId xmlns:p14="http://schemas.microsoft.com/office/powerpoint/2010/main" val="3765097112"/>
       </p:ext>
     </p:extLst>
   </p:cSld>
@@ -8053,23 +9007,7 @@
                   <a:schemeClr val="bg1"/>
                 </a:solidFill>
               </a:rPr>
-              <a:t>Применение </a:t>
-            </a:r>
-            <a:r>
-              <a:rPr lang="en-US" dirty="0">
-                <a:solidFill>
-                  <a:schemeClr val="bg1"/>
-                </a:solidFill>
-              </a:rPr>
-              <a:t>SAT-</a:t>
-            </a:r>
-            <a:r>
-              <a:rPr lang="ru-RU" dirty="0">
-                <a:solidFill>
-                  <a:schemeClr val="bg1"/>
-                </a:solidFill>
-              </a:rPr>
-              <a:t>технологий</a:t>
+              <a:t>Ограничения и проблемы</a:t>
             </a:r>
           </a:p>
         </p:txBody>
@@ -8110,7 +9048,7 @@
                 <a:effectLst/>
                 <a:latin typeface="fkGroteskNeue"/>
               </a:rPr>
-              <a:t>SAT-решатели используются в критических приложениях современной цифровой индустрии: </a:t>
+              <a:t>Несмотря на значительные успехи, CDCL-решатели сталкиваются с рядом трудностей:</a:t>
             </a:r>
           </a:p>
           <a:p>
@@ -8122,63 +9060,7 @@
                 <a:effectLst/>
                 <a:latin typeface="fkGroteskNeue"/>
               </a:rPr>
-              <a:t>(1) Верификация аппаратуры (</a:t>
-            </a:r>
-            <a:r>
-              <a:rPr lang="ru-RU" b="0" i="0" dirty="0" err="1">
-                <a:effectLst/>
-                <a:latin typeface="fkGroteskNeue"/>
-              </a:rPr>
-              <a:t>Hardware</a:t>
-            </a:r>
-            <a:r>
-              <a:rPr lang="ru-RU" b="0" i="0" dirty="0">
-                <a:effectLst/>
-                <a:latin typeface="fkGroteskNeue"/>
-              </a:rPr>
-              <a:t> </a:t>
-            </a:r>
-            <a:r>
-              <a:rPr lang="ru-RU" b="0" i="0" dirty="0" err="1">
-                <a:effectLst/>
-                <a:latin typeface="fkGroteskNeue"/>
-              </a:rPr>
-              <a:t>Verification</a:t>
-            </a:r>
-            <a:r>
-              <a:rPr lang="ru-RU" b="0" i="0" dirty="0">
-                <a:effectLst/>
-                <a:latin typeface="fkGroteskNeue"/>
-              </a:rPr>
-              <a:t>) — SAT является основным инструментом при проверке эквивалентности схем (</a:t>
-            </a:r>
-            <a:r>
-              <a:rPr lang="ru-RU" b="0" i="0" dirty="0" err="1">
-                <a:effectLst/>
-                <a:latin typeface="fkGroteskNeue"/>
-              </a:rPr>
-              <a:t>Equivalence</a:t>
-            </a:r>
-            <a:r>
-              <a:rPr lang="ru-RU" b="0" i="0" dirty="0">
-                <a:effectLst/>
-                <a:latin typeface="fkGroteskNeue"/>
-              </a:rPr>
-              <a:t> </a:t>
-            </a:r>
-            <a:r>
-              <a:rPr lang="ru-RU" b="0" i="0" dirty="0" err="1">
-                <a:effectLst/>
-                <a:latin typeface="fkGroteskNeue"/>
-              </a:rPr>
-              <a:t>Checking</a:t>
-            </a:r>
-            <a:r>
-              <a:rPr lang="ru-RU" b="0" i="0" dirty="0">
-                <a:effectLst/>
-                <a:latin typeface="fkGroteskNeue"/>
-              </a:rPr>
-              <a:t>) в процессе проектирования СБИС, что обеспечивает корректность микропроцессоров и других цифровых систем;</a:t>
+              <a:t>(1) Масштабируемость на очень большие экземпляры — формулы с сотнями тысяч клауз остаются вызовом, требуя часов вычисления;</a:t>
             </a:r>
           </a:p>
           <a:p>
@@ -8190,21 +9072,19 @@
                 <a:effectLst/>
                 <a:latin typeface="fkGroteskNeue"/>
               </a:rPr>
-              <a:t>(2) Формальная верификация программного обеспечения (Model </a:t>
-            </a:r>
-            <a:r>
-              <a:rPr lang="ru-RU" b="0" i="0" dirty="0" err="1">
-                <a:effectLst/>
-                <a:latin typeface="fkGroteskNeue"/>
-              </a:rPr>
-              <a:t>Checking</a:t>
-            </a:r>
-            <a:r>
-              <a:rPr lang="ru-RU" b="0" i="0" dirty="0">
-                <a:effectLst/>
-                <a:latin typeface="fkGroteskNeue"/>
-              </a:rPr>
-              <a:t>) — использование SAT для автоматической проверки моделей систем против спецификаций безопасности;</a:t>
+              <a:t>(2) Зависимость от структуры экземпляра — случайные формулы часто решаются быстро, тогда как структурированные экземпляры (возникающие из реальных приложений) могут демонстрировать непредсказуемо долгое время решения;</a:t>
+            </a:r>
+          </a:p>
+          <a:p>
+            <a:pPr marL="0" indent="0">
+              <a:buNone/>
+            </a:pPr>
+            <a:r>
+              <a:rPr lang="ru-RU" b="0" i="0" dirty="0">
+                <a:effectLst/>
+                <a:latin typeface="fkGroteskNeue"/>
+              </a:rPr>
+              <a:t>(3) Качество эвристик выбора переменной — неправильный выбор эвристики может замедлить алгоритм в 1000 раз;</a:t>
             </a:r>
           </a:p>
         </p:txBody>
@@ -8214,7 +9094,7 @@
           <p:cNvPr id="5" name="Номер слайда 4">
             <a:extLst>
               <a:ext uri="{FF2B5EF4-FFF2-40B4-BE49-F238E27FC236}">
-                <a16:creationId xmlns:a16="http://schemas.microsoft.com/office/drawing/2014/main" id="{2FCEFF7A-0248-41B7-B2F6-FAE6D76E310C}"/>
+                <a16:creationId xmlns:a16="http://schemas.microsoft.com/office/drawing/2014/main" id="{D4414503-E004-4E28-992E-24EBE48EB4F6}"/>
               </a:ext>
             </a:extLst>
           </p:cNvPr>
@@ -8241,7 +9121,7 @@
     </p:spTree>
     <p:extLst>
       <p:ext uri="{BB962C8B-B14F-4D97-AF65-F5344CB8AC3E}">
-        <p14:creationId xmlns:p14="http://schemas.microsoft.com/office/powerpoint/2010/main" val="1024331436"/>
+        <p14:creationId xmlns:p14="http://schemas.microsoft.com/office/powerpoint/2010/main" val="2790502837"/>
       </p:ext>
     </p:extLst>
   </p:cSld>
@@ -8302,23 +9182,7 @@
                   <a:schemeClr val="bg1"/>
                 </a:solidFill>
               </a:rPr>
-              <a:t>Применение </a:t>
-            </a:r>
-            <a:r>
-              <a:rPr lang="en-US" dirty="0">
-                <a:solidFill>
-                  <a:schemeClr val="bg1"/>
-                </a:solidFill>
-              </a:rPr>
-              <a:t>SAT-</a:t>
-            </a:r>
-            <a:r>
-              <a:rPr lang="ru-RU" dirty="0">
-                <a:solidFill>
-                  <a:schemeClr val="bg1"/>
-                </a:solidFill>
-              </a:rPr>
-              <a:t>технологий</a:t>
+              <a:t>Ограничения и проблемы</a:t>
             </a:r>
           </a:p>
         </p:txBody>
@@ -8347,7 +9211,7 @@
         </p:spPr>
         <p:txBody>
           <a:bodyPr>
-            <a:normAutofit fontScale="92500" lnSpcReduction="10000"/>
+            <a:normAutofit/>
           </a:bodyPr>
           <a:lstStyle/>
           <a:p>
@@ -8366,7 +9230,7 @@
                 <a:effectLst/>
                 <a:latin typeface="fkGroteskNeue"/>
               </a:rPr>
-              <a:t>3) Оптимизация и планирование — решение задач удовлетворения ограничений (CSP) при планировании производства, составлении расписаний, размещении ресурсов;</a:t>
+              <a:t>4) Фазовые переходы — для некоторого класса случайных формул наблюдается резкий переход от простого к сложному при определённом соотношении клауз к переменным, создающий "пиковую сложность";</a:t>
             </a:r>
           </a:p>
           <a:p>
@@ -8378,7 +9242,14 @@
                 <a:effectLst/>
                 <a:latin typeface="fkGroteskNeue"/>
               </a:rPr>
-              <a:t>(4) Криптографический анализ — использование SAT-решателей для анализа криптографических примитивов, поиска коллизий, обнаружения уязвимостей;</a:t>
+              <a:t>(5) Проблема несбалансированного поиска — алгоритм может зависнуть в неудачной ветви, несмотря на наличие других решающих </a:t>
+            </a:r>
+            <a:r>
+              <a:rPr lang="ru-RU" b="0" i="0">
+                <a:effectLst/>
+                <a:latin typeface="fkGroteskNeue"/>
+              </a:rPr>
+              <a:t>путей.</a:t>
             </a:r>
           </a:p>
           <a:p>
@@ -8390,42 +9261,24 @@
                 <a:effectLst/>
                 <a:latin typeface="fkGroteskNeue"/>
               </a:rPr>
-              <a:t>(</a:t>
-            </a:r>
-            <a:r>
-              <a:rPr lang="ru-RU" b="0" i="0" dirty="0">
-                <a:effectLst/>
-                <a:latin typeface="fkGroteskNeue"/>
-              </a:rPr>
-              <a:t>5) Синтез программ — автоматическое синтезирование кода, удовлетворяющего заданным спецификациям посредством </a:t>
-            </a:r>
-            <a:r>
-              <a:rPr lang="ru-RU" b="0" i="0">
-                <a:effectLst/>
-                <a:latin typeface="fkGroteskNeue"/>
-              </a:rPr>
-              <a:t>SAT-редукции.</a:t>
+              <a:t>Указанные </a:t>
+            </a:r>
+            <a:r>
+              <a:rPr lang="ru-RU" b="0" i="0" dirty="0">
+                <a:effectLst/>
+                <a:latin typeface="fkGroteskNeue"/>
+              </a:rPr>
+              <a:t>ограничения остаются активной областью исследований, включая разработку адаптивных эвристик, параллельных SAT-решателей и гибридных подходов.</a:t>
             </a:r>
           </a:p>
           <a:p>
             <a:pPr marL="0" indent="0">
               <a:buNone/>
             </a:pPr>
-            <a:r>
-              <a:rPr lang="ru-RU" b="0" i="0">
-                <a:effectLst/>
-                <a:latin typeface="fkGroteskNeue"/>
-              </a:rPr>
-              <a:t>Глобальный </a:t>
-            </a:r>
-            <a:r>
-              <a:rPr lang="ru-RU" b="0" i="0" dirty="0">
-                <a:effectLst/>
-                <a:latin typeface="fkGroteskNeue"/>
-              </a:rPr>
-              <a:t>рынок средств верификации аппаратуры, опирающихся на SAT-технологию, оценивается в миллиарды долларов, что подтверждает критическую значимость этой технологии.</a:t>
-            </a:r>
-            <a:endParaRPr lang="ru-RU" dirty="0"/>
+            <a:endParaRPr lang="ru-RU" b="0" i="0" dirty="0">
+              <a:effectLst/>
+              <a:latin typeface="fkGroteskNeue"/>
+            </a:endParaRPr>
           </a:p>
         </p:txBody>
       </p:sp>
@@ -8434,7 +9287,7 @@
           <p:cNvPr id="5" name="Номер слайда 4">
             <a:extLst>
               <a:ext uri="{FF2B5EF4-FFF2-40B4-BE49-F238E27FC236}">
-                <a16:creationId xmlns:a16="http://schemas.microsoft.com/office/drawing/2014/main" id="{17B199B2-C158-49A4-9EDA-5B2D84B2935A}"/>
+                <a16:creationId xmlns:a16="http://schemas.microsoft.com/office/drawing/2014/main" id="{19A37503-CBE7-44C8-BDE3-BE11EC2CF3B8}"/>
               </a:ext>
             </a:extLst>
           </p:cNvPr>
@@ -8461,7 +9314,7 @@
     </p:spTree>
     <p:extLst>
       <p:ext uri="{BB962C8B-B14F-4D97-AF65-F5344CB8AC3E}">
-        <p14:creationId xmlns:p14="http://schemas.microsoft.com/office/powerpoint/2010/main" val="3765097112"/>
+        <p14:creationId xmlns:p14="http://schemas.microsoft.com/office/powerpoint/2010/main" val="1522365481"/>
       </p:ext>
     </p:extLst>
   </p:cSld>
@@ -8671,7 +9524,7 @@
                   <a:schemeClr val="bg1"/>
                 </a:solidFill>
               </a:rPr>
-              <a:t>Ограничения и проблемы</a:t>
+              <a:t>Выводы</a:t>
             </a:r>
           </a:p>
         </p:txBody>
@@ -8712,7 +9565,7 @@
                 <a:effectLst/>
                 <a:latin typeface="fkGroteskNeue"/>
               </a:rPr>
-              <a:t>Несмотря на значительные успехи, CDCL-решатели сталкиваются с рядом трудностей:</a:t>
+              <a:t>Проведённое исследование подтвердило следующие ключевые положения:</a:t>
             </a:r>
           </a:p>
           <a:p>
@@ -8724,7 +9577,21 @@
                 <a:effectLst/>
                 <a:latin typeface="fkGroteskNeue"/>
               </a:rPr>
-              <a:t>(1) Масштабируемость на очень большие экземпляры — формулы с сотнями тысяч клауз остаются вызовом, требуя часов вычисления;</a:t>
+              <a:t>(1) Проблема SAT остаётся NP-полной, и методы полного перебора </a:t>
+            </a:r>
+            <a:r>
+              <a:rPr lang="ru-RU" b="0" i="0" dirty="0" err="1">
+                <a:effectLst/>
+                <a:latin typeface="fkGroteskNeue"/>
+              </a:rPr>
+              <a:t>экспоненциальны</a:t>
+            </a:r>
+            <a:r>
+              <a:rPr lang="ru-RU" b="0" i="0" dirty="0">
+                <a:effectLst/>
+                <a:latin typeface="fkGroteskNeue"/>
+              </a:rPr>
+              <a:t> по определению, практически применимы только для n ≤ 25 переменных;</a:t>
             </a:r>
           </a:p>
           <a:p>
@@ -8736,19 +9603,49 @@
                 <a:effectLst/>
                 <a:latin typeface="fkGroteskNeue"/>
               </a:rPr>
-              <a:t>(2) Зависимость от структуры экземпляра — случайные формулы часто решаются быстро, тогда как структурированные экземпляры (возникающие из реальных приложений) могут демонстрировать непредсказуемо долгое время решения;</a:t>
-            </a:r>
-          </a:p>
-          <a:p>
-            <a:pPr marL="0" indent="0">
-              <a:buNone/>
-            </a:pPr>
-            <a:r>
-              <a:rPr lang="ru-RU" b="0" i="0" dirty="0">
-                <a:effectLst/>
-                <a:latin typeface="fkGroteskNeue"/>
-              </a:rPr>
-              <a:t>(3) Качество эвристик выбора переменной — неправильный выбор эвристики может замедлить алгоритм в 1000 раз;</a:t>
+              <a:t>(2) Алгоритм DPLL, базирующийся на </a:t>
+            </a:r>
+            <a:r>
+              <a:rPr lang="ru-RU" b="0" i="0" dirty="0" err="1">
+                <a:effectLst/>
+                <a:latin typeface="fkGroteskNeue"/>
+              </a:rPr>
+              <a:t>unit</a:t>
+            </a:r>
+            <a:r>
+              <a:rPr lang="ru-RU" b="0" i="0" dirty="0">
+                <a:effectLst/>
+                <a:latin typeface="fkGroteskNeue"/>
+              </a:rPr>
+              <a:t> </a:t>
+            </a:r>
+            <a:r>
+              <a:rPr lang="ru-RU" b="0" i="0" dirty="0" err="1">
+                <a:effectLst/>
+                <a:latin typeface="fkGroteskNeue"/>
+              </a:rPr>
+              <a:t>propagation</a:t>
+            </a:r>
+            <a:r>
+              <a:rPr lang="ru-RU" b="0" i="0" dirty="0">
+                <a:effectLst/>
+                <a:latin typeface="fkGroteskNeue"/>
+              </a:rPr>
+              <a:t> и </a:t>
+            </a:r>
+            <a:r>
+              <a:rPr lang="ru-RU" b="0" i="0" dirty="0" err="1">
+                <a:effectLst/>
+                <a:latin typeface="fkGroteskNeue"/>
+              </a:rPr>
+              <a:t>backtracking</a:t>
+            </a:r>
+            <a:r>
+              <a:rPr lang="ru-RU" b="0" i="0" dirty="0">
+                <a:effectLst/>
+                <a:latin typeface="fkGroteskNeue"/>
+              </a:rPr>
+              <a:t>, обеспечивает значительное сокращение пространства поиска по сравнению с полным перебором, но не использует информацию из конфликтов;</a:t>
             </a:r>
           </a:p>
         </p:txBody>
@@ -8758,7 +9655,7 @@
           <p:cNvPr id="5" name="Номер слайда 4">
             <a:extLst>
               <a:ext uri="{FF2B5EF4-FFF2-40B4-BE49-F238E27FC236}">
-                <a16:creationId xmlns:a16="http://schemas.microsoft.com/office/drawing/2014/main" id="{D4414503-E004-4E28-992E-24EBE48EB4F6}"/>
+                <a16:creationId xmlns:a16="http://schemas.microsoft.com/office/drawing/2014/main" id="{483094D7-4AAE-40FD-B102-287EFB92C6D5}"/>
               </a:ext>
             </a:extLst>
           </p:cNvPr>
@@ -8785,7 +9682,7 @@
     </p:spTree>
     <p:extLst>
       <p:ext uri="{BB962C8B-B14F-4D97-AF65-F5344CB8AC3E}">
-        <p14:creationId xmlns:p14="http://schemas.microsoft.com/office/powerpoint/2010/main" val="2790502837"/>
+        <p14:creationId xmlns:p14="http://schemas.microsoft.com/office/powerpoint/2010/main" val="245253284"/>
       </p:ext>
     </p:extLst>
   </p:cSld>
@@ -8846,7 +9743,7 @@
                   <a:schemeClr val="bg1"/>
                 </a:solidFill>
               </a:rPr>
-              <a:t>Ограничения и проблемы</a:t>
+              <a:t>Выводы</a:t>
             </a:r>
           </a:p>
         </p:txBody>
@@ -8883,18 +9780,67 @@
               <a:buNone/>
             </a:pPr>
             <a:r>
-              <a:rPr lang="ru-RU" b="0" i="0">
-                <a:effectLst/>
-                <a:latin typeface="fkGroteskNeue"/>
-              </a:rPr>
-              <a:t>(</a:t>
-            </a:r>
-            <a:r>
-              <a:rPr lang="ru-RU" b="0" i="0" dirty="0">
-                <a:effectLst/>
-                <a:latin typeface="fkGroteskNeue"/>
-              </a:rPr>
-              <a:t>4) Фазовые переходы — для некоторого класса случайных формул наблюдается резкий переход от простого к сложному при определённом соотношении клауз к переменным, создающий "пиковую сложность";</a:t>
+              <a:rPr lang="ru-RU" b="0" i="0" dirty="0">
+                <a:effectLst/>
+                <a:latin typeface="fkGroteskNeue"/>
+              </a:rPr>
+              <a:t>(3) Алгоритм CDCL, расширяющий DPLL посредством </a:t>
+            </a:r>
+            <a:r>
+              <a:rPr lang="ru-RU" b="0" i="0" dirty="0" err="1">
+                <a:effectLst/>
+                <a:latin typeface="fkGroteskNeue"/>
+              </a:rPr>
+              <a:t>clause</a:t>
+            </a:r>
+            <a:r>
+              <a:rPr lang="ru-RU" b="0" i="0" dirty="0">
+                <a:effectLst/>
+                <a:latin typeface="fkGroteskNeue"/>
+              </a:rPr>
+              <a:t> </a:t>
+            </a:r>
+            <a:r>
+              <a:rPr lang="ru-RU" b="0" i="0" dirty="0" err="1">
+                <a:effectLst/>
+                <a:latin typeface="fkGroteskNeue"/>
+              </a:rPr>
+              <a:t>learning</a:t>
+            </a:r>
+            <a:r>
+              <a:rPr lang="ru-RU" b="0" i="0" dirty="0">
+                <a:effectLst/>
+                <a:latin typeface="fkGroteskNeue"/>
+              </a:rPr>
+              <a:t>, </a:t>
+            </a:r>
+            <a:r>
+              <a:rPr lang="ru-RU" b="0" i="0" dirty="0" err="1">
+                <a:effectLst/>
+                <a:latin typeface="fkGroteskNeue"/>
+              </a:rPr>
+              <a:t>non-chronological</a:t>
+            </a:r>
+            <a:r>
+              <a:rPr lang="ru-RU" b="0" i="0" dirty="0">
+                <a:effectLst/>
+                <a:latin typeface="fkGroteskNeue"/>
+              </a:rPr>
+              <a:t> </a:t>
+            </a:r>
+            <a:r>
+              <a:rPr lang="ru-RU" b="0" i="0" dirty="0" err="1">
+                <a:effectLst/>
+                <a:latin typeface="fkGroteskNeue"/>
+              </a:rPr>
+              <a:t>backtracking</a:t>
+            </a:r>
+            <a:r>
+              <a:rPr lang="ru-RU" b="0" i="0" dirty="0">
+                <a:effectLst/>
+                <a:latin typeface="fkGroteskNeue"/>
+              </a:rPr>
+              <a:t> и интеллектуальных эвристик, достигает практических решений задач со сложностью, казалось бы, непреодолимой для методов полного перебора;</a:t>
             </a:r>
           </a:p>
           <a:p>
@@ -8906,43 +9852,22 @@
                 <a:effectLst/>
                 <a:latin typeface="fkGroteskNeue"/>
               </a:rPr>
-              <a:t>(5) Проблема несбалансированного поиска — алгоритм может зависнуть в неудачной ветви, несмотря на наличие других решающих </a:t>
-            </a:r>
-            <a:r>
-              <a:rPr lang="ru-RU" b="0" i="0">
-                <a:effectLst/>
-                <a:latin typeface="fkGroteskNeue"/>
-              </a:rPr>
-              <a:t>путей.</a:t>
-            </a:r>
-          </a:p>
-          <a:p>
-            <a:pPr marL="0" indent="0">
-              <a:buNone/>
-            </a:pPr>
-            <a:r>
-              <a:rPr lang="ru-RU" b="0" i="0">
-                <a:effectLst/>
-                <a:latin typeface="fkGroteskNeue"/>
-              </a:rPr>
-              <a:t>Указанные </a:t>
-            </a:r>
-            <a:r>
-              <a:rPr lang="ru-RU" b="0" i="0" dirty="0">
-                <a:effectLst/>
-                <a:latin typeface="fkGroteskNeue"/>
-              </a:rPr>
-              <a:t>ограничения остаются активной областью исследований, включая разработку адаптивных эвристик, параллельных SAT-решателей и гибридных подходов.</a:t>
-            </a:r>
-          </a:p>
-          <a:p>
-            <a:pPr marL="0" indent="0">
-              <a:buNone/>
-            </a:pPr>
-            <a:endParaRPr lang="ru-RU" b="0" i="0" dirty="0">
-              <a:effectLst/>
-              <a:latin typeface="fkGroteskNeue"/>
-            </a:endParaRPr>
+              <a:t>(4) Z3 SMT-решатель, реализующий CDCL с многочисленными оптимизациями, демонстрирует ускорение на 100-400 раз по сравнению с </a:t>
+            </a:r>
+            <a:r>
+              <a:rPr lang="ru-RU" b="0" i="0" dirty="0" err="1">
+                <a:effectLst/>
+                <a:latin typeface="fkGroteskNeue"/>
+              </a:rPr>
+              <a:t>брутфорсом</a:t>
+            </a:r>
+            <a:r>
+              <a:rPr lang="ru-RU" b="0" i="0" dirty="0">
+                <a:effectLst/>
+                <a:latin typeface="fkGroteskNeue"/>
+              </a:rPr>
+              <a:t> на формулах масштаба 20-25 переменных;</a:t>
+            </a:r>
           </a:p>
         </p:txBody>
       </p:sp>
@@ -8951,7 +9876,7 @@
           <p:cNvPr id="5" name="Номер слайда 4">
             <a:extLst>
               <a:ext uri="{FF2B5EF4-FFF2-40B4-BE49-F238E27FC236}">
-                <a16:creationId xmlns:a16="http://schemas.microsoft.com/office/drawing/2014/main" id="{19A37503-CBE7-44C8-BDE3-BE11EC2CF3B8}"/>
+                <a16:creationId xmlns:a16="http://schemas.microsoft.com/office/drawing/2014/main" id="{A2ECA31E-91E0-4F72-9FE1-3F8171538966}"/>
               </a:ext>
             </a:extLst>
           </p:cNvPr>
@@ -8978,7 +9903,7 @@
     </p:spTree>
     <p:extLst>
       <p:ext uri="{BB962C8B-B14F-4D97-AF65-F5344CB8AC3E}">
-        <p14:creationId xmlns:p14="http://schemas.microsoft.com/office/powerpoint/2010/main" val="1522365481"/>
+        <p14:creationId xmlns:p14="http://schemas.microsoft.com/office/powerpoint/2010/main" val="1992044431"/>
       </p:ext>
     </p:extLst>
   </p:cSld>
@@ -9076,11 +10001,18 @@
               <a:buNone/>
             </a:pPr>
             <a:r>
-              <a:rPr lang="ru-RU" b="0" i="0" dirty="0">
-                <a:effectLst/>
-                <a:latin typeface="fkGroteskNeue"/>
-              </a:rPr>
-              <a:t>Проведённое исследование подтвердило следующие ключевые положения:</a:t>
+              <a:rPr lang="ru-RU" b="0" i="0">
+                <a:effectLst/>
+                <a:latin typeface="fkGroteskNeue"/>
+              </a:rPr>
+              <a:t>(</a:t>
+            </a:r>
+            <a:r>
+              <a:rPr lang="ru-RU" b="0" i="0" dirty="0">
+                <a:effectLst/>
+                <a:latin typeface="fkGroteskNeue"/>
+              </a:rPr>
+              <a:t>5) SAT-технология является критической инфраструктурой для верификации аппаратуры, тестирования ПО и множества других приложений в современной цифровой индустрии</a:t>
             </a:r>
           </a:p>
           <a:p>
@@ -9088,79 +10020,18 @@
               <a:buNone/>
             </a:pPr>
             <a:r>
-              <a:rPr lang="ru-RU" b="0" i="0" dirty="0">
-                <a:effectLst/>
-                <a:latin typeface="fkGroteskNeue"/>
-              </a:rPr>
-              <a:t>(1) Проблема SAT остаётся NP-полной, и методы полного перебора </a:t>
-            </a:r>
-            <a:r>
-              <a:rPr lang="ru-RU" b="0" i="0" dirty="0" err="1">
-                <a:effectLst/>
-                <a:latin typeface="fkGroteskNeue"/>
-              </a:rPr>
-              <a:t>экспоненциальны</a:t>
-            </a:r>
-            <a:r>
-              <a:rPr lang="ru-RU" b="0" i="0" dirty="0">
-                <a:effectLst/>
-                <a:latin typeface="fkGroteskNeue"/>
-              </a:rPr>
-              <a:t> по определению, практически применимы только для n ≤ 25 переменных;</a:t>
-            </a:r>
-          </a:p>
-          <a:p>
-            <a:pPr marL="0" indent="0">
-              <a:buNone/>
-            </a:pPr>
-            <a:r>
-              <a:rPr lang="ru-RU" b="0" i="0" dirty="0">
-                <a:effectLst/>
-                <a:latin typeface="fkGroteskNeue"/>
-              </a:rPr>
-              <a:t>(2) Алгоритм DPLL, базирующийся на </a:t>
-            </a:r>
-            <a:r>
-              <a:rPr lang="ru-RU" b="0" i="0" dirty="0" err="1">
-                <a:effectLst/>
-                <a:latin typeface="fkGroteskNeue"/>
-              </a:rPr>
-              <a:t>unit</a:t>
-            </a:r>
-            <a:r>
-              <a:rPr lang="ru-RU" b="0" i="0" dirty="0">
-                <a:effectLst/>
-                <a:latin typeface="fkGroteskNeue"/>
-              </a:rPr>
-              <a:t> </a:t>
-            </a:r>
-            <a:r>
-              <a:rPr lang="ru-RU" b="0" i="0" dirty="0" err="1">
-                <a:effectLst/>
-                <a:latin typeface="fkGroteskNeue"/>
-              </a:rPr>
-              <a:t>propagation</a:t>
-            </a:r>
-            <a:r>
-              <a:rPr lang="ru-RU" b="0" i="0" dirty="0">
-                <a:effectLst/>
-                <a:latin typeface="fkGroteskNeue"/>
-              </a:rPr>
-              <a:t> и </a:t>
-            </a:r>
-            <a:r>
-              <a:rPr lang="ru-RU" b="0" i="0" dirty="0" err="1">
-                <a:effectLst/>
-                <a:latin typeface="fkGroteskNeue"/>
-              </a:rPr>
-              <a:t>backtracking</a:t>
-            </a:r>
-            <a:r>
-              <a:rPr lang="ru-RU" b="0" i="0" dirty="0">
-                <a:effectLst/>
-                <a:latin typeface="fkGroteskNeue"/>
-              </a:rPr>
-              <a:t>, обеспечивает значительное сокращение пространства поиска по сравнению с полным перебором, но не использует информацию из конфликтов;</a:t>
+              <a:rPr lang="ru-RU" b="0" i="0">
+                <a:effectLst/>
+                <a:latin typeface="fkGroteskNeue"/>
+              </a:rPr>
+              <a:t>Результаты </a:t>
+            </a:r>
+            <a:r>
+              <a:rPr lang="ru-RU" b="0" i="0" dirty="0">
+                <a:effectLst/>
+                <a:latin typeface="fkGroteskNeue"/>
+              </a:rPr>
+              <a:t>подтверждают гипотезу о том, что интеллектуальные алгоритмические подходы преодолевают теоретические барьеры экспоненциальной сложности и обеспечивают практическую разрешимость задач, неразрешимых наивными методами.</a:t>
             </a:r>
           </a:p>
         </p:txBody>
@@ -9170,7 +10041,7 @@
           <p:cNvPr id="5" name="Номер слайда 4">
             <a:extLst>
               <a:ext uri="{FF2B5EF4-FFF2-40B4-BE49-F238E27FC236}">
-                <a16:creationId xmlns:a16="http://schemas.microsoft.com/office/drawing/2014/main" id="{483094D7-4AAE-40FD-B102-287EFB92C6D5}"/>
+                <a16:creationId xmlns:a16="http://schemas.microsoft.com/office/drawing/2014/main" id="{EFEA3F5C-1A10-4333-BB12-4ED8F6BCA869}"/>
               </a:ext>
             </a:extLst>
           </p:cNvPr>
@@ -9197,7 +10068,7 @@
     </p:spTree>
     <p:extLst>
       <p:ext uri="{BB962C8B-B14F-4D97-AF65-F5344CB8AC3E}">
-        <p14:creationId xmlns:p14="http://schemas.microsoft.com/office/powerpoint/2010/main" val="245253284"/>
+        <p14:creationId xmlns:p14="http://schemas.microsoft.com/office/powerpoint/2010/main" val="1971149438"/>
       </p:ext>
     </p:extLst>
   </p:cSld>
@@ -9258,7 +10129,7 @@
                   <a:schemeClr val="bg1"/>
                 </a:solidFill>
               </a:rPr>
-              <a:t>Выводы</a:t>
+              <a:t>Роли в команде</a:t>
             </a:r>
           </a:p>
         </p:txBody>
@@ -9299,392 +10170,6 @@
                 <a:effectLst/>
                 <a:latin typeface="fkGroteskNeue"/>
               </a:rPr>
-              <a:t>(3) Алгоритм CDCL, расширяющий DPLL посредством </a:t>
-            </a:r>
-            <a:r>
-              <a:rPr lang="ru-RU" b="0" i="0" dirty="0" err="1">
-                <a:effectLst/>
-                <a:latin typeface="fkGroteskNeue"/>
-              </a:rPr>
-              <a:t>clause</a:t>
-            </a:r>
-            <a:r>
-              <a:rPr lang="ru-RU" b="0" i="0" dirty="0">
-                <a:effectLst/>
-                <a:latin typeface="fkGroteskNeue"/>
-              </a:rPr>
-              <a:t> </a:t>
-            </a:r>
-            <a:r>
-              <a:rPr lang="ru-RU" b="0" i="0" dirty="0" err="1">
-                <a:effectLst/>
-                <a:latin typeface="fkGroteskNeue"/>
-              </a:rPr>
-              <a:t>learning</a:t>
-            </a:r>
-            <a:r>
-              <a:rPr lang="ru-RU" b="0" i="0" dirty="0">
-                <a:effectLst/>
-                <a:latin typeface="fkGroteskNeue"/>
-              </a:rPr>
-              <a:t>, </a:t>
-            </a:r>
-            <a:r>
-              <a:rPr lang="ru-RU" b="0" i="0" dirty="0" err="1">
-                <a:effectLst/>
-                <a:latin typeface="fkGroteskNeue"/>
-              </a:rPr>
-              <a:t>non-chronological</a:t>
-            </a:r>
-            <a:r>
-              <a:rPr lang="ru-RU" b="0" i="0" dirty="0">
-                <a:effectLst/>
-                <a:latin typeface="fkGroteskNeue"/>
-              </a:rPr>
-              <a:t> </a:t>
-            </a:r>
-            <a:r>
-              <a:rPr lang="ru-RU" b="0" i="0" dirty="0" err="1">
-                <a:effectLst/>
-                <a:latin typeface="fkGroteskNeue"/>
-              </a:rPr>
-              <a:t>backtracking</a:t>
-            </a:r>
-            <a:r>
-              <a:rPr lang="ru-RU" b="0" i="0" dirty="0">
-                <a:effectLst/>
-                <a:latin typeface="fkGroteskNeue"/>
-              </a:rPr>
-              <a:t> и интеллектуальных эвристик, достигает практических решений задач со сложностью, казалось бы, непреодолимой для методов полного перебора;</a:t>
-            </a:r>
-          </a:p>
-          <a:p>
-            <a:pPr marL="0" indent="0">
-              <a:buNone/>
-            </a:pPr>
-            <a:r>
-              <a:rPr lang="ru-RU" b="0" i="0" dirty="0">
-                <a:effectLst/>
-                <a:latin typeface="fkGroteskNeue"/>
-              </a:rPr>
-              <a:t>(4) Z3 SMT-решатель, реализующий CDCL с многочисленными оптимизациями, демонстрирует ускорение на 100-400 раз по сравнению с </a:t>
-            </a:r>
-            <a:r>
-              <a:rPr lang="ru-RU" b="0" i="0" dirty="0" err="1">
-                <a:effectLst/>
-                <a:latin typeface="fkGroteskNeue"/>
-              </a:rPr>
-              <a:t>брутфорсом</a:t>
-            </a:r>
-            <a:r>
-              <a:rPr lang="ru-RU" b="0" i="0" dirty="0">
-                <a:effectLst/>
-                <a:latin typeface="fkGroteskNeue"/>
-              </a:rPr>
-              <a:t> на формулах масштаба 20-25 переменных;</a:t>
-            </a:r>
-          </a:p>
-        </p:txBody>
-      </p:sp>
-      <p:sp>
-        <p:nvSpPr>
-          <p:cNvPr id="5" name="Номер слайда 4">
-            <a:extLst>
-              <a:ext uri="{FF2B5EF4-FFF2-40B4-BE49-F238E27FC236}">
-                <a16:creationId xmlns:a16="http://schemas.microsoft.com/office/drawing/2014/main" id="{A2ECA31E-91E0-4F72-9FE1-3F8171538966}"/>
-              </a:ext>
-            </a:extLst>
-          </p:cNvPr>
-          <p:cNvSpPr>
-            <a:spLocks noGrp="1"/>
-          </p:cNvSpPr>
-          <p:nvPr>
-            <p:ph type="sldNum" sz="quarter" idx="12"/>
-          </p:nvPr>
-        </p:nvSpPr>
-        <p:spPr/>
-        <p:txBody>
-          <a:bodyPr/>
-          <a:lstStyle/>
-          <a:p>
-            <a:fld id="{EF7A8E35-B303-42FD-88A6-20A8D5E4F372}" type="slidenum">
-              <a:rPr lang="ru-RU" smtClean="0"/>
-              <a:t>33</a:t>
-            </a:fld>
-            <a:endParaRPr lang="ru-RU"/>
-          </a:p>
-        </p:txBody>
-      </p:sp>
-    </p:spTree>
-    <p:extLst>
-      <p:ext uri="{BB962C8B-B14F-4D97-AF65-F5344CB8AC3E}">
-        <p14:creationId xmlns:p14="http://schemas.microsoft.com/office/powerpoint/2010/main" val="1992044431"/>
-      </p:ext>
-    </p:extLst>
-  </p:cSld>
-  <p:clrMapOvr>
-    <a:masterClrMapping/>
-  </p:clrMapOvr>
-</p:sld>
-</file>
-
-<file path=ppt/slides/slide34.xml><?xml version="1.0" encoding="utf-8"?>
-<p:sld xmlns:a="http://schemas.openxmlformats.org/drawingml/2006/main" xmlns:r="http://schemas.openxmlformats.org/officeDocument/2006/relationships" xmlns:p="http://schemas.openxmlformats.org/presentationml/2006/main">
-  <p:cSld>
-    <p:spTree>
-      <p:nvGrpSpPr>
-        <p:cNvPr id="1" name=""/>
-        <p:cNvGrpSpPr/>
-        <p:nvPr/>
-      </p:nvGrpSpPr>
-      <p:grpSpPr>
-        <a:xfrm>
-          <a:off x="0" y="0"/>
-          <a:ext cx="0" cy="0"/>
-          <a:chOff x="0" y="0"/>
-          <a:chExt cx="0" cy="0"/>
-        </a:xfrm>
-      </p:grpSpPr>
-      <p:sp>
-        <p:nvSpPr>
-          <p:cNvPr id="2" name="Заголовок 1">
-            <a:extLst>
-              <a:ext uri="{FF2B5EF4-FFF2-40B4-BE49-F238E27FC236}">
-                <a16:creationId xmlns:a16="http://schemas.microsoft.com/office/drawing/2014/main" id="{560A5064-666A-7555-7357-0F8EFD667F80}"/>
-              </a:ext>
-            </a:extLst>
-          </p:cNvPr>
-          <p:cNvSpPr>
-            <a:spLocks noGrp="1"/>
-          </p:cNvSpPr>
-          <p:nvPr>
-            <p:ph type="title"/>
-          </p:nvPr>
-        </p:nvSpPr>
-        <p:spPr>
-          <a:xfrm>
-            <a:off x="185056" y="0"/>
-            <a:ext cx="12006943" cy="919842"/>
-          </a:xfrm>
-        </p:spPr>
-        <p:txBody>
-          <a:bodyPr>
-            <a:normAutofit/>
-          </a:bodyPr>
-          <a:lstStyle/>
-          <a:p>
-            <a:r>
-              <a:rPr lang="ru-RU" dirty="0">
-                <a:solidFill>
-                  <a:schemeClr val="bg1"/>
-                </a:solidFill>
-              </a:rPr>
-              <a:t>Выводы</a:t>
-            </a:r>
-          </a:p>
-        </p:txBody>
-      </p:sp>
-      <p:sp>
-        <p:nvSpPr>
-          <p:cNvPr id="3" name="Объект 2">
-            <a:extLst>
-              <a:ext uri="{FF2B5EF4-FFF2-40B4-BE49-F238E27FC236}">
-                <a16:creationId xmlns:a16="http://schemas.microsoft.com/office/drawing/2014/main" id="{EF1A858C-C156-B159-B6C9-F121B8D996B9}"/>
-              </a:ext>
-            </a:extLst>
-          </p:cNvPr>
-          <p:cNvSpPr>
-            <a:spLocks noGrp="1"/>
-          </p:cNvSpPr>
-          <p:nvPr>
-            <p:ph idx="1"/>
-          </p:nvPr>
-        </p:nvSpPr>
-        <p:spPr>
-          <a:xfrm>
-            <a:off x="838200" y="1825625"/>
-            <a:ext cx="10515600" cy="4618718"/>
-          </a:xfrm>
-        </p:spPr>
-        <p:txBody>
-          <a:bodyPr>
-            <a:normAutofit/>
-          </a:bodyPr>
-          <a:lstStyle/>
-          <a:p>
-            <a:pPr marL="0" indent="0">
-              <a:buNone/>
-            </a:pPr>
-            <a:r>
-              <a:rPr lang="ru-RU" b="0" i="0">
-                <a:effectLst/>
-                <a:latin typeface="fkGroteskNeue"/>
-              </a:rPr>
-              <a:t>(</a:t>
-            </a:r>
-            <a:r>
-              <a:rPr lang="ru-RU" b="0" i="0" dirty="0">
-                <a:effectLst/>
-                <a:latin typeface="fkGroteskNeue"/>
-              </a:rPr>
-              <a:t>5) SAT-технология является критической инфраструктурой для верификации аппаратуры, тестирования ПО и множества других приложений в современной цифровой индустрии</a:t>
-            </a:r>
-          </a:p>
-          <a:p>
-            <a:pPr marL="0" indent="0">
-              <a:buNone/>
-            </a:pPr>
-            <a:r>
-              <a:rPr lang="ru-RU" b="0" i="0">
-                <a:effectLst/>
-                <a:latin typeface="fkGroteskNeue"/>
-              </a:rPr>
-              <a:t>Результаты </a:t>
-            </a:r>
-            <a:r>
-              <a:rPr lang="ru-RU" b="0" i="0" dirty="0">
-                <a:effectLst/>
-                <a:latin typeface="fkGroteskNeue"/>
-              </a:rPr>
-              <a:t>подтверждают гипотезу о том, что интеллектуальные алгоритмические подходы преодолевают теоретические барьеры экспоненциальной сложности и обеспечивают практическую разрешимость задач, неразрешимых наивными методами.</a:t>
-            </a:r>
-          </a:p>
-        </p:txBody>
-      </p:sp>
-      <p:sp>
-        <p:nvSpPr>
-          <p:cNvPr id="5" name="Номер слайда 4">
-            <a:extLst>
-              <a:ext uri="{FF2B5EF4-FFF2-40B4-BE49-F238E27FC236}">
-                <a16:creationId xmlns:a16="http://schemas.microsoft.com/office/drawing/2014/main" id="{EFEA3F5C-1A10-4333-BB12-4ED8F6BCA869}"/>
-              </a:ext>
-            </a:extLst>
-          </p:cNvPr>
-          <p:cNvSpPr>
-            <a:spLocks noGrp="1"/>
-          </p:cNvSpPr>
-          <p:nvPr>
-            <p:ph type="sldNum" sz="quarter" idx="12"/>
-          </p:nvPr>
-        </p:nvSpPr>
-        <p:spPr/>
-        <p:txBody>
-          <a:bodyPr/>
-          <a:lstStyle/>
-          <a:p>
-            <a:fld id="{EF7A8E35-B303-42FD-88A6-20A8D5E4F372}" type="slidenum">
-              <a:rPr lang="ru-RU" smtClean="0"/>
-              <a:t>34</a:t>
-            </a:fld>
-            <a:endParaRPr lang="ru-RU"/>
-          </a:p>
-        </p:txBody>
-      </p:sp>
-    </p:spTree>
-    <p:extLst>
-      <p:ext uri="{BB962C8B-B14F-4D97-AF65-F5344CB8AC3E}">
-        <p14:creationId xmlns:p14="http://schemas.microsoft.com/office/powerpoint/2010/main" val="1971149438"/>
-      </p:ext>
-    </p:extLst>
-  </p:cSld>
-  <p:clrMapOvr>
-    <a:masterClrMapping/>
-  </p:clrMapOvr>
-</p:sld>
-</file>
-
-<file path=ppt/slides/slide35.xml><?xml version="1.0" encoding="utf-8"?>
-<p:sld xmlns:a="http://schemas.openxmlformats.org/drawingml/2006/main" xmlns:r="http://schemas.openxmlformats.org/officeDocument/2006/relationships" xmlns:p="http://schemas.openxmlformats.org/presentationml/2006/main">
-  <p:cSld>
-    <p:spTree>
-      <p:nvGrpSpPr>
-        <p:cNvPr id="1" name=""/>
-        <p:cNvGrpSpPr/>
-        <p:nvPr/>
-      </p:nvGrpSpPr>
-      <p:grpSpPr>
-        <a:xfrm>
-          <a:off x="0" y="0"/>
-          <a:ext cx="0" cy="0"/>
-          <a:chOff x="0" y="0"/>
-          <a:chExt cx="0" cy="0"/>
-        </a:xfrm>
-      </p:grpSpPr>
-      <p:sp>
-        <p:nvSpPr>
-          <p:cNvPr id="2" name="Заголовок 1">
-            <a:extLst>
-              <a:ext uri="{FF2B5EF4-FFF2-40B4-BE49-F238E27FC236}">
-                <a16:creationId xmlns:a16="http://schemas.microsoft.com/office/drawing/2014/main" id="{560A5064-666A-7555-7357-0F8EFD667F80}"/>
-              </a:ext>
-            </a:extLst>
-          </p:cNvPr>
-          <p:cNvSpPr>
-            <a:spLocks noGrp="1"/>
-          </p:cNvSpPr>
-          <p:nvPr>
-            <p:ph type="title"/>
-          </p:nvPr>
-        </p:nvSpPr>
-        <p:spPr>
-          <a:xfrm>
-            <a:off x="185056" y="0"/>
-            <a:ext cx="12006943" cy="919842"/>
-          </a:xfrm>
-        </p:spPr>
-        <p:txBody>
-          <a:bodyPr>
-            <a:normAutofit/>
-          </a:bodyPr>
-          <a:lstStyle/>
-          <a:p>
-            <a:r>
-              <a:rPr lang="ru-RU" dirty="0">
-                <a:solidFill>
-                  <a:schemeClr val="bg1"/>
-                </a:solidFill>
-              </a:rPr>
-              <a:t>Роли в команде</a:t>
-            </a:r>
-          </a:p>
-        </p:txBody>
-      </p:sp>
-      <p:sp>
-        <p:nvSpPr>
-          <p:cNvPr id="3" name="Объект 2">
-            <a:extLst>
-              <a:ext uri="{FF2B5EF4-FFF2-40B4-BE49-F238E27FC236}">
-                <a16:creationId xmlns:a16="http://schemas.microsoft.com/office/drawing/2014/main" id="{EF1A858C-C156-B159-B6C9-F121B8D996B9}"/>
-              </a:ext>
-            </a:extLst>
-          </p:cNvPr>
-          <p:cNvSpPr>
-            <a:spLocks noGrp="1"/>
-          </p:cNvSpPr>
-          <p:nvPr>
-            <p:ph idx="1"/>
-          </p:nvPr>
-        </p:nvSpPr>
-        <p:spPr>
-          <a:xfrm>
-            <a:off x="838200" y="1825625"/>
-            <a:ext cx="10515600" cy="4618718"/>
-          </a:xfrm>
-        </p:spPr>
-        <p:txBody>
-          <a:bodyPr>
-            <a:normAutofit/>
-          </a:bodyPr>
-          <a:lstStyle/>
-          <a:p>
-            <a:pPr marL="0" indent="0">
-              <a:buNone/>
-            </a:pPr>
-            <a:r>
-              <a:rPr lang="ru-RU" b="0" i="0" dirty="0">
-                <a:effectLst/>
-                <a:latin typeface="fkGroteskNeue"/>
-              </a:rPr>
               <a:t>Барченков П.А. — Главы 1,2, управление проектом</a:t>
             </a:r>
           </a:p>
@@ -9737,7 +10222,7 @@
           <a:p>
             <a:fld id="{EF7A8E35-B303-42FD-88A6-20A8D5E4F372}" type="slidenum">
               <a:rPr lang="ru-RU" smtClean="0"/>
-              <a:t>35</a:t>
+              <a:t>33</a:t>
             </a:fld>
             <a:endParaRPr lang="ru-RU"/>
           </a:p>

--- a/SAT-решатели (презентация).pptx
+++ b/SAT-решатели (презентация).pptx
@@ -5,7 +5,7 @@
     <p:sldMasterId id="2147483660" r:id="rId1"/>
   </p:sldMasterIdLst>
   <p:notesMasterIdLst>
-    <p:notesMasterId r:id="rId35"/>
+    <p:notesMasterId r:id="rId41"/>
   </p:notesMasterIdLst>
   <p:sldIdLst>
     <p:sldId id="256" r:id="rId2"/>
@@ -14,33 +14,39 @@
     <p:sldId id="258" r:id="rId5"/>
     <p:sldId id="260" r:id="rId6"/>
     <p:sldId id="261" r:id="rId7"/>
-    <p:sldId id="262" r:id="rId8"/>
-    <p:sldId id="264" r:id="rId9"/>
-    <p:sldId id="265" r:id="rId10"/>
-    <p:sldId id="267" r:id="rId11"/>
-    <p:sldId id="268" r:id="rId12"/>
-    <p:sldId id="269" r:id="rId13"/>
-    <p:sldId id="292" r:id="rId14"/>
+    <p:sldId id="295" r:id="rId8"/>
+    <p:sldId id="262" r:id="rId9"/>
+    <p:sldId id="264" r:id="rId10"/>
+    <p:sldId id="265" r:id="rId11"/>
+    <p:sldId id="267" r:id="rId12"/>
+    <p:sldId id="268" r:id="rId13"/>
+    <p:sldId id="269" r:id="rId14"/>
     <p:sldId id="293" r:id="rId15"/>
-    <p:sldId id="273" r:id="rId16"/>
-    <p:sldId id="274" r:id="rId17"/>
-    <p:sldId id="294" r:id="rId18"/>
-    <p:sldId id="276" r:id="rId19"/>
-    <p:sldId id="277" r:id="rId20"/>
-    <p:sldId id="278" r:id="rId21"/>
-    <p:sldId id="279" r:id="rId22"/>
-    <p:sldId id="280" r:id="rId23"/>
-    <p:sldId id="281" r:id="rId24"/>
-    <p:sldId id="282" r:id="rId25"/>
-    <p:sldId id="283" r:id="rId26"/>
-    <p:sldId id="284" r:id="rId27"/>
-    <p:sldId id="285" r:id="rId28"/>
-    <p:sldId id="286" r:id="rId29"/>
-    <p:sldId id="287" r:id="rId30"/>
-    <p:sldId id="288" r:id="rId31"/>
-    <p:sldId id="289" r:id="rId32"/>
-    <p:sldId id="291" r:id="rId33"/>
-    <p:sldId id="290" r:id="rId34"/>
+    <p:sldId id="292" r:id="rId16"/>
+    <p:sldId id="296" r:id="rId17"/>
+    <p:sldId id="273" r:id="rId18"/>
+    <p:sldId id="274" r:id="rId19"/>
+    <p:sldId id="294" r:id="rId20"/>
+    <p:sldId id="276" r:id="rId21"/>
+    <p:sldId id="297" r:id="rId22"/>
+    <p:sldId id="299" r:id="rId23"/>
+    <p:sldId id="298" r:id="rId24"/>
+    <p:sldId id="300" r:id="rId25"/>
+    <p:sldId id="277" r:id="rId26"/>
+    <p:sldId id="278" r:id="rId27"/>
+    <p:sldId id="279" r:id="rId28"/>
+    <p:sldId id="280" r:id="rId29"/>
+    <p:sldId id="281" r:id="rId30"/>
+    <p:sldId id="282" r:id="rId31"/>
+    <p:sldId id="283" r:id="rId32"/>
+    <p:sldId id="284" r:id="rId33"/>
+    <p:sldId id="285" r:id="rId34"/>
+    <p:sldId id="286" r:id="rId35"/>
+    <p:sldId id="287" r:id="rId36"/>
+    <p:sldId id="288" r:id="rId37"/>
+    <p:sldId id="289" r:id="rId38"/>
+    <p:sldId id="291" r:id="rId39"/>
+    <p:sldId id="290" r:id="rId40"/>
   </p:sldIdLst>
   <p:sldSz cx="12192000" cy="6858000"/>
   <p:notesSz cx="6858000" cy="9144000"/>
@@ -147,6 +153,18 @@
 </p:presentation>
 </file>
 
+<file path=ppt/commentAuthors.xml><?xml version="1.0" encoding="utf-8"?>
+<p:cmAuthorLst xmlns:a="http://schemas.openxmlformats.org/drawingml/2006/main" xmlns:r="http://schemas.openxmlformats.org/officeDocument/2006/relationships" xmlns:p="http://schemas.openxmlformats.org/presentationml/2006/main">
+  <p:cmAuthor id="1" name="Иван Шарапов" initials="ИШ" lastIdx="1" clrIdx="0">
+    <p:extLst>
+      <p:ext uri="{19B8F6BF-5375-455C-9EA6-DF929625EA0E}">
+        <p15:presenceInfo xmlns:p15="http://schemas.microsoft.com/office/powerpoint/2012/main" userId="1c99e477910ce57a" providerId="Windows Live"/>
+      </p:ext>
+    </p:extLst>
+  </p:cmAuthor>
+</p:cmAuthorLst>
+</file>
+
 <file path=ppt/notesMasters/notesMaster1.xml><?xml version="1.0" encoding="utf-8"?>
 <p:notesMaster xmlns:a="http://schemas.openxmlformats.org/drawingml/2006/main" xmlns:r="http://schemas.openxmlformats.org/officeDocument/2006/relationships" xmlns:p="http://schemas.openxmlformats.org/presentationml/2006/main">
   <p:cSld>
@@ -229,7 +247,7 @@
           <a:p>
             <a:fld id="{378CC9F5-884F-49E5-B517-9E8FA7861F61}" type="datetimeFigureOut">
               <a:rPr lang="ru-RU" smtClean="0"/>
-              <a:t>08.01.2026</a:t>
+              <a:t>09.01.2026</a:t>
             </a:fld>
             <a:endParaRPr lang="ru-RU"/>
           </a:p>
@@ -627,7 +645,7 @@
           <a:p>
             <a:fld id="{2D6DC980-0D23-43BB-A63D-56EA25751E22}" type="datetime1">
               <a:rPr lang="ru-RU" smtClean="0"/>
-              <a:t>08.01.2026</a:t>
+              <a:t>09.01.2026</a:t>
             </a:fld>
             <a:endParaRPr lang="ru-RU"/>
           </a:p>
@@ -797,7 +815,7 @@
           <a:p>
             <a:fld id="{4B715FF3-9884-4E00-9FC8-FC2FD387C6D9}" type="datetime1">
               <a:rPr lang="ru-RU" smtClean="0"/>
-              <a:t>08.01.2026</a:t>
+              <a:t>09.01.2026</a:t>
             </a:fld>
             <a:endParaRPr lang="ru-RU"/>
           </a:p>
@@ -977,7 +995,7 @@
           <a:p>
             <a:fld id="{11AA60C8-0F3A-4141-9ED5-D0A4E82A6F06}" type="datetime1">
               <a:rPr lang="ru-RU" smtClean="0"/>
-              <a:t>08.01.2026</a:t>
+              <a:t>09.01.2026</a:t>
             </a:fld>
             <a:endParaRPr lang="ru-RU"/>
           </a:p>
@@ -1147,7 +1165,7 @@
           <a:p>
             <a:fld id="{17A71A22-D42E-48D0-B1EB-6892DBED9C56}" type="datetime1">
               <a:rPr lang="ru-RU" smtClean="0"/>
-              <a:t>08.01.2026</a:t>
+              <a:t>09.01.2026</a:t>
             </a:fld>
             <a:endParaRPr lang="ru-RU"/>
           </a:p>
@@ -1393,7 +1411,7 @@
           <a:p>
             <a:fld id="{BADD7171-AC31-463F-8826-96FEC8E67E89}" type="datetime1">
               <a:rPr lang="ru-RU" smtClean="0"/>
-              <a:t>08.01.2026</a:t>
+              <a:t>09.01.2026</a:t>
             </a:fld>
             <a:endParaRPr lang="ru-RU"/>
           </a:p>
@@ -1625,7 +1643,7 @@
           <a:p>
             <a:fld id="{DE1178B0-B191-4CA8-A160-1541DB9A6C24}" type="datetime1">
               <a:rPr lang="ru-RU" smtClean="0"/>
-              <a:t>08.01.2026</a:t>
+              <a:t>09.01.2026</a:t>
             </a:fld>
             <a:endParaRPr lang="ru-RU"/>
           </a:p>
@@ -1992,7 +2010,7 @@
           <a:p>
             <a:fld id="{63C2932A-EC0D-4F11-89AA-A0E1CA5C3E2B}" type="datetime1">
               <a:rPr lang="ru-RU" smtClean="0"/>
-              <a:t>08.01.2026</a:t>
+              <a:t>09.01.2026</a:t>
             </a:fld>
             <a:endParaRPr lang="ru-RU"/>
           </a:p>
@@ -2110,7 +2128,7 @@
           <a:p>
             <a:fld id="{F0A57ABA-A7EE-4550-8639-D4A488B95078}" type="datetime1">
               <a:rPr lang="ru-RU" smtClean="0"/>
-              <a:t>08.01.2026</a:t>
+              <a:t>09.01.2026</a:t>
             </a:fld>
             <a:endParaRPr lang="ru-RU"/>
           </a:p>
@@ -2205,7 +2223,7 @@
           <a:p>
             <a:fld id="{B9B34CC7-46C4-4103-B06C-B49D2A297761}" type="datetime1">
               <a:rPr lang="ru-RU" smtClean="0"/>
-              <a:t>08.01.2026</a:t>
+              <a:t>09.01.2026</a:t>
             </a:fld>
             <a:endParaRPr lang="ru-RU"/>
           </a:p>
@@ -2482,7 +2500,7 @@
           <a:p>
             <a:fld id="{770038EE-DC73-4007-AA63-1E959F10CF99}" type="datetime1">
               <a:rPr lang="ru-RU" smtClean="0"/>
-              <a:t>08.01.2026</a:t>
+              <a:t>09.01.2026</a:t>
             </a:fld>
             <a:endParaRPr lang="ru-RU"/>
           </a:p>
@@ -2739,7 +2757,7 @@
           <a:p>
             <a:fld id="{1F00D20A-60A2-4F74-B982-667F8D4AF630}" type="datetime1">
               <a:rPr lang="ru-RU" smtClean="0"/>
-              <a:t>08.01.2026</a:t>
+              <a:t>09.01.2026</a:t>
             </a:fld>
             <a:endParaRPr lang="ru-RU"/>
           </a:p>
@@ -2961,7 +2979,7 @@
           <a:p>
             <a:fld id="{9A1BF9C1-DB9B-4141-BFA9-B42D79F508B1}" type="datetime1">
               <a:rPr lang="ru-RU" smtClean="0"/>
-              <a:t>08.01.2026</a:t>
+              <a:t>09.01.2026</a:t>
             </a:fld>
             <a:endParaRPr lang="ru-RU"/>
           </a:p>
@@ -3585,7 +3603,7 @@
         </p:spPr>
         <p:txBody>
           <a:bodyPr>
-            <a:normAutofit/>
+            <a:normAutofit fontScale="92500" lnSpcReduction="20000"/>
           </a:bodyPr>
           <a:lstStyle/>
           <a:p>
@@ -3597,22 +3615,82 @@
                 <a:effectLst/>
                 <a:latin typeface="fkGroteskNeue"/>
               </a:rPr>
-              <a:t>(4) </a:t>
+              <a:t>Алгоритм DPLL, предложенный </a:t>
             </a:r>
             <a:r>
               <a:rPr lang="ru-RU" b="0" i="0" dirty="0" err="1">
                 <a:effectLst/>
                 <a:latin typeface="fkGroteskNeue"/>
               </a:rPr>
-              <a:t>Backtracking</a:t>
-            </a:r>
-            <a:r>
-              <a:rPr lang="ru-RU" b="0" i="0" dirty="0">
-                <a:effectLst/>
-                <a:latin typeface="fkGroteskNeue"/>
-              </a:rPr>
-              <a:t> — при обнаружении противоречия (пустой клаузы) возврат к последней точке выбора и попытка альтернативного значения.</a:t>
-            </a:r>
+              <a:t>Davis</a:t>
+            </a:r>
+            <a:r>
+              <a:rPr lang="ru-RU" b="0" i="0" dirty="0">
+                <a:effectLst/>
+                <a:latin typeface="fkGroteskNeue"/>
+              </a:rPr>
+              <a:t>, </a:t>
+            </a:r>
+            <a:r>
+              <a:rPr lang="ru-RU" b="0" i="0" dirty="0" err="1">
+                <a:effectLst/>
+                <a:latin typeface="fkGroteskNeue"/>
+              </a:rPr>
+              <a:t>Putnam</a:t>
+            </a:r>
+            <a:r>
+              <a:rPr lang="ru-RU" b="0" i="0" dirty="0">
+                <a:effectLst/>
+                <a:latin typeface="fkGroteskNeue"/>
+              </a:rPr>
+              <a:t>, </a:t>
+            </a:r>
+            <a:r>
+              <a:rPr lang="ru-RU" b="0" i="0" dirty="0" err="1">
+                <a:effectLst/>
+                <a:latin typeface="fkGroteskNeue"/>
+              </a:rPr>
+              <a:t>Logemann</a:t>
+            </a:r>
+            <a:r>
+              <a:rPr lang="ru-RU" b="0" i="0" dirty="0">
+                <a:effectLst/>
+                <a:latin typeface="fkGroteskNeue"/>
+              </a:rPr>
+              <a:t> и </a:t>
+            </a:r>
+            <a:r>
+              <a:rPr lang="ru-RU" b="0" i="0" dirty="0" err="1">
+                <a:effectLst/>
+                <a:latin typeface="fkGroteskNeue"/>
+              </a:rPr>
+              <a:t>Loveland</a:t>
+            </a:r>
+            <a:r>
+              <a:rPr lang="ru-RU" b="0" i="0" dirty="0">
+                <a:effectLst/>
+                <a:latin typeface="fkGroteskNeue"/>
+              </a:rPr>
+              <a:t> в 1960-х годах, представляет собой первый систематический метод решения SAT-задач, использующий принцип поиска с возвратом (</a:t>
+            </a:r>
+            <a:r>
+              <a:rPr lang="ru-RU" b="0" i="0" dirty="0" err="1">
+                <a:effectLst/>
+                <a:latin typeface="fkGroteskNeue"/>
+              </a:rPr>
+              <a:t>backtracking</a:t>
+            </a:r>
+            <a:r>
+              <a:rPr lang="ru-RU" b="0" i="0" dirty="0">
+                <a:effectLst/>
+                <a:latin typeface="fkGroteskNeue"/>
+              </a:rPr>
+              <a:t>). Работает исключительно с формулами в конъюнктивной нормальной форме (КНФ). Основные компоненты алгоритма включают: </a:t>
+            </a:r>
+            <a:endParaRPr lang="en-US" b="0" i="0" dirty="0">
+              <a:effectLst/>
+              <a:latin typeface="fkGroteskNeue"/>
+            </a:endParaRPr>
           </a:p>
           <a:p>
             <a:pPr marL="0" indent="0">
@@ -3623,22 +3701,70 @@
                 <a:effectLst/>
                 <a:latin typeface="fkGroteskNeue"/>
               </a:rPr>
-              <a:t>DPLL значительно снижает эффективный размер пространства поиска по сравнению с полным перебором, однако не использует информацию из предыдущих конфликтов для оптимизации будущего поиска.</a:t>
-            </a:r>
-            <a:r>
-              <a:rPr lang="en-US" b="0" i="0" dirty="0">
+              <a:t>(1) Unit </a:t>
+            </a:r>
+            <a:r>
+              <a:rPr lang="ru-RU" b="0" i="0" dirty="0" err="1">
+                <a:effectLst/>
+                <a:latin typeface="fkGroteskNeue"/>
+              </a:rPr>
+              <a:t>Propagation</a:t>
+            </a:r>
+            <a:r>
+              <a:rPr lang="ru-RU" b="0" i="0" dirty="0">
+                <a:effectLst/>
+                <a:latin typeface="fkGroteskNeue"/>
+              </a:rPr>
+              <a:t> — если клауза содержит единственный литерал, этот литерал обязательно должен быть установлен в истину; в результате клауза удаляется, остальные клаузы упрощаются путём удаления противоположного литерала; </a:t>
+            </a:r>
+            <a:endParaRPr lang="en-US" b="0" i="0" dirty="0">
+              <a:effectLst/>
+              <a:latin typeface="fkGroteskNeue"/>
+            </a:endParaRPr>
+          </a:p>
+          <a:p>
+            <a:pPr marL="0" indent="0">
+              <a:buNone/>
+            </a:pPr>
+            <a:r>
+              <a:rPr lang="ru-RU" b="0" i="0" dirty="0">
+                <a:effectLst/>
+                <a:latin typeface="fkGroteskNeue"/>
+              </a:rPr>
+              <a:t>(2) Pure </a:t>
+            </a:r>
+            <a:r>
+              <a:rPr lang="ru-RU" b="0" i="0" dirty="0" err="1">
+                <a:effectLst/>
+                <a:latin typeface="fkGroteskNeue"/>
+              </a:rPr>
+              <a:t>Literal</a:t>
+            </a:r>
+            <a:r>
+              <a:rPr lang="ru-RU" b="0" i="0" dirty="0">
                 <a:effectLst/>
                 <a:latin typeface="fkGroteskNeue"/>
               </a:rPr>
               <a:t> </a:t>
             </a:r>
             <a:r>
-              <a:rPr lang="ru-RU" b="0" i="0" dirty="0">
-                <a:effectLst/>
-                <a:latin typeface="fkGroteskNeue"/>
-              </a:rPr>
-              <a:t>Этого недостатка лишён следующий алгоритм.</a:t>
-            </a:r>
+              <a:rPr lang="ru-RU" b="0" i="0" dirty="0" err="1">
+                <a:effectLst/>
+                <a:latin typeface="fkGroteskNeue"/>
+              </a:rPr>
+              <a:t>Elimination</a:t>
+            </a:r>
+            <a:r>
+              <a:rPr lang="ru-RU" b="0" i="0" dirty="0">
+                <a:effectLst/>
+                <a:latin typeface="fkGroteskNeue"/>
+              </a:rPr>
+              <a:t> — если переменная встречается в формуле только в одном полярном виде, ей присваивается значение, удовлетворяющее все содержащие её клаузы; </a:t>
+            </a:r>
+            <a:endParaRPr lang="en-US" b="0" i="0" dirty="0">
+              <a:effectLst/>
+              <a:latin typeface="fkGroteskNeue"/>
+            </a:endParaRPr>
           </a:p>
           <a:p>
             <a:pPr marL="0" indent="0">
@@ -3649,9 +3775,26 @@
                 <a:effectLst/>
                 <a:latin typeface="fkGroteskNeue"/>
               </a:rPr>
-              <a:t>В худшем случае временная сложность DPLL остаётся экспоненциальной.</a:t>
-            </a:r>
-            <a:endParaRPr lang="ru-RU" dirty="0"/>
+              <a:t>(3) </a:t>
+            </a:r>
+            <a:r>
+              <a:rPr lang="ru-RU" b="0" i="0" dirty="0" err="1">
+                <a:effectLst/>
+                <a:latin typeface="fkGroteskNeue"/>
+              </a:rPr>
+              <a:t>Decision</a:t>
+            </a:r>
+            <a:r>
+              <a:rPr lang="ru-RU" b="0" i="0" dirty="0">
+                <a:effectLst/>
+                <a:latin typeface="fkGroteskNeue"/>
+              </a:rPr>
+              <a:t> — выбор неустановленной переменной и рекурсивная попытка обоих её значений; </a:t>
+            </a:r>
+            <a:endParaRPr lang="en-US" b="0" i="0" dirty="0">
+              <a:effectLst/>
+              <a:latin typeface="fkGroteskNeue"/>
+            </a:endParaRPr>
           </a:p>
         </p:txBody>
       </p:sp>
@@ -3660,7 +3803,7 @@
           <p:cNvPr id="5" name="Номер слайда 4">
             <a:extLst>
               <a:ext uri="{FF2B5EF4-FFF2-40B4-BE49-F238E27FC236}">
-                <a16:creationId xmlns:a16="http://schemas.microsoft.com/office/drawing/2014/main" id="{7F3F3132-00CF-4874-8B4C-59FAEA43972C}"/>
+                <a16:creationId xmlns:a16="http://schemas.microsoft.com/office/drawing/2014/main" id="{898957FA-0A58-4FB5-A0FA-A12124F91845}"/>
               </a:ext>
             </a:extLst>
           </p:cNvPr>
@@ -3687,7 +3830,7 @@
     </p:spTree>
     <p:extLst>
       <p:ext uri="{BB962C8B-B14F-4D97-AF65-F5344CB8AC3E}">
-        <p14:creationId xmlns:p14="http://schemas.microsoft.com/office/powerpoint/2010/main" val="2363260911"/>
+        <p14:creationId xmlns:p14="http://schemas.microsoft.com/office/powerpoint/2010/main" val="4149445403"/>
       </p:ext>
     </p:extLst>
   </p:cSld>
@@ -3756,7 +3899,7 @@
                   <a:schemeClr val="bg1"/>
                 </a:solidFill>
               </a:rPr>
-              <a:t>CDCL</a:t>
+              <a:t>DPLL</a:t>
             </a:r>
             <a:endParaRPr lang="ru-RU" dirty="0">
               <a:solidFill>
@@ -3790,7 +3933,7 @@
         </p:spPr>
         <p:txBody>
           <a:bodyPr>
-            <a:normAutofit fontScale="92500"/>
+            <a:normAutofit/>
           </a:bodyPr>
           <a:lstStyle/>
           <a:p>
@@ -3802,40 +3945,22 @@
                 <a:effectLst/>
                 <a:latin typeface="fkGroteskNeue"/>
               </a:rPr>
-              <a:t>Алгоритм CDCL (</a:t>
+              <a:t>(4) </a:t>
             </a:r>
             <a:r>
               <a:rPr lang="ru-RU" b="0" i="0" dirty="0" err="1">
                 <a:effectLst/>
                 <a:latin typeface="fkGroteskNeue"/>
               </a:rPr>
-              <a:t>Conflict</a:t>
-            </a:r>
-            <a:r>
-              <a:rPr lang="ru-RU" b="0" i="0" dirty="0">
-                <a:effectLst/>
-                <a:latin typeface="fkGroteskNeue"/>
-              </a:rPr>
-              <a:t>-Driven </a:t>
-            </a:r>
-            <a:r>
-              <a:rPr lang="ru-RU" b="0" i="0" dirty="0" err="1">
-                <a:effectLst/>
-                <a:latin typeface="fkGroteskNeue"/>
-              </a:rPr>
-              <a:t>Clause</a:t>
-            </a:r>
-            <a:r>
-              <a:rPr lang="ru-RU" b="0" i="0" dirty="0">
-                <a:effectLst/>
-                <a:latin typeface="fkGroteskNeue"/>
-              </a:rPr>
-              <a:t> Learning) представляет собой современное расширение DPLL, определившее развитие SAT-решателей за последние два десятилетия. Ключевые инновации CDCL включают: </a:t>
-            </a:r>
-            <a:endParaRPr lang="en-US" b="0" i="0" dirty="0">
-              <a:effectLst/>
-              <a:latin typeface="fkGroteskNeue"/>
-            </a:endParaRPr>
+              <a:t>Backtracking</a:t>
+            </a:r>
+            <a:r>
+              <a:rPr lang="ru-RU" b="0" i="0" dirty="0">
+                <a:effectLst/>
+                <a:latin typeface="fkGroteskNeue"/>
+              </a:rPr>
+              <a:t> — при обнаружении противоречия (пустой клаузы) возврат к последней точке выбора и попытка альтернативного значения.</a:t>
+            </a:r>
           </a:p>
           <a:p>
             <a:pPr marL="0" indent="0">
@@ -3846,26 +3971,22 @@
                 <a:effectLst/>
                 <a:latin typeface="fkGroteskNeue"/>
               </a:rPr>
-              <a:t>(1) </a:t>
-            </a:r>
-            <a:r>
-              <a:rPr lang="ru-RU" b="0" i="0" dirty="0" err="1">
-                <a:effectLst/>
-                <a:latin typeface="fkGroteskNeue"/>
-              </a:rPr>
-              <a:t>Clause</a:t>
-            </a:r>
-            <a:r>
-              <a:rPr lang="ru-RU" b="0" i="0" dirty="0">
-                <a:effectLst/>
-                <a:latin typeface="fkGroteskNeue"/>
-              </a:rPr>
-              <a:t> Learning — при обнаружении конфликта анализируются причины конфликта: выполняется обход графа импликаций в обратном направлении; на основе этого анализа синтезируется новая клауза, которая добавляется в формулу и предотвращает повторение идентичного конфликта; </a:t>
-            </a:r>
-            <a:endParaRPr lang="en-US" b="0" i="0" dirty="0">
-              <a:effectLst/>
-              <a:latin typeface="fkGroteskNeue"/>
-            </a:endParaRPr>
+              <a:t>DPLL значительно снижает эффективный размер пространства поиска по сравнению с полным перебором, однако не использует информацию из предыдущих конфликтов для оптимизации будущего поиска.</a:t>
+            </a:r>
+            <a:r>
+              <a:rPr lang="en-US" b="0" i="0" dirty="0">
+                <a:effectLst/>
+                <a:latin typeface="fkGroteskNeue"/>
+              </a:rPr>
+              <a:t> </a:t>
+            </a:r>
+            <a:r>
+              <a:rPr lang="ru-RU" b="0" i="0" dirty="0">
+                <a:effectLst/>
+                <a:latin typeface="fkGroteskNeue"/>
+              </a:rPr>
+              <a:t>Этого недостатка лишён следующий алгоритм.</a:t>
+            </a:r>
           </a:p>
           <a:p>
             <a:pPr marL="0" indent="0">
@@ -3876,68 +3997,9 @@
                 <a:effectLst/>
                 <a:latin typeface="fkGroteskNeue"/>
               </a:rPr>
-              <a:t>(2) Non-</a:t>
-            </a:r>
-            <a:r>
-              <a:rPr lang="ru-RU" b="0" i="0" dirty="0" err="1">
-                <a:effectLst/>
-                <a:latin typeface="fkGroteskNeue"/>
-              </a:rPr>
-              <a:t>chronological</a:t>
-            </a:r>
-            <a:r>
-              <a:rPr lang="ru-RU" b="0" i="0" dirty="0">
-                <a:effectLst/>
-                <a:latin typeface="fkGroteskNeue"/>
-              </a:rPr>
-              <a:t> </a:t>
-            </a:r>
-            <a:r>
-              <a:rPr lang="ru-RU" b="0" i="0" dirty="0" err="1">
-                <a:effectLst/>
-                <a:latin typeface="fkGroteskNeue"/>
-              </a:rPr>
-              <a:t>Backtracking</a:t>
-            </a:r>
-            <a:r>
-              <a:rPr lang="ru-RU" b="0" i="0" dirty="0">
-                <a:effectLst/>
-                <a:latin typeface="fkGroteskNeue"/>
-              </a:rPr>
-              <a:t> — возврат выполняется не на один уровень, а на уровень, определяемый анализом конфликта (</a:t>
-            </a:r>
-            <a:r>
-              <a:rPr lang="ru-RU" b="0" i="0" dirty="0" err="1">
-                <a:effectLst/>
-                <a:latin typeface="fkGroteskNeue"/>
-              </a:rPr>
-              <a:t>asserting</a:t>
-            </a:r>
-            <a:r>
-              <a:rPr lang="ru-RU" b="0" i="0" dirty="0">
-                <a:effectLst/>
-                <a:latin typeface="fkGroteskNeue"/>
-              </a:rPr>
-              <a:t> </a:t>
-            </a:r>
-            <a:r>
-              <a:rPr lang="ru-RU" b="0" i="0" dirty="0" err="1">
-                <a:effectLst/>
-                <a:latin typeface="fkGroteskNeue"/>
-              </a:rPr>
-              <a:t>level</a:t>
-            </a:r>
-            <a:r>
-              <a:rPr lang="ru-RU" b="0" i="0" dirty="0">
-                <a:effectLst/>
-                <a:latin typeface="fkGroteskNeue"/>
-              </a:rPr>
-              <a:t>), что позволяет более эффективно сужать пространство поиска; </a:t>
-            </a:r>
-            <a:endParaRPr lang="en-US" b="0" i="0" dirty="0">
-              <a:effectLst/>
-              <a:latin typeface="fkGroteskNeue"/>
-            </a:endParaRPr>
+              <a:t>В худшем случае временная сложность DPLL остаётся экспоненциальной.</a:t>
+            </a:r>
+            <a:endParaRPr lang="ru-RU" dirty="0"/>
           </a:p>
         </p:txBody>
       </p:sp>
@@ -3946,7 +4008,7 @@
           <p:cNvPr id="5" name="Номер слайда 4">
             <a:extLst>
               <a:ext uri="{FF2B5EF4-FFF2-40B4-BE49-F238E27FC236}">
-                <a16:creationId xmlns:a16="http://schemas.microsoft.com/office/drawing/2014/main" id="{AB133BAB-901F-4384-B9F6-B8D98B83DEDE}"/>
+                <a16:creationId xmlns:a16="http://schemas.microsoft.com/office/drawing/2014/main" id="{7F3F3132-00CF-4874-8B4C-59FAEA43972C}"/>
               </a:ext>
             </a:extLst>
           </p:cNvPr>
@@ -3973,7 +4035,7 @@
     </p:spTree>
     <p:extLst>
       <p:ext uri="{BB962C8B-B14F-4D97-AF65-F5344CB8AC3E}">
-        <p14:creationId xmlns:p14="http://schemas.microsoft.com/office/powerpoint/2010/main" val="3658210047"/>
+        <p14:creationId xmlns:p14="http://schemas.microsoft.com/office/powerpoint/2010/main" val="2363260911"/>
       </p:ext>
     </p:extLst>
   </p:cSld>
@@ -4076,7 +4138,7 @@
         </p:spPr>
         <p:txBody>
           <a:bodyPr>
-            <a:normAutofit lnSpcReduction="10000"/>
+            <a:normAutofit fontScale="92500" lnSpcReduction="10000"/>
           </a:bodyPr>
           <a:lstStyle/>
           <a:p>
@@ -4084,88 +4146,39 @@
               <a:buNone/>
             </a:pPr>
             <a:r>
-              <a:rPr lang="ru-RU" b="0" i="0">
-                <a:effectLst/>
-                <a:latin typeface="fkGroteskNeue"/>
-              </a:rPr>
-              <a:t>(</a:t>
-            </a:r>
-            <a:r>
-              <a:rPr lang="ru-RU" b="0" i="0" dirty="0">
-                <a:effectLst/>
-                <a:latin typeface="fkGroteskNeue"/>
-              </a:rPr>
-              <a:t>3) VSIDS </a:t>
+              <a:rPr lang="ru-RU" b="0" i="0" dirty="0">
+                <a:effectLst/>
+                <a:latin typeface="fkGroteskNeue"/>
+              </a:rPr>
+              <a:t>Алгоритм CDCL (</a:t>
             </a:r>
             <a:r>
               <a:rPr lang="ru-RU" b="0" i="0" dirty="0" err="1">
                 <a:effectLst/>
                 <a:latin typeface="fkGroteskNeue"/>
               </a:rPr>
-              <a:t>Heuristic</a:t>
-            </a:r>
-            <a:r>
-              <a:rPr lang="ru-RU" b="0" i="0" dirty="0">
-                <a:effectLst/>
-                <a:latin typeface="fkGroteskNeue"/>
-              </a:rPr>
-              <a:t> (</a:t>
+              <a:t>Conflict</a:t>
+            </a:r>
+            <a:r>
+              <a:rPr lang="ru-RU" b="0" i="0" dirty="0">
+                <a:effectLst/>
+                <a:latin typeface="fkGroteskNeue"/>
+              </a:rPr>
+              <a:t>-Driven </a:t>
             </a:r>
             <a:r>
               <a:rPr lang="ru-RU" b="0" i="0" dirty="0" err="1">
                 <a:effectLst/>
                 <a:latin typeface="fkGroteskNeue"/>
               </a:rPr>
-              <a:t>Variable</a:t>
-            </a:r>
-            <a:r>
-              <a:rPr lang="ru-RU" b="0" i="0" dirty="0">
-                <a:effectLst/>
-                <a:latin typeface="fkGroteskNeue"/>
-              </a:rPr>
-              <a:t> State Independent </a:t>
-            </a:r>
-            <a:r>
-              <a:rPr lang="ru-RU" b="0" i="0" dirty="0" err="1">
-                <a:effectLst/>
-                <a:latin typeface="fkGroteskNeue"/>
-              </a:rPr>
-              <a:t>Decaying</a:t>
-            </a:r>
-            <a:r>
-              <a:rPr lang="ru-RU" b="0" i="0" dirty="0">
-                <a:effectLst/>
-                <a:latin typeface="fkGroteskNeue"/>
-              </a:rPr>
-              <a:t> </a:t>
-            </a:r>
-            <a:r>
-              <a:rPr lang="ru-RU" b="0" i="0" dirty="0" err="1">
-                <a:effectLst/>
-                <a:latin typeface="fkGroteskNeue"/>
-              </a:rPr>
-              <a:t>Sum</a:t>
-            </a:r>
-            <a:r>
-              <a:rPr lang="ru-RU" b="0" i="0" dirty="0">
-                <a:effectLst/>
-                <a:latin typeface="fkGroteskNeue"/>
-              </a:rPr>
-              <a:t>) — эвристика выбора переменной, которая </a:t>
-            </a:r>
-            <a:r>
-              <a:rPr lang="ru-RU" b="0" i="0" dirty="0" err="1">
-                <a:effectLst/>
-                <a:latin typeface="fkGroteskNeue"/>
-              </a:rPr>
-              <a:t>приоритизирует</a:t>
-            </a:r>
-            <a:r>
-              <a:rPr lang="ru-RU" b="0" i="0" dirty="0">
-                <a:effectLst/>
-                <a:latin typeface="fkGroteskNeue"/>
-              </a:rPr>
-              <a:t> переменные, часто появляющиеся в недавних конфликтах, с экспоненциальным затуханием старых данных; </a:t>
+              <a:t>Clause</a:t>
+            </a:r>
+            <a:r>
+              <a:rPr lang="ru-RU" b="0" i="0" dirty="0">
+                <a:effectLst/>
+                <a:latin typeface="fkGroteskNeue"/>
+              </a:rPr>
+              <a:t> Learning) представляет собой современное расширение DPLL, определившее развитие SAT-решателей за последние два десятилетия. Ключевые инновации CDCL включают: </a:t>
             </a:r>
             <a:endParaRPr lang="en-US" b="0" i="0" dirty="0">
               <a:effectLst/>
@@ -4181,21 +4194,21 @@
                 <a:effectLst/>
                 <a:latin typeface="fkGroteskNeue"/>
               </a:rPr>
-              <a:t>(4) </a:t>
+              <a:t>(1) </a:t>
             </a:r>
             <a:r>
               <a:rPr lang="ru-RU" b="0" i="0" dirty="0" err="1">
                 <a:effectLst/>
                 <a:latin typeface="fkGroteskNeue"/>
               </a:rPr>
-              <a:t>Restarts</a:t>
-            </a:r>
-            <a:r>
-              <a:rPr lang="ru-RU" b="0" i="0" dirty="0">
-                <a:effectLst/>
-                <a:latin typeface="fkGroteskNeue"/>
-              </a:rPr>
-              <a:t> — периодическая перезагрузка процесса поиска с сохранением выученных клауз, что помогает преодолевать "застревание" в неудачных ветвях; </a:t>
+              <a:t>Clause</a:t>
+            </a:r>
+            <a:r>
+              <a:rPr lang="ru-RU" b="0" i="0" dirty="0">
+                <a:effectLst/>
+                <a:latin typeface="fkGroteskNeue"/>
+              </a:rPr>
+              <a:t> Learning — при обнаружении конфликта* анализируются причины конфликта: выполняется обход графа импликаций в обратном направлении; на основе этого анализа синтезируется новая клауза, которая добавляется в формулу и предотвращает повторение идентичного конфликта; </a:t>
             </a:r>
             <a:endParaRPr lang="en-US" b="0" i="0" dirty="0">
               <a:effectLst/>
@@ -4211,47 +4224,81 @@
                 <a:effectLst/>
                 <a:latin typeface="fkGroteskNeue"/>
               </a:rPr>
-              <a:t>(5) In-</a:t>
+              <a:t>(2) Non-</a:t>
             </a:r>
             <a:r>
               <a:rPr lang="ru-RU" b="0" i="0" dirty="0" err="1">
                 <a:effectLst/>
                 <a:latin typeface="fkGroteskNeue"/>
               </a:rPr>
-              <a:t>processing</a:t>
-            </a:r>
-            <a:r>
-              <a:rPr lang="ru-RU" b="0" i="0" dirty="0">
-                <a:effectLst/>
-                <a:latin typeface="fkGroteskNeue"/>
-              </a:rPr>
-              <a:t> — оптимизация формулы во время решения путём упрощения и удаления избыточных клауз. </a:t>
-            </a:r>
-            <a:endParaRPr lang="en-US" b="0" i="0">
+              <a:t>chronological</a:t>
+            </a:r>
+            <a:r>
+              <a:rPr lang="ru-RU" b="0" i="0" dirty="0">
+                <a:effectLst/>
+                <a:latin typeface="fkGroteskNeue"/>
+              </a:rPr>
+              <a:t> </a:t>
+            </a:r>
+            <a:r>
+              <a:rPr lang="ru-RU" b="0" i="0" dirty="0" err="1">
+                <a:effectLst/>
+                <a:latin typeface="fkGroteskNeue"/>
+              </a:rPr>
+              <a:t>Backtracking</a:t>
+            </a:r>
+            <a:r>
+              <a:rPr lang="ru-RU" b="0" i="0" dirty="0">
+                <a:effectLst/>
+                <a:latin typeface="fkGroteskNeue"/>
+              </a:rPr>
+              <a:t> — возврат выполняется не на один уровень, а на уровень, определяемый анализом конфликта (</a:t>
+            </a:r>
+            <a:r>
+              <a:rPr lang="ru-RU" b="0" i="0" dirty="0" err="1">
+                <a:effectLst/>
+                <a:latin typeface="fkGroteskNeue"/>
+              </a:rPr>
+              <a:t>asserting</a:t>
+            </a:r>
+            <a:r>
+              <a:rPr lang="ru-RU" b="0" i="0" dirty="0">
+                <a:effectLst/>
+                <a:latin typeface="fkGroteskNeue"/>
+              </a:rPr>
+              <a:t> </a:t>
+            </a:r>
+            <a:r>
+              <a:rPr lang="ru-RU" b="0" i="0" dirty="0" err="1">
+                <a:effectLst/>
+                <a:latin typeface="fkGroteskNeue"/>
+              </a:rPr>
+              <a:t>level</a:t>
+            </a:r>
+            <a:r>
+              <a:rPr lang="ru-RU" b="0" i="0" dirty="0">
+                <a:effectLst/>
+                <a:latin typeface="fkGroteskNeue"/>
+              </a:rPr>
+              <a:t>), что позволяет более эффективно сужать пространство поиска; </a:t>
+            </a:r>
+          </a:p>
+          <a:p>
+            <a:pPr marL="0" indent="0">
+              <a:buNone/>
+            </a:pPr>
+            <a:r>
+              <a:rPr lang="ru-RU" b="0" i="0" dirty="0">
+                <a:effectLst/>
+                <a:latin typeface="fkGroteskNeue"/>
+              </a:rPr>
+              <a:t>*Конфликт в CDCL — это ситуация, когда при текущем частичном присваивании хотя бы одна клауза полностью ложна (пустая клауза).</a:t>
+            </a:r>
+            <a:endParaRPr lang="en-US" b="0" i="0" dirty="0">
               <a:effectLst/>
               <a:latin typeface="fkGroteskNeue"/>
             </a:endParaRPr>
           </a:p>
-          <a:p>
-            <a:pPr marL="0" indent="0">
-              <a:buNone/>
-            </a:pPr>
-            <a:r>
-              <a:rPr lang="ru-RU" b="0" i="0">
-                <a:effectLst/>
-                <a:latin typeface="fkGroteskNeue"/>
-              </a:rPr>
-              <a:t>CDCL-решатели </a:t>
-            </a:r>
-            <a:r>
-              <a:rPr lang="ru-RU" b="0" i="0" dirty="0">
-                <a:effectLst/>
-                <a:latin typeface="fkGroteskNeue"/>
-              </a:rPr>
-              <a:t>демонстрируют способность решать практические экземпляры SAT с тысячами переменных и миллионами клауз.</a:t>
-            </a:r>
-            <a:endParaRPr lang="ru-RU" dirty="0"/>
-          </a:p>
         </p:txBody>
       </p:sp>
       <p:sp>
@@ -4259,7 +4306,7 @@
           <p:cNvPr id="5" name="Номер слайда 4">
             <a:extLst>
               <a:ext uri="{FF2B5EF4-FFF2-40B4-BE49-F238E27FC236}">
-                <a16:creationId xmlns:a16="http://schemas.microsoft.com/office/drawing/2014/main" id="{7D31043C-911B-444D-A1E3-CBCD9C0FA54D}"/>
+                <a16:creationId xmlns:a16="http://schemas.microsoft.com/office/drawing/2014/main" id="{AB133BAB-901F-4384-B9F6-B8D98B83DEDE}"/>
               </a:ext>
             </a:extLst>
           </p:cNvPr>
@@ -4286,7 +4333,7 @@
     </p:spTree>
     <p:extLst>
       <p:ext uri="{BB962C8B-B14F-4D97-AF65-F5344CB8AC3E}">
-        <p14:creationId xmlns:p14="http://schemas.microsoft.com/office/powerpoint/2010/main" val="1072175018"/>
+        <p14:creationId xmlns:p14="http://schemas.microsoft.com/office/powerpoint/2010/main" val="3658210047"/>
       </p:ext>
     </p:extLst>
   </p:cSld>
@@ -4342,21 +4389,26 @@
           <a:lstStyle/>
           <a:p>
             <a:r>
+              <a:rPr lang="ru-RU" dirty="0">
+                <a:solidFill>
+                  <a:schemeClr val="bg1"/>
+                </a:solidFill>
+              </a:rPr>
+              <a:t>Алгоритм </a:t>
+            </a:r>
+            <a:r>
               <a:rPr lang="en-US" dirty="0">
                 <a:solidFill>
                   <a:schemeClr val="bg1"/>
                 </a:solidFill>
               </a:rPr>
-              <a:t>Z3 </a:t>
-            </a:r>
-            <a:r>
-              <a:rPr lang="ru-RU" dirty="0">
-                <a:solidFill>
-                  <a:schemeClr val="bg1"/>
-                </a:solidFill>
-              </a:rPr>
-              <a:t>решатель</a:t>
-            </a:r>
+              <a:t>CDCL</a:t>
+            </a:r>
+            <a:endParaRPr lang="ru-RU" dirty="0">
+              <a:solidFill>
+                <a:schemeClr val="bg1"/>
+              </a:solidFill>
+            </a:endParaRPr>
           </a:p>
         </p:txBody>
       </p:sp>
@@ -4384,7 +4436,7 @@
         </p:spPr>
         <p:txBody>
           <a:bodyPr>
-            <a:normAutofit fontScale="92500"/>
+            <a:normAutofit lnSpcReduction="10000"/>
           </a:bodyPr>
           <a:lstStyle/>
           <a:p>
@@ -4392,12 +4444,93 @@
               <a:buNone/>
             </a:pPr>
             <a:r>
-              <a:rPr lang="ru-RU" b="0" i="0" dirty="0">
-                <a:effectLst/>
-                <a:latin typeface="fkGroteskNeue"/>
-              </a:rPr>
-              <a:t>Z3 — SMT-решатель, разработанный в Microsoft Research. В отличие от классических SAT-решателей, Z3 поддерживает не только булеву логику, но и теории целых/вещественных чисел, массивов и функций. </a:t>
-            </a:r>
+              <a:rPr lang="ru-RU" b="0" i="0">
+                <a:effectLst/>
+                <a:latin typeface="fkGroteskNeue"/>
+              </a:rPr>
+              <a:t>(</a:t>
+            </a:r>
+            <a:r>
+              <a:rPr lang="ru-RU" b="0" i="0" dirty="0">
+                <a:effectLst/>
+                <a:latin typeface="fkGroteskNeue"/>
+              </a:rPr>
+              <a:t>3) VSIDS </a:t>
+            </a:r>
+            <a:r>
+              <a:rPr lang="ru-RU" b="0" i="0" dirty="0" err="1">
+                <a:effectLst/>
+                <a:latin typeface="fkGroteskNeue"/>
+              </a:rPr>
+              <a:t>Heuristic</a:t>
+            </a:r>
+            <a:r>
+              <a:rPr lang="ru-RU" b="0" i="0" dirty="0">
+                <a:effectLst/>
+                <a:latin typeface="fkGroteskNeue"/>
+              </a:rPr>
+              <a:t> (</a:t>
+            </a:r>
+            <a:r>
+              <a:rPr lang="ru-RU" b="0" i="0" dirty="0" err="1">
+                <a:effectLst/>
+                <a:latin typeface="fkGroteskNeue"/>
+              </a:rPr>
+              <a:t>Variable</a:t>
+            </a:r>
+            <a:r>
+              <a:rPr lang="ru-RU" b="0" i="0" dirty="0">
+                <a:effectLst/>
+                <a:latin typeface="fkGroteskNeue"/>
+              </a:rPr>
+              <a:t> State Independent </a:t>
+            </a:r>
+            <a:r>
+              <a:rPr lang="ru-RU" b="0" i="0" dirty="0" err="1">
+                <a:effectLst/>
+                <a:latin typeface="fkGroteskNeue"/>
+              </a:rPr>
+              <a:t>Decaying</a:t>
+            </a:r>
+            <a:r>
+              <a:rPr lang="ru-RU" b="0" i="0" dirty="0">
+                <a:effectLst/>
+                <a:latin typeface="fkGroteskNeue"/>
+              </a:rPr>
+              <a:t> </a:t>
+            </a:r>
+            <a:r>
+              <a:rPr lang="ru-RU" b="0" i="0" dirty="0" err="1">
+                <a:effectLst/>
+                <a:latin typeface="fkGroteskNeue"/>
+              </a:rPr>
+              <a:t>Sum</a:t>
+            </a:r>
+            <a:r>
+              <a:rPr lang="ru-RU" b="0" i="0" dirty="0">
+                <a:effectLst/>
+                <a:latin typeface="fkGroteskNeue"/>
+              </a:rPr>
+              <a:t>) — эвристика выбора переменной, которая </a:t>
+            </a:r>
+            <a:r>
+              <a:rPr lang="ru-RU" b="0" i="0" dirty="0" err="1">
+                <a:effectLst/>
+                <a:latin typeface="fkGroteskNeue"/>
+              </a:rPr>
+              <a:t>приоритизирует</a:t>
+            </a:r>
+            <a:r>
+              <a:rPr lang="ru-RU" b="0" i="0" dirty="0">
+                <a:effectLst/>
+                <a:latin typeface="fkGroteskNeue"/>
+              </a:rPr>
+              <a:t> переменные, часто появляющиеся в недавних конфликтах, с экспоненциальным затуханием старых данных; </a:t>
+            </a:r>
+            <a:endParaRPr lang="en-US" b="0" i="0" dirty="0">
+              <a:effectLst/>
+              <a:latin typeface="fkGroteskNeue"/>
+            </a:endParaRPr>
           </a:p>
           <a:p>
             <a:pPr marL="0" indent="0">
@@ -4408,75 +4541,74 @@
                 <a:effectLst/>
                 <a:latin typeface="fkGroteskNeue"/>
               </a:rPr>
-              <a:t>Архитектура основана на CDCL-алгоритме, дополненном слоями: </a:t>
+              <a:t>(4) </a:t>
             </a:r>
             <a:r>
               <a:rPr lang="ru-RU" b="0" i="0" dirty="0" err="1">
                 <a:effectLst/>
                 <a:latin typeface="fkGroteskNeue"/>
               </a:rPr>
-              <a:t>парсинг</a:t>
-            </a:r>
-            <a:r>
-              <a:rPr lang="ru-RU" b="0" i="0" dirty="0">
-                <a:effectLst/>
-                <a:latin typeface="fkGroteskNeue"/>
-              </a:rPr>
-              <a:t> и построение AST, применение теоретических </a:t>
+              <a:t>Restarts</a:t>
+            </a:r>
+            <a:r>
+              <a:rPr lang="ru-RU" b="0" i="0" dirty="0">
+                <a:effectLst/>
+                <a:latin typeface="fkGroteskNeue"/>
+              </a:rPr>
+              <a:t> — периодическая перезагрузка процесса поиска с сохранением выученных клауз, что помогает преодолевать "застревание" в неудачных ветвях; </a:t>
+            </a:r>
+            <a:endParaRPr lang="en-US" b="0" i="0" dirty="0">
+              <a:effectLst/>
+              <a:latin typeface="fkGroteskNeue"/>
+            </a:endParaRPr>
+          </a:p>
+          <a:p>
+            <a:pPr marL="0" indent="0">
+              <a:buNone/>
+            </a:pPr>
+            <a:r>
+              <a:rPr lang="ru-RU" b="0" i="0" dirty="0">
+                <a:effectLst/>
+                <a:latin typeface="fkGroteskNeue"/>
+              </a:rPr>
+              <a:t>(5) In-</a:t>
             </a:r>
             <a:r>
               <a:rPr lang="ru-RU" b="0" i="0" dirty="0" err="1">
                 <a:effectLst/>
                 <a:latin typeface="fkGroteskNeue"/>
               </a:rPr>
-              <a:t>разрешителей</a:t>
-            </a:r>
-            <a:r>
-              <a:rPr lang="ru-RU" b="0" i="0" dirty="0">
-                <a:effectLst/>
-                <a:latin typeface="fkGroteskNeue"/>
-              </a:rPr>
-              <a:t>, ядро SAT-решателя с оптимизациями, управление конфликтами и обучение клаузам. </a:t>
-            </a:r>
+              <a:t>processing</a:t>
+            </a:r>
+            <a:r>
+              <a:rPr lang="ru-RU" b="0" i="0" dirty="0">
+                <a:effectLst/>
+                <a:latin typeface="fkGroteskNeue"/>
+              </a:rPr>
+              <a:t> — оптимизация формулы во время решения путём упрощения и удаления избыточных клауз. </a:t>
+            </a:r>
+            <a:endParaRPr lang="en-US" b="0" i="0">
+              <a:effectLst/>
+              <a:latin typeface="fkGroteskNeue"/>
+            </a:endParaRPr>
           </a:p>
           <a:p>
             <a:pPr marL="0" indent="0">
               <a:buNone/>
             </a:pPr>
             <a:r>
-              <a:rPr lang="ru-RU" b="0" i="0" dirty="0">
-                <a:effectLst/>
-                <a:latin typeface="fkGroteskNeue"/>
-              </a:rPr>
-              <a:t>Производительность обеспечивается благодаря VSIDS-эвристике, эффективному управлению памятью, стратегиям рестарта и параллельному поиску. Решатель распространяется открытым исходным кодом на </a:t>
-            </a:r>
-            <a:r>
-              <a:rPr lang="ru-RU" b="0" i="0" dirty="0" err="1">
-                <a:effectLst/>
-                <a:latin typeface="fkGroteskNeue"/>
-              </a:rPr>
-              <a:t>GitHub</a:t>
-            </a:r>
-            <a:r>
-              <a:rPr lang="ru-RU" b="0" i="0" dirty="0">
-                <a:effectLst/>
-                <a:latin typeface="fkGroteskNeue"/>
-              </a:rPr>
-              <a:t> с поддержкой привязок для Python, Java, C++, Go и </a:t>
-            </a:r>
-            <a:r>
-              <a:rPr lang="ru-RU" b="0" i="0" dirty="0" err="1">
-                <a:effectLst/>
-                <a:latin typeface="fkGroteskNeue"/>
-              </a:rPr>
-              <a:t>Rust</a:t>
-            </a:r>
-            <a:r>
-              <a:rPr lang="ru-RU" b="0" i="0" dirty="0">
-                <a:effectLst/>
-                <a:latin typeface="fkGroteskNeue"/>
-              </a:rPr>
-              <a:t>.</a:t>
+              <a:rPr lang="ru-RU" b="0" i="0">
+                <a:effectLst/>
+                <a:latin typeface="fkGroteskNeue"/>
+              </a:rPr>
+              <a:t>CDCL-решатели </a:t>
+            </a:r>
+            <a:r>
+              <a:rPr lang="ru-RU" b="0" i="0" dirty="0">
+                <a:effectLst/>
+                <a:latin typeface="fkGroteskNeue"/>
+              </a:rPr>
+              <a:t>демонстрируют способность решать практические экземпляры SAT с тысячами переменных и миллионами клауз.</a:t>
             </a:r>
             <a:endParaRPr lang="ru-RU" dirty="0"/>
           </a:p>
@@ -4487,7 +4619,7 @@
           <p:cNvPr id="5" name="Номер слайда 4">
             <a:extLst>
               <a:ext uri="{FF2B5EF4-FFF2-40B4-BE49-F238E27FC236}">
-                <a16:creationId xmlns:a16="http://schemas.microsoft.com/office/drawing/2014/main" id="{1CB4DA7F-6AFA-4332-B7B0-81DF413806FD}"/>
+                <a16:creationId xmlns:a16="http://schemas.microsoft.com/office/drawing/2014/main" id="{7D31043C-911B-444D-A1E3-CBCD9C0FA54D}"/>
               </a:ext>
             </a:extLst>
           </p:cNvPr>
@@ -4514,7 +4646,7 @@
     </p:spTree>
     <p:extLst>
       <p:ext uri="{BB962C8B-B14F-4D97-AF65-F5344CB8AC3E}">
-        <p14:creationId xmlns:p14="http://schemas.microsoft.com/office/powerpoint/2010/main" val="2130917507"/>
+        <p14:creationId xmlns:p14="http://schemas.microsoft.com/office/powerpoint/2010/main" val="1072175018"/>
       </p:ext>
     </p:extLst>
   </p:cSld>
@@ -4802,12 +4934,20 @@
           <a:lstStyle/>
           <a:p>
             <a:r>
+              <a:rPr lang="en-US" dirty="0">
+                <a:solidFill>
+                  <a:schemeClr val="bg1"/>
+                </a:solidFill>
+              </a:rPr>
+              <a:t>Z3 </a:t>
+            </a:r>
+            <a:r>
               <a:rPr lang="ru-RU" dirty="0">
                 <a:solidFill>
                   <a:schemeClr val="bg1"/>
                 </a:solidFill>
               </a:rPr>
-              <a:t>Полный перебор</a:t>
+              <a:t>решатель</a:t>
             </a:r>
           </a:p>
         </p:txBody>
@@ -4836,7 +4976,7 @@
         </p:spPr>
         <p:txBody>
           <a:bodyPr>
-            <a:normAutofit/>
+            <a:normAutofit fontScale="92500"/>
           </a:bodyPr>
           <a:lstStyle/>
           <a:p>
@@ -4848,7 +4988,7 @@
                 <a:effectLst/>
                 <a:latin typeface="fkGroteskNeue"/>
               </a:rPr>
-              <a:t>Алгоритм полного перебора для проверки эквивалентности двух булевых формул F₁ и F₂ основан на следующей процедуре:</a:t>
+              <a:t>Z3 — SMT-решатель, разработанный в Microsoft Research. В отличие от классических SAT-решателей, Z3 поддерживает не только булеву логику, но и теории целых/вещественных чисел, массивов и функций. </a:t>
             </a:r>
           </a:p>
           <a:p>
@@ -4860,50 +5000,77 @@
                 <a:effectLst/>
                 <a:latin typeface="fkGroteskNeue"/>
               </a:rPr>
-              <a:t>Пусть </a:t>
+              <a:t>Архитектура основана на CDCL-алгоритме, дополненном слоями: </a:t>
             </a:r>
             <a:r>
               <a:rPr lang="ru-RU" b="0" i="0" dirty="0" err="1">
                 <a:effectLst/>
                 <a:latin typeface="fkGroteskNeue"/>
               </a:rPr>
-              <a:t>Var</a:t>
-            </a:r>
-            <a:r>
-              <a:rPr lang="ru-RU" b="0" i="0" dirty="0">
-                <a:effectLst/>
-                <a:latin typeface="fkGroteskNeue"/>
-              </a:rPr>
-              <a:t> = {x₀, x₁, ..., xₙ₋₁} — объединение множеств переменных обеих формул. Для каждой интерпретации σ: </a:t>
+              <a:t>парсинг</a:t>
+            </a:r>
+            <a:r>
+              <a:rPr lang="ru-RU" b="0" i="0" dirty="0">
+                <a:effectLst/>
+                <a:latin typeface="fkGroteskNeue"/>
+              </a:rPr>
+              <a:t> и построение AST, применение теоретических </a:t>
             </a:r>
             <a:r>
               <a:rPr lang="ru-RU" b="0" i="0" dirty="0" err="1">
                 <a:effectLst/>
                 <a:latin typeface="fkGroteskNeue"/>
               </a:rPr>
-              <a:t>Var</a:t>
-            </a:r>
-            <a:r>
-              <a:rPr lang="ru-RU" b="0" i="0" dirty="0">
-                <a:effectLst/>
-                <a:latin typeface="fkGroteskNeue"/>
-              </a:rPr>
-              <a:t> → {0, 1} (всего 2ⁿ интерпретаций) вычисляются значения F₁(σ) и F₂(σ). Если существует интерпретация σ, для которой F₁(σ) ≠ F₂(σ), формулы не эквивалентны — процедура возвращает </a:t>
+              <a:t>разрешителей</a:t>
+            </a:r>
+            <a:r>
+              <a:rPr lang="ru-RU" b="0" i="0" dirty="0">
+                <a:effectLst/>
+                <a:latin typeface="fkGroteskNeue"/>
+              </a:rPr>
+              <a:t>, ядро SAT-решателя с оптимизациями, управление конфликтами и обучение клаузам. </a:t>
+            </a:r>
+          </a:p>
+          <a:p>
+            <a:pPr marL="0" indent="0">
+              <a:buNone/>
+            </a:pPr>
+            <a:r>
+              <a:rPr lang="ru-RU" b="0" i="0" dirty="0">
+                <a:effectLst/>
+                <a:latin typeface="fkGroteskNeue"/>
+              </a:rPr>
+              <a:t>Производительность обеспечивается благодаря VSIDS-эвристике, эффективному управлению памятью, стратегиям рестарта и параллельному поиску. Решатель распространяется открытым исходным кодом на </a:t>
             </a:r>
             <a:r>
               <a:rPr lang="ru-RU" b="0" i="0" dirty="0" err="1">
                 <a:effectLst/>
                 <a:latin typeface="fkGroteskNeue"/>
               </a:rPr>
-              <a:t>False</a:t>
-            </a:r>
-            <a:r>
-              <a:rPr lang="ru-RU" b="0" i="0" dirty="0">
-                <a:effectLst/>
-                <a:latin typeface="fkGroteskNeue"/>
-              </a:rPr>
-              <a:t>. Если все интерпретации удовлетворяют F₁(σ) = F₂(σ), формулы эквивалентны — возвращает True. </a:t>
-            </a:r>
+              <a:t>GitHub</a:t>
+            </a:r>
+            <a:r>
+              <a:rPr lang="ru-RU" b="0" i="0" dirty="0">
+                <a:effectLst/>
+                <a:latin typeface="fkGroteskNeue"/>
+              </a:rPr>
+              <a:t> с поддержкой привязок для Python, Java, C++, Go и </a:t>
+            </a:r>
+            <a:r>
+              <a:rPr lang="ru-RU" b="0" i="0" dirty="0" err="1">
+                <a:effectLst/>
+                <a:latin typeface="fkGroteskNeue"/>
+              </a:rPr>
+              <a:t>Rust</a:t>
+            </a:r>
+            <a:r>
+              <a:rPr lang="ru-RU" b="0" i="0" dirty="0">
+                <a:effectLst/>
+                <a:latin typeface="fkGroteskNeue"/>
+              </a:rPr>
+              <a:t>.</a:t>
+            </a:r>
+            <a:endParaRPr lang="ru-RU" dirty="0"/>
           </a:p>
         </p:txBody>
       </p:sp>
@@ -4912,7 +5079,7 @@
           <p:cNvPr id="5" name="Номер слайда 4">
             <a:extLst>
               <a:ext uri="{FF2B5EF4-FFF2-40B4-BE49-F238E27FC236}">
-                <a16:creationId xmlns:a16="http://schemas.microsoft.com/office/drawing/2014/main" id="{40FDAAFE-ACCE-459A-BD42-482B02F6CD9B}"/>
+                <a16:creationId xmlns:a16="http://schemas.microsoft.com/office/drawing/2014/main" id="{1CB4DA7F-6AFA-4332-B7B0-81DF413806FD}"/>
               </a:ext>
             </a:extLst>
           </p:cNvPr>
@@ -4939,7 +5106,7 @@
     </p:spTree>
     <p:extLst>
       <p:ext uri="{BB962C8B-B14F-4D97-AF65-F5344CB8AC3E}">
-        <p14:creationId xmlns:p14="http://schemas.microsoft.com/office/powerpoint/2010/main" val="166322421"/>
+        <p14:creationId xmlns:p14="http://schemas.microsoft.com/office/powerpoint/2010/main" val="2130917507"/>
       </p:ext>
     </p:extLst>
   </p:cSld>
@@ -4995,12 +5162,20 @@
           <a:lstStyle/>
           <a:p>
             <a:r>
+              <a:rPr lang="en-US" dirty="0">
+                <a:solidFill>
+                  <a:schemeClr val="bg1"/>
+                </a:solidFill>
+              </a:rPr>
+              <a:t>VSIDS-</a:t>
+            </a:r>
+            <a:r>
               <a:rPr lang="ru-RU" dirty="0">
                 <a:solidFill>
                   <a:schemeClr val="bg1"/>
                 </a:solidFill>
               </a:rPr>
-              <a:t>Полный перебор</a:t>
+              <a:t>эвристика</a:t>
             </a:r>
           </a:p>
         </p:txBody>
@@ -5029,7 +5204,7 @@
         </p:spPr>
         <p:txBody>
           <a:bodyPr>
-            <a:normAutofit/>
+            <a:normAutofit fontScale="92500" lnSpcReduction="10000"/>
           </a:bodyPr>
           <a:lstStyle/>
           <a:p>
@@ -5037,12 +5212,16 @@
               <a:buNone/>
             </a:pPr>
             <a:r>
-              <a:rPr lang="ru-RU" b="0" i="0" dirty="0">
-                <a:effectLst/>
-                <a:latin typeface="fkGroteskNeue"/>
-              </a:rPr>
-              <a:t>Временная сложность алгоритма: T = O(2ⁿ · m), где m — время вычисления формулы. Пространственная сложность: O(n). Практическая верхняя граница применимости полного перебора составляет n ≤ 25 переменных на современных ПК, при этом время вычисления может достигать нескольких минут. </a:t>
-            </a:r>
+              <a:rPr lang="en-US" b="0" i="0" dirty="0">
+                <a:effectLst/>
+                <a:latin typeface="fkGroteskNeue"/>
+              </a:rPr>
+              <a:t>Variable State Independent Decaying Sum</a:t>
+            </a:r>
+            <a:endParaRPr lang="ru-RU" b="0" i="0" dirty="0">
+              <a:effectLst/>
+              <a:latin typeface="fkGroteskNeue"/>
+            </a:endParaRPr>
           </a:p>
           <a:p>
             <a:pPr marL="0" indent="0">
@@ -5053,7 +5232,59 @@
                 <a:effectLst/>
                 <a:latin typeface="fkGroteskNeue"/>
               </a:rPr>
-              <a:t>Преимущество метода — простота реализации и гарантированная корректность. Недостаток — невозможность масштабирования на более крупные задачи.</a:t>
+              <a:t>Каждой переменной x сопоставляется числовой параметр активности A(x). При возникновении конфликта и построении выученной клаузы активность переменных, вошедших в эту клаузы, увеличивается (операция </a:t>
+            </a:r>
+            <a:r>
+              <a:rPr lang="ru-RU" b="0" i="0" dirty="0" err="1">
+                <a:effectLst/>
+                <a:latin typeface="fkGroteskNeue"/>
+              </a:rPr>
+              <a:t>bump</a:t>
+            </a:r>
+            <a:r>
+              <a:rPr lang="ru-RU" b="0" i="0" dirty="0">
+                <a:effectLst/>
+                <a:latin typeface="fkGroteskNeue"/>
+              </a:rPr>
+              <a:t>).</a:t>
+            </a:r>
+          </a:p>
+          <a:p>
+            <a:pPr marL="0" indent="0">
+              <a:buNone/>
+            </a:pPr>
+            <a:r>
+              <a:rPr lang="ru-RU" b="0" i="0" dirty="0">
+                <a:effectLst/>
+                <a:latin typeface="fkGroteskNeue"/>
+              </a:rPr>
+              <a:t>Далее активности подвергаются затуханию (</a:t>
+            </a:r>
+            <a:r>
+              <a:rPr lang="ru-RU" b="0" i="0" dirty="0" err="1">
+                <a:effectLst/>
+                <a:latin typeface="fkGroteskNeue"/>
+              </a:rPr>
+              <a:t>decay</a:t>
+            </a:r>
+            <a:r>
+              <a:rPr lang="ru-RU" b="0" i="0" dirty="0">
+                <a:effectLst/>
+                <a:latin typeface="fkGroteskNeue"/>
+              </a:rPr>
+              <a:t>): вклад давних конфликтов постепенно уменьшается, а свежие конфликты оказываются важнее. Переменная для следующего решения выбирается как переменная с максимальной активностью среди не назначенных. </a:t>
+            </a:r>
+          </a:p>
+          <a:p>
+            <a:pPr marL="0" indent="0">
+              <a:buNone/>
+            </a:pPr>
+            <a:r>
+              <a:rPr lang="ru-RU" b="0" i="0" dirty="0">
+                <a:effectLst/>
+                <a:latin typeface="fkGroteskNeue"/>
+              </a:rPr>
+              <a:t>Интуитивно это означает, что решатель концентрируется на переменных, которые чаще всего оказываются вовлечены в противоречия и, следовательно, лучше всего «разрезают» пространство поиска.</a:t>
             </a:r>
             <a:endParaRPr lang="ru-RU" dirty="0"/>
           </a:p>
@@ -5064,7 +5295,7 @@
           <p:cNvPr id="5" name="Номер слайда 4">
             <a:extLst>
               <a:ext uri="{FF2B5EF4-FFF2-40B4-BE49-F238E27FC236}">
-                <a16:creationId xmlns:a16="http://schemas.microsoft.com/office/drawing/2014/main" id="{4DFD50E0-FD6E-4394-B4DD-801178EEC8F2}"/>
+                <a16:creationId xmlns:a16="http://schemas.microsoft.com/office/drawing/2014/main" id="{1CB4DA7F-6AFA-4332-B7B0-81DF413806FD}"/>
               </a:ext>
             </a:extLst>
           </p:cNvPr>
@@ -5091,7 +5322,7 @@
     </p:spTree>
     <p:extLst>
       <p:ext uri="{BB962C8B-B14F-4D97-AF65-F5344CB8AC3E}">
-        <p14:creationId xmlns:p14="http://schemas.microsoft.com/office/powerpoint/2010/main" val="1863443848"/>
+        <p14:creationId xmlns:p14="http://schemas.microsoft.com/office/powerpoint/2010/main" val="1037098080"/>
       </p:ext>
     </p:extLst>
   </p:cSld>
@@ -5152,21 +5383,8 @@
                   <a:schemeClr val="bg1"/>
                 </a:solidFill>
               </a:rPr>
-              <a:t>Использование </a:t>
-            </a:r>
-            <a:r>
-              <a:rPr lang="en-US" dirty="0">
-                <a:solidFill>
-                  <a:schemeClr val="bg1"/>
-                </a:solidFill>
-              </a:rPr>
-              <a:t>Z3</a:t>
-            </a:r>
-            <a:endParaRPr lang="ru-RU" dirty="0">
-              <a:solidFill>
-                <a:schemeClr val="bg1"/>
-              </a:solidFill>
-            </a:endParaRPr>
+              <a:t>Полный перебор</a:t>
+            </a:r>
           </a:p>
         </p:txBody>
       </p:sp>
@@ -5206,116 +5424,62 @@
                 <a:effectLst/>
                 <a:latin typeface="fkGroteskNeue"/>
               </a:rPr>
-              <a:t>Подход верификации с использованием Z3 основан на редукции к задаче выполнимости. Для проверки эквивалентности F₁ ≡ F₂ строится формула </a:t>
+              <a:t>Алгоритм полного перебора для проверки эквивалентности двух булевых формул F₁ и F₂ основан на следующей процедуре:</a:t>
+            </a:r>
+          </a:p>
+          <a:p>
+            <a:pPr marL="0" indent="0">
+              <a:buNone/>
+            </a:pPr>
+            <a:r>
+              <a:rPr lang="ru-RU" b="0" i="0" dirty="0">
+                <a:effectLst/>
+                <a:latin typeface="fkGroteskNeue"/>
+              </a:rPr>
+              <a:t>Пусть </a:t>
             </a:r>
             <a:r>
               <a:rPr lang="ru-RU" b="0" i="0" dirty="0" err="1">
                 <a:effectLst/>
                 <a:latin typeface="fkGroteskNeue"/>
               </a:rPr>
-              <a:t>miter</a:t>
-            </a:r>
-            <a:r>
-              <a:rPr lang="ru-RU" b="0" i="0" dirty="0">
-                <a:effectLst/>
-                <a:latin typeface="fkGroteskNeue"/>
-              </a:rPr>
-              <a:t>: M(x) = (F₁(x) ∧ ¬F₂(x)) ∨ (¬F₁(x) ∧ F₂(x)). </a:t>
-            </a:r>
-            <a:endParaRPr lang="en-US" b="0" i="0" dirty="0">
-              <a:effectLst/>
-              <a:latin typeface="fkGroteskNeue"/>
-            </a:endParaRPr>
-          </a:p>
-          <a:p>
-            <a:pPr marL="0" indent="0">
-              <a:buNone/>
-            </a:pPr>
-            <a:r>
-              <a:rPr lang="ru-RU" b="0" i="0" dirty="0">
-                <a:effectLst/>
-                <a:latin typeface="fkGroteskNeue"/>
-              </a:rPr>
-              <a:t>Формула M выражает XOR функций: M истинна тогда и только тогда, когда F₁ и F₂ выдают различные значения. Процедура: </a:t>
-            </a:r>
-            <a:endParaRPr lang="en-US" b="0" i="0" dirty="0">
-              <a:effectLst/>
-              <a:latin typeface="fkGroteskNeue"/>
-            </a:endParaRPr>
-          </a:p>
-          <a:p>
-            <a:pPr marL="0" indent="0">
-              <a:buNone/>
-            </a:pPr>
-            <a:r>
-              <a:rPr lang="ru-RU" b="0" i="0" dirty="0">
-                <a:effectLst/>
-                <a:latin typeface="fkGroteskNeue"/>
-              </a:rPr>
-              <a:t>(1) </a:t>
+              <a:t>Var</a:t>
+            </a:r>
+            <a:r>
+              <a:rPr lang="ru-RU" b="0" i="0" dirty="0">
+                <a:effectLst/>
+                <a:latin typeface="fkGroteskNeue"/>
+              </a:rPr>
+              <a:t> = {x₀, x₁, ..., xₙ₋₁} — объединение множеств переменных обеих формул. Для каждой интерпретации σ: </a:t>
             </a:r>
             <a:r>
               <a:rPr lang="ru-RU" b="0" i="0" dirty="0" err="1">
                 <a:effectLst/>
                 <a:latin typeface="fkGroteskNeue"/>
               </a:rPr>
-              <a:t>Парсинг</a:t>
-            </a:r>
-            <a:r>
-              <a:rPr lang="ru-RU" b="0" i="0" dirty="0">
-                <a:effectLst/>
-                <a:latin typeface="fkGroteskNeue"/>
-              </a:rPr>
-              <a:t> обеих формул в AST; </a:t>
-            </a:r>
-            <a:endParaRPr lang="en-US" b="0" i="0" dirty="0">
-              <a:effectLst/>
-              <a:latin typeface="fkGroteskNeue"/>
-            </a:endParaRPr>
-          </a:p>
-          <a:p>
-            <a:pPr marL="0" indent="0">
-              <a:buNone/>
-            </a:pPr>
-            <a:r>
-              <a:rPr lang="ru-RU" b="0" i="0" dirty="0">
-                <a:effectLst/>
-                <a:latin typeface="fkGroteskNeue"/>
-              </a:rPr>
-              <a:t>(2) Трансляция AST в Z3 выражения с использованием рекурсивного обхода дерева и преобразования узлов в соответствующие Z3 примитивы (And, </a:t>
+              <a:t>Var</a:t>
+            </a:r>
+            <a:r>
+              <a:rPr lang="ru-RU" b="0" i="0" dirty="0">
+                <a:effectLst/>
+                <a:latin typeface="fkGroteskNeue"/>
+              </a:rPr>
+              <a:t> → {0, 1} (всего 2ⁿ интерпретаций) вычисляются значения F₁(σ) и F₂(σ). Если существует интерпретация σ, для которой F₁(σ) ≠ F₂(σ), формулы не эквивалентны — процедура возвращает </a:t>
             </a:r>
             <a:r>
               <a:rPr lang="ru-RU" b="0" i="0" dirty="0" err="1">
                 <a:effectLst/>
                 <a:latin typeface="fkGroteskNeue"/>
               </a:rPr>
-              <a:t>Or</a:t>
-            </a:r>
-            <a:r>
-              <a:rPr lang="ru-RU" b="0" i="0" dirty="0">
-                <a:effectLst/>
-                <a:latin typeface="fkGroteskNeue"/>
-              </a:rPr>
-              <a:t>, </a:t>
-            </a:r>
-            <a:r>
-              <a:rPr lang="ru-RU" b="0" i="0" dirty="0" err="1">
-                <a:effectLst/>
-                <a:latin typeface="fkGroteskNeue"/>
-              </a:rPr>
-              <a:t>Not</a:t>
-            </a:r>
-            <a:r>
-              <a:rPr lang="ru-RU" b="0" i="0" dirty="0">
-                <a:effectLst/>
-                <a:latin typeface="fkGroteskNeue"/>
-              </a:rPr>
-              <a:t>);</a:t>
-            </a:r>
-            <a:endParaRPr lang="en-US" b="0" i="0" dirty="0">
-              <a:effectLst/>
-              <a:latin typeface="fkGroteskNeue"/>
-            </a:endParaRPr>
+              <a:t>False</a:t>
+            </a:r>
+            <a:r>
+              <a:rPr lang="ru-RU" b="0" i="0" dirty="0">
+                <a:effectLst/>
+                <a:latin typeface="fkGroteskNeue"/>
+              </a:rPr>
+              <a:t>. Если все интерпретации удовлетворяют F₁(σ) = F₂(σ), формулы эквивалентны — возвращает True. </a:t>
+            </a:r>
           </a:p>
         </p:txBody>
       </p:sp>
@@ -5324,7 +5488,7 @@
           <p:cNvPr id="5" name="Номер слайда 4">
             <a:extLst>
               <a:ext uri="{FF2B5EF4-FFF2-40B4-BE49-F238E27FC236}">
-                <a16:creationId xmlns:a16="http://schemas.microsoft.com/office/drawing/2014/main" id="{50728505-F386-45EA-90CC-D691EA1CA201}"/>
+                <a16:creationId xmlns:a16="http://schemas.microsoft.com/office/drawing/2014/main" id="{40FDAAFE-ACCE-459A-BD42-482B02F6CD9B}"/>
               </a:ext>
             </a:extLst>
           </p:cNvPr>
@@ -5351,7 +5515,7 @@
     </p:spTree>
     <p:extLst>
       <p:ext uri="{BB962C8B-B14F-4D97-AF65-F5344CB8AC3E}">
-        <p14:creationId xmlns:p14="http://schemas.microsoft.com/office/powerpoint/2010/main" val="527916295"/>
+        <p14:creationId xmlns:p14="http://schemas.microsoft.com/office/powerpoint/2010/main" val="166322421"/>
       </p:ext>
     </p:extLst>
   </p:cSld>
@@ -5412,21 +5576,8 @@
                   <a:schemeClr val="bg1"/>
                 </a:solidFill>
               </a:rPr>
-              <a:t>Использование </a:t>
-            </a:r>
-            <a:r>
-              <a:rPr lang="en-US" dirty="0">
-                <a:solidFill>
-                  <a:schemeClr val="bg1"/>
-                </a:solidFill>
-              </a:rPr>
-              <a:t>Z3</a:t>
-            </a:r>
-            <a:endParaRPr lang="ru-RU" dirty="0">
-              <a:solidFill>
-                <a:schemeClr val="bg1"/>
-              </a:solidFill>
-            </a:endParaRPr>
+              <a:t>Полный перебор</a:t>
+            </a:r>
           </a:p>
         </p:txBody>
       </p:sp>
@@ -5466,7 +5617,172 @@
                 <a:effectLst/>
                 <a:latin typeface="fkGroteskNeue"/>
               </a:rPr>
-              <a:t>(3) Конструирование </a:t>
+              <a:t>Временная сложность алгоритма: T = O(2ⁿ · m), где m — время вычисления формулы. Пространственная сложность: O(n). Практическая верхняя граница применимости полного перебора составляет n ≤ 25 переменных на современных ПК, при этом время вычисления может достигать нескольких минут. </a:t>
+            </a:r>
+          </a:p>
+          <a:p>
+            <a:pPr marL="0" indent="0">
+              <a:buNone/>
+            </a:pPr>
+            <a:r>
+              <a:rPr lang="ru-RU" b="0" i="0" dirty="0">
+                <a:effectLst/>
+                <a:latin typeface="fkGroteskNeue"/>
+              </a:rPr>
+              <a:t>Преимущество метода — простота реализации и гарантированная корректность. Недостаток — невозможность масштабирования на более крупные задачи.</a:t>
+            </a:r>
+            <a:endParaRPr lang="ru-RU" dirty="0"/>
+          </a:p>
+        </p:txBody>
+      </p:sp>
+      <p:sp>
+        <p:nvSpPr>
+          <p:cNvPr id="5" name="Номер слайда 4">
+            <a:extLst>
+              <a:ext uri="{FF2B5EF4-FFF2-40B4-BE49-F238E27FC236}">
+                <a16:creationId xmlns:a16="http://schemas.microsoft.com/office/drawing/2014/main" id="{4DFD50E0-FD6E-4394-B4DD-801178EEC8F2}"/>
+              </a:ext>
+            </a:extLst>
+          </p:cNvPr>
+          <p:cNvSpPr>
+            <a:spLocks noGrp="1"/>
+          </p:cNvSpPr>
+          <p:nvPr>
+            <p:ph type="sldNum" sz="quarter" idx="12"/>
+          </p:nvPr>
+        </p:nvSpPr>
+        <p:spPr/>
+        <p:txBody>
+          <a:bodyPr/>
+          <a:lstStyle/>
+          <a:p>
+            <a:fld id="{EF7A8E35-B303-42FD-88A6-20A8D5E4F372}" type="slidenum">
+              <a:rPr lang="ru-RU" smtClean="0"/>
+              <a:t>18</a:t>
+            </a:fld>
+            <a:endParaRPr lang="ru-RU"/>
+          </a:p>
+        </p:txBody>
+      </p:sp>
+    </p:spTree>
+    <p:extLst>
+      <p:ext uri="{BB962C8B-B14F-4D97-AF65-F5344CB8AC3E}">
+        <p14:creationId xmlns:p14="http://schemas.microsoft.com/office/powerpoint/2010/main" val="1863443848"/>
+      </p:ext>
+    </p:extLst>
+  </p:cSld>
+  <p:clrMapOvr>
+    <a:masterClrMapping/>
+  </p:clrMapOvr>
+</p:sld>
+</file>
+
+<file path=ppt/slides/slide19.xml><?xml version="1.0" encoding="utf-8"?>
+<p:sld xmlns:a="http://schemas.openxmlformats.org/drawingml/2006/main" xmlns:r="http://schemas.openxmlformats.org/officeDocument/2006/relationships" xmlns:p="http://schemas.openxmlformats.org/presentationml/2006/main">
+  <p:cSld>
+    <p:spTree>
+      <p:nvGrpSpPr>
+        <p:cNvPr id="1" name=""/>
+        <p:cNvGrpSpPr/>
+        <p:nvPr/>
+      </p:nvGrpSpPr>
+      <p:grpSpPr>
+        <a:xfrm>
+          <a:off x="0" y="0"/>
+          <a:ext cx="0" cy="0"/>
+          <a:chOff x="0" y="0"/>
+          <a:chExt cx="0" cy="0"/>
+        </a:xfrm>
+      </p:grpSpPr>
+      <p:sp>
+        <p:nvSpPr>
+          <p:cNvPr id="2" name="Заголовок 1">
+            <a:extLst>
+              <a:ext uri="{FF2B5EF4-FFF2-40B4-BE49-F238E27FC236}">
+                <a16:creationId xmlns:a16="http://schemas.microsoft.com/office/drawing/2014/main" id="{560A5064-666A-7555-7357-0F8EFD667F80}"/>
+              </a:ext>
+            </a:extLst>
+          </p:cNvPr>
+          <p:cNvSpPr>
+            <a:spLocks noGrp="1"/>
+          </p:cNvSpPr>
+          <p:nvPr>
+            <p:ph type="title"/>
+          </p:nvPr>
+        </p:nvSpPr>
+        <p:spPr>
+          <a:xfrm>
+            <a:off x="185056" y="0"/>
+            <a:ext cx="12006943" cy="919842"/>
+          </a:xfrm>
+        </p:spPr>
+        <p:txBody>
+          <a:bodyPr>
+            <a:normAutofit/>
+          </a:bodyPr>
+          <a:lstStyle/>
+          <a:p>
+            <a:r>
+              <a:rPr lang="ru-RU" dirty="0">
+                <a:solidFill>
+                  <a:schemeClr val="bg1"/>
+                </a:solidFill>
+              </a:rPr>
+              <a:t>Использование </a:t>
+            </a:r>
+            <a:r>
+              <a:rPr lang="en-US" dirty="0">
+                <a:solidFill>
+                  <a:schemeClr val="bg1"/>
+                </a:solidFill>
+              </a:rPr>
+              <a:t>Z3</a:t>
+            </a:r>
+            <a:endParaRPr lang="ru-RU" dirty="0">
+              <a:solidFill>
+                <a:schemeClr val="bg1"/>
+              </a:solidFill>
+            </a:endParaRPr>
+          </a:p>
+        </p:txBody>
+      </p:sp>
+      <p:sp>
+        <p:nvSpPr>
+          <p:cNvPr id="3" name="Объект 2">
+            <a:extLst>
+              <a:ext uri="{FF2B5EF4-FFF2-40B4-BE49-F238E27FC236}">
+                <a16:creationId xmlns:a16="http://schemas.microsoft.com/office/drawing/2014/main" id="{EF1A858C-C156-B159-B6C9-F121B8D996B9}"/>
+              </a:ext>
+            </a:extLst>
+          </p:cNvPr>
+          <p:cNvSpPr>
+            <a:spLocks noGrp="1"/>
+          </p:cNvSpPr>
+          <p:nvPr>
+            <p:ph idx="1"/>
+          </p:nvPr>
+        </p:nvSpPr>
+        <p:spPr>
+          <a:xfrm>
+            <a:off x="838200" y="1825624"/>
+            <a:ext cx="10515600" cy="4791743"/>
+          </a:xfrm>
+        </p:spPr>
+        <p:txBody>
+          <a:bodyPr>
+            <a:normAutofit fontScale="92500" lnSpcReduction="10000"/>
+          </a:bodyPr>
+          <a:lstStyle/>
+          <a:p>
+            <a:pPr marL="0" indent="0">
+              <a:buNone/>
+            </a:pPr>
+            <a:r>
+              <a:rPr lang="ru-RU" b="0" i="0" dirty="0">
+                <a:effectLst/>
+                <a:latin typeface="fkGroteskNeue"/>
+              </a:rPr>
+              <a:t>Подход верификации с использованием Z3 основан на редукции к задаче выполнимости. Для проверки эквивалентности F₁ ≡ F₂ строится формула </a:t>
             </a:r>
             <a:r>
               <a:rPr lang="ru-RU" b="0" i="0" dirty="0" err="1">
@@ -5480,7 +5796,7 @@
                 <a:effectLst/>
                 <a:latin typeface="fkGroteskNeue"/>
               </a:rPr>
-              <a:t> как булево выражение в Z3;</a:t>
+              <a:t>: M(x) = (F₁(x) ∧ ¬F₂(x)) ∨ (¬F₁(x) ∧ F₂(x)). </a:t>
             </a:r>
             <a:endParaRPr lang="en-US" b="0" i="0" dirty="0">
               <a:effectLst/>
@@ -5496,49 +5812,7 @@
                 <a:effectLst/>
                 <a:latin typeface="fkGroteskNeue"/>
               </a:rPr>
-              <a:t>(4) Добавление </a:t>
-            </a:r>
-            <a:r>
-              <a:rPr lang="ru-RU" b="0" i="0" dirty="0" err="1">
-                <a:effectLst/>
-                <a:latin typeface="fkGroteskNeue"/>
-              </a:rPr>
-              <a:t>miter</a:t>
-            </a:r>
-            <a:r>
-              <a:rPr lang="ru-RU" b="0" i="0" dirty="0">
-                <a:effectLst/>
-                <a:latin typeface="fkGroteskNeue"/>
-              </a:rPr>
-              <a:t> в Z3 </a:t>
-            </a:r>
-            <a:r>
-              <a:rPr lang="ru-RU" b="0" i="0" dirty="0" err="1">
-                <a:effectLst/>
-                <a:latin typeface="fkGroteskNeue"/>
-              </a:rPr>
-              <a:t>Solver</a:t>
-            </a:r>
-            <a:r>
-              <a:rPr lang="ru-RU" b="0" i="0" dirty="0">
-                <a:effectLst/>
-                <a:latin typeface="fkGroteskNeue"/>
-              </a:rPr>
-              <a:t>: </a:t>
-            </a:r>
-            <a:r>
-              <a:rPr lang="ru-RU" b="0" i="0" dirty="0" err="1">
-                <a:effectLst/>
-                <a:latin typeface="fkGroteskNeue"/>
-              </a:rPr>
-              <a:t>solver.add</a:t>
-            </a:r>
-            <a:r>
-              <a:rPr lang="ru-RU" b="0" i="0" dirty="0">
-                <a:effectLst/>
-                <a:latin typeface="fkGroteskNeue"/>
-              </a:rPr>
-              <a:t>(M);</a:t>
+              <a:t>Формула M выражает XOR функций: M истинна тогда и только тогда, когда F₁ и F₂ выдают различные значения. Процедура: </a:t>
             </a:r>
             <a:endParaRPr lang="en-US" b="0" i="0" dirty="0">
               <a:effectLst/>
@@ -5554,21 +5828,21 @@
                 <a:effectLst/>
                 <a:latin typeface="fkGroteskNeue"/>
               </a:rPr>
-              <a:t>(5) Вызов </a:t>
+              <a:t>(1) </a:t>
             </a:r>
             <a:r>
               <a:rPr lang="ru-RU" b="0" i="0" dirty="0" err="1">
                 <a:effectLst/>
                 <a:latin typeface="fkGroteskNeue"/>
               </a:rPr>
-              <a:t>solver.check</a:t>
-            </a:r>
-            <a:r>
-              <a:rPr lang="ru-RU" b="0" i="0" dirty="0">
-                <a:effectLst/>
-                <a:latin typeface="fkGroteskNeue"/>
-              </a:rPr>
-              <a:t>(): если результат SAT, найдено свидетельство различия — формулы не эквивалентны; если UNSAT — формулы эквивалентны. Z3 при наличии свидетельства (SAT) может извлечь значение-модель, которое служит контрпримером.</a:t>
+              <a:t>Парсинг</a:t>
+            </a:r>
+            <a:r>
+              <a:rPr lang="ru-RU" b="0" i="0" dirty="0">
+                <a:effectLst/>
+                <a:latin typeface="fkGroteskNeue"/>
+              </a:rPr>
+              <a:t> обеих формул в AST; </a:t>
             </a:r>
             <a:endParaRPr lang="en-US" b="0" i="0" dirty="0">
               <a:effectLst/>
@@ -5584,7 +5858,484 @@
                 <a:effectLst/>
                 <a:latin typeface="fkGroteskNeue"/>
               </a:rPr>
-              <a:t>Временная сложность в среднем случае практически не зависит от n, что демонстрирует эффективность CDCL-стратегий.</a:t>
+              <a:t>(2) Трансляция AST в Z3-выражения* с использованием рекурсивного обхода дерева и преобразования узлов в соответствующие Z3 примитивы (And, </a:t>
+            </a:r>
+            <a:r>
+              <a:rPr lang="ru-RU" b="0" i="0" dirty="0" err="1">
+                <a:effectLst/>
+                <a:latin typeface="fkGroteskNeue"/>
+              </a:rPr>
+              <a:t>Or</a:t>
+            </a:r>
+            <a:r>
+              <a:rPr lang="ru-RU" b="0" i="0" dirty="0">
+                <a:effectLst/>
+                <a:latin typeface="fkGroteskNeue"/>
+              </a:rPr>
+              <a:t>, </a:t>
+            </a:r>
+            <a:r>
+              <a:rPr lang="ru-RU" b="0" i="0" dirty="0" err="1">
+                <a:effectLst/>
+                <a:latin typeface="fkGroteskNeue"/>
+              </a:rPr>
+              <a:t>Not</a:t>
+            </a:r>
+            <a:r>
+              <a:rPr lang="ru-RU" b="0" i="0" dirty="0">
+                <a:effectLst/>
+                <a:latin typeface="fkGroteskNeue"/>
+              </a:rPr>
+              <a:t>);</a:t>
+            </a:r>
+          </a:p>
+          <a:p>
+            <a:pPr marL="0" indent="0">
+              <a:buNone/>
+            </a:pPr>
+            <a:r>
+              <a:rPr lang="ru-RU" b="0" i="0" dirty="0">
+                <a:effectLst/>
+                <a:latin typeface="fkGroteskNeue"/>
+              </a:rPr>
+              <a:t>*Z3-выражение — это синтаксический объект (AST), описывающий терм или логическую формулу над теориями Z3, используемый для задания ограничений и рассуждений в SMT-решении.</a:t>
+            </a:r>
+            <a:endParaRPr lang="en-US" b="0" i="0" dirty="0">
+              <a:effectLst/>
+              <a:latin typeface="fkGroteskNeue"/>
+            </a:endParaRPr>
+          </a:p>
+        </p:txBody>
+      </p:sp>
+      <p:sp>
+        <p:nvSpPr>
+          <p:cNvPr id="5" name="Номер слайда 4">
+            <a:extLst>
+              <a:ext uri="{FF2B5EF4-FFF2-40B4-BE49-F238E27FC236}">
+                <a16:creationId xmlns:a16="http://schemas.microsoft.com/office/drawing/2014/main" id="{50728505-F386-45EA-90CC-D691EA1CA201}"/>
+              </a:ext>
+            </a:extLst>
+          </p:cNvPr>
+          <p:cNvSpPr>
+            <a:spLocks noGrp="1"/>
+          </p:cNvSpPr>
+          <p:nvPr>
+            <p:ph type="sldNum" sz="quarter" idx="12"/>
+          </p:nvPr>
+        </p:nvSpPr>
+        <p:spPr/>
+        <p:txBody>
+          <a:bodyPr/>
+          <a:lstStyle/>
+          <a:p>
+            <a:fld id="{EF7A8E35-B303-42FD-88A6-20A8D5E4F372}" type="slidenum">
+              <a:rPr lang="ru-RU" smtClean="0"/>
+              <a:t>19</a:t>
+            </a:fld>
+            <a:endParaRPr lang="ru-RU"/>
+          </a:p>
+        </p:txBody>
+      </p:sp>
+    </p:spTree>
+    <p:extLst>
+      <p:ext uri="{BB962C8B-B14F-4D97-AF65-F5344CB8AC3E}">
+        <p14:creationId xmlns:p14="http://schemas.microsoft.com/office/powerpoint/2010/main" val="527916295"/>
+      </p:ext>
+    </p:extLst>
+  </p:cSld>
+  <p:clrMapOvr>
+    <a:masterClrMapping/>
+  </p:clrMapOvr>
+</p:sld>
+</file>
+
+<file path=ppt/slides/slide2.xml><?xml version="1.0" encoding="utf-8"?>
+<p:sld xmlns:a="http://schemas.openxmlformats.org/drawingml/2006/main" xmlns:r="http://schemas.openxmlformats.org/officeDocument/2006/relationships" xmlns:p="http://schemas.openxmlformats.org/presentationml/2006/main">
+  <p:cSld>
+    <p:spTree>
+      <p:nvGrpSpPr>
+        <p:cNvPr id="1" name=""/>
+        <p:cNvGrpSpPr/>
+        <p:nvPr/>
+      </p:nvGrpSpPr>
+      <p:grpSpPr>
+        <a:xfrm>
+          <a:off x="0" y="0"/>
+          <a:ext cx="0" cy="0"/>
+          <a:chOff x="0" y="0"/>
+          <a:chExt cx="0" cy="0"/>
+        </a:xfrm>
+      </p:grpSpPr>
+      <p:sp>
+        <p:nvSpPr>
+          <p:cNvPr id="2" name="Заголовок 1">
+            <a:extLst>
+              <a:ext uri="{FF2B5EF4-FFF2-40B4-BE49-F238E27FC236}">
+                <a16:creationId xmlns:a16="http://schemas.microsoft.com/office/drawing/2014/main" id="{560A5064-666A-7555-7357-0F8EFD667F80}"/>
+              </a:ext>
+            </a:extLst>
+          </p:cNvPr>
+          <p:cNvSpPr>
+            <a:spLocks noGrp="1"/>
+          </p:cNvSpPr>
+          <p:nvPr>
+            <p:ph type="title"/>
+          </p:nvPr>
+        </p:nvSpPr>
+        <p:spPr>
+          <a:xfrm>
+            <a:off x="185056" y="0"/>
+            <a:ext cx="12006943" cy="919842"/>
+          </a:xfrm>
+        </p:spPr>
+        <p:txBody>
+          <a:bodyPr>
+            <a:normAutofit/>
+          </a:bodyPr>
+          <a:lstStyle/>
+          <a:p>
+            <a:r>
+              <a:rPr lang="ru-RU" dirty="0">
+                <a:solidFill>
+                  <a:schemeClr val="bg1"/>
+                </a:solidFill>
+              </a:rPr>
+              <a:t>Введение</a:t>
+            </a:r>
+          </a:p>
+        </p:txBody>
+      </p:sp>
+      <p:sp>
+        <p:nvSpPr>
+          <p:cNvPr id="3" name="Объект 2">
+            <a:extLst>
+              <a:ext uri="{FF2B5EF4-FFF2-40B4-BE49-F238E27FC236}">
+                <a16:creationId xmlns:a16="http://schemas.microsoft.com/office/drawing/2014/main" id="{EF1A858C-C156-B159-B6C9-F121B8D996B9}"/>
+              </a:ext>
+            </a:extLst>
+          </p:cNvPr>
+          <p:cNvSpPr>
+            <a:spLocks noGrp="1"/>
+          </p:cNvSpPr>
+          <p:nvPr>
+            <p:ph idx="1"/>
+          </p:nvPr>
+        </p:nvSpPr>
+        <p:spPr/>
+        <p:txBody>
+          <a:bodyPr>
+            <a:normAutofit/>
+          </a:bodyPr>
+          <a:lstStyle/>
+          <a:p>
+            <a:pPr marL="0" indent="0">
+              <a:buNone/>
+            </a:pPr>
+            <a:r>
+              <a:rPr lang="ru-RU" b="0" i="0" dirty="0">
+                <a:effectLst/>
+                <a:latin typeface="fkGroteskNeue"/>
+              </a:rPr>
+              <a:t>Проблема проверки выполнимости булевых формул (SAT) представляет собой одну из фундаментальных NP-полных (полный перебор). Несмотря на отсутствие известных полиномиальных алгоритмов решения в общем случае, современные SAT-решатели, основанные на алгоритме CDCL (</a:t>
+            </a:r>
+            <a:r>
+              <a:rPr lang="ru-RU" b="0" i="0" dirty="0" err="1">
+                <a:effectLst/>
+                <a:latin typeface="fkGroteskNeue"/>
+              </a:rPr>
+              <a:t>Conflict</a:t>
+            </a:r>
+            <a:r>
+              <a:rPr lang="ru-RU" b="0" i="0" dirty="0">
+                <a:effectLst/>
+                <a:latin typeface="fkGroteskNeue"/>
+              </a:rPr>
+              <a:t>-Driven </a:t>
+            </a:r>
+            <a:r>
+              <a:rPr lang="ru-RU" b="0" i="0" dirty="0" err="1">
+                <a:effectLst/>
+                <a:latin typeface="fkGroteskNeue"/>
+              </a:rPr>
+              <a:t>Clause</a:t>
+            </a:r>
+            <a:r>
+              <a:rPr lang="ru-RU" b="0" i="0" dirty="0">
+                <a:effectLst/>
+                <a:latin typeface="fkGroteskNeue"/>
+              </a:rPr>
+              <a:t> Learning), демонстрируют эффективное решение формул с сотнями и тысячами переменных. </a:t>
+            </a:r>
+            <a:endParaRPr lang="ru-RU" dirty="0"/>
+          </a:p>
+        </p:txBody>
+      </p:sp>
+      <p:sp>
+        <p:nvSpPr>
+          <p:cNvPr id="5" name="Номер слайда 4">
+            <a:extLst>
+              <a:ext uri="{FF2B5EF4-FFF2-40B4-BE49-F238E27FC236}">
+                <a16:creationId xmlns:a16="http://schemas.microsoft.com/office/drawing/2014/main" id="{18DFCAB0-9277-439D-8D0D-D5EA5B4F40E9}"/>
+              </a:ext>
+            </a:extLst>
+          </p:cNvPr>
+          <p:cNvSpPr>
+            <a:spLocks noGrp="1"/>
+          </p:cNvSpPr>
+          <p:nvPr>
+            <p:ph type="sldNum" sz="quarter" idx="12"/>
+          </p:nvPr>
+        </p:nvSpPr>
+        <p:spPr/>
+        <p:txBody>
+          <a:bodyPr/>
+          <a:lstStyle/>
+          <a:p>
+            <a:fld id="{EF7A8E35-B303-42FD-88A6-20A8D5E4F372}" type="slidenum">
+              <a:rPr lang="ru-RU" smtClean="0"/>
+              <a:t>2</a:t>
+            </a:fld>
+            <a:endParaRPr lang="ru-RU"/>
+          </a:p>
+        </p:txBody>
+      </p:sp>
+    </p:spTree>
+    <p:extLst>
+      <p:ext uri="{BB962C8B-B14F-4D97-AF65-F5344CB8AC3E}">
+        <p14:creationId xmlns:p14="http://schemas.microsoft.com/office/powerpoint/2010/main" val="679214638"/>
+      </p:ext>
+    </p:extLst>
+  </p:cSld>
+  <p:clrMapOvr>
+    <a:masterClrMapping/>
+  </p:clrMapOvr>
+</p:sld>
+</file>
+
+<file path=ppt/slides/slide20.xml><?xml version="1.0" encoding="utf-8"?>
+<p:sld xmlns:a="http://schemas.openxmlformats.org/drawingml/2006/main" xmlns:r="http://schemas.openxmlformats.org/officeDocument/2006/relationships" xmlns:p="http://schemas.openxmlformats.org/presentationml/2006/main">
+  <p:cSld>
+    <p:spTree>
+      <p:nvGrpSpPr>
+        <p:cNvPr id="1" name=""/>
+        <p:cNvGrpSpPr/>
+        <p:nvPr/>
+      </p:nvGrpSpPr>
+      <p:grpSpPr>
+        <a:xfrm>
+          <a:off x="0" y="0"/>
+          <a:ext cx="0" cy="0"/>
+          <a:chOff x="0" y="0"/>
+          <a:chExt cx="0" cy="0"/>
+        </a:xfrm>
+      </p:grpSpPr>
+      <p:sp>
+        <p:nvSpPr>
+          <p:cNvPr id="2" name="Заголовок 1">
+            <a:extLst>
+              <a:ext uri="{FF2B5EF4-FFF2-40B4-BE49-F238E27FC236}">
+                <a16:creationId xmlns:a16="http://schemas.microsoft.com/office/drawing/2014/main" id="{560A5064-666A-7555-7357-0F8EFD667F80}"/>
+              </a:ext>
+            </a:extLst>
+          </p:cNvPr>
+          <p:cNvSpPr>
+            <a:spLocks noGrp="1"/>
+          </p:cNvSpPr>
+          <p:nvPr>
+            <p:ph type="title"/>
+          </p:nvPr>
+        </p:nvSpPr>
+        <p:spPr>
+          <a:xfrm>
+            <a:off x="185056" y="0"/>
+            <a:ext cx="12006943" cy="919842"/>
+          </a:xfrm>
+        </p:spPr>
+        <p:txBody>
+          <a:bodyPr>
+            <a:normAutofit/>
+          </a:bodyPr>
+          <a:lstStyle/>
+          <a:p>
+            <a:r>
+              <a:rPr lang="ru-RU" dirty="0">
+                <a:solidFill>
+                  <a:schemeClr val="bg1"/>
+                </a:solidFill>
+              </a:rPr>
+              <a:t>Использование </a:t>
+            </a:r>
+            <a:r>
+              <a:rPr lang="en-US" dirty="0">
+                <a:solidFill>
+                  <a:schemeClr val="bg1"/>
+                </a:solidFill>
+              </a:rPr>
+              <a:t>Z3</a:t>
+            </a:r>
+            <a:endParaRPr lang="ru-RU" dirty="0">
+              <a:solidFill>
+                <a:schemeClr val="bg1"/>
+              </a:solidFill>
+            </a:endParaRPr>
+          </a:p>
+        </p:txBody>
+      </p:sp>
+      <p:sp>
+        <p:nvSpPr>
+          <p:cNvPr id="3" name="Объект 2">
+            <a:extLst>
+              <a:ext uri="{FF2B5EF4-FFF2-40B4-BE49-F238E27FC236}">
+                <a16:creationId xmlns:a16="http://schemas.microsoft.com/office/drawing/2014/main" id="{EF1A858C-C156-B159-B6C9-F121B8D996B9}"/>
+              </a:ext>
+            </a:extLst>
+          </p:cNvPr>
+          <p:cNvSpPr>
+            <a:spLocks noGrp="1"/>
+          </p:cNvSpPr>
+          <p:nvPr>
+            <p:ph idx="1"/>
+          </p:nvPr>
+        </p:nvSpPr>
+        <p:spPr>
+          <a:xfrm>
+            <a:off x="838200" y="1825625"/>
+            <a:ext cx="10515600" cy="4618718"/>
+          </a:xfrm>
+        </p:spPr>
+        <p:txBody>
+          <a:bodyPr>
+            <a:normAutofit/>
+          </a:bodyPr>
+          <a:lstStyle/>
+          <a:p>
+            <a:pPr marL="0" indent="0">
+              <a:buNone/>
+            </a:pPr>
+            <a:r>
+              <a:rPr lang="ru-RU" b="0" i="0" dirty="0">
+                <a:effectLst/>
+                <a:latin typeface="fkGroteskNeue"/>
+              </a:rPr>
+              <a:t>(3) Конструирование </a:t>
+            </a:r>
+            <a:r>
+              <a:rPr lang="ru-RU" b="0" i="0" dirty="0" err="1">
+                <a:effectLst/>
+                <a:latin typeface="fkGroteskNeue"/>
+              </a:rPr>
+              <a:t>miter</a:t>
+            </a:r>
+            <a:r>
+              <a:rPr lang="ru-RU" b="0" i="0" dirty="0">
+                <a:effectLst/>
+                <a:latin typeface="fkGroteskNeue"/>
+              </a:rPr>
+              <a:t> как булево выражение в Z3;</a:t>
+            </a:r>
+            <a:endParaRPr lang="en-US" b="0" i="0" dirty="0">
+              <a:effectLst/>
+              <a:latin typeface="fkGroteskNeue"/>
+            </a:endParaRPr>
+          </a:p>
+          <a:p>
+            <a:pPr marL="0" indent="0">
+              <a:buNone/>
+            </a:pPr>
+            <a:r>
+              <a:rPr lang="ru-RU" b="0" i="0" dirty="0">
+                <a:effectLst/>
+                <a:latin typeface="fkGroteskNeue"/>
+              </a:rPr>
+              <a:t>(4) Добавление </a:t>
+            </a:r>
+            <a:r>
+              <a:rPr lang="ru-RU" b="0" i="0" dirty="0" err="1">
+                <a:effectLst/>
+                <a:latin typeface="fkGroteskNeue"/>
+              </a:rPr>
+              <a:t>miter</a:t>
+            </a:r>
+            <a:r>
+              <a:rPr lang="ru-RU" b="0" i="0" dirty="0">
+                <a:effectLst/>
+                <a:latin typeface="fkGroteskNeue"/>
+              </a:rPr>
+              <a:t> в Z3 </a:t>
+            </a:r>
+            <a:r>
+              <a:rPr lang="ru-RU" b="0" i="0" dirty="0" err="1">
+                <a:effectLst/>
+                <a:latin typeface="fkGroteskNeue"/>
+              </a:rPr>
+              <a:t>Solver</a:t>
+            </a:r>
+            <a:r>
+              <a:rPr lang="ru-RU" b="0" i="0" dirty="0">
+                <a:effectLst/>
+                <a:latin typeface="fkGroteskNeue"/>
+              </a:rPr>
+              <a:t>: </a:t>
+            </a:r>
+            <a:r>
+              <a:rPr lang="ru-RU" b="0" i="0" dirty="0" err="1">
+                <a:effectLst/>
+                <a:latin typeface="fkGroteskNeue"/>
+              </a:rPr>
+              <a:t>solver.add</a:t>
+            </a:r>
+            <a:r>
+              <a:rPr lang="ru-RU" b="0" i="0" dirty="0">
+                <a:effectLst/>
+                <a:latin typeface="fkGroteskNeue"/>
+              </a:rPr>
+              <a:t>(M);</a:t>
+            </a:r>
+            <a:endParaRPr lang="en-US" b="0" i="0" dirty="0">
+              <a:effectLst/>
+              <a:latin typeface="fkGroteskNeue"/>
+            </a:endParaRPr>
+          </a:p>
+          <a:p>
+            <a:pPr marL="0" indent="0">
+              <a:buNone/>
+            </a:pPr>
+            <a:r>
+              <a:rPr lang="ru-RU" b="0" i="0" dirty="0">
+                <a:effectLst/>
+                <a:latin typeface="fkGroteskNeue"/>
+              </a:rPr>
+              <a:t>(5) Вызов </a:t>
+            </a:r>
+            <a:r>
+              <a:rPr lang="ru-RU" b="0" i="0" dirty="0" err="1">
+                <a:effectLst/>
+                <a:latin typeface="fkGroteskNeue"/>
+              </a:rPr>
+              <a:t>solver.check</a:t>
+            </a:r>
+            <a:r>
+              <a:rPr lang="ru-RU" b="0" i="0" dirty="0">
+                <a:effectLst/>
+                <a:latin typeface="fkGroteskNeue"/>
+              </a:rPr>
+              <a:t>(): если результат SAT, найдено свидетельство различия — формулы не эквивалентны; если UNSAT — формулы эквивалентны. Z3 при наличии свидетельства (SAT) может извлечь значение-модель, которое служит контрпримером.</a:t>
+            </a:r>
+            <a:endParaRPr lang="en-US" b="0" i="0" dirty="0">
+              <a:effectLst/>
+              <a:latin typeface="fkGroteskNeue"/>
+            </a:endParaRPr>
+          </a:p>
+          <a:p>
+            <a:pPr marL="0" indent="0">
+              <a:buNone/>
+            </a:pPr>
+            <a:r>
+              <a:rPr lang="ru-RU" b="0" i="0" dirty="0">
+                <a:effectLst/>
+                <a:latin typeface="fkGroteskNeue"/>
+              </a:rPr>
+              <a:t>Временная сложность в среднем случае практически не зависит от n.</a:t>
             </a:r>
             <a:endParaRPr lang="ru-RU" dirty="0"/>
           </a:p>
@@ -5613,7 +6364,7 @@
           <a:p>
             <a:fld id="{EF7A8E35-B303-42FD-88A6-20A8D5E4F372}" type="slidenum">
               <a:rPr lang="ru-RU" smtClean="0"/>
-              <a:t>18</a:t>
+              <a:t>20</a:t>
             </a:fld>
             <a:endParaRPr lang="ru-RU"/>
           </a:p>
@@ -5632,7 +6383,948 @@
 </p:sld>
 </file>
 
-<file path=ppt/slides/slide19.xml><?xml version="1.0" encoding="utf-8"?>
+<file path=ppt/slides/slide21.xml><?xml version="1.0" encoding="utf-8"?>
+<p:sld xmlns:a="http://schemas.openxmlformats.org/drawingml/2006/main" xmlns:r="http://schemas.openxmlformats.org/officeDocument/2006/relationships" xmlns:p="http://schemas.openxmlformats.org/presentationml/2006/main">
+  <p:cSld>
+    <p:spTree>
+      <p:nvGrpSpPr>
+        <p:cNvPr id="1" name=""/>
+        <p:cNvGrpSpPr/>
+        <p:nvPr/>
+      </p:nvGrpSpPr>
+      <p:grpSpPr>
+        <a:xfrm>
+          <a:off x="0" y="0"/>
+          <a:ext cx="0" cy="0"/>
+          <a:chOff x="0" y="0"/>
+          <a:chExt cx="0" cy="0"/>
+        </a:xfrm>
+      </p:grpSpPr>
+      <p:sp>
+        <p:nvSpPr>
+          <p:cNvPr id="2" name="Заголовок 1">
+            <a:extLst>
+              <a:ext uri="{FF2B5EF4-FFF2-40B4-BE49-F238E27FC236}">
+                <a16:creationId xmlns:a16="http://schemas.microsoft.com/office/drawing/2014/main" id="{560A5064-666A-7555-7357-0F8EFD667F80}"/>
+              </a:ext>
+            </a:extLst>
+          </p:cNvPr>
+          <p:cNvSpPr>
+            <a:spLocks noGrp="1"/>
+          </p:cNvSpPr>
+          <p:nvPr>
+            <p:ph type="title"/>
+          </p:nvPr>
+        </p:nvSpPr>
+        <p:spPr>
+          <a:xfrm>
+            <a:off x="185056" y="0"/>
+            <a:ext cx="12006943" cy="919842"/>
+          </a:xfrm>
+        </p:spPr>
+        <p:txBody>
+          <a:bodyPr>
+            <a:normAutofit/>
+          </a:bodyPr>
+          <a:lstStyle/>
+          <a:p>
+            <a:r>
+              <a:rPr lang="ru-RU" dirty="0">
+                <a:solidFill>
+                  <a:schemeClr val="bg1"/>
+                </a:solidFill>
+              </a:rPr>
+              <a:t>Учебный </a:t>
+            </a:r>
+            <a:r>
+              <a:rPr lang="en-US" dirty="0">
+                <a:solidFill>
+                  <a:schemeClr val="bg1"/>
+                </a:solidFill>
+              </a:rPr>
+              <a:t>DPLL</a:t>
+            </a:r>
+            <a:endParaRPr lang="ru-RU" dirty="0">
+              <a:solidFill>
+                <a:schemeClr val="bg1"/>
+              </a:solidFill>
+            </a:endParaRPr>
+          </a:p>
+        </p:txBody>
+      </p:sp>
+      <p:sp>
+        <p:nvSpPr>
+          <p:cNvPr id="3" name="Объект 2">
+            <a:extLst>
+              <a:ext uri="{FF2B5EF4-FFF2-40B4-BE49-F238E27FC236}">
+                <a16:creationId xmlns:a16="http://schemas.microsoft.com/office/drawing/2014/main" id="{EF1A858C-C156-B159-B6C9-F121B8D996B9}"/>
+              </a:ext>
+            </a:extLst>
+          </p:cNvPr>
+          <p:cNvSpPr>
+            <a:spLocks noGrp="1"/>
+          </p:cNvSpPr>
+          <p:nvPr>
+            <p:ph idx="1"/>
+          </p:nvPr>
+        </p:nvSpPr>
+        <p:spPr>
+          <a:xfrm>
+            <a:off x="838200" y="1825624"/>
+            <a:ext cx="10515600" cy="4791743"/>
+          </a:xfrm>
+        </p:spPr>
+        <p:txBody>
+          <a:bodyPr>
+            <a:normAutofit/>
+          </a:bodyPr>
+          <a:lstStyle/>
+          <a:p>
+            <a:pPr marL="0" indent="0">
+              <a:buNone/>
+            </a:pPr>
+            <a:r>
+              <a:rPr lang="ru-RU" b="0" i="0" dirty="0">
+                <a:effectLst/>
+                <a:latin typeface="fkGroteskNeue"/>
+              </a:rPr>
+              <a:t>Входом алгоритма является формула в конъюнктивной нормальной форме, полученная из AST </a:t>
+            </a:r>
+            <a:r>
+              <a:rPr lang="ru-RU" b="0" i="0" dirty="0" err="1">
+                <a:effectLst/>
+                <a:latin typeface="fkGroteskNeue"/>
+              </a:rPr>
+              <a:t>митора</a:t>
+            </a:r>
+            <a:r>
+              <a:rPr lang="ru-RU" b="0" i="0" dirty="0">
+                <a:effectLst/>
+                <a:latin typeface="fkGroteskNeue"/>
+              </a:rPr>
+              <a:t> с использованием преобразования </a:t>
+            </a:r>
+            <a:r>
+              <a:rPr lang="ru-RU" b="0" i="0" dirty="0" err="1">
+                <a:effectLst/>
+                <a:latin typeface="fkGroteskNeue"/>
+              </a:rPr>
+              <a:t>Цейтина</a:t>
+            </a:r>
+            <a:r>
+              <a:rPr lang="ru-RU" b="0" i="0" dirty="0">
+                <a:effectLst/>
+                <a:latin typeface="fkGroteskNeue"/>
+              </a:rPr>
+              <a:t>. Основные этапы работы учебного DPLL:</a:t>
+            </a:r>
+          </a:p>
+          <a:p>
+            <a:r>
+              <a:rPr lang="ru-RU" b="0" i="0" dirty="0">
+                <a:effectLst/>
+                <a:latin typeface="fkGroteskNeue"/>
+              </a:rPr>
+              <a:t>разбор формул F1​ и F2​ в AST и построение </a:t>
+            </a:r>
+            <a:r>
+              <a:rPr lang="ru-RU" b="0" i="0" dirty="0" err="1">
+                <a:effectLst/>
+                <a:latin typeface="fkGroteskNeue"/>
+              </a:rPr>
+              <a:t>митора</a:t>
+            </a:r>
+            <a:r>
+              <a:rPr lang="ru-RU" b="0" i="0" dirty="0">
+                <a:effectLst/>
+                <a:latin typeface="fkGroteskNeue"/>
+              </a:rPr>
+              <a:t> M=(F1∧¬F2)∨(¬F1∧F2);</a:t>
+            </a:r>
+          </a:p>
+          <a:p>
+            <a:r>
+              <a:rPr lang="ru-RU" b="0" i="0" dirty="0">
+                <a:effectLst/>
+                <a:latin typeface="fkGroteskNeue"/>
+              </a:rPr>
+              <a:t>преобразование </a:t>
+            </a:r>
+            <a:r>
+              <a:rPr lang="ru-RU" b="0" i="0" dirty="0" err="1">
+                <a:effectLst/>
+                <a:latin typeface="fkGroteskNeue"/>
+              </a:rPr>
+              <a:t>митора</a:t>
+            </a:r>
+            <a:r>
+              <a:rPr lang="ru-RU" b="0" i="0" dirty="0">
+                <a:effectLst/>
+                <a:latin typeface="fkGroteskNeue"/>
+              </a:rPr>
+              <a:t> в КНФ с введением вспомогательных переменных;</a:t>
+            </a:r>
+          </a:p>
+          <a:p>
+            <a:r>
+              <a:rPr lang="ru-RU" b="0" i="0" dirty="0" err="1">
+                <a:effectLst/>
+                <a:latin typeface="fkGroteskNeue"/>
+              </a:rPr>
+              <a:t>unit</a:t>
+            </a:r>
+            <a:r>
+              <a:rPr lang="ru-RU" b="0" i="0" dirty="0">
+                <a:effectLst/>
+                <a:latin typeface="fkGroteskNeue"/>
+              </a:rPr>
+              <a:t> </a:t>
+            </a:r>
+            <a:r>
+              <a:rPr lang="ru-RU" b="0" i="0" dirty="0" err="1">
+                <a:effectLst/>
+                <a:latin typeface="fkGroteskNeue"/>
+              </a:rPr>
+              <a:t>propagation</a:t>
+            </a:r>
+            <a:r>
+              <a:rPr lang="ru-RU" b="0" i="0" dirty="0">
+                <a:effectLst/>
+                <a:latin typeface="fkGroteskNeue"/>
+              </a:rPr>
+              <a:t> — принудительное присваивание значений переменным из единичных клауз;</a:t>
+            </a:r>
+          </a:p>
+        </p:txBody>
+      </p:sp>
+      <p:sp>
+        <p:nvSpPr>
+          <p:cNvPr id="5" name="Номер слайда 4">
+            <a:extLst>
+              <a:ext uri="{FF2B5EF4-FFF2-40B4-BE49-F238E27FC236}">
+                <a16:creationId xmlns:a16="http://schemas.microsoft.com/office/drawing/2014/main" id="{50728505-F386-45EA-90CC-D691EA1CA201}"/>
+              </a:ext>
+            </a:extLst>
+          </p:cNvPr>
+          <p:cNvSpPr>
+            <a:spLocks noGrp="1"/>
+          </p:cNvSpPr>
+          <p:nvPr>
+            <p:ph type="sldNum" sz="quarter" idx="12"/>
+          </p:nvPr>
+        </p:nvSpPr>
+        <p:spPr/>
+        <p:txBody>
+          <a:bodyPr/>
+          <a:lstStyle/>
+          <a:p>
+            <a:fld id="{EF7A8E35-B303-42FD-88A6-20A8D5E4F372}" type="slidenum">
+              <a:rPr lang="ru-RU" smtClean="0"/>
+              <a:t>21</a:t>
+            </a:fld>
+            <a:endParaRPr lang="ru-RU"/>
+          </a:p>
+        </p:txBody>
+      </p:sp>
+    </p:spTree>
+    <p:extLst>
+      <p:ext uri="{BB962C8B-B14F-4D97-AF65-F5344CB8AC3E}">
+        <p14:creationId xmlns:p14="http://schemas.microsoft.com/office/powerpoint/2010/main" val="3056791746"/>
+      </p:ext>
+    </p:extLst>
+  </p:cSld>
+  <p:clrMapOvr>
+    <a:masterClrMapping/>
+  </p:clrMapOvr>
+</p:sld>
+</file>
+
+<file path=ppt/slides/slide22.xml><?xml version="1.0" encoding="utf-8"?>
+<p:sld xmlns:a="http://schemas.openxmlformats.org/drawingml/2006/main" xmlns:r="http://schemas.openxmlformats.org/officeDocument/2006/relationships" xmlns:p="http://schemas.openxmlformats.org/presentationml/2006/main">
+  <p:cSld>
+    <p:spTree>
+      <p:nvGrpSpPr>
+        <p:cNvPr id="1" name=""/>
+        <p:cNvGrpSpPr/>
+        <p:nvPr/>
+      </p:nvGrpSpPr>
+      <p:grpSpPr>
+        <a:xfrm>
+          <a:off x="0" y="0"/>
+          <a:ext cx="0" cy="0"/>
+          <a:chOff x="0" y="0"/>
+          <a:chExt cx="0" cy="0"/>
+        </a:xfrm>
+      </p:grpSpPr>
+      <p:sp>
+        <p:nvSpPr>
+          <p:cNvPr id="2" name="Заголовок 1">
+            <a:extLst>
+              <a:ext uri="{FF2B5EF4-FFF2-40B4-BE49-F238E27FC236}">
+                <a16:creationId xmlns:a16="http://schemas.microsoft.com/office/drawing/2014/main" id="{560A5064-666A-7555-7357-0F8EFD667F80}"/>
+              </a:ext>
+            </a:extLst>
+          </p:cNvPr>
+          <p:cNvSpPr>
+            <a:spLocks noGrp="1"/>
+          </p:cNvSpPr>
+          <p:nvPr>
+            <p:ph type="title"/>
+          </p:nvPr>
+        </p:nvSpPr>
+        <p:spPr>
+          <a:xfrm>
+            <a:off x="185056" y="0"/>
+            <a:ext cx="12006943" cy="919842"/>
+          </a:xfrm>
+        </p:spPr>
+        <p:txBody>
+          <a:bodyPr>
+            <a:normAutofit/>
+          </a:bodyPr>
+          <a:lstStyle/>
+          <a:p>
+            <a:r>
+              <a:rPr lang="ru-RU" dirty="0">
+                <a:solidFill>
+                  <a:schemeClr val="bg1"/>
+                </a:solidFill>
+              </a:rPr>
+              <a:t>Учебный </a:t>
+            </a:r>
+            <a:r>
+              <a:rPr lang="en-US" dirty="0">
+                <a:solidFill>
+                  <a:schemeClr val="bg1"/>
+                </a:solidFill>
+              </a:rPr>
+              <a:t>DPLL</a:t>
+            </a:r>
+            <a:endParaRPr lang="ru-RU" dirty="0">
+              <a:solidFill>
+                <a:schemeClr val="bg1"/>
+              </a:solidFill>
+            </a:endParaRPr>
+          </a:p>
+        </p:txBody>
+      </p:sp>
+      <p:sp>
+        <p:nvSpPr>
+          <p:cNvPr id="3" name="Объект 2">
+            <a:extLst>
+              <a:ext uri="{FF2B5EF4-FFF2-40B4-BE49-F238E27FC236}">
+                <a16:creationId xmlns:a16="http://schemas.microsoft.com/office/drawing/2014/main" id="{EF1A858C-C156-B159-B6C9-F121B8D996B9}"/>
+              </a:ext>
+            </a:extLst>
+          </p:cNvPr>
+          <p:cNvSpPr>
+            <a:spLocks noGrp="1"/>
+          </p:cNvSpPr>
+          <p:nvPr>
+            <p:ph idx="1"/>
+          </p:nvPr>
+        </p:nvSpPr>
+        <p:spPr>
+          <a:xfrm>
+            <a:off x="838200" y="1825624"/>
+            <a:ext cx="10515600" cy="4791743"/>
+          </a:xfrm>
+        </p:spPr>
+        <p:txBody>
+          <a:bodyPr>
+            <a:normAutofit/>
+          </a:bodyPr>
+          <a:lstStyle/>
+          <a:p>
+            <a:r>
+              <a:rPr lang="ru-RU" b="0" i="0">
+                <a:effectLst/>
+                <a:latin typeface="fkGroteskNeue"/>
+              </a:rPr>
+              <a:t>выбор </a:t>
+            </a:r>
+            <a:r>
+              <a:rPr lang="ru-RU" b="0" i="0" dirty="0">
+                <a:effectLst/>
+                <a:latin typeface="fkGroteskNeue"/>
+              </a:rPr>
+              <a:t>неинициализированной переменной и ветвление по значениям;</a:t>
+            </a:r>
+          </a:p>
+          <a:p>
+            <a:r>
+              <a:rPr lang="ru-RU" b="0" i="0" dirty="0" err="1">
+                <a:effectLst/>
+                <a:latin typeface="fkGroteskNeue"/>
+              </a:rPr>
+              <a:t>backtracking</a:t>
+            </a:r>
+            <a:r>
+              <a:rPr lang="ru-RU" b="0" i="0" dirty="0">
+                <a:effectLst/>
+                <a:latin typeface="fkGroteskNeue"/>
+              </a:rPr>
+              <a:t> при обнаружении конфликта (пустой клаузы).</a:t>
+            </a:r>
+          </a:p>
+          <a:p>
+            <a:pPr marL="0" indent="0">
+              <a:buNone/>
+            </a:pPr>
+            <a:r>
+              <a:rPr lang="ru-RU" b="0" i="0" dirty="0">
+                <a:effectLst/>
+                <a:latin typeface="fkGroteskNeue"/>
+              </a:rPr>
+              <a:t>Интерпретация результата:</a:t>
+            </a:r>
+          </a:p>
+          <a:p>
+            <a:pPr marL="0" indent="0">
+              <a:buNone/>
+            </a:pPr>
+            <a:r>
+              <a:rPr lang="ru-RU" b="0" i="0" dirty="0">
+                <a:effectLst/>
+                <a:latin typeface="fkGroteskNeue"/>
+              </a:rPr>
+              <a:t>SAT — найдено удовлетворяющее присваивание, схемы неэквивалентны;</a:t>
+            </a:r>
+          </a:p>
+          <a:p>
+            <a:pPr marL="0" indent="0">
+              <a:buNone/>
+            </a:pPr>
+            <a:r>
+              <a:rPr lang="ru-RU" b="0" i="0" dirty="0">
+                <a:effectLst/>
+                <a:latin typeface="fkGroteskNeue"/>
+              </a:rPr>
+              <a:t>UNSAT — модель отсутствует, схемы эквивалентны.</a:t>
+            </a:r>
+            <a:endParaRPr lang="en-US" b="0" i="0" dirty="0">
+              <a:effectLst/>
+              <a:latin typeface="fkGroteskNeue"/>
+            </a:endParaRPr>
+          </a:p>
+        </p:txBody>
+      </p:sp>
+      <p:sp>
+        <p:nvSpPr>
+          <p:cNvPr id="5" name="Номер слайда 4">
+            <a:extLst>
+              <a:ext uri="{FF2B5EF4-FFF2-40B4-BE49-F238E27FC236}">
+                <a16:creationId xmlns:a16="http://schemas.microsoft.com/office/drawing/2014/main" id="{50728505-F386-45EA-90CC-D691EA1CA201}"/>
+              </a:ext>
+            </a:extLst>
+          </p:cNvPr>
+          <p:cNvSpPr>
+            <a:spLocks noGrp="1"/>
+          </p:cNvSpPr>
+          <p:nvPr>
+            <p:ph type="sldNum" sz="quarter" idx="12"/>
+          </p:nvPr>
+        </p:nvSpPr>
+        <p:spPr/>
+        <p:txBody>
+          <a:bodyPr/>
+          <a:lstStyle/>
+          <a:p>
+            <a:fld id="{EF7A8E35-B303-42FD-88A6-20A8D5E4F372}" type="slidenum">
+              <a:rPr lang="ru-RU" smtClean="0"/>
+              <a:t>22</a:t>
+            </a:fld>
+            <a:endParaRPr lang="ru-RU"/>
+          </a:p>
+        </p:txBody>
+      </p:sp>
+    </p:spTree>
+    <p:extLst>
+      <p:ext uri="{BB962C8B-B14F-4D97-AF65-F5344CB8AC3E}">
+        <p14:creationId xmlns:p14="http://schemas.microsoft.com/office/powerpoint/2010/main" val="3593075628"/>
+      </p:ext>
+    </p:extLst>
+  </p:cSld>
+  <p:clrMapOvr>
+    <a:masterClrMapping/>
+  </p:clrMapOvr>
+</p:sld>
+</file>
+
+<file path=ppt/slides/slide23.xml><?xml version="1.0" encoding="utf-8"?>
+<p:sld xmlns:a="http://schemas.openxmlformats.org/drawingml/2006/main" xmlns:r="http://schemas.openxmlformats.org/officeDocument/2006/relationships" xmlns:p="http://schemas.openxmlformats.org/presentationml/2006/main">
+  <p:cSld>
+    <p:spTree>
+      <p:nvGrpSpPr>
+        <p:cNvPr id="1" name=""/>
+        <p:cNvGrpSpPr/>
+        <p:nvPr/>
+      </p:nvGrpSpPr>
+      <p:grpSpPr>
+        <a:xfrm>
+          <a:off x="0" y="0"/>
+          <a:ext cx="0" cy="0"/>
+          <a:chOff x="0" y="0"/>
+          <a:chExt cx="0" cy="0"/>
+        </a:xfrm>
+      </p:grpSpPr>
+      <p:sp>
+        <p:nvSpPr>
+          <p:cNvPr id="2" name="Заголовок 1">
+            <a:extLst>
+              <a:ext uri="{FF2B5EF4-FFF2-40B4-BE49-F238E27FC236}">
+                <a16:creationId xmlns:a16="http://schemas.microsoft.com/office/drawing/2014/main" id="{560A5064-666A-7555-7357-0F8EFD667F80}"/>
+              </a:ext>
+            </a:extLst>
+          </p:cNvPr>
+          <p:cNvSpPr>
+            <a:spLocks noGrp="1"/>
+          </p:cNvSpPr>
+          <p:nvPr>
+            <p:ph type="title"/>
+          </p:nvPr>
+        </p:nvSpPr>
+        <p:spPr>
+          <a:xfrm>
+            <a:off x="185056" y="0"/>
+            <a:ext cx="12006943" cy="919842"/>
+          </a:xfrm>
+        </p:spPr>
+        <p:txBody>
+          <a:bodyPr>
+            <a:normAutofit/>
+          </a:bodyPr>
+          <a:lstStyle/>
+          <a:p>
+            <a:r>
+              <a:rPr lang="ru-RU" dirty="0">
+                <a:solidFill>
+                  <a:schemeClr val="bg1"/>
+                </a:solidFill>
+              </a:rPr>
+              <a:t>Учебный </a:t>
+            </a:r>
+            <a:r>
+              <a:rPr lang="en-US" dirty="0">
+                <a:solidFill>
+                  <a:schemeClr val="bg1"/>
+                </a:solidFill>
+              </a:rPr>
+              <a:t>CDCL</a:t>
+            </a:r>
+            <a:endParaRPr lang="ru-RU" dirty="0">
+              <a:solidFill>
+                <a:schemeClr val="bg1"/>
+              </a:solidFill>
+            </a:endParaRPr>
+          </a:p>
+        </p:txBody>
+      </p:sp>
+      <p:sp>
+        <p:nvSpPr>
+          <p:cNvPr id="3" name="Объект 2">
+            <a:extLst>
+              <a:ext uri="{FF2B5EF4-FFF2-40B4-BE49-F238E27FC236}">
+                <a16:creationId xmlns:a16="http://schemas.microsoft.com/office/drawing/2014/main" id="{EF1A858C-C156-B159-B6C9-F121B8D996B9}"/>
+              </a:ext>
+            </a:extLst>
+          </p:cNvPr>
+          <p:cNvSpPr>
+            <a:spLocks noGrp="1"/>
+          </p:cNvSpPr>
+          <p:nvPr>
+            <p:ph idx="1"/>
+          </p:nvPr>
+        </p:nvSpPr>
+        <p:spPr>
+          <a:xfrm>
+            <a:off x="838200" y="1825624"/>
+            <a:ext cx="10515600" cy="4791743"/>
+          </a:xfrm>
+        </p:spPr>
+        <p:txBody>
+          <a:bodyPr>
+            <a:normAutofit/>
+          </a:bodyPr>
+          <a:lstStyle/>
+          <a:p>
+            <a:pPr marL="0" indent="0">
+              <a:buNone/>
+            </a:pPr>
+            <a:r>
+              <a:rPr lang="ru-RU" b="0" i="0" dirty="0">
+                <a:effectLst/>
+                <a:latin typeface="fkGroteskNeue"/>
+              </a:rPr>
+              <a:t>Построение </a:t>
+            </a:r>
+            <a:r>
+              <a:rPr lang="ru-RU" b="0" i="0" dirty="0" err="1">
+                <a:effectLst/>
+                <a:latin typeface="fkGroteskNeue"/>
+              </a:rPr>
+              <a:t>митора</a:t>
+            </a:r>
+            <a:r>
+              <a:rPr lang="ru-RU" b="0" i="0" dirty="0">
+                <a:effectLst/>
+                <a:latin typeface="fkGroteskNeue"/>
+              </a:rPr>
+              <a:t> и перевод в КНФ выполняются аналогично варианту с DPLL. Ключевые механизмы учебного CDCL:</a:t>
+            </a:r>
+          </a:p>
+          <a:p>
+            <a:r>
+              <a:rPr lang="ru-RU" b="0" i="0" dirty="0" err="1">
+                <a:effectLst/>
+                <a:latin typeface="fkGroteskNeue"/>
+              </a:rPr>
+              <a:t>unit</a:t>
+            </a:r>
+            <a:r>
+              <a:rPr lang="ru-RU" b="0" i="0" dirty="0">
+                <a:effectLst/>
+                <a:latin typeface="fkGroteskNeue"/>
+              </a:rPr>
+              <a:t> </a:t>
+            </a:r>
+            <a:r>
+              <a:rPr lang="ru-RU" b="0" i="0" dirty="0" err="1">
+                <a:effectLst/>
+                <a:latin typeface="fkGroteskNeue"/>
+              </a:rPr>
+              <a:t>propagation</a:t>
+            </a:r>
+            <a:r>
+              <a:rPr lang="ru-RU" b="0" i="0" dirty="0">
+                <a:effectLst/>
+                <a:latin typeface="fkGroteskNeue"/>
+              </a:rPr>
+              <a:t> с сохранением клауз-причин для каждого принудительного присваивания;</a:t>
+            </a:r>
+          </a:p>
+          <a:p>
+            <a:r>
+              <a:rPr lang="ru-RU" b="0" i="0" dirty="0">
+                <a:effectLst/>
+                <a:latin typeface="fkGroteskNeue"/>
+              </a:rPr>
+              <a:t>обнаружение конфликта при полной ложности некоторой клаузы;</a:t>
+            </a:r>
+          </a:p>
+          <a:p>
+            <a:r>
+              <a:rPr lang="ru-RU" b="0" i="0" dirty="0">
+                <a:effectLst/>
+                <a:latin typeface="fkGroteskNeue"/>
+              </a:rPr>
+              <a:t>анализ конфликта и построение выученной клаузы (</a:t>
+            </a:r>
+            <a:r>
+              <a:rPr lang="ru-RU" b="0" i="0" dirty="0" err="1">
+                <a:effectLst/>
+                <a:latin typeface="fkGroteskNeue"/>
+              </a:rPr>
+              <a:t>clause</a:t>
+            </a:r>
+            <a:r>
+              <a:rPr lang="ru-RU" b="0" i="0" dirty="0">
+                <a:effectLst/>
+                <a:latin typeface="fkGroteskNeue"/>
+              </a:rPr>
+              <a:t> </a:t>
+            </a:r>
+            <a:r>
+              <a:rPr lang="ru-RU" b="0" i="0" dirty="0" err="1">
+                <a:effectLst/>
+                <a:latin typeface="fkGroteskNeue"/>
+              </a:rPr>
+              <a:t>learning</a:t>
+            </a:r>
+            <a:r>
+              <a:rPr lang="ru-RU" b="0" i="0" dirty="0">
+                <a:effectLst/>
+                <a:latin typeface="fkGroteskNeue"/>
+              </a:rPr>
+              <a:t>);</a:t>
+            </a:r>
+          </a:p>
+          <a:p>
+            <a:r>
+              <a:rPr lang="ru-RU" b="0" i="0" dirty="0">
+                <a:effectLst/>
+                <a:latin typeface="fkGroteskNeue"/>
+              </a:rPr>
+              <a:t>добавление выученной клаузы в формулу;</a:t>
+            </a:r>
+          </a:p>
+        </p:txBody>
+      </p:sp>
+      <p:sp>
+        <p:nvSpPr>
+          <p:cNvPr id="5" name="Номер слайда 4">
+            <a:extLst>
+              <a:ext uri="{FF2B5EF4-FFF2-40B4-BE49-F238E27FC236}">
+                <a16:creationId xmlns:a16="http://schemas.microsoft.com/office/drawing/2014/main" id="{50728505-F386-45EA-90CC-D691EA1CA201}"/>
+              </a:ext>
+            </a:extLst>
+          </p:cNvPr>
+          <p:cNvSpPr>
+            <a:spLocks noGrp="1"/>
+          </p:cNvSpPr>
+          <p:nvPr>
+            <p:ph type="sldNum" sz="quarter" idx="12"/>
+          </p:nvPr>
+        </p:nvSpPr>
+        <p:spPr/>
+        <p:txBody>
+          <a:bodyPr/>
+          <a:lstStyle/>
+          <a:p>
+            <a:fld id="{EF7A8E35-B303-42FD-88A6-20A8D5E4F372}" type="slidenum">
+              <a:rPr lang="ru-RU" smtClean="0"/>
+              <a:t>23</a:t>
+            </a:fld>
+            <a:endParaRPr lang="ru-RU"/>
+          </a:p>
+        </p:txBody>
+      </p:sp>
+    </p:spTree>
+    <p:extLst>
+      <p:ext uri="{BB962C8B-B14F-4D97-AF65-F5344CB8AC3E}">
+        <p14:creationId xmlns:p14="http://schemas.microsoft.com/office/powerpoint/2010/main" val="1207016009"/>
+      </p:ext>
+    </p:extLst>
+  </p:cSld>
+  <p:clrMapOvr>
+    <a:masterClrMapping/>
+  </p:clrMapOvr>
+</p:sld>
+</file>
+
+<file path=ppt/slides/slide24.xml><?xml version="1.0" encoding="utf-8"?>
+<p:sld xmlns:a="http://schemas.openxmlformats.org/drawingml/2006/main" xmlns:r="http://schemas.openxmlformats.org/officeDocument/2006/relationships" xmlns:p="http://schemas.openxmlformats.org/presentationml/2006/main">
+  <p:cSld>
+    <p:spTree>
+      <p:nvGrpSpPr>
+        <p:cNvPr id="1" name=""/>
+        <p:cNvGrpSpPr/>
+        <p:nvPr/>
+      </p:nvGrpSpPr>
+      <p:grpSpPr>
+        <a:xfrm>
+          <a:off x="0" y="0"/>
+          <a:ext cx="0" cy="0"/>
+          <a:chOff x="0" y="0"/>
+          <a:chExt cx="0" cy="0"/>
+        </a:xfrm>
+      </p:grpSpPr>
+      <p:sp>
+        <p:nvSpPr>
+          <p:cNvPr id="2" name="Заголовок 1">
+            <a:extLst>
+              <a:ext uri="{FF2B5EF4-FFF2-40B4-BE49-F238E27FC236}">
+                <a16:creationId xmlns:a16="http://schemas.microsoft.com/office/drawing/2014/main" id="{560A5064-666A-7555-7357-0F8EFD667F80}"/>
+              </a:ext>
+            </a:extLst>
+          </p:cNvPr>
+          <p:cNvSpPr>
+            <a:spLocks noGrp="1"/>
+          </p:cNvSpPr>
+          <p:nvPr>
+            <p:ph type="title"/>
+          </p:nvPr>
+        </p:nvSpPr>
+        <p:spPr>
+          <a:xfrm>
+            <a:off x="185056" y="0"/>
+            <a:ext cx="12006943" cy="919842"/>
+          </a:xfrm>
+        </p:spPr>
+        <p:txBody>
+          <a:bodyPr>
+            <a:normAutofit/>
+          </a:bodyPr>
+          <a:lstStyle/>
+          <a:p>
+            <a:r>
+              <a:rPr lang="ru-RU" dirty="0">
+                <a:solidFill>
+                  <a:schemeClr val="bg1"/>
+                </a:solidFill>
+              </a:rPr>
+              <a:t>Учебный </a:t>
+            </a:r>
+            <a:r>
+              <a:rPr lang="en-US" dirty="0">
+                <a:solidFill>
+                  <a:schemeClr val="bg1"/>
+                </a:solidFill>
+              </a:rPr>
+              <a:t>CDCL</a:t>
+            </a:r>
+            <a:endParaRPr lang="ru-RU" dirty="0">
+              <a:solidFill>
+                <a:schemeClr val="bg1"/>
+              </a:solidFill>
+            </a:endParaRPr>
+          </a:p>
+        </p:txBody>
+      </p:sp>
+      <p:sp>
+        <p:nvSpPr>
+          <p:cNvPr id="3" name="Объект 2">
+            <a:extLst>
+              <a:ext uri="{FF2B5EF4-FFF2-40B4-BE49-F238E27FC236}">
+                <a16:creationId xmlns:a16="http://schemas.microsoft.com/office/drawing/2014/main" id="{EF1A858C-C156-B159-B6C9-F121B8D996B9}"/>
+              </a:ext>
+            </a:extLst>
+          </p:cNvPr>
+          <p:cNvSpPr>
+            <a:spLocks noGrp="1"/>
+          </p:cNvSpPr>
+          <p:nvPr>
+            <p:ph idx="1"/>
+          </p:nvPr>
+        </p:nvSpPr>
+        <p:spPr>
+          <a:xfrm>
+            <a:off x="838200" y="1825624"/>
+            <a:ext cx="10515600" cy="4791743"/>
+          </a:xfrm>
+        </p:spPr>
+        <p:txBody>
+          <a:bodyPr>
+            <a:normAutofit/>
+          </a:bodyPr>
+          <a:lstStyle/>
+          <a:p>
+            <a:r>
+              <a:rPr lang="ru-RU" b="0" i="0">
+                <a:effectLst/>
+                <a:latin typeface="fkGroteskNeue"/>
+              </a:rPr>
+              <a:t>нехронологический </a:t>
+            </a:r>
+            <a:r>
+              <a:rPr lang="ru-RU" b="0" i="0" dirty="0">
+                <a:effectLst/>
+                <a:latin typeface="fkGroteskNeue"/>
+              </a:rPr>
+              <a:t>возврат (</a:t>
+            </a:r>
+            <a:r>
+              <a:rPr lang="ru-RU" b="0" i="0" dirty="0" err="1">
+                <a:effectLst/>
+                <a:latin typeface="fkGroteskNeue"/>
+              </a:rPr>
+              <a:t>backjump</a:t>
+            </a:r>
+            <a:r>
+              <a:rPr lang="ru-RU" b="0" i="0" dirty="0">
+                <a:effectLst/>
+                <a:latin typeface="fkGroteskNeue"/>
+              </a:rPr>
+              <a:t>) на уровень, определяемый структурой конфликта.</a:t>
+            </a:r>
+          </a:p>
+          <a:p>
+            <a:pPr marL="0" indent="0">
+              <a:buNone/>
+            </a:pPr>
+            <a:r>
+              <a:rPr lang="ru-RU" b="0" i="0" dirty="0">
+                <a:effectLst/>
+                <a:latin typeface="fkGroteskNeue"/>
+              </a:rPr>
+              <a:t>Использование обучения позволяет исключать повторение одинаковых конфликтных ситуаций и уменьшать пространство поиска.</a:t>
+            </a:r>
+          </a:p>
+          <a:p>
+            <a:pPr marL="0" indent="0">
+              <a:buNone/>
+            </a:pPr>
+            <a:r>
+              <a:rPr lang="ru-RU" b="0" i="0" dirty="0">
+                <a:effectLst/>
+                <a:latin typeface="fkGroteskNeue"/>
+              </a:rPr>
+              <a:t>Интерпретация результата:</a:t>
+            </a:r>
+          </a:p>
+          <a:p>
+            <a:pPr marL="0" indent="0">
+              <a:buNone/>
+            </a:pPr>
+            <a:r>
+              <a:rPr lang="ru-RU" b="0" i="0" dirty="0">
+                <a:effectLst/>
+                <a:latin typeface="fkGroteskNeue"/>
+              </a:rPr>
+              <a:t>SAT — найден контрпример, схемы неэквивалентны;</a:t>
+            </a:r>
+          </a:p>
+          <a:p>
+            <a:pPr marL="0" indent="0">
+              <a:buNone/>
+            </a:pPr>
+            <a:r>
+              <a:rPr lang="ru-RU" b="0" i="0" dirty="0">
+                <a:effectLst/>
+                <a:latin typeface="fkGroteskNeue"/>
+              </a:rPr>
+              <a:t>UNSAT — контрпримеров не существует, схемы эквивалентны.</a:t>
+            </a:r>
+            <a:endParaRPr lang="en-US" b="0" i="0" dirty="0">
+              <a:effectLst/>
+              <a:latin typeface="fkGroteskNeue"/>
+            </a:endParaRPr>
+          </a:p>
+        </p:txBody>
+      </p:sp>
+      <p:sp>
+        <p:nvSpPr>
+          <p:cNvPr id="5" name="Номер слайда 4">
+            <a:extLst>
+              <a:ext uri="{FF2B5EF4-FFF2-40B4-BE49-F238E27FC236}">
+                <a16:creationId xmlns:a16="http://schemas.microsoft.com/office/drawing/2014/main" id="{50728505-F386-45EA-90CC-D691EA1CA201}"/>
+              </a:ext>
+            </a:extLst>
+          </p:cNvPr>
+          <p:cNvSpPr>
+            <a:spLocks noGrp="1"/>
+          </p:cNvSpPr>
+          <p:nvPr>
+            <p:ph type="sldNum" sz="quarter" idx="12"/>
+          </p:nvPr>
+        </p:nvSpPr>
+        <p:spPr/>
+        <p:txBody>
+          <a:bodyPr/>
+          <a:lstStyle/>
+          <a:p>
+            <a:fld id="{EF7A8E35-B303-42FD-88A6-20A8D5E4F372}" type="slidenum">
+              <a:rPr lang="ru-RU" smtClean="0"/>
+              <a:t>24</a:t>
+            </a:fld>
+            <a:endParaRPr lang="ru-RU"/>
+          </a:p>
+        </p:txBody>
+      </p:sp>
+    </p:spTree>
+    <p:extLst>
+      <p:ext uri="{BB962C8B-B14F-4D97-AF65-F5344CB8AC3E}">
+        <p14:creationId xmlns:p14="http://schemas.microsoft.com/office/powerpoint/2010/main" val="2807000320"/>
+      </p:ext>
+    </p:extLst>
+  </p:cSld>
+  <p:clrMapOvr>
+    <a:masterClrMapping/>
+  </p:clrMapOvr>
+</p:sld>
+</file>
+
+<file path=ppt/slides/slide25.xml><?xml version="1.0" encoding="utf-8"?>
 <p:sld xmlns:a="http://schemas.openxmlformats.org/drawingml/2006/main" xmlns:r="http://schemas.openxmlformats.org/officeDocument/2006/relationships" xmlns:p="http://schemas.openxmlformats.org/presentationml/2006/main">
   <p:cSld>
     <p:spTree>
@@ -6341,7 +8033,7 @@
           <a:p>
             <a:fld id="{EF7A8E35-B303-42FD-88A6-20A8D5E4F372}" type="slidenum">
               <a:rPr lang="ru-RU" smtClean="0"/>
-              <a:t>19</a:t>
+              <a:t>25</a:t>
             </a:fld>
             <a:endParaRPr lang="ru-RU"/>
           </a:p>
@@ -6360,7 +8052,7 @@
 </p:sld>
 </file>
 
-<file path=ppt/slides/slide2.xml><?xml version="1.0" encoding="utf-8"?>
+<file path=ppt/slides/slide26.xml><?xml version="1.0" encoding="utf-8"?>
 <p:sld xmlns:a="http://schemas.openxmlformats.org/drawingml/2006/main" xmlns:r="http://schemas.openxmlformats.org/officeDocument/2006/relationships" xmlns:p="http://schemas.openxmlformats.org/presentationml/2006/main">
   <p:cSld>
     <p:spTree>
@@ -6411,7 +8103,7 @@
                   <a:schemeClr val="bg1"/>
                 </a:solidFill>
               </a:rPr>
-              <a:t>Введение</a:t>
+              <a:t>Ручное сравнение</a:t>
             </a:r>
           </a:p>
         </p:txBody>
@@ -6432,7 +8124,12 @@
             <p:ph idx="1"/>
           </p:nvPr>
         </p:nvSpPr>
-        <p:spPr/>
+        <p:spPr>
+          <a:xfrm>
+            <a:off x="838200" y="1825625"/>
+            <a:ext cx="10515600" cy="4618718"/>
+          </a:xfrm>
+        </p:spPr>
         <p:txBody>
           <a:bodyPr>
             <a:normAutofit/>
@@ -6447,37 +8144,65 @@
                 <a:effectLst/>
                 <a:latin typeface="fkGroteskNeue"/>
               </a:rPr>
-              <a:t>Проблема проверки выполнимости булевых формул (SAT) представляет собой одну из фундаментальных NP-полных (полный перебор). Несмотря на отсутствие известных полиномиальных алгоритмов решения в общем случае, современные SAT-решатели, основанные на алгоритме CDCL (</a:t>
+              <a:t>Анализ показывает, что на малых входах </a:t>
             </a:r>
             <a:r>
               <a:rPr lang="ru-RU" b="0" i="0" dirty="0" err="1">
                 <a:effectLst/>
                 <a:latin typeface="fkGroteskNeue"/>
               </a:rPr>
-              <a:t>Conflict</a:t>
-            </a:r>
-            <a:r>
-              <a:rPr lang="ru-RU" b="0" i="0" dirty="0">
-                <a:effectLst/>
-                <a:latin typeface="fkGroteskNeue"/>
-              </a:rPr>
-              <a:t>-Driven </a:t>
-            </a:r>
-            <a:r>
-              <a:rPr lang="ru-RU" b="0" i="0" dirty="0" err="1">
-                <a:effectLst/>
-                <a:latin typeface="fkGroteskNeue"/>
-              </a:rPr>
-              <a:t>Clause</a:t>
-            </a:r>
-            <a:r>
-              <a:rPr lang="ru-RU" b="0" i="0" dirty="0">
-                <a:effectLst/>
-                <a:latin typeface="fkGroteskNeue"/>
-              </a:rPr>
-              <a:t> Learning), демонстрируют эффективное решение формул с сотнями и тысячами переменных. </a:t>
-            </a:r>
-            <a:endParaRPr lang="ru-RU" dirty="0"/>
+              <a:t>брутфорс</a:t>
+            </a:r>
+            <a:r>
+              <a:rPr lang="ru-RU" b="0" i="0" dirty="0">
+                <a:effectLst/>
+                <a:latin typeface="fkGroteskNeue"/>
+              </a:rPr>
+              <a:t> часто быстрее Z3 из-за накладных расходов инициализации Z3. </a:t>
+            </a:r>
+            <a:r>
+              <a:rPr lang="en-US" b="0" i="0" dirty="0">
+                <a:effectLst/>
+                <a:latin typeface="fkGroteskNeue"/>
+              </a:rPr>
+              <a:t>DPLL </a:t>
+            </a:r>
+            <a:r>
+              <a:rPr lang="ru-RU" b="0" i="0" dirty="0">
+                <a:effectLst/>
+                <a:latin typeface="fkGroteskNeue"/>
+              </a:rPr>
+              <a:t>и </a:t>
+            </a:r>
+            <a:r>
+              <a:rPr lang="en-US" b="0" i="0" dirty="0">
+                <a:effectLst/>
+                <a:latin typeface="fkGroteskNeue"/>
+              </a:rPr>
+              <a:t>CDCL </a:t>
+            </a:r>
+            <a:r>
+              <a:rPr lang="ru-RU" dirty="0">
+                <a:latin typeface="fkGroteskNeue"/>
+              </a:rPr>
+              <a:t>«стабильны» и показывают близкое друг к другу время.</a:t>
+            </a:r>
+            <a:endParaRPr lang="ru-RU" b="0" i="0" dirty="0">
+              <a:effectLst/>
+              <a:latin typeface="fkGroteskNeue"/>
+            </a:endParaRPr>
+          </a:p>
+          <a:p>
+            <a:pPr marL="0" indent="0">
+              <a:buNone/>
+            </a:pPr>
+            <a:r>
+              <a:rPr lang="ru-RU" b="0" i="0" dirty="0">
+                <a:effectLst/>
+                <a:latin typeface="fkGroteskNeue"/>
+              </a:rPr>
+              <a:t>Наблюдается высокая вариативность Z3, что объясняется сложностью конкретной формулы и эффективностью применяемых эвристик.</a:t>
+            </a:r>
           </a:p>
         </p:txBody>
       </p:sp>
@@ -6486,7 +8211,7 @@
           <p:cNvPr id="5" name="Номер слайда 4">
             <a:extLst>
               <a:ext uri="{FF2B5EF4-FFF2-40B4-BE49-F238E27FC236}">
-                <a16:creationId xmlns:a16="http://schemas.microsoft.com/office/drawing/2014/main" id="{18DFCAB0-9277-439D-8D0D-D5EA5B4F40E9}"/>
+                <a16:creationId xmlns:a16="http://schemas.microsoft.com/office/drawing/2014/main" id="{D8B48195-C63F-4F12-A718-4C6E839887E4}"/>
               </a:ext>
             </a:extLst>
           </p:cNvPr>
@@ -6504,7 +8229,7 @@
           <a:p>
             <a:fld id="{EF7A8E35-B303-42FD-88A6-20A8D5E4F372}" type="slidenum">
               <a:rPr lang="ru-RU" smtClean="0"/>
-              <a:t>2</a:t>
+              <a:t>26</a:t>
             </a:fld>
             <a:endParaRPr lang="ru-RU"/>
           </a:p>
@@ -6513,7 +8238,7 @@
     </p:spTree>
     <p:extLst>
       <p:ext uri="{BB962C8B-B14F-4D97-AF65-F5344CB8AC3E}">
-        <p14:creationId xmlns:p14="http://schemas.microsoft.com/office/powerpoint/2010/main" val="679214638"/>
+        <p14:creationId xmlns:p14="http://schemas.microsoft.com/office/powerpoint/2010/main" val="719907022"/>
       </p:ext>
     </p:extLst>
   </p:cSld>
@@ -6523,7 +8248,7 @@
 </p:sld>
 </file>
 
-<file path=ppt/slides/slide20.xml><?xml version="1.0" encoding="utf-8"?>
+<file path=ppt/slides/slide27.xml><?xml version="1.0" encoding="utf-8"?>
 <p:sld xmlns:a="http://schemas.openxmlformats.org/drawingml/2006/main" xmlns:r="http://schemas.openxmlformats.org/officeDocument/2006/relationships" xmlns:p="http://schemas.openxmlformats.org/presentationml/2006/main">
   <p:cSld>
     <p:spTree>
@@ -6574,7 +8299,7 @@
                   <a:schemeClr val="bg1"/>
                 </a:solidFill>
               </a:rPr>
-              <a:t>Ручное сравнение</a:t>
+              <a:t>Автоматическое сравнение</a:t>
             </a:r>
           </a:p>
         </p:txBody>
@@ -6615,202 +8340,6 @@
                 <a:effectLst/>
                 <a:latin typeface="fkGroteskNeue"/>
               </a:rPr>
-              <a:t>Анализ показывает, что на малых входах </a:t>
-            </a:r>
-            <a:r>
-              <a:rPr lang="ru-RU" b="0" i="0" dirty="0" err="1">
-                <a:effectLst/>
-                <a:latin typeface="fkGroteskNeue"/>
-              </a:rPr>
-              <a:t>брутфорс</a:t>
-            </a:r>
-            <a:r>
-              <a:rPr lang="ru-RU" b="0" i="0" dirty="0">
-                <a:effectLst/>
-                <a:latin typeface="fkGroteskNeue"/>
-              </a:rPr>
-              <a:t> часто быстрее Z3 из-за накладных расходов инициализации Z3. </a:t>
-            </a:r>
-            <a:r>
-              <a:rPr lang="en-US" b="0" i="0" dirty="0">
-                <a:effectLst/>
-                <a:latin typeface="fkGroteskNeue"/>
-              </a:rPr>
-              <a:t>DPLL </a:t>
-            </a:r>
-            <a:r>
-              <a:rPr lang="ru-RU" b="0" i="0" dirty="0">
-                <a:effectLst/>
-                <a:latin typeface="fkGroteskNeue"/>
-              </a:rPr>
-              <a:t>и </a:t>
-            </a:r>
-            <a:r>
-              <a:rPr lang="en-US" b="0" i="0" dirty="0">
-                <a:effectLst/>
-                <a:latin typeface="fkGroteskNeue"/>
-              </a:rPr>
-              <a:t>CDCL </a:t>
-            </a:r>
-            <a:r>
-              <a:rPr lang="ru-RU" dirty="0">
-                <a:latin typeface="fkGroteskNeue"/>
-              </a:rPr>
-              <a:t>«стабильны» и показывают близкое друг к другу время.</a:t>
-            </a:r>
-            <a:endParaRPr lang="ru-RU" b="0" i="0" dirty="0">
-              <a:effectLst/>
-              <a:latin typeface="fkGroteskNeue"/>
-            </a:endParaRPr>
-          </a:p>
-          <a:p>
-            <a:pPr marL="0" indent="0">
-              <a:buNone/>
-            </a:pPr>
-            <a:r>
-              <a:rPr lang="ru-RU" b="0" i="0" dirty="0">
-                <a:effectLst/>
-                <a:latin typeface="fkGroteskNeue"/>
-              </a:rPr>
-              <a:t>Наблюдается высокая вариативность Z3, что объясняется сложностью конкретной формулы и эффективностью применяемых эвристик.</a:t>
-            </a:r>
-          </a:p>
-        </p:txBody>
-      </p:sp>
-      <p:sp>
-        <p:nvSpPr>
-          <p:cNvPr id="5" name="Номер слайда 4">
-            <a:extLst>
-              <a:ext uri="{FF2B5EF4-FFF2-40B4-BE49-F238E27FC236}">
-                <a16:creationId xmlns:a16="http://schemas.microsoft.com/office/drawing/2014/main" id="{D8B48195-C63F-4F12-A718-4C6E839887E4}"/>
-              </a:ext>
-            </a:extLst>
-          </p:cNvPr>
-          <p:cNvSpPr>
-            <a:spLocks noGrp="1"/>
-          </p:cNvSpPr>
-          <p:nvPr>
-            <p:ph type="sldNum" sz="quarter" idx="12"/>
-          </p:nvPr>
-        </p:nvSpPr>
-        <p:spPr/>
-        <p:txBody>
-          <a:bodyPr/>
-          <a:lstStyle/>
-          <a:p>
-            <a:fld id="{EF7A8E35-B303-42FD-88A6-20A8D5E4F372}" type="slidenum">
-              <a:rPr lang="ru-RU" smtClean="0"/>
-              <a:t>20</a:t>
-            </a:fld>
-            <a:endParaRPr lang="ru-RU"/>
-          </a:p>
-        </p:txBody>
-      </p:sp>
-    </p:spTree>
-    <p:extLst>
-      <p:ext uri="{BB962C8B-B14F-4D97-AF65-F5344CB8AC3E}">
-        <p14:creationId xmlns:p14="http://schemas.microsoft.com/office/powerpoint/2010/main" val="719907022"/>
-      </p:ext>
-    </p:extLst>
-  </p:cSld>
-  <p:clrMapOvr>
-    <a:masterClrMapping/>
-  </p:clrMapOvr>
-</p:sld>
-</file>
-
-<file path=ppt/slides/slide21.xml><?xml version="1.0" encoding="utf-8"?>
-<p:sld xmlns:a="http://schemas.openxmlformats.org/drawingml/2006/main" xmlns:r="http://schemas.openxmlformats.org/officeDocument/2006/relationships" xmlns:p="http://schemas.openxmlformats.org/presentationml/2006/main">
-  <p:cSld>
-    <p:spTree>
-      <p:nvGrpSpPr>
-        <p:cNvPr id="1" name=""/>
-        <p:cNvGrpSpPr/>
-        <p:nvPr/>
-      </p:nvGrpSpPr>
-      <p:grpSpPr>
-        <a:xfrm>
-          <a:off x="0" y="0"/>
-          <a:ext cx="0" cy="0"/>
-          <a:chOff x="0" y="0"/>
-          <a:chExt cx="0" cy="0"/>
-        </a:xfrm>
-      </p:grpSpPr>
-      <p:sp>
-        <p:nvSpPr>
-          <p:cNvPr id="2" name="Заголовок 1">
-            <a:extLst>
-              <a:ext uri="{FF2B5EF4-FFF2-40B4-BE49-F238E27FC236}">
-                <a16:creationId xmlns:a16="http://schemas.microsoft.com/office/drawing/2014/main" id="{560A5064-666A-7555-7357-0F8EFD667F80}"/>
-              </a:ext>
-            </a:extLst>
-          </p:cNvPr>
-          <p:cNvSpPr>
-            <a:spLocks noGrp="1"/>
-          </p:cNvSpPr>
-          <p:nvPr>
-            <p:ph type="title"/>
-          </p:nvPr>
-        </p:nvSpPr>
-        <p:spPr>
-          <a:xfrm>
-            <a:off x="185056" y="0"/>
-            <a:ext cx="12006943" cy="919842"/>
-          </a:xfrm>
-        </p:spPr>
-        <p:txBody>
-          <a:bodyPr>
-            <a:normAutofit/>
-          </a:bodyPr>
-          <a:lstStyle/>
-          <a:p>
-            <a:r>
-              <a:rPr lang="ru-RU" dirty="0">
-                <a:solidFill>
-                  <a:schemeClr val="bg1"/>
-                </a:solidFill>
-              </a:rPr>
-              <a:t>Автоматическое сравнение</a:t>
-            </a:r>
-          </a:p>
-        </p:txBody>
-      </p:sp>
-      <p:sp>
-        <p:nvSpPr>
-          <p:cNvPr id="3" name="Объект 2">
-            <a:extLst>
-              <a:ext uri="{FF2B5EF4-FFF2-40B4-BE49-F238E27FC236}">
-                <a16:creationId xmlns:a16="http://schemas.microsoft.com/office/drawing/2014/main" id="{EF1A858C-C156-B159-B6C9-F121B8D996B9}"/>
-              </a:ext>
-            </a:extLst>
-          </p:cNvPr>
-          <p:cNvSpPr>
-            <a:spLocks noGrp="1"/>
-          </p:cNvSpPr>
-          <p:nvPr>
-            <p:ph idx="1"/>
-          </p:nvPr>
-        </p:nvSpPr>
-        <p:spPr>
-          <a:xfrm>
-            <a:off x="838200" y="1825625"/>
-            <a:ext cx="10515600" cy="4618718"/>
-          </a:xfrm>
-        </p:spPr>
-        <p:txBody>
-          <a:bodyPr>
-            <a:normAutofit/>
-          </a:bodyPr>
-          <a:lstStyle/>
-          <a:p>
-            <a:pPr marL="0" indent="0">
-              <a:buNone/>
-            </a:pPr>
-            <a:r>
-              <a:rPr lang="ru-RU" b="0" i="0" dirty="0">
-                <a:effectLst/>
-                <a:latin typeface="fkGroteskNeue"/>
-              </a:rPr>
               <a:t>Основной набор экспериментов включал бенчмарки на формулах с числом переменных от 2 до </a:t>
             </a:r>
             <a:r>
@@ -6876,7 +8405,7 @@
           <a:p>
             <a:fld id="{EF7A8E35-B303-42FD-88A6-20A8D5E4F372}" type="slidenum">
               <a:rPr lang="ru-RU" smtClean="0"/>
-              <a:t>21</a:t>
+              <a:t>27</a:t>
             </a:fld>
             <a:endParaRPr lang="ru-RU"/>
           </a:p>
@@ -7589,7 +9118,7 @@
 </p:sld>
 </file>
 
-<file path=ppt/slides/slide22.xml><?xml version="1.0" encoding="utf-8"?>
+<file path=ppt/slides/slide28.xml><?xml version="1.0" encoding="utf-8"?>
 <p:sld xmlns:a="http://schemas.openxmlformats.org/drawingml/2006/main" xmlns:r="http://schemas.openxmlformats.org/officeDocument/2006/relationships" xmlns:p="http://schemas.openxmlformats.org/presentationml/2006/main">
   <p:cSld>
     <p:spTree>
@@ -7855,7 +9384,7 @@
           <a:p>
             <a:fld id="{EF7A8E35-B303-42FD-88A6-20A8D5E4F372}" type="slidenum">
               <a:rPr lang="ru-RU" smtClean="0"/>
-              <a:t>22</a:t>
+              <a:t>28</a:t>
             </a:fld>
             <a:endParaRPr lang="ru-RU"/>
           </a:p>
@@ -7874,7 +9403,7 @@
 </p:sld>
 </file>
 
-<file path=ppt/slides/slide23.xml><?xml version="1.0" encoding="utf-8"?>
+<file path=ppt/slides/slide29.xml><?xml version="1.0" encoding="utf-8"?>
 <p:sld xmlns:a="http://schemas.openxmlformats.org/drawingml/2006/main" xmlns:r="http://schemas.openxmlformats.org/officeDocument/2006/relationships" xmlns:p="http://schemas.openxmlformats.org/presentationml/2006/main">
   <p:cSld>
     <p:spTree>
@@ -8032,7 +9561,7 @@
           <a:p>
             <a:fld id="{EF7A8E35-B303-42FD-88A6-20A8D5E4F372}" type="slidenum">
               <a:rPr lang="ru-RU" smtClean="0"/>
-              <a:t>23</a:t>
+              <a:t>29</a:t>
             </a:fld>
             <a:endParaRPr lang="ru-RU"/>
           </a:p>
@@ -8042,1279 +9571,6 @@
     <p:extLst>
       <p:ext uri="{BB962C8B-B14F-4D97-AF65-F5344CB8AC3E}">
         <p14:creationId xmlns:p14="http://schemas.microsoft.com/office/powerpoint/2010/main" val="2161295793"/>
-      </p:ext>
-    </p:extLst>
-  </p:cSld>
-  <p:clrMapOvr>
-    <a:masterClrMapping/>
-  </p:clrMapOvr>
-</p:sld>
-</file>
-
-<file path=ppt/slides/slide24.xml><?xml version="1.0" encoding="utf-8"?>
-<p:sld xmlns:a="http://schemas.openxmlformats.org/drawingml/2006/main" xmlns:r="http://schemas.openxmlformats.org/officeDocument/2006/relationships" xmlns:p="http://schemas.openxmlformats.org/presentationml/2006/main">
-  <p:cSld>
-    <p:spTree>
-      <p:nvGrpSpPr>
-        <p:cNvPr id="1" name=""/>
-        <p:cNvGrpSpPr/>
-        <p:nvPr/>
-      </p:nvGrpSpPr>
-      <p:grpSpPr>
-        <a:xfrm>
-          <a:off x="0" y="0"/>
-          <a:ext cx="0" cy="0"/>
-          <a:chOff x="0" y="0"/>
-          <a:chExt cx="0" cy="0"/>
-        </a:xfrm>
-      </p:grpSpPr>
-      <p:sp>
-        <p:nvSpPr>
-          <p:cNvPr id="2" name="Заголовок 1">
-            <a:extLst>
-              <a:ext uri="{FF2B5EF4-FFF2-40B4-BE49-F238E27FC236}">
-                <a16:creationId xmlns:a16="http://schemas.microsoft.com/office/drawing/2014/main" id="{560A5064-666A-7555-7357-0F8EFD667F80}"/>
-              </a:ext>
-            </a:extLst>
-          </p:cNvPr>
-          <p:cNvSpPr>
-            <a:spLocks noGrp="1"/>
-          </p:cNvSpPr>
-          <p:nvPr>
-            <p:ph type="title"/>
-          </p:nvPr>
-        </p:nvSpPr>
-        <p:spPr>
-          <a:xfrm>
-            <a:off x="185056" y="0"/>
-            <a:ext cx="12006943" cy="919842"/>
-          </a:xfrm>
-        </p:spPr>
-        <p:txBody>
-          <a:bodyPr>
-            <a:normAutofit/>
-          </a:bodyPr>
-          <a:lstStyle/>
-          <a:p>
-            <a:r>
-              <a:rPr lang="ru-RU" dirty="0">
-                <a:solidFill>
-                  <a:schemeClr val="bg1"/>
-                </a:solidFill>
-              </a:rPr>
-              <a:t>Анализ графика</a:t>
-            </a:r>
-          </a:p>
-        </p:txBody>
-      </p:sp>
-      <p:sp>
-        <p:nvSpPr>
-          <p:cNvPr id="3" name="Объект 2">
-            <a:extLst>
-              <a:ext uri="{FF2B5EF4-FFF2-40B4-BE49-F238E27FC236}">
-                <a16:creationId xmlns:a16="http://schemas.microsoft.com/office/drawing/2014/main" id="{EF1A858C-C156-B159-B6C9-F121B8D996B9}"/>
-              </a:ext>
-            </a:extLst>
-          </p:cNvPr>
-          <p:cNvSpPr>
-            <a:spLocks noGrp="1"/>
-          </p:cNvSpPr>
-          <p:nvPr>
-            <p:ph idx="1"/>
-          </p:nvPr>
-        </p:nvSpPr>
-        <p:spPr>
-          <a:xfrm>
-            <a:off x="838200" y="1825625"/>
-            <a:ext cx="10515600" cy="4618718"/>
-          </a:xfrm>
-        </p:spPr>
-        <p:txBody>
-          <a:bodyPr>
-            <a:normAutofit/>
-          </a:bodyPr>
-          <a:lstStyle/>
-          <a:p>
-            <a:pPr marL="0" indent="0">
-              <a:buNone/>
-            </a:pPr>
-            <a:r>
-              <a:rPr lang="ru-RU" b="0" i="0" dirty="0">
-                <a:effectLst/>
-                <a:latin typeface="fkGroteskNeue"/>
-              </a:rPr>
-              <a:t>Визуализация результатов на графике с логарифмической шкалой времени выявляет контрастные характеристики </a:t>
-            </a:r>
-            <a:r>
-              <a:rPr lang="ru-RU" dirty="0">
-                <a:latin typeface="fkGroteskNeue"/>
-              </a:rPr>
-              <a:t>четырёх </a:t>
-            </a:r>
-            <a:r>
-              <a:rPr lang="ru-RU" b="0" i="0" dirty="0">
-                <a:effectLst/>
-                <a:latin typeface="fkGroteskNeue"/>
-              </a:rPr>
-              <a:t>подходов.</a:t>
-            </a:r>
-          </a:p>
-          <a:p>
-            <a:pPr marL="0" indent="0">
-              <a:buNone/>
-            </a:pPr>
-            <a:r>
-              <a:rPr lang="ru-RU" b="0" i="0" dirty="0">
-                <a:effectLst/>
-                <a:latin typeface="fkGroteskNeue"/>
-              </a:rPr>
-              <a:t>Кривая </a:t>
-            </a:r>
-            <a:r>
-              <a:rPr lang="ru-RU" b="0" i="0" dirty="0" err="1">
-                <a:effectLst/>
-                <a:latin typeface="fkGroteskNeue"/>
-              </a:rPr>
-              <a:t>brute</a:t>
-            </a:r>
-            <a:r>
-              <a:rPr lang="ru-RU" b="0" i="0" dirty="0">
-                <a:effectLst/>
-                <a:latin typeface="fkGroteskNeue"/>
-              </a:rPr>
-              <a:t> </a:t>
-            </a:r>
-            <a:r>
-              <a:rPr lang="ru-RU" b="0" i="0" dirty="0" err="1">
-                <a:effectLst/>
-                <a:latin typeface="fkGroteskNeue"/>
-              </a:rPr>
-              <a:t>force</a:t>
-            </a:r>
-            <a:r>
-              <a:rPr lang="ru-RU" b="0" i="0" dirty="0">
-                <a:effectLst/>
-                <a:latin typeface="fkGroteskNeue"/>
-              </a:rPr>
-              <a:t> демонстрирует характерный для O(2ⁿ) функции вид: резкое экспоненциальное возрастание.</a:t>
-            </a:r>
-          </a:p>
-          <a:p>
-            <a:pPr marL="0" indent="0">
-              <a:buNone/>
-            </a:pPr>
-            <a:r>
-              <a:rPr lang="ru-RU" b="0" i="0" dirty="0">
-                <a:effectLst/>
-                <a:latin typeface="fkGroteskNeue"/>
-              </a:rPr>
-              <a:t>Кривая Z3 проявляет </a:t>
-            </a:r>
-            <a:r>
-              <a:rPr lang="ru-RU" b="0" i="0" dirty="0" err="1">
-                <a:effectLst/>
-                <a:latin typeface="fkGroteskNeue"/>
-              </a:rPr>
-              <a:t>субэкспоненциальное</a:t>
-            </a:r>
-            <a:r>
-              <a:rPr lang="ru-RU" b="0" i="0" dirty="0">
-                <a:effectLst/>
-                <a:latin typeface="fkGroteskNeue"/>
-              </a:rPr>
-              <a:t> поведение: практически горизонтальная на всём диапазоне с малой вариативностью.</a:t>
-            </a:r>
-          </a:p>
-          <a:p>
-            <a:pPr marL="0" indent="0">
-              <a:buNone/>
-            </a:pPr>
-            <a:r>
-              <a:rPr lang="ru-RU" dirty="0">
-                <a:latin typeface="fkGroteskNeue"/>
-              </a:rPr>
-              <a:t>Учебные </a:t>
-            </a:r>
-            <a:r>
-              <a:rPr lang="en-US" dirty="0">
-                <a:latin typeface="fkGroteskNeue"/>
-              </a:rPr>
-              <a:t>DPLL </a:t>
-            </a:r>
-            <a:r>
-              <a:rPr lang="ru-RU" dirty="0">
-                <a:latin typeface="fkGroteskNeue"/>
-              </a:rPr>
-              <a:t>и </a:t>
-            </a:r>
-            <a:r>
-              <a:rPr lang="en-US" dirty="0">
-                <a:latin typeface="fkGroteskNeue"/>
-              </a:rPr>
-              <a:t>CDCL </a:t>
-            </a:r>
-            <a:r>
-              <a:rPr lang="ru-RU" dirty="0">
-                <a:latin typeface="fkGroteskNeue"/>
-              </a:rPr>
-              <a:t>растут с небольшой скоростью.</a:t>
-            </a:r>
-            <a:endParaRPr lang="ru-RU" b="0" i="0" dirty="0">
-              <a:effectLst/>
-              <a:latin typeface="fkGroteskNeue"/>
-            </a:endParaRPr>
-          </a:p>
-        </p:txBody>
-      </p:sp>
-      <p:sp>
-        <p:nvSpPr>
-          <p:cNvPr id="5" name="Номер слайда 4">
-            <a:extLst>
-              <a:ext uri="{FF2B5EF4-FFF2-40B4-BE49-F238E27FC236}">
-                <a16:creationId xmlns:a16="http://schemas.microsoft.com/office/drawing/2014/main" id="{F0DBAE94-8F3E-4894-96DC-F958E6CC7930}"/>
-              </a:ext>
-            </a:extLst>
-          </p:cNvPr>
-          <p:cNvSpPr>
-            <a:spLocks noGrp="1"/>
-          </p:cNvSpPr>
-          <p:nvPr>
-            <p:ph type="sldNum" sz="quarter" idx="12"/>
-          </p:nvPr>
-        </p:nvSpPr>
-        <p:spPr/>
-        <p:txBody>
-          <a:bodyPr/>
-          <a:lstStyle/>
-          <a:p>
-            <a:fld id="{EF7A8E35-B303-42FD-88A6-20A8D5E4F372}" type="slidenum">
-              <a:rPr lang="ru-RU" smtClean="0"/>
-              <a:t>24</a:t>
-            </a:fld>
-            <a:endParaRPr lang="ru-RU"/>
-          </a:p>
-        </p:txBody>
-      </p:sp>
-    </p:spTree>
-    <p:extLst>
-      <p:ext uri="{BB962C8B-B14F-4D97-AF65-F5344CB8AC3E}">
-        <p14:creationId xmlns:p14="http://schemas.microsoft.com/office/powerpoint/2010/main" val="3287134601"/>
-      </p:ext>
-    </p:extLst>
-  </p:cSld>
-  <p:clrMapOvr>
-    <a:masterClrMapping/>
-  </p:clrMapOvr>
-</p:sld>
-</file>
-
-<file path=ppt/slides/slide25.xml><?xml version="1.0" encoding="utf-8"?>
-<p:sld xmlns:a="http://schemas.openxmlformats.org/drawingml/2006/main" xmlns:r="http://schemas.openxmlformats.org/officeDocument/2006/relationships" xmlns:p="http://schemas.openxmlformats.org/presentationml/2006/main">
-  <p:cSld>
-    <p:spTree>
-      <p:nvGrpSpPr>
-        <p:cNvPr id="1" name=""/>
-        <p:cNvGrpSpPr/>
-        <p:nvPr/>
-      </p:nvGrpSpPr>
-      <p:grpSpPr>
-        <a:xfrm>
-          <a:off x="0" y="0"/>
-          <a:ext cx="0" cy="0"/>
-          <a:chOff x="0" y="0"/>
-          <a:chExt cx="0" cy="0"/>
-        </a:xfrm>
-      </p:grpSpPr>
-      <p:sp>
-        <p:nvSpPr>
-          <p:cNvPr id="2" name="Заголовок 1">
-            <a:extLst>
-              <a:ext uri="{FF2B5EF4-FFF2-40B4-BE49-F238E27FC236}">
-                <a16:creationId xmlns:a16="http://schemas.microsoft.com/office/drawing/2014/main" id="{560A5064-666A-7555-7357-0F8EFD667F80}"/>
-              </a:ext>
-            </a:extLst>
-          </p:cNvPr>
-          <p:cNvSpPr>
-            <a:spLocks noGrp="1"/>
-          </p:cNvSpPr>
-          <p:nvPr>
-            <p:ph type="title"/>
-          </p:nvPr>
-        </p:nvSpPr>
-        <p:spPr>
-          <a:xfrm>
-            <a:off x="185056" y="0"/>
-            <a:ext cx="12006943" cy="919842"/>
-          </a:xfrm>
-        </p:spPr>
-        <p:txBody>
-          <a:bodyPr>
-            <a:normAutofit/>
-          </a:bodyPr>
-          <a:lstStyle/>
-          <a:p>
-            <a:r>
-              <a:rPr lang="ru-RU" dirty="0">
-                <a:solidFill>
-                  <a:schemeClr val="bg1"/>
-                </a:solidFill>
-              </a:rPr>
-              <a:t>Анализ графика</a:t>
-            </a:r>
-          </a:p>
-        </p:txBody>
-      </p:sp>
-      <p:sp>
-        <p:nvSpPr>
-          <p:cNvPr id="3" name="Объект 2">
-            <a:extLst>
-              <a:ext uri="{FF2B5EF4-FFF2-40B4-BE49-F238E27FC236}">
-                <a16:creationId xmlns:a16="http://schemas.microsoft.com/office/drawing/2014/main" id="{EF1A858C-C156-B159-B6C9-F121B8D996B9}"/>
-              </a:ext>
-            </a:extLst>
-          </p:cNvPr>
-          <p:cNvSpPr>
-            <a:spLocks noGrp="1"/>
-          </p:cNvSpPr>
-          <p:nvPr>
-            <p:ph idx="1"/>
-          </p:nvPr>
-        </p:nvSpPr>
-        <p:spPr>
-          <a:xfrm>
-            <a:off x="838200" y="1825625"/>
-            <a:ext cx="10515600" cy="4618718"/>
-          </a:xfrm>
-        </p:spPr>
-        <p:txBody>
-          <a:bodyPr>
-            <a:normAutofit/>
-          </a:bodyPr>
-          <a:lstStyle/>
-          <a:p>
-            <a:pPr marL="0" indent="0">
-              <a:buNone/>
-            </a:pPr>
-            <a:r>
-              <a:rPr lang="ru-RU" b="0" i="0" dirty="0">
-                <a:effectLst/>
-                <a:latin typeface="fkGroteskNeue"/>
-              </a:rPr>
-              <a:t>Это графически демонстрирует качественное различие между подходами: полный перебор </a:t>
-            </a:r>
-            <a:r>
-              <a:rPr lang="ru-RU" b="0" i="0" dirty="0" err="1">
-                <a:effectLst/>
-                <a:latin typeface="fkGroteskNeue"/>
-              </a:rPr>
-              <a:t>экспоненциален</a:t>
-            </a:r>
-            <a:r>
-              <a:rPr lang="ru-RU" b="0" i="0" dirty="0">
-                <a:effectLst/>
-                <a:latin typeface="fkGroteskNeue"/>
-              </a:rPr>
-              <a:t> по определению, тогда как </a:t>
-            </a:r>
-            <a:r>
-              <a:rPr lang="en-US" dirty="0">
-                <a:latin typeface="fkGroteskNeue"/>
-              </a:rPr>
-              <a:t>Z3</a:t>
-            </a:r>
-            <a:r>
-              <a:rPr lang="ru-RU" b="0" i="0" dirty="0">
-                <a:effectLst/>
-                <a:latin typeface="fkGroteskNeue"/>
-              </a:rPr>
-              <a:t> показывает практическую нечувствительность к размеру входа на экземплярах со структурой.</a:t>
-            </a:r>
-          </a:p>
-          <a:p>
-            <a:pPr marL="0" indent="0">
-              <a:buNone/>
-            </a:pPr>
-            <a:r>
-              <a:rPr lang="ru-RU" b="0" i="0" dirty="0">
-                <a:effectLst/>
-                <a:latin typeface="fkGroteskNeue"/>
-              </a:rPr>
-              <a:t>Область пересечения кривых находится при n ≈ 10-12 переменных, что соответствует точке уравновешивания накладных расходов Z3 и превосходства эффективности алгоритма при возрастании сложности.</a:t>
-            </a:r>
-            <a:endParaRPr lang="ru-RU" dirty="0"/>
-          </a:p>
-        </p:txBody>
-      </p:sp>
-      <p:sp>
-        <p:nvSpPr>
-          <p:cNvPr id="5" name="Номер слайда 4">
-            <a:extLst>
-              <a:ext uri="{FF2B5EF4-FFF2-40B4-BE49-F238E27FC236}">
-                <a16:creationId xmlns:a16="http://schemas.microsoft.com/office/drawing/2014/main" id="{E541CAD4-49F3-4705-BA4A-012A355B437D}"/>
-              </a:ext>
-            </a:extLst>
-          </p:cNvPr>
-          <p:cNvSpPr>
-            <a:spLocks noGrp="1"/>
-          </p:cNvSpPr>
-          <p:nvPr>
-            <p:ph type="sldNum" sz="quarter" idx="12"/>
-          </p:nvPr>
-        </p:nvSpPr>
-        <p:spPr/>
-        <p:txBody>
-          <a:bodyPr/>
-          <a:lstStyle/>
-          <a:p>
-            <a:fld id="{EF7A8E35-B303-42FD-88A6-20A8D5E4F372}" type="slidenum">
-              <a:rPr lang="ru-RU" smtClean="0"/>
-              <a:t>25</a:t>
-            </a:fld>
-            <a:endParaRPr lang="ru-RU"/>
-          </a:p>
-        </p:txBody>
-      </p:sp>
-    </p:spTree>
-    <p:extLst>
-      <p:ext uri="{BB962C8B-B14F-4D97-AF65-F5344CB8AC3E}">
-        <p14:creationId xmlns:p14="http://schemas.microsoft.com/office/powerpoint/2010/main" val="839798794"/>
-      </p:ext>
-    </p:extLst>
-  </p:cSld>
-  <p:clrMapOvr>
-    <a:masterClrMapping/>
-  </p:clrMapOvr>
-</p:sld>
-</file>
-
-<file path=ppt/slides/slide26.xml><?xml version="1.0" encoding="utf-8"?>
-<p:sld xmlns:a="http://schemas.openxmlformats.org/drawingml/2006/main" xmlns:r="http://schemas.openxmlformats.org/officeDocument/2006/relationships" xmlns:p="http://schemas.openxmlformats.org/presentationml/2006/main">
-  <p:cSld>
-    <p:spTree>
-      <p:nvGrpSpPr>
-        <p:cNvPr id="1" name=""/>
-        <p:cNvGrpSpPr/>
-        <p:nvPr/>
-      </p:nvGrpSpPr>
-      <p:grpSpPr>
-        <a:xfrm>
-          <a:off x="0" y="0"/>
-          <a:ext cx="0" cy="0"/>
-          <a:chOff x="0" y="0"/>
-          <a:chExt cx="0" cy="0"/>
-        </a:xfrm>
-      </p:grpSpPr>
-      <p:sp>
-        <p:nvSpPr>
-          <p:cNvPr id="2" name="Заголовок 1">
-            <a:extLst>
-              <a:ext uri="{FF2B5EF4-FFF2-40B4-BE49-F238E27FC236}">
-                <a16:creationId xmlns:a16="http://schemas.microsoft.com/office/drawing/2014/main" id="{560A5064-666A-7555-7357-0F8EFD667F80}"/>
-              </a:ext>
-            </a:extLst>
-          </p:cNvPr>
-          <p:cNvSpPr>
-            <a:spLocks noGrp="1"/>
-          </p:cNvSpPr>
-          <p:nvPr>
-            <p:ph type="title"/>
-          </p:nvPr>
-        </p:nvSpPr>
-        <p:spPr>
-          <a:xfrm>
-            <a:off x="185056" y="0"/>
-            <a:ext cx="12006943" cy="919842"/>
-          </a:xfrm>
-        </p:spPr>
-        <p:txBody>
-          <a:bodyPr>
-            <a:normAutofit/>
-          </a:bodyPr>
-          <a:lstStyle/>
-          <a:p>
-            <a:r>
-              <a:rPr lang="ru-RU" dirty="0">
-                <a:solidFill>
-                  <a:schemeClr val="bg1"/>
-                </a:solidFill>
-              </a:rPr>
-              <a:t>Применение </a:t>
-            </a:r>
-            <a:r>
-              <a:rPr lang="en-US" dirty="0">
-                <a:solidFill>
-                  <a:schemeClr val="bg1"/>
-                </a:solidFill>
-              </a:rPr>
-              <a:t>SAT-</a:t>
-            </a:r>
-            <a:r>
-              <a:rPr lang="ru-RU" dirty="0">
-                <a:solidFill>
-                  <a:schemeClr val="bg1"/>
-                </a:solidFill>
-              </a:rPr>
-              <a:t>технологий</a:t>
-            </a:r>
-          </a:p>
-        </p:txBody>
-      </p:sp>
-      <p:sp>
-        <p:nvSpPr>
-          <p:cNvPr id="3" name="Объект 2">
-            <a:extLst>
-              <a:ext uri="{FF2B5EF4-FFF2-40B4-BE49-F238E27FC236}">
-                <a16:creationId xmlns:a16="http://schemas.microsoft.com/office/drawing/2014/main" id="{EF1A858C-C156-B159-B6C9-F121B8D996B9}"/>
-              </a:ext>
-            </a:extLst>
-          </p:cNvPr>
-          <p:cNvSpPr>
-            <a:spLocks noGrp="1"/>
-          </p:cNvSpPr>
-          <p:nvPr>
-            <p:ph idx="1"/>
-          </p:nvPr>
-        </p:nvSpPr>
-        <p:spPr>
-          <a:xfrm>
-            <a:off x="838200" y="1825625"/>
-            <a:ext cx="10515600" cy="4618718"/>
-          </a:xfrm>
-        </p:spPr>
-        <p:txBody>
-          <a:bodyPr>
-            <a:normAutofit/>
-          </a:bodyPr>
-          <a:lstStyle/>
-          <a:p>
-            <a:pPr marL="0" indent="0">
-              <a:buNone/>
-            </a:pPr>
-            <a:r>
-              <a:rPr lang="ru-RU" b="0" i="0" dirty="0">
-                <a:effectLst/>
-                <a:latin typeface="fkGroteskNeue"/>
-              </a:rPr>
-              <a:t>SAT-решатели используются в критических приложениях современной цифровой индустрии: </a:t>
-            </a:r>
-          </a:p>
-          <a:p>
-            <a:pPr marL="0" indent="0">
-              <a:buNone/>
-            </a:pPr>
-            <a:r>
-              <a:rPr lang="ru-RU" b="0" i="0" dirty="0">
-                <a:effectLst/>
-                <a:latin typeface="fkGroteskNeue"/>
-              </a:rPr>
-              <a:t>(1) Верификация аппаратуры (</a:t>
-            </a:r>
-            <a:r>
-              <a:rPr lang="ru-RU" b="0" i="0" dirty="0" err="1">
-                <a:effectLst/>
-                <a:latin typeface="fkGroteskNeue"/>
-              </a:rPr>
-              <a:t>Hardware</a:t>
-            </a:r>
-            <a:r>
-              <a:rPr lang="ru-RU" b="0" i="0" dirty="0">
-                <a:effectLst/>
-                <a:latin typeface="fkGroteskNeue"/>
-              </a:rPr>
-              <a:t> </a:t>
-            </a:r>
-            <a:r>
-              <a:rPr lang="ru-RU" b="0" i="0" dirty="0" err="1">
-                <a:effectLst/>
-                <a:latin typeface="fkGroteskNeue"/>
-              </a:rPr>
-              <a:t>Verification</a:t>
-            </a:r>
-            <a:r>
-              <a:rPr lang="ru-RU" b="0" i="0" dirty="0">
-                <a:effectLst/>
-                <a:latin typeface="fkGroteskNeue"/>
-              </a:rPr>
-              <a:t>) — SAT является основным инструментом при проверке эквивалентности схем (</a:t>
-            </a:r>
-            <a:r>
-              <a:rPr lang="ru-RU" b="0" i="0" dirty="0" err="1">
-                <a:effectLst/>
-                <a:latin typeface="fkGroteskNeue"/>
-              </a:rPr>
-              <a:t>Equivalence</a:t>
-            </a:r>
-            <a:r>
-              <a:rPr lang="ru-RU" b="0" i="0" dirty="0">
-                <a:effectLst/>
-                <a:latin typeface="fkGroteskNeue"/>
-              </a:rPr>
-              <a:t> </a:t>
-            </a:r>
-            <a:r>
-              <a:rPr lang="ru-RU" b="0" i="0" dirty="0" err="1">
-                <a:effectLst/>
-                <a:latin typeface="fkGroteskNeue"/>
-              </a:rPr>
-              <a:t>Checking</a:t>
-            </a:r>
-            <a:r>
-              <a:rPr lang="ru-RU" b="0" i="0" dirty="0">
-                <a:effectLst/>
-                <a:latin typeface="fkGroteskNeue"/>
-              </a:rPr>
-              <a:t>) в процессе проектирования СБИС, что обеспечивает корректность микропроцессоров и других цифровых систем;</a:t>
-            </a:r>
-          </a:p>
-          <a:p>
-            <a:pPr marL="0" indent="0">
-              <a:buNone/>
-            </a:pPr>
-            <a:r>
-              <a:rPr lang="ru-RU" b="0" i="0" dirty="0">
-                <a:effectLst/>
-                <a:latin typeface="fkGroteskNeue"/>
-              </a:rPr>
-              <a:t>(2) Формальная верификация программного обеспечения (Model </a:t>
-            </a:r>
-            <a:r>
-              <a:rPr lang="ru-RU" b="0" i="0" dirty="0" err="1">
-                <a:effectLst/>
-                <a:latin typeface="fkGroteskNeue"/>
-              </a:rPr>
-              <a:t>Checking</a:t>
-            </a:r>
-            <a:r>
-              <a:rPr lang="ru-RU" b="0" i="0" dirty="0">
-                <a:effectLst/>
-                <a:latin typeface="fkGroteskNeue"/>
-              </a:rPr>
-              <a:t>) — использование SAT для автоматической проверки моделей систем против спецификаций безопасности;</a:t>
-            </a:r>
-          </a:p>
-        </p:txBody>
-      </p:sp>
-      <p:sp>
-        <p:nvSpPr>
-          <p:cNvPr id="5" name="Номер слайда 4">
-            <a:extLst>
-              <a:ext uri="{FF2B5EF4-FFF2-40B4-BE49-F238E27FC236}">
-                <a16:creationId xmlns:a16="http://schemas.microsoft.com/office/drawing/2014/main" id="{2FCEFF7A-0248-41B7-B2F6-FAE6D76E310C}"/>
-              </a:ext>
-            </a:extLst>
-          </p:cNvPr>
-          <p:cNvSpPr>
-            <a:spLocks noGrp="1"/>
-          </p:cNvSpPr>
-          <p:nvPr>
-            <p:ph type="sldNum" sz="quarter" idx="12"/>
-          </p:nvPr>
-        </p:nvSpPr>
-        <p:spPr/>
-        <p:txBody>
-          <a:bodyPr/>
-          <a:lstStyle/>
-          <a:p>
-            <a:fld id="{EF7A8E35-B303-42FD-88A6-20A8D5E4F372}" type="slidenum">
-              <a:rPr lang="ru-RU" smtClean="0"/>
-              <a:t>26</a:t>
-            </a:fld>
-            <a:endParaRPr lang="ru-RU"/>
-          </a:p>
-        </p:txBody>
-      </p:sp>
-    </p:spTree>
-    <p:extLst>
-      <p:ext uri="{BB962C8B-B14F-4D97-AF65-F5344CB8AC3E}">
-        <p14:creationId xmlns:p14="http://schemas.microsoft.com/office/powerpoint/2010/main" val="1024331436"/>
-      </p:ext>
-    </p:extLst>
-  </p:cSld>
-  <p:clrMapOvr>
-    <a:masterClrMapping/>
-  </p:clrMapOvr>
-</p:sld>
-</file>
-
-<file path=ppt/slides/slide27.xml><?xml version="1.0" encoding="utf-8"?>
-<p:sld xmlns:a="http://schemas.openxmlformats.org/drawingml/2006/main" xmlns:r="http://schemas.openxmlformats.org/officeDocument/2006/relationships" xmlns:p="http://schemas.openxmlformats.org/presentationml/2006/main">
-  <p:cSld>
-    <p:spTree>
-      <p:nvGrpSpPr>
-        <p:cNvPr id="1" name=""/>
-        <p:cNvGrpSpPr/>
-        <p:nvPr/>
-      </p:nvGrpSpPr>
-      <p:grpSpPr>
-        <a:xfrm>
-          <a:off x="0" y="0"/>
-          <a:ext cx="0" cy="0"/>
-          <a:chOff x="0" y="0"/>
-          <a:chExt cx="0" cy="0"/>
-        </a:xfrm>
-      </p:grpSpPr>
-      <p:sp>
-        <p:nvSpPr>
-          <p:cNvPr id="2" name="Заголовок 1">
-            <a:extLst>
-              <a:ext uri="{FF2B5EF4-FFF2-40B4-BE49-F238E27FC236}">
-                <a16:creationId xmlns:a16="http://schemas.microsoft.com/office/drawing/2014/main" id="{560A5064-666A-7555-7357-0F8EFD667F80}"/>
-              </a:ext>
-            </a:extLst>
-          </p:cNvPr>
-          <p:cNvSpPr>
-            <a:spLocks noGrp="1"/>
-          </p:cNvSpPr>
-          <p:nvPr>
-            <p:ph type="title"/>
-          </p:nvPr>
-        </p:nvSpPr>
-        <p:spPr>
-          <a:xfrm>
-            <a:off x="185056" y="0"/>
-            <a:ext cx="12006943" cy="919842"/>
-          </a:xfrm>
-        </p:spPr>
-        <p:txBody>
-          <a:bodyPr>
-            <a:normAutofit/>
-          </a:bodyPr>
-          <a:lstStyle/>
-          <a:p>
-            <a:r>
-              <a:rPr lang="ru-RU" dirty="0">
-                <a:solidFill>
-                  <a:schemeClr val="bg1"/>
-                </a:solidFill>
-              </a:rPr>
-              <a:t>Применение </a:t>
-            </a:r>
-            <a:r>
-              <a:rPr lang="en-US" dirty="0">
-                <a:solidFill>
-                  <a:schemeClr val="bg1"/>
-                </a:solidFill>
-              </a:rPr>
-              <a:t>SAT-</a:t>
-            </a:r>
-            <a:r>
-              <a:rPr lang="ru-RU" dirty="0">
-                <a:solidFill>
-                  <a:schemeClr val="bg1"/>
-                </a:solidFill>
-              </a:rPr>
-              <a:t>технологий</a:t>
-            </a:r>
-          </a:p>
-        </p:txBody>
-      </p:sp>
-      <p:sp>
-        <p:nvSpPr>
-          <p:cNvPr id="3" name="Объект 2">
-            <a:extLst>
-              <a:ext uri="{FF2B5EF4-FFF2-40B4-BE49-F238E27FC236}">
-                <a16:creationId xmlns:a16="http://schemas.microsoft.com/office/drawing/2014/main" id="{EF1A858C-C156-B159-B6C9-F121B8D996B9}"/>
-              </a:ext>
-            </a:extLst>
-          </p:cNvPr>
-          <p:cNvSpPr>
-            <a:spLocks noGrp="1"/>
-          </p:cNvSpPr>
-          <p:nvPr>
-            <p:ph idx="1"/>
-          </p:nvPr>
-        </p:nvSpPr>
-        <p:spPr>
-          <a:xfrm>
-            <a:off x="838200" y="1825625"/>
-            <a:ext cx="10515600" cy="4618718"/>
-          </a:xfrm>
-        </p:spPr>
-        <p:txBody>
-          <a:bodyPr>
-            <a:normAutofit fontScale="92500" lnSpcReduction="10000"/>
-          </a:bodyPr>
-          <a:lstStyle/>
-          <a:p>
-            <a:pPr marL="0" indent="0">
-              <a:buNone/>
-            </a:pPr>
-            <a:r>
-              <a:rPr lang="ru-RU" b="0" i="0">
-                <a:effectLst/>
-                <a:latin typeface="fkGroteskNeue"/>
-              </a:rPr>
-              <a:t>(</a:t>
-            </a:r>
-            <a:r>
-              <a:rPr lang="ru-RU" b="0" i="0" dirty="0">
-                <a:effectLst/>
-                <a:latin typeface="fkGroteskNeue"/>
-              </a:rPr>
-              <a:t>3) Оптимизация и планирование — решение задач удовлетворения ограничений (CSP) при планировании производства, составлении расписаний, размещении ресурсов;</a:t>
-            </a:r>
-          </a:p>
-          <a:p>
-            <a:pPr marL="0" indent="0">
-              <a:buNone/>
-            </a:pPr>
-            <a:r>
-              <a:rPr lang="ru-RU" b="0" i="0" dirty="0">
-                <a:effectLst/>
-                <a:latin typeface="fkGroteskNeue"/>
-              </a:rPr>
-              <a:t>(4) Криптографический анализ — использование SAT-решателей для анализа криптографических примитивов, поиска коллизий, обнаружения уязвимостей;</a:t>
-            </a:r>
-          </a:p>
-          <a:p>
-            <a:pPr marL="0" indent="0">
-              <a:buNone/>
-            </a:pPr>
-            <a:r>
-              <a:rPr lang="ru-RU" b="0" i="0">
-                <a:effectLst/>
-                <a:latin typeface="fkGroteskNeue"/>
-              </a:rPr>
-              <a:t>(</a:t>
-            </a:r>
-            <a:r>
-              <a:rPr lang="ru-RU" b="0" i="0" dirty="0">
-                <a:effectLst/>
-                <a:latin typeface="fkGroteskNeue"/>
-              </a:rPr>
-              <a:t>5) Синтез программ — автоматическое синтезирование кода, удовлетворяющего заданным спецификациям посредством </a:t>
-            </a:r>
-            <a:r>
-              <a:rPr lang="ru-RU" b="0" i="0">
-                <a:effectLst/>
-                <a:latin typeface="fkGroteskNeue"/>
-              </a:rPr>
-              <a:t>SAT-редукции.</a:t>
-            </a:r>
-          </a:p>
-          <a:p>
-            <a:pPr marL="0" indent="0">
-              <a:buNone/>
-            </a:pPr>
-            <a:r>
-              <a:rPr lang="ru-RU" b="0" i="0">
-                <a:effectLst/>
-                <a:latin typeface="fkGroteskNeue"/>
-              </a:rPr>
-              <a:t>Глобальный </a:t>
-            </a:r>
-            <a:r>
-              <a:rPr lang="ru-RU" b="0" i="0" dirty="0">
-                <a:effectLst/>
-                <a:latin typeface="fkGroteskNeue"/>
-              </a:rPr>
-              <a:t>рынок средств верификации аппаратуры, опирающихся на SAT-технологию, оценивается в миллиарды долларов, что подтверждает критическую значимость этой технологии.</a:t>
-            </a:r>
-            <a:endParaRPr lang="ru-RU" dirty="0"/>
-          </a:p>
-        </p:txBody>
-      </p:sp>
-      <p:sp>
-        <p:nvSpPr>
-          <p:cNvPr id="5" name="Номер слайда 4">
-            <a:extLst>
-              <a:ext uri="{FF2B5EF4-FFF2-40B4-BE49-F238E27FC236}">
-                <a16:creationId xmlns:a16="http://schemas.microsoft.com/office/drawing/2014/main" id="{17B199B2-C158-49A4-9EDA-5B2D84B2935A}"/>
-              </a:ext>
-            </a:extLst>
-          </p:cNvPr>
-          <p:cNvSpPr>
-            <a:spLocks noGrp="1"/>
-          </p:cNvSpPr>
-          <p:nvPr>
-            <p:ph type="sldNum" sz="quarter" idx="12"/>
-          </p:nvPr>
-        </p:nvSpPr>
-        <p:spPr/>
-        <p:txBody>
-          <a:bodyPr/>
-          <a:lstStyle/>
-          <a:p>
-            <a:fld id="{EF7A8E35-B303-42FD-88A6-20A8D5E4F372}" type="slidenum">
-              <a:rPr lang="ru-RU" smtClean="0"/>
-              <a:t>27</a:t>
-            </a:fld>
-            <a:endParaRPr lang="ru-RU"/>
-          </a:p>
-        </p:txBody>
-      </p:sp>
-    </p:spTree>
-    <p:extLst>
-      <p:ext uri="{BB962C8B-B14F-4D97-AF65-F5344CB8AC3E}">
-        <p14:creationId xmlns:p14="http://schemas.microsoft.com/office/powerpoint/2010/main" val="3765097112"/>
-      </p:ext>
-    </p:extLst>
-  </p:cSld>
-  <p:clrMapOvr>
-    <a:masterClrMapping/>
-  </p:clrMapOvr>
-</p:sld>
-</file>
-
-<file path=ppt/slides/slide28.xml><?xml version="1.0" encoding="utf-8"?>
-<p:sld xmlns:a="http://schemas.openxmlformats.org/drawingml/2006/main" xmlns:r="http://schemas.openxmlformats.org/officeDocument/2006/relationships" xmlns:p="http://schemas.openxmlformats.org/presentationml/2006/main">
-  <p:cSld>
-    <p:spTree>
-      <p:nvGrpSpPr>
-        <p:cNvPr id="1" name=""/>
-        <p:cNvGrpSpPr/>
-        <p:nvPr/>
-      </p:nvGrpSpPr>
-      <p:grpSpPr>
-        <a:xfrm>
-          <a:off x="0" y="0"/>
-          <a:ext cx="0" cy="0"/>
-          <a:chOff x="0" y="0"/>
-          <a:chExt cx="0" cy="0"/>
-        </a:xfrm>
-      </p:grpSpPr>
-      <p:sp>
-        <p:nvSpPr>
-          <p:cNvPr id="2" name="Заголовок 1">
-            <a:extLst>
-              <a:ext uri="{FF2B5EF4-FFF2-40B4-BE49-F238E27FC236}">
-                <a16:creationId xmlns:a16="http://schemas.microsoft.com/office/drawing/2014/main" id="{560A5064-666A-7555-7357-0F8EFD667F80}"/>
-              </a:ext>
-            </a:extLst>
-          </p:cNvPr>
-          <p:cNvSpPr>
-            <a:spLocks noGrp="1"/>
-          </p:cNvSpPr>
-          <p:nvPr>
-            <p:ph type="title"/>
-          </p:nvPr>
-        </p:nvSpPr>
-        <p:spPr>
-          <a:xfrm>
-            <a:off x="185056" y="0"/>
-            <a:ext cx="12006943" cy="919842"/>
-          </a:xfrm>
-        </p:spPr>
-        <p:txBody>
-          <a:bodyPr>
-            <a:normAutofit/>
-          </a:bodyPr>
-          <a:lstStyle/>
-          <a:p>
-            <a:r>
-              <a:rPr lang="ru-RU" dirty="0">
-                <a:solidFill>
-                  <a:schemeClr val="bg1"/>
-                </a:solidFill>
-              </a:rPr>
-              <a:t>Ограничения и проблемы</a:t>
-            </a:r>
-          </a:p>
-        </p:txBody>
-      </p:sp>
-      <p:sp>
-        <p:nvSpPr>
-          <p:cNvPr id="3" name="Объект 2">
-            <a:extLst>
-              <a:ext uri="{FF2B5EF4-FFF2-40B4-BE49-F238E27FC236}">
-                <a16:creationId xmlns:a16="http://schemas.microsoft.com/office/drawing/2014/main" id="{EF1A858C-C156-B159-B6C9-F121B8D996B9}"/>
-              </a:ext>
-            </a:extLst>
-          </p:cNvPr>
-          <p:cNvSpPr>
-            <a:spLocks noGrp="1"/>
-          </p:cNvSpPr>
-          <p:nvPr>
-            <p:ph idx="1"/>
-          </p:nvPr>
-        </p:nvSpPr>
-        <p:spPr>
-          <a:xfrm>
-            <a:off x="838200" y="1825625"/>
-            <a:ext cx="10515600" cy="4618718"/>
-          </a:xfrm>
-        </p:spPr>
-        <p:txBody>
-          <a:bodyPr>
-            <a:normAutofit/>
-          </a:bodyPr>
-          <a:lstStyle/>
-          <a:p>
-            <a:pPr marL="0" indent="0">
-              <a:buNone/>
-            </a:pPr>
-            <a:r>
-              <a:rPr lang="ru-RU" b="0" i="0" dirty="0">
-                <a:effectLst/>
-                <a:latin typeface="fkGroteskNeue"/>
-              </a:rPr>
-              <a:t>Несмотря на значительные успехи, CDCL-решатели сталкиваются с рядом трудностей:</a:t>
-            </a:r>
-          </a:p>
-          <a:p>
-            <a:pPr marL="0" indent="0">
-              <a:buNone/>
-            </a:pPr>
-            <a:r>
-              <a:rPr lang="ru-RU" b="0" i="0" dirty="0">
-                <a:effectLst/>
-                <a:latin typeface="fkGroteskNeue"/>
-              </a:rPr>
-              <a:t>(1) Масштабируемость на очень большие экземпляры — формулы с сотнями тысяч клауз остаются вызовом, требуя часов вычисления;</a:t>
-            </a:r>
-          </a:p>
-          <a:p>
-            <a:pPr marL="0" indent="0">
-              <a:buNone/>
-            </a:pPr>
-            <a:r>
-              <a:rPr lang="ru-RU" b="0" i="0" dirty="0">
-                <a:effectLst/>
-                <a:latin typeface="fkGroteskNeue"/>
-              </a:rPr>
-              <a:t>(2) Зависимость от структуры экземпляра — случайные формулы часто решаются быстро, тогда как структурированные экземпляры (возникающие из реальных приложений) могут демонстрировать непредсказуемо долгое время решения;</a:t>
-            </a:r>
-          </a:p>
-          <a:p>
-            <a:pPr marL="0" indent="0">
-              <a:buNone/>
-            </a:pPr>
-            <a:r>
-              <a:rPr lang="ru-RU" b="0" i="0" dirty="0">
-                <a:effectLst/>
-                <a:latin typeface="fkGroteskNeue"/>
-              </a:rPr>
-              <a:t>(3) Качество эвристик выбора переменной — неправильный выбор эвристики может замедлить алгоритм в 1000 раз;</a:t>
-            </a:r>
-          </a:p>
-        </p:txBody>
-      </p:sp>
-      <p:sp>
-        <p:nvSpPr>
-          <p:cNvPr id="5" name="Номер слайда 4">
-            <a:extLst>
-              <a:ext uri="{FF2B5EF4-FFF2-40B4-BE49-F238E27FC236}">
-                <a16:creationId xmlns:a16="http://schemas.microsoft.com/office/drawing/2014/main" id="{D4414503-E004-4E28-992E-24EBE48EB4F6}"/>
-              </a:ext>
-            </a:extLst>
-          </p:cNvPr>
-          <p:cNvSpPr>
-            <a:spLocks noGrp="1"/>
-          </p:cNvSpPr>
-          <p:nvPr>
-            <p:ph type="sldNum" sz="quarter" idx="12"/>
-          </p:nvPr>
-        </p:nvSpPr>
-        <p:spPr/>
-        <p:txBody>
-          <a:bodyPr/>
-          <a:lstStyle/>
-          <a:p>
-            <a:fld id="{EF7A8E35-B303-42FD-88A6-20A8D5E4F372}" type="slidenum">
-              <a:rPr lang="ru-RU" smtClean="0"/>
-              <a:t>28</a:t>
-            </a:fld>
-            <a:endParaRPr lang="ru-RU"/>
-          </a:p>
-        </p:txBody>
-      </p:sp>
-    </p:spTree>
-    <p:extLst>
-      <p:ext uri="{BB962C8B-B14F-4D97-AF65-F5344CB8AC3E}">
-        <p14:creationId xmlns:p14="http://schemas.microsoft.com/office/powerpoint/2010/main" val="2790502837"/>
-      </p:ext>
-    </p:extLst>
-  </p:cSld>
-  <p:clrMapOvr>
-    <a:masterClrMapping/>
-  </p:clrMapOvr>
-</p:sld>
-</file>
-
-<file path=ppt/slides/slide29.xml><?xml version="1.0" encoding="utf-8"?>
-<p:sld xmlns:a="http://schemas.openxmlformats.org/drawingml/2006/main" xmlns:r="http://schemas.openxmlformats.org/officeDocument/2006/relationships" xmlns:p="http://schemas.openxmlformats.org/presentationml/2006/main">
-  <p:cSld>
-    <p:spTree>
-      <p:nvGrpSpPr>
-        <p:cNvPr id="1" name=""/>
-        <p:cNvGrpSpPr/>
-        <p:nvPr/>
-      </p:nvGrpSpPr>
-      <p:grpSpPr>
-        <a:xfrm>
-          <a:off x="0" y="0"/>
-          <a:ext cx="0" cy="0"/>
-          <a:chOff x="0" y="0"/>
-          <a:chExt cx="0" cy="0"/>
-        </a:xfrm>
-      </p:grpSpPr>
-      <p:sp>
-        <p:nvSpPr>
-          <p:cNvPr id="2" name="Заголовок 1">
-            <a:extLst>
-              <a:ext uri="{FF2B5EF4-FFF2-40B4-BE49-F238E27FC236}">
-                <a16:creationId xmlns:a16="http://schemas.microsoft.com/office/drawing/2014/main" id="{560A5064-666A-7555-7357-0F8EFD667F80}"/>
-              </a:ext>
-            </a:extLst>
-          </p:cNvPr>
-          <p:cNvSpPr>
-            <a:spLocks noGrp="1"/>
-          </p:cNvSpPr>
-          <p:nvPr>
-            <p:ph type="title"/>
-          </p:nvPr>
-        </p:nvSpPr>
-        <p:spPr>
-          <a:xfrm>
-            <a:off x="185056" y="0"/>
-            <a:ext cx="12006943" cy="919842"/>
-          </a:xfrm>
-        </p:spPr>
-        <p:txBody>
-          <a:bodyPr>
-            <a:normAutofit/>
-          </a:bodyPr>
-          <a:lstStyle/>
-          <a:p>
-            <a:r>
-              <a:rPr lang="ru-RU" dirty="0">
-                <a:solidFill>
-                  <a:schemeClr val="bg1"/>
-                </a:solidFill>
-              </a:rPr>
-              <a:t>Ограничения и проблемы</a:t>
-            </a:r>
-          </a:p>
-        </p:txBody>
-      </p:sp>
-      <p:sp>
-        <p:nvSpPr>
-          <p:cNvPr id="3" name="Объект 2">
-            <a:extLst>
-              <a:ext uri="{FF2B5EF4-FFF2-40B4-BE49-F238E27FC236}">
-                <a16:creationId xmlns:a16="http://schemas.microsoft.com/office/drawing/2014/main" id="{EF1A858C-C156-B159-B6C9-F121B8D996B9}"/>
-              </a:ext>
-            </a:extLst>
-          </p:cNvPr>
-          <p:cNvSpPr>
-            <a:spLocks noGrp="1"/>
-          </p:cNvSpPr>
-          <p:nvPr>
-            <p:ph idx="1"/>
-          </p:nvPr>
-        </p:nvSpPr>
-        <p:spPr>
-          <a:xfrm>
-            <a:off x="838200" y="1825625"/>
-            <a:ext cx="10515600" cy="4618718"/>
-          </a:xfrm>
-        </p:spPr>
-        <p:txBody>
-          <a:bodyPr>
-            <a:normAutofit/>
-          </a:bodyPr>
-          <a:lstStyle/>
-          <a:p>
-            <a:pPr marL="0" indent="0">
-              <a:buNone/>
-            </a:pPr>
-            <a:r>
-              <a:rPr lang="ru-RU" b="0" i="0">
-                <a:effectLst/>
-                <a:latin typeface="fkGroteskNeue"/>
-              </a:rPr>
-              <a:t>(</a:t>
-            </a:r>
-            <a:r>
-              <a:rPr lang="ru-RU" b="0" i="0" dirty="0">
-                <a:effectLst/>
-                <a:latin typeface="fkGroteskNeue"/>
-              </a:rPr>
-              <a:t>4) Фазовые переходы — для некоторого класса случайных формул наблюдается резкий переход от простого к сложному при определённом соотношении клауз к переменным, создающий "пиковую сложность";</a:t>
-            </a:r>
-          </a:p>
-          <a:p>
-            <a:pPr marL="0" indent="0">
-              <a:buNone/>
-            </a:pPr>
-            <a:r>
-              <a:rPr lang="ru-RU" b="0" i="0" dirty="0">
-                <a:effectLst/>
-                <a:latin typeface="fkGroteskNeue"/>
-              </a:rPr>
-              <a:t>(5) Проблема несбалансированного поиска — алгоритм может зависнуть в неудачной ветви, несмотря на наличие других решающих </a:t>
-            </a:r>
-            <a:r>
-              <a:rPr lang="ru-RU" b="0" i="0">
-                <a:effectLst/>
-                <a:latin typeface="fkGroteskNeue"/>
-              </a:rPr>
-              <a:t>путей.</a:t>
-            </a:r>
-          </a:p>
-          <a:p>
-            <a:pPr marL="0" indent="0">
-              <a:buNone/>
-            </a:pPr>
-            <a:r>
-              <a:rPr lang="ru-RU" b="0" i="0">
-                <a:effectLst/>
-                <a:latin typeface="fkGroteskNeue"/>
-              </a:rPr>
-              <a:t>Указанные </a:t>
-            </a:r>
-            <a:r>
-              <a:rPr lang="ru-RU" b="0" i="0" dirty="0">
-                <a:effectLst/>
-                <a:latin typeface="fkGroteskNeue"/>
-              </a:rPr>
-              <a:t>ограничения остаются активной областью исследований, включая разработку адаптивных эвристик, параллельных SAT-решателей и гибридных подходов.</a:t>
-            </a:r>
-          </a:p>
-          <a:p>
-            <a:pPr marL="0" indent="0">
-              <a:buNone/>
-            </a:pPr>
-            <a:endParaRPr lang="ru-RU" b="0" i="0" dirty="0">
-              <a:effectLst/>
-              <a:latin typeface="fkGroteskNeue"/>
-            </a:endParaRPr>
-          </a:p>
-        </p:txBody>
-      </p:sp>
-      <p:sp>
-        <p:nvSpPr>
-          <p:cNvPr id="5" name="Номер слайда 4">
-            <a:extLst>
-              <a:ext uri="{FF2B5EF4-FFF2-40B4-BE49-F238E27FC236}">
-                <a16:creationId xmlns:a16="http://schemas.microsoft.com/office/drawing/2014/main" id="{19A37503-CBE7-44C8-BDE3-BE11EC2CF3B8}"/>
-              </a:ext>
-            </a:extLst>
-          </p:cNvPr>
-          <p:cNvSpPr>
-            <a:spLocks noGrp="1"/>
-          </p:cNvSpPr>
-          <p:nvPr>
-            <p:ph type="sldNum" sz="quarter" idx="12"/>
-          </p:nvPr>
-        </p:nvSpPr>
-        <p:spPr/>
-        <p:txBody>
-          <a:bodyPr/>
-          <a:lstStyle/>
-          <a:p>
-            <a:fld id="{EF7A8E35-B303-42FD-88A6-20A8D5E4F372}" type="slidenum">
-              <a:rPr lang="ru-RU" smtClean="0"/>
-              <a:t>29</a:t>
-            </a:fld>
-            <a:endParaRPr lang="ru-RU"/>
-          </a:p>
-        </p:txBody>
-      </p:sp>
-    </p:spTree>
-    <p:extLst>
-      <p:ext uri="{BB962C8B-B14F-4D97-AF65-F5344CB8AC3E}">
-        <p14:creationId xmlns:p14="http://schemas.microsoft.com/office/powerpoint/2010/main" val="1522365481"/>
       </p:ext>
     </p:extLst>
   </p:cSld>
@@ -9411,21 +9667,21 @@
                 <a:effectLst/>
                 <a:latin typeface="fkGroteskNeue"/>
               </a:rPr>
-              <a:t>Целью данного исследования является систематическое изучение эволюции алгоритмических подходов от классического DPLL (</a:t>
+              <a:t>Реализовать верификацию схемы с использованием Z3 или </a:t>
             </a:r>
             <a:r>
               <a:rPr lang="ru-RU" b="0" i="0" dirty="0" err="1">
                 <a:effectLst/>
                 <a:latin typeface="fkGroteskNeue"/>
               </a:rPr>
-              <a:t>Davis-Putnam-Logemann-Loveland</a:t>
-            </a:r>
-            <a:r>
-              <a:rPr lang="ru-RU" b="0" i="0" dirty="0">
-                <a:effectLst/>
-                <a:latin typeface="fkGroteskNeue"/>
-              </a:rPr>
-              <a:t>) к современному CDCL, анализ архитектуры промышленного SMT-решателя Z3 от Microsoft Research, и эмпирическое сравнение производительности полного перебора с CDCL-алгоритмом на примере задачи проверки эквивалентности булевых схем.</a:t>
+              <a:t>MiniSat</a:t>
+            </a:r>
+            <a:r>
+              <a:rPr lang="ru-RU" b="0" i="0" dirty="0">
+                <a:effectLst/>
+                <a:latin typeface="fkGroteskNeue"/>
+              </a:rPr>
+              <a:t> и сравнить с традиционными методами.</a:t>
             </a:r>
             <a:endParaRPr lang="ru-RU" dirty="0"/>
           </a:p>
@@ -9524,7 +9780,7 @@
                   <a:schemeClr val="bg1"/>
                 </a:solidFill>
               </a:rPr>
-              <a:t>Выводы</a:t>
+              <a:t>Анализ графика</a:t>
             </a:r>
           </a:p>
         </p:txBody>
@@ -9565,7 +9821,20 @@
                 <a:effectLst/>
                 <a:latin typeface="fkGroteskNeue"/>
               </a:rPr>
-              <a:t>Проведённое исследование подтвердило следующие ключевые положения:</a:t>
+              <a:t>Визуализация результатов на графике с логарифмической шкалой времени выявляет контрастные характеристики </a:t>
+            </a:r>
+            <a:r>
+              <a:rPr lang="ru-RU" dirty="0">
+                <a:latin typeface="fkGroteskNeue"/>
+              </a:rPr>
+              <a:t>четырёх </a:t>
+            </a:r>
+            <a:r>
+              <a:rPr lang="ru-RU" b="0" i="0" dirty="0">
+                <a:effectLst/>
+                <a:latin typeface="fkGroteskNeue"/>
+              </a:rPr>
+              <a:t>подходов.</a:t>
             </a:r>
           </a:p>
           <a:p>
@@ -9577,21 +9846,35 @@
                 <a:effectLst/>
                 <a:latin typeface="fkGroteskNeue"/>
               </a:rPr>
-              <a:t>(1) Проблема SAT остаётся NP-полной, и методы полного перебора </a:t>
+              <a:t>Кривая </a:t>
             </a:r>
             <a:r>
               <a:rPr lang="ru-RU" b="0" i="0" dirty="0" err="1">
                 <a:effectLst/>
                 <a:latin typeface="fkGroteskNeue"/>
               </a:rPr>
-              <a:t>экспоненциальны</a:t>
-            </a:r>
-            <a:r>
-              <a:rPr lang="ru-RU" b="0" i="0" dirty="0">
-                <a:effectLst/>
-                <a:latin typeface="fkGroteskNeue"/>
-              </a:rPr>
-              <a:t> по определению, практически применимы только для n ≤ 25 переменных;</a:t>
+              <a:t>brute</a:t>
+            </a:r>
+            <a:r>
+              <a:rPr lang="ru-RU" b="0" i="0" dirty="0">
+                <a:effectLst/>
+                <a:latin typeface="fkGroteskNeue"/>
+              </a:rPr>
+              <a:t> </a:t>
+            </a:r>
+            <a:r>
+              <a:rPr lang="ru-RU" b="0" i="0" dirty="0" err="1">
+                <a:effectLst/>
+                <a:latin typeface="fkGroteskNeue"/>
+              </a:rPr>
+              <a:t>force</a:t>
+            </a:r>
+            <a:r>
+              <a:rPr lang="ru-RU" b="0" i="0" dirty="0">
+                <a:effectLst/>
+                <a:latin typeface="fkGroteskNeue"/>
+              </a:rPr>
+              <a:t> демонстрирует характерный для O(2ⁿ) функции вид: резкое экспоненциальное возрастание.</a:t>
             </a:r>
           </a:p>
           <a:p>
@@ -9603,50 +9886,53 @@
                 <a:effectLst/>
                 <a:latin typeface="fkGroteskNeue"/>
               </a:rPr>
-              <a:t>(2) Алгоритм DPLL, базирующийся на </a:t>
-            </a:r>
-            <a:r>
-              <a:rPr lang="ru-RU" b="0" i="0" dirty="0" err="1">
-                <a:effectLst/>
-                <a:latin typeface="fkGroteskNeue"/>
-              </a:rPr>
-              <a:t>unit</a:t>
-            </a:r>
-            <a:r>
-              <a:rPr lang="ru-RU" b="0" i="0" dirty="0">
-                <a:effectLst/>
-                <a:latin typeface="fkGroteskNeue"/>
-              </a:rPr>
-              <a:t> </a:t>
-            </a:r>
-            <a:r>
-              <a:rPr lang="ru-RU" b="0" i="0" dirty="0" err="1">
-                <a:effectLst/>
-                <a:latin typeface="fkGroteskNeue"/>
-              </a:rPr>
-              <a:t>propagation</a:t>
-            </a:r>
-            <a:r>
-              <a:rPr lang="ru-RU" b="0" i="0" dirty="0">
-                <a:effectLst/>
-                <a:latin typeface="fkGroteskNeue"/>
-              </a:rPr>
-              <a:t> и </a:t>
-            </a:r>
-            <a:r>
-              <a:rPr lang="ru-RU" b="0" i="0" dirty="0" err="1">
-                <a:effectLst/>
-                <a:latin typeface="fkGroteskNeue"/>
-              </a:rPr>
-              <a:t>backtracking</a:t>
-            </a:r>
-            <a:r>
-              <a:rPr lang="ru-RU" b="0" i="0" dirty="0">
-                <a:effectLst/>
-                <a:latin typeface="fkGroteskNeue"/>
-              </a:rPr>
-              <a:t>, обеспечивает значительное сокращение пространства поиска по сравнению с полным перебором, но не использует информацию из конфликтов;</a:t>
-            </a:r>
+              <a:t>Кривая Z3 демонстрирует слабую зависимость от размера входа и выглядит почти горизонтальной. Это связано с тем, что при малых и средних размерах формул основную долю времени составляют фиксированные накладные расходы</a:t>
+            </a:r>
+            <a:r>
+              <a:rPr lang="en-US" dirty="0">
+                <a:latin typeface="fkGroteskNeue"/>
+              </a:rPr>
+              <a:t>.</a:t>
+            </a:r>
+          </a:p>
+          <a:p>
+            <a:pPr marL="0" indent="0">
+              <a:buNone/>
+            </a:pPr>
+            <a:r>
+              <a:rPr lang="ru-RU" dirty="0">
+                <a:latin typeface="fkGroteskNeue"/>
+              </a:rPr>
+              <a:t>Учебные </a:t>
+            </a:r>
+            <a:r>
+              <a:rPr lang="en-US" dirty="0">
+                <a:latin typeface="fkGroteskNeue"/>
+              </a:rPr>
+              <a:t>DPLL </a:t>
+            </a:r>
+            <a:r>
+              <a:rPr lang="ru-RU" dirty="0">
+                <a:latin typeface="fkGroteskNeue"/>
+              </a:rPr>
+              <a:t>и </a:t>
+            </a:r>
+            <a:r>
+              <a:rPr lang="en-US" dirty="0">
+                <a:latin typeface="fkGroteskNeue"/>
+              </a:rPr>
+              <a:t>CDCL </a:t>
+            </a:r>
+            <a:r>
+              <a:rPr lang="ru-RU" dirty="0">
+                <a:latin typeface="fkGroteskNeue"/>
+              </a:rPr>
+              <a:t>растут с небольшой скоростью.</a:t>
+            </a:r>
+            <a:endParaRPr lang="ru-RU" b="0" i="0" dirty="0">
+              <a:effectLst/>
+              <a:latin typeface="fkGroteskNeue"/>
+            </a:endParaRPr>
           </a:p>
         </p:txBody>
       </p:sp>
@@ -9655,7 +9941,7 @@
           <p:cNvPr id="5" name="Номер слайда 4">
             <a:extLst>
               <a:ext uri="{FF2B5EF4-FFF2-40B4-BE49-F238E27FC236}">
-                <a16:creationId xmlns:a16="http://schemas.microsoft.com/office/drawing/2014/main" id="{483094D7-4AAE-40FD-B102-287EFB92C6D5}"/>
+                <a16:creationId xmlns:a16="http://schemas.microsoft.com/office/drawing/2014/main" id="{F0DBAE94-8F3E-4894-96DC-F958E6CC7930}"/>
               </a:ext>
             </a:extLst>
           </p:cNvPr>
@@ -9682,7 +9968,7 @@
     </p:spTree>
     <p:extLst>
       <p:ext uri="{BB962C8B-B14F-4D97-AF65-F5344CB8AC3E}">
-        <p14:creationId xmlns:p14="http://schemas.microsoft.com/office/powerpoint/2010/main" val="245253284"/>
+        <p14:creationId xmlns:p14="http://schemas.microsoft.com/office/powerpoint/2010/main" val="3287134601"/>
       </p:ext>
     </p:extLst>
   </p:cSld>
@@ -9743,7 +10029,7 @@
                   <a:schemeClr val="bg1"/>
                 </a:solidFill>
               </a:rPr>
-              <a:t>Выводы</a:t>
+              <a:t>Анализ графика</a:t>
             </a:r>
           </a:p>
         </p:txBody>
@@ -9784,63 +10070,34 @@
                 <a:effectLst/>
                 <a:latin typeface="fkGroteskNeue"/>
               </a:rPr>
-              <a:t>(3) Алгоритм CDCL, расширяющий DPLL посредством </a:t>
+              <a:t>Это графически демонстрирует качественное различие между подходами: полный перебор </a:t>
             </a:r>
             <a:r>
               <a:rPr lang="ru-RU" b="0" i="0" dirty="0" err="1">
                 <a:effectLst/>
                 <a:latin typeface="fkGroteskNeue"/>
               </a:rPr>
-              <a:t>clause</a:t>
-            </a:r>
-            <a:r>
-              <a:rPr lang="ru-RU" b="0" i="0" dirty="0">
-                <a:effectLst/>
-                <a:latin typeface="fkGroteskNeue"/>
-              </a:rPr>
-              <a:t> </a:t>
-            </a:r>
-            <a:r>
-              <a:rPr lang="ru-RU" b="0" i="0" dirty="0" err="1">
-                <a:effectLst/>
-                <a:latin typeface="fkGroteskNeue"/>
-              </a:rPr>
-              <a:t>learning</a:t>
-            </a:r>
-            <a:r>
-              <a:rPr lang="ru-RU" b="0" i="0" dirty="0">
-                <a:effectLst/>
-                <a:latin typeface="fkGroteskNeue"/>
-              </a:rPr>
-              <a:t>, </a:t>
-            </a:r>
-            <a:r>
-              <a:rPr lang="ru-RU" b="0" i="0" dirty="0" err="1">
-                <a:effectLst/>
-                <a:latin typeface="fkGroteskNeue"/>
-              </a:rPr>
-              <a:t>non-chronological</a:t>
-            </a:r>
-            <a:r>
-              <a:rPr lang="ru-RU" b="0" i="0" dirty="0">
-                <a:effectLst/>
-                <a:latin typeface="fkGroteskNeue"/>
-              </a:rPr>
-              <a:t> </a:t>
-            </a:r>
-            <a:r>
-              <a:rPr lang="ru-RU" b="0" i="0" dirty="0" err="1">
-                <a:effectLst/>
-                <a:latin typeface="fkGroteskNeue"/>
-              </a:rPr>
-              <a:t>backtracking</a:t>
-            </a:r>
-            <a:r>
-              <a:rPr lang="ru-RU" b="0" i="0" dirty="0">
-                <a:effectLst/>
-                <a:latin typeface="fkGroteskNeue"/>
-              </a:rPr>
-              <a:t> и интеллектуальных эвристик, достигает практических решений задач со сложностью, казалось бы, непреодолимой для методов полного перебора;</a:t>
+              <a:t>экспоненциален</a:t>
+            </a:r>
+            <a:r>
+              <a:rPr lang="ru-RU" b="0" i="0" dirty="0">
+                <a:effectLst/>
+                <a:latin typeface="fkGroteskNeue"/>
+              </a:rPr>
+              <a:t> по определению, тогда как </a:t>
+            </a:r>
+            <a:r>
+              <a:rPr lang="en-US" dirty="0">
+                <a:latin typeface="fkGroteskNeue"/>
+              </a:rPr>
+              <a:t>Z3</a:t>
+            </a:r>
+            <a:r>
+              <a:rPr lang="ru-RU" b="0" i="0" dirty="0">
+                <a:effectLst/>
+                <a:latin typeface="fkGroteskNeue"/>
+              </a:rPr>
+              <a:t> показывает практическую нечувствительность к размеру входа на экземплярах со структурой.</a:t>
             </a:r>
           </a:p>
           <a:p>
@@ -9852,22 +10109,9 @@
                 <a:effectLst/>
                 <a:latin typeface="fkGroteskNeue"/>
               </a:rPr>
-              <a:t>(4) Z3 SMT-решатель, реализующий CDCL с многочисленными оптимизациями, демонстрирует ускорение на 100-400 раз по сравнению с </a:t>
-            </a:r>
-            <a:r>
-              <a:rPr lang="ru-RU" b="0" i="0" dirty="0" err="1">
-                <a:effectLst/>
-                <a:latin typeface="fkGroteskNeue"/>
-              </a:rPr>
-              <a:t>брутфорсом</a:t>
-            </a:r>
-            <a:r>
-              <a:rPr lang="ru-RU" b="0" i="0" dirty="0">
-                <a:effectLst/>
-                <a:latin typeface="fkGroteskNeue"/>
-              </a:rPr>
-              <a:t> на формулах масштаба 20-25 переменных;</a:t>
-            </a:r>
+              <a:t>Область пересечения кривых находится при n ≈ 10-12 переменных, что соответствует точке уравновешивания накладных расходов Z3 и превосходства эффективности алгоритма при возрастании сложности.</a:t>
+            </a:r>
+            <a:endParaRPr lang="ru-RU" dirty="0"/>
           </a:p>
         </p:txBody>
       </p:sp>
@@ -9876,7 +10120,7 @@
           <p:cNvPr id="5" name="Номер слайда 4">
             <a:extLst>
               <a:ext uri="{FF2B5EF4-FFF2-40B4-BE49-F238E27FC236}">
-                <a16:creationId xmlns:a16="http://schemas.microsoft.com/office/drawing/2014/main" id="{A2ECA31E-91E0-4F72-9FE1-3F8171538966}"/>
+                <a16:creationId xmlns:a16="http://schemas.microsoft.com/office/drawing/2014/main" id="{E541CAD4-49F3-4705-BA4A-012A355B437D}"/>
               </a:ext>
             </a:extLst>
           </p:cNvPr>
@@ -9903,7 +10147,7 @@
     </p:spTree>
     <p:extLst>
       <p:ext uri="{BB962C8B-B14F-4D97-AF65-F5344CB8AC3E}">
-        <p14:creationId xmlns:p14="http://schemas.microsoft.com/office/powerpoint/2010/main" val="1992044431"/>
+        <p14:creationId xmlns:p14="http://schemas.microsoft.com/office/powerpoint/2010/main" val="839798794"/>
       </p:ext>
     </p:extLst>
   </p:cSld>
@@ -9964,7 +10208,23 @@
                   <a:schemeClr val="bg1"/>
                 </a:solidFill>
               </a:rPr>
-              <a:t>Выводы</a:t>
+              <a:t>Применение </a:t>
+            </a:r>
+            <a:r>
+              <a:rPr lang="en-US" dirty="0">
+                <a:solidFill>
+                  <a:schemeClr val="bg1"/>
+                </a:solidFill>
+              </a:rPr>
+              <a:t>SAT-</a:t>
+            </a:r>
+            <a:r>
+              <a:rPr lang="ru-RU" dirty="0">
+                <a:solidFill>
+                  <a:schemeClr val="bg1"/>
+                </a:solidFill>
+              </a:rPr>
+              <a:t>технологий</a:t>
             </a:r>
           </a:p>
         </p:txBody>
@@ -10001,18 +10261,11 @@
               <a:buNone/>
             </a:pPr>
             <a:r>
-              <a:rPr lang="ru-RU" b="0" i="0">
-                <a:effectLst/>
-                <a:latin typeface="fkGroteskNeue"/>
-              </a:rPr>
-              <a:t>(</a:t>
-            </a:r>
-            <a:r>
-              <a:rPr lang="ru-RU" b="0" i="0" dirty="0">
-                <a:effectLst/>
-                <a:latin typeface="fkGroteskNeue"/>
-              </a:rPr>
-              <a:t>5) SAT-технология является критической инфраструктурой для верификации аппаратуры, тестирования ПО и множества других приложений в современной цифровой индустрии</a:t>
+              <a:rPr lang="ru-RU" b="0" i="0" dirty="0">
+                <a:effectLst/>
+                <a:latin typeface="fkGroteskNeue"/>
+              </a:rPr>
+              <a:t>SAT-решатели используются в критических приложениях современной цифровой индустрии: </a:t>
             </a:r>
           </a:p>
           <a:p>
@@ -10020,18 +10273,93 @@
               <a:buNone/>
             </a:pPr>
             <a:r>
-              <a:rPr lang="ru-RU" b="0" i="0">
-                <a:effectLst/>
-                <a:latin typeface="fkGroteskNeue"/>
-              </a:rPr>
-              <a:t>Результаты </a:t>
-            </a:r>
-            <a:r>
-              <a:rPr lang="ru-RU" b="0" i="0" dirty="0">
-                <a:effectLst/>
-                <a:latin typeface="fkGroteskNeue"/>
-              </a:rPr>
-              <a:t>подтверждают гипотезу о том, что интеллектуальные алгоритмические подходы преодолевают теоретические барьеры экспоненциальной сложности и обеспечивают практическую разрешимость задач, неразрешимых наивными методами.</a:t>
+              <a:rPr lang="ru-RU" b="0" i="0" dirty="0">
+                <a:effectLst/>
+                <a:latin typeface="fkGroteskNeue"/>
+              </a:rPr>
+              <a:t>(1) Верификация аппаратуры (</a:t>
+            </a:r>
+            <a:r>
+              <a:rPr lang="ru-RU" b="0" i="0" dirty="0" err="1">
+                <a:effectLst/>
+                <a:latin typeface="fkGroteskNeue"/>
+              </a:rPr>
+              <a:t>Hardware</a:t>
+            </a:r>
+            <a:r>
+              <a:rPr lang="ru-RU" b="0" i="0" dirty="0">
+                <a:effectLst/>
+                <a:latin typeface="fkGroteskNeue"/>
+              </a:rPr>
+              <a:t> </a:t>
+            </a:r>
+            <a:r>
+              <a:rPr lang="ru-RU" b="0" i="0" dirty="0" err="1">
+                <a:effectLst/>
+                <a:latin typeface="fkGroteskNeue"/>
+              </a:rPr>
+              <a:t>Verification</a:t>
+            </a:r>
+            <a:r>
+              <a:rPr lang="ru-RU" b="0" i="0" dirty="0">
+                <a:effectLst/>
+                <a:latin typeface="fkGroteskNeue"/>
+              </a:rPr>
+              <a:t>) — SAT является основным инструментом при проверке эквивалентности схем (</a:t>
+            </a:r>
+            <a:r>
+              <a:rPr lang="ru-RU" b="0" i="0" dirty="0" err="1">
+                <a:effectLst/>
+                <a:latin typeface="fkGroteskNeue"/>
+              </a:rPr>
+              <a:t>Equivalence</a:t>
+            </a:r>
+            <a:r>
+              <a:rPr lang="ru-RU" b="0" i="0" dirty="0">
+                <a:effectLst/>
+                <a:latin typeface="fkGroteskNeue"/>
+              </a:rPr>
+              <a:t> </a:t>
+            </a:r>
+            <a:r>
+              <a:rPr lang="ru-RU" b="0" i="0" dirty="0" err="1">
+                <a:effectLst/>
+                <a:latin typeface="fkGroteskNeue"/>
+              </a:rPr>
+              <a:t>Checking</a:t>
+            </a:r>
+            <a:r>
+              <a:rPr lang="ru-RU" b="0" i="0" dirty="0">
+                <a:effectLst/>
+                <a:latin typeface="fkGroteskNeue"/>
+              </a:rPr>
+              <a:t>) в процессе проектирования СБИС, что обеспечивает корректность микропроцессоров и других цифровых систем;</a:t>
+            </a:r>
+          </a:p>
+          <a:p>
+            <a:pPr marL="0" indent="0">
+              <a:buNone/>
+            </a:pPr>
+            <a:r>
+              <a:rPr lang="ru-RU" b="0" i="0" dirty="0">
+                <a:effectLst/>
+                <a:latin typeface="fkGroteskNeue"/>
+              </a:rPr>
+              <a:t>(2) Формальная верификация программного обеспечения (Model </a:t>
+            </a:r>
+            <a:r>
+              <a:rPr lang="ru-RU" b="0" i="0" dirty="0" err="1">
+                <a:effectLst/>
+                <a:latin typeface="fkGroteskNeue"/>
+              </a:rPr>
+              <a:t>Checking</a:t>
+            </a:r>
+            <a:r>
+              <a:rPr lang="ru-RU" b="0" i="0" dirty="0">
+                <a:effectLst/>
+                <a:latin typeface="fkGroteskNeue"/>
+              </a:rPr>
+              <a:t>) — использование SAT для автоматической проверки моделей систем против спецификаций безопасности;</a:t>
             </a:r>
           </a:p>
         </p:txBody>
@@ -10041,7 +10369,7 @@
           <p:cNvPr id="5" name="Номер слайда 4">
             <a:extLst>
               <a:ext uri="{FF2B5EF4-FFF2-40B4-BE49-F238E27FC236}">
-                <a16:creationId xmlns:a16="http://schemas.microsoft.com/office/drawing/2014/main" id="{EFEA3F5C-1A10-4333-BB12-4ED8F6BCA869}"/>
+                <a16:creationId xmlns:a16="http://schemas.microsoft.com/office/drawing/2014/main" id="{2FCEFF7A-0248-41B7-B2F6-FAE6D76E310C}"/>
               </a:ext>
             </a:extLst>
           </p:cNvPr>
@@ -10068,7 +10396,7 @@
     </p:spTree>
     <p:extLst>
       <p:ext uri="{BB962C8B-B14F-4D97-AF65-F5344CB8AC3E}">
-        <p14:creationId xmlns:p14="http://schemas.microsoft.com/office/powerpoint/2010/main" val="1971149438"/>
+        <p14:creationId xmlns:p14="http://schemas.microsoft.com/office/powerpoint/2010/main" val="1024331436"/>
       </p:ext>
     </p:extLst>
   </p:cSld>
@@ -10129,7 +10457,23 @@
                   <a:schemeClr val="bg1"/>
                 </a:solidFill>
               </a:rPr>
-              <a:t>Роли в команде</a:t>
+              <a:t>Применение </a:t>
+            </a:r>
+            <a:r>
+              <a:rPr lang="en-US" dirty="0">
+                <a:solidFill>
+                  <a:schemeClr val="bg1"/>
+                </a:solidFill>
+              </a:rPr>
+              <a:t>SAT-</a:t>
+            </a:r>
+            <a:r>
+              <a:rPr lang="ru-RU" dirty="0">
+                <a:solidFill>
+                  <a:schemeClr val="bg1"/>
+                </a:solidFill>
+              </a:rPr>
+              <a:t>технологий</a:t>
             </a:r>
           </a:p>
         </p:txBody>
@@ -10158,6 +10502,1183 @@
         </p:spPr>
         <p:txBody>
           <a:bodyPr>
+            <a:normAutofit fontScale="92500" lnSpcReduction="10000"/>
+          </a:bodyPr>
+          <a:lstStyle/>
+          <a:p>
+            <a:pPr marL="0" indent="0">
+              <a:buNone/>
+            </a:pPr>
+            <a:r>
+              <a:rPr lang="ru-RU" b="0" i="0">
+                <a:effectLst/>
+                <a:latin typeface="fkGroteskNeue"/>
+              </a:rPr>
+              <a:t>(</a:t>
+            </a:r>
+            <a:r>
+              <a:rPr lang="ru-RU" b="0" i="0" dirty="0">
+                <a:effectLst/>
+                <a:latin typeface="fkGroteskNeue"/>
+              </a:rPr>
+              <a:t>3) Оптимизация и планирование — решение задач удовлетворения ограничений (CSP) при планировании производства, составлении расписаний, размещении ресурсов;</a:t>
+            </a:r>
+          </a:p>
+          <a:p>
+            <a:pPr marL="0" indent="0">
+              <a:buNone/>
+            </a:pPr>
+            <a:r>
+              <a:rPr lang="ru-RU" b="0" i="0" dirty="0">
+                <a:effectLst/>
+                <a:latin typeface="fkGroteskNeue"/>
+              </a:rPr>
+              <a:t>(4) Криптографический анализ — использование SAT-решателей для анализа криптографических примитивов, поиска коллизий, обнаружения уязвимостей;</a:t>
+            </a:r>
+          </a:p>
+          <a:p>
+            <a:pPr marL="0" indent="0">
+              <a:buNone/>
+            </a:pPr>
+            <a:r>
+              <a:rPr lang="ru-RU" b="0" i="0">
+                <a:effectLst/>
+                <a:latin typeface="fkGroteskNeue"/>
+              </a:rPr>
+              <a:t>(</a:t>
+            </a:r>
+            <a:r>
+              <a:rPr lang="ru-RU" b="0" i="0" dirty="0">
+                <a:effectLst/>
+                <a:latin typeface="fkGroteskNeue"/>
+              </a:rPr>
+              <a:t>5) Синтез программ — автоматическое синтезирование кода, удовлетворяющего заданным спецификациям посредством </a:t>
+            </a:r>
+            <a:r>
+              <a:rPr lang="ru-RU" b="0" i="0">
+                <a:effectLst/>
+                <a:latin typeface="fkGroteskNeue"/>
+              </a:rPr>
+              <a:t>SAT-редукции.</a:t>
+            </a:r>
+          </a:p>
+          <a:p>
+            <a:pPr marL="0" indent="0">
+              <a:buNone/>
+            </a:pPr>
+            <a:r>
+              <a:rPr lang="ru-RU" b="0" i="0">
+                <a:effectLst/>
+                <a:latin typeface="fkGroteskNeue"/>
+              </a:rPr>
+              <a:t>Глобальный </a:t>
+            </a:r>
+            <a:r>
+              <a:rPr lang="ru-RU" b="0" i="0" dirty="0">
+                <a:effectLst/>
+                <a:latin typeface="fkGroteskNeue"/>
+              </a:rPr>
+              <a:t>рынок средств верификации аппаратуры, опирающихся на SAT-технологию, оценивается в миллиарды долларов, что подтверждает критическую значимость этой технологии.</a:t>
+            </a:r>
+            <a:endParaRPr lang="ru-RU" dirty="0"/>
+          </a:p>
+        </p:txBody>
+      </p:sp>
+      <p:sp>
+        <p:nvSpPr>
+          <p:cNvPr id="5" name="Номер слайда 4">
+            <a:extLst>
+              <a:ext uri="{FF2B5EF4-FFF2-40B4-BE49-F238E27FC236}">
+                <a16:creationId xmlns:a16="http://schemas.microsoft.com/office/drawing/2014/main" id="{17B199B2-C158-49A4-9EDA-5B2D84B2935A}"/>
+              </a:ext>
+            </a:extLst>
+          </p:cNvPr>
+          <p:cNvSpPr>
+            <a:spLocks noGrp="1"/>
+          </p:cNvSpPr>
+          <p:nvPr>
+            <p:ph type="sldNum" sz="quarter" idx="12"/>
+          </p:nvPr>
+        </p:nvSpPr>
+        <p:spPr/>
+        <p:txBody>
+          <a:bodyPr/>
+          <a:lstStyle/>
+          <a:p>
+            <a:fld id="{EF7A8E35-B303-42FD-88A6-20A8D5E4F372}" type="slidenum">
+              <a:rPr lang="ru-RU" smtClean="0"/>
+              <a:t>33</a:t>
+            </a:fld>
+            <a:endParaRPr lang="ru-RU"/>
+          </a:p>
+        </p:txBody>
+      </p:sp>
+    </p:spTree>
+    <p:extLst>
+      <p:ext uri="{BB962C8B-B14F-4D97-AF65-F5344CB8AC3E}">
+        <p14:creationId xmlns:p14="http://schemas.microsoft.com/office/powerpoint/2010/main" val="3765097112"/>
+      </p:ext>
+    </p:extLst>
+  </p:cSld>
+  <p:clrMapOvr>
+    <a:masterClrMapping/>
+  </p:clrMapOvr>
+</p:sld>
+</file>
+
+<file path=ppt/slides/slide34.xml><?xml version="1.0" encoding="utf-8"?>
+<p:sld xmlns:a="http://schemas.openxmlformats.org/drawingml/2006/main" xmlns:r="http://schemas.openxmlformats.org/officeDocument/2006/relationships" xmlns:p="http://schemas.openxmlformats.org/presentationml/2006/main">
+  <p:cSld>
+    <p:spTree>
+      <p:nvGrpSpPr>
+        <p:cNvPr id="1" name=""/>
+        <p:cNvGrpSpPr/>
+        <p:nvPr/>
+      </p:nvGrpSpPr>
+      <p:grpSpPr>
+        <a:xfrm>
+          <a:off x="0" y="0"/>
+          <a:ext cx="0" cy="0"/>
+          <a:chOff x="0" y="0"/>
+          <a:chExt cx="0" cy="0"/>
+        </a:xfrm>
+      </p:grpSpPr>
+      <p:sp>
+        <p:nvSpPr>
+          <p:cNvPr id="2" name="Заголовок 1">
+            <a:extLst>
+              <a:ext uri="{FF2B5EF4-FFF2-40B4-BE49-F238E27FC236}">
+                <a16:creationId xmlns:a16="http://schemas.microsoft.com/office/drawing/2014/main" id="{560A5064-666A-7555-7357-0F8EFD667F80}"/>
+              </a:ext>
+            </a:extLst>
+          </p:cNvPr>
+          <p:cNvSpPr>
+            <a:spLocks noGrp="1"/>
+          </p:cNvSpPr>
+          <p:nvPr>
+            <p:ph type="title"/>
+          </p:nvPr>
+        </p:nvSpPr>
+        <p:spPr>
+          <a:xfrm>
+            <a:off x="185056" y="0"/>
+            <a:ext cx="12006943" cy="919842"/>
+          </a:xfrm>
+        </p:spPr>
+        <p:txBody>
+          <a:bodyPr>
+            <a:normAutofit/>
+          </a:bodyPr>
+          <a:lstStyle/>
+          <a:p>
+            <a:r>
+              <a:rPr lang="ru-RU" dirty="0">
+                <a:solidFill>
+                  <a:schemeClr val="bg1"/>
+                </a:solidFill>
+              </a:rPr>
+              <a:t>Ограничения и проблемы</a:t>
+            </a:r>
+          </a:p>
+        </p:txBody>
+      </p:sp>
+      <p:sp>
+        <p:nvSpPr>
+          <p:cNvPr id="3" name="Объект 2">
+            <a:extLst>
+              <a:ext uri="{FF2B5EF4-FFF2-40B4-BE49-F238E27FC236}">
+                <a16:creationId xmlns:a16="http://schemas.microsoft.com/office/drawing/2014/main" id="{EF1A858C-C156-B159-B6C9-F121B8D996B9}"/>
+              </a:ext>
+            </a:extLst>
+          </p:cNvPr>
+          <p:cNvSpPr>
+            <a:spLocks noGrp="1"/>
+          </p:cNvSpPr>
+          <p:nvPr>
+            <p:ph idx="1"/>
+          </p:nvPr>
+        </p:nvSpPr>
+        <p:spPr>
+          <a:xfrm>
+            <a:off x="838200" y="1825625"/>
+            <a:ext cx="10515600" cy="4618718"/>
+          </a:xfrm>
+        </p:spPr>
+        <p:txBody>
+          <a:bodyPr>
+            <a:normAutofit/>
+          </a:bodyPr>
+          <a:lstStyle/>
+          <a:p>
+            <a:pPr marL="0" indent="0">
+              <a:buNone/>
+            </a:pPr>
+            <a:r>
+              <a:rPr lang="ru-RU" b="0" i="0" dirty="0">
+                <a:effectLst/>
+                <a:latin typeface="fkGroteskNeue"/>
+              </a:rPr>
+              <a:t>Несмотря на значительные успехи, CDCL-решатели сталкиваются с рядом трудностей:</a:t>
+            </a:r>
+          </a:p>
+          <a:p>
+            <a:pPr marL="0" indent="0">
+              <a:buNone/>
+            </a:pPr>
+            <a:r>
+              <a:rPr lang="ru-RU" b="0" i="0" dirty="0">
+                <a:effectLst/>
+                <a:latin typeface="fkGroteskNeue"/>
+              </a:rPr>
+              <a:t>(1) Масштабируемость на очень большие экземпляры — формулы с сотнями тысяч клауз остаются вызовом, требуя часов вычисления;</a:t>
+            </a:r>
+          </a:p>
+          <a:p>
+            <a:pPr marL="0" indent="0">
+              <a:buNone/>
+            </a:pPr>
+            <a:r>
+              <a:rPr lang="ru-RU" b="0" i="0" dirty="0">
+                <a:effectLst/>
+                <a:latin typeface="fkGroteskNeue"/>
+              </a:rPr>
+              <a:t>(2) Зависимость от структуры экземпляра — случайные формулы часто решаются быстро, тогда как структурированные экземпляры (возникающие из реальных приложений) могут демонстрировать непредсказуемо долгое время решения;</a:t>
+            </a:r>
+          </a:p>
+          <a:p>
+            <a:pPr marL="0" indent="0">
+              <a:buNone/>
+            </a:pPr>
+            <a:r>
+              <a:rPr lang="ru-RU" b="0" i="0" dirty="0">
+                <a:effectLst/>
+                <a:latin typeface="fkGroteskNeue"/>
+              </a:rPr>
+              <a:t>(3) Качество эвристик выбора переменной — неправильный выбор эвристики может замедлить алгоритм в 1000 раз;</a:t>
+            </a:r>
+          </a:p>
+        </p:txBody>
+      </p:sp>
+      <p:sp>
+        <p:nvSpPr>
+          <p:cNvPr id="5" name="Номер слайда 4">
+            <a:extLst>
+              <a:ext uri="{FF2B5EF4-FFF2-40B4-BE49-F238E27FC236}">
+                <a16:creationId xmlns:a16="http://schemas.microsoft.com/office/drawing/2014/main" id="{D4414503-E004-4E28-992E-24EBE48EB4F6}"/>
+              </a:ext>
+            </a:extLst>
+          </p:cNvPr>
+          <p:cNvSpPr>
+            <a:spLocks noGrp="1"/>
+          </p:cNvSpPr>
+          <p:nvPr>
+            <p:ph type="sldNum" sz="quarter" idx="12"/>
+          </p:nvPr>
+        </p:nvSpPr>
+        <p:spPr/>
+        <p:txBody>
+          <a:bodyPr/>
+          <a:lstStyle/>
+          <a:p>
+            <a:fld id="{EF7A8E35-B303-42FD-88A6-20A8D5E4F372}" type="slidenum">
+              <a:rPr lang="ru-RU" smtClean="0"/>
+              <a:t>34</a:t>
+            </a:fld>
+            <a:endParaRPr lang="ru-RU"/>
+          </a:p>
+        </p:txBody>
+      </p:sp>
+    </p:spTree>
+    <p:extLst>
+      <p:ext uri="{BB962C8B-B14F-4D97-AF65-F5344CB8AC3E}">
+        <p14:creationId xmlns:p14="http://schemas.microsoft.com/office/powerpoint/2010/main" val="2790502837"/>
+      </p:ext>
+    </p:extLst>
+  </p:cSld>
+  <p:clrMapOvr>
+    <a:masterClrMapping/>
+  </p:clrMapOvr>
+</p:sld>
+</file>
+
+<file path=ppt/slides/slide35.xml><?xml version="1.0" encoding="utf-8"?>
+<p:sld xmlns:a="http://schemas.openxmlformats.org/drawingml/2006/main" xmlns:r="http://schemas.openxmlformats.org/officeDocument/2006/relationships" xmlns:p="http://schemas.openxmlformats.org/presentationml/2006/main">
+  <p:cSld>
+    <p:spTree>
+      <p:nvGrpSpPr>
+        <p:cNvPr id="1" name=""/>
+        <p:cNvGrpSpPr/>
+        <p:nvPr/>
+      </p:nvGrpSpPr>
+      <p:grpSpPr>
+        <a:xfrm>
+          <a:off x="0" y="0"/>
+          <a:ext cx="0" cy="0"/>
+          <a:chOff x="0" y="0"/>
+          <a:chExt cx="0" cy="0"/>
+        </a:xfrm>
+      </p:grpSpPr>
+      <p:sp>
+        <p:nvSpPr>
+          <p:cNvPr id="2" name="Заголовок 1">
+            <a:extLst>
+              <a:ext uri="{FF2B5EF4-FFF2-40B4-BE49-F238E27FC236}">
+                <a16:creationId xmlns:a16="http://schemas.microsoft.com/office/drawing/2014/main" id="{560A5064-666A-7555-7357-0F8EFD667F80}"/>
+              </a:ext>
+            </a:extLst>
+          </p:cNvPr>
+          <p:cNvSpPr>
+            <a:spLocks noGrp="1"/>
+          </p:cNvSpPr>
+          <p:nvPr>
+            <p:ph type="title"/>
+          </p:nvPr>
+        </p:nvSpPr>
+        <p:spPr>
+          <a:xfrm>
+            <a:off x="185056" y="0"/>
+            <a:ext cx="12006943" cy="919842"/>
+          </a:xfrm>
+        </p:spPr>
+        <p:txBody>
+          <a:bodyPr>
+            <a:normAutofit/>
+          </a:bodyPr>
+          <a:lstStyle/>
+          <a:p>
+            <a:r>
+              <a:rPr lang="ru-RU" dirty="0">
+                <a:solidFill>
+                  <a:schemeClr val="bg1"/>
+                </a:solidFill>
+              </a:rPr>
+              <a:t>Ограничения и проблемы</a:t>
+            </a:r>
+          </a:p>
+        </p:txBody>
+      </p:sp>
+      <p:sp>
+        <p:nvSpPr>
+          <p:cNvPr id="3" name="Объект 2">
+            <a:extLst>
+              <a:ext uri="{FF2B5EF4-FFF2-40B4-BE49-F238E27FC236}">
+                <a16:creationId xmlns:a16="http://schemas.microsoft.com/office/drawing/2014/main" id="{EF1A858C-C156-B159-B6C9-F121B8D996B9}"/>
+              </a:ext>
+            </a:extLst>
+          </p:cNvPr>
+          <p:cNvSpPr>
+            <a:spLocks noGrp="1"/>
+          </p:cNvSpPr>
+          <p:nvPr>
+            <p:ph idx="1"/>
+          </p:nvPr>
+        </p:nvSpPr>
+        <p:spPr>
+          <a:xfrm>
+            <a:off x="838200" y="1825625"/>
+            <a:ext cx="10515600" cy="4618718"/>
+          </a:xfrm>
+        </p:spPr>
+        <p:txBody>
+          <a:bodyPr>
+            <a:normAutofit/>
+          </a:bodyPr>
+          <a:lstStyle/>
+          <a:p>
+            <a:pPr marL="0" indent="0">
+              <a:buNone/>
+            </a:pPr>
+            <a:r>
+              <a:rPr lang="ru-RU" b="0" i="0">
+                <a:effectLst/>
+                <a:latin typeface="fkGroteskNeue"/>
+              </a:rPr>
+              <a:t>(</a:t>
+            </a:r>
+            <a:r>
+              <a:rPr lang="ru-RU" b="0" i="0" dirty="0">
+                <a:effectLst/>
+                <a:latin typeface="fkGroteskNeue"/>
+              </a:rPr>
+              <a:t>4) Фазовые переходы — для некоторого класса случайных формул наблюдается резкий переход от простого к сложному при определённом соотношении клауз к переменным, создающий "пиковую сложность";</a:t>
+            </a:r>
+          </a:p>
+          <a:p>
+            <a:pPr marL="0" indent="0">
+              <a:buNone/>
+            </a:pPr>
+            <a:r>
+              <a:rPr lang="ru-RU" b="0" i="0" dirty="0">
+                <a:effectLst/>
+                <a:latin typeface="fkGroteskNeue"/>
+              </a:rPr>
+              <a:t>(5) Проблема несбалансированного поиска — алгоритм может зависнуть в неудачной ветви, несмотря на наличие других решающих </a:t>
+            </a:r>
+            <a:r>
+              <a:rPr lang="ru-RU" b="0" i="0">
+                <a:effectLst/>
+                <a:latin typeface="fkGroteskNeue"/>
+              </a:rPr>
+              <a:t>путей.</a:t>
+            </a:r>
+          </a:p>
+          <a:p>
+            <a:pPr marL="0" indent="0">
+              <a:buNone/>
+            </a:pPr>
+            <a:r>
+              <a:rPr lang="ru-RU" b="0" i="0">
+                <a:effectLst/>
+                <a:latin typeface="fkGroteskNeue"/>
+              </a:rPr>
+              <a:t>Указанные </a:t>
+            </a:r>
+            <a:r>
+              <a:rPr lang="ru-RU" b="0" i="0" dirty="0">
+                <a:effectLst/>
+                <a:latin typeface="fkGroteskNeue"/>
+              </a:rPr>
+              <a:t>ограничения остаются активной областью исследований, включая разработку адаптивных эвристик, параллельных SAT-решателей и гибридных подходов.</a:t>
+            </a:r>
+          </a:p>
+          <a:p>
+            <a:pPr marL="0" indent="0">
+              <a:buNone/>
+            </a:pPr>
+            <a:endParaRPr lang="ru-RU" b="0" i="0" dirty="0">
+              <a:effectLst/>
+              <a:latin typeface="fkGroteskNeue"/>
+            </a:endParaRPr>
+          </a:p>
+        </p:txBody>
+      </p:sp>
+      <p:sp>
+        <p:nvSpPr>
+          <p:cNvPr id="5" name="Номер слайда 4">
+            <a:extLst>
+              <a:ext uri="{FF2B5EF4-FFF2-40B4-BE49-F238E27FC236}">
+                <a16:creationId xmlns:a16="http://schemas.microsoft.com/office/drawing/2014/main" id="{19A37503-CBE7-44C8-BDE3-BE11EC2CF3B8}"/>
+              </a:ext>
+            </a:extLst>
+          </p:cNvPr>
+          <p:cNvSpPr>
+            <a:spLocks noGrp="1"/>
+          </p:cNvSpPr>
+          <p:nvPr>
+            <p:ph type="sldNum" sz="quarter" idx="12"/>
+          </p:nvPr>
+        </p:nvSpPr>
+        <p:spPr/>
+        <p:txBody>
+          <a:bodyPr/>
+          <a:lstStyle/>
+          <a:p>
+            <a:fld id="{EF7A8E35-B303-42FD-88A6-20A8D5E4F372}" type="slidenum">
+              <a:rPr lang="ru-RU" smtClean="0"/>
+              <a:t>35</a:t>
+            </a:fld>
+            <a:endParaRPr lang="ru-RU"/>
+          </a:p>
+        </p:txBody>
+      </p:sp>
+    </p:spTree>
+    <p:extLst>
+      <p:ext uri="{BB962C8B-B14F-4D97-AF65-F5344CB8AC3E}">
+        <p14:creationId xmlns:p14="http://schemas.microsoft.com/office/powerpoint/2010/main" val="1522365481"/>
+      </p:ext>
+    </p:extLst>
+  </p:cSld>
+  <p:clrMapOvr>
+    <a:masterClrMapping/>
+  </p:clrMapOvr>
+</p:sld>
+</file>
+
+<file path=ppt/slides/slide36.xml><?xml version="1.0" encoding="utf-8"?>
+<p:sld xmlns:a="http://schemas.openxmlformats.org/drawingml/2006/main" xmlns:r="http://schemas.openxmlformats.org/officeDocument/2006/relationships" xmlns:p="http://schemas.openxmlformats.org/presentationml/2006/main">
+  <p:cSld>
+    <p:spTree>
+      <p:nvGrpSpPr>
+        <p:cNvPr id="1" name=""/>
+        <p:cNvGrpSpPr/>
+        <p:nvPr/>
+      </p:nvGrpSpPr>
+      <p:grpSpPr>
+        <a:xfrm>
+          <a:off x="0" y="0"/>
+          <a:ext cx="0" cy="0"/>
+          <a:chOff x="0" y="0"/>
+          <a:chExt cx="0" cy="0"/>
+        </a:xfrm>
+      </p:grpSpPr>
+      <p:sp>
+        <p:nvSpPr>
+          <p:cNvPr id="2" name="Заголовок 1">
+            <a:extLst>
+              <a:ext uri="{FF2B5EF4-FFF2-40B4-BE49-F238E27FC236}">
+                <a16:creationId xmlns:a16="http://schemas.microsoft.com/office/drawing/2014/main" id="{560A5064-666A-7555-7357-0F8EFD667F80}"/>
+              </a:ext>
+            </a:extLst>
+          </p:cNvPr>
+          <p:cNvSpPr>
+            <a:spLocks noGrp="1"/>
+          </p:cNvSpPr>
+          <p:nvPr>
+            <p:ph type="title"/>
+          </p:nvPr>
+        </p:nvSpPr>
+        <p:spPr>
+          <a:xfrm>
+            <a:off x="185056" y="0"/>
+            <a:ext cx="12006943" cy="919842"/>
+          </a:xfrm>
+        </p:spPr>
+        <p:txBody>
+          <a:bodyPr>
+            <a:normAutofit/>
+          </a:bodyPr>
+          <a:lstStyle/>
+          <a:p>
+            <a:r>
+              <a:rPr lang="ru-RU" dirty="0">
+                <a:solidFill>
+                  <a:schemeClr val="bg1"/>
+                </a:solidFill>
+              </a:rPr>
+              <a:t>Выводы</a:t>
+            </a:r>
+          </a:p>
+        </p:txBody>
+      </p:sp>
+      <p:sp>
+        <p:nvSpPr>
+          <p:cNvPr id="3" name="Объект 2">
+            <a:extLst>
+              <a:ext uri="{FF2B5EF4-FFF2-40B4-BE49-F238E27FC236}">
+                <a16:creationId xmlns:a16="http://schemas.microsoft.com/office/drawing/2014/main" id="{EF1A858C-C156-B159-B6C9-F121B8D996B9}"/>
+              </a:ext>
+            </a:extLst>
+          </p:cNvPr>
+          <p:cNvSpPr>
+            <a:spLocks noGrp="1"/>
+          </p:cNvSpPr>
+          <p:nvPr>
+            <p:ph idx="1"/>
+          </p:nvPr>
+        </p:nvSpPr>
+        <p:spPr>
+          <a:xfrm>
+            <a:off x="838200" y="1825625"/>
+            <a:ext cx="10515600" cy="4618718"/>
+          </a:xfrm>
+        </p:spPr>
+        <p:txBody>
+          <a:bodyPr>
+            <a:normAutofit/>
+          </a:bodyPr>
+          <a:lstStyle/>
+          <a:p>
+            <a:pPr marL="0" indent="0">
+              <a:buNone/>
+            </a:pPr>
+            <a:r>
+              <a:rPr lang="ru-RU" b="0" i="0" dirty="0">
+                <a:effectLst/>
+                <a:latin typeface="fkGroteskNeue"/>
+              </a:rPr>
+              <a:t>Проведённое исследование подтвердило следующие ключевые положения:</a:t>
+            </a:r>
+          </a:p>
+          <a:p>
+            <a:pPr marL="0" indent="0">
+              <a:buNone/>
+            </a:pPr>
+            <a:r>
+              <a:rPr lang="ru-RU" b="0" i="0" dirty="0">
+                <a:effectLst/>
+                <a:latin typeface="fkGroteskNeue"/>
+              </a:rPr>
+              <a:t>(1) Проблема SAT остаётся NP-полной, и методы полного перебора </a:t>
+            </a:r>
+            <a:r>
+              <a:rPr lang="ru-RU" b="0" i="0" dirty="0" err="1">
+                <a:effectLst/>
+                <a:latin typeface="fkGroteskNeue"/>
+              </a:rPr>
+              <a:t>экспоненциальны</a:t>
+            </a:r>
+            <a:r>
+              <a:rPr lang="ru-RU" b="0" i="0" dirty="0">
+                <a:effectLst/>
+                <a:latin typeface="fkGroteskNeue"/>
+              </a:rPr>
+              <a:t> по определению, практически применимы только для n ≤ 25 переменных;</a:t>
+            </a:r>
+          </a:p>
+          <a:p>
+            <a:pPr marL="0" indent="0">
+              <a:buNone/>
+            </a:pPr>
+            <a:r>
+              <a:rPr lang="ru-RU" b="0" i="0" dirty="0">
+                <a:effectLst/>
+                <a:latin typeface="fkGroteskNeue"/>
+              </a:rPr>
+              <a:t>(2) Алгоритм DPLL, базирующийся на </a:t>
+            </a:r>
+            <a:r>
+              <a:rPr lang="ru-RU" b="0" i="0" dirty="0" err="1">
+                <a:effectLst/>
+                <a:latin typeface="fkGroteskNeue"/>
+              </a:rPr>
+              <a:t>unit</a:t>
+            </a:r>
+            <a:r>
+              <a:rPr lang="ru-RU" b="0" i="0" dirty="0">
+                <a:effectLst/>
+                <a:latin typeface="fkGroteskNeue"/>
+              </a:rPr>
+              <a:t> </a:t>
+            </a:r>
+            <a:r>
+              <a:rPr lang="ru-RU" b="0" i="0" dirty="0" err="1">
+                <a:effectLst/>
+                <a:latin typeface="fkGroteskNeue"/>
+              </a:rPr>
+              <a:t>propagation</a:t>
+            </a:r>
+            <a:r>
+              <a:rPr lang="ru-RU" b="0" i="0" dirty="0">
+                <a:effectLst/>
+                <a:latin typeface="fkGroteskNeue"/>
+              </a:rPr>
+              <a:t> и </a:t>
+            </a:r>
+            <a:r>
+              <a:rPr lang="ru-RU" b="0" i="0" dirty="0" err="1">
+                <a:effectLst/>
+                <a:latin typeface="fkGroteskNeue"/>
+              </a:rPr>
+              <a:t>backtracking</a:t>
+            </a:r>
+            <a:r>
+              <a:rPr lang="ru-RU" b="0" i="0" dirty="0">
+                <a:effectLst/>
+                <a:latin typeface="fkGroteskNeue"/>
+              </a:rPr>
+              <a:t>, обеспечивает значительное сокращение пространства поиска по сравнению с полным перебором, но не использует информацию из конфликтов;</a:t>
+            </a:r>
+          </a:p>
+        </p:txBody>
+      </p:sp>
+      <p:sp>
+        <p:nvSpPr>
+          <p:cNvPr id="5" name="Номер слайда 4">
+            <a:extLst>
+              <a:ext uri="{FF2B5EF4-FFF2-40B4-BE49-F238E27FC236}">
+                <a16:creationId xmlns:a16="http://schemas.microsoft.com/office/drawing/2014/main" id="{483094D7-4AAE-40FD-B102-287EFB92C6D5}"/>
+              </a:ext>
+            </a:extLst>
+          </p:cNvPr>
+          <p:cNvSpPr>
+            <a:spLocks noGrp="1"/>
+          </p:cNvSpPr>
+          <p:nvPr>
+            <p:ph type="sldNum" sz="quarter" idx="12"/>
+          </p:nvPr>
+        </p:nvSpPr>
+        <p:spPr/>
+        <p:txBody>
+          <a:bodyPr/>
+          <a:lstStyle/>
+          <a:p>
+            <a:fld id="{EF7A8E35-B303-42FD-88A6-20A8D5E4F372}" type="slidenum">
+              <a:rPr lang="ru-RU" smtClean="0"/>
+              <a:t>36</a:t>
+            </a:fld>
+            <a:endParaRPr lang="ru-RU"/>
+          </a:p>
+        </p:txBody>
+      </p:sp>
+    </p:spTree>
+    <p:extLst>
+      <p:ext uri="{BB962C8B-B14F-4D97-AF65-F5344CB8AC3E}">
+        <p14:creationId xmlns:p14="http://schemas.microsoft.com/office/powerpoint/2010/main" val="245253284"/>
+      </p:ext>
+    </p:extLst>
+  </p:cSld>
+  <p:clrMapOvr>
+    <a:masterClrMapping/>
+  </p:clrMapOvr>
+</p:sld>
+</file>
+
+<file path=ppt/slides/slide37.xml><?xml version="1.0" encoding="utf-8"?>
+<p:sld xmlns:a="http://schemas.openxmlformats.org/drawingml/2006/main" xmlns:r="http://schemas.openxmlformats.org/officeDocument/2006/relationships" xmlns:p="http://schemas.openxmlformats.org/presentationml/2006/main">
+  <p:cSld>
+    <p:spTree>
+      <p:nvGrpSpPr>
+        <p:cNvPr id="1" name=""/>
+        <p:cNvGrpSpPr/>
+        <p:nvPr/>
+      </p:nvGrpSpPr>
+      <p:grpSpPr>
+        <a:xfrm>
+          <a:off x="0" y="0"/>
+          <a:ext cx="0" cy="0"/>
+          <a:chOff x="0" y="0"/>
+          <a:chExt cx="0" cy="0"/>
+        </a:xfrm>
+      </p:grpSpPr>
+      <p:sp>
+        <p:nvSpPr>
+          <p:cNvPr id="2" name="Заголовок 1">
+            <a:extLst>
+              <a:ext uri="{FF2B5EF4-FFF2-40B4-BE49-F238E27FC236}">
+                <a16:creationId xmlns:a16="http://schemas.microsoft.com/office/drawing/2014/main" id="{560A5064-666A-7555-7357-0F8EFD667F80}"/>
+              </a:ext>
+            </a:extLst>
+          </p:cNvPr>
+          <p:cNvSpPr>
+            <a:spLocks noGrp="1"/>
+          </p:cNvSpPr>
+          <p:nvPr>
+            <p:ph type="title"/>
+          </p:nvPr>
+        </p:nvSpPr>
+        <p:spPr>
+          <a:xfrm>
+            <a:off x="185056" y="0"/>
+            <a:ext cx="12006943" cy="919842"/>
+          </a:xfrm>
+        </p:spPr>
+        <p:txBody>
+          <a:bodyPr>
+            <a:normAutofit/>
+          </a:bodyPr>
+          <a:lstStyle/>
+          <a:p>
+            <a:r>
+              <a:rPr lang="ru-RU" dirty="0">
+                <a:solidFill>
+                  <a:schemeClr val="bg1"/>
+                </a:solidFill>
+              </a:rPr>
+              <a:t>Выводы</a:t>
+            </a:r>
+          </a:p>
+        </p:txBody>
+      </p:sp>
+      <p:sp>
+        <p:nvSpPr>
+          <p:cNvPr id="3" name="Объект 2">
+            <a:extLst>
+              <a:ext uri="{FF2B5EF4-FFF2-40B4-BE49-F238E27FC236}">
+                <a16:creationId xmlns:a16="http://schemas.microsoft.com/office/drawing/2014/main" id="{EF1A858C-C156-B159-B6C9-F121B8D996B9}"/>
+              </a:ext>
+            </a:extLst>
+          </p:cNvPr>
+          <p:cNvSpPr>
+            <a:spLocks noGrp="1"/>
+          </p:cNvSpPr>
+          <p:nvPr>
+            <p:ph idx="1"/>
+          </p:nvPr>
+        </p:nvSpPr>
+        <p:spPr>
+          <a:xfrm>
+            <a:off x="838200" y="1825625"/>
+            <a:ext cx="10515600" cy="4618718"/>
+          </a:xfrm>
+        </p:spPr>
+        <p:txBody>
+          <a:bodyPr>
+            <a:normAutofit/>
+          </a:bodyPr>
+          <a:lstStyle/>
+          <a:p>
+            <a:pPr marL="0" indent="0">
+              <a:buNone/>
+            </a:pPr>
+            <a:r>
+              <a:rPr lang="ru-RU" b="0" i="0" dirty="0">
+                <a:effectLst/>
+                <a:latin typeface="fkGroteskNeue"/>
+              </a:rPr>
+              <a:t>(3) Алгоритм CDCL, расширяющий DPLL посредством </a:t>
+            </a:r>
+            <a:r>
+              <a:rPr lang="ru-RU" b="0" i="0" dirty="0" err="1">
+                <a:effectLst/>
+                <a:latin typeface="fkGroteskNeue"/>
+              </a:rPr>
+              <a:t>clause</a:t>
+            </a:r>
+            <a:r>
+              <a:rPr lang="ru-RU" b="0" i="0" dirty="0">
+                <a:effectLst/>
+                <a:latin typeface="fkGroteskNeue"/>
+              </a:rPr>
+              <a:t> </a:t>
+            </a:r>
+            <a:r>
+              <a:rPr lang="ru-RU" b="0" i="0" dirty="0" err="1">
+                <a:effectLst/>
+                <a:latin typeface="fkGroteskNeue"/>
+              </a:rPr>
+              <a:t>learning</a:t>
+            </a:r>
+            <a:r>
+              <a:rPr lang="ru-RU" b="0" i="0" dirty="0">
+                <a:effectLst/>
+                <a:latin typeface="fkGroteskNeue"/>
+              </a:rPr>
+              <a:t>, </a:t>
+            </a:r>
+            <a:r>
+              <a:rPr lang="ru-RU" b="0" i="0" dirty="0" err="1">
+                <a:effectLst/>
+                <a:latin typeface="fkGroteskNeue"/>
+              </a:rPr>
+              <a:t>non-chronological</a:t>
+            </a:r>
+            <a:r>
+              <a:rPr lang="ru-RU" b="0" i="0" dirty="0">
+                <a:effectLst/>
+                <a:latin typeface="fkGroteskNeue"/>
+              </a:rPr>
+              <a:t> </a:t>
+            </a:r>
+            <a:r>
+              <a:rPr lang="ru-RU" b="0" i="0" dirty="0" err="1">
+                <a:effectLst/>
+                <a:latin typeface="fkGroteskNeue"/>
+              </a:rPr>
+              <a:t>backtracking</a:t>
+            </a:r>
+            <a:r>
+              <a:rPr lang="ru-RU" b="0" i="0" dirty="0">
+                <a:effectLst/>
+                <a:latin typeface="fkGroteskNeue"/>
+              </a:rPr>
+              <a:t> и интеллектуальных эвристик, достигает практических решений задач со сложностью, казалось бы, непреодолимой для методов полного перебора;</a:t>
+            </a:r>
+          </a:p>
+          <a:p>
+            <a:pPr marL="0" indent="0">
+              <a:buNone/>
+            </a:pPr>
+            <a:r>
+              <a:rPr lang="ru-RU" b="0" i="0" dirty="0">
+                <a:effectLst/>
+                <a:latin typeface="fkGroteskNeue"/>
+              </a:rPr>
+              <a:t>(4) Z3 SMT-решатель, реализующий CDCL с многочисленными оптимизациями, демонстрирует ускорение на 100-400 раз по сравнению с </a:t>
+            </a:r>
+            <a:r>
+              <a:rPr lang="ru-RU" b="0" i="0" dirty="0" err="1">
+                <a:effectLst/>
+                <a:latin typeface="fkGroteskNeue"/>
+              </a:rPr>
+              <a:t>брутфорсом</a:t>
+            </a:r>
+            <a:r>
+              <a:rPr lang="ru-RU" b="0" i="0" dirty="0">
+                <a:effectLst/>
+                <a:latin typeface="fkGroteskNeue"/>
+              </a:rPr>
+              <a:t> на формулах масштаба 20-25 переменных;</a:t>
+            </a:r>
+          </a:p>
+        </p:txBody>
+      </p:sp>
+      <p:sp>
+        <p:nvSpPr>
+          <p:cNvPr id="5" name="Номер слайда 4">
+            <a:extLst>
+              <a:ext uri="{FF2B5EF4-FFF2-40B4-BE49-F238E27FC236}">
+                <a16:creationId xmlns:a16="http://schemas.microsoft.com/office/drawing/2014/main" id="{A2ECA31E-91E0-4F72-9FE1-3F8171538966}"/>
+              </a:ext>
+            </a:extLst>
+          </p:cNvPr>
+          <p:cNvSpPr>
+            <a:spLocks noGrp="1"/>
+          </p:cNvSpPr>
+          <p:nvPr>
+            <p:ph type="sldNum" sz="quarter" idx="12"/>
+          </p:nvPr>
+        </p:nvSpPr>
+        <p:spPr/>
+        <p:txBody>
+          <a:bodyPr/>
+          <a:lstStyle/>
+          <a:p>
+            <a:fld id="{EF7A8E35-B303-42FD-88A6-20A8D5E4F372}" type="slidenum">
+              <a:rPr lang="ru-RU" smtClean="0"/>
+              <a:t>37</a:t>
+            </a:fld>
+            <a:endParaRPr lang="ru-RU"/>
+          </a:p>
+        </p:txBody>
+      </p:sp>
+    </p:spTree>
+    <p:extLst>
+      <p:ext uri="{BB962C8B-B14F-4D97-AF65-F5344CB8AC3E}">
+        <p14:creationId xmlns:p14="http://schemas.microsoft.com/office/powerpoint/2010/main" val="1992044431"/>
+      </p:ext>
+    </p:extLst>
+  </p:cSld>
+  <p:clrMapOvr>
+    <a:masterClrMapping/>
+  </p:clrMapOvr>
+</p:sld>
+</file>
+
+<file path=ppt/slides/slide38.xml><?xml version="1.0" encoding="utf-8"?>
+<p:sld xmlns:a="http://schemas.openxmlformats.org/drawingml/2006/main" xmlns:r="http://schemas.openxmlformats.org/officeDocument/2006/relationships" xmlns:p="http://schemas.openxmlformats.org/presentationml/2006/main">
+  <p:cSld>
+    <p:spTree>
+      <p:nvGrpSpPr>
+        <p:cNvPr id="1" name=""/>
+        <p:cNvGrpSpPr/>
+        <p:nvPr/>
+      </p:nvGrpSpPr>
+      <p:grpSpPr>
+        <a:xfrm>
+          <a:off x="0" y="0"/>
+          <a:ext cx="0" cy="0"/>
+          <a:chOff x="0" y="0"/>
+          <a:chExt cx="0" cy="0"/>
+        </a:xfrm>
+      </p:grpSpPr>
+      <p:sp>
+        <p:nvSpPr>
+          <p:cNvPr id="2" name="Заголовок 1">
+            <a:extLst>
+              <a:ext uri="{FF2B5EF4-FFF2-40B4-BE49-F238E27FC236}">
+                <a16:creationId xmlns:a16="http://schemas.microsoft.com/office/drawing/2014/main" id="{560A5064-666A-7555-7357-0F8EFD667F80}"/>
+              </a:ext>
+            </a:extLst>
+          </p:cNvPr>
+          <p:cNvSpPr>
+            <a:spLocks noGrp="1"/>
+          </p:cNvSpPr>
+          <p:nvPr>
+            <p:ph type="title"/>
+          </p:nvPr>
+        </p:nvSpPr>
+        <p:spPr>
+          <a:xfrm>
+            <a:off x="185056" y="0"/>
+            <a:ext cx="12006943" cy="919842"/>
+          </a:xfrm>
+        </p:spPr>
+        <p:txBody>
+          <a:bodyPr>
+            <a:normAutofit/>
+          </a:bodyPr>
+          <a:lstStyle/>
+          <a:p>
+            <a:r>
+              <a:rPr lang="ru-RU" dirty="0">
+                <a:solidFill>
+                  <a:schemeClr val="bg1"/>
+                </a:solidFill>
+              </a:rPr>
+              <a:t>Выводы</a:t>
+            </a:r>
+          </a:p>
+        </p:txBody>
+      </p:sp>
+      <p:sp>
+        <p:nvSpPr>
+          <p:cNvPr id="3" name="Объект 2">
+            <a:extLst>
+              <a:ext uri="{FF2B5EF4-FFF2-40B4-BE49-F238E27FC236}">
+                <a16:creationId xmlns:a16="http://schemas.microsoft.com/office/drawing/2014/main" id="{EF1A858C-C156-B159-B6C9-F121B8D996B9}"/>
+              </a:ext>
+            </a:extLst>
+          </p:cNvPr>
+          <p:cNvSpPr>
+            <a:spLocks noGrp="1"/>
+          </p:cNvSpPr>
+          <p:nvPr>
+            <p:ph idx="1"/>
+          </p:nvPr>
+        </p:nvSpPr>
+        <p:spPr>
+          <a:xfrm>
+            <a:off x="838200" y="1825625"/>
+            <a:ext cx="10515600" cy="4618718"/>
+          </a:xfrm>
+        </p:spPr>
+        <p:txBody>
+          <a:bodyPr>
+            <a:normAutofit/>
+          </a:bodyPr>
+          <a:lstStyle/>
+          <a:p>
+            <a:pPr marL="0" indent="0">
+              <a:buNone/>
+            </a:pPr>
+            <a:r>
+              <a:rPr lang="ru-RU" b="0" i="0">
+                <a:effectLst/>
+                <a:latin typeface="fkGroteskNeue"/>
+              </a:rPr>
+              <a:t>(</a:t>
+            </a:r>
+            <a:r>
+              <a:rPr lang="ru-RU" b="0" i="0" dirty="0">
+                <a:effectLst/>
+                <a:latin typeface="fkGroteskNeue"/>
+              </a:rPr>
+              <a:t>5) SAT-технология является критической инфраструктурой для верификации аппаратуры, тестирования ПО и множества других приложений в современной цифровой индустрии</a:t>
+            </a:r>
+          </a:p>
+          <a:p>
+            <a:pPr marL="0" indent="0">
+              <a:buNone/>
+            </a:pPr>
+            <a:r>
+              <a:rPr lang="ru-RU" b="0" i="0">
+                <a:effectLst/>
+                <a:latin typeface="fkGroteskNeue"/>
+              </a:rPr>
+              <a:t>Результаты </a:t>
+            </a:r>
+            <a:r>
+              <a:rPr lang="ru-RU" b="0" i="0" dirty="0">
+                <a:effectLst/>
+                <a:latin typeface="fkGroteskNeue"/>
+              </a:rPr>
+              <a:t>подтверждают гипотезу о том, что интеллектуальные алгоритмические подходы преодолевают теоретические барьеры экспоненциальной сложности и обеспечивают практическую разрешимость задач, неразрешимых наивными методами.</a:t>
+            </a:r>
+          </a:p>
+        </p:txBody>
+      </p:sp>
+      <p:sp>
+        <p:nvSpPr>
+          <p:cNvPr id="5" name="Номер слайда 4">
+            <a:extLst>
+              <a:ext uri="{FF2B5EF4-FFF2-40B4-BE49-F238E27FC236}">
+                <a16:creationId xmlns:a16="http://schemas.microsoft.com/office/drawing/2014/main" id="{EFEA3F5C-1A10-4333-BB12-4ED8F6BCA869}"/>
+              </a:ext>
+            </a:extLst>
+          </p:cNvPr>
+          <p:cNvSpPr>
+            <a:spLocks noGrp="1"/>
+          </p:cNvSpPr>
+          <p:nvPr>
+            <p:ph type="sldNum" sz="quarter" idx="12"/>
+          </p:nvPr>
+        </p:nvSpPr>
+        <p:spPr/>
+        <p:txBody>
+          <a:bodyPr/>
+          <a:lstStyle/>
+          <a:p>
+            <a:fld id="{EF7A8E35-B303-42FD-88A6-20A8D5E4F372}" type="slidenum">
+              <a:rPr lang="ru-RU" smtClean="0"/>
+              <a:t>38</a:t>
+            </a:fld>
+            <a:endParaRPr lang="ru-RU"/>
+          </a:p>
+        </p:txBody>
+      </p:sp>
+    </p:spTree>
+    <p:extLst>
+      <p:ext uri="{BB962C8B-B14F-4D97-AF65-F5344CB8AC3E}">
+        <p14:creationId xmlns:p14="http://schemas.microsoft.com/office/powerpoint/2010/main" val="1971149438"/>
+      </p:ext>
+    </p:extLst>
+  </p:cSld>
+  <p:clrMapOvr>
+    <a:masterClrMapping/>
+  </p:clrMapOvr>
+</p:sld>
+</file>
+
+<file path=ppt/slides/slide39.xml><?xml version="1.0" encoding="utf-8"?>
+<p:sld xmlns:a="http://schemas.openxmlformats.org/drawingml/2006/main" xmlns:r="http://schemas.openxmlformats.org/officeDocument/2006/relationships" xmlns:p="http://schemas.openxmlformats.org/presentationml/2006/main">
+  <p:cSld>
+    <p:spTree>
+      <p:nvGrpSpPr>
+        <p:cNvPr id="1" name=""/>
+        <p:cNvGrpSpPr/>
+        <p:nvPr/>
+      </p:nvGrpSpPr>
+      <p:grpSpPr>
+        <a:xfrm>
+          <a:off x="0" y="0"/>
+          <a:ext cx="0" cy="0"/>
+          <a:chOff x="0" y="0"/>
+          <a:chExt cx="0" cy="0"/>
+        </a:xfrm>
+      </p:grpSpPr>
+      <p:sp>
+        <p:nvSpPr>
+          <p:cNvPr id="2" name="Заголовок 1">
+            <a:extLst>
+              <a:ext uri="{FF2B5EF4-FFF2-40B4-BE49-F238E27FC236}">
+                <a16:creationId xmlns:a16="http://schemas.microsoft.com/office/drawing/2014/main" id="{560A5064-666A-7555-7357-0F8EFD667F80}"/>
+              </a:ext>
+            </a:extLst>
+          </p:cNvPr>
+          <p:cNvSpPr>
+            <a:spLocks noGrp="1"/>
+          </p:cNvSpPr>
+          <p:nvPr>
+            <p:ph type="title"/>
+          </p:nvPr>
+        </p:nvSpPr>
+        <p:spPr>
+          <a:xfrm>
+            <a:off x="185056" y="0"/>
+            <a:ext cx="12006943" cy="919842"/>
+          </a:xfrm>
+        </p:spPr>
+        <p:txBody>
+          <a:bodyPr>
+            <a:normAutofit/>
+          </a:bodyPr>
+          <a:lstStyle/>
+          <a:p>
+            <a:r>
+              <a:rPr lang="ru-RU" dirty="0">
+                <a:solidFill>
+                  <a:schemeClr val="bg1"/>
+                </a:solidFill>
+              </a:rPr>
+              <a:t>Роли в команде</a:t>
+            </a:r>
+          </a:p>
+        </p:txBody>
+      </p:sp>
+      <p:sp>
+        <p:nvSpPr>
+          <p:cNvPr id="3" name="Объект 2">
+            <a:extLst>
+              <a:ext uri="{FF2B5EF4-FFF2-40B4-BE49-F238E27FC236}">
+                <a16:creationId xmlns:a16="http://schemas.microsoft.com/office/drawing/2014/main" id="{EF1A858C-C156-B159-B6C9-F121B8D996B9}"/>
+              </a:ext>
+            </a:extLst>
+          </p:cNvPr>
+          <p:cNvSpPr>
+            <a:spLocks noGrp="1"/>
+          </p:cNvSpPr>
+          <p:nvPr>
+            <p:ph idx="1"/>
+          </p:nvPr>
+        </p:nvSpPr>
+        <p:spPr>
+          <a:xfrm>
+            <a:off x="838200" y="1825625"/>
+            <a:ext cx="10515600" cy="4618718"/>
+          </a:xfrm>
+        </p:spPr>
+        <p:txBody>
+          <a:bodyPr>
             <a:normAutofit/>
           </a:bodyPr>
           <a:lstStyle/>
@@ -10222,7 +11743,7 @@
           <a:p>
             <a:fld id="{EF7A8E35-B303-42FD-88A6-20A8D5E4F372}" type="slidenum">
               <a:rPr lang="ru-RU" smtClean="0"/>
-              <a:t>33</a:t>
+              <a:t>39</a:t>
             </a:fld>
             <a:endParaRPr lang="ru-RU"/>
           </a:p>
@@ -10571,7 +12092,7 @@
                   <a:schemeClr val="bg1"/>
                 </a:solidFill>
               </a:rPr>
-              <a:t>Математические Основы</a:t>
+              <a:t>Математические основы</a:t>
             </a:r>
           </a:p>
         </p:txBody>
@@ -10600,7 +12121,7 @@
         </p:spPr>
         <p:txBody>
           <a:bodyPr>
-            <a:normAutofit fontScale="85000" lnSpcReduction="10000"/>
+            <a:normAutofit/>
           </a:bodyPr>
           <a:lstStyle/>
           <a:p>
@@ -10613,60 +12134,6 @@
                 <a:latin typeface="fkGroteskNeue"/>
               </a:rPr>
               <a:t>Булева переменная принимает значения из множества {0, 1}. Литерал — это либо переменная x, либо её отрицание ¬x. Клауза представляет собой дизъюнкцию литералов: (l₁ ∨ l₂ ∨ ... ∨ lₖ). Конъюнктивная Нормальная Форма (КНФ) — это конъюнкция клауз: (C₁ ∧ C₂ ∧ ... ∧ Cₘ).</a:t>
-            </a:r>
-          </a:p>
-          <a:p>
-            <a:pPr marL="0" indent="0">
-              <a:buNone/>
-            </a:pPr>
-            <a:r>
-              <a:rPr lang="ru-RU" b="0" i="0" dirty="0">
-                <a:effectLst/>
-                <a:latin typeface="fkGroteskNeue"/>
-              </a:rPr>
-              <a:t>КНФ является стандартным представлением для входных данных SAT-решателей, поскольку она позволяет эффективно применять методы, основанные на </a:t>
-            </a:r>
-            <a:r>
-              <a:rPr lang="ru-RU" b="0" i="0" dirty="0" err="1">
-                <a:effectLst/>
-                <a:latin typeface="fkGroteskNeue"/>
-              </a:rPr>
-              <a:t>unit</a:t>
-            </a:r>
-            <a:r>
-              <a:rPr lang="ru-RU" b="0" i="0" dirty="0">
-                <a:effectLst/>
-                <a:latin typeface="fkGroteskNeue"/>
-              </a:rPr>
-              <a:t> </a:t>
-            </a:r>
-            <a:r>
-              <a:rPr lang="ru-RU" b="0" i="0" dirty="0" err="1">
-                <a:effectLst/>
-                <a:latin typeface="fkGroteskNeue"/>
-              </a:rPr>
-              <a:t>propagation</a:t>
-            </a:r>
-            <a:r>
-              <a:rPr lang="ru-RU" b="0" i="0" dirty="0">
-                <a:effectLst/>
-                <a:latin typeface="fkGroteskNeue"/>
-              </a:rPr>
-              <a:t> и </a:t>
-            </a:r>
-            <a:r>
-              <a:rPr lang="ru-RU" b="0" i="0" dirty="0" err="1">
-                <a:effectLst/>
-                <a:latin typeface="fkGroteskNeue"/>
-              </a:rPr>
-              <a:t>resolution</a:t>
-            </a:r>
-            <a:r>
-              <a:rPr lang="ru-RU" b="0" i="0" dirty="0">
-                <a:effectLst/>
-                <a:latin typeface="fkGroteskNeue"/>
-              </a:rPr>
-              <a:t>. Любая булева формула может быть преобразована в эквивалентную КНФ-формулу посредством распределительного закона, хотя это преобразование может экспоненциально увеличить размер формулы.</a:t>
             </a:r>
           </a:p>
           <a:p>
@@ -10789,7 +12256,7 @@
                   <a:schemeClr val="bg1"/>
                 </a:solidFill>
               </a:rPr>
-              <a:t>Ограничения полного перебора</a:t>
+              <a:t>Математические основы</a:t>
             </a:r>
           </a:p>
         </p:txBody>
@@ -10818,7 +12285,7 @@
         </p:spPr>
         <p:txBody>
           <a:bodyPr>
-            <a:normAutofit/>
+            <a:normAutofit lnSpcReduction="10000"/>
           </a:bodyPr>
           <a:lstStyle/>
           <a:p>
@@ -10830,14 +12297,14 @@
                 <a:effectLst/>
                 <a:latin typeface="fkGroteskNeue"/>
               </a:rPr>
-              <a:t>Метод полного перебора (</a:t>
+              <a:t>КНФ является стандартным представлением для входных данных SAT-решателей, поскольку она позволяет эффективно применять методы, основанные на </a:t>
             </a:r>
             <a:r>
               <a:rPr lang="ru-RU" b="0" i="0" dirty="0" err="1">
                 <a:effectLst/>
                 <a:latin typeface="fkGroteskNeue"/>
               </a:rPr>
-              <a:t>brute</a:t>
+              <a:t>unit</a:t>
             </a:r>
             <a:r>
               <a:rPr lang="ru-RU" b="0" i="0" dirty="0">
@@ -10851,14 +12318,28 @@
                 <a:effectLst/>
                 <a:latin typeface="fkGroteskNeue"/>
               </a:rPr>
-              <a:t>force</a:t>
-            </a:r>
-            <a:r>
-              <a:rPr lang="ru-RU" b="0" i="0" dirty="0">
-                <a:effectLst/>
-                <a:latin typeface="fkGroteskNeue"/>
-              </a:rPr>
-              <a:t>) основан на систематическом тестировании всех возможных назначений значений переменным формулы. Практическая применимость этого метода ограничивается следующим образом: при n = 10 переменных требуется проверить 1024 комбинации; при n = 20 — 1048576 комбинаций; при n = 30 — 1073741824 комбинаций. </a:t>
+              <a:t>propagation</a:t>
+            </a:r>
+            <a:r>
+              <a:rPr lang="ru-RU" b="0" i="0" dirty="0">
+                <a:effectLst/>
+                <a:latin typeface="fkGroteskNeue"/>
+              </a:rPr>
+              <a:t> и </a:t>
+            </a:r>
+            <a:r>
+              <a:rPr lang="ru-RU" b="0" i="0" dirty="0" err="1">
+                <a:effectLst/>
+                <a:latin typeface="fkGroteskNeue"/>
+              </a:rPr>
+              <a:t>resolution</a:t>
+            </a:r>
+            <a:r>
+              <a:rPr lang="ru-RU" b="0" i="0" dirty="0">
+                <a:effectLst/>
+                <a:latin typeface="fkGroteskNeue"/>
+              </a:rPr>
+              <a:t>. Любая булева формула может быть преобразована в эквивалентную КНФ-формулу посредством распределительного закона, хотя это преобразование может экспоненциально увеличить размер формулы.</a:t>
             </a:r>
           </a:p>
           <a:p>
@@ -10866,13 +12347,85 @@
               <a:buNone/>
             </a:pPr>
             <a:r>
-              <a:rPr lang="ru-RU" b="0" i="0" dirty="0">
-                <a:effectLst/>
-                <a:latin typeface="fkGroteskNeue"/>
-              </a:rPr>
-              <a:t>Экспоненциальный рост функции 2ⁿ делает полный перебор практически неприменимым для n &gt; 25 на современных вычислительных системах. А такой запрос есть.</a:t>
-            </a:r>
-            <a:endParaRPr lang="ru-RU" dirty="0"/>
+              <a:rPr lang="ru-RU" dirty="0">
+                <a:latin typeface="fkGroteskNeue"/>
+              </a:rPr>
+              <a:t>В нашей работе используется преобразование </a:t>
+            </a:r>
+            <a:r>
+              <a:rPr lang="ru-RU" dirty="0" err="1">
+                <a:latin typeface="fkGroteskNeue"/>
+              </a:rPr>
+              <a:t>Цейтина</a:t>
+            </a:r>
+            <a:r>
+              <a:rPr lang="ru-RU" dirty="0">
+                <a:latin typeface="fkGroteskNeue"/>
+              </a:rPr>
+              <a:t> (</a:t>
+            </a:r>
+            <a:r>
+              <a:rPr lang="en-US" dirty="0" err="1">
+                <a:latin typeface="fkGroteskNeue"/>
+              </a:rPr>
+              <a:t>Tseitin</a:t>
+            </a:r>
+            <a:r>
+              <a:rPr lang="en-US" dirty="0">
+                <a:latin typeface="fkGroteskNeue"/>
+              </a:rPr>
+              <a:t> transformation</a:t>
+            </a:r>
+            <a:r>
+              <a:rPr lang="ru-RU" dirty="0">
+                <a:latin typeface="fkGroteskNeue"/>
+              </a:rPr>
+              <a:t>). </a:t>
+            </a:r>
+            <a:r>
+              <a:rPr lang="ru-RU" dirty="0" err="1">
+                <a:latin typeface="fkGroteskNeue"/>
+              </a:rPr>
+              <a:t>Цейтин</a:t>
+            </a:r>
+            <a:r>
+              <a:rPr lang="ru-RU" dirty="0">
+                <a:latin typeface="fkGroteskNeue"/>
+              </a:rPr>
+              <a:t> гарантирует линейный рост по размеру AST:</a:t>
+            </a:r>
+          </a:p>
+          <a:p>
+            <a:pPr marL="0" indent="0">
+              <a:buNone/>
+            </a:pPr>
+            <a:r>
+              <a:rPr lang="ru-RU" dirty="0">
+                <a:latin typeface="fkGroteskNeue"/>
+              </a:rPr>
+              <a:t>- на каждый узел добавляется константное число клауз</a:t>
+            </a:r>
+          </a:p>
+          <a:p>
+            <a:pPr marL="0" indent="0">
+              <a:buNone/>
+            </a:pPr>
+            <a:r>
+              <a:rPr lang="ru-RU" dirty="0">
+                <a:latin typeface="fkGroteskNeue"/>
+              </a:rPr>
+              <a:t>- добавляется одна новая переменная _</a:t>
+            </a:r>
+            <a:r>
+              <a:rPr lang="ru-RU" dirty="0" err="1">
+                <a:latin typeface="fkGroteskNeue"/>
+              </a:rPr>
+              <a:t>aux</a:t>
+            </a:r>
+            <a:endParaRPr lang="ru-RU" b="0" i="0" dirty="0">
+              <a:effectLst/>
+              <a:latin typeface="fkGroteskNeue"/>
+            </a:endParaRPr>
           </a:p>
         </p:txBody>
       </p:sp>
@@ -10881,7 +12434,7 @@
           <p:cNvPr id="5" name="Номер слайда 4">
             <a:extLst>
               <a:ext uri="{FF2B5EF4-FFF2-40B4-BE49-F238E27FC236}">
-                <a16:creationId xmlns:a16="http://schemas.microsoft.com/office/drawing/2014/main" id="{ABCF50E8-CF4E-4F7A-9469-8A13C19A3F90}"/>
+                <a16:creationId xmlns:a16="http://schemas.microsoft.com/office/drawing/2014/main" id="{BCDF7197-9710-4F65-AA4A-E4BA8225E5E2}"/>
               </a:ext>
             </a:extLst>
           </p:cNvPr>
@@ -10908,7 +12461,7 @@
     </p:spTree>
     <p:extLst>
       <p:ext uri="{BB962C8B-B14F-4D97-AF65-F5344CB8AC3E}">
-        <p14:creationId xmlns:p14="http://schemas.microsoft.com/office/powerpoint/2010/main" val="4000563812"/>
+        <p14:creationId xmlns:p14="http://schemas.microsoft.com/office/powerpoint/2010/main" val="4158490714"/>
       </p:ext>
     </p:extLst>
   </p:cSld>
@@ -10964,20 +12517,12 @@
           <a:lstStyle/>
           <a:p>
             <a:r>
-              <a:rPr lang="en-US" dirty="0">
-                <a:solidFill>
-                  <a:schemeClr val="bg1"/>
-                </a:solidFill>
-              </a:rPr>
-              <a:t>SAT-</a:t>
-            </a:r>
-            <a:r>
               <a:rPr lang="ru-RU" dirty="0">
                 <a:solidFill>
                   <a:schemeClr val="bg1"/>
                 </a:solidFill>
               </a:rPr>
-              <a:t>редукция</a:t>
+              <a:t>Ограничения полного перебора</a:t>
             </a:r>
           </a:p>
         </p:txBody>
@@ -11006,7 +12551,7 @@
         </p:spPr>
         <p:txBody>
           <a:bodyPr>
-            <a:normAutofit fontScale="92500"/>
+            <a:normAutofit/>
           </a:bodyPr>
           <a:lstStyle/>
           <a:p>
@@ -11018,21 +12563,35 @@
                 <a:effectLst/>
                 <a:latin typeface="fkGroteskNeue"/>
               </a:rPr>
-              <a:t>Одним из значительных практических применений SAT-решателей является верификация эквивалентности цифровых схем. Пусть даны две булевы функции F₁ и F₂, реализованные различными схемотехническими реализациями. Вопрос верификации формулируется следующим образом: выполняется ли условие ∀x ∈ {0,1}ⁿ: F₁(x) = F₂(x)? Классический подход к решению этой задачи посредством SAT-решателя использует конструкцию, называемую </a:t>
+              <a:t>Метод полного перебора (</a:t>
             </a:r>
             <a:r>
               <a:rPr lang="ru-RU" b="0" i="0" dirty="0" err="1">
                 <a:effectLst/>
                 <a:latin typeface="fkGroteskNeue"/>
               </a:rPr>
-              <a:t>miter</a:t>
-            </a:r>
-            <a:r>
-              <a:rPr lang="ru-RU" b="0" i="0" dirty="0">
-                <a:effectLst/>
-                <a:latin typeface="fkGroteskNeue"/>
-              </a:rPr>
-              <a:t>: D(x) = (F₁(x) ∧ ¬F₂(x)) ∨ (¬F₁(x) ∧ F₂(x)). </a:t>
+              <a:t>brute</a:t>
+            </a:r>
+            <a:r>
+              <a:rPr lang="ru-RU" b="0" i="0" dirty="0">
+                <a:effectLst/>
+                <a:latin typeface="fkGroteskNeue"/>
+              </a:rPr>
+              <a:t> </a:t>
+            </a:r>
+            <a:r>
+              <a:rPr lang="ru-RU" b="0" i="0" dirty="0" err="1">
+                <a:effectLst/>
+                <a:latin typeface="fkGroteskNeue"/>
+              </a:rPr>
+              <a:t>force</a:t>
+            </a:r>
+            <a:r>
+              <a:rPr lang="ru-RU" b="0" i="0" dirty="0">
+                <a:effectLst/>
+                <a:latin typeface="fkGroteskNeue"/>
+              </a:rPr>
+              <a:t>) основан на систематическом тестировании всех возможных назначений значений переменным формулы. Практическая применимость этого метода ограничивается следующим образом: при n = 10 переменных требуется проверить 1024 комбинации; при n = 20 — 1048576 комбинаций; при n = 30 — 1073741824 комбинаций. </a:t>
             </a:r>
           </a:p>
           <a:p>
@@ -11044,7 +12603,7 @@
                 <a:effectLst/>
                 <a:latin typeface="fkGroteskNeue"/>
               </a:rPr>
-              <a:t>Формула D истинна тогда и только тогда, когда F₁ и F₂ выдают различные значения при некотором входном векторе x. SAT-решатель решает задачу о выполнимости D. Если D выполнима (SAT), то найдено свидетельство неэквивалентности (контрпример). Если D невыполнима (UNSAT), функции эквивалентны.</a:t>
+              <a:t>Экспоненциальный рост функции 2ⁿ делает полный перебор практически неприменимым для n &gt; 25 на современных вычислительных системах. А такой запрос есть.</a:t>
             </a:r>
             <a:endParaRPr lang="ru-RU" dirty="0"/>
           </a:p>
@@ -11055,7 +12614,7 @@
           <p:cNvPr id="5" name="Номер слайда 4">
             <a:extLst>
               <a:ext uri="{FF2B5EF4-FFF2-40B4-BE49-F238E27FC236}">
-                <a16:creationId xmlns:a16="http://schemas.microsoft.com/office/drawing/2014/main" id="{FB2F3A90-9F6E-4A95-9DA8-C97913D986AE}"/>
+                <a16:creationId xmlns:a16="http://schemas.microsoft.com/office/drawing/2014/main" id="{ABCF50E8-CF4E-4F7A-9469-8A13C19A3F90}"/>
               </a:ext>
             </a:extLst>
           </p:cNvPr>
@@ -11082,7 +12641,7 @@
     </p:spTree>
     <p:extLst>
       <p:ext uri="{BB962C8B-B14F-4D97-AF65-F5344CB8AC3E}">
-        <p14:creationId xmlns:p14="http://schemas.microsoft.com/office/powerpoint/2010/main" val="2155838738"/>
+        <p14:creationId xmlns:p14="http://schemas.microsoft.com/office/powerpoint/2010/main" val="4000563812"/>
       </p:ext>
     </p:extLst>
   </p:cSld>
@@ -11138,26 +12697,21 @@
           <a:lstStyle/>
           <a:p>
             <a:r>
+              <a:rPr lang="en-US" dirty="0">
+                <a:solidFill>
+                  <a:schemeClr val="bg1"/>
+                </a:solidFill>
+              </a:rPr>
+              <a:t>SAT-</a:t>
+            </a:r>
+            <a:r>
               <a:rPr lang="ru-RU" dirty="0">
                 <a:solidFill>
                   <a:schemeClr val="bg1"/>
                 </a:solidFill>
               </a:rPr>
-              <a:t>Алгоритм </a:t>
-            </a:r>
-            <a:r>
-              <a:rPr lang="en-US" dirty="0">
-                <a:solidFill>
-                  <a:schemeClr val="bg1"/>
-                </a:solidFill>
-              </a:rPr>
-              <a:t>DPLL</a:t>
-            </a:r>
-            <a:endParaRPr lang="ru-RU" dirty="0">
-              <a:solidFill>
-                <a:schemeClr val="bg1"/>
-              </a:solidFill>
-            </a:endParaRPr>
+              <a:t>редукция</a:t>
+            </a:r>
           </a:p>
         </p:txBody>
       </p:sp>
@@ -11185,7 +12739,7 @@
         </p:spPr>
         <p:txBody>
           <a:bodyPr>
-            <a:normAutofit fontScale="92500" lnSpcReduction="20000"/>
+            <a:normAutofit fontScale="92500"/>
           </a:bodyPr>
           <a:lstStyle/>
           <a:p>
@@ -11197,82 +12751,22 @@
                 <a:effectLst/>
                 <a:latin typeface="fkGroteskNeue"/>
               </a:rPr>
-              <a:t>Алгоритм DPLL, предложенный </a:t>
+              <a:t>Одним из значительных практических применений SAT-решателей является верификация эквивалентности цифровых схем. Пусть даны две булевы функции F₁ и F₂, реализованные различными схемотехническими реализациями. Вопрос верификации формулируется следующим образом: выполняется ли условие ∀x ∈ {0,1}ⁿ: F₁(x) = F₂(x)? Классический подход к решению этой задачи посредством SAT-решателя использует конструкцию, называемую </a:t>
             </a:r>
             <a:r>
               <a:rPr lang="ru-RU" b="0" i="0" dirty="0" err="1">
                 <a:effectLst/>
                 <a:latin typeface="fkGroteskNeue"/>
               </a:rPr>
-              <a:t>Davis</a:t>
-            </a:r>
-            <a:r>
-              <a:rPr lang="ru-RU" b="0" i="0" dirty="0">
-                <a:effectLst/>
-                <a:latin typeface="fkGroteskNeue"/>
-              </a:rPr>
-              <a:t>, </a:t>
-            </a:r>
-            <a:r>
-              <a:rPr lang="ru-RU" b="0" i="0" dirty="0" err="1">
-                <a:effectLst/>
-                <a:latin typeface="fkGroteskNeue"/>
-              </a:rPr>
-              <a:t>Putnam</a:t>
-            </a:r>
-            <a:r>
-              <a:rPr lang="ru-RU" b="0" i="0" dirty="0">
-                <a:effectLst/>
-                <a:latin typeface="fkGroteskNeue"/>
-              </a:rPr>
-              <a:t>, </a:t>
-            </a:r>
-            <a:r>
-              <a:rPr lang="ru-RU" b="0" i="0" dirty="0" err="1">
-                <a:effectLst/>
-                <a:latin typeface="fkGroteskNeue"/>
-              </a:rPr>
-              <a:t>Logemann</a:t>
-            </a:r>
-            <a:r>
-              <a:rPr lang="ru-RU" b="0" i="0" dirty="0">
-                <a:effectLst/>
-                <a:latin typeface="fkGroteskNeue"/>
-              </a:rPr>
-              <a:t> и </a:t>
-            </a:r>
-            <a:r>
-              <a:rPr lang="ru-RU" b="0" i="0" dirty="0" err="1">
-                <a:effectLst/>
-                <a:latin typeface="fkGroteskNeue"/>
-              </a:rPr>
-              <a:t>Loveland</a:t>
-            </a:r>
-            <a:r>
-              <a:rPr lang="ru-RU" b="0" i="0" dirty="0">
-                <a:effectLst/>
-                <a:latin typeface="fkGroteskNeue"/>
-              </a:rPr>
-              <a:t> в 1960-х годах, представляет собой первый систематический метод решения SAT-задач, использующий принцип поиска с возвратом (</a:t>
-            </a:r>
-            <a:r>
-              <a:rPr lang="ru-RU" b="0" i="0" dirty="0" err="1">
-                <a:effectLst/>
-                <a:latin typeface="fkGroteskNeue"/>
-              </a:rPr>
-              <a:t>backtracking</a:t>
-            </a:r>
-            <a:r>
-              <a:rPr lang="ru-RU" b="0" i="0" dirty="0">
-                <a:effectLst/>
-                <a:latin typeface="fkGroteskNeue"/>
-              </a:rPr>
-              <a:t>). Работает исключительно с формулами в конъюнктивной нормальной форме (КНФ). Основные компоненты алгоритма включают: </a:t>
-            </a:r>
-            <a:endParaRPr lang="en-US" b="0" i="0" dirty="0">
-              <a:effectLst/>
-              <a:latin typeface="fkGroteskNeue"/>
-            </a:endParaRPr>
+              <a:t>miter</a:t>
+            </a:r>
+            <a:r>
+              <a:rPr lang="ru-RU" b="0" i="0" dirty="0">
+                <a:effectLst/>
+                <a:latin typeface="fkGroteskNeue"/>
+              </a:rPr>
+              <a:t>: D(x) = (F₁(x) ∧ ¬F₂(x)) ∨ (¬F₁(x) ∧ F₂(x)). </a:t>
+            </a:r>
           </a:p>
           <a:p>
             <a:pPr marL="0" indent="0">
@@ -11283,100 +12777,9 @@
                 <a:effectLst/>
                 <a:latin typeface="fkGroteskNeue"/>
               </a:rPr>
-              <a:t>(1) Unit </a:t>
-            </a:r>
-            <a:r>
-              <a:rPr lang="ru-RU" b="0" i="0" dirty="0" err="1">
-                <a:effectLst/>
-                <a:latin typeface="fkGroteskNeue"/>
-              </a:rPr>
-              <a:t>Propagation</a:t>
-            </a:r>
-            <a:r>
-              <a:rPr lang="ru-RU" b="0" i="0" dirty="0">
-                <a:effectLst/>
-                <a:latin typeface="fkGroteskNeue"/>
-              </a:rPr>
-              <a:t> — если клауза содержит единственный литерал, этот литерал обязательно должен быть установлен в истину; в результате клауза удаляется, остальные клаузы упрощаются путём удаления противоположного литерала; </a:t>
-            </a:r>
-            <a:endParaRPr lang="en-US" b="0" i="0" dirty="0">
-              <a:effectLst/>
-              <a:latin typeface="fkGroteskNeue"/>
-            </a:endParaRPr>
-          </a:p>
-          <a:p>
-            <a:pPr marL="0" indent="0">
-              <a:buNone/>
-            </a:pPr>
-            <a:r>
-              <a:rPr lang="ru-RU" b="0" i="0" dirty="0">
-                <a:effectLst/>
-                <a:latin typeface="fkGroteskNeue"/>
-              </a:rPr>
-              <a:t>(2) Pure </a:t>
-            </a:r>
-            <a:r>
-              <a:rPr lang="ru-RU" b="0" i="0" dirty="0" err="1">
-                <a:effectLst/>
-                <a:latin typeface="fkGroteskNeue"/>
-              </a:rPr>
-              <a:t>Literal</a:t>
-            </a:r>
-            <a:r>
-              <a:rPr lang="ru-RU" b="0" i="0" dirty="0">
-                <a:effectLst/>
-                <a:latin typeface="fkGroteskNeue"/>
-              </a:rPr>
-              <a:t> </a:t>
-            </a:r>
-            <a:r>
-              <a:rPr lang="ru-RU" b="0" i="0" dirty="0" err="1">
-                <a:effectLst/>
-                <a:latin typeface="fkGroteskNeue"/>
-              </a:rPr>
-              <a:t>Elimination</a:t>
-            </a:r>
-            <a:r>
-              <a:rPr lang="ru-RU" b="0" i="0" dirty="0">
-                <a:effectLst/>
-                <a:latin typeface="fkGroteskNeue"/>
-              </a:rPr>
-              <a:t> — если переменная встречается в формуле только в одном полярном виде, ей присваивается значение, удовлетворяющее все содержащие её клаузы; </a:t>
-            </a:r>
-            <a:endParaRPr lang="en-US" b="0" i="0" dirty="0">
-              <a:effectLst/>
-              <a:latin typeface="fkGroteskNeue"/>
-            </a:endParaRPr>
-          </a:p>
-          <a:p>
-            <a:pPr marL="0" indent="0">
-              <a:buNone/>
-            </a:pPr>
-            <a:r>
-              <a:rPr lang="ru-RU" b="0" i="0" dirty="0">
-                <a:effectLst/>
-                <a:latin typeface="fkGroteskNeue"/>
-              </a:rPr>
-              <a:t>(3) </a:t>
-            </a:r>
-            <a:r>
-              <a:rPr lang="ru-RU" b="0" i="0" dirty="0" err="1">
-                <a:effectLst/>
-                <a:latin typeface="fkGroteskNeue"/>
-              </a:rPr>
-              <a:t>Decision</a:t>
-            </a:r>
-            <a:r>
-              <a:rPr lang="ru-RU" b="0" i="0" dirty="0">
-                <a:effectLst/>
-                <a:latin typeface="fkGroteskNeue"/>
-              </a:rPr>
-              <a:t> — выбор неустановленной переменной и рекурсивная попытка обоих её значений; </a:t>
-            </a:r>
-            <a:endParaRPr lang="en-US" b="0" i="0" dirty="0">
-              <a:effectLst/>
-              <a:latin typeface="fkGroteskNeue"/>
-            </a:endParaRPr>
+              <a:t>Формула D истинна тогда и только тогда, когда F₁ и F₂ выдают различные значения при некотором входном векторе x. SAT-решатель решает задачу о выполнимости D. Если D выполнима (SAT), то найдено свидетельство неэквивалентности (контрпример). Если D невыполнима (UNSAT), функции эквивалентны.</a:t>
+            </a:r>
+            <a:endParaRPr lang="ru-RU" dirty="0"/>
           </a:p>
         </p:txBody>
       </p:sp>
@@ -11385,7 +12788,7 @@
           <p:cNvPr id="5" name="Номер слайда 4">
             <a:extLst>
               <a:ext uri="{FF2B5EF4-FFF2-40B4-BE49-F238E27FC236}">
-                <a16:creationId xmlns:a16="http://schemas.microsoft.com/office/drawing/2014/main" id="{898957FA-0A58-4FB5-A0FA-A12124F91845}"/>
+                <a16:creationId xmlns:a16="http://schemas.microsoft.com/office/drawing/2014/main" id="{FB2F3A90-9F6E-4A95-9DA8-C97913D986AE}"/>
               </a:ext>
             </a:extLst>
           </p:cNvPr>
@@ -11412,7 +12815,7 @@
     </p:spTree>
     <p:extLst>
       <p:ext uri="{BB962C8B-B14F-4D97-AF65-F5344CB8AC3E}">
-        <p14:creationId xmlns:p14="http://schemas.microsoft.com/office/powerpoint/2010/main" val="4149445403"/>
+        <p14:creationId xmlns:p14="http://schemas.microsoft.com/office/powerpoint/2010/main" val="2155838738"/>
       </p:ext>
     </p:extLst>
   </p:cSld>

--- a/SAT-решатели (презентация).pptx
+++ b/SAT-решатели (презентация).pptx
@@ -4736,7 +4736,7 @@
         <p:spPr>
           <a:xfrm>
             <a:off x="838200" y="1825625"/>
-            <a:ext cx="10515600" cy="4618718"/>
+            <a:ext cx="6985673" cy="4618718"/>
           </a:xfrm>
         </p:spPr>
         <p:txBody>
@@ -4749,74 +4749,62 @@
               <a:buNone/>
             </a:pPr>
             <a:r>
-              <a:rPr lang="ru-RU" b="0" i="0" dirty="0">
-                <a:effectLst/>
-                <a:latin typeface="fkGroteskNeue"/>
-              </a:rPr>
-              <a:t>Абстрактное синтаксическое дерево (англ. </a:t>
-            </a:r>
-            <a:r>
-              <a:rPr lang="ru-RU" b="0" i="0" dirty="0" err="1">
-                <a:effectLst/>
-                <a:latin typeface="fkGroteskNeue"/>
-              </a:rPr>
-              <a:t>abstract</a:t>
-            </a:r>
-            <a:r>
-              <a:rPr lang="ru-RU" b="0" i="0" dirty="0">
+              <a:rPr lang="ru-RU" b="0" i="0">
+                <a:effectLst/>
+                <a:latin typeface="fkGroteskNeue"/>
+              </a:rPr>
+              <a:t>Абстрактное синтаксическое дерево (англ. abstract syntax tree, AST) — конечное помеченное ориентированное дерево, в котором внутренние вершины сопоставлены (помечены) с операторами, а листья — с соответствующими операндами.</a:t>
+            </a:r>
+            <a:r>
+              <a:rPr lang="en-US" b="0" i="0">
                 <a:effectLst/>
                 <a:latin typeface="fkGroteskNeue"/>
               </a:rPr>
               <a:t> </a:t>
             </a:r>
             <a:r>
-              <a:rPr lang="ru-RU" b="0" i="0" dirty="0" err="1">
-                <a:effectLst/>
-                <a:latin typeface="fkGroteskNeue"/>
-              </a:rPr>
-              <a:t>syntax</a:t>
-            </a:r>
-            <a:r>
-              <a:rPr lang="ru-RU" b="0" i="0" dirty="0">
-                <a:effectLst/>
-                <a:latin typeface="fkGroteskNeue"/>
-              </a:rPr>
-              <a:t> </a:t>
-            </a:r>
-            <a:r>
-              <a:rPr lang="ru-RU" b="0" i="0" dirty="0" err="1">
-                <a:effectLst/>
-                <a:latin typeface="fkGroteskNeue"/>
-              </a:rPr>
-              <a:t>tree</a:t>
-            </a:r>
-            <a:r>
-              <a:rPr lang="ru-RU" b="0" i="0" dirty="0">
-                <a:effectLst/>
-                <a:latin typeface="fkGroteskNeue"/>
-              </a:rPr>
-              <a:t>, AST) — конечное помеченное ориентированное дерево, в котором внутренние вершины сопоставлены (помечены) с операторами, а листья — с соответствующими операндами.</a:t>
-            </a:r>
-            <a:r>
-              <a:rPr lang="en-US" b="0" i="0" dirty="0">
-                <a:effectLst/>
-                <a:latin typeface="fkGroteskNeue"/>
-              </a:rPr>
-              <a:t> </a:t>
-            </a:r>
-            <a:r>
-              <a:rPr lang="ru-RU" dirty="0"/>
+              <a:rPr lang="ru-RU"/>
               <a:t>Таким образом, листья являются пустыми операторами и представляют только переменные и константы.</a:t>
             </a:r>
+            <a:endParaRPr lang="ru-RU" dirty="0"/>
+          </a:p>
+        </p:txBody>
+      </p:sp>
+      <p:sp>
+        <p:nvSpPr>
+          <p:cNvPr id="6" name="Номер слайда 5">
+            <a:extLst>
+              <a:ext uri="{FF2B5EF4-FFF2-40B4-BE49-F238E27FC236}">
+                <a16:creationId xmlns:a16="http://schemas.microsoft.com/office/drawing/2014/main" id="{0CE1BE82-7172-4188-874A-3C6F6F47E75A}"/>
+              </a:ext>
+            </a:extLst>
+          </p:cNvPr>
+          <p:cNvSpPr>
+            <a:spLocks noGrp="1"/>
+          </p:cNvSpPr>
+          <p:nvPr>
+            <p:ph type="sldNum" sz="quarter" idx="12"/>
+          </p:nvPr>
+        </p:nvSpPr>
+        <p:spPr/>
+        <p:txBody>
+          <a:bodyPr/>
+          <a:lstStyle/>
+          <a:p>
+            <a:fld id="{EF7A8E35-B303-42FD-88A6-20A8D5E4F372}" type="slidenum">
+              <a:rPr lang="ru-RU" smtClean="0"/>
+              <a:t>14</a:t>
+            </a:fld>
+            <a:endParaRPr lang="ru-RU"/>
           </a:p>
         </p:txBody>
       </p:sp>
       <p:pic>
         <p:nvPicPr>
-          <p:cNvPr id="5" name="Рисунок 4">
+          <p:cNvPr id="9" name="Рисунок 8">
             <a:extLst>
               <a:ext uri="{FF2B5EF4-FFF2-40B4-BE49-F238E27FC236}">
-                <a16:creationId xmlns:a16="http://schemas.microsoft.com/office/drawing/2014/main" id="{2F58395C-9FD8-4434-81C3-6965928A0080}"/>
+                <a16:creationId xmlns:a16="http://schemas.microsoft.com/office/drawing/2014/main" id="{7DD08104-3E57-4DF9-B0D0-C53BE791F364}"/>
               </a:ext>
             </a:extLst>
           </p:cNvPr>
@@ -4825,21 +4813,25 @@
           </p:cNvPicPr>
           <p:nvPr/>
         </p:nvPicPr>
-        <p:blipFill rotWithShape="1">
+        <p:blipFill>
           <a:blip r:embed="rId2">
             <a:extLst>
               <a:ext uri="{28A0092B-C50C-407E-A947-70E740481C1C}">
                 <a14:useLocalDpi xmlns:a14="http://schemas.microsoft.com/office/drawing/2010/main" val="0"/>
               </a:ext>
+              <a:ext uri="{96DAC541-7B7A-43D3-8B79-37D633B846F1}">
+                <asvg:svgBlip xmlns:asvg="http://schemas.microsoft.com/office/drawing/2016/SVG/main" r:embed="rId3"/>
+              </a:ext>
             </a:extLst>
           </a:blip>
-          <a:srcRect t="13107"/>
-          <a:stretch/>
+          <a:stretch>
+            <a:fillRect/>
+          </a:stretch>
         </p:blipFill>
         <p:spPr>
           <a:xfrm>
-            <a:off x="5449561" y="4039501"/>
-            <a:ext cx="5904239" cy="2404842"/>
+            <a:off x="8768046" y="1825625"/>
+            <a:ext cx="2044374" cy="3462121"/>
           </a:xfrm>
           <a:prstGeom prst="rect">
             <a:avLst/>
@@ -4848,30 +4840,132 @@
       </p:pic>
       <p:sp>
         <p:nvSpPr>
-          <p:cNvPr id="6" name="Номер слайда 5">
+          <p:cNvPr id="10" name="TextBox 9">
             <a:extLst>
               <a:ext uri="{FF2B5EF4-FFF2-40B4-BE49-F238E27FC236}">
-                <a16:creationId xmlns:a16="http://schemas.microsoft.com/office/drawing/2014/main" id="{0CE1BE82-7172-4188-874A-3C6F6F47E75A}"/>
+                <a16:creationId xmlns:a16="http://schemas.microsoft.com/office/drawing/2014/main" id="{2DAF7BEC-B977-4E6B-B9B7-0C514C322F77}"/>
               </a:ext>
             </a:extLst>
           </p:cNvPr>
-          <p:cNvSpPr>
-            <a:spLocks noGrp="1"/>
-          </p:cNvSpPr>
-          <p:nvPr>
-            <p:ph type="sldNum" sz="quarter" idx="12"/>
-          </p:nvPr>
-        </p:nvSpPr>
-        <p:spPr/>
-        <p:txBody>
-          <a:bodyPr/>
-          <a:lstStyle/>
-          <a:p>
-            <a:fld id="{EF7A8E35-B303-42FD-88A6-20A8D5E4F372}" type="slidenum">
-              <a:rPr lang="ru-RU" smtClean="0"/>
-              <a:t>14</a:t>
-            </a:fld>
-            <a:endParaRPr lang="ru-RU"/>
+          <p:cNvSpPr txBox="1"/>
+          <p:nvPr/>
+        </p:nvSpPr>
+        <p:spPr>
+          <a:xfrm>
+            <a:off x="8610600" y="5558098"/>
+            <a:ext cx="2846650" cy="369332"/>
+          </a:xfrm>
+          <a:prstGeom prst="rect">
+            <a:avLst/>
+          </a:prstGeom>
+          <a:noFill/>
+        </p:spPr>
+        <p:txBody>
+          <a:bodyPr wrap="square" rtlCol="0">
+            <a:spAutoFit/>
+          </a:bodyPr>
+          <a:lstStyle/>
+          <a:p>
+            <a:r>
+              <a:rPr lang="ru-RU" sz="1800" kern="0" dirty="0">
+                <a:effectLst/>
+                <a:latin typeface="Consolas" panose="020B0609020204030204" pitchFamily="49" charset="0"/>
+                <a:ea typeface="Times New Roman" panose="02020603050405020304" pitchFamily="18" charset="0"/>
+                <a:cs typeface="Times New Roman" panose="02020603050405020304" pitchFamily="18" charset="0"/>
+              </a:rPr>
+              <a:t>F</a:t>
+            </a:r>
+            <a:r>
+              <a:rPr lang="en-US" sz="1800" kern="0" dirty="0">
+                <a:effectLst/>
+                <a:latin typeface="Consolas" panose="020B0609020204030204" pitchFamily="49" charset="0"/>
+                <a:ea typeface="Times New Roman" panose="02020603050405020304" pitchFamily="18" charset="0"/>
+                <a:cs typeface="Times New Roman" panose="02020603050405020304" pitchFamily="18" charset="0"/>
+              </a:rPr>
+              <a:t> </a:t>
+            </a:r>
+            <a:r>
+              <a:rPr lang="ru-RU" sz="1800" kern="0" dirty="0">
+                <a:effectLst/>
+                <a:latin typeface="Consolas" panose="020B0609020204030204" pitchFamily="49" charset="0"/>
+                <a:ea typeface="Times New Roman" panose="02020603050405020304" pitchFamily="18" charset="0"/>
+                <a:cs typeface="Times New Roman" panose="02020603050405020304" pitchFamily="18" charset="0"/>
+              </a:rPr>
+              <a:t>=</a:t>
+            </a:r>
+            <a:r>
+              <a:rPr lang="en-US" sz="1800" kern="0" dirty="0">
+                <a:effectLst/>
+                <a:latin typeface="Consolas" panose="020B0609020204030204" pitchFamily="49" charset="0"/>
+                <a:ea typeface="Times New Roman" panose="02020603050405020304" pitchFamily="18" charset="0"/>
+                <a:cs typeface="Times New Roman" panose="02020603050405020304" pitchFamily="18" charset="0"/>
+              </a:rPr>
+              <a:t> </a:t>
+            </a:r>
+            <a:r>
+              <a:rPr lang="ru-RU" sz="1800" kern="0" dirty="0">
+                <a:effectLst/>
+                <a:latin typeface="Consolas" panose="020B0609020204030204" pitchFamily="49" charset="0"/>
+                <a:ea typeface="Times New Roman" panose="02020603050405020304" pitchFamily="18" charset="0"/>
+                <a:cs typeface="Times New Roman" panose="02020603050405020304" pitchFamily="18" charset="0"/>
+              </a:rPr>
+              <a:t>!(x0</a:t>
+            </a:r>
+            <a:r>
+              <a:rPr lang="en-US" sz="1800" kern="0" dirty="0">
+                <a:effectLst/>
+                <a:latin typeface="Consolas" panose="020B0609020204030204" pitchFamily="49" charset="0"/>
+                <a:ea typeface="Times New Roman" panose="02020603050405020304" pitchFamily="18" charset="0"/>
+                <a:cs typeface="Times New Roman" panose="02020603050405020304" pitchFamily="18" charset="0"/>
+              </a:rPr>
+              <a:t> </a:t>
+            </a:r>
+            <a:r>
+              <a:rPr lang="ru-RU" sz="1800" kern="0" dirty="0">
+                <a:effectLst/>
+                <a:latin typeface="Consolas" panose="020B0609020204030204" pitchFamily="49" charset="0"/>
+                <a:ea typeface="Times New Roman" panose="02020603050405020304" pitchFamily="18" charset="0"/>
+                <a:cs typeface="Times New Roman" panose="02020603050405020304" pitchFamily="18" charset="0"/>
+              </a:rPr>
+              <a:t>&amp;</a:t>
+            </a:r>
+            <a:r>
+              <a:rPr lang="en-US" sz="1800" kern="0" dirty="0">
+                <a:effectLst/>
+                <a:latin typeface="Consolas" panose="020B0609020204030204" pitchFamily="49" charset="0"/>
+                <a:ea typeface="Times New Roman" panose="02020603050405020304" pitchFamily="18" charset="0"/>
+                <a:cs typeface="Times New Roman" panose="02020603050405020304" pitchFamily="18" charset="0"/>
+              </a:rPr>
+              <a:t> </a:t>
+            </a:r>
+            <a:r>
+              <a:rPr lang="ru-RU" sz="1800" kern="0" dirty="0">
+                <a:effectLst/>
+                <a:latin typeface="Consolas" panose="020B0609020204030204" pitchFamily="49" charset="0"/>
+                <a:ea typeface="Times New Roman" panose="02020603050405020304" pitchFamily="18" charset="0"/>
+                <a:cs typeface="Times New Roman" panose="02020603050405020304" pitchFamily="18" charset="0"/>
+              </a:rPr>
+              <a:t>x1) </a:t>
+            </a:r>
+            <a:r>
+              <a:rPr lang="ru-RU" sz="1800" kern="0" dirty="0">
+                <a:effectLst/>
+                <a:latin typeface="Cambria Math" panose="02040503050406030204" pitchFamily="18" charset="0"/>
+                <a:ea typeface="Times New Roman" panose="02020603050405020304" pitchFamily="18" charset="0"/>
+                <a:cs typeface="Cambria Math" panose="02040503050406030204" pitchFamily="18" charset="0"/>
+              </a:rPr>
+              <a:t>∣</a:t>
+            </a:r>
+            <a:r>
+              <a:rPr lang="ru-RU" sz="1800" kern="0" dirty="0">
+                <a:effectLst/>
+                <a:latin typeface="Consolas" panose="020B0609020204030204" pitchFamily="49" charset="0"/>
+                <a:ea typeface="Times New Roman" panose="02020603050405020304" pitchFamily="18" charset="0"/>
+                <a:cs typeface="Times New Roman" panose="02020603050405020304" pitchFamily="18" charset="0"/>
+              </a:rPr>
+              <a:t> x2</a:t>
+            </a:r>
+            <a:endParaRPr lang="ru-RU" dirty="0"/>
           </a:p>
         </p:txBody>
       </p:sp>

--- a/SAT-решатели (презентация).pptx
+++ b/SAT-решатели (презентация).pptx
@@ -5,7 +5,7 @@
     <p:sldMasterId id="2147483660" r:id="rId1"/>
   </p:sldMasterIdLst>
   <p:notesMasterIdLst>
-    <p:notesMasterId r:id="rId41"/>
+    <p:notesMasterId r:id="rId44"/>
   </p:notesMasterIdLst>
   <p:sldIdLst>
     <p:sldId id="256" r:id="rId2"/>
@@ -15,38 +15,41 @@
     <p:sldId id="260" r:id="rId6"/>
     <p:sldId id="261" r:id="rId7"/>
     <p:sldId id="295" r:id="rId8"/>
-    <p:sldId id="262" r:id="rId9"/>
-    <p:sldId id="264" r:id="rId10"/>
-    <p:sldId id="265" r:id="rId11"/>
-    <p:sldId id="267" r:id="rId12"/>
-    <p:sldId id="268" r:id="rId13"/>
-    <p:sldId id="269" r:id="rId14"/>
-    <p:sldId id="293" r:id="rId15"/>
-    <p:sldId id="292" r:id="rId16"/>
-    <p:sldId id="296" r:id="rId17"/>
-    <p:sldId id="273" r:id="rId18"/>
-    <p:sldId id="274" r:id="rId19"/>
-    <p:sldId id="294" r:id="rId20"/>
-    <p:sldId id="276" r:id="rId21"/>
-    <p:sldId id="297" r:id="rId22"/>
-    <p:sldId id="299" r:id="rId23"/>
-    <p:sldId id="298" r:id="rId24"/>
-    <p:sldId id="300" r:id="rId25"/>
-    <p:sldId id="277" r:id="rId26"/>
-    <p:sldId id="278" r:id="rId27"/>
-    <p:sldId id="279" r:id="rId28"/>
-    <p:sldId id="280" r:id="rId29"/>
-    <p:sldId id="281" r:id="rId30"/>
-    <p:sldId id="282" r:id="rId31"/>
-    <p:sldId id="283" r:id="rId32"/>
-    <p:sldId id="284" r:id="rId33"/>
-    <p:sldId id="285" r:id="rId34"/>
-    <p:sldId id="286" r:id="rId35"/>
-    <p:sldId id="287" r:id="rId36"/>
-    <p:sldId id="288" r:id="rId37"/>
-    <p:sldId id="289" r:id="rId38"/>
-    <p:sldId id="291" r:id="rId39"/>
-    <p:sldId id="290" r:id="rId40"/>
+    <p:sldId id="301" r:id="rId9"/>
+    <p:sldId id="302" r:id="rId10"/>
+    <p:sldId id="262" r:id="rId11"/>
+    <p:sldId id="264" r:id="rId12"/>
+    <p:sldId id="265" r:id="rId13"/>
+    <p:sldId id="267" r:id="rId14"/>
+    <p:sldId id="268" r:id="rId15"/>
+    <p:sldId id="269" r:id="rId16"/>
+    <p:sldId id="293" r:id="rId17"/>
+    <p:sldId id="292" r:id="rId18"/>
+    <p:sldId id="296" r:id="rId19"/>
+    <p:sldId id="273" r:id="rId20"/>
+    <p:sldId id="274" r:id="rId21"/>
+    <p:sldId id="294" r:id="rId22"/>
+    <p:sldId id="276" r:id="rId23"/>
+    <p:sldId id="297" r:id="rId24"/>
+    <p:sldId id="299" r:id="rId25"/>
+    <p:sldId id="298" r:id="rId26"/>
+    <p:sldId id="300" r:id="rId27"/>
+    <p:sldId id="277" r:id="rId28"/>
+    <p:sldId id="278" r:id="rId29"/>
+    <p:sldId id="279" r:id="rId30"/>
+    <p:sldId id="280" r:id="rId31"/>
+    <p:sldId id="281" r:id="rId32"/>
+    <p:sldId id="303" r:id="rId33"/>
+    <p:sldId id="282" r:id="rId34"/>
+    <p:sldId id="283" r:id="rId35"/>
+    <p:sldId id="284" r:id="rId36"/>
+    <p:sldId id="285" r:id="rId37"/>
+    <p:sldId id="286" r:id="rId38"/>
+    <p:sldId id="287" r:id="rId39"/>
+    <p:sldId id="288" r:id="rId40"/>
+    <p:sldId id="289" r:id="rId41"/>
+    <p:sldId id="291" r:id="rId42"/>
+    <p:sldId id="290" r:id="rId43"/>
   </p:sldIdLst>
   <p:sldSz cx="12192000" cy="6858000"/>
   <p:notesSz cx="6858000" cy="9144000"/>
@@ -247,7 +250,7 @@
           <a:p>
             <a:fld id="{378CC9F5-884F-49E5-B517-9E8FA7861F61}" type="datetimeFigureOut">
               <a:rPr lang="ru-RU" smtClean="0"/>
-              <a:t>09.01.2026</a:t>
+              <a:t>10.01.2026</a:t>
             </a:fld>
             <a:endParaRPr lang="ru-RU"/>
           </a:p>
@@ -645,7 +648,7 @@
           <a:p>
             <a:fld id="{2D6DC980-0D23-43BB-A63D-56EA25751E22}" type="datetime1">
               <a:rPr lang="ru-RU" smtClean="0"/>
-              <a:t>09.01.2026</a:t>
+              <a:t>10.01.2026</a:t>
             </a:fld>
             <a:endParaRPr lang="ru-RU"/>
           </a:p>
@@ -815,7 +818,7 @@
           <a:p>
             <a:fld id="{4B715FF3-9884-4E00-9FC8-FC2FD387C6D9}" type="datetime1">
               <a:rPr lang="ru-RU" smtClean="0"/>
-              <a:t>09.01.2026</a:t>
+              <a:t>10.01.2026</a:t>
             </a:fld>
             <a:endParaRPr lang="ru-RU"/>
           </a:p>
@@ -995,7 +998,7 @@
           <a:p>
             <a:fld id="{11AA60C8-0F3A-4141-9ED5-D0A4E82A6F06}" type="datetime1">
               <a:rPr lang="ru-RU" smtClean="0"/>
-              <a:t>09.01.2026</a:t>
+              <a:t>10.01.2026</a:t>
             </a:fld>
             <a:endParaRPr lang="ru-RU"/>
           </a:p>
@@ -1165,7 +1168,7 @@
           <a:p>
             <a:fld id="{17A71A22-D42E-48D0-B1EB-6892DBED9C56}" type="datetime1">
               <a:rPr lang="ru-RU" smtClean="0"/>
-              <a:t>09.01.2026</a:t>
+              <a:t>10.01.2026</a:t>
             </a:fld>
             <a:endParaRPr lang="ru-RU"/>
           </a:p>
@@ -1411,7 +1414,7 @@
           <a:p>
             <a:fld id="{BADD7171-AC31-463F-8826-96FEC8E67E89}" type="datetime1">
               <a:rPr lang="ru-RU" smtClean="0"/>
-              <a:t>09.01.2026</a:t>
+              <a:t>10.01.2026</a:t>
             </a:fld>
             <a:endParaRPr lang="ru-RU"/>
           </a:p>
@@ -1643,7 +1646,7 @@
           <a:p>
             <a:fld id="{DE1178B0-B191-4CA8-A160-1541DB9A6C24}" type="datetime1">
               <a:rPr lang="ru-RU" smtClean="0"/>
-              <a:t>09.01.2026</a:t>
+              <a:t>10.01.2026</a:t>
             </a:fld>
             <a:endParaRPr lang="ru-RU"/>
           </a:p>
@@ -2010,7 +2013,7 @@
           <a:p>
             <a:fld id="{63C2932A-EC0D-4F11-89AA-A0E1CA5C3E2B}" type="datetime1">
               <a:rPr lang="ru-RU" smtClean="0"/>
-              <a:t>09.01.2026</a:t>
+              <a:t>10.01.2026</a:t>
             </a:fld>
             <a:endParaRPr lang="ru-RU"/>
           </a:p>
@@ -2128,7 +2131,7 @@
           <a:p>
             <a:fld id="{F0A57ABA-A7EE-4550-8639-D4A488B95078}" type="datetime1">
               <a:rPr lang="ru-RU" smtClean="0"/>
-              <a:t>09.01.2026</a:t>
+              <a:t>10.01.2026</a:t>
             </a:fld>
             <a:endParaRPr lang="ru-RU"/>
           </a:p>
@@ -2223,7 +2226,7 @@
           <a:p>
             <a:fld id="{B9B34CC7-46C4-4103-B06C-B49D2A297761}" type="datetime1">
               <a:rPr lang="ru-RU" smtClean="0"/>
-              <a:t>09.01.2026</a:t>
+              <a:t>10.01.2026</a:t>
             </a:fld>
             <a:endParaRPr lang="ru-RU"/>
           </a:p>
@@ -2500,7 +2503,7 @@
           <a:p>
             <a:fld id="{770038EE-DC73-4007-AA63-1E959F10CF99}" type="datetime1">
               <a:rPr lang="ru-RU" smtClean="0"/>
-              <a:t>09.01.2026</a:t>
+              <a:t>10.01.2026</a:t>
             </a:fld>
             <a:endParaRPr lang="ru-RU"/>
           </a:p>
@@ -2757,7 +2760,7 @@
           <a:p>
             <a:fld id="{1F00D20A-60A2-4F74-B982-667F8D4AF630}" type="datetime1">
               <a:rPr lang="ru-RU" smtClean="0"/>
-              <a:t>09.01.2026</a:t>
+              <a:t>10.01.2026</a:t>
             </a:fld>
             <a:endParaRPr lang="ru-RU"/>
           </a:p>
@@ -2979,7 +2982,7 @@
           <a:p>
             <a:fld id="{9A1BF9C1-DB9B-4141-BFA9-B42D79F508B1}" type="datetime1">
               <a:rPr lang="ru-RU" smtClean="0"/>
-              <a:t>09.01.2026</a:t>
+              <a:t>10.01.2026</a:t>
             </a:fld>
             <a:endParaRPr lang="ru-RU"/>
           </a:p>
@@ -3561,21 +3564,8 @@
                   <a:schemeClr val="bg1"/>
                 </a:solidFill>
               </a:rPr>
-              <a:t>Алгоритм </a:t>
-            </a:r>
-            <a:r>
-              <a:rPr lang="en-US" dirty="0">
-                <a:solidFill>
-                  <a:schemeClr val="bg1"/>
-                </a:solidFill>
-              </a:rPr>
-              <a:t>DPLL</a:t>
-            </a:r>
-            <a:endParaRPr lang="ru-RU" dirty="0">
-              <a:solidFill>
-                <a:schemeClr val="bg1"/>
-              </a:solidFill>
-            </a:endParaRPr>
+              <a:t>Ограничения полного перебора</a:t>
+            </a:r>
           </a:p>
         </p:txBody>
       </p:sp>
@@ -3603,7 +3593,7 @@
         </p:spPr>
         <p:txBody>
           <a:bodyPr>
-            <a:normAutofit fontScale="92500" lnSpcReduction="20000"/>
+            <a:normAutofit/>
           </a:bodyPr>
           <a:lstStyle/>
           <a:p>
@@ -3615,82 +3605,36 @@
                 <a:effectLst/>
                 <a:latin typeface="fkGroteskNeue"/>
               </a:rPr>
-              <a:t>Алгоритм DPLL, предложенный </a:t>
+              <a:t>Метод полного перебора (</a:t>
             </a:r>
             <a:r>
               <a:rPr lang="ru-RU" b="0" i="0" dirty="0" err="1">
                 <a:effectLst/>
                 <a:latin typeface="fkGroteskNeue"/>
               </a:rPr>
-              <a:t>Davis</a:t>
-            </a:r>
-            <a:r>
-              <a:rPr lang="ru-RU" b="0" i="0" dirty="0">
-                <a:effectLst/>
-                <a:latin typeface="fkGroteskNeue"/>
-              </a:rPr>
-              <a:t>, </a:t>
+              <a:t>brute</a:t>
+            </a:r>
+            <a:r>
+              <a:rPr lang="ru-RU" b="0" i="0" dirty="0">
+                <a:effectLst/>
+                <a:latin typeface="fkGroteskNeue"/>
+              </a:rPr>
+              <a:t> </a:t>
             </a:r>
             <a:r>
               <a:rPr lang="ru-RU" b="0" i="0" dirty="0" err="1">
                 <a:effectLst/>
                 <a:latin typeface="fkGroteskNeue"/>
               </a:rPr>
-              <a:t>Putnam</a:t>
-            </a:r>
-            <a:r>
-              <a:rPr lang="ru-RU" b="0" i="0" dirty="0">
-                <a:effectLst/>
-                <a:latin typeface="fkGroteskNeue"/>
-              </a:rPr>
-              <a:t>, </a:t>
-            </a:r>
-            <a:r>
-              <a:rPr lang="ru-RU" b="0" i="0" dirty="0" err="1">
-                <a:effectLst/>
-                <a:latin typeface="fkGroteskNeue"/>
-              </a:rPr>
-              <a:t>Logemann</a:t>
-            </a:r>
-            <a:r>
-              <a:rPr lang="ru-RU" b="0" i="0" dirty="0">
-                <a:effectLst/>
-                <a:latin typeface="fkGroteskNeue"/>
-              </a:rPr>
-              <a:t> и </a:t>
-            </a:r>
-            <a:r>
-              <a:rPr lang="ru-RU" b="0" i="0" dirty="0" err="1">
-                <a:effectLst/>
-                <a:latin typeface="fkGroteskNeue"/>
-              </a:rPr>
-              <a:t>Loveland</a:t>
-            </a:r>
-            <a:r>
-              <a:rPr lang="ru-RU" b="0" i="0" dirty="0">
-                <a:effectLst/>
-                <a:latin typeface="fkGroteskNeue"/>
-              </a:rPr>
-              <a:t> в 1960-х годах, представляет собой первый систематический метод решения SAT-задач, использующий принцип поиска с возвратом (</a:t>
-            </a:r>
-            <a:r>
-              <a:rPr lang="ru-RU" b="0" i="0" dirty="0" err="1">
-                <a:effectLst/>
-                <a:latin typeface="fkGroteskNeue"/>
-              </a:rPr>
-              <a:t>backtracking</a:t>
-            </a:r>
-            <a:r>
-              <a:rPr lang="ru-RU" b="0" i="0" dirty="0">
-                <a:effectLst/>
-                <a:latin typeface="fkGroteskNeue"/>
-              </a:rPr>
-              <a:t>). Работает исключительно с формулами в конъюнктивной нормальной форме (КНФ). Основные компоненты алгоритма включают: </a:t>
-            </a:r>
-            <a:endParaRPr lang="en-US" b="0" i="0" dirty="0">
-              <a:effectLst/>
-              <a:latin typeface="fkGroteskNeue"/>
-            </a:endParaRPr>
+              <a:t>force</a:t>
+            </a:r>
+            <a:r>
+              <a:rPr lang="ru-RU" b="0" i="0" dirty="0">
+                <a:effectLst/>
+                <a:latin typeface="fkGroteskNeue"/>
+              </a:rPr>
+              <a:t>) основан на систематическом тестировании всех возможных назначений значений переменным формулы. Практическая применимость этого метода ограничивается следующим образом: при n = 10 переменных требуется проверить 1024 комбинации; при n = 20 — 1048576 комбинаций; при n = 30 — 1073741824 комбинаций. </a:t>
+            </a:r>
           </a:p>
           <a:p>
             <a:pPr marL="0" indent="0">
@@ -3701,100 +3645,9 @@
                 <a:effectLst/>
                 <a:latin typeface="fkGroteskNeue"/>
               </a:rPr>
-              <a:t>(1) Unit </a:t>
-            </a:r>
-            <a:r>
-              <a:rPr lang="ru-RU" b="0" i="0" dirty="0" err="1">
-                <a:effectLst/>
-                <a:latin typeface="fkGroteskNeue"/>
-              </a:rPr>
-              <a:t>Propagation</a:t>
-            </a:r>
-            <a:r>
-              <a:rPr lang="ru-RU" b="0" i="0" dirty="0">
-                <a:effectLst/>
-                <a:latin typeface="fkGroteskNeue"/>
-              </a:rPr>
-              <a:t> — если клауза содержит единственный литерал, этот литерал обязательно должен быть установлен в истину; в результате клауза удаляется, остальные клаузы упрощаются путём удаления противоположного литерала; </a:t>
-            </a:r>
-            <a:endParaRPr lang="en-US" b="0" i="0" dirty="0">
-              <a:effectLst/>
-              <a:latin typeface="fkGroteskNeue"/>
-            </a:endParaRPr>
-          </a:p>
-          <a:p>
-            <a:pPr marL="0" indent="0">
-              <a:buNone/>
-            </a:pPr>
-            <a:r>
-              <a:rPr lang="ru-RU" b="0" i="0" dirty="0">
-                <a:effectLst/>
-                <a:latin typeface="fkGroteskNeue"/>
-              </a:rPr>
-              <a:t>(2) Pure </a:t>
-            </a:r>
-            <a:r>
-              <a:rPr lang="ru-RU" b="0" i="0" dirty="0" err="1">
-                <a:effectLst/>
-                <a:latin typeface="fkGroteskNeue"/>
-              </a:rPr>
-              <a:t>Literal</a:t>
-            </a:r>
-            <a:r>
-              <a:rPr lang="ru-RU" b="0" i="0" dirty="0">
-                <a:effectLst/>
-                <a:latin typeface="fkGroteskNeue"/>
-              </a:rPr>
-              <a:t> </a:t>
-            </a:r>
-            <a:r>
-              <a:rPr lang="ru-RU" b="0" i="0" dirty="0" err="1">
-                <a:effectLst/>
-                <a:latin typeface="fkGroteskNeue"/>
-              </a:rPr>
-              <a:t>Elimination</a:t>
-            </a:r>
-            <a:r>
-              <a:rPr lang="ru-RU" b="0" i="0" dirty="0">
-                <a:effectLst/>
-                <a:latin typeface="fkGroteskNeue"/>
-              </a:rPr>
-              <a:t> — если переменная встречается в формуле только в одном полярном виде, ей присваивается значение, удовлетворяющее все содержащие её клаузы; </a:t>
-            </a:r>
-            <a:endParaRPr lang="en-US" b="0" i="0" dirty="0">
-              <a:effectLst/>
-              <a:latin typeface="fkGroteskNeue"/>
-            </a:endParaRPr>
-          </a:p>
-          <a:p>
-            <a:pPr marL="0" indent="0">
-              <a:buNone/>
-            </a:pPr>
-            <a:r>
-              <a:rPr lang="ru-RU" b="0" i="0" dirty="0">
-                <a:effectLst/>
-                <a:latin typeface="fkGroteskNeue"/>
-              </a:rPr>
-              <a:t>(3) </a:t>
-            </a:r>
-            <a:r>
-              <a:rPr lang="ru-RU" b="0" i="0" dirty="0" err="1">
-                <a:effectLst/>
-                <a:latin typeface="fkGroteskNeue"/>
-              </a:rPr>
-              <a:t>Decision</a:t>
-            </a:r>
-            <a:r>
-              <a:rPr lang="ru-RU" b="0" i="0" dirty="0">
-                <a:effectLst/>
-                <a:latin typeface="fkGroteskNeue"/>
-              </a:rPr>
-              <a:t> — выбор неустановленной переменной и рекурсивная попытка обоих её значений; </a:t>
-            </a:r>
-            <a:endParaRPr lang="en-US" b="0" i="0" dirty="0">
-              <a:effectLst/>
-              <a:latin typeface="fkGroteskNeue"/>
-            </a:endParaRPr>
+              <a:t>Экспоненциальный рост функции 2ⁿ делает полный перебор практически неприменимым для n &gt; 25 на современных вычислительных системах. А такой запрос есть.</a:t>
+            </a:r>
+            <a:endParaRPr lang="ru-RU" dirty="0"/>
           </a:p>
         </p:txBody>
       </p:sp>
@@ -3803,7 +3656,7 @@
           <p:cNvPr id="5" name="Номер слайда 4">
             <a:extLst>
               <a:ext uri="{FF2B5EF4-FFF2-40B4-BE49-F238E27FC236}">
-                <a16:creationId xmlns:a16="http://schemas.microsoft.com/office/drawing/2014/main" id="{898957FA-0A58-4FB5-A0FA-A12124F91845}"/>
+                <a16:creationId xmlns:a16="http://schemas.microsoft.com/office/drawing/2014/main" id="{ABCF50E8-CF4E-4F7A-9469-8A13C19A3F90}"/>
               </a:ext>
             </a:extLst>
           </p:cNvPr>
@@ -3830,7 +3683,7 @@
     </p:spTree>
     <p:extLst>
       <p:ext uri="{BB962C8B-B14F-4D97-AF65-F5344CB8AC3E}">
-        <p14:creationId xmlns:p14="http://schemas.microsoft.com/office/powerpoint/2010/main" val="4149445403"/>
+        <p14:creationId xmlns:p14="http://schemas.microsoft.com/office/powerpoint/2010/main" val="4000563812"/>
       </p:ext>
     </p:extLst>
   </p:cSld>
@@ -3886,26 +3739,21 @@
           <a:lstStyle/>
           <a:p>
             <a:r>
+              <a:rPr lang="en-US" dirty="0">
+                <a:solidFill>
+                  <a:schemeClr val="bg1"/>
+                </a:solidFill>
+              </a:rPr>
+              <a:t>SAT-</a:t>
+            </a:r>
+            <a:r>
               <a:rPr lang="ru-RU" dirty="0">
                 <a:solidFill>
                   <a:schemeClr val="bg1"/>
                 </a:solidFill>
               </a:rPr>
-              <a:t>Алгоритм </a:t>
-            </a:r>
-            <a:r>
-              <a:rPr lang="en-US" dirty="0">
-                <a:solidFill>
-                  <a:schemeClr val="bg1"/>
-                </a:solidFill>
-              </a:rPr>
-              <a:t>DPLL</a:t>
-            </a:r>
-            <a:endParaRPr lang="ru-RU" dirty="0">
-              <a:solidFill>
-                <a:schemeClr val="bg1"/>
-              </a:solidFill>
-            </a:endParaRPr>
+              <a:t>редукция</a:t>
+            </a:r>
           </a:p>
         </p:txBody>
       </p:sp>
@@ -3933,7 +3781,7 @@
         </p:spPr>
         <p:txBody>
           <a:bodyPr>
-            <a:normAutofit/>
+            <a:normAutofit fontScale="92500"/>
           </a:bodyPr>
           <a:lstStyle/>
           <a:p>
@@ -3945,21 +3793,21 @@
                 <a:effectLst/>
                 <a:latin typeface="fkGroteskNeue"/>
               </a:rPr>
-              <a:t>(4) </a:t>
+              <a:t>Одним из значительных практических применений SAT-решателей является верификация эквивалентности цифровых схем. Пусть даны две булевы функции F₁ и F₂, реализованные различными схемотехническими реализациями. Вопрос верификации формулируется следующим образом: выполняется ли условие ∀x ∈ {0,1}ⁿ: F₁(x) = F₂(x)? Классический подход к решению этой задачи посредством SAT-решателя использует конструкцию, называемую </a:t>
             </a:r>
             <a:r>
               <a:rPr lang="ru-RU" b="0" i="0" dirty="0" err="1">
                 <a:effectLst/>
                 <a:latin typeface="fkGroteskNeue"/>
               </a:rPr>
-              <a:t>Backtracking</a:t>
-            </a:r>
-            <a:r>
-              <a:rPr lang="ru-RU" b="0" i="0" dirty="0">
-                <a:effectLst/>
-                <a:latin typeface="fkGroteskNeue"/>
-              </a:rPr>
-              <a:t> — при обнаружении противоречия (пустой клаузы) возврат к последней точке выбора и попытка альтернативного значения.</a:t>
+              <a:t>miter</a:t>
+            </a:r>
+            <a:r>
+              <a:rPr lang="ru-RU" b="0" i="0" dirty="0">
+                <a:effectLst/>
+                <a:latin typeface="fkGroteskNeue"/>
+              </a:rPr>
+              <a:t>: D(x) = (F₁(x) ∧ ¬F₂(x)) ∨ (¬F₁(x) ∧ F₂(x)). </a:t>
             </a:r>
           </a:p>
           <a:p>
@@ -3971,33 +3819,7 @@
                 <a:effectLst/>
                 <a:latin typeface="fkGroteskNeue"/>
               </a:rPr>
-              <a:t>DPLL значительно снижает эффективный размер пространства поиска по сравнению с полным перебором, однако не использует информацию из предыдущих конфликтов для оптимизации будущего поиска.</a:t>
-            </a:r>
-            <a:r>
-              <a:rPr lang="en-US" b="0" i="0" dirty="0">
-                <a:effectLst/>
-                <a:latin typeface="fkGroteskNeue"/>
-              </a:rPr>
-              <a:t> </a:t>
-            </a:r>
-            <a:r>
-              <a:rPr lang="ru-RU" b="0" i="0" dirty="0">
-                <a:effectLst/>
-                <a:latin typeface="fkGroteskNeue"/>
-              </a:rPr>
-              <a:t>Этого недостатка лишён следующий алгоритм.</a:t>
-            </a:r>
-          </a:p>
-          <a:p>
-            <a:pPr marL="0" indent="0">
-              <a:buNone/>
-            </a:pPr>
-            <a:r>
-              <a:rPr lang="ru-RU" b="0" i="0" dirty="0">
-                <a:effectLst/>
-                <a:latin typeface="fkGroteskNeue"/>
-              </a:rPr>
-              <a:t>В худшем случае временная сложность DPLL остаётся экспоненциальной.</a:t>
+              <a:t>Формула D истинна тогда и только тогда, когда F₁ и F₂ выдают различные значения при некотором входном векторе x. SAT-решатель решает задачу о выполнимости D. Если D выполнима (SAT), то найдено свидетельство неэквивалентности (контрпример). Если D невыполнима (UNSAT), функции эквивалентны.</a:t>
             </a:r>
             <a:endParaRPr lang="ru-RU" dirty="0"/>
           </a:p>
@@ -4008,7 +3830,7 @@
           <p:cNvPr id="5" name="Номер слайда 4">
             <a:extLst>
               <a:ext uri="{FF2B5EF4-FFF2-40B4-BE49-F238E27FC236}">
-                <a16:creationId xmlns:a16="http://schemas.microsoft.com/office/drawing/2014/main" id="{7F3F3132-00CF-4874-8B4C-59FAEA43972C}"/>
+                <a16:creationId xmlns:a16="http://schemas.microsoft.com/office/drawing/2014/main" id="{FB2F3A90-9F6E-4A95-9DA8-C97913D986AE}"/>
               </a:ext>
             </a:extLst>
           </p:cNvPr>
@@ -4035,7 +3857,7 @@
     </p:spTree>
     <p:extLst>
       <p:ext uri="{BB962C8B-B14F-4D97-AF65-F5344CB8AC3E}">
-        <p14:creationId xmlns:p14="http://schemas.microsoft.com/office/powerpoint/2010/main" val="2363260911"/>
+        <p14:creationId xmlns:p14="http://schemas.microsoft.com/office/powerpoint/2010/main" val="2155838738"/>
       </p:ext>
     </p:extLst>
   </p:cSld>
@@ -4104,7 +3926,7 @@
                   <a:schemeClr val="bg1"/>
                 </a:solidFill>
               </a:rPr>
-              <a:t>CDCL</a:t>
+              <a:t>DPLL</a:t>
             </a:r>
             <a:endParaRPr lang="ru-RU" dirty="0">
               <a:solidFill>
@@ -4138,7 +3960,7 @@
         </p:spPr>
         <p:txBody>
           <a:bodyPr>
-            <a:normAutofit fontScale="92500" lnSpcReduction="10000"/>
+            <a:normAutofit fontScale="92500" lnSpcReduction="20000"/>
           </a:bodyPr>
           <a:lstStyle/>
           <a:p>
@@ -4150,35 +3972,77 @@
                 <a:effectLst/>
                 <a:latin typeface="fkGroteskNeue"/>
               </a:rPr>
-              <a:t>Алгоритм CDCL (</a:t>
+              <a:t>Алгоритм DPLL, предложенный </a:t>
             </a:r>
             <a:r>
               <a:rPr lang="ru-RU" b="0" i="0" dirty="0" err="1">
                 <a:effectLst/>
                 <a:latin typeface="fkGroteskNeue"/>
               </a:rPr>
-              <a:t>Conflict</a:t>
-            </a:r>
-            <a:r>
-              <a:rPr lang="ru-RU" b="0" i="0" dirty="0">
-                <a:effectLst/>
-                <a:latin typeface="fkGroteskNeue"/>
-              </a:rPr>
-              <a:t>-Driven </a:t>
+              <a:t>Davis</a:t>
+            </a:r>
+            <a:r>
+              <a:rPr lang="ru-RU" b="0" i="0" dirty="0">
+                <a:effectLst/>
+                <a:latin typeface="fkGroteskNeue"/>
+              </a:rPr>
+              <a:t>, </a:t>
             </a:r>
             <a:r>
               <a:rPr lang="ru-RU" b="0" i="0" dirty="0" err="1">
                 <a:effectLst/>
                 <a:latin typeface="fkGroteskNeue"/>
               </a:rPr>
-              <a:t>Clause</a:t>
-            </a:r>
-            <a:r>
-              <a:rPr lang="ru-RU" b="0" i="0" dirty="0">
-                <a:effectLst/>
-                <a:latin typeface="fkGroteskNeue"/>
-              </a:rPr>
-              <a:t> Learning) представляет собой современное расширение DPLL, определившее развитие SAT-решателей за последние два десятилетия. Ключевые инновации CDCL включают: </a:t>
+              <a:t>Putnam</a:t>
+            </a:r>
+            <a:r>
+              <a:rPr lang="ru-RU" b="0" i="0" dirty="0">
+                <a:effectLst/>
+                <a:latin typeface="fkGroteskNeue"/>
+              </a:rPr>
+              <a:t>, </a:t>
+            </a:r>
+            <a:r>
+              <a:rPr lang="ru-RU" b="0" i="0" dirty="0" err="1">
+                <a:effectLst/>
+                <a:latin typeface="fkGroteskNeue"/>
+              </a:rPr>
+              <a:t>Logemann</a:t>
+            </a:r>
+            <a:r>
+              <a:rPr lang="ru-RU" b="0" i="0" dirty="0">
+                <a:effectLst/>
+                <a:latin typeface="fkGroteskNeue"/>
+              </a:rPr>
+              <a:t> и </a:t>
+            </a:r>
+            <a:r>
+              <a:rPr lang="ru-RU" b="0" i="0" dirty="0" err="1">
+                <a:effectLst/>
+                <a:latin typeface="fkGroteskNeue"/>
+              </a:rPr>
+              <a:t>Loveland</a:t>
+            </a:r>
+            <a:r>
+              <a:rPr lang="ru-RU" b="0" i="0" dirty="0">
+                <a:effectLst/>
+                <a:latin typeface="fkGroteskNeue"/>
+              </a:rPr>
+              <a:t> в 1960-х годах, представляет собой первый систематический метод решения SAT-задач, использующий принцип поиска с возвратом (</a:t>
+            </a:r>
+            <a:r>
+              <a:rPr lang="ru-RU" b="0" i="0" dirty="0" err="1">
+                <a:effectLst/>
+                <a:latin typeface="fkGroteskNeue"/>
+              </a:rPr>
+              <a:t>backtracking</a:t>
+            </a:r>
+            <a:r>
+              <a:rPr lang="ru-RU" b="0" i="0" dirty="0">
+                <a:effectLst/>
+                <a:latin typeface="fkGroteskNeue"/>
+              </a:rPr>
+              <a:t>). Работает исключительно с формулами в конъюнктивной нормальной форме (КНФ). Основные компоненты алгоритма включают: </a:t>
             </a:r>
             <a:endParaRPr lang="en-US" b="0" i="0" dirty="0">
               <a:effectLst/>
@@ -4194,21 +4058,21 @@
                 <a:effectLst/>
                 <a:latin typeface="fkGroteskNeue"/>
               </a:rPr>
-              <a:t>(1) </a:t>
+              <a:t>(1) Unit </a:t>
             </a:r>
             <a:r>
               <a:rPr lang="ru-RU" b="0" i="0" dirty="0" err="1">
                 <a:effectLst/>
                 <a:latin typeface="fkGroteskNeue"/>
               </a:rPr>
-              <a:t>Clause</a:t>
-            </a:r>
-            <a:r>
-              <a:rPr lang="ru-RU" b="0" i="0" dirty="0">
-                <a:effectLst/>
-                <a:latin typeface="fkGroteskNeue"/>
-              </a:rPr>
-              <a:t> Learning — при обнаружении конфликта* анализируются причины конфликта: выполняется обход графа импликаций в обратном направлении; на основе этого анализа синтезируется новая клауза, которая добавляется в формулу и предотвращает повторение идентичного конфликта; </a:t>
+              <a:t>Propagation</a:t>
+            </a:r>
+            <a:r>
+              <a:rPr lang="ru-RU" b="0" i="0" dirty="0">
+                <a:effectLst/>
+                <a:latin typeface="fkGroteskNeue"/>
+              </a:rPr>
+              <a:t> — если клауза содержит единственный литерал, этот литерал обязательно должен быть установлен в истину; в результате клауза удаляется, остальные клаузы упрощаются путём удаления противоположного литерала; </a:t>
             </a:r>
             <a:endParaRPr lang="en-US" b="0" i="0" dirty="0">
               <a:effectLst/>
@@ -4224,14 +4088,14 @@
                 <a:effectLst/>
                 <a:latin typeface="fkGroteskNeue"/>
               </a:rPr>
-              <a:t>(2) Non-</a:t>
+              <a:t>(2) Pure </a:t>
             </a:r>
             <a:r>
               <a:rPr lang="ru-RU" b="0" i="0" dirty="0" err="1">
                 <a:effectLst/>
                 <a:latin typeface="fkGroteskNeue"/>
               </a:rPr>
-              <a:t>chronological</a:t>
+              <a:t>Literal</a:t>
             </a:r>
             <a:r>
               <a:rPr lang="ru-RU" b="0" i="0" dirty="0">
@@ -4245,60 +4109,50 @@
                 <a:effectLst/>
                 <a:latin typeface="fkGroteskNeue"/>
               </a:rPr>
-              <a:t>Backtracking</a:t>
-            </a:r>
-            <a:r>
-              <a:rPr lang="ru-RU" b="0" i="0" dirty="0">
-                <a:effectLst/>
-                <a:latin typeface="fkGroteskNeue"/>
-              </a:rPr>
-              <a:t> — возврат выполняется не на один уровень, а на уровень, определяемый анализом конфликта (</a:t>
-            </a:r>
-            <a:r>
-              <a:rPr lang="ru-RU" b="0" i="0" dirty="0" err="1">
-                <a:effectLst/>
-                <a:latin typeface="fkGroteskNeue"/>
-              </a:rPr>
-              <a:t>asserting</a:t>
-            </a:r>
-            <a:r>
-              <a:rPr lang="ru-RU" b="0" i="0" dirty="0">
-                <a:effectLst/>
-                <a:latin typeface="fkGroteskNeue"/>
-              </a:rPr>
-              <a:t> </a:t>
-            </a:r>
-            <a:r>
-              <a:rPr lang="ru-RU" b="0" i="0" dirty="0" err="1">
-                <a:effectLst/>
-                <a:latin typeface="fkGroteskNeue"/>
-              </a:rPr>
-              <a:t>level</a:t>
-            </a:r>
-            <a:r>
-              <a:rPr lang="ru-RU" b="0" i="0" dirty="0">
-                <a:effectLst/>
-                <a:latin typeface="fkGroteskNeue"/>
-              </a:rPr>
-              <a:t>), что позволяет более эффективно сужать пространство поиска; </a:t>
-            </a:r>
-          </a:p>
-          <a:p>
-            <a:pPr marL="0" indent="0">
-              <a:buNone/>
-            </a:pPr>
-            <a:r>
-              <a:rPr lang="ru-RU" b="0" i="0" dirty="0">
-                <a:effectLst/>
-                <a:latin typeface="fkGroteskNeue"/>
-              </a:rPr>
-              <a:t>*Конфликт в CDCL — это ситуация, когда при текущем частичном присваивании хотя бы одна клауза полностью ложна (пустая клауза).</a:t>
+              <a:t>Elimination</a:t>
+            </a:r>
+            <a:r>
+              <a:rPr lang="ru-RU" b="0" i="0" dirty="0">
+                <a:effectLst/>
+                <a:latin typeface="fkGroteskNeue"/>
+              </a:rPr>
+              <a:t> — если переменная встречается в формуле только в одном полярном виде, ей присваивается значение, удовлетворяющее все содержащие её клаузы; </a:t>
             </a:r>
             <a:endParaRPr lang="en-US" b="0" i="0" dirty="0">
               <a:effectLst/>
               <a:latin typeface="fkGroteskNeue"/>
             </a:endParaRPr>
           </a:p>
+          <a:p>
+            <a:pPr marL="0" indent="0">
+              <a:buNone/>
+            </a:pPr>
+            <a:r>
+              <a:rPr lang="ru-RU" b="0" i="0" dirty="0">
+                <a:effectLst/>
+                <a:latin typeface="fkGroteskNeue"/>
+              </a:rPr>
+              <a:t>(3) </a:t>
+            </a:r>
+            <a:r>
+              <a:rPr lang="ru-RU" b="0" i="0" dirty="0" err="1">
+                <a:effectLst/>
+                <a:latin typeface="fkGroteskNeue"/>
+              </a:rPr>
+              <a:t>Decision</a:t>
+            </a:r>
+            <a:r>
+              <a:rPr lang="ru-RU" b="0" i="0" dirty="0">
+                <a:effectLst/>
+                <a:latin typeface="fkGroteskNeue"/>
+              </a:rPr>
+              <a:t> — выбор неустановленной переменной и рекурсивная попытка обоих её значений; </a:t>
+            </a:r>
+            <a:endParaRPr lang="en-US" b="0" i="0" dirty="0">
+              <a:effectLst/>
+              <a:latin typeface="fkGroteskNeue"/>
+            </a:endParaRPr>
+          </a:p>
         </p:txBody>
       </p:sp>
       <p:sp>
@@ -4306,7 +4160,7 @@
           <p:cNvPr id="5" name="Номер слайда 4">
             <a:extLst>
               <a:ext uri="{FF2B5EF4-FFF2-40B4-BE49-F238E27FC236}">
-                <a16:creationId xmlns:a16="http://schemas.microsoft.com/office/drawing/2014/main" id="{AB133BAB-901F-4384-B9F6-B8D98B83DEDE}"/>
+                <a16:creationId xmlns:a16="http://schemas.microsoft.com/office/drawing/2014/main" id="{898957FA-0A58-4FB5-A0FA-A12124F91845}"/>
               </a:ext>
             </a:extLst>
           </p:cNvPr>
@@ -4333,7 +4187,7 @@
     </p:spTree>
     <p:extLst>
       <p:ext uri="{BB962C8B-B14F-4D97-AF65-F5344CB8AC3E}">
-        <p14:creationId xmlns:p14="http://schemas.microsoft.com/office/powerpoint/2010/main" val="3658210047"/>
+        <p14:creationId xmlns:p14="http://schemas.microsoft.com/office/powerpoint/2010/main" val="4149445403"/>
       </p:ext>
     </p:extLst>
   </p:cSld>
@@ -4402,7 +4256,7 @@
                   <a:schemeClr val="bg1"/>
                 </a:solidFill>
               </a:rPr>
-              <a:t>CDCL</a:t>
+              <a:t>DPLL</a:t>
             </a:r>
             <a:endParaRPr lang="ru-RU" dirty="0">
               <a:solidFill>
@@ -4436,7 +4290,7 @@
         </p:spPr>
         <p:txBody>
           <a:bodyPr>
-            <a:normAutofit lnSpcReduction="10000"/>
+            <a:normAutofit/>
           </a:bodyPr>
           <a:lstStyle/>
           <a:p>
@@ -4444,93 +4298,52 @@
               <a:buNone/>
             </a:pPr>
             <a:r>
-              <a:rPr lang="ru-RU" b="0" i="0">
-                <a:effectLst/>
-                <a:latin typeface="fkGroteskNeue"/>
-              </a:rPr>
-              <a:t>(</a:t>
-            </a:r>
-            <a:r>
-              <a:rPr lang="ru-RU" b="0" i="0" dirty="0">
-                <a:effectLst/>
-                <a:latin typeface="fkGroteskNeue"/>
-              </a:rPr>
-              <a:t>3) VSIDS </a:t>
+              <a:rPr lang="ru-RU" b="0" i="0" dirty="0">
+                <a:effectLst/>
+                <a:latin typeface="fkGroteskNeue"/>
+              </a:rPr>
+              <a:t>(4) </a:t>
             </a:r>
             <a:r>
               <a:rPr lang="ru-RU" b="0" i="0" dirty="0" err="1">
                 <a:effectLst/>
                 <a:latin typeface="fkGroteskNeue"/>
               </a:rPr>
-              <a:t>Heuristic</a:t>
-            </a:r>
-            <a:r>
-              <a:rPr lang="ru-RU" b="0" i="0" dirty="0">
-                <a:effectLst/>
-                <a:latin typeface="fkGroteskNeue"/>
-              </a:rPr>
-              <a:t> (</a:t>
-            </a:r>
-            <a:r>
-              <a:rPr lang="ru-RU" b="0" i="0" dirty="0" err="1">
-                <a:effectLst/>
-                <a:latin typeface="fkGroteskNeue"/>
-              </a:rPr>
-              <a:t>Variable</a:t>
-            </a:r>
-            <a:r>
-              <a:rPr lang="ru-RU" b="0" i="0" dirty="0">
-                <a:effectLst/>
-                <a:latin typeface="fkGroteskNeue"/>
-              </a:rPr>
-              <a:t> State Independent </a:t>
-            </a:r>
-            <a:r>
-              <a:rPr lang="ru-RU" b="0" i="0" dirty="0" err="1">
-                <a:effectLst/>
-                <a:latin typeface="fkGroteskNeue"/>
-              </a:rPr>
-              <a:t>Decaying</a:t>
-            </a:r>
-            <a:r>
-              <a:rPr lang="ru-RU" b="0" i="0" dirty="0">
+              <a:t>Backtracking</a:t>
+            </a:r>
+            <a:r>
+              <a:rPr lang="ru-RU" b="0" i="0" dirty="0">
+                <a:effectLst/>
+                <a:latin typeface="fkGroteskNeue"/>
+              </a:rPr>
+              <a:t> — при обнаружении противоречия (пустой клаузы) возврат к последней точке выбора и попытка альтернативного значения.</a:t>
+            </a:r>
+          </a:p>
+          <a:p>
+            <a:pPr marL="0" indent="0">
+              <a:buNone/>
+            </a:pPr>
+            <a:r>
+              <a:rPr lang="ru-RU" b="0" i="0" dirty="0">
+                <a:effectLst/>
+                <a:latin typeface="fkGroteskNeue"/>
+              </a:rPr>
+              <a:t>DPLL значительно снижает эффективный размер пространства поиска по сравнению с полным перебором, однако не использует информацию из предыдущих конфликтов для оптимизации будущего поиска.</a:t>
+            </a:r>
+            <a:r>
+              <a:rPr lang="en-US" b="0" i="0" dirty="0">
                 <a:effectLst/>
                 <a:latin typeface="fkGroteskNeue"/>
               </a:rPr>
               <a:t> </a:t>
             </a:r>
             <a:r>
-              <a:rPr lang="ru-RU" b="0" i="0" dirty="0" err="1">
-                <a:effectLst/>
-                <a:latin typeface="fkGroteskNeue"/>
-              </a:rPr>
-              <a:t>Sum</a:t>
-            </a:r>
-            <a:r>
-              <a:rPr lang="ru-RU" b="0" i="0" dirty="0">
-                <a:effectLst/>
-                <a:latin typeface="fkGroteskNeue"/>
-              </a:rPr>
-              <a:t>) — эвристика выбора переменной, которая </a:t>
-            </a:r>
-            <a:r>
-              <a:rPr lang="ru-RU" b="0" i="0" dirty="0" err="1">
-                <a:effectLst/>
-                <a:latin typeface="fkGroteskNeue"/>
-              </a:rPr>
-              <a:t>приоритизирует</a:t>
-            </a:r>
-            <a:r>
-              <a:rPr lang="ru-RU" b="0" i="0" dirty="0">
-                <a:effectLst/>
-                <a:latin typeface="fkGroteskNeue"/>
-              </a:rPr>
-              <a:t> переменные, часто появляющиеся в недавних конфликтах, с экспоненциальным затуханием старых данных; </a:t>
-            </a:r>
-            <a:endParaRPr lang="en-US" b="0" i="0" dirty="0">
-              <a:effectLst/>
-              <a:latin typeface="fkGroteskNeue"/>
-            </a:endParaRPr>
+              <a:rPr lang="ru-RU" b="0" i="0" dirty="0">
+                <a:effectLst/>
+                <a:latin typeface="fkGroteskNeue"/>
+              </a:rPr>
+              <a:t>Этого недостатка лишён следующий алгоритм.</a:t>
+            </a:r>
           </a:p>
           <a:p>
             <a:pPr marL="0" indent="0">
@@ -4541,74 +4354,7 @@
                 <a:effectLst/>
                 <a:latin typeface="fkGroteskNeue"/>
               </a:rPr>
-              <a:t>(4) </a:t>
-            </a:r>
-            <a:r>
-              <a:rPr lang="ru-RU" b="0" i="0" dirty="0" err="1">
-                <a:effectLst/>
-                <a:latin typeface="fkGroteskNeue"/>
-              </a:rPr>
-              <a:t>Restarts</a:t>
-            </a:r>
-            <a:r>
-              <a:rPr lang="ru-RU" b="0" i="0" dirty="0">
-                <a:effectLst/>
-                <a:latin typeface="fkGroteskNeue"/>
-              </a:rPr>
-              <a:t> — периодическая перезагрузка процесса поиска с сохранением выученных клауз, что помогает преодолевать "застревание" в неудачных ветвях; </a:t>
-            </a:r>
-            <a:endParaRPr lang="en-US" b="0" i="0" dirty="0">
-              <a:effectLst/>
-              <a:latin typeface="fkGroteskNeue"/>
-            </a:endParaRPr>
-          </a:p>
-          <a:p>
-            <a:pPr marL="0" indent="0">
-              <a:buNone/>
-            </a:pPr>
-            <a:r>
-              <a:rPr lang="ru-RU" b="0" i="0" dirty="0">
-                <a:effectLst/>
-                <a:latin typeface="fkGroteskNeue"/>
-              </a:rPr>
-              <a:t>(5) In-</a:t>
-            </a:r>
-            <a:r>
-              <a:rPr lang="ru-RU" b="0" i="0" dirty="0" err="1">
-                <a:effectLst/>
-                <a:latin typeface="fkGroteskNeue"/>
-              </a:rPr>
-              <a:t>processing</a:t>
-            </a:r>
-            <a:r>
-              <a:rPr lang="ru-RU" b="0" i="0" dirty="0">
-                <a:effectLst/>
-                <a:latin typeface="fkGroteskNeue"/>
-              </a:rPr>
-              <a:t> — оптимизация формулы во время решения путём упрощения и удаления избыточных клауз. </a:t>
-            </a:r>
-            <a:endParaRPr lang="en-US" b="0" i="0">
-              <a:effectLst/>
-              <a:latin typeface="fkGroteskNeue"/>
-            </a:endParaRPr>
-          </a:p>
-          <a:p>
-            <a:pPr marL="0" indent="0">
-              <a:buNone/>
-            </a:pPr>
-            <a:r>
-              <a:rPr lang="ru-RU" b="0" i="0">
-                <a:effectLst/>
-                <a:latin typeface="fkGroteskNeue"/>
-              </a:rPr>
-              <a:t>CDCL-решатели </a:t>
-            </a:r>
-            <a:r>
-              <a:rPr lang="ru-RU" b="0" i="0" dirty="0">
-                <a:effectLst/>
-                <a:latin typeface="fkGroteskNeue"/>
-              </a:rPr>
-              <a:t>демонстрируют способность решать практические экземпляры SAT с тысячами переменных и миллионами клауз.</a:t>
+              <a:t>В худшем случае временная сложность DPLL остаётся экспоненциальной.</a:t>
             </a:r>
             <a:endParaRPr lang="ru-RU" dirty="0"/>
           </a:p>
@@ -4619,7 +4365,7 @@
           <p:cNvPr id="5" name="Номер слайда 4">
             <a:extLst>
               <a:ext uri="{FF2B5EF4-FFF2-40B4-BE49-F238E27FC236}">
-                <a16:creationId xmlns:a16="http://schemas.microsoft.com/office/drawing/2014/main" id="{7D31043C-911B-444D-A1E3-CBCD9C0FA54D}"/>
+                <a16:creationId xmlns:a16="http://schemas.microsoft.com/office/drawing/2014/main" id="{7F3F3132-00CF-4874-8B4C-59FAEA43972C}"/>
               </a:ext>
             </a:extLst>
           </p:cNvPr>
@@ -4646,7 +4392,7 @@
     </p:spTree>
     <p:extLst>
       <p:ext uri="{BB962C8B-B14F-4D97-AF65-F5344CB8AC3E}">
-        <p14:creationId xmlns:p14="http://schemas.microsoft.com/office/powerpoint/2010/main" val="1072175018"/>
+        <p14:creationId xmlns:p14="http://schemas.microsoft.com/office/powerpoint/2010/main" val="2363260911"/>
       </p:ext>
     </p:extLst>
   </p:cSld>
@@ -4702,12 +4448,20 @@
           <a:lstStyle/>
           <a:p>
             <a:r>
+              <a:rPr lang="ru-RU" dirty="0">
+                <a:solidFill>
+                  <a:schemeClr val="bg1"/>
+                </a:solidFill>
+              </a:rPr>
+              <a:t>Алгоритм </a:t>
+            </a:r>
+            <a:r>
               <a:rPr lang="en-US" dirty="0">
                 <a:solidFill>
                   <a:schemeClr val="bg1"/>
                 </a:solidFill>
               </a:rPr>
-              <a:t>AST</a:t>
+              <a:t>CDCL</a:t>
             </a:r>
             <a:endParaRPr lang="ru-RU" dirty="0">
               <a:solidFill>
@@ -4736,6 +4490,609 @@
         <p:spPr>
           <a:xfrm>
             <a:off x="838200" y="1825625"/>
+            <a:ext cx="10515600" cy="4618718"/>
+          </a:xfrm>
+        </p:spPr>
+        <p:txBody>
+          <a:bodyPr>
+            <a:normAutofit fontScale="92500" lnSpcReduction="10000"/>
+          </a:bodyPr>
+          <a:lstStyle/>
+          <a:p>
+            <a:pPr marL="0" indent="0">
+              <a:buNone/>
+            </a:pPr>
+            <a:r>
+              <a:rPr lang="ru-RU" b="0" i="0" dirty="0">
+                <a:effectLst/>
+                <a:latin typeface="fkGroteskNeue"/>
+              </a:rPr>
+              <a:t>Алгоритм CDCL (</a:t>
+            </a:r>
+            <a:r>
+              <a:rPr lang="ru-RU" b="0" i="0" dirty="0" err="1">
+                <a:effectLst/>
+                <a:latin typeface="fkGroteskNeue"/>
+              </a:rPr>
+              <a:t>Conflict</a:t>
+            </a:r>
+            <a:r>
+              <a:rPr lang="ru-RU" b="0" i="0" dirty="0">
+                <a:effectLst/>
+                <a:latin typeface="fkGroteskNeue"/>
+              </a:rPr>
+              <a:t>-Driven </a:t>
+            </a:r>
+            <a:r>
+              <a:rPr lang="ru-RU" b="0" i="0" dirty="0" err="1">
+                <a:effectLst/>
+                <a:latin typeface="fkGroteskNeue"/>
+              </a:rPr>
+              <a:t>Clause</a:t>
+            </a:r>
+            <a:r>
+              <a:rPr lang="ru-RU" b="0" i="0" dirty="0">
+                <a:effectLst/>
+                <a:latin typeface="fkGroteskNeue"/>
+              </a:rPr>
+              <a:t> Learning) представляет собой современное расширение DPLL, определившее развитие SAT-решателей за последние два десятилетия. Ключевые инновации CDCL включают: </a:t>
+            </a:r>
+            <a:endParaRPr lang="en-US" b="0" i="0" dirty="0">
+              <a:effectLst/>
+              <a:latin typeface="fkGroteskNeue"/>
+            </a:endParaRPr>
+          </a:p>
+          <a:p>
+            <a:pPr marL="0" indent="0">
+              <a:buNone/>
+            </a:pPr>
+            <a:r>
+              <a:rPr lang="ru-RU" b="0" i="0" dirty="0">
+                <a:effectLst/>
+                <a:latin typeface="fkGroteskNeue"/>
+              </a:rPr>
+              <a:t>(1) </a:t>
+            </a:r>
+            <a:r>
+              <a:rPr lang="ru-RU" b="0" i="0" dirty="0" err="1">
+                <a:effectLst/>
+                <a:latin typeface="fkGroteskNeue"/>
+              </a:rPr>
+              <a:t>Clause</a:t>
+            </a:r>
+            <a:r>
+              <a:rPr lang="ru-RU" b="0" i="0" dirty="0">
+                <a:effectLst/>
+                <a:latin typeface="fkGroteskNeue"/>
+              </a:rPr>
+              <a:t> Learning — при обнаружении конфликта* анализируются причины конфликта: выполняется обход графа импликаций в обратном направлении; на основе этого анализа синтезируется новая клауза, которая добавляется в формулу и предотвращает повторение идентичного конфликта; </a:t>
+            </a:r>
+            <a:endParaRPr lang="en-US" b="0" i="0" dirty="0">
+              <a:effectLst/>
+              <a:latin typeface="fkGroteskNeue"/>
+            </a:endParaRPr>
+          </a:p>
+          <a:p>
+            <a:pPr marL="0" indent="0">
+              <a:buNone/>
+            </a:pPr>
+            <a:r>
+              <a:rPr lang="ru-RU" b="0" i="0" dirty="0">
+                <a:effectLst/>
+                <a:latin typeface="fkGroteskNeue"/>
+              </a:rPr>
+              <a:t>(2) Non-</a:t>
+            </a:r>
+            <a:r>
+              <a:rPr lang="ru-RU" b="0" i="0" dirty="0" err="1">
+                <a:effectLst/>
+                <a:latin typeface="fkGroteskNeue"/>
+              </a:rPr>
+              <a:t>chronological</a:t>
+            </a:r>
+            <a:r>
+              <a:rPr lang="ru-RU" b="0" i="0" dirty="0">
+                <a:effectLst/>
+                <a:latin typeface="fkGroteskNeue"/>
+              </a:rPr>
+              <a:t> </a:t>
+            </a:r>
+            <a:r>
+              <a:rPr lang="ru-RU" b="0" i="0" dirty="0" err="1">
+                <a:effectLst/>
+                <a:latin typeface="fkGroteskNeue"/>
+              </a:rPr>
+              <a:t>Backtracking</a:t>
+            </a:r>
+            <a:r>
+              <a:rPr lang="ru-RU" b="0" i="0" dirty="0">
+                <a:effectLst/>
+                <a:latin typeface="fkGroteskNeue"/>
+              </a:rPr>
+              <a:t> — возврат выполняется не на один уровень, а на уровень, определяемый анализом конфликта (</a:t>
+            </a:r>
+            <a:r>
+              <a:rPr lang="ru-RU" b="0" i="0" dirty="0" err="1">
+                <a:effectLst/>
+                <a:latin typeface="fkGroteskNeue"/>
+              </a:rPr>
+              <a:t>asserting</a:t>
+            </a:r>
+            <a:r>
+              <a:rPr lang="ru-RU" b="0" i="0" dirty="0">
+                <a:effectLst/>
+                <a:latin typeface="fkGroteskNeue"/>
+              </a:rPr>
+              <a:t> </a:t>
+            </a:r>
+            <a:r>
+              <a:rPr lang="ru-RU" b="0" i="0" dirty="0" err="1">
+                <a:effectLst/>
+                <a:latin typeface="fkGroteskNeue"/>
+              </a:rPr>
+              <a:t>level</a:t>
+            </a:r>
+            <a:r>
+              <a:rPr lang="ru-RU" b="0" i="0" dirty="0">
+                <a:effectLst/>
+                <a:latin typeface="fkGroteskNeue"/>
+              </a:rPr>
+              <a:t>), что позволяет более эффективно сужать пространство поиска; </a:t>
+            </a:r>
+          </a:p>
+          <a:p>
+            <a:pPr marL="0" indent="0">
+              <a:buNone/>
+            </a:pPr>
+            <a:r>
+              <a:rPr lang="ru-RU" b="0" i="0" dirty="0">
+                <a:effectLst/>
+                <a:latin typeface="fkGroteskNeue"/>
+              </a:rPr>
+              <a:t>*Конфликт в CDCL — это ситуация, когда при текущем частичном присваивании хотя бы одна клауза полностью ложна (пустая клауза).</a:t>
+            </a:r>
+            <a:endParaRPr lang="en-US" b="0" i="0" dirty="0">
+              <a:effectLst/>
+              <a:latin typeface="fkGroteskNeue"/>
+            </a:endParaRPr>
+          </a:p>
+        </p:txBody>
+      </p:sp>
+      <p:sp>
+        <p:nvSpPr>
+          <p:cNvPr id="5" name="Номер слайда 4">
+            <a:extLst>
+              <a:ext uri="{FF2B5EF4-FFF2-40B4-BE49-F238E27FC236}">
+                <a16:creationId xmlns:a16="http://schemas.microsoft.com/office/drawing/2014/main" id="{AB133BAB-901F-4384-B9F6-B8D98B83DEDE}"/>
+              </a:ext>
+            </a:extLst>
+          </p:cNvPr>
+          <p:cNvSpPr>
+            <a:spLocks noGrp="1"/>
+          </p:cNvSpPr>
+          <p:nvPr>
+            <p:ph type="sldNum" sz="quarter" idx="12"/>
+          </p:nvPr>
+        </p:nvSpPr>
+        <p:spPr/>
+        <p:txBody>
+          <a:bodyPr/>
+          <a:lstStyle/>
+          <a:p>
+            <a:fld id="{EF7A8E35-B303-42FD-88A6-20A8D5E4F372}" type="slidenum">
+              <a:rPr lang="ru-RU" smtClean="0"/>
+              <a:t>14</a:t>
+            </a:fld>
+            <a:endParaRPr lang="ru-RU"/>
+          </a:p>
+        </p:txBody>
+      </p:sp>
+    </p:spTree>
+    <p:extLst>
+      <p:ext uri="{BB962C8B-B14F-4D97-AF65-F5344CB8AC3E}">
+        <p14:creationId xmlns:p14="http://schemas.microsoft.com/office/powerpoint/2010/main" val="3658210047"/>
+      </p:ext>
+    </p:extLst>
+  </p:cSld>
+  <p:clrMapOvr>
+    <a:masterClrMapping/>
+  </p:clrMapOvr>
+</p:sld>
+</file>
+
+<file path=ppt/slides/slide15.xml><?xml version="1.0" encoding="utf-8"?>
+<p:sld xmlns:a="http://schemas.openxmlformats.org/drawingml/2006/main" xmlns:r="http://schemas.openxmlformats.org/officeDocument/2006/relationships" xmlns:p="http://schemas.openxmlformats.org/presentationml/2006/main">
+  <p:cSld>
+    <p:spTree>
+      <p:nvGrpSpPr>
+        <p:cNvPr id="1" name=""/>
+        <p:cNvGrpSpPr/>
+        <p:nvPr/>
+      </p:nvGrpSpPr>
+      <p:grpSpPr>
+        <a:xfrm>
+          <a:off x="0" y="0"/>
+          <a:ext cx="0" cy="0"/>
+          <a:chOff x="0" y="0"/>
+          <a:chExt cx="0" cy="0"/>
+        </a:xfrm>
+      </p:grpSpPr>
+      <p:sp>
+        <p:nvSpPr>
+          <p:cNvPr id="2" name="Заголовок 1">
+            <a:extLst>
+              <a:ext uri="{FF2B5EF4-FFF2-40B4-BE49-F238E27FC236}">
+                <a16:creationId xmlns:a16="http://schemas.microsoft.com/office/drawing/2014/main" id="{560A5064-666A-7555-7357-0F8EFD667F80}"/>
+              </a:ext>
+            </a:extLst>
+          </p:cNvPr>
+          <p:cNvSpPr>
+            <a:spLocks noGrp="1"/>
+          </p:cNvSpPr>
+          <p:nvPr>
+            <p:ph type="title"/>
+          </p:nvPr>
+        </p:nvSpPr>
+        <p:spPr>
+          <a:xfrm>
+            <a:off x="185056" y="0"/>
+            <a:ext cx="12006943" cy="919842"/>
+          </a:xfrm>
+        </p:spPr>
+        <p:txBody>
+          <a:bodyPr>
+            <a:normAutofit/>
+          </a:bodyPr>
+          <a:lstStyle/>
+          <a:p>
+            <a:r>
+              <a:rPr lang="ru-RU" dirty="0">
+                <a:solidFill>
+                  <a:schemeClr val="bg1"/>
+                </a:solidFill>
+              </a:rPr>
+              <a:t>Алгоритм </a:t>
+            </a:r>
+            <a:r>
+              <a:rPr lang="en-US" dirty="0">
+                <a:solidFill>
+                  <a:schemeClr val="bg1"/>
+                </a:solidFill>
+              </a:rPr>
+              <a:t>CDCL</a:t>
+            </a:r>
+            <a:endParaRPr lang="ru-RU" dirty="0">
+              <a:solidFill>
+                <a:schemeClr val="bg1"/>
+              </a:solidFill>
+            </a:endParaRPr>
+          </a:p>
+        </p:txBody>
+      </p:sp>
+      <p:sp>
+        <p:nvSpPr>
+          <p:cNvPr id="3" name="Объект 2">
+            <a:extLst>
+              <a:ext uri="{FF2B5EF4-FFF2-40B4-BE49-F238E27FC236}">
+                <a16:creationId xmlns:a16="http://schemas.microsoft.com/office/drawing/2014/main" id="{EF1A858C-C156-B159-B6C9-F121B8D996B9}"/>
+              </a:ext>
+            </a:extLst>
+          </p:cNvPr>
+          <p:cNvSpPr>
+            <a:spLocks noGrp="1"/>
+          </p:cNvSpPr>
+          <p:nvPr>
+            <p:ph idx="1"/>
+          </p:nvPr>
+        </p:nvSpPr>
+        <p:spPr>
+          <a:xfrm>
+            <a:off x="838200" y="1825625"/>
+            <a:ext cx="10515600" cy="4618718"/>
+          </a:xfrm>
+        </p:spPr>
+        <p:txBody>
+          <a:bodyPr>
+            <a:normAutofit lnSpcReduction="10000"/>
+          </a:bodyPr>
+          <a:lstStyle/>
+          <a:p>
+            <a:pPr marL="0" indent="0">
+              <a:buNone/>
+            </a:pPr>
+            <a:r>
+              <a:rPr lang="ru-RU" b="0" i="0">
+                <a:effectLst/>
+                <a:latin typeface="fkGroteskNeue"/>
+              </a:rPr>
+              <a:t>(</a:t>
+            </a:r>
+            <a:r>
+              <a:rPr lang="ru-RU" b="0" i="0" dirty="0">
+                <a:effectLst/>
+                <a:latin typeface="fkGroteskNeue"/>
+              </a:rPr>
+              <a:t>3) VSIDS </a:t>
+            </a:r>
+            <a:r>
+              <a:rPr lang="ru-RU" b="0" i="0" dirty="0" err="1">
+                <a:effectLst/>
+                <a:latin typeface="fkGroteskNeue"/>
+              </a:rPr>
+              <a:t>Heuristic</a:t>
+            </a:r>
+            <a:r>
+              <a:rPr lang="ru-RU" b="0" i="0" dirty="0">
+                <a:effectLst/>
+                <a:latin typeface="fkGroteskNeue"/>
+              </a:rPr>
+              <a:t> (</a:t>
+            </a:r>
+            <a:r>
+              <a:rPr lang="ru-RU" b="0" i="0" dirty="0" err="1">
+                <a:effectLst/>
+                <a:latin typeface="fkGroteskNeue"/>
+              </a:rPr>
+              <a:t>Variable</a:t>
+            </a:r>
+            <a:r>
+              <a:rPr lang="ru-RU" b="0" i="0" dirty="0">
+                <a:effectLst/>
+                <a:latin typeface="fkGroteskNeue"/>
+              </a:rPr>
+              <a:t> State Independent </a:t>
+            </a:r>
+            <a:r>
+              <a:rPr lang="ru-RU" b="0" i="0" dirty="0" err="1">
+                <a:effectLst/>
+                <a:latin typeface="fkGroteskNeue"/>
+              </a:rPr>
+              <a:t>Decaying</a:t>
+            </a:r>
+            <a:r>
+              <a:rPr lang="ru-RU" b="0" i="0" dirty="0">
+                <a:effectLst/>
+                <a:latin typeface="fkGroteskNeue"/>
+              </a:rPr>
+              <a:t> </a:t>
+            </a:r>
+            <a:r>
+              <a:rPr lang="ru-RU" b="0" i="0" dirty="0" err="1">
+                <a:effectLst/>
+                <a:latin typeface="fkGroteskNeue"/>
+              </a:rPr>
+              <a:t>Sum</a:t>
+            </a:r>
+            <a:r>
+              <a:rPr lang="ru-RU" b="0" i="0" dirty="0">
+                <a:effectLst/>
+                <a:latin typeface="fkGroteskNeue"/>
+              </a:rPr>
+              <a:t>) — эвристика выбора переменной, которая </a:t>
+            </a:r>
+            <a:r>
+              <a:rPr lang="ru-RU" b="0" i="0" dirty="0" err="1">
+                <a:effectLst/>
+                <a:latin typeface="fkGroteskNeue"/>
+              </a:rPr>
+              <a:t>приоритизирует</a:t>
+            </a:r>
+            <a:r>
+              <a:rPr lang="ru-RU" b="0" i="0" dirty="0">
+                <a:effectLst/>
+                <a:latin typeface="fkGroteskNeue"/>
+              </a:rPr>
+              <a:t> переменные, часто появляющиеся в недавних конфликтах, с экспоненциальным затуханием старых данных; </a:t>
+            </a:r>
+            <a:endParaRPr lang="en-US" b="0" i="0" dirty="0">
+              <a:effectLst/>
+              <a:latin typeface="fkGroteskNeue"/>
+            </a:endParaRPr>
+          </a:p>
+          <a:p>
+            <a:pPr marL="0" indent="0">
+              <a:buNone/>
+            </a:pPr>
+            <a:r>
+              <a:rPr lang="ru-RU" b="0" i="0" dirty="0">
+                <a:effectLst/>
+                <a:latin typeface="fkGroteskNeue"/>
+              </a:rPr>
+              <a:t>(4) </a:t>
+            </a:r>
+            <a:r>
+              <a:rPr lang="ru-RU" b="0" i="0" dirty="0" err="1">
+                <a:effectLst/>
+                <a:latin typeface="fkGroteskNeue"/>
+              </a:rPr>
+              <a:t>Restarts</a:t>
+            </a:r>
+            <a:r>
+              <a:rPr lang="ru-RU" b="0" i="0" dirty="0">
+                <a:effectLst/>
+                <a:latin typeface="fkGroteskNeue"/>
+              </a:rPr>
+              <a:t> — периодическая перезагрузка процесса поиска с сохранением выученных клауз, что помогает преодолевать "застревание" в неудачных ветвях; </a:t>
+            </a:r>
+            <a:endParaRPr lang="en-US" b="0" i="0" dirty="0">
+              <a:effectLst/>
+              <a:latin typeface="fkGroteskNeue"/>
+            </a:endParaRPr>
+          </a:p>
+          <a:p>
+            <a:pPr marL="0" indent="0">
+              <a:buNone/>
+            </a:pPr>
+            <a:r>
+              <a:rPr lang="ru-RU" b="0" i="0" dirty="0">
+                <a:effectLst/>
+                <a:latin typeface="fkGroteskNeue"/>
+              </a:rPr>
+              <a:t>(5) In-</a:t>
+            </a:r>
+            <a:r>
+              <a:rPr lang="ru-RU" b="0" i="0" dirty="0" err="1">
+                <a:effectLst/>
+                <a:latin typeface="fkGroteskNeue"/>
+              </a:rPr>
+              <a:t>processing</a:t>
+            </a:r>
+            <a:r>
+              <a:rPr lang="ru-RU" b="0" i="0" dirty="0">
+                <a:effectLst/>
+                <a:latin typeface="fkGroteskNeue"/>
+              </a:rPr>
+              <a:t> — оптимизация формулы во время решения путём упрощения и удаления избыточных клауз. </a:t>
+            </a:r>
+            <a:endParaRPr lang="en-US" b="0" i="0">
+              <a:effectLst/>
+              <a:latin typeface="fkGroteskNeue"/>
+            </a:endParaRPr>
+          </a:p>
+          <a:p>
+            <a:pPr marL="0" indent="0">
+              <a:buNone/>
+            </a:pPr>
+            <a:r>
+              <a:rPr lang="ru-RU" b="0" i="0">
+                <a:effectLst/>
+                <a:latin typeface="fkGroteskNeue"/>
+              </a:rPr>
+              <a:t>CDCL-решатели </a:t>
+            </a:r>
+            <a:r>
+              <a:rPr lang="ru-RU" b="0" i="0" dirty="0">
+                <a:effectLst/>
+                <a:latin typeface="fkGroteskNeue"/>
+              </a:rPr>
+              <a:t>демонстрируют способность решать практические экземпляры SAT с тысячами переменных и миллионами клауз.</a:t>
+            </a:r>
+            <a:endParaRPr lang="ru-RU" dirty="0"/>
+          </a:p>
+        </p:txBody>
+      </p:sp>
+      <p:sp>
+        <p:nvSpPr>
+          <p:cNvPr id="5" name="Номер слайда 4">
+            <a:extLst>
+              <a:ext uri="{FF2B5EF4-FFF2-40B4-BE49-F238E27FC236}">
+                <a16:creationId xmlns:a16="http://schemas.microsoft.com/office/drawing/2014/main" id="{7D31043C-911B-444D-A1E3-CBCD9C0FA54D}"/>
+              </a:ext>
+            </a:extLst>
+          </p:cNvPr>
+          <p:cNvSpPr>
+            <a:spLocks noGrp="1"/>
+          </p:cNvSpPr>
+          <p:nvPr>
+            <p:ph type="sldNum" sz="quarter" idx="12"/>
+          </p:nvPr>
+        </p:nvSpPr>
+        <p:spPr/>
+        <p:txBody>
+          <a:bodyPr/>
+          <a:lstStyle/>
+          <a:p>
+            <a:fld id="{EF7A8E35-B303-42FD-88A6-20A8D5E4F372}" type="slidenum">
+              <a:rPr lang="ru-RU" smtClean="0"/>
+              <a:t>15</a:t>
+            </a:fld>
+            <a:endParaRPr lang="ru-RU"/>
+          </a:p>
+        </p:txBody>
+      </p:sp>
+    </p:spTree>
+    <p:extLst>
+      <p:ext uri="{BB962C8B-B14F-4D97-AF65-F5344CB8AC3E}">
+        <p14:creationId xmlns:p14="http://schemas.microsoft.com/office/powerpoint/2010/main" val="1072175018"/>
+      </p:ext>
+    </p:extLst>
+  </p:cSld>
+  <p:clrMapOvr>
+    <a:masterClrMapping/>
+  </p:clrMapOvr>
+</p:sld>
+</file>
+
+<file path=ppt/slides/slide16.xml><?xml version="1.0" encoding="utf-8"?>
+<p:sld xmlns:a="http://schemas.openxmlformats.org/drawingml/2006/main" xmlns:r="http://schemas.openxmlformats.org/officeDocument/2006/relationships" xmlns:p="http://schemas.openxmlformats.org/presentationml/2006/main">
+  <p:cSld>
+    <p:spTree>
+      <p:nvGrpSpPr>
+        <p:cNvPr id="1" name=""/>
+        <p:cNvGrpSpPr/>
+        <p:nvPr/>
+      </p:nvGrpSpPr>
+      <p:grpSpPr>
+        <a:xfrm>
+          <a:off x="0" y="0"/>
+          <a:ext cx="0" cy="0"/>
+          <a:chOff x="0" y="0"/>
+          <a:chExt cx="0" cy="0"/>
+        </a:xfrm>
+      </p:grpSpPr>
+      <p:sp>
+        <p:nvSpPr>
+          <p:cNvPr id="2" name="Заголовок 1">
+            <a:extLst>
+              <a:ext uri="{FF2B5EF4-FFF2-40B4-BE49-F238E27FC236}">
+                <a16:creationId xmlns:a16="http://schemas.microsoft.com/office/drawing/2014/main" id="{560A5064-666A-7555-7357-0F8EFD667F80}"/>
+              </a:ext>
+            </a:extLst>
+          </p:cNvPr>
+          <p:cNvSpPr>
+            <a:spLocks noGrp="1"/>
+          </p:cNvSpPr>
+          <p:nvPr>
+            <p:ph type="title"/>
+          </p:nvPr>
+        </p:nvSpPr>
+        <p:spPr>
+          <a:xfrm>
+            <a:off x="185056" y="0"/>
+            <a:ext cx="12006943" cy="919842"/>
+          </a:xfrm>
+        </p:spPr>
+        <p:txBody>
+          <a:bodyPr>
+            <a:normAutofit/>
+          </a:bodyPr>
+          <a:lstStyle/>
+          <a:p>
+            <a:r>
+              <a:rPr lang="en-US" dirty="0">
+                <a:solidFill>
+                  <a:schemeClr val="bg1"/>
+                </a:solidFill>
+              </a:rPr>
+              <a:t>AST</a:t>
+            </a:r>
+            <a:endParaRPr lang="ru-RU" dirty="0">
+              <a:solidFill>
+                <a:schemeClr val="bg1"/>
+              </a:solidFill>
+            </a:endParaRPr>
+          </a:p>
+        </p:txBody>
+      </p:sp>
+      <p:sp>
+        <p:nvSpPr>
+          <p:cNvPr id="3" name="Объект 2">
+            <a:extLst>
+              <a:ext uri="{FF2B5EF4-FFF2-40B4-BE49-F238E27FC236}">
+                <a16:creationId xmlns:a16="http://schemas.microsoft.com/office/drawing/2014/main" id="{EF1A858C-C156-B159-B6C9-F121B8D996B9}"/>
+              </a:ext>
+            </a:extLst>
+          </p:cNvPr>
+          <p:cNvSpPr>
+            <a:spLocks noGrp="1"/>
+          </p:cNvSpPr>
+          <p:nvPr>
+            <p:ph idx="1"/>
+          </p:nvPr>
+        </p:nvSpPr>
+        <p:spPr>
+          <a:xfrm>
+            <a:off x="838200" y="1825625"/>
             <a:ext cx="6985673" cy="4618718"/>
           </a:xfrm>
         </p:spPr>
@@ -4793,7 +5150,7 @@
           <a:p>
             <a:fld id="{EF7A8E35-B303-42FD-88A6-20A8D5E4F372}" type="slidenum">
               <a:rPr lang="ru-RU" smtClean="0"/>
-              <a:t>14</a:t>
+              <a:t>16</a:t>
             </a:fld>
             <a:endParaRPr lang="ru-RU"/>
           </a:p>
@@ -4982,450 +5339,6 @@
 </p:sld>
 </file>
 
-<file path=ppt/slides/slide15.xml><?xml version="1.0" encoding="utf-8"?>
-<p:sld xmlns:a="http://schemas.openxmlformats.org/drawingml/2006/main" xmlns:r="http://schemas.openxmlformats.org/officeDocument/2006/relationships" xmlns:p="http://schemas.openxmlformats.org/presentationml/2006/main">
-  <p:cSld>
-    <p:spTree>
-      <p:nvGrpSpPr>
-        <p:cNvPr id="1" name=""/>
-        <p:cNvGrpSpPr/>
-        <p:nvPr/>
-      </p:nvGrpSpPr>
-      <p:grpSpPr>
-        <a:xfrm>
-          <a:off x="0" y="0"/>
-          <a:ext cx="0" cy="0"/>
-          <a:chOff x="0" y="0"/>
-          <a:chExt cx="0" cy="0"/>
-        </a:xfrm>
-      </p:grpSpPr>
-      <p:sp>
-        <p:nvSpPr>
-          <p:cNvPr id="2" name="Заголовок 1">
-            <a:extLst>
-              <a:ext uri="{FF2B5EF4-FFF2-40B4-BE49-F238E27FC236}">
-                <a16:creationId xmlns:a16="http://schemas.microsoft.com/office/drawing/2014/main" id="{560A5064-666A-7555-7357-0F8EFD667F80}"/>
-              </a:ext>
-            </a:extLst>
-          </p:cNvPr>
-          <p:cNvSpPr>
-            <a:spLocks noGrp="1"/>
-          </p:cNvSpPr>
-          <p:nvPr>
-            <p:ph type="title"/>
-          </p:nvPr>
-        </p:nvSpPr>
-        <p:spPr>
-          <a:xfrm>
-            <a:off x="185056" y="0"/>
-            <a:ext cx="12006943" cy="919842"/>
-          </a:xfrm>
-        </p:spPr>
-        <p:txBody>
-          <a:bodyPr>
-            <a:normAutofit/>
-          </a:bodyPr>
-          <a:lstStyle/>
-          <a:p>
-            <a:r>
-              <a:rPr lang="en-US" dirty="0">
-                <a:solidFill>
-                  <a:schemeClr val="bg1"/>
-                </a:solidFill>
-              </a:rPr>
-              <a:t>Z3 </a:t>
-            </a:r>
-            <a:r>
-              <a:rPr lang="ru-RU" dirty="0">
-                <a:solidFill>
-                  <a:schemeClr val="bg1"/>
-                </a:solidFill>
-              </a:rPr>
-              <a:t>решатель</a:t>
-            </a:r>
-          </a:p>
-        </p:txBody>
-      </p:sp>
-      <p:sp>
-        <p:nvSpPr>
-          <p:cNvPr id="3" name="Объект 2">
-            <a:extLst>
-              <a:ext uri="{FF2B5EF4-FFF2-40B4-BE49-F238E27FC236}">
-                <a16:creationId xmlns:a16="http://schemas.microsoft.com/office/drawing/2014/main" id="{EF1A858C-C156-B159-B6C9-F121B8D996B9}"/>
-              </a:ext>
-            </a:extLst>
-          </p:cNvPr>
-          <p:cNvSpPr>
-            <a:spLocks noGrp="1"/>
-          </p:cNvSpPr>
-          <p:nvPr>
-            <p:ph idx="1"/>
-          </p:nvPr>
-        </p:nvSpPr>
-        <p:spPr>
-          <a:xfrm>
-            <a:off x="838200" y="1825625"/>
-            <a:ext cx="10515600" cy="4618718"/>
-          </a:xfrm>
-        </p:spPr>
-        <p:txBody>
-          <a:bodyPr>
-            <a:normAutofit fontScale="92500"/>
-          </a:bodyPr>
-          <a:lstStyle/>
-          <a:p>
-            <a:pPr marL="0" indent="0">
-              <a:buNone/>
-            </a:pPr>
-            <a:r>
-              <a:rPr lang="ru-RU" b="0" i="0" dirty="0">
-                <a:effectLst/>
-                <a:latin typeface="fkGroteskNeue"/>
-              </a:rPr>
-              <a:t>Z3 — SMT-решатель, разработанный в Microsoft Research. В отличие от классических SAT-решателей, Z3 поддерживает не только булеву логику, но и теории целых/вещественных чисел, массивов и функций. </a:t>
-            </a:r>
-          </a:p>
-          <a:p>
-            <a:pPr marL="0" indent="0">
-              <a:buNone/>
-            </a:pPr>
-            <a:r>
-              <a:rPr lang="ru-RU" b="0" i="0" dirty="0">
-                <a:effectLst/>
-                <a:latin typeface="fkGroteskNeue"/>
-              </a:rPr>
-              <a:t>Архитектура основана на CDCL-алгоритме, дополненном слоями: </a:t>
-            </a:r>
-            <a:r>
-              <a:rPr lang="ru-RU" b="0" i="0" dirty="0" err="1">
-                <a:effectLst/>
-                <a:latin typeface="fkGroteskNeue"/>
-              </a:rPr>
-              <a:t>парсинг</a:t>
-            </a:r>
-            <a:r>
-              <a:rPr lang="ru-RU" b="0" i="0" dirty="0">
-                <a:effectLst/>
-                <a:latin typeface="fkGroteskNeue"/>
-              </a:rPr>
-              <a:t> и построение AST, применение теоретических </a:t>
-            </a:r>
-            <a:r>
-              <a:rPr lang="ru-RU" b="0" i="0" dirty="0" err="1">
-                <a:effectLst/>
-                <a:latin typeface="fkGroteskNeue"/>
-              </a:rPr>
-              <a:t>разрешителей</a:t>
-            </a:r>
-            <a:r>
-              <a:rPr lang="ru-RU" b="0" i="0" dirty="0">
-                <a:effectLst/>
-                <a:latin typeface="fkGroteskNeue"/>
-              </a:rPr>
-              <a:t>, ядро SAT-решателя с оптимизациями, управление конфликтами и обучение клаузам. </a:t>
-            </a:r>
-          </a:p>
-          <a:p>
-            <a:pPr marL="0" indent="0">
-              <a:buNone/>
-            </a:pPr>
-            <a:r>
-              <a:rPr lang="ru-RU" b="0" i="0" dirty="0">
-                <a:effectLst/>
-                <a:latin typeface="fkGroteskNeue"/>
-              </a:rPr>
-              <a:t>Производительность обеспечивается благодаря VSIDS-эвристике, эффективному управлению памятью, стратегиям рестарта и параллельному поиску. Решатель распространяется открытым исходным кодом на </a:t>
-            </a:r>
-            <a:r>
-              <a:rPr lang="ru-RU" b="0" i="0" dirty="0" err="1">
-                <a:effectLst/>
-                <a:latin typeface="fkGroteskNeue"/>
-              </a:rPr>
-              <a:t>GitHub</a:t>
-            </a:r>
-            <a:r>
-              <a:rPr lang="ru-RU" b="0" i="0" dirty="0">
-                <a:effectLst/>
-                <a:latin typeface="fkGroteskNeue"/>
-              </a:rPr>
-              <a:t> с поддержкой привязок для Python, Java, C++, Go и </a:t>
-            </a:r>
-            <a:r>
-              <a:rPr lang="ru-RU" b="0" i="0" dirty="0" err="1">
-                <a:effectLst/>
-                <a:latin typeface="fkGroteskNeue"/>
-              </a:rPr>
-              <a:t>Rust</a:t>
-            </a:r>
-            <a:r>
-              <a:rPr lang="ru-RU" b="0" i="0" dirty="0">
-                <a:effectLst/>
-                <a:latin typeface="fkGroteskNeue"/>
-              </a:rPr>
-              <a:t>.</a:t>
-            </a:r>
-            <a:endParaRPr lang="ru-RU" dirty="0"/>
-          </a:p>
-        </p:txBody>
-      </p:sp>
-      <p:sp>
-        <p:nvSpPr>
-          <p:cNvPr id="5" name="Номер слайда 4">
-            <a:extLst>
-              <a:ext uri="{FF2B5EF4-FFF2-40B4-BE49-F238E27FC236}">
-                <a16:creationId xmlns:a16="http://schemas.microsoft.com/office/drawing/2014/main" id="{1CB4DA7F-6AFA-4332-B7B0-81DF413806FD}"/>
-              </a:ext>
-            </a:extLst>
-          </p:cNvPr>
-          <p:cNvSpPr>
-            <a:spLocks noGrp="1"/>
-          </p:cNvSpPr>
-          <p:nvPr>
-            <p:ph type="sldNum" sz="quarter" idx="12"/>
-          </p:nvPr>
-        </p:nvSpPr>
-        <p:spPr/>
-        <p:txBody>
-          <a:bodyPr/>
-          <a:lstStyle/>
-          <a:p>
-            <a:fld id="{EF7A8E35-B303-42FD-88A6-20A8D5E4F372}" type="slidenum">
-              <a:rPr lang="ru-RU" smtClean="0"/>
-              <a:t>15</a:t>
-            </a:fld>
-            <a:endParaRPr lang="ru-RU"/>
-          </a:p>
-        </p:txBody>
-      </p:sp>
-    </p:spTree>
-    <p:extLst>
-      <p:ext uri="{BB962C8B-B14F-4D97-AF65-F5344CB8AC3E}">
-        <p14:creationId xmlns:p14="http://schemas.microsoft.com/office/powerpoint/2010/main" val="2130917507"/>
-      </p:ext>
-    </p:extLst>
-  </p:cSld>
-  <p:clrMapOvr>
-    <a:masterClrMapping/>
-  </p:clrMapOvr>
-</p:sld>
-</file>
-
-<file path=ppt/slides/slide16.xml><?xml version="1.0" encoding="utf-8"?>
-<p:sld xmlns:a="http://schemas.openxmlformats.org/drawingml/2006/main" xmlns:r="http://schemas.openxmlformats.org/officeDocument/2006/relationships" xmlns:p="http://schemas.openxmlformats.org/presentationml/2006/main">
-  <p:cSld>
-    <p:spTree>
-      <p:nvGrpSpPr>
-        <p:cNvPr id="1" name=""/>
-        <p:cNvGrpSpPr/>
-        <p:nvPr/>
-      </p:nvGrpSpPr>
-      <p:grpSpPr>
-        <a:xfrm>
-          <a:off x="0" y="0"/>
-          <a:ext cx="0" cy="0"/>
-          <a:chOff x="0" y="0"/>
-          <a:chExt cx="0" cy="0"/>
-        </a:xfrm>
-      </p:grpSpPr>
-      <p:sp>
-        <p:nvSpPr>
-          <p:cNvPr id="2" name="Заголовок 1">
-            <a:extLst>
-              <a:ext uri="{FF2B5EF4-FFF2-40B4-BE49-F238E27FC236}">
-                <a16:creationId xmlns:a16="http://schemas.microsoft.com/office/drawing/2014/main" id="{560A5064-666A-7555-7357-0F8EFD667F80}"/>
-              </a:ext>
-            </a:extLst>
-          </p:cNvPr>
-          <p:cNvSpPr>
-            <a:spLocks noGrp="1"/>
-          </p:cNvSpPr>
-          <p:nvPr>
-            <p:ph type="title"/>
-          </p:nvPr>
-        </p:nvSpPr>
-        <p:spPr>
-          <a:xfrm>
-            <a:off x="185056" y="0"/>
-            <a:ext cx="12006943" cy="919842"/>
-          </a:xfrm>
-        </p:spPr>
-        <p:txBody>
-          <a:bodyPr>
-            <a:normAutofit/>
-          </a:bodyPr>
-          <a:lstStyle/>
-          <a:p>
-            <a:r>
-              <a:rPr lang="en-US" dirty="0">
-                <a:solidFill>
-                  <a:schemeClr val="bg1"/>
-                </a:solidFill>
-              </a:rPr>
-              <a:t>VSIDS-</a:t>
-            </a:r>
-            <a:r>
-              <a:rPr lang="ru-RU" dirty="0">
-                <a:solidFill>
-                  <a:schemeClr val="bg1"/>
-                </a:solidFill>
-              </a:rPr>
-              <a:t>эвристика</a:t>
-            </a:r>
-          </a:p>
-        </p:txBody>
-      </p:sp>
-      <p:sp>
-        <p:nvSpPr>
-          <p:cNvPr id="3" name="Объект 2">
-            <a:extLst>
-              <a:ext uri="{FF2B5EF4-FFF2-40B4-BE49-F238E27FC236}">
-                <a16:creationId xmlns:a16="http://schemas.microsoft.com/office/drawing/2014/main" id="{EF1A858C-C156-B159-B6C9-F121B8D996B9}"/>
-              </a:ext>
-            </a:extLst>
-          </p:cNvPr>
-          <p:cNvSpPr>
-            <a:spLocks noGrp="1"/>
-          </p:cNvSpPr>
-          <p:nvPr>
-            <p:ph idx="1"/>
-          </p:nvPr>
-        </p:nvSpPr>
-        <p:spPr>
-          <a:xfrm>
-            <a:off x="838200" y="1825625"/>
-            <a:ext cx="10515600" cy="4618718"/>
-          </a:xfrm>
-        </p:spPr>
-        <p:txBody>
-          <a:bodyPr>
-            <a:normAutofit fontScale="92500" lnSpcReduction="10000"/>
-          </a:bodyPr>
-          <a:lstStyle/>
-          <a:p>
-            <a:pPr marL="0" indent="0">
-              <a:buNone/>
-            </a:pPr>
-            <a:r>
-              <a:rPr lang="en-US" b="0" i="0" dirty="0">
-                <a:effectLst/>
-                <a:latin typeface="fkGroteskNeue"/>
-              </a:rPr>
-              <a:t>Variable State Independent Decaying Sum</a:t>
-            </a:r>
-            <a:endParaRPr lang="ru-RU" b="0" i="0" dirty="0">
-              <a:effectLst/>
-              <a:latin typeface="fkGroteskNeue"/>
-            </a:endParaRPr>
-          </a:p>
-          <a:p>
-            <a:pPr marL="0" indent="0">
-              <a:buNone/>
-            </a:pPr>
-            <a:r>
-              <a:rPr lang="ru-RU" b="0" i="0" dirty="0">
-                <a:effectLst/>
-                <a:latin typeface="fkGroteskNeue"/>
-              </a:rPr>
-              <a:t>Каждой переменной x сопоставляется числовой параметр активности A(x). При возникновении конфликта и построении выученной клаузы активность переменных, вошедших в эту клаузы, увеличивается (операция </a:t>
-            </a:r>
-            <a:r>
-              <a:rPr lang="ru-RU" b="0" i="0" dirty="0" err="1">
-                <a:effectLst/>
-                <a:latin typeface="fkGroteskNeue"/>
-              </a:rPr>
-              <a:t>bump</a:t>
-            </a:r>
-            <a:r>
-              <a:rPr lang="ru-RU" b="0" i="0" dirty="0">
-                <a:effectLst/>
-                <a:latin typeface="fkGroteskNeue"/>
-              </a:rPr>
-              <a:t>).</a:t>
-            </a:r>
-          </a:p>
-          <a:p>
-            <a:pPr marL="0" indent="0">
-              <a:buNone/>
-            </a:pPr>
-            <a:r>
-              <a:rPr lang="ru-RU" b="0" i="0" dirty="0">
-                <a:effectLst/>
-                <a:latin typeface="fkGroteskNeue"/>
-              </a:rPr>
-              <a:t>Далее активности подвергаются затуханию (</a:t>
-            </a:r>
-            <a:r>
-              <a:rPr lang="ru-RU" b="0" i="0" dirty="0" err="1">
-                <a:effectLst/>
-                <a:latin typeface="fkGroteskNeue"/>
-              </a:rPr>
-              <a:t>decay</a:t>
-            </a:r>
-            <a:r>
-              <a:rPr lang="ru-RU" b="0" i="0" dirty="0">
-                <a:effectLst/>
-                <a:latin typeface="fkGroteskNeue"/>
-              </a:rPr>
-              <a:t>): вклад давних конфликтов постепенно уменьшается, а свежие конфликты оказываются важнее. Переменная для следующего решения выбирается как переменная с максимальной активностью среди не назначенных. </a:t>
-            </a:r>
-          </a:p>
-          <a:p>
-            <a:pPr marL="0" indent="0">
-              <a:buNone/>
-            </a:pPr>
-            <a:r>
-              <a:rPr lang="ru-RU" b="0" i="0" dirty="0">
-                <a:effectLst/>
-                <a:latin typeface="fkGroteskNeue"/>
-              </a:rPr>
-              <a:t>Интуитивно это означает, что решатель концентрируется на переменных, которые чаще всего оказываются вовлечены в противоречия и, следовательно, лучше всего «разрезают» пространство поиска.</a:t>
-            </a:r>
-            <a:endParaRPr lang="ru-RU" dirty="0"/>
-          </a:p>
-        </p:txBody>
-      </p:sp>
-      <p:sp>
-        <p:nvSpPr>
-          <p:cNvPr id="5" name="Номер слайда 4">
-            <a:extLst>
-              <a:ext uri="{FF2B5EF4-FFF2-40B4-BE49-F238E27FC236}">
-                <a16:creationId xmlns:a16="http://schemas.microsoft.com/office/drawing/2014/main" id="{1CB4DA7F-6AFA-4332-B7B0-81DF413806FD}"/>
-              </a:ext>
-            </a:extLst>
-          </p:cNvPr>
-          <p:cNvSpPr>
-            <a:spLocks noGrp="1"/>
-          </p:cNvSpPr>
-          <p:nvPr>
-            <p:ph type="sldNum" sz="quarter" idx="12"/>
-          </p:nvPr>
-        </p:nvSpPr>
-        <p:spPr/>
-        <p:txBody>
-          <a:bodyPr/>
-          <a:lstStyle/>
-          <a:p>
-            <a:fld id="{EF7A8E35-B303-42FD-88A6-20A8D5E4F372}" type="slidenum">
-              <a:rPr lang="ru-RU" smtClean="0"/>
-              <a:t>16</a:t>
-            </a:fld>
-            <a:endParaRPr lang="ru-RU"/>
-          </a:p>
-        </p:txBody>
-      </p:sp>
-    </p:spTree>
-    <p:extLst>
-      <p:ext uri="{BB962C8B-B14F-4D97-AF65-F5344CB8AC3E}">
-        <p14:creationId xmlns:p14="http://schemas.microsoft.com/office/powerpoint/2010/main" val="1037098080"/>
-      </p:ext>
-    </p:extLst>
-  </p:cSld>
-  <p:clrMapOvr>
-    <a:masterClrMapping/>
-  </p:clrMapOvr>
-</p:sld>
-</file>
-
 <file path=ppt/slides/slide17.xml><?xml version="1.0" encoding="utf-8"?>
 <p:sld xmlns:a="http://schemas.openxmlformats.org/drawingml/2006/main" xmlns:r="http://schemas.openxmlformats.org/officeDocument/2006/relationships" xmlns:p="http://schemas.openxmlformats.org/presentationml/2006/main">
   <p:cSld>
@@ -5472,12 +5385,20 @@
           <a:lstStyle/>
           <a:p>
             <a:r>
+              <a:rPr lang="en-US" dirty="0">
+                <a:solidFill>
+                  <a:schemeClr val="bg1"/>
+                </a:solidFill>
+              </a:rPr>
+              <a:t>Z3 </a:t>
+            </a:r>
+            <a:r>
               <a:rPr lang="ru-RU" dirty="0">
                 <a:solidFill>
                   <a:schemeClr val="bg1"/>
                 </a:solidFill>
               </a:rPr>
-              <a:t>Полный перебор</a:t>
+              <a:t>решатель</a:t>
             </a:r>
           </a:p>
         </p:txBody>
@@ -5506,7 +5427,7 @@
         </p:spPr>
         <p:txBody>
           <a:bodyPr>
-            <a:normAutofit/>
+            <a:normAutofit fontScale="92500"/>
           </a:bodyPr>
           <a:lstStyle/>
           <a:p>
@@ -5518,7 +5439,7 @@
                 <a:effectLst/>
                 <a:latin typeface="fkGroteskNeue"/>
               </a:rPr>
-              <a:t>Алгоритм полного перебора для проверки эквивалентности двух булевых формул F₁ и F₂ основан на следующей процедуре:</a:t>
+              <a:t>Z3 — SMT-решатель, разработанный в Microsoft Research. В отличие от классических SAT-решателей, Z3 поддерживает не только булеву логику, но и теории целых/вещественных чисел, массивов и функций. </a:t>
             </a:r>
           </a:p>
           <a:p>
@@ -5530,50 +5451,77 @@
                 <a:effectLst/>
                 <a:latin typeface="fkGroteskNeue"/>
               </a:rPr>
-              <a:t>Пусть </a:t>
+              <a:t>Архитектура основана на CDCL-алгоритме, дополненном слоями: </a:t>
             </a:r>
             <a:r>
               <a:rPr lang="ru-RU" b="0" i="0" dirty="0" err="1">
                 <a:effectLst/>
                 <a:latin typeface="fkGroteskNeue"/>
               </a:rPr>
-              <a:t>Var</a:t>
-            </a:r>
-            <a:r>
-              <a:rPr lang="ru-RU" b="0" i="0" dirty="0">
-                <a:effectLst/>
-                <a:latin typeface="fkGroteskNeue"/>
-              </a:rPr>
-              <a:t> = {x₀, x₁, ..., xₙ₋₁} — объединение множеств переменных обеих формул. Для каждой интерпретации σ: </a:t>
+              <a:t>парсинг</a:t>
+            </a:r>
+            <a:r>
+              <a:rPr lang="ru-RU" b="0" i="0" dirty="0">
+                <a:effectLst/>
+                <a:latin typeface="fkGroteskNeue"/>
+              </a:rPr>
+              <a:t> и построение AST, применение теоретических </a:t>
             </a:r>
             <a:r>
               <a:rPr lang="ru-RU" b="0" i="0" dirty="0" err="1">
                 <a:effectLst/>
                 <a:latin typeface="fkGroteskNeue"/>
               </a:rPr>
-              <a:t>Var</a:t>
-            </a:r>
-            <a:r>
-              <a:rPr lang="ru-RU" b="0" i="0" dirty="0">
-                <a:effectLst/>
-                <a:latin typeface="fkGroteskNeue"/>
-              </a:rPr>
-              <a:t> → {0, 1} (всего 2ⁿ интерпретаций) вычисляются значения F₁(σ) и F₂(σ). Если существует интерпретация σ, для которой F₁(σ) ≠ F₂(σ), формулы не эквивалентны — процедура возвращает </a:t>
+              <a:t>разрешителей</a:t>
+            </a:r>
+            <a:r>
+              <a:rPr lang="ru-RU" b="0" i="0" dirty="0">
+                <a:effectLst/>
+                <a:latin typeface="fkGroteskNeue"/>
+              </a:rPr>
+              <a:t>, ядро SAT-решателя с оптимизациями, управление конфликтами и обучение клаузам. </a:t>
+            </a:r>
+          </a:p>
+          <a:p>
+            <a:pPr marL="0" indent="0">
+              <a:buNone/>
+            </a:pPr>
+            <a:r>
+              <a:rPr lang="ru-RU" b="0" i="0" dirty="0">
+                <a:effectLst/>
+                <a:latin typeface="fkGroteskNeue"/>
+              </a:rPr>
+              <a:t>Производительность обеспечивается благодаря VSIDS-эвристике, эффективному управлению памятью, стратегиям рестарта и параллельному поиску. Решатель распространяется открытым исходным кодом на </a:t>
             </a:r>
             <a:r>
               <a:rPr lang="ru-RU" b="0" i="0" dirty="0" err="1">
                 <a:effectLst/>
                 <a:latin typeface="fkGroteskNeue"/>
               </a:rPr>
-              <a:t>False</a:t>
-            </a:r>
-            <a:r>
-              <a:rPr lang="ru-RU" b="0" i="0" dirty="0">
-                <a:effectLst/>
-                <a:latin typeface="fkGroteskNeue"/>
-              </a:rPr>
-              <a:t>. Если все интерпретации удовлетворяют F₁(σ) = F₂(σ), формулы эквивалентны — возвращает True. </a:t>
-            </a:r>
+              <a:t>GitHub</a:t>
+            </a:r>
+            <a:r>
+              <a:rPr lang="ru-RU" b="0" i="0" dirty="0">
+                <a:effectLst/>
+                <a:latin typeface="fkGroteskNeue"/>
+              </a:rPr>
+              <a:t> с поддержкой привязок для Python, Java, C++, Go и </a:t>
+            </a:r>
+            <a:r>
+              <a:rPr lang="ru-RU" b="0" i="0" dirty="0" err="1">
+                <a:effectLst/>
+                <a:latin typeface="fkGroteskNeue"/>
+              </a:rPr>
+              <a:t>Rust</a:t>
+            </a:r>
+            <a:r>
+              <a:rPr lang="ru-RU" b="0" i="0" dirty="0">
+                <a:effectLst/>
+                <a:latin typeface="fkGroteskNeue"/>
+              </a:rPr>
+              <a:t>.</a:t>
+            </a:r>
+            <a:endParaRPr lang="ru-RU" dirty="0"/>
           </a:p>
         </p:txBody>
       </p:sp>
@@ -5582,7 +5530,7 @@
           <p:cNvPr id="5" name="Номер слайда 4">
             <a:extLst>
               <a:ext uri="{FF2B5EF4-FFF2-40B4-BE49-F238E27FC236}">
-                <a16:creationId xmlns:a16="http://schemas.microsoft.com/office/drawing/2014/main" id="{40FDAAFE-ACCE-459A-BD42-482B02F6CD9B}"/>
+                <a16:creationId xmlns:a16="http://schemas.microsoft.com/office/drawing/2014/main" id="{1CB4DA7F-6AFA-4332-B7B0-81DF413806FD}"/>
               </a:ext>
             </a:extLst>
           </p:cNvPr>
@@ -5609,7 +5557,7 @@
     </p:spTree>
     <p:extLst>
       <p:ext uri="{BB962C8B-B14F-4D97-AF65-F5344CB8AC3E}">
-        <p14:creationId xmlns:p14="http://schemas.microsoft.com/office/powerpoint/2010/main" val="166322421"/>
+        <p14:creationId xmlns:p14="http://schemas.microsoft.com/office/powerpoint/2010/main" val="2130917507"/>
       </p:ext>
     </p:extLst>
   </p:cSld>
@@ -5665,12 +5613,20 @@
           <a:lstStyle/>
           <a:p>
             <a:r>
+              <a:rPr lang="en-US" dirty="0">
+                <a:solidFill>
+                  <a:schemeClr val="bg1"/>
+                </a:solidFill>
+              </a:rPr>
+              <a:t>VSIDS-</a:t>
+            </a:r>
+            <a:r>
               <a:rPr lang="ru-RU" dirty="0">
                 <a:solidFill>
                   <a:schemeClr val="bg1"/>
                 </a:solidFill>
               </a:rPr>
-              <a:t>Полный перебор</a:t>
+              <a:t>эвристика</a:t>
             </a:r>
           </a:p>
         </p:txBody>
@@ -5699,7 +5655,7 @@
         </p:spPr>
         <p:txBody>
           <a:bodyPr>
-            <a:normAutofit/>
+            <a:normAutofit fontScale="92500" lnSpcReduction="10000"/>
           </a:bodyPr>
           <a:lstStyle/>
           <a:p>
@@ -5707,12 +5663,16 @@
               <a:buNone/>
             </a:pPr>
             <a:r>
-              <a:rPr lang="ru-RU" b="0" i="0" dirty="0">
-                <a:effectLst/>
-                <a:latin typeface="fkGroteskNeue"/>
-              </a:rPr>
-              <a:t>Временная сложность алгоритма: T = O(2ⁿ · m), где m — время вычисления формулы. Пространственная сложность: O(n). Практическая верхняя граница применимости полного перебора составляет n ≤ 25 переменных на современных ПК, при этом время вычисления может достигать нескольких минут. </a:t>
-            </a:r>
+              <a:rPr lang="en-US" b="0" i="0" dirty="0">
+                <a:effectLst/>
+                <a:latin typeface="fkGroteskNeue"/>
+              </a:rPr>
+              <a:t>Variable State Independent Decaying Sum</a:t>
+            </a:r>
+            <a:endParaRPr lang="ru-RU" b="0" i="0" dirty="0">
+              <a:effectLst/>
+              <a:latin typeface="fkGroteskNeue"/>
+            </a:endParaRPr>
           </a:p>
           <a:p>
             <a:pPr marL="0" indent="0">
@@ -5723,7 +5683,59 @@
                 <a:effectLst/>
                 <a:latin typeface="fkGroteskNeue"/>
               </a:rPr>
-              <a:t>Преимущество метода — простота реализации и гарантированная корректность. Недостаток — невозможность масштабирования на более крупные задачи.</a:t>
+              <a:t>Каждой переменной x сопоставляется числовой параметр активности A(x). При возникновении конфликта и построении выученной клаузы активность переменных, вошедших в эту клаузы, увеличивается (операция </a:t>
+            </a:r>
+            <a:r>
+              <a:rPr lang="ru-RU" b="0" i="0" dirty="0" err="1">
+                <a:effectLst/>
+                <a:latin typeface="fkGroteskNeue"/>
+              </a:rPr>
+              <a:t>bump</a:t>
+            </a:r>
+            <a:r>
+              <a:rPr lang="ru-RU" b="0" i="0" dirty="0">
+                <a:effectLst/>
+                <a:latin typeface="fkGroteskNeue"/>
+              </a:rPr>
+              <a:t>).</a:t>
+            </a:r>
+          </a:p>
+          <a:p>
+            <a:pPr marL="0" indent="0">
+              <a:buNone/>
+            </a:pPr>
+            <a:r>
+              <a:rPr lang="ru-RU" b="0" i="0" dirty="0">
+                <a:effectLst/>
+                <a:latin typeface="fkGroteskNeue"/>
+              </a:rPr>
+              <a:t>Далее активности подвергаются затуханию (</a:t>
+            </a:r>
+            <a:r>
+              <a:rPr lang="ru-RU" b="0" i="0" dirty="0" err="1">
+                <a:effectLst/>
+                <a:latin typeface="fkGroteskNeue"/>
+              </a:rPr>
+              <a:t>decay</a:t>
+            </a:r>
+            <a:r>
+              <a:rPr lang="ru-RU" b="0" i="0" dirty="0">
+                <a:effectLst/>
+                <a:latin typeface="fkGroteskNeue"/>
+              </a:rPr>
+              <a:t>): вклад давних конфликтов постепенно уменьшается, а свежие конфликты оказываются важнее. Переменная для следующего решения выбирается как переменная с максимальной активностью среди не назначенных. </a:t>
+            </a:r>
+          </a:p>
+          <a:p>
+            <a:pPr marL="0" indent="0">
+              <a:buNone/>
+            </a:pPr>
+            <a:r>
+              <a:rPr lang="ru-RU" b="0" i="0" dirty="0">
+                <a:effectLst/>
+                <a:latin typeface="fkGroteskNeue"/>
+              </a:rPr>
+              <a:t>Интуитивно это означает, что решатель концентрируется на переменных, которые чаще всего оказываются вовлечены в противоречия и, следовательно, лучше всего «разрезают» пространство поиска.</a:t>
             </a:r>
             <a:endParaRPr lang="ru-RU" dirty="0"/>
           </a:p>
@@ -5734,7 +5746,7 @@
           <p:cNvPr id="5" name="Номер слайда 4">
             <a:extLst>
               <a:ext uri="{FF2B5EF4-FFF2-40B4-BE49-F238E27FC236}">
-                <a16:creationId xmlns:a16="http://schemas.microsoft.com/office/drawing/2014/main" id="{4DFD50E0-FD6E-4394-B4DD-801178EEC8F2}"/>
+                <a16:creationId xmlns:a16="http://schemas.microsoft.com/office/drawing/2014/main" id="{1CB4DA7F-6AFA-4332-B7B0-81DF413806FD}"/>
               </a:ext>
             </a:extLst>
           </p:cNvPr>
@@ -5761,7 +5773,7 @@
     </p:spTree>
     <p:extLst>
       <p:ext uri="{BB962C8B-B14F-4D97-AF65-F5344CB8AC3E}">
-        <p14:creationId xmlns:p14="http://schemas.microsoft.com/office/powerpoint/2010/main" val="1863443848"/>
+        <p14:creationId xmlns:p14="http://schemas.microsoft.com/office/powerpoint/2010/main" val="1037098080"/>
       </p:ext>
     </p:extLst>
   </p:cSld>
@@ -5822,21 +5834,8 @@
                   <a:schemeClr val="bg1"/>
                 </a:solidFill>
               </a:rPr>
-              <a:t>Использование </a:t>
-            </a:r>
-            <a:r>
-              <a:rPr lang="en-US" dirty="0">
-                <a:solidFill>
-                  <a:schemeClr val="bg1"/>
-                </a:solidFill>
-              </a:rPr>
-              <a:t>Z3</a:t>
-            </a:r>
-            <a:endParaRPr lang="ru-RU" dirty="0">
-              <a:solidFill>
-                <a:schemeClr val="bg1"/>
-              </a:solidFill>
-            </a:endParaRPr>
+              <a:t>Полный перебор</a:t>
+            </a:r>
           </a:p>
         </p:txBody>
       </p:sp>
@@ -5858,13 +5857,13 @@
         </p:nvSpPr>
         <p:spPr>
           <a:xfrm>
-            <a:off x="838200" y="1825624"/>
-            <a:ext cx="10515600" cy="4791743"/>
+            <a:off x="838200" y="1825625"/>
+            <a:ext cx="10515600" cy="4618718"/>
           </a:xfrm>
         </p:spPr>
         <p:txBody>
           <a:bodyPr>
-            <a:normAutofit fontScale="92500" lnSpcReduction="10000"/>
+            <a:normAutofit/>
           </a:bodyPr>
           <a:lstStyle/>
           <a:p>
@@ -5876,128 +5875,62 @@
                 <a:effectLst/>
                 <a:latin typeface="fkGroteskNeue"/>
               </a:rPr>
-              <a:t>Подход верификации с использованием Z3 основан на редукции к задаче выполнимости. Для проверки эквивалентности F₁ ≡ F₂ строится формула </a:t>
+              <a:t>Алгоритм полного перебора для проверки эквивалентности двух булевых формул F₁ и F₂ основан на следующей процедуре:</a:t>
+            </a:r>
+          </a:p>
+          <a:p>
+            <a:pPr marL="0" indent="0">
+              <a:buNone/>
+            </a:pPr>
+            <a:r>
+              <a:rPr lang="ru-RU" b="0" i="0" dirty="0">
+                <a:effectLst/>
+                <a:latin typeface="fkGroteskNeue"/>
+              </a:rPr>
+              <a:t>Пусть </a:t>
             </a:r>
             <a:r>
               <a:rPr lang="ru-RU" b="0" i="0" dirty="0" err="1">
                 <a:effectLst/>
                 <a:latin typeface="fkGroteskNeue"/>
               </a:rPr>
-              <a:t>miter</a:t>
-            </a:r>
-            <a:r>
-              <a:rPr lang="ru-RU" b="0" i="0" dirty="0">
-                <a:effectLst/>
-                <a:latin typeface="fkGroteskNeue"/>
-              </a:rPr>
-              <a:t>: M(x) = (F₁(x) ∧ ¬F₂(x)) ∨ (¬F₁(x) ∧ F₂(x)). </a:t>
-            </a:r>
-            <a:endParaRPr lang="en-US" b="0" i="0" dirty="0">
-              <a:effectLst/>
-              <a:latin typeface="fkGroteskNeue"/>
-            </a:endParaRPr>
-          </a:p>
-          <a:p>
-            <a:pPr marL="0" indent="0">
-              <a:buNone/>
-            </a:pPr>
-            <a:r>
-              <a:rPr lang="ru-RU" b="0" i="0" dirty="0">
-                <a:effectLst/>
-                <a:latin typeface="fkGroteskNeue"/>
-              </a:rPr>
-              <a:t>Формула M выражает XOR функций: M истинна тогда и только тогда, когда F₁ и F₂ выдают различные значения. Процедура: </a:t>
-            </a:r>
-            <a:endParaRPr lang="en-US" b="0" i="0" dirty="0">
-              <a:effectLst/>
-              <a:latin typeface="fkGroteskNeue"/>
-            </a:endParaRPr>
-          </a:p>
-          <a:p>
-            <a:pPr marL="0" indent="0">
-              <a:buNone/>
-            </a:pPr>
-            <a:r>
-              <a:rPr lang="ru-RU" b="0" i="0" dirty="0">
-                <a:effectLst/>
-                <a:latin typeface="fkGroteskNeue"/>
-              </a:rPr>
-              <a:t>(1) </a:t>
+              <a:t>Var</a:t>
+            </a:r>
+            <a:r>
+              <a:rPr lang="ru-RU" b="0" i="0" dirty="0">
+                <a:effectLst/>
+                <a:latin typeface="fkGroteskNeue"/>
+              </a:rPr>
+              <a:t> = {x₀, x₁, ..., xₙ₋₁} — объединение множеств переменных обеих формул. Для каждой интерпретации σ: </a:t>
             </a:r>
             <a:r>
               <a:rPr lang="ru-RU" b="0" i="0" dirty="0" err="1">
                 <a:effectLst/>
                 <a:latin typeface="fkGroteskNeue"/>
               </a:rPr>
-              <a:t>Парсинг</a:t>
-            </a:r>
-            <a:r>
-              <a:rPr lang="ru-RU" b="0" i="0" dirty="0">
-                <a:effectLst/>
-                <a:latin typeface="fkGroteskNeue"/>
-              </a:rPr>
-              <a:t> обеих формул в AST; </a:t>
-            </a:r>
-            <a:endParaRPr lang="en-US" b="0" i="0" dirty="0">
-              <a:effectLst/>
-              <a:latin typeface="fkGroteskNeue"/>
-            </a:endParaRPr>
-          </a:p>
-          <a:p>
-            <a:pPr marL="0" indent="0">
-              <a:buNone/>
-            </a:pPr>
-            <a:r>
-              <a:rPr lang="ru-RU" b="0" i="0" dirty="0">
-                <a:effectLst/>
-                <a:latin typeface="fkGroteskNeue"/>
-              </a:rPr>
-              <a:t>(2) Трансляция AST в Z3-выражения* с использованием рекурсивного обхода дерева и преобразования узлов в соответствующие Z3 примитивы (And, </a:t>
+              <a:t>Var</a:t>
+            </a:r>
+            <a:r>
+              <a:rPr lang="ru-RU" b="0" i="0" dirty="0">
+                <a:effectLst/>
+                <a:latin typeface="fkGroteskNeue"/>
+              </a:rPr>
+              <a:t> → {0, 1} (всего 2ⁿ интерпретаций) вычисляются значения F₁(σ) и F₂(σ). Если существует интерпретация σ, для которой F₁(σ) ≠ F₂(σ), формулы не эквивалентны — процедура возвращает </a:t>
             </a:r>
             <a:r>
               <a:rPr lang="ru-RU" b="0" i="0" dirty="0" err="1">
                 <a:effectLst/>
                 <a:latin typeface="fkGroteskNeue"/>
               </a:rPr>
-              <a:t>Or</a:t>
-            </a:r>
-            <a:r>
-              <a:rPr lang="ru-RU" b="0" i="0" dirty="0">
-                <a:effectLst/>
-                <a:latin typeface="fkGroteskNeue"/>
-              </a:rPr>
-              <a:t>, </a:t>
-            </a:r>
-            <a:r>
-              <a:rPr lang="ru-RU" b="0" i="0" dirty="0" err="1">
-                <a:effectLst/>
-                <a:latin typeface="fkGroteskNeue"/>
-              </a:rPr>
-              <a:t>Not</a:t>
-            </a:r>
-            <a:r>
-              <a:rPr lang="ru-RU" b="0" i="0" dirty="0">
-                <a:effectLst/>
-                <a:latin typeface="fkGroteskNeue"/>
-              </a:rPr>
-              <a:t>);</a:t>
-            </a:r>
-          </a:p>
-          <a:p>
-            <a:pPr marL="0" indent="0">
-              <a:buNone/>
-            </a:pPr>
-            <a:r>
-              <a:rPr lang="ru-RU" b="0" i="0" dirty="0">
-                <a:effectLst/>
-                <a:latin typeface="fkGroteskNeue"/>
-              </a:rPr>
-              <a:t>*Z3-выражение — это синтаксический объект (AST), описывающий терм или логическую формулу над теориями Z3, используемый для задания ограничений и рассуждений в SMT-решении.</a:t>
-            </a:r>
-            <a:endParaRPr lang="en-US" b="0" i="0" dirty="0">
-              <a:effectLst/>
-              <a:latin typeface="fkGroteskNeue"/>
-            </a:endParaRPr>
+              <a:t>False</a:t>
+            </a:r>
+            <a:r>
+              <a:rPr lang="ru-RU" b="0" i="0" dirty="0">
+                <a:effectLst/>
+                <a:latin typeface="fkGroteskNeue"/>
+              </a:rPr>
+              <a:t>. Если все интерпретации удовлетворяют F₁(σ) = F₂(σ), формулы эквивалентны — возвращает True. </a:t>
+            </a:r>
           </a:p>
         </p:txBody>
       </p:sp>
@@ -6006,7 +5939,7 @@
           <p:cNvPr id="5" name="Номер слайда 4">
             <a:extLst>
               <a:ext uri="{FF2B5EF4-FFF2-40B4-BE49-F238E27FC236}">
-                <a16:creationId xmlns:a16="http://schemas.microsoft.com/office/drawing/2014/main" id="{50728505-F386-45EA-90CC-D691EA1CA201}"/>
+                <a16:creationId xmlns:a16="http://schemas.microsoft.com/office/drawing/2014/main" id="{40FDAAFE-ACCE-459A-BD42-482B02F6CD9B}"/>
               </a:ext>
             </a:extLst>
           </p:cNvPr>
@@ -6033,7 +5966,7 @@
     </p:spTree>
     <p:extLst>
       <p:ext uri="{BB962C8B-B14F-4D97-AF65-F5344CB8AC3E}">
-        <p14:creationId xmlns:p14="http://schemas.microsoft.com/office/powerpoint/2010/main" val="527916295"/>
+        <p14:creationId xmlns:p14="http://schemas.microsoft.com/office/powerpoint/2010/main" val="166322421"/>
       </p:ext>
     </p:extLst>
   </p:cSld>
@@ -6257,21 +6190,8 @@
                   <a:schemeClr val="bg1"/>
                 </a:solidFill>
               </a:rPr>
-              <a:t>Использование </a:t>
-            </a:r>
-            <a:r>
-              <a:rPr lang="en-US" dirty="0">
-                <a:solidFill>
-                  <a:schemeClr val="bg1"/>
-                </a:solidFill>
-              </a:rPr>
-              <a:t>Z3</a:t>
-            </a:r>
-            <a:endParaRPr lang="ru-RU" dirty="0">
-              <a:solidFill>
-                <a:schemeClr val="bg1"/>
-              </a:solidFill>
-            </a:endParaRPr>
+              <a:t>Полный перебор</a:t>
+            </a:r>
           </a:p>
         </p:txBody>
       </p:sp>
@@ -6311,26 +6231,8 @@
                 <a:effectLst/>
                 <a:latin typeface="fkGroteskNeue"/>
               </a:rPr>
-              <a:t>(3) Конструирование </a:t>
-            </a:r>
-            <a:r>
-              <a:rPr lang="ru-RU" b="0" i="0" dirty="0" err="1">
-                <a:effectLst/>
-                <a:latin typeface="fkGroteskNeue"/>
-              </a:rPr>
-              <a:t>miter</a:t>
-            </a:r>
-            <a:r>
-              <a:rPr lang="ru-RU" b="0" i="0" dirty="0">
-                <a:effectLst/>
-                <a:latin typeface="fkGroteskNeue"/>
-              </a:rPr>
-              <a:t> как булево выражение в Z3;</a:t>
-            </a:r>
-            <a:endParaRPr lang="en-US" b="0" i="0" dirty="0">
-              <a:effectLst/>
-              <a:latin typeface="fkGroteskNeue"/>
-            </a:endParaRPr>
+              <a:t>Временная сложность алгоритма: T = O(2ⁿ · m), где m — время вычисления формулы. Пространственная сложность: O(n). Практическая верхняя граница применимости полного перебора составляет n ≤ 25 переменных на современных ПК, при этом время вычисления может достигать нескольких минут. </a:t>
+            </a:r>
           </a:p>
           <a:p>
             <a:pPr marL="0" indent="0">
@@ -6341,95 +6243,7 @@
                 <a:effectLst/>
                 <a:latin typeface="fkGroteskNeue"/>
               </a:rPr>
-              <a:t>(4) Добавление </a:t>
-            </a:r>
-            <a:r>
-              <a:rPr lang="ru-RU" b="0" i="0" dirty="0" err="1">
-                <a:effectLst/>
-                <a:latin typeface="fkGroteskNeue"/>
-              </a:rPr>
-              <a:t>miter</a:t>
-            </a:r>
-            <a:r>
-              <a:rPr lang="ru-RU" b="0" i="0" dirty="0">
-                <a:effectLst/>
-                <a:latin typeface="fkGroteskNeue"/>
-              </a:rPr>
-              <a:t> в Z3 </a:t>
-            </a:r>
-            <a:r>
-              <a:rPr lang="ru-RU" b="0" i="0" dirty="0" err="1">
-                <a:effectLst/>
-                <a:latin typeface="fkGroteskNeue"/>
-              </a:rPr>
-              <a:t>Solver</a:t>
-            </a:r>
-            <a:r>
-              <a:rPr lang="ru-RU" b="0" i="0" dirty="0">
-                <a:effectLst/>
-                <a:latin typeface="fkGroteskNeue"/>
-              </a:rPr>
-              <a:t>: </a:t>
-            </a:r>
-            <a:r>
-              <a:rPr lang="ru-RU" b="0" i="0" dirty="0" err="1">
-                <a:effectLst/>
-                <a:latin typeface="fkGroteskNeue"/>
-              </a:rPr>
-              <a:t>solver.add</a:t>
-            </a:r>
-            <a:r>
-              <a:rPr lang="ru-RU" b="0" i="0" dirty="0">
-                <a:effectLst/>
-                <a:latin typeface="fkGroteskNeue"/>
-              </a:rPr>
-              <a:t>(M);</a:t>
-            </a:r>
-            <a:endParaRPr lang="en-US" b="0" i="0" dirty="0">
-              <a:effectLst/>
-              <a:latin typeface="fkGroteskNeue"/>
-            </a:endParaRPr>
-          </a:p>
-          <a:p>
-            <a:pPr marL="0" indent="0">
-              <a:buNone/>
-            </a:pPr>
-            <a:r>
-              <a:rPr lang="ru-RU" b="0" i="0" dirty="0">
-                <a:effectLst/>
-                <a:latin typeface="fkGroteskNeue"/>
-              </a:rPr>
-              <a:t>(5) Вызов </a:t>
-            </a:r>
-            <a:r>
-              <a:rPr lang="ru-RU" b="0" i="0" dirty="0" err="1">
-                <a:effectLst/>
-                <a:latin typeface="fkGroteskNeue"/>
-              </a:rPr>
-              <a:t>solver.check</a:t>
-            </a:r>
-            <a:r>
-              <a:rPr lang="ru-RU" b="0" i="0" dirty="0">
-                <a:effectLst/>
-                <a:latin typeface="fkGroteskNeue"/>
-              </a:rPr>
-              <a:t>(): если результат SAT, найдено свидетельство различия — формулы не эквивалентны; если UNSAT — формулы эквивалентны. Z3 при наличии свидетельства (SAT) может извлечь значение-модель, которое служит контрпримером.</a:t>
-            </a:r>
-            <a:endParaRPr lang="en-US" b="0" i="0" dirty="0">
-              <a:effectLst/>
-              <a:latin typeface="fkGroteskNeue"/>
-            </a:endParaRPr>
-          </a:p>
-          <a:p>
-            <a:pPr marL="0" indent="0">
-              <a:buNone/>
-            </a:pPr>
-            <a:r>
-              <a:rPr lang="ru-RU" b="0" i="0" dirty="0">
-                <a:effectLst/>
-                <a:latin typeface="fkGroteskNeue"/>
-              </a:rPr>
-              <a:t>Временная сложность в среднем случае практически не зависит от n.</a:t>
+              <a:t>Преимущество метода — простота реализации и гарантированная корректность. Недостаток — невозможность масштабирования на более крупные задачи.</a:t>
             </a:r>
             <a:endParaRPr lang="ru-RU" dirty="0"/>
           </a:p>
@@ -6440,7 +6254,7 @@
           <p:cNvPr id="5" name="Номер слайда 4">
             <a:extLst>
               <a:ext uri="{FF2B5EF4-FFF2-40B4-BE49-F238E27FC236}">
-                <a16:creationId xmlns:a16="http://schemas.microsoft.com/office/drawing/2014/main" id="{6F24A9A7-DD02-4C15-B447-CC7B6D02079B}"/>
+                <a16:creationId xmlns:a16="http://schemas.microsoft.com/office/drawing/2014/main" id="{4DFD50E0-FD6E-4394-B4DD-801178EEC8F2}"/>
               </a:ext>
             </a:extLst>
           </p:cNvPr>
@@ -6467,7 +6281,7 @@
     </p:spTree>
     <p:extLst>
       <p:ext uri="{BB962C8B-B14F-4D97-AF65-F5344CB8AC3E}">
-        <p14:creationId xmlns:p14="http://schemas.microsoft.com/office/powerpoint/2010/main" val="3612776343"/>
+        <p14:creationId xmlns:p14="http://schemas.microsoft.com/office/powerpoint/2010/main" val="1863443848"/>
       </p:ext>
     </p:extLst>
   </p:cSld>
@@ -6528,7 +6342,7 @@
                   <a:schemeClr val="bg1"/>
                 </a:solidFill>
               </a:rPr>
-              <a:t>Учебный </a:t>
+              <a:t>Использование </a:t>
             </a:r>
             <a:r>
               <a:rPr lang="en-US" dirty="0">
@@ -6536,7 +6350,7 @@
                   <a:schemeClr val="bg1"/>
                 </a:solidFill>
               </a:rPr>
-              <a:t>DPLL</a:t>
+              <a:t>Z3</a:t>
             </a:r>
             <a:endParaRPr lang="ru-RU" dirty="0">
               <a:solidFill>
@@ -6570,7 +6384,7 @@
         </p:spPr>
         <p:txBody>
           <a:bodyPr>
-            <a:normAutofit/>
+            <a:normAutofit fontScale="92500" lnSpcReduction="10000"/>
           </a:bodyPr>
           <a:lstStyle/>
           <a:p>
@@ -6582,112 +6396,128 @@
                 <a:effectLst/>
                 <a:latin typeface="fkGroteskNeue"/>
               </a:rPr>
-              <a:t>Входом алгоритма является формула в конъюнктивной нормальной форме, полученная из AST </a:t>
+              <a:t>Подход верификации с использованием Z3 основан на редукции к задаче выполнимости. Для проверки эквивалентности F₁ ≡ F₂ строится формула </a:t>
             </a:r>
             <a:r>
               <a:rPr lang="ru-RU" b="0" i="0" dirty="0" err="1">
                 <a:effectLst/>
                 <a:latin typeface="fkGroteskNeue"/>
               </a:rPr>
-              <a:t>митора</a:t>
-            </a:r>
-            <a:r>
-              <a:rPr lang="ru-RU" b="0" i="0" dirty="0">
-                <a:effectLst/>
-                <a:latin typeface="fkGroteskNeue"/>
-              </a:rPr>
-              <a:t> с использованием преобразования </a:t>
+              <a:t>miter</a:t>
+            </a:r>
+            <a:r>
+              <a:rPr lang="ru-RU" b="0" i="0" dirty="0">
+                <a:effectLst/>
+                <a:latin typeface="fkGroteskNeue"/>
+              </a:rPr>
+              <a:t>: M(x) = (F₁(x) ∧ ¬F₂(x)) ∨ (¬F₁(x) ∧ F₂(x)). </a:t>
+            </a:r>
+            <a:endParaRPr lang="en-US" b="0" i="0" dirty="0">
+              <a:effectLst/>
+              <a:latin typeface="fkGroteskNeue"/>
+            </a:endParaRPr>
+          </a:p>
+          <a:p>
+            <a:pPr marL="0" indent="0">
+              <a:buNone/>
+            </a:pPr>
+            <a:r>
+              <a:rPr lang="ru-RU" b="0" i="0" dirty="0">
+                <a:effectLst/>
+                <a:latin typeface="fkGroteskNeue"/>
+              </a:rPr>
+              <a:t>Формула M выражает XOR функций: M истинна тогда и только тогда, когда F₁ и F₂ выдают различные значения. Процедура: </a:t>
+            </a:r>
+            <a:endParaRPr lang="en-US" b="0" i="0" dirty="0">
+              <a:effectLst/>
+              <a:latin typeface="fkGroteskNeue"/>
+            </a:endParaRPr>
+          </a:p>
+          <a:p>
+            <a:pPr marL="0" indent="0">
+              <a:buNone/>
+            </a:pPr>
+            <a:r>
+              <a:rPr lang="ru-RU" b="0" i="0" dirty="0">
+                <a:effectLst/>
+                <a:latin typeface="fkGroteskNeue"/>
+              </a:rPr>
+              <a:t>(1) </a:t>
             </a:r>
             <a:r>
               <a:rPr lang="ru-RU" b="0" i="0" dirty="0" err="1">
                 <a:effectLst/>
                 <a:latin typeface="fkGroteskNeue"/>
               </a:rPr>
-              <a:t>Цейтина</a:t>
-            </a:r>
-            <a:r>
-              <a:rPr lang="ru-RU" b="0" i="0" dirty="0">
-                <a:effectLst/>
-                <a:latin typeface="fkGroteskNeue"/>
-              </a:rPr>
-              <a:t>. Основные этапы работы учебного DPLL:</a:t>
-            </a:r>
-          </a:p>
-          <a:p>
-            <a:r>
-              <a:rPr lang="ru-RU" b="0" i="0" dirty="0">
-                <a:effectLst/>
-                <a:latin typeface="fkGroteskNeue"/>
-              </a:rPr>
-              <a:t>разбор формул F1​ и F2​ в AST и построение </a:t>
+              <a:t>Парсинг</a:t>
+            </a:r>
+            <a:r>
+              <a:rPr lang="ru-RU" b="0" i="0" dirty="0">
+                <a:effectLst/>
+                <a:latin typeface="fkGroteskNeue"/>
+              </a:rPr>
+              <a:t> обеих формул в AST; </a:t>
+            </a:r>
+            <a:endParaRPr lang="en-US" b="0" i="0" dirty="0">
+              <a:effectLst/>
+              <a:latin typeface="fkGroteskNeue"/>
+            </a:endParaRPr>
+          </a:p>
+          <a:p>
+            <a:pPr marL="0" indent="0">
+              <a:buNone/>
+            </a:pPr>
+            <a:r>
+              <a:rPr lang="ru-RU" b="0" i="0" dirty="0">
+                <a:effectLst/>
+                <a:latin typeface="fkGroteskNeue"/>
+              </a:rPr>
+              <a:t>(2) Трансляция AST в Z3-выражения* с использованием рекурсивного обхода дерева и преобразования узлов в соответствующие Z3 примитивы (And, </a:t>
             </a:r>
             <a:r>
               <a:rPr lang="ru-RU" b="0" i="0" dirty="0" err="1">
                 <a:effectLst/>
                 <a:latin typeface="fkGroteskNeue"/>
               </a:rPr>
-              <a:t>митора</a:t>
-            </a:r>
-            <a:r>
-              <a:rPr lang="ru-RU" b="0" i="0" dirty="0">
-                <a:effectLst/>
-                <a:latin typeface="fkGroteskNeue"/>
-              </a:rPr>
-              <a:t> M=(F1∧¬F2)∨(¬F1∧F2);</a:t>
-            </a:r>
-          </a:p>
-          <a:p>
-            <a:r>
-              <a:rPr lang="ru-RU" b="0" i="0" dirty="0">
-                <a:effectLst/>
-                <a:latin typeface="fkGroteskNeue"/>
-              </a:rPr>
-              <a:t>преобразование </a:t>
+              <a:t>Or</a:t>
+            </a:r>
+            <a:r>
+              <a:rPr lang="ru-RU" b="0" i="0" dirty="0">
+                <a:effectLst/>
+                <a:latin typeface="fkGroteskNeue"/>
+              </a:rPr>
+              <a:t>, </a:t>
             </a:r>
             <a:r>
               <a:rPr lang="ru-RU" b="0" i="0" dirty="0" err="1">
                 <a:effectLst/>
                 <a:latin typeface="fkGroteskNeue"/>
               </a:rPr>
-              <a:t>митора</a:t>
-            </a:r>
-            <a:r>
-              <a:rPr lang="ru-RU" b="0" i="0" dirty="0">
-                <a:effectLst/>
-                <a:latin typeface="fkGroteskNeue"/>
-              </a:rPr>
-              <a:t> в КНФ с введением вспомогательных переменных;</a:t>
-            </a:r>
-          </a:p>
-          <a:p>
-            <a:r>
-              <a:rPr lang="ru-RU" b="0" i="0" dirty="0" err="1">
-                <a:effectLst/>
-                <a:latin typeface="fkGroteskNeue"/>
-              </a:rPr>
-              <a:t>unit</a:t>
-            </a:r>
-            <a:r>
-              <a:rPr lang="ru-RU" b="0" i="0" dirty="0">
-                <a:effectLst/>
-                <a:latin typeface="fkGroteskNeue"/>
-              </a:rPr>
-              <a:t> </a:t>
-            </a:r>
-            <a:r>
-              <a:rPr lang="ru-RU" b="0" i="0" dirty="0" err="1">
-                <a:effectLst/>
-                <a:latin typeface="fkGroteskNeue"/>
-              </a:rPr>
-              <a:t>propagation</a:t>
-            </a:r>
-            <a:r>
-              <a:rPr lang="ru-RU" b="0" i="0" dirty="0">
-                <a:effectLst/>
-                <a:latin typeface="fkGroteskNeue"/>
-              </a:rPr>
-              <a:t> — принудительное присваивание значений переменным из единичных клауз;</a:t>
-            </a:r>
+              <a:t>Not</a:t>
+            </a:r>
+            <a:r>
+              <a:rPr lang="ru-RU" b="0" i="0" dirty="0">
+                <a:effectLst/>
+                <a:latin typeface="fkGroteskNeue"/>
+              </a:rPr>
+              <a:t>);</a:t>
+            </a:r>
+          </a:p>
+          <a:p>
+            <a:pPr marL="0" indent="0">
+              <a:buNone/>
+            </a:pPr>
+            <a:r>
+              <a:rPr lang="ru-RU" b="0" i="0" dirty="0">
+                <a:effectLst/>
+                <a:latin typeface="fkGroteskNeue"/>
+              </a:rPr>
+              <a:t>*Z3-выражение — это синтаксический объект (AST), описывающий терм или логическую формулу над теориями Z3, используемый для задания ограничений и рассуждений в SMT-решении.</a:t>
+            </a:r>
+            <a:endParaRPr lang="en-US" b="0" i="0" dirty="0">
+              <a:effectLst/>
+              <a:latin typeface="fkGroteskNeue"/>
+            </a:endParaRPr>
           </a:p>
         </p:txBody>
       </p:sp>
@@ -6723,7 +6553,7 @@
     </p:spTree>
     <p:extLst>
       <p:ext uri="{BB962C8B-B14F-4D97-AF65-F5344CB8AC3E}">
-        <p14:creationId xmlns:p14="http://schemas.microsoft.com/office/powerpoint/2010/main" val="3056791746"/>
+        <p14:creationId xmlns:p14="http://schemas.microsoft.com/office/powerpoint/2010/main" val="527916295"/>
       </p:ext>
     </p:extLst>
   </p:cSld>
@@ -6784,7 +6614,7 @@
                   <a:schemeClr val="bg1"/>
                 </a:solidFill>
               </a:rPr>
-              <a:t>Учебный </a:t>
+              <a:t>Использование </a:t>
             </a:r>
             <a:r>
               <a:rPr lang="en-US" dirty="0">
@@ -6792,7 +6622,7 @@
                   <a:schemeClr val="bg1"/>
                 </a:solidFill>
               </a:rPr>
-              <a:t>DPLL</a:t>
+              <a:t>Z3</a:t>
             </a:r>
             <a:endParaRPr lang="ru-RU" dirty="0">
               <a:solidFill>
@@ -6820,8 +6650,8 @@
         </p:nvSpPr>
         <p:spPr>
           <a:xfrm>
-            <a:off x="838200" y="1825624"/>
-            <a:ext cx="10515600" cy="4791743"/>
+            <a:off x="838200" y="1825625"/>
+            <a:ext cx="10515600" cy="4618718"/>
           </a:xfrm>
         </p:spPr>
         <p:txBody>
@@ -6830,77 +6660,136 @@
           </a:bodyPr>
           <a:lstStyle/>
           <a:p>
-            <a:r>
-              <a:rPr lang="ru-RU" b="0" i="0">
-                <a:effectLst/>
-                <a:latin typeface="fkGroteskNeue"/>
-              </a:rPr>
-              <a:t>выбор </a:t>
-            </a:r>
-            <a:r>
-              <a:rPr lang="ru-RU" b="0" i="0" dirty="0">
-                <a:effectLst/>
-                <a:latin typeface="fkGroteskNeue"/>
-              </a:rPr>
-              <a:t>неинициализированной переменной и ветвление по значениям;</a:t>
-            </a:r>
-          </a:p>
-          <a:p>
+            <a:pPr marL="0" indent="0">
+              <a:buNone/>
+            </a:pPr>
+            <a:r>
+              <a:rPr lang="ru-RU" b="0" i="0" dirty="0">
+                <a:effectLst/>
+                <a:latin typeface="fkGroteskNeue"/>
+              </a:rPr>
+              <a:t>(3) Конструирование </a:t>
+            </a:r>
             <a:r>
               <a:rPr lang="ru-RU" b="0" i="0" dirty="0" err="1">
                 <a:effectLst/>
                 <a:latin typeface="fkGroteskNeue"/>
               </a:rPr>
-              <a:t>backtracking</a:t>
-            </a:r>
-            <a:r>
-              <a:rPr lang="ru-RU" b="0" i="0" dirty="0">
-                <a:effectLst/>
-                <a:latin typeface="fkGroteskNeue"/>
-              </a:rPr>
-              <a:t> при обнаружении конфликта (пустой клаузы).</a:t>
-            </a:r>
-          </a:p>
-          <a:p>
-            <a:pPr marL="0" indent="0">
-              <a:buNone/>
-            </a:pPr>
-            <a:r>
-              <a:rPr lang="ru-RU" b="0" i="0" dirty="0">
-                <a:effectLst/>
-                <a:latin typeface="fkGroteskNeue"/>
-              </a:rPr>
-              <a:t>Интерпретация результата:</a:t>
-            </a:r>
-          </a:p>
-          <a:p>
-            <a:pPr marL="0" indent="0">
-              <a:buNone/>
-            </a:pPr>
-            <a:r>
-              <a:rPr lang="ru-RU" b="0" i="0" dirty="0">
-                <a:effectLst/>
-                <a:latin typeface="fkGroteskNeue"/>
-              </a:rPr>
-              <a:t>SAT — найдено удовлетворяющее присваивание, схемы неэквивалентны;</a:t>
-            </a:r>
-          </a:p>
-          <a:p>
-            <a:pPr marL="0" indent="0">
-              <a:buNone/>
-            </a:pPr>
-            <a:r>
-              <a:rPr lang="ru-RU" b="0" i="0" dirty="0">
-                <a:effectLst/>
-                <a:latin typeface="fkGroteskNeue"/>
-              </a:rPr>
-              <a:t>UNSAT — модель отсутствует, схемы эквивалентны.</a:t>
+              <a:t>miter</a:t>
+            </a:r>
+            <a:r>
+              <a:rPr lang="ru-RU" b="0" i="0" dirty="0">
+                <a:effectLst/>
+                <a:latin typeface="fkGroteskNeue"/>
+              </a:rPr>
+              <a:t> как булево выражение в Z3;</a:t>
             </a:r>
             <a:endParaRPr lang="en-US" b="0" i="0" dirty="0">
               <a:effectLst/>
               <a:latin typeface="fkGroteskNeue"/>
             </a:endParaRPr>
           </a:p>
+          <a:p>
+            <a:pPr marL="0" indent="0">
+              <a:buNone/>
+            </a:pPr>
+            <a:r>
+              <a:rPr lang="ru-RU" b="0" i="0" dirty="0">
+                <a:effectLst/>
+                <a:latin typeface="fkGroteskNeue"/>
+              </a:rPr>
+              <a:t>(4) Добавление </a:t>
+            </a:r>
+            <a:r>
+              <a:rPr lang="ru-RU" b="0" i="0" dirty="0" err="1">
+                <a:effectLst/>
+                <a:latin typeface="fkGroteskNeue"/>
+              </a:rPr>
+              <a:t>miter</a:t>
+            </a:r>
+            <a:r>
+              <a:rPr lang="ru-RU" b="0" i="0" dirty="0">
+                <a:effectLst/>
+                <a:latin typeface="fkGroteskNeue"/>
+              </a:rPr>
+              <a:t> в Z3 </a:t>
+            </a:r>
+            <a:r>
+              <a:rPr lang="ru-RU" b="0" i="0" dirty="0" err="1">
+                <a:effectLst/>
+                <a:latin typeface="fkGroteskNeue"/>
+              </a:rPr>
+              <a:t>Solver</a:t>
+            </a:r>
+            <a:r>
+              <a:rPr lang="ru-RU" b="0" i="0" dirty="0">
+                <a:effectLst/>
+                <a:latin typeface="fkGroteskNeue"/>
+              </a:rPr>
+              <a:t>: </a:t>
+            </a:r>
+            <a:r>
+              <a:rPr lang="ru-RU" b="0" i="0" dirty="0" err="1">
+                <a:effectLst/>
+                <a:latin typeface="fkGroteskNeue"/>
+              </a:rPr>
+              <a:t>solver.add</a:t>
+            </a:r>
+            <a:r>
+              <a:rPr lang="ru-RU" b="0" i="0" dirty="0">
+                <a:effectLst/>
+                <a:latin typeface="fkGroteskNeue"/>
+              </a:rPr>
+              <a:t>(M);</a:t>
+            </a:r>
+            <a:endParaRPr lang="en-US" b="0" i="0" dirty="0">
+              <a:effectLst/>
+              <a:latin typeface="fkGroteskNeue"/>
+            </a:endParaRPr>
+          </a:p>
+          <a:p>
+            <a:pPr marL="0" indent="0">
+              <a:buNone/>
+            </a:pPr>
+            <a:r>
+              <a:rPr lang="ru-RU" b="0" i="0" dirty="0">
+                <a:effectLst/>
+                <a:latin typeface="fkGroteskNeue"/>
+              </a:rPr>
+              <a:t>(5) Вызов </a:t>
+            </a:r>
+            <a:r>
+              <a:rPr lang="ru-RU" b="0" i="0" dirty="0" err="1">
+                <a:effectLst/>
+                <a:latin typeface="fkGroteskNeue"/>
+              </a:rPr>
+              <a:t>solver.check</a:t>
+            </a:r>
+            <a:r>
+              <a:rPr lang="ru-RU" b="0" i="0" dirty="0">
+                <a:effectLst/>
+                <a:latin typeface="fkGroteskNeue"/>
+              </a:rPr>
+              <a:t>(): если результат SAT, найдено свидетельство различия — формулы не эквивалентны; если UNSAT — формулы эквивалентны. Z3 при наличии свидетельства (SAT) может извлечь значение-модель, которое служит контрпримером.</a:t>
+            </a:r>
+            <a:endParaRPr lang="en-US" b="0" i="0" dirty="0">
+              <a:effectLst/>
+              <a:latin typeface="fkGroteskNeue"/>
+            </a:endParaRPr>
+          </a:p>
+          <a:p>
+            <a:pPr marL="0" indent="0">
+              <a:buNone/>
+            </a:pPr>
+            <a:r>
+              <a:rPr lang="ru-RU" b="0" i="0" dirty="0">
+                <a:effectLst/>
+                <a:latin typeface="fkGroteskNeue"/>
+              </a:rPr>
+              <a:t>Временная сложность в среднем случае практически не зависит от n.</a:t>
+            </a:r>
+            <a:endParaRPr lang="ru-RU" dirty="0"/>
+          </a:p>
         </p:txBody>
       </p:sp>
       <p:sp>
@@ -6908,7 +6797,7 @@
           <p:cNvPr id="5" name="Номер слайда 4">
             <a:extLst>
               <a:ext uri="{FF2B5EF4-FFF2-40B4-BE49-F238E27FC236}">
-                <a16:creationId xmlns:a16="http://schemas.microsoft.com/office/drawing/2014/main" id="{50728505-F386-45EA-90CC-D691EA1CA201}"/>
+                <a16:creationId xmlns:a16="http://schemas.microsoft.com/office/drawing/2014/main" id="{6F24A9A7-DD02-4C15-B447-CC7B6D02079B}"/>
               </a:ext>
             </a:extLst>
           </p:cNvPr>
@@ -6935,7 +6824,7 @@
     </p:spTree>
     <p:extLst>
       <p:ext uri="{BB962C8B-B14F-4D97-AF65-F5344CB8AC3E}">
-        <p14:creationId xmlns:p14="http://schemas.microsoft.com/office/powerpoint/2010/main" val="3593075628"/>
+        <p14:creationId xmlns:p14="http://schemas.microsoft.com/office/powerpoint/2010/main" val="3612776343"/>
       </p:ext>
     </p:extLst>
   </p:cSld>
@@ -7004,7 +6893,7 @@
                   <a:schemeClr val="bg1"/>
                 </a:solidFill>
               </a:rPr>
-              <a:t>CDCL</a:t>
+              <a:t>DPLL</a:t>
             </a:r>
             <a:endParaRPr lang="ru-RU" dirty="0">
               <a:solidFill>
@@ -7050,7 +6939,7 @@
                 <a:effectLst/>
                 <a:latin typeface="fkGroteskNeue"/>
               </a:rPr>
-              <a:t>Построение </a:t>
+              <a:t>Входом алгоритма является формула в конъюнктивной нормальной форме, полученная из AST </a:t>
             </a:r>
             <a:r>
               <a:rPr lang="ru-RU" b="0" i="0" dirty="0" err="1">
@@ -7064,15 +6953,75 @@
                 <a:effectLst/>
                 <a:latin typeface="fkGroteskNeue"/>
               </a:rPr>
-              <a:t> и перевод в КНФ выполняются аналогично варианту с DPLL. Ключевые механизмы учебного CDCL:</a:t>
-            </a:r>
-          </a:p>
-          <a:p>
+              <a:t> с использованием преобразования </a:t>
+            </a:r>
             <a:r>
               <a:rPr lang="ru-RU" b="0" i="0" dirty="0" err="1">
                 <a:effectLst/>
                 <a:latin typeface="fkGroteskNeue"/>
               </a:rPr>
+              <a:t>Цейтина</a:t>
+            </a:r>
+            <a:r>
+              <a:rPr lang="ru-RU" b="0" i="0" dirty="0">
+                <a:effectLst/>
+                <a:latin typeface="fkGroteskNeue"/>
+              </a:rPr>
+              <a:t>. Основные этапы работы учебного DPLL:</a:t>
+            </a:r>
+          </a:p>
+          <a:p>
+            <a:r>
+              <a:rPr lang="ru-RU" b="0" i="0" dirty="0">
+                <a:effectLst/>
+                <a:latin typeface="fkGroteskNeue"/>
+              </a:rPr>
+              <a:t>разбор формул F1​ и F2​ в AST и построение </a:t>
+            </a:r>
+            <a:r>
+              <a:rPr lang="ru-RU" b="0" i="0" dirty="0" err="1">
+                <a:effectLst/>
+                <a:latin typeface="fkGroteskNeue"/>
+              </a:rPr>
+              <a:t>митора</a:t>
+            </a:r>
+            <a:r>
+              <a:rPr lang="ru-RU" b="0" i="0" dirty="0">
+                <a:effectLst/>
+                <a:latin typeface="fkGroteskNeue"/>
+              </a:rPr>
+              <a:t> M=(F1∧¬F2)∨(¬F1∧F2);</a:t>
+            </a:r>
+          </a:p>
+          <a:p>
+            <a:r>
+              <a:rPr lang="ru-RU" b="0" i="0" dirty="0">
+                <a:effectLst/>
+                <a:latin typeface="fkGroteskNeue"/>
+              </a:rPr>
+              <a:t>преобразование </a:t>
+            </a:r>
+            <a:r>
+              <a:rPr lang="ru-RU" b="0" i="0" dirty="0" err="1">
+                <a:effectLst/>
+                <a:latin typeface="fkGroteskNeue"/>
+              </a:rPr>
+              <a:t>митора</a:t>
+            </a:r>
+            <a:r>
+              <a:rPr lang="ru-RU" b="0" i="0" dirty="0">
+                <a:effectLst/>
+                <a:latin typeface="fkGroteskNeue"/>
+              </a:rPr>
+              <a:t> в КНФ с введением вспомогательных переменных;</a:t>
+            </a:r>
+          </a:p>
+          <a:p>
+            <a:r>
+              <a:rPr lang="ru-RU" b="0" i="0" dirty="0" err="1">
+                <a:effectLst/>
+                <a:latin typeface="fkGroteskNeue"/>
+              </a:rPr>
               <a:t>unit</a:t>
             </a:r>
             <a:r>
@@ -7094,62 +7043,7 @@
                 <a:effectLst/>
                 <a:latin typeface="fkGroteskNeue"/>
               </a:rPr>
-              <a:t> с сохранением клауз-причин для каждого принудительного присваивания;</a:t>
-            </a:r>
-          </a:p>
-          <a:p>
-            <a:r>
-              <a:rPr lang="ru-RU" b="0" i="0" dirty="0">
-                <a:effectLst/>
-                <a:latin typeface="fkGroteskNeue"/>
-              </a:rPr>
-              <a:t>обнаружение конфликта при полной ложности некоторой клаузы;</a:t>
-            </a:r>
-          </a:p>
-          <a:p>
-            <a:r>
-              <a:rPr lang="ru-RU" b="0" i="0" dirty="0">
-                <a:effectLst/>
-                <a:latin typeface="fkGroteskNeue"/>
-              </a:rPr>
-              <a:t>анализ конфликта и построение выученной клаузы (</a:t>
-            </a:r>
-            <a:r>
-              <a:rPr lang="ru-RU" b="0" i="0" dirty="0" err="1">
-                <a:effectLst/>
-                <a:latin typeface="fkGroteskNeue"/>
-              </a:rPr>
-              <a:t>clause</a:t>
-            </a:r>
-            <a:r>
-              <a:rPr lang="ru-RU" b="0" i="0" dirty="0">
-                <a:effectLst/>
-                <a:latin typeface="fkGroteskNeue"/>
-              </a:rPr>
-              <a:t> </a:t>
-            </a:r>
-            <a:r>
-              <a:rPr lang="ru-RU" b="0" i="0" dirty="0" err="1">
-                <a:effectLst/>
-                <a:latin typeface="fkGroteskNeue"/>
-              </a:rPr>
-              <a:t>learning</a:t>
-            </a:r>
-            <a:r>
-              <a:rPr lang="ru-RU" b="0" i="0" dirty="0">
-                <a:effectLst/>
-                <a:latin typeface="fkGroteskNeue"/>
-              </a:rPr>
-              <a:t>);</a:t>
-            </a:r>
-          </a:p>
-          <a:p>
-            <a:r>
-              <a:rPr lang="ru-RU" b="0" i="0" dirty="0">
-                <a:effectLst/>
-                <a:latin typeface="fkGroteskNeue"/>
-              </a:rPr>
-              <a:t>добавление выученной клаузы в формулу;</a:t>
+              <a:t> — принудительное присваивание значений переменным из единичных клауз;</a:t>
             </a:r>
           </a:p>
         </p:txBody>
@@ -7186,7 +7080,7 @@
     </p:spTree>
     <p:extLst>
       <p:ext uri="{BB962C8B-B14F-4D97-AF65-F5344CB8AC3E}">
-        <p14:creationId xmlns:p14="http://schemas.microsoft.com/office/powerpoint/2010/main" val="1207016009"/>
+        <p14:creationId xmlns:p14="http://schemas.microsoft.com/office/powerpoint/2010/main" val="3056791746"/>
       </p:ext>
     </p:extLst>
   </p:cSld>
@@ -7255,7 +7149,7 @@
                   <a:schemeClr val="bg1"/>
                 </a:solidFill>
               </a:rPr>
-              <a:t>CDCL</a:t>
+              <a:t>DPLL</a:t>
             </a:r>
             <a:endParaRPr lang="ru-RU" dirty="0">
               <a:solidFill>
@@ -7298,28 +7192,30 @@
                 <a:effectLst/>
                 <a:latin typeface="fkGroteskNeue"/>
               </a:rPr>
-              <a:t>нехронологический </a:t>
-            </a:r>
-            <a:r>
-              <a:rPr lang="ru-RU" b="0" i="0" dirty="0">
-                <a:effectLst/>
-                <a:latin typeface="fkGroteskNeue"/>
-              </a:rPr>
-              <a:t>возврат (</a:t>
-            </a:r>
+              <a:t>выбор </a:t>
+            </a:r>
+            <a:r>
+              <a:rPr lang="ru-RU" b="0" i="0" dirty="0">
+                <a:effectLst/>
+                <a:latin typeface="fkGroteskNeue"/>
+              </a:rPr>
+              <a:t>неинициализированной переменной и ветвление по значениям;</a:t>
+            </a:r>
+          </a:p>
+          <a:p>
             <a:r>
               <a:rPr lang="ru-RU" b="0" i="0" dirty="0" err="1">
                 <a:effectLst/>
                 <a:latin typeface="fkGroteskNeue"/>
               </a:rPr>
-              <a:t>backjump</a:t>
-            </a:r>
-            <a:r>
-              <a:rPr lang="ru-RU" b="0" i="0" dirty="0">
-                <a:effectLst/>
-                <a:latin typeface="fkGroteskNeue"/>
-              </a:rPr>
-              <a:t>) на уровень, определяемый структурой конфликта.</a:t>
+              <a:t>backtracking</a:t>
+            </a:r>
+            <a:r>
+              <a:rPr lang="ru-RU" b="0" i="0" dirty="0">
+                <a:effectLst/>
+                <a:latin typeface="fkGroteskNeue"/>
+              </a:rPr>
+              <a:t> при обнаружении конфликта (пустой клаузы).</a:t>
             </a:r>
           </a:p>
           <a:p>
@@ -7331,7 +7227,7 @@
                 <a:effectLst/>
                 <a:latin typeface="fkGroteskNeue"/>
               </a:rPr>
-              <a:t>Использование обучения позволяет исключать повторение одинаковых конфликтных ситуаций и уменьшать пространство поиска.</a:t>
+              <a:t>Интерпретация результата:</a:t>
             </a:r>
           </a:p>
           <a:p>
@@ -7343,7 +7239,7 @@
                 <a:effectLst/>
                 <a:latin typeface="fkGroteskNeue"/>
               </a:rPr>
-              <a:t>Интерпретация результата:</a:t>
+              <a:t>SAT — найдено удовлетворяющее присваивание, схемы неэквивалентны;</a:t>
             </a:r>
           </a:p>
           <a:p>
@@ -7355,19 +7251,7 @@
                 <a:effectLst/>
                 <a:latin typeface="fkGroteskNeue"/>
               </a:rPr>
-              <a:t>SAT — найден контрпример, схемы неэквивалентны;</a:t>
-            </a:r>
-          </a:p>
-          <a:p>
-            <a:pPr marL="0" indent="0">
-              <a:buNone/>
-            </a:pPr>
-            <a:r>
-              <a:rPr lang="ru-RU" b="0" i="0" dirty="0">
-                <a:effectLst/>
-                <a:latin typeface="fkGroteskNeue"/>
-              </a:rPr>
-              <a:t>UNSAT — контрпримеров не существует, схемы эквивалентны.</a:t>
+              <a:t>UNSAT — модель отсутствует, схемы эквивалентны.</a:t>
             </a:r>
             <a:endParaRPr lang="en-US" b="0" i="0" dirty="0">
               <a:effectLst/>
@@ -7400,6 +7284,479 @@
             <a:fld id="{EF7A8E35-B303-42FD-88A6-20A8D5E4F372}" type="slidenum">
               <a:rPr lang="ru-RU" smtClean="0"/>
               <a:t>24</a:t>
+            </a:fld>
+            <a:endParaRPr lang="ru-RU"/>
+          </a:p>
+        </p:txBody>
+      </p:sp>
+    </p:spTree>
+    <p:extLst>
+      <p:ext uri="{BB962C8B-B14F-4D97-AF65-F5344CB8AC3E}">
+        <p14:creationId xmlns:p14="http://schemas.microsoft.com/office/powerpoint/2010/main" val="3593075628"/>
+      </p:ext>
+    </p:extLst>
+  </p:cSld>
+  <p:clrMapOvr>
+    <a:masterClrMapping/>
+  </p:clrMapOvr>
+</p:sld>
+</file>
+
+<file path=ppt/slides/slide25.xml><?xml version="1.0" encoding="utf-8"?>
+<p:sld xmlns:a="http://schemas.openxmlformats.org/drawingml/2006/main" xmlns:r="http://schemas.openxmlformats.org/officeDocument/2006/relationships" xmlns:p="http://schemas.openxmlformats.org/presentationml/2006/main">
+  <p:cSld>
+    <p:spTree>
+      <p:nvGrpSpPr>
+        <p:cNvPr id="1" name=""/>
+        <p:cNvGrpSpPr/>
+        <p:nvPr/>
+      </p:nvGrpSpPr>
+      <p:grpSpPr>
+        <a:xfrm>
+          <a:off x="0" y="0"/>
+          <a:ext cx="0" cy="0"/>
+          <a:chOff x="0" y="0"/>
+          <a:chExt cx="0" cy="0"/>
+        </a:xfrm>
+      </p:grpSpPr>
+      <p:sp>
+        <p:nvSpPr>
+          <p:cNvPr id="2" name="Заголовок 1">
+            <a:extLst>
+              <a:ext uri="{FF2B5EF4-FFF2-40B4-BE49-F238E27FC236}">
+                <a16:creationId xmlns:a16="http://schemas.microsoft.com/office/drawing/2014/main" id="{560A5064-666A-7555-7357-0F8EFD667F80}"/>
+              </a:ext>
+            </a:extLst>
+          </p:cNvPr>
+          <p:cNvSpPr>
+            <a:spLocks noGrp="1"/>
+          </p:cNvSpPr>
+          <p:nvPr>
+            <p:ph type="title"/>
+          </p:nvPr>
+        </p:nvSpPr>
+        <p:spPr>
+          <a:xfrm>
+            <a:off x="185056" y="0"/>
+            <a:ext cx="12006943" cy="919842"/>
+          </a:xfrm>
+        </p:spPr>
+        <p:txBody>
+          <a:bodyPr>
+            <a:normAutofit/>
+          </a:bodyPr>
+          <a:lstStyle/>
+          <a:p>
+            <a:r>
+              <a:rPr lang="ru-RU" dirty="0">
+                <a:solidFill>
+                  <a:schemeClr val="bg1"/>
+                </a:solidFill>
+              </a:rPr>
+              <a:t>Учебный </a:t>
+            </a:r>
+            <a:r>
+              <a:rPr lang="en-US" dirty="0">
+                <a:solidFill>
+                  <a:schemeClr val="bg1"/>
+                </a:solidFill>
+              </a:rPr>
+              <a:t>CDCL</a:t>
+            </a:r>
+            <a:endParaRPr lang="ru-RU" dirty="0">
+              <a:solidFill>
+                <a:schemeClr val="bg1"/>
+              </a:solidFill>
+            </a:endParaRPr>
+          </a:p>
+        </p:txBody>
+      </p:sp>
+      <p:sp>
+        <p:nvSpPr>
+          <p:cNvPr id="3" name="Объект 2">
+            <a:extLst>
+              <a:ext uri="{FF2B5EF4-FFF2-40B4-BE49-F238E27FC236}">
+                <a16:creationId xmlns:a16="http://schemas.microsoft.com/office/drawing/2014/main" id="{EF1A858C-C156-B159-B6C9-F121B8D996B9}"/>
+              </a:ext>
+            </a:extLst>
+          </p:cNvPr>
+          <p:cNvSpPr>
+            <a:spLocks noGrp="1"/>
+          </p:cNvSpPr>
+          <p:nvPr>
+            <p:ph idx="1"/>
+          </p:nvPr>
+        </p:nvSpPr>
+        <p:spPr>
+          <a:xfrm>
+            <a:off x="838200" y="1825624"/>
+            <a:ext cx="10515600" cy="4791743"/>
+          </a:xfrm>
+        </p:spPr>
+        <p:txBody>
+          <a:bodyPr>
+            <a:normAutofit/>
+          </a:bodyPr>
+          <a:lstStyle/>
+          <a:p>
+            <a:pPr marL="0" indent="0">
+              <a:buNone/>
+            </a:pPr>
+            <a:r>
+              <a:rPr lang="ru-RU" b="0" i="0" dirty="0">
+                <a:effectLst/>
+                <a:latin typeface="fkGroteskNeue"/>
+              </a:rPr>
+              <a:t>Построение </a:t>
+            </a:r>
+            <a:r>
+              <a:rPr lang="ru-RU" b="0" i="0" dirty="0" err="1">
+                <a:effectLst/>
+                <a:latin typeface="fkGroteskNeue"/>
+              </a:rPr>
+              <a:t>митора</a:t>
+            </a:r>
+            <a:r>
+              <a:rPr lang="ru-RU" b="0" i="0" dirty="0">
+                <a:effectLst/>
+                <a:latin typeface="fkGroteskNeue"/>
+              </a:rPr>
+              <a:t> и перевод в КНФ выполняются аналогично варианту с DPLL. Ключевые механизмы учебного CDCL:</a:t>
+            </a:r>
+          </a:p>
+          <a:p>
+            <a:r>
+              <a:rPr lang="ru-RU" b="0" i="0" dirty="0" err="1">
+                <a:effectLst/>
+                <a:latin typeface="fkGroteskNeue"/>
+              </a:rPr>
+              <a:t>unit</a:t>
+            </a:r>
+            <a:r>
+              <a:rPr lang="ru-RU" b="0" i="0" dirty="0">
+                <a:effectLst/>
+                <a:latin typeface="fkGroteskNeue"/>
+              </a:rPr>
+              <a:t> </a:t>
+            </a:r>
+            <a:r>
+              <a:rPr lang="ru-RU" b="0" i="0" dirty="0" err="1">
+                <a:effectLst/>
+                <a:latin typeface="fkGroteskNeue"/>
+              </a:rPr>
+              <a:t>propagation</a:t>
+            </a:r>
+            <a:r>
+              <a:rPr lang="ru-RU" b="0" i="0" dirty="0">
+                <a:effectLst/>
+                <a:latin typeface="fkGroteskNeue"/>
+              </a:rPr>
+              <a:t> с сохранением клауз-причин для каждого принудительного присваивания;</a:t>
+            </a:r>
+          </a:p>
+          <a:p>
+            <a:r>
+              <a:rPr lang="ru-RU" b="0" i="0" dirty="0">
+                <a:effectLst/>
+                <a:latin typeface="fkGroteskNeue"/>
+              </a:rPr>
+              <a:t>обнаружение конфликта при полной ложности некоторой клаузы;</a:t>
+            </a:r>
+          </a:p>
+          <a:p>
+            <a:r>
+              <a:rPr lang="ru-RU" b="0" i="0" dirty="0">
+                <a:effectLst/>
+                <a:latin typeface="fkGroteskNeue"/>
+              </a:rPr>
+              <a:t>анализ конфликта и построение выученной клаузы (</a:t>
+            </a:r>
+            <a:r>
+              <a:rPr lang="ru-RU" b="0" i="0" dirty="0" err="1">
+                <a:effectLst/>
+                <a:latin typeface="fkGroteskNeue"/>
+              </a:rPr>
+              <a:t>clause</a:t>
+            </a:r>
+            <a:r>
+              <a:rPr lang="ru-RU" b="0" i="0" dirty="0">
+                <a:effectLst/>
+                <a:latin typeface="fkGroteskNeue"/>
+              </a:rPr>
+              <a:t> </a:t>
+            </a:r>
+            <a:r>
+              <a:rPr lang="ru-RU" b="0" i="0" dirty="0" err="1">
+                <a:effectLst/>
+                <a:latin typeface="fkGroteskNeue"/>
+              </a:rPr>
+              <a:t>learning</a:t>
+            </a:r>
+            <a:r>
+              <a:rPr lang="ru-RU" b="0" i="0" dirty="0">
+                <a:effectLst/>
+                <a:latin typeface="fkGroteskNeue"/>
+              </a:rPr>
+              <a:t>);</a:t>
+            </a:r>
+          </a:p>
+          <a:p>
+            <a:r>
+              <a:rPr lang="ru-RU" b="0" i="0" dirty="0">
+                <a:effectLst/>
+                <a:latin typeface="fkGroteskNeue"/>
+              </a:rPr>
+              <a:t>добавление выученной клаузы в формулу;</a:t>
+            </a:r>
+          </a:p>
+        </p:txBody>
+      </p:sp>
+      <p:sp>
+        <p:nvSpPr>
+          <p:cNvPr id="5" name="Номер слайда 4">
+            <a:extLst>
+              <a:ext uri="{FF2B5EF4-FFF2-40B4-BE49-F238E27FC236}">
+                <a16:creationId xmlns:a16="http://schemas.microsoft.com/office/drawing/2014/main" id="{50728505-F386-45EA-90CC-D691EA1CA201}"/>
+              </a:ext>
+            </a:extLst>
+          </p:cNvPr>
+          <p:cNvSpPr>
+            <a:spLocks noGrp="1"/>
+          </p:cNvSpPr>
+          <p:nvPr>
+            <p:ph type="sldNum" sz="quarter" idx="12"/>
+          </p:nvPr>
+        </p:nvSpPr>
+        <p:spPr/>
+        <p:txBody>
+          <a:bodyPr/>
+          <a:lstStyle/>
+          <a:p>
+            <a:fld id="{EF7A8E35-B303-42FD-88A6-20A8D5E4F372}" type="slidenum">
+              <a:rPr lang="ru-RU" smtClean="0"/>
+              <a:t>25</a:t>
+            </a:fld>
+            <a:endParaRPr lang="ru-RU"/>
+          </a:p>
+        </p:txBody>
+      </p:sp>
+    </p:spTree>
+    <p:extLst>
+      <p:ext uri="{BB962C8B-B14F-4D97-AF65-F5344CB8AC3E}">
+        <p14:creationId xmlns:p14="http://schemas.microsoft.com/office/powerpoint/2010/main" val="1207016009"/>
+      </p:ext>
+    </p:extLst>
+  </p:cSld>
+  <p:clrMapOvr>
+    <a:masterClrMapping/>
+  </p:clrMapOvr>
+</p:sld>
+</file>
+
+<file path=ppt/slides/slide26.xml><?xml version="1.0" encoding="utf-8"?>
+<p:sld xmlns:a="http://schemas.openxmlformats.org/drawingml/2006/main" xmlns:r="http://schemas.openxmlformats.org/officeDocument/2006/relationships" xmlns:p="http://schemas.openxmlformats.org/presentationml/2006/main">
+  <p:cSld>
+    <p:spTree>
+      <p:nvGrpSpPr>
+        <p:cNvPr id="1" name=""/>
+        <p:cNvGrpSpPr/>
+        <p:nvPr/>
+      </p:nvGrpSpPr>
+      <p:grpSpPr>
+        <a:xfrm>
+          <a:off x="0" y="0"/>
+          <a:ext cx="0" cy="0"/>
+          <a:chOff x="0" y="0"/>
+          <a:chExt cx="0" cy="0"/>
+        </a:xfrm>
+      </p:grpSpPr>
+      <p:sp>
+        <p:nvSpPr>
+          <p:cNvPr id="2" name="Заголовок 1">
+            <a:extLst>
+              <a:ext uri="{FF2B5EF4-FFF2-40B4-BE49-F238E27FC236}">
+                <a16:creationId xmlns:a16="http://schemas.microsoft.com/office/drawing/2014/main" id="{560A5064-666A-7555-7357-0F8EFD667F80}"/>
+              </a:ext>
+            </a:extLst>
+          </p:cNvPr>
+          <p:cNvSpPr>
+            <a:spLocks noGrp="1"/>
+          </p:cNvSpPr>
+          <p:nvPr>
+            <p:ph type="title"/>
+          </p:nvPr>
+        </p:nvSpPr>
+        <p:spPr>
+          <a:xfrm>
+            <a:off x="185056" y="0"/>
+            <a:ext cx="12006943" cy="919842"/>
+          </a:xfrm>
+        </p:spPr>
+        <p:txBody>
+          <a:bodyPr>
+            <a:normAutofit/>
+          </a:bodyPr>
+          <a:lstStyle/>
+          <a:p>
+            <a:r>
+              <a:rPr lang="ru-RU" dirty="0">
+                <a:solidFill>
+                  <a:schemeClr val="bg1"/>
+                </a:solidFill>
+              </a:rPr>
+              <a:t>Учебный </a:t>
+            </a:r>
+            <a:r>
+              <a:rPr lang="en-US" dirty="0">
+                <a:solidFill>
+                  <a:schemeClr val="bg1"/>
+                </a:solidFill>
+              </a:rPr>
+              <a:t>CDCL</a:t>
+            </a:r>
+            <a:endParaRPr lang="ru-RU" dirty="0">
+              <a:solidFill>
+                <a:schemeClr val="bg1"/>
+              </a:solidFill>
+            </a:endParaRPr>
+          </a:p>
+        </p:txBody>
+      </p:sp>
+      <p:sp>
+        <p:nvSpPr>
+          <p:cNvPr id="3" name="Объект 2">
+            <a:extLst>
+              <a:ext uri="{FF2B5EF4-FFF2-40B4-BE49-F238E27FC236}">
+                <a16:creationId xmlns:a16="http://schemas.microsoft.com/office/drawing/2014/main" id="{EF1A858C-C156-B159-B6C9-F121B8D996B9}"/>
+              </a:ext>
+            </a:extLst>
+          </p:cNvPr>
+          <p:cNvSpPr>
+            <a:spLocks noGrp="1"/>
+          </p:cNvSpPr>
+          <p:nvPr>
+            <p:ph idx="1"/>
+          </p:nvPr>
+        </p:nvSpPr>
+        <p:spPr>
+          <a:xfrm>
+            <a:off x="838200" y="1825624"/>
+            <a:ext cx="10515600" cy="4791743"/>
+          </a:xfrm>
+        </p:spPr>
+        <p:txBody>
+          <a:bodyPr>
+            <a:normAutofit/>
+          </a:bodyPr>
+          <a:lstStyle/>
+          <a:p>
+            <a:r>
+              <a:rPr lang="ru-RU" b="0" i="0">
+                <a:effectLst/>
+                <a:latin typeface="fkGroteskNeue"/>
+              </a:rPr>
+              <a:t>нехронологический </a:t>
+            </a:r>
+            <a:r>
+              <a:rPr lang="ru-RU" b="0" i="0" dirty="0">
+                <a:effectLst/>
+                <a:latin typeface="fkGroteskNeue"/>
+              </a:rPr>
+              <a:t>возврат (</a:t>
+            </a:r>
+            <a:r>
+              <a:rPr lang="ru-RU" b="0" i="0" dirty="0" err="1">
+                <a:effectLst/>
+                <a:latin typeface="fkGroteskNeue"/>
+              </a:rPr>
+              <a:t>backjump</a:t>
+            </a:r>
+            <a:r>
+              <a:rPr lang="ru-RU" b="0" i="0" dirty="0">
+                <a:effectLst/>
+                <a:latin typeface="fkGroteskNeue"/>
+              </a:rPr>
+              <a:t>) на уровень, определяемый структурой конфликта.</a:t>
+            </a:r>
+          </a:p>
+          <a:p>
+            <a:pPr marL="0" indent="0">
+              <a:buNone/>
+            </a:pPr>
+            <a:r>
+              <a:rPr lang="ru-RU" b="0" i="0" dirty="0">
+                <a:effectLst/>
+                <a:latin typeface="fkGroteskNeue"/>
+              </a:rPr>
+              <a:t>Использование обучения позволяет исключать повторение одинаковых конфликтных ситуаций и уменьшать пространство поиска.</a:t>
+            </a:r>
+          </a:p>
+          <a:p>
+            <a:pPr marL="0" indent="0">
+              <a:buNone/>
+            </a:pPr>
+            <a:r>
+              <a:rPr lang="ru-RU" b="0" i="0" dirty="0">
+                <a:effectLst/>
+                <a:latin typeface="fkGroteskNeue"/>
+              </a:rPr>
+              <a:t>Интерпретация результата:</a:t>
+            </a:r>
+          </a:p>
+          <a:p>
+            <a:pPr marL="0" indent="0">
+              <a:buNone/>
+            </a:pPr>
+            <a:r>
+              <a:rPr lang="ru-RU" b="0" i="0" dirty="0">
+                <a:effectLst/>
+                <a:latin typeface="fkGroteskNeue"/>
+              </a:rPr>
+              <a:t>SAT — найден контрпример, схемы неэквивалентны;</a:t>
+            </a:r>
+          </a:p>
+          <a:p>
+            <a:pPr marL="0" indent="0">
+              <a:buNone/>
+            </a:pPr>
+            <a:r>
+              <a:rPr lang="ru-RU" b="0" i="0" dirty="0">
+                <a:effectLst/>
+                <a:latin typeface="fkGroteskNeue"/>
+              </a:rPr>
+              <a:t>UNSAT — контрпримеров не существует, схемы эквивалентны.</a:t>
+            </a:r>
+            <a:endParaRPr lang="en-US" b="0" i="0" dirty="0">
+              <a:effectLst/>
+              <a:latin typeface="fkGroteskNeue"/>
+            </a:endParaRPr>
+          </a:p>
+        </p:txBody>
+      </p:sp>
+      <p:sp>
+        <p:nvSpPr>
+          <p:cNvPr id="5" name="Номер слайда 4">
+            <a:extLst>
+              <a:ext uri="{FF2B5EF4-FFF2-40B4-BE49-F238E27FC236}">
+                <a16:creationId xmlns:a16="http://schemas.microsoft.com/office/drawing/2014/main" id="{50728505-F386-45EA-90CC-D691EA1CA201}"/>
+              </a:ext>
+            </a:extLst>
+          </p:cNvPr>
+          <p:cNvSpPr>
+            <a:spLocks noGrp="1"/>
+          </p:cNvSpPr>
+          <p:nvPr>
+            <p:ph type="sldNum" sz="quarter" idx="12"/>
+          </p:nvPr>
+        </p:nvSpPr>
+        <p:spPr/>
+        <p:txBody>
+          <a:bodyPr/>
+          <a:lstStyle/>
+          <a:p>
+            <a:fld id="{EF7A8E35-B303-42FD-88A6-20A8D5E4F372}" type="slidenum">
+              <a:rPr lang="ru-RU" smtClean="0"/>
+              <a:t>26</a:t>
             </a:fld>
             <a:endParaRPr lang="ru-RU"/>
           </a:p>
@@ -7418,7 +7775,7 @@
 </p:sld>
 </file>
 
-<file path=ppt/slides/slide25.xml><?xml version="1.0" encoding="utf-8"?>
+<file path=ppt/slides/slide27.xml><?xml version="1.0" encoding="utf-8"?>
 <p:sld xmlns:a="http://schemas.openxmlformats.org/drawingml/2006/main" xmlns:r="http://schemas.openxmlformats.org/officeDocument/2006/relationships" xmlns:p="http://schemas.openxmlformats.org/presentationml/2006/main">
   <p:cSld>
     <p:spTree>
@@ -8127,7 +8484,7 @@
           <a:p>
             <a:fld id="{EF7A8E35-B303-42FD-88A6-20A8D5E4F372}" type="slidenum">
               <a:rPr lang="ru-RU" smtClean="0"/>
-              <a:t>25</a:t>
+              <a:t>27</a:t>
             </a:fld>
             <a:endParaRPr lang="ru-RU"/>
           </a:p>
@@ -8146,7 +8503,7 @@
 </p:sld>
 </file>
 
-<file path=ppt/slides/slide26.xml><?xml version="1.0" encoding="utf-8"?>
+<file path=ppt/slides/slide28.xml><?xml version="1.0" encoding="utf-8"?>
 <p:sld xmlns:a="http://schemas.openxmlformats.org/drawingml/2006/main" xmlns:r="http://schemas.openxmlformats.org/officeDocument/2006/relationships" xmlns:p="http://schemas.openxmlformats.org/presentationml/2006/main">
   <p:cSld>
     <p:spTree>
@@ -8323,7 +8680,7 @@
           <a:p>
             <a:fld id="{EF7A8E35-B303-42FD-88A6-20A8D5E4F372}" type="slidenum">
               <a:rPr lang="ru-RU" smtClean="0"/>
-              <a:t>26</a:t>
+              <a:t>28</a:t>
             </a:fld>
             <a:endParaRPr lang="ru-RU"/>
           </a:p>
@@ -8342,7 +8699,7 @@
 </p:sld>
 </file>
 
-<file path=ppt/slides/slide27.xml><?xml version="1.0" encoding="utf-8"?>
+<file path=ppt/slides/slide29.xml><?xml version="1.0" encoding="utf-8"?>
 <p:sld xmlns:a="http://schemas.openxmlformats.org/drawingml/2006/main" xmlns:r="http://schemas.openxmlformats.org/officeDocument/2006/relationships" xmlns:p="http://schemas.openxmlformats.org/presentationml/2006/main">
   <p:cSld>
     <p:spTree>
@@ -8499,7 +8856,7 @@
           <a:p>
             <a:fld id="{EF7A8E35-B303-42FD-88A6-20A8D5E4F372}" type="slidenum">
               <a:rPr lang="ru-RU" smtClean="0"/>
-              <a:t>27</a:t>
+              <a:t>29</a:t>
             </a:fld>
             <a:endParaRPr lang="ru-RU"/>
           </a:p>
@@ -9212,7 +9569,7 @@
 </p:sld>
 </file>
 
-<file path=ppt/slides/slide28.xml><?xml version="1.0" encoding="utf-8"?>
+<file path=ppt/slides/slide3.xml><?xml version="1.0" encoding="utf-8"?>
 <p:sld xmlns:a="http://schemas.openxmlformats.org/drawingml/2006/main" xmlns:r="http://schemas.openxmlformats.org/officeDocument/2006/relationships" xmlns:p="http://schemas.openxmlformats.org/presentationml/2006/main">
   <p:cSld>
     <p:spTree>
@@ -9263,7 +9620,7 @@
                   <a:schemeClr val="bg1"/>
                 </a:solidFill>
               </a:rPr>
-              <a:t>Автоматическое сравнение</a:t>
+              <a:t>Цель исследования</a:t>
             </a:r>
           </a:p>
         </p:txBody>
@@ -9284,6 +9641,155 @@
             <p:ph idx="1"/>
           </p:nvPr>
         </p:nvSpPr>
+        <p:spPr/>
+        <p:txBody>
+          <a:bodyPr>
+            <a:normAutofit/>
+          </a:bodyPr>
+          <a:lstStyle/>
+          <a:p>
+            <a:pPr marL="0" indent="0">
+              <a:buNone/>
+            </a:pPr>
+            <a:r>
+              <a:rPr lang="ru-RU" b="0" i="0" dirty="0">
+                <a:effectLst/>
+                <a:latin typeface="fkGroteskNeue"/>
+              </a:rPr>
+              <a:t>Реализовать верификацию схемы с использованием Z3 или </a:t>
+            </a:r>
+            <a:r>
+              <a:rPr lang="ru-RU" b="0" i="0" dirty="0" err="1">
+                <a:effectLst/>
+                <a:latin typeface="fkGroteskNeue"/>
+              </a:rPr>
+              <a:t>MiniSat</a:t>
+            </a:r>
+            <a:r>
+              <a:rPr lang="ru-RU" b="0" i="0" dirty="0">
+                <a:effectLst/>
+                <a:latin typeface="fkGroteskNeue"/>
+              </a:rPr>
+              <a:t> и сравнить с традиционными методами.</a:t>
+            </a:r>
+            <a:endParaRPr lang="ru-RU" dirty="0"/>
+          </a:p>
+        </p:txBody>
+      </p:sp>
+      <p:sp>
+        <p:nvSpPr>
+          <p:cNvPr id="5" name="Номер слайда 4">
+            <a:extLst>
+              <a:ext uri="{FF2B5EF4-FFF2-40B4-BE49-F238E27FC236}">
+                <a16:creationId xmlns:a16="http://schemas.microsoft.com/office/drawing/2014/main" id="{7D48999C-A15F-4A53-8E5B-4B51C3C6A2C0}"/>
+              </a:ext>
+            </a:extLst>
+          </p:cNvPr>
+          <p:cNvSpPr>
+            <a:spLocks noGrp="1"/>
+          </p:cNvSpPr>
+          <p:nvPr>
+            <p:ph type="sldNum" sz="quarter" idx="12"/>
+          </p:nvPr>
+        </p:nvSpPr>
+        <p:spPr/>
+        <p:txBody>
+          <a:bodyPr/>
+          <a:lstStyle/>
+          <a:p>
+            <a:fld id="{EF7A8E35-B303-42FD-88A6-20A8D5E4F372}" type="slidenum">
+              <a:rPr lang="ru-RU" smtClean="0"/>
+              <a:t>3</a:t>
+            </a:fld>
+            <a:endParaRPr lang="ru-RU"/>
+          </a:p>
+        </p:txBody>
+      </p:sp>
+    </p:spTree>
+    <p:extLst>
+      <p:ext uri="{BB962C8B-B14F-4D97-AF65-F5344CB8AC3E}">
+        <p14:creationId xmlns:p14="http://schemas.microsoft.com/office/powerpoint/2010/main" val="2929842713"/>
+      </p:ext>
+    </p:extLst>
+  </p:cSld>
+  <p:clrMapOvr>
+    <a:masterClrMapping/>
+  </p:clrMapOvr>
+</p:sld>
+</file>
+
+<file path=ppt/slides/slide30.xml><?xml version="1.0" encoding="utf-8"?>
+<p:sld xmlns:a="http://schemas.openxmlformats.org/drawingml/2006/main" xmlns:r="http://schemas.openxmlformats.org/officeDocument/2006/relationships" xmlns:p="http://schemas.openxmlformats.org/presentationml/2006/main">
+  <p:cSld>
+    <p:spTree>
+      <p:nvGrpSpPr>
+        <p:cNvPr id="1" name=""/>
+        <p:cNvGrpSpPr/>
+        <p:nvPr/>
+      </p:nvGrpSpPr>
+      <p:grpSpPr>
+        <a:xfrm>
+          <a:off x="0" y="0"/>
+          <a:ext cx="0" cy="0"/>
+          <a:chOff x="0" y="0"/>
+          <a:chExt cx="0" cy="0"/>
+        </a:xfrm>
+      </p:grpSpPr>
+      <p:sp>
+        <p:nvSpPr>
+          <p:cNvPr id="2" name="Заголовок 1">
+            <a:extLst>
+              <a:ext uri="{FF2B5EF4-FFF2-40B4-BE49-F238E27FC236}">
+                <a16:creationId xmlns:a16="http://schemas.microsoft.com/office/drawing/2014/main" id="{560A5064-666A-7555-7357-0F8EFD667F80}"/>
+              </a:ext>
+            </a:extLst>
+          </p:cNvPr>
+          <p:cNvSpPr>
+            <a:spLocks noGrp="1"/>
+          </p:cNvSpPr>
+          <p:nvPr>
+            <p:ph type="title"/>
+          </p:nvPr>
+        </p:nvSpPr>
+        <p:spPr>
+          <a:xfrm>
+            <a:off x="185056" y="0"/>
+            <a:ext cx="12006943" cy="919842"/>
+          </a:xfrm>
+        </p:spPr>
+        <p:txBody>
+          <a:bodyPr>
+            <a:normAutofit/>
+          </a:bodyPr>
+          <a:lstStyle/>
+          <a:p>
+            <a:r>
+              <a:rPr lang="ru-RU" dirty="0">
+                <a:solidFill>
+                  <a:schemeClr val="bg1"/>
+                </a:solidFill>
+              </a:rPr>
+              <a:t>Автоматическое сравнение</a:t>
+            </a:r>
+          </a:p>
+        </p:txBody>
+      </p:sp>
+      <p:sp>
+        <p:nvSpPr>
+          <p:cNvPr id="3" name="Объект 2">
+            <a:extLst>
+              <a:ext uri="{FF2B5EF4-FFF2-40B4-BE49-F238E27FC236}">
+                <a16:creationId xmlns:a16="http://schemas.microsoft.com/office/drawing/2014/main" id="{EF1A858C-C156-B159-B6C9-F121B8D996B9}"/>
+              </a:ext>
+            </a:extLst>
+          </p:cNvPr>
+          <p:cNvSpPr>
+            <a:spLocks noGrp="1"/>
+          </p:cNvSpPr>
+          <p:nvPr>
+            <p:ph idx="1"/>
+          </p:nvPr>
+        </p:nvSpPr>
         <p:spPr>
           <a:xfrm>
             <a:off x="838200" y="1825625"/>
@@ -9478,7 +9984,7 @@
           <a:p>
             <a:fld id="{EF7A8E35-B303-42FD-88A6-20A8D5E4F372}" type="slidenum">
               <a:rPr lang="ru-RU" smtClean="0"/>
-              <a:t>28</a:t>
+              <a:t>30</a:t>
             </a:fld>
             <a:endParaRPr lang="ru-RU"/>
           </a:p>
@@ -9497,7 +10003,7 @@
 </p:sld>
 </file>
 
-<file path=ppt/slides/slide29.xml><?xml version="1.0" encoding="utf-8"?>
+<file path=ppt/slides/slide31.xml><?xml version="1.0" encoding="utf-8"?>
 <p:sld xmlns:a="http://schemas.openxmlformats.org/drawingml/2006/main" xmlns:r="http://schemas.openxmlformats.org/officeDocument/2006/relationships" xmlns:p="http://schemas.openxmlformats.org/presentationml/2006/main">
   <p:cSld>
     <p:spTree>
@@ -9655,7 +10161,7 @@
           <a:p>
             <a:fld id="{EF7A8E35-B303-42FD-88A6-20A8D5E4F372}" type="slidenum">
               <a:rPr lang="ru-RU" smtClean="0"/>
-              <a:t>29</a:t>
+              <a:t>31</a:t>
             </a:fld>
             <a:endParaRPr lang="ru-RU"/>
           </a:p>
@@ -9665,583 +10171,6 @@
     <p:extLst>
       <p:ext uri="{BB962C8B-B14F-4D97-AF65-F5344CB8AC3E}">
         <p14:creationId xmlns:p14="http://schemas.microsoft.com/office/powerpoint/2010/main" val="2161295793"/>
-      </p:ext>
-    </p:extLst>
-  </p:cSld>
-  <p:clrMapOvr>
-    <a:masterClrMapping/>
-  </p:clrMapOvr>
-</p:sld>
-</file>
-
-<file path=ppt/slides/slide3.xml><?xml version="1.0" encoding="utf-8"?>
-<p:sld xmlns:a="http://schemas.openxmlformats.org/drawingml/2006/main" xmlns:r="http://schemas.openxmlformats.org/officeDocument/2006/relationships" xmlns:p="http://schemas.openxmlformats.org/presentationml/2006/main">
-  <p:cSld>
-    <p:spTree>
-      <p:nvGrpSpPr>
-        <p:cNvPr id="1" name=""/>
-        <p:cNvGrpSpPr/>
-        <p:nvPr/>
-      </p:nvGrpSpPr>
-      <p:grpSpPr>
-        <a:xfrm>
-          <a:off x="0" y="0"/>
-          <a:ext cx="0" cy="0"/>
-          <a:chOff x="0" y="0"/>
-          <a:chExt cx="0" cy="0"/>
-        </a:xfrm>
-      </p:grpSpPr>
-      <p:sp>
-        <p:nvSpPr>
-          <p:cNvPr id="2" name="Заголовок 1">
-            <a:extLst>
-              <a:ext uri="{FF2B5EF4-FFF2-40B4-BE49-F238E27FC236}">
-                <a16:creationId xmlns:a16="http://schemas.microsoft.com/office/drawing/2014/main" id="{560A5064-666A-7555-7357-0F8EFD667F80}"/>
-              </a:ext>
-            </a:extLst>
-          </p:cNvPr>
-          <p:cNvSpPr>
-            <a:spLocks noGrp="1"/>
-          </p:cNvSpPr>
-          <p:nvPr>
-            <p:ph type="title"/>
-          </p:nvPr>
-        </p:nvSpPr>
-        <p:spPr>
-          <a:xfrm>
-            <a:off x="185056" y="0"/>
-            <a:ext cx="12006943" cy="919842"/>
-          </a:xfrm>
-        </p:spPr>
-        <p:txBody>
-          <a:bodyPr>
-            <a:normAutofit/>
-          </a:bodyPr>
-          <a:lstStyle/>
-          <a:p>
-            <a:r>
-              <a:rPr lang="ru-RU" dirty="0">
-                <a:solidFill>
-                  <a:schemeClr val="bg1"/>
-                </a:solidFill>
-              </a:rPr>
-              <a:t>Цель исследования</a:t>
-            </a:r>
-          </a:p>
-        </p:txBody>
-      </p:sp>
-      <p:sp>
-        <p:nvSpPr>
-          <p:cNvPr id="3" name="Объект 2">
-            <a:extLst>
-              <a:ext uri="{FF2B5EF4-FFF2-40B4-BE49-F238E27FC236}">
-                <a16:creationId xmlns:a16="http://schemas.microsoft.com/office/drawing/2014/main" id="{EF1A858C-C156-B159-B6C9-F121B8D996B9}"/>
-              </a:ext>
-            </a:extLst>
-          </p:cNvPr>
-          <p:cNvSpPr>
-            <a:spLocks noGrp="1"/>
-          </p:cNvSpPr>
-          <p:nvPr>
-            <p:ph idx="1"/>
-          </p:nvPr>
-        </p:nvSpPr>
-        <p:spPr/>
-        <p:txBody>
-          <a:bodyPr>
-            <a:normAutofit/>
-          </a:bodyPr>
-          <a:lstStyle/>
-          <a:p>
-            <a:pPr marL="0" indent="0">
-              <a:buNone/>
-            </a:pPr>
-            <a:r>
-              <a:rPr lang="ru-RU" b="0" i="0" dirty="0">
-                <a:effectLst/>
-                <a:latin typeface="fkGroteskNeue"/>
-              </a:rPr>
-              <a:t>Реализовать верификацию схемы с использованием Z3 или </a:t>
-            </a:r>
-            <a:r>
-              <a:rPr lang="ru-RU" b="0" i="0" dirty="0" err="1">
-                <a:effectLst/>
-                <a:latin typeface="fkGroteskNeue"/>
-              </a:rPr>
-              <a:t>MiniSat</a:t>
-            </a:r>
-            <a:r>
-              <a:rPr lang="ru-RU" b="0" i="0" dirty="0">
-                <a:effectLst/>
-                <a:latin typeface="fkGroteskNeue"/>
-              </a:rPr>
-              <a:t> и сравнить с традиционными методами.</a:t>
-            </a:r>
-            <a:endParaRPr lang="ru-RU" dirty="0"/>
-          </a:p>
-        </p:txBody>
-      </p:sp>
-      <p:sp>
-        <p:nvSpPr>
-          <p:cNvPr id="5" name="Номер слайда 4">
-            <a:extLst>
-              <a:ext uri="{FF2B5EF4-FFF2-40B4-BE49-F238E27FC236}">
-                <a16:creationId xmlns:a16="http://schemas.microsoft.com/office/drawing/2014/main" id="{7D48999C-A15F-4A53-8E5B-4B51C3C6A2C0}"/>
-              </a:ext>
-            </a:extLst>
-          </p:cNvPr>
-          <p:cNvSpPr>
-            <a:spLocks noGrp="1"/>
-          </p:cNvSpPr>
-          <p:nvPr>
-            <p:ph type="sldNum" sz="quarter" idx="12"/>
-          </p:nvPr>
-        </p:nvSpPr>
-        <p:spPr/>
-        <p:txBody>
-          <a:bodyPr/>
-          <a:lstStyle/>
-          <a:p>
-            <a:fld id="{EF7A8E35-B303-42FD-88A6-20A8D5E4F372}" type="slidenum">
-              <a:rPr lang="ru-RU" smtClean="0"/>
-              <a:t>3</a:t>
-            </a:fld>
-            <a:endParaRPr lang="ru-RU"/>
-          </a:p>
-        </p:txBody>
-      </p:sp>
-    </p:spTree>
-    <p:extLst>
-      <p:ext uri="{BB962C8B-B14F-4D97-AF65-F5344CB8AC3E}">
-        <p14:creationId xmlns:p14="http://schemas.microsoft.com/office/powerpoint/2010/main" val="2929842713"/>
-      </p:ext>
-    </p:extLst>
-  </p:cSld>
-  <p:clrMapOvr>
-    <a:masterClrMapping/>
-  </p:clrMapOvr>
-</p:sld>
-</file>
-
-<file path=ppt/slides/slide30.xml><?xml version="1.0" encoding="utf-8"?>
-<p:sld xmlns:a="http://schemas.openxmlformats.org/drawingml/2006/main" xmlns:r="http://schemas.openxmlformats.org/officeDocument/2006/relationships" xmlns:p="http://schemas.openxmlformats.org/presentationml/2006/main">
-  <p:cSld>
-    <p:spTree>
-      <p:nvGrpSpPr>
-        <p:cNvPr id="1" name=""/>
-        <p:cNvGrpSpPr/>
-        <p:nvPr/>
-      </p:nvGrpSpPr>
-      <p:grpSpPr>
-        <a:xfrm>
-          <a:off x="0" y="0"/>
-          <a:ext cx="0" cy="0"/>
-          <a:chOff x="0" y="0"/>
-          <a:chExt cx="0" cy="0"/>
-        </a:xfrm>
-      </p:grpSpPr>
-      <p:sp>
-        <p:nvSpPr>
-          <p:cNvPr id="2" name="Заголовок 1">
-            <a:extLst>
-              <a:ext uri="{FF2B5EF4-FFF2-40B4-BE49-F238E27FC236}">
-                <a16:creationId xmlns:a16="http://schemas.microsoft.com/office/drawing/2014/main" id="{560A5064-666A-7555-7357-0F8EFD667F80}"/>
-              </a:ext>
-            </a:extLst>
-          </p:cNvPr>
-          <p:cNvSpPr>
-            <a:spLocks noGrp="1"/>
-          </p:cNvSpPr>
-          <p:nvPr>
-            <p:ph type="title"/>
-          </p:nvPr>
-        </p:nvSpPr>
-        <p:spPr>
-          <a:xfrm>
-            <a:off x="185056" y="0"/>
-            <a:ext cx="12006943" cy="919842"/>
-          </a:xfrm>
-        </p:spPr>
-        <p:txBody>
-          <a:bodyPr>
-            <a:normAutofit/>
-          </a:bodyPr>
-          <a:lstStyle/>
-          <a:p>
-            <a:r>
-              <a:rPr lang="ru-RU" dirty="0">
-                <a:solidFill>
-                  <a:schemeClr val="bg1"/>
-                </a:solidFill>
-              </a:rPr>
-              <a:t>Анализ графика</a:t>
-            </a:r>
-          </a:p>
-        </p:txBody>
-      </p:sp>
-      <p:sp>
-        <p:nvSpPr>
-          <p:cNvPr id="3" name="Объект 2">
-            <a:extLst>
-              <a:ext uri="{FF2B5EF4-FFF2-40B4-BE49-F238E27FC236}">
-                <a16:creationId xmlns:a16="http://schemas.microsoft.com/office/drawing/2014/main" id="{EF1A858C-C156-B159-B6C9-F121B8D996B9}"/>
-              </a:ext>
-            </a:extLst>
-          </p:cNvPr>
-          <p:cNvSpPr>
-            <a:spLocks noGrp="1"/>
-          </p:cNvSpPr>
-          <p:nvPr>
-            <p:ph idx="1"/>
-          </p:nvPr>
-        </p:nvSpPr>
-        <p:spPr>
-          <a:xfrm>
-            <a:off x="838200" y="1825625"/>
-            <a:ext cx="10515600" cy="4618718"/>
-          </a:xfrm>
-        </p:spPr>
-        <p:txBody>
-          <a:bodyPr>
-            <a:normAutofit/>
-          </a:bodyPr>
-          <a:lstStyle/>
-          <a:p>
-            <a:pPr marL="0" indent="0">
-              <a:buNone/>
-            </a:pPr>
-            <a:r>
-              <a:rPr lang="ru-RU" b="0" i="0" dirty="0">
-                <a:effectLst/>
-                <a:latin typeface="fkGroteskNeue"/>
-              </a:rPr>
-              <a:t>Визуализация результатов на графике с логарифмической шкалой времени выявляет контрастные характеристики </a:t>
-            </a:r>
-            <a:r>
-              <a:rPr lang="ru-RU" dirty="0">
-                <a:latin typeface="fkGroteskNeue"/>
-              </a:rPr>
-              <a:t>четырёх </a:t>
-            </a:r>
-            <a:r>
-              <a:rPr lang="ru-RU" b="0" i="0" dirty="0">
-                <a:effectLst/>
-                <a:latin typeface="fkGroteskNeue"/>
-              </a:rPr>
-              <a:t>подходов.</a:t>
-            </a:r>
-          </a:p>
-          <a:p>
-            <a:pPr marL="0" indent="0">
-              <a:buNone/>
-            </a:pPr>
-            <a:r>
-              <a:rPr lang="ru-RU" b="0" i="0" dirty="0">
-                <a:effectLst/>
-                <a:latin typeface="fkGroteskNeue"/>
-              </a:rPr>
-              <a:t>Кривая </a:t>
-            </a:r>
-            <a:r>
-              <a:rPr lang="ru-RU" b="0" i="0" dirty="0" err="1">
-                <a:effectLst/>
-                <a:latin typeface="fkGroteskNeue"/>
-              </a:rPr>
-              <a:t>brute</a:t>
-            </a:r>
-            <a:r>
-              <a:rPr lang="ru-RU" b="0" i="0" dirty="0">
-                <a:effectLst/>
-                <a:latin typeface="fkGroteskNeue"/>
-              </a:rPr>
-              <a:t> </a:t>
-            </a:r>
-            <a:r>
-              <a:rPr lang="ru-RU" b="0" i="0" dirty="0" err="1">
-                <a:effectLst/>
-                <a:latin typeface="fkGroteskNeue"/>
-              </a:rPr>
-              <a:t>force</a:t>
-            </a:r>
-            <a:r>
-              <a:rPr lang="ru-RU" b="0" i="0" dirty="0">
-                <a:effectLst/>
-                <a:latin typeface="fkGroteskNeue"/>
-              </a:rPr>
-              <a:t> демонстрирует характерный для O(2ⁿ) функции вид: резкое экспоненциальное возрастание.</a:t>
-            </a:r>
-          </a:p>
-          <a:p>
-            <a:pPr marL="0" indent="0">
-              <a:buNone/>
-            </a:pPr>
-            <a:r>
-              <a:rPr lang="ru-RU" b="0" i="0" dirty="0">
-                <a:effectLst/>
-                <a:latin typeface="fkGroteskNeue"/>
-              </a:rPr>
-              <a:t>Кривая Z3 демонстрирует слабую зависимость от размера входа и выглядит почти горизонтальной. Это связано с тем, что при малых и средних размерах формул основную долю времени составляют фиксированные накладные расходы</a:t>
-            </a:r>
-            <a:r>
-              <a:rPr lang="en-US" dirty="0">
-                <a:latin typeface="fkGroteskNeue"/>
-              </a:rPr>
-              <a:t>.</a:t>
-            </a:r>
-          </a:p>
-          <a:p>
-            <a:pPr marL="0" indent="0">
-              <a:buNone/>
-            </a:pPr>
-            <a:r>
-              <a:rPr lang="ru-RU" dirty="0">
-                <a:latin typeface="fkGroteskNeue"/>
-              </a:rPr>
-              <a:t>Учебные </a:t>
-            </a:r>
-            <a:r>
-              <a:rPr lang="en-US" dirty="0">
-                <a:latin typeface="fkGroteskNeue"/>
-              </a:rPr>
-              <a:t>DPLL </a:t>
-            </a:r>
-            <a:r>
-              <a:rPr lang="ru-RU" dirty="0">
-                <a:latin typeface="fkGroteskNeue"/>
-              </a:rPr>
-              <a:t>и </a:t>
-            </a:r>
-            <a:r>
-              <a:rPr lang="en-US" dirty="0">
-                <a:latin typeface="fkGroteskNeue"/>
-              </a:rPr>
-              <a:t>CDCL </a:t>
-            </a:r>
-            <a:r>
-              <a:rPr lang="ru-RU" dirty="0">
-                <a:latin typeface="fkGroteskNeue"/>
-              </a:rPr>
-              <a:t>растут с небольшой скоростью.</a:t>
-            </a:r>
-            <a:endParaRPr lang="ru-RU" b="0" i="0" dirty="0">
-              <a:effectLst/>
-              <a:latin typeface="fkGroteskNeue"/>
-            </a:endParaRPr>
-          </a:p>
-        </p:txBody>
-      </p:sp>
-      <p:sp>
-        <p:nvSpPr>
-          <p:cNvPr id="5" name="Номер слайда 4">
-            <a:extLst>
-              <a:ext uri="{FF2B5EF4-FFF2-40B4-BE49-F238E27FC236}">
-                <a16:creationId xmlns:a16="http://schemas.microsoft.com/office/drawing/2014/main" id="{F0DBAE94-8F3E-4894-96DC-F958E6CC7930}"/>
-              </a:ext>
-            </a:extLst>
-          </p:cNvPr>
-          <p:cNvSpPr>
-            <a:spLocks noGrp="1"/>
-          </p:cNvSpPr>
-          <p:nvPr>
-            <p:ph type="sldNum" sz="quarter" idx="12"/>
-          </p:nvPr>
-        </p:nvSpPr>
-        <p:spPr/>
-        <p:txBody>
-          <a:bodyPr/>
-          <a:lstStyle/>
-          <a:p>
-            <a:fld id="{EF7A8E35-B303-42FD-88A6-20A8D5E4F372}" type="slidenum">
-              <a:rPr lang="ru-RU" smtClean="0"/>
-              <a:t>30</a:t>
-            </a:fld>
-            <a:endParaRPr lang="ru-RU"/>
-          </a:p>
-        </p:txBody>
-      </p:sp>
-    </p:spTree>
-    <p:extLst>
-      <p:ext uri="{BB962C8B-B14F-4D97-AF65-F5344CB8AC3E}">
-        <p14:creationId xmlns:p14="http://schemas.microsoft.com/office/powerpoint/2010/main" val="3287134601"/>
-      </p:ext>
-    </p:extLst>
-  </p:cSld>
-  <p:clrMapOvr>
-    <a:masterClrMapping/>
-  </p:clrMapOvr>
-</p:sld>
-</file>
-
-<file path=ppt/slides/slide31.xml><?xml version="1.0" encoding="utf-8"?>
-<p:sld xmlns:a="http://schemas.openxmlformats.org/drawingml/2006/main" xmlns:r="http://schemas.openxmlformats.org/officeDocument/2006/relationships" xmlns:p="http://schemas.openxmlformats.org/presentationml/2006/main">
-  <p:cSld>
-    <p:spTree>
-      <p:nvGrpSpPr>
-        <p:cNvPr id="1" name=""/>
-        <p:cNvGrpSpPr/>
-        <p:nvPr/>
-      </p:nvGrpSpPr>
-      <p:grpSpPr>
-        <a:xfrm>
-          <a:off x="0" y="0"/>
-          <a:ext cx="0" cy="0"/>
-          <a:chOff x="0" y="0"/>
-          <a:chExt cx="0" cy="0"/>
-        </a:xfrm>
-      </p:grpSpPr>
-      <p:sp>
-        <p:nvSpPr>
-          <p:cNvPr id="2" name="Заголовок 1">
-            <a:extLst>
-              <a:ext uri="{FF2B5EF4-FFF2-40B4-BE49-F238E27FC236}">
-                <a16:creationId xmlns:a16="http://schemas.microsoft.com/office/drawing/2014/main" id="{560A5064-666A-7555-7357-0F8EFD667F80}"/>
-              </a:ext>
-            </a:extLst>
-          </p:cNvPr>
-          <p:cNvSpPr>
-            <a:spLocks noGrp="1"/>
-          </p:cNvSpPr>
-          <p:nvPr>
-            <p:ph type="title"/>
-          </p:nvPr>
-        </p:nvSpPr>
-        <p:spPr>
-          <a:xfrm>
-            <a:off x="185056" y="0"/>
-            <a:ext cx="12006943" cy="919842"/>
-          </a:xfrm>
-        </p:spPr>
-        <p:txBody>
-          <a:bodyPr>
-            <a:normAutofit/>
-          </a:bodyPr>
-          <a:lstStyle/>
-          <a:p>
-            <a:r>
-              <a:rPr lang="ru-RU" dirty="0">
-                <a:solidFill>
-                  <a:schemeClr val="bg1"/>
-                </a:solidFill>
-              </a:rPr>
-              <a:t>Анализ графика</a:t>
-            </a:r>
-          </a:p>
-        </p:txBody>
-      </p:sp>
-      <p:sp>
-        <p:nvSpPr>
-          <p:cNvPr id="3" name="Объект 2">
-            <a:extLst>
-              <a:ext uri="{FF2B5EF4-FFF2-40B4-BE49-F238E27FC236}">
-                <a16:creationId xmlns:a16="http://schemas.microsoft.com/office/drawing/2014/main" id="{EF1A858C-C156-B159-B6C9-F121B8D996B9}"/>
-              </a:ext>
-            </a:extLst>
-          </p:cNvPr>
-          <p:cNvSpPr>
-            <a:spLocks noGrp="1"/>
-          </p:cNvSpPr>
-          <p:nvPr>
-            <p:ph idx="1"/>
-          </p:nvPr>
-        </p:nvSpPr>
-        <p:spPr>
-          <a:xfrm>
-            <a:off x="838200" y="1825625"/>
-            <a:ext cx="10515600" cy="4618718"/>
-          </a:xfrm>
-        </p:spPr>
-        <p:txBody>
-          <a:bodyPr>
-            <a:normAutofit/>
-          </a:bodyPr>
-          <a:lstStyle/>
-          <a:p>
-            <a:pPr marL="0" indent="0">
-              <a:buNone/>
-            </a:pPr>
-            <a:r>
-              <a:rPr lang="ru-RU" b="0" i="0" dirty="0">
-                <a:effectLst/>
-                <a:latin typeface="fkGroteskNeue"/>
-              </a:rPr>
-              <a:t>Это графически демонстрирует качественное различие между подходами: полный перебор </a:t>
-            </a:r>
-            <a:r>
-              <a:rPr lang="ru-RU" b="0" i="0" dirty="0" err="1">
-                <a:effectLst/>
-                <a:latin typeface="fkGroteskNeue"/>
-              </a:rPr>
-              <a:t>экспоненциален</a:t>
-            </a:r>
-            <a:r>
-              <a:rPr lang="ru-RU" b="0" i="0" dirty="0">
-                <a:effectLst/>
-                <a:latin typeface="fkGroteskNeue"/>
-              </a:rPr>
-              <a:t> по определению, тогда как </a:t>
-            </a:r>
-            <a:r>
-              <a:rPr lang="en-US" dirty="0">
-                <a:latin typeface="fkGroteskNeue"/>
-              </a:rPr>
-              <a:t>Z3</a:t>
-            </a:r>
-            <a:r>
-              <a:rPr lang="ru-RU" b="0" i="0" dirty="0">
-                <a:effectLst/>
-                <a:latin typeface="fkGroteskNeue"/>
-              </a:rPr>
-              <a:t> показывает практическую нечувствительность к размеру входа на экземплярах со структурой.</a:t>
-            </a:r>
-          </a:p>
-          <a:p>
-            <a:pPr marL="0" indent="0">
-              <a:buNone/>
-            </a:pPr>
-            <a:r>
-              <a:rPr lang="ru-RU" b="0" i="0" dirty="0">
-                <a:effectLst/>
-                <a:latin typeface="fkGroteskNeue"/>
-              </a:rPr>
-              <a:t>Область пересечения кривых находится при n ≈ 10-12 переменных, что соответствует точке уравновешивания накладных расходов Z3 и превосходства эффективности алгоритма при возрастании сложности.</a:t>
-            </a:r>
-            <a:endParaRPr lang="ru-RU" dirty="0"/>
-          </a:p>
-        </p:txBody>
-      </p:sp>
-      <p:sp>
-        <p:nvSpPr>
-          <p:cNvPr id="5" name="Номер слайда 4">
-            <a:extLst>
-              <a:ext uri="{FF2B5EF4-FFF2-40B4-BE49-F238E27FC236}">
-                <a16:creationId xmlns:a16="http://schemas.microsoft.com/office/drawing/2014/main" id="{E541CAD4-49F3-4705-BA4A-012A355B437D}"/>
-              </a:ext>
-            </a:extLst>
-          </p:cNvPr>
-          <p:cNvSpPr>
-            <a:spLocks noGrp="1"/>
-          </p:cNvSpPr>
-          <p:nvPr>
-            <p:ph type="sldNum" sz="quarter" idx="12"/>
-          </p:nvPr>
-        </p:nvSpPr>
-        <p:spPr/>
-        <p:txBody>
-          <a:bodyPr/>
-          <a:lstStyle/>
-          <a:p>
-            <a:fld id="{EF7A8E35-B303-42FD-88A6-20A8D5E4F372}" type="slidenum">
-              <a:rPr lang="ru-RU" smtClean="0"/>
-              <a:t>31</a:t>
-            </a:fld>
-            <a:endParaRPr lang="ru-RU"/>
-          </a:p>
-        </p:txBody>
-      </p:sp>
-    </p:spTree>
-    <p:extLst>
-      <p:ext uri="{BB962C8B-B14F-4D97-AF65-F5344CB8AC3E}">
-        <p14:creationId xmlns:p14="http://schemas.microsoft.com/office/powerpoint/2010/main" val="839798794"/>
       </p:ext>
     </p:extLst>
   </p:cSld>
@@ -10302,168 +10231,88 @@
                   <a:schemeClr val="bg1"/>
                 </a:solidFill>
               </a:rPr>
-              <a:t>Применение </a:t>
-            </a:r>
-            <a:r>
-              <a:rPr lang="en-US" dirty="0">
-                <a:solidFill>
-                  <a:schemeClr val="bg1"/>
-                </a:solidFill>
-              </a:rPr>
-              <a:t>SAT-</a:t>
-            </a:r>
-            <a:r>
-              <a:rPr lang="ru-RU" dirty="0">
-                <a:solidFill>
-                  <a:schemeClr val="bg1"/>
-                </a:solidFill>
-              </a:rPr>
-              <a:t>технологий</a:t>
-            </a:r>
-          </a:p>
-        </p:txBody>
-      </p:sp>
-      <p:sp>
-        <p:nvSpPr>
-          <p:cNvPr id="3" name="Объект 2">
+              <a:t>График сравнения</a:t>
+            </a:r>
+          </a:p>
+        </p:txBody>
+      </p:sp>
+      <p:pic>
+        <p:nvPicPr>
+          <p:cNvPr id="9" name="Рисунок 8">
             <a:extLst>
               <a:ext uri="{FF2B5EF4-FFF2-40B4-BE49-F238E27FC236}">
-                <a16:creationId xmlns:a16="http://schemas.microsoft.com/office/drawing/2014/main" id="{EF1A858C-C156-B159-B6C9-F121B8D996B9}"/>
+                <a16:creationId xmlns:a16="http://schemas.microsoft.com/office/drawing/2014/main" id="{7C1A45A6-5423-3701-984B-3E74D0929AEE}"/>
               </a:ext>
             </a:extLst>
           </p:cNvPr>
-          <p:cNvSpPr>
-            <a:spLocks noGrp="1"/>
-          </p:cNvSpPr>
-          <p:nvPr>
-            <p:ph idx="1"/>
-          </p:nvPr>
-        </p:nvSpPr>
+          <p:cNvPicPr>
+            <a:picLocks noChangeAspect="1"/>
+          </p:cNvPicPr>
+          <p:nvPr/>
+        </p:nvPicPr>
+        <p:blipFill>
+          <a:blip r:embed="rId2">
+            <a:extLst>
+              <a:ext uri="{28A0092B-C50C-407E-A947-70E740481C1C}">
+                <a14:useLocalDpi xmlns:a14="http://schemas.microsoft.com/office/drawing/2010/main" val="0"/>
+              </a:ext>
+            </a:extLst>
+          </a:blip>
+          <a:srcRect t="2999" b="2999"/>
+          <a:stretch/>
+        </p:blipFill>
         <p:spPr>
           <a:xfrm>
-            <a:off x="838200" y="1825625"/>
-            <a:ext cx="10515600" cy="4618718"/>
+            <a:off x="2283292" y="1395663"/>
+            <a:ext cx="7625416" cy="4300833"/>
           </a:xfrm>
+          <a:prstGeom prst="rect">
+            <a:avLst/>
+          </a:prstGeom>
         </p:spPr>
-        <p:txBody>
-          <a:bodyPr>
-            <a:normAutofit/>
-          </a:bodyPr>
-          <a:lstStyle/>
-          <a:p>
-            <a:pPr marL="0" indent="0">
-              <a:buNone/>
-            </a:pPr>
-            <a:r>
-              <a:rPr lang="ru-RU" b="0" i="0" dirty="0">
-                <a:effectLst/>
-                <a:latin typeface="fkGroteskNeue"/>
-              </a:rPr>
-              <a:t>SAT-решатели используются в критических приложениях современной цифровой индустрии: </a:t>
-            </a:r>
-          </a:p>
-          <a:p>
-            <a:pPr marL="0" indent="0">
-              <a:buNone/>
-            </a:pPr>
-            <a:r>
-              <a:rPr lang="ru-RU" b="0" i="0" dirty="0">
-                <a:effectLst/>
-                <a:latin typeface="fkGroteskNeue"/>
-              </a:rPr>
-              <a:t>(1) Верификация аппаратуры (</a:t>
-            </a:r>
-            <a:r>
-              <a:rPr lang="ru-RU" b="0" i="0" dirty="0" err="1">
-                <a:effectLst/>
-                <a:latin typeface="fkGroteskNeue"/>
-              </a:rPr>
-              <a:t>Hardware</a:t>
-            </a:r>
-            <a:r>
-              <a:rPr lang="ru-RU" b="0" i="0" dirty="0">
-                <a:effectLst/>
-                <a:latin typeface="fkGroteskNeue"/>
-              </a:rPr>
-              <a:t> </a:t>
-            </a:r>
-            <a:r>
-              <a:rPr lang="ru-RU" b="0" i="0" dirty="0" err="1">
-                <a:effectLst/>
-                <a:latin typeface="fkGroteskNeue"/>
-              </a:rPr>
-              <a:t>Verification</a:t>
-            </a:r>
-            <a:r>
-              <a:rPr lang="ru-RU" b="0" i="0" dirty="0">
-                <a:effectLst/>
-                <a:latin typeface="fkGroteskNeue"/>
-              </a:rPr>
-              <a:t>) — SAT является основным инструментом при проверке эквивалентности схем (</a:t>
-            </a:r>
-            <a:r>
-              <a:rPr lang="ru-RU" b="0" i="0" dirty="0" err="1">
-                <a:effectLst/>
-                <a:latin typeface="fkGroteskNeue"/>
-              </a:rPr>
-              <a:t>Equivalence</a:t>
-            </a:r>
-            <a:r>
-              <a:rPr lang="ru-RU" b="0" i="0" dirty="0">
-                <a:effectLst/>
-                <a:latin typeface="fkGroteskNeue"/>
-              </a:rPr>
-              <a:t> </a:t>
-            </a:r>
-            <a:r>
-              <a:rPr lang="ru-RU" b="0" i="0" dirty="0" err="1">
-                <a:effectLst/>
-                <a:latin typeface="fkGroteskNeue"/>
-              </a:rPr>
-              <a:t>Checking</a:t>
-            </a:r>
-            <a:r>
-              <a:rPr lang="ru-RU" b="0" i="0" dirty="0">
-                <a:effectLst/>
-                <a:latin typeface="fkGroteskNeue"/>
-              </a:rPr>
-              <a:t>) в процессе проектирования СБИС, что обеспечивает корректность микропроцессоров и других цифровых систем;</a:t>
-            </a:r>
-          </a:p>
-          <a:p>
-            <a:pPr marL="0" indent="0">
-              <a:buNone/>
-            </a:pPr>
-            <a:r>
-              <a:rPr lang="ru-RU" b="0" i="0" dirty="0">
-                <a:effectLst/>
-                <a:latin typeface="fkGroteskNeue"/>
-              </a:rPr>
-              <a:t>(2) Формальная верификация программного обеспечения (Model </a:t>
-            </a:r>
-            <a:r>
-              <a:rPr lang="ru-RU" b="0" i="0" dirty="0" err="1">
-                <a:effectLst/>
-                <a:latin typeface="fkGroteskNeue"/>
-              </a:rPr>
-              <a:t>Checking</a:t>
-            </a:r>
-            <a:r>
-              <a:rPr lang="ru-RU" b="0" i="0" dirty="0">
-                <a:effectLst/>
-                <a:latin typeface="fkGroteskNeue"/>
-              </a:rPr>
-              <a:t>) — использование SAT для автоматической проверки моделей систем против спецификаций безопасности;</a:t>
-            </a:r>
-          </a:p>
-        </p:txBody>
-      </p:sp>
-      <p:sp>
-        <p:nvSpPr>
-          <p:cNvPr id="5" name="Номер слайда 4">
+      </p:pic>
+      <p:sp>
+        <p:nvSpPr>
+          <p:cNvPr id="10" name="TextBox 9">
             <a:extLst>
               <a:ext uri="{FF2B5EF4-FFF2-40B4-BE49-F238E27FC236}">
-                <a16:creationId xmlns:a16="http://schemas.microsoft.com/office/drawing/2014/main" id="{2FCEFF7A-0248-41B7-B2F6-FAE6D76E310C}"/>
+                <a16:creationId xmlns:a16="http://schemas.microsoft.com/office/drawing/2014/main" id="{85A32219-7E12-F0D8-E972-007704B22F27}"/>
+              </a:ext>
+            </a:extLst>
+          </p:cNvPr>
+          <p:cNvSpPr txBox="1"/>
+          <p:nvPr/>
+        </p:nvSpPr>
+        <p:spPr>
+          <a:xfrm>
+            <a:off x="1651905" y="5696496"/>
+            <a:ext cx="9073243" cy="400110"/>
+          </a:xfrm>
+          <a:prstGeom prst="rect">
+            <a:avLst/>
+          </a:prstGeom>
+          <a:noFill/>
+        </p:spPr>
+        <p:txBody>
+          <a:bodyPr wrap="square" rtlCol="0">
+            <a:spAutoFit/>
+          </a:bodyPr>
+          <a:lstStyle/>
+          <a:p>
+            <a:pPr algn="ctr"/>
+            <a:r>
+              <a:rPr lang="ru-RU" sz="2000" dirty="0"/>
+              <a:t>График зависимости для 500+</a:t>
+            </a:r>
+          </a:p>
+        </p:txBody>
+      </p:sp>
+      <p:sp>
+        <p:nvSpPr>
+          <p:cNvPr id="4" name="Номер слайда 3">
+            <a:extLst>
+              <a:ext uri="{FF2B5EF4-FFF2-40B4-BE49-F238E27FC236}">
+                <a16:creationId xmlns:a16="http://schemas.microsoft.com/office/drawing/2014/main" id="{F4AB321F-351E-47DB-82CC-C73189F1A264}"/>
               </a:ext>
             </a:extLst>
           </p:cNvPr>
@@ -10490,7 +10339,7 @@
     </p:spTree>
     <p:extLst>
       <p:ext uri="{BB962C8B-B14F-4D97-AF65-F5344CB8AC3E}">
-        <p14:creationId xmlns:p14="http://schemas.microsoft.com/office/powerpoint/2010/main" val="1024331436"/>
+        <p14:creationId xmlns:p14="http://schemas.microsoft.com/office/powerpoint/2010/main" val="3972139559"/>
       </p:ext>
     </p:extLst>
   </p:cSld>
@@ -10551,23 +10400,7 @@
                   <a:schemeClr val="bg1"/>
                 </a:solidFill>
               </a:rPr>
-              <a:t>Применение </a:t>
-            </a:r>
-            <a:r>
-              <a:rPr lang="en-US" dirty="0">
-                <a:solidFill>
-                  <a:schemeClr val="bg1"/>
-                </a:solidFill>
-              </a:rPr>
-              <a:t>SAT-</a:t>
-            </a:r>
-            <a:r>
-              <a:rPr lang="ru-RU" dirty="0">
-                <a:solidFill>
-                  <a:schemeClr val="bg1"/>
-                </a:solidFill>
-              </a:rPr>
-              <a:t>технологий</a:t>
+              <a:t>Анализ графика</a:t>
             </a:r>
           </a:p>
         </p:txBody>
@@ -10596,7 +10429,7 @@
         </p:spPr>
         <p:txBody>
           <a:bodyPr>
-            <a:normAutofit fontScale="92500" lnSpcReduction="10000"/>
+            <a:normAutofit/>
           </a:bodyPr>
           <a:lstStyle/>
           <a:p>
@@ -10604,18 +10437,24 @@
               <a:buNone/>
             </a:pPr>
             <a:r>
-              <a:rPr lang="ru-RU" b="0" i="0">
-                <a:effectLst/>
-                <a:latin typeface="fkGroteskNeue"/>
-              </a:rPr>
-              <a:t>(</a:t>
-            </a:r>
-            <a:r>
-              <a:rPr lang="ru-RU" b="0" i="0" dirty="0">
-                <a:effectLst/>
-                <a:latin typeface="fkGroteskNeue"/>
-              </a:rPr>
-              <a:t>3) Оптимизация и планирование — решение задач удовлетворения ограничений (CSP) при планировании производства, составлении расписаний, размещении ресурсов;</a:t>
+              <a:rPr lang="ru-RU" b="0" i="0" dirty="0">
+                <a:effectLst/>
+                <a:latin typeface="fkGroteskNeue"/>
+              </a:rPr>
+              <a:t>Визуализация результатов на графике с логарифмической шкалой времени выявляет контрастные характеристики </a:t>
+            </a:r>
+            <a:r>
+              <a:rPr lang="ru-RU" dirty="0">
+                <a:latin typeface="fkGroteskNeue"/>
+              </a:rPr>
+              <a:t>четырёх </a:t>
+            </a:r>
+            <a:r>
+              <a:rPr lang="ru-RU" b="0" i="0" dirty="0">
+                <a:effectLst/>
+                <a:latin typeface="fkGroteskNeue"/>
+              </a:rPr>
+              <a:t>подходов.</a:t>
             </a:r>
           </a:p>
           <a:p>
@@ -10627,7 +10466,35 @@
                 <a:effectLst/>
                 <a:latin typeface="fkGroteskNeue"/>
               </a:rPr>
-              <a:t>(4) Криптографический анализ — использование SAT-решателей для анализа криптографических примитивов, поиска коллизий, обнаружения уязвимостей;</a:t>
+              <a:t>Кривая </a:t>
+            </a:r>
+            <a:r>
+              <a:rPr lang="ru-RU" b="0" i="0" dirty="0" err="1">
+                <a:effectLst/>
+                <a:latin typeface="fkGroteskNeue"/>
+              </a:rPr>
+              <a:t>brute</a:t>
+            </a:r>
+            <a:r>
+              <a:rPr lang="ru-RU" b="0" i="0" dirty="0">
+                <a:effectLst/>
+                <a:latin typeface="fkGroteskNeue"/>
+              </a:rPr>
+              <a:t> </a:t>
+            </a:r>
+            <a:r>
+              <a:rPr lang="ru-RU" b="0" i="0" dirty="0" err="1">
+                <a:effectLst/>
+                <a:latin typeface="fkGroteskNeue"/>
+              </a:rPr>
+              <a:t>force</a:t>
+            </a:r>
+            <a:r>
+              <a:rPr lang="ru-RU" b="0" i="0" dirty="0">
+                <a:effectLst/>
+                <a:latin typeface="fkGroteskNeue"/>
+              </a:rPr>
+              <a:t> демонстрирует характерный для O(2ⁿ) функции вид: резкое экспоненциальное возрастание.</a:t>
             </a:r>
           </a:p>
           <a:p>
@@ -10635,25 +10502,17 @@
               <a:buNone/>
             </a:pPr>
             <a:r>
-              <a:rPr lang="ru-RU" b="0" i="0">
-                <a:effectLst/>
-                <a:latin typeface="fkGroteskNeue"/>
-              </a:rPr>
-              <a:t>(</a:t>
-            </a:r>
-            <a:r>
-              <a:rPr lang="ru-RU" b="0" i="0" dirty="0">
-                <a:effectLst/>
-                <a:latin typeface="fkGroteskNeue"/>
-              </a:rPr>
-              <a:t>5) Синтез программ — автоматическое синтезирование кода, удовлетворяющего заданным спецификациям посредством </a:t>
-            </a:r>
-            <a:r>
-              <a:rPr lang="ru-RU" b="0" i="0">
-                <a:effectLst/>
-                <a:latin typeface="fkGroteskNeue"/>
-              </a:rPr>
-              <a:t>SAT-редукции.</a:t>
+              <a:rPr lang="ru-RU" b="0" i="0" dirty="0">
+                <a:effectLst/>
+                <a:latin typeface="fkGroteskNeue"/>
+              </a:rPr>
+              <a:t>Кривая Z3 демонстрирует слабую зависимость от размера входа и выглядит почти горизонтальной. Это связано с тем, что при малых и средних размерах формул основную долю времени составляют фиксированные накладные расходы</a:t>
+            </a:r>
+            <a:r>
+              <a:rPr lang="en-US" dirty="0">
+                <a:latin typeface="fkGroteskNeue"/>
+              </a:rPr>
+              <a:t>.</a:t>
             </a:r>
           </a:p>
           <a:p>
@@ -10661,20 +10520,39 @@
               <a:buNone/>
             </a:pPr>
             <a:r>
-              <a:rPr lang="ru-RU" b="0" i="0">
-                <a:effectLst/>
-                <a:latin typeface="fkGroteskNeue"/>
-              </a:rPr>
-              <a:t>Глобальный </a:t>
-            </a:r>
-            <a:r>
-              <a:rPr lang="ru-RU" b="0" i="0" dirty="0">
-                <a:effectLst/>
-                <a:latin typeface="fkGroteskNeue"/>
-              </a:rPr>
-              <a:t>рынок средств верификации аппаратуры, опирающихся на SAT-технологию, оценивается в миллиарды долларов, что подтверждает критическую значимость этой технологии.</a:t>
-            </a:r>
-            <a:endParaRPr lang="ru-RU" dirty="0"/>
+              <a:rPr lang="ru-RU" dirty="0">
+                <a:latin typeface="fkGroteskNeue"/>
+              </a:rPr>
+              <a:t>Учебные </a:t>
+            </a:r>
+            <a:r>
+              <a:rPr lang="en-US" dirty="0">
+                <a:latin typeface="fkGroteskNeue"/>
+              </a:rPr>
+              <a:t>DPLL </a:t>
+            </a:r>
+            <a:r>
+              <a:rPr lang="ru-RU" dirty="0">
+                <a:latin typeface="fkGroteskNeue"/>
+              </a:rPr>
+              <a:t>и </a:t>
+            </a:r>
+            <a:r>
+              <a:rPr lang="en-US" dirty="0">
+                <a:latin typeface="fkGroteskNeue"/>
+              </a:rPr>
+              <a:t>CDCL </a:t>
+            </a:r>
+            <a:r>
+              <a:rPr lang="ru-RU" dirty="0">
+                <a:latin typeface="fkGroteskNeue"/>
+              </a:rPr>
+              <a:t>растут с небольшой скоростью.</a:t>
+            </a:r>
+            <a:endParaRPr lang="ru-RU" b="0" i="0" dirty="0">
+              <a:effectLst/>
+              <a:latin typeface="fkGroteskNeue"/>
+            </a:endParaRPr>
           </a:p>
         </p:txBody>
       </p:sp>
@@ -10683,7 +10561,7 @@
           <p:cNvPr id="5" name="Номер слайда 4">
             <a:extLst>
               <a:ext uri="{FF2B5EF4-FFF2-40B4-BE49-F238E27FC236}">
-                <a16:creationId xmlns:a16="http://schemas.microsoft.com/office/drawing/2014/main" id="{17B199B2-C158-49A4-9EDA-5B2D84B2935A}"/>
+                <a16:creationId xmlns:a16="http://schemas.microsoft.com/office/drawing/2014/main" id="{F0DBAE94-8F3E-4894-96DC-F958E6CC7930}"/>
               </a:ext>
             </a:extLst>
           </p:cNvPr>
@@ -10710,7 +10588,7 @@
     </p:spTree>
     <p:extLst>
       <p:ext uri="{BB962C8B-B14F-4D97-AF65-F5344CB8AC3E}">
-        <p14:creationId xmlns:p14="http://schemas.microsoft.com/office/powerpoint/2010/main" val="3765097112"/>
+        <p14:creationId xmlns:p14="http://schemas.microsoft.com/office/powerpoint/2010/main" val="3287134601"/>
       </p:ext>
     </p:extLst>
   </p:cSld>
@@ -10771,7 +10649,7 @@
                   <a:schemeClr val="bg1"/>
                 </a:solidFill>
               </a:rPr>
-              <a:t>Ограничения и проблемы</a:t>
+              <a:t>Анализ графика</a:t>
             </a:r>
           </a:p>
         </p:txBody>
@@ -10812,7 +10690,34 @@
                 <a:effectLst/>
                 <a:latin typeface="fkGroteskNeue"/>
               </a:rPr>
-              <a:t>Несмотря на значительные успехи, CDCL-решатели сталкиваются с рядом трудностей:</a:t>
+              <a:t>Это графически демонстрирует качественное различие между подходами: полный перебор </a:t>
+            </a:r>
+            <a:r>
+              <a:rPr lang="ru-RU" b="0" i="0" dirty="0" err="1">
+                <a:effectLst/>
+                <a:latin typeface="fkGroteskNeue"/>
+              </a:rPr>
+              <a:t>экспоненциален</a:t>
+            </a:r>
+            <a:r>
+              <a:rPr lang="ru-RU" b="0" i="0" dirty="0">
+                <a:effectLst/>
+                <a:latin typeface="fkGroteskNeue"/>
+              </a:rPr>
+              <a:t> по определению, тогда как </a:t>
+            </a:r>
+            <a:r>
+              <a:rPr lang="en-US" dirty="0">
+                <a:latin typeface="fkGroteskNeue"/>
+              </a:rPr>
+              <a:t>Z3</a:t>
+            </a:r>
+            <a:r>
+              <a:rPr lang="ru-RU" b="0" i="0" dirty="0">
+                <a:effectLst/>
+                <a:latin typeface="fkGroteskNeue"/>
+              </a:rPr>
+              <a:t> показывает практическую нечувствительность к размеру входа на экземплярах со структурой.</a:t>
             </a:r>
           </a:p>
           <a:p>
@@ -10824,32 +10729,9 @@
                 <a:effectLst/>
                 <a:latin typeface="fkGroteskNeue"/>
               </a:rPr>
-              <a:t>(1) Масштабируемость на очень большие экземпляры — формулы с сотнями тысяч клауз остаются вызовом, требуя часов вычисления;</a:t>
-            </a:r>
-          </a:p>
-          <a:p>
-            <a:pPr marL="0" indent="0">
-              <a:buNone/>
-            </a:pPr>
-            <a:r>
-              <a:rPr lang="ru-RU" b="0" i="0" dirty="0">
-                <a:effectLst/>
-                <a:latin typeface="fkGroteskNeue"/>
-              </a:rPr>
-              <a:t>(2) Зависимость от структуры экземпляра — случайные формулы часто решаются быстро, тогда как структурированные экземпляры (возникающие из реальных приложений) могут демонстрировать непредсказуемо долгое время решения;</a:t>
-            </a:r>
-          </a:p>
-          <a:p>
-            <a:pPr marL="0" indent="0">
-              <a:buNone/>
-            </a:pPr>
-            <a:r>
-              <a:rPr lang="ru-RU" b="0" i="0" dirty="0">
-                <a:effectLst/>
-                <a:latin typeface="fkGroteskNeue"/>
-              </a:rPr>
-              <a:t>(3) Качество эвристик выбора переменной — неправильный выбор эвристики может замедлить алгоритм в 1000 раз;</a:t>
-            </a:r>
+              <a:t>Область пересечения кривых находится при n ≈ 10-12 переменных, что соответствует точке уравновешивания накладных расходов Z3 и превосходства эффективности алгоритма при возрастании сложности.</a:t>
+            </a:r>
+            <a:endParaRPr lang="ru-RU" dirty="0"/>
           </a:p>
         </p:txBody>
       </p:sp>
@@ -10858,7 +10740,7 @@
           <p:cNvPr id="5" name="Номер слайда 4">
             <a:extLst>
               <a:ext uri="{FF2B5EF4-FFF2-40B4-BE49-F238E27FC236}">
-                <a16:creationId xmlns:a16="http://schemas.microsoft.com/office/drawing/2014/main" id="{D4414503-E004-4E28-992E-24EBE48EB4F6}"/>
+                <a16:creationId xmlns:a16="http://schemas.microsoft.com/office/drawing/2014/main" id="{E541CAD4-49F3-4705-BA4A-012A355B437D}"/>
               </a:ext>
             </a:extLst>
           </p:cNvPr>
@@ -10885,7 +10767,7 @@
     </p:spTree>
     <p:extLst>
       <p:ext uri="{BB962C8B-B14F-4D97-AF65-F5344CB8AC3E}">
-        <p14:creationId xmlns:p14="http://schemas.microsoft.com/office/powerpoint/2010/main" val="2790502837"/>
+        <p14:creationId xmlns:p14="http://schemas.microsoft.com/office/powerpoint/2010/main" val="839798794"/>
       </p:ext>
     </p:extLst>
   </p:cSld>
@@ -10946,7 +10828,23 @@
                   <a:schemeClr val="bg1"/>
                 </a:solidFill>
               </a:rPr>
-              <a:t>Ограничения и проблемы</a:t>
+              <a:t>Применение </a:t>
+            </a:r>
+            <a:r>
+              <a:rPr lang="en-US" dirty="0">
+                <a:solidFill>
+                  <a:schemeClr val="bg1"/>
+                </a:solidFill>
+              </a:rPr>
+              <a:t>SAT-</a:t>
+            </a:r>
+            <a:r>
+              <a:rPr lang="ru-RU" dirty="0">
+                <a:solidFill>
+                  <a:schemeClr val="bg1"/>
+                </a:solidFill>
+              </a:rPr>
+              <a:t>технологий</a:t>
             </a:r>
           </a:p>
         </p:txBody>
@@ -10983,18 +10881,11 @@
               <a:buNone/>
             </a:pPr>
             <a:r>
-              <a:rPr lang="ru-RU" b="0" i="0">
-                <a:effectLst/>
-                <a:latin typeface="fkGroteskNeue"/>
-              </a:rPr>
-              <a:t>(</a:t>
-            </a:r>
-            <a:r>
-              <a:rPr lang="ru-RU" b="0" i="0" dirty="0">
-                <a:effectLst/>
-                <a:latin typeface="fkGroteskNeue"/>
-              </a:rPr>
-              <a:t>4) Фазовые переходы — для некоторого класса случайных формул наблюдается резкий переход от простого к сложному при определённом соотношении клауз к переменным, создающий "пиковую сложность";</a:t>
+              <a:rPr lang="ru-RU" b="0" i="0" dirty="0">
+                <a:effectLst/>
+                <a:latin typeface="fkGroteskNeue"/>
+              </a:rPr>
+              <a:t>SAT-решатели используются в критических приложениях современной цифровой индустрии: </a:t>
             </a:r>
           </a:p>
           <a:p>
@@ -11006,14 +10897,63 @@
                 <a:effectLst/>
                 <a:latin typeface="fkGroteskNeue"/>
               </a:rPr>
-              <a:t>(5) Проблема несбалансированного поиска — алгоритм может зависнуть в неудачной ветви, несмотря на наличие других решающих </a:t>
-            </a:r>
-            <a:r>
-              <a:rPr lang="ru-RU" b="0" i="0">
-                <a:effectLst/>
-                <a:latin typeface="fkGroteskNeue"/>
-              </a:rPr>
-              <a:t>путей.</a:t>
+              <a:t>(1) Верификация аппаратуры (</a:t>
+            </a:r>
+            <a:r>
+              <a:rPr lang="ru-RU" b="0" i="0" dirty="0" err="1">
+                <a:effectLst/>
+                <a:latin typeface="fkGroteskNeue"/>
+              </a:rPr>
+              <a:t>Hardware</a:t>
+            </a:r>
+            <a:r>
+              <a:rPr lang="ru-RU" b="0" i="0" dirty="0">
+                <a:effectLst/>
+                <a:latin typeface="fkGroteskNeue"/>
+              </a:rPr>
+              <a:t> </a:t>
+            </a:r>
+            <a:r>
+              <a:rPr lang="ru-RU" b="0" i="0" dirty="0" err="1">
+                <a:effectLst/>
+                <a:latin typeface="fkGroteskNeue"/>
+              </a:rPr>
+              <a:t>Verification</a:t>
+            </a:r>
+            <a:r>
+              <a:rPr lang="ru-RU" b="0" i="0" dirty="0">
+                <a:effectLst/>
+                <a:latin typeface="fkGroteskNeue"/>
+              </a:rPr>
+              <a:t>) — SAT является основным инструментом при проверке эквивалентности схем (</a:t>
+            </a:r>
+            <a:r>
+              <a:rPr lang="ru-RU" b="0" i="0" dirty="0" err="1">
+                <a:effectLst/>
+                <a:latin typeface="fkGroteskNeue"/>
+              </a:rPr>
+              <a:t>Equivalence</a:t>
+            </a:r>
+            <a:r>
+              <a:rPr lang="ru-RU" b="0" i="0" dirty="0">
+                <a:effectLst/>
+                <a:latin typeface="fkGroteskNeue"/>
+              </a:rPr>
+              <a:t> </a:t>
+            </a:r>
+            <a:r>
+              <a:rPr lang="ru-RU" b="0" i="0" dirty="0" err="1">
+                <a:effectLst/>
+                <a:latin typeface="fkGroteskNeue"/>
+              </a:rPr>
+              <a:t>Checking</a:t>
+            </a:r>
+            <a:r>
+              <a:rPr lang="ru-RU" b="0" i="0" dirty="0">
+                <a:effectLst/>
+                <a:latin typeface="fkGroteskNeue"/>
+              </a:rPr>
+              <a:t>) в процессе проектирования СБИС, что обеспечивает корректность микропроцессоров и других цифровых систем;</a:t>
             </a:r>
           </a:p>
           <a:p>
@@ -11021,28 +10961,26 @@
               <a:buNone/>
             </a:pPr>
             <a:r>
-              <a:rPr lang="ru-RU" b="0" i="0">
-                <a:effectLst/>
-                <a:latin typeface="fkGroteskNeue"/>
-              </a:rPr>
-              <a:t>Указанные </a:t>
-            </a:r>
-            <a:r>
-              <a:rPr lang="ru-RU" b="0" i="0" dirty="0">
-                <a:effectLst/>
-                <a:latin typeface="fkGroteskNeue"/>
-              </a:rPr>
-              <a:t>ограничения остаются активной областью исследований, включая разработку адаптивных эвристик, параллельных SAT-решателей и гибридных подходов.</a:t>
-            </a:r>
-          </a:p>
-          <a:p>
-            <a:pPr marL="0" indent="0">
-              <a:buNone/>
-            </a:pPr>
-            <a:endParaRPr lang="ru-RU" b="0" i="0" dirty="0">
-              <a:effectLst/>
-              <a:latin typeface="fkGroteskNeue"/>
-            </a:endParaRPr>
+              <a:rPr lang="ru-RU" b="0" i="0" dirty="0">
+                <a:effectLst/>
+                <a:latin typeface="fkGroteskNeue"/>
+              </a:rPr>
+              <a:t>(2) Формальная верификация программного обеспечения (Model </a:t>
+            </a:r>
+            <a:r>
+              <a:rPr lang="ru-RU" b="0" i="0" dirty="0" err="1">
+                <a:effectLst/>
+                <a:latin typeface="fkGroteskNeue"/>
+              </a:rPr>
+              <a:t>Checking</a:t>
+            </a:r>
+            <a:r>
+              <a:rPr lang="ru-RU" b="0" i="0" dirty="0">
+                <a:effectLst/>
+                <a:latin typeface="fkGroteskNeue"/>
+              </a:rPr>
+              <a:t>) — использование SAT для автоматической проверки моделей систем против спецификаций безопасности;</a:t>
+            </a:r>
           </a:p>
         </p:txBody>
       </p:sp>
@@ -11051,7 +10989,7 @@
           <p:cNvPr id="5" name="Номер слайда 4">
             <a:extLst>
               <a:ext uri="{FF2B5EF4-FFF2-40B4-BE49-F238E27FC236}">
-                <a16:creationId xmlns:a16="http://schemas.microsoft.com/office/drawing/2014/main" id="{19A37503-CBE7-44C8-BDE3-BE11EC2CF3B8}"/>
+                <a16:creationId xmlns:a16="http://schemas.microsoft.com/office/drawing/2014/main" id="{2FCEFF7A-0248-41B7-B2F6-FAE6D76E310C}"/>
               </a:ext>
             </a:extLst>
           </p:cNvPr>
@@ -11078,7 +11016,7 @@
     </p:spTree>
     <p:extLst>
       <p:ext uri="{BB962C8B-B14F-4D97-AF65-F5344CB8AC3E}">
-        <p14:creationId xmlns:p14="http://schemas.microsoft.com/office/powerpoint/2010/main" val="1522365481"/>
+        <p14:creationId xmlns:p14="http://schemas.microsoft.com/office/powerpoint/2010/main" val="1024331436"/>
       </p:ext>
     </p:extLst>
   </p:cSld>
@@ -11139,7 +11077,23 @@
                   <a:schemeClr val="bg1"/>
                 </a:solidFill>
               </a:rPr>
-              <a:t>Выводы</a:t>
+              <a:t>Применение </a:t>
+            </a:r>
+            <a:r>
+              <a:rPr lang="en-US" dirty="0">
+                <a:solidFill>
+                  <a:schemeClr val="bg1"/>
+                </a:solidFill>
+              </a:rPr>
+              <a:t>SAT-</a:t>
+            </a:r>
+            <a:r>
+              <a:rPr lang="ru-RU" dirty="0">
+                <a:solidFill>
+                  <a:schemeClr val="bg1"/>
+                </a:solidFill>
+              </a:rPr>
+              <a:t>технологий</a:t>
             </a:r>
           </a:p>
         </p:txBody>
@@ -11168,7 +11122,7 @@
         </p:spPr>
         <p:txBody>
           <a:bodyPr>
-            <a:normAutofit/>
+            <a:normAutofit fontScale="92500" lnSpcReduction="10000"/>
           </a:bodyPr>
           <a:lstStyle/>
           <a:p>
@@ -11176,11 +11130,18 @@
               <a:buNone/>
             </a:pPr>
             <a:r>
-              <a:rPr lang="ru-RU" b="0" i="0" dirty="0">
-                <a:effectLst/>
-                <a:latin typeface="fkGroteskNeue"/>
-              </a:rPr>
-              <a:t>Проведённое исследование подтвердило следующие ключевые положения:</a:t>
+              <a:rPr lang="ru-RU" b="0" i="0">
+                <a:effectLst/>
+                <a:latin typeface="fkGroteskNeue"/>
+              </a:rPr>
+              <a:t>(</a:t>
+            </a:r>
+            <a:r>
+              <a:rPr lang="ru-RU" b="0" i="0" dirty="0">
+                <a:effectLst/>
+                <a:latin typeface="fkGroteskNeue"/>
+              </a:rPr>
+              <a:t>3) Оптимизация и планирование — решение задач удовлетворения ограничений (CSP) при планировании производства, составлении расписаний, размещении ресурсов;</a:t>
             </a:r>
           </a:p>
           <a:p>
@@ -11192,21 +11153,7 @@
                 <a:effectLst/>
                 <a:latin typeface="fkGroteskNeue"/>
               </a:rPr>
-              <a:t>(1) Проблема SAT остаётся NP-полной, и методы полного перебора </a:t>
-            </a:r>
-            <a:r>
-              <a:rPr lang="ru-RU" b="0" i="0" dirty="0" err="1">
-                <a:effectLst/>
-                <a:latin typeface="fkGroteskNeue"/>
-              </a:rPr>
-              <a:t>экспоненциальны</a:t>
-            </a:r>
-            <a:r>
-              <a:rPr lang="ru-RU" b="0" i="0" dirty="0">
-                <a:effectLst/>
-                <a:latin typeface="fkGroteskNeue"/>
-              </a:rPr>
-              <a:t> по определению, практически применимы только для n ≤ 25 переменных;</a:t>
+              <a:t>(4) Криптографический анализ — использование SAT-решателей для анализа криптографических примитивов, поиска коллизий, обнаружения уязвимостей;</a:t>
             </a:r>
           </a:p>
           <a:p>
@@ -11214,54 +11161,46 @@
               <a:buNone/>
             </a:pPr>
             <a:r>
-              <a:rPr lang="ru-RU" b="0" i="0" dirty="0">
-                <a:effectLst/>
-                <a:latin typeface="fkGroteskNeue"/>
-              </a:rPr>
-              <a:t>(2) Алгоритм DPLL, базирующийся на </a:t>
-            </a:r>
-            <a:r>
-              <a:rPr lang="ru-RU" b="0" i="0" dirty="0" err="1">
-                <a:effectLst/>
-                <a:latin typeface="fkGroteskNeue"/>
-              </a:rPr>
-              <a:t>unit</a:t>
-            </a:r>
-            <a:r>
-              <a:rPr lang="ru-RU" b="0" i="0" dirty="0">
-                <a:effectLst/>
-                <a:latin typeface="fkGroteskNeue"/>
-              </a:rPr>
-              <a:t> </a:t>
-            </a:r>
-            <a:r>
-              <a:rPr lang="ru-RU" b="0" i="0" dirty="0" err="1">
-                <a:effectLst/>
-                <a:latin typeface="fkGroteskNeue"/>
-              </a:rPr>
-              <a:t>propagation</a:t>
-            </a:r>
-            <a:r>
-              <a:rPr lang="ru-RU" b="0" i="0" dirty="0">
-                <a:effectLst/>
-                <a:latin typeface="fkGroteskNeue"/>
-              </a:rPr>
-              <a:t> и </a:t>
-            </a:r>
-            <a:r>
-              <a:rPr lang="ru-RU" b="0" i="0" dirty="0" err="1">
-                <a:effectLst/>
-                <a:latin typeface="fkGroteskNeue"/>
-              </a:rPr>
-              <a:t>backtracking</a:t>
-            </a:r>
-            <a:r>
-              <a:rPr lang="ru-RU" b="0" i="0" dirty="0">
-                <a:effectLst/>
-                <a:latin typeface="fkGroteskNeue"/>
-              </a:rPr>
-              <a:t>, обеспечивает значительное сокращение пространства поиска по сравнению с полным перебором, но не использует информацию из конфликтов;</a:t>
-            </a:r>
+              <a:rPr lang="ru-RU" b="0" i="0">
+                <a:effectLst/>
+                <a:latin typeface="fkGroteskNeue"/>
+              </a:rPr>
+              <a:t>(</a:t>
+            </a:r>
+            <a:r>
+              <a:rPr lang="ru-RU" b="0" i="0" dirty="0">
+                <a:effectLst/>
+                <a:latin typeface="fkGroteskNeue"/>
+              </a:rPr>
+              <a:t>5) Синтез программ — автоматическое синтезирование кода, удовлетворяющего заданным спецификациям посредством </a:t>
+            </a:r>
+            <a:r>
+              <a:rPr lang="ru-RU" b="0" i="0">
+                <a:effectLst/>
+                <a:latin typeface="fkGroteskNeue"/>
+              </a:rPr>
+              <a:t>SAT-редукции.</a:t>
+            </a:r>
+          </a:p>
+          <a:p>
+            <a:pPr marL="0" indent="0">
+              <a:buNone/>
+            </a:pPr>
+            <a:r>
+              <a:rPr lang="ru-RU" b="0" i="0">
+                <a:effectLst/>
+                <a:latin typeface="fkGroteskNeue"/>
+              </a:rPr>
+              <a:t>Глобальный </a:t>
+            </a:r>
+            <a:r>
+              <a:rPr lang="ru-RU" b="0" i="0" dirty="0">
+                <a:effectLst/>
+                <a:latin typeface="fkGroteskNeue"/>
+              </a:rPr>
+              <a:t>рынок средств верификации аппаратуры, опирающихся на SAT-технологию, оценивается в миллиарды долларов, что подтверждает критическую значимость этой технологии.</a:t>
+            </a:r>
+            <a:endParaRPr lang="ru-RU" dirty="0"/>
           </a:p>
         </p:txBody>
       </p:sp>
@@ -11270,7 +11209,7 @@
           <p:cNvPr id="5" name="Номер слайда 4">
             <a:extLst>
               <a:ext uri="{FF2B5EF4-FFF2-40B4-BE49-F238E27FC236}">
-                <a16:creationId xmlns:a16="http://schemas.microsoft.com/office/drawing/2014/main" id="{483094D7-4AAE-40FD-B102-287EFB92C6D5}"/>
+                <a16:creationId xmlns:a16="http://schemas.microsoft.com/office/drawing/2014/main" id="{17B199B2-C158-49A4-9EDA-5B2D84B2935A}"/>
               </a:ext>
             </a:extLst>
           </p:cNvPr>
@@ -11297,7 +11236,7 @@
     </p:spTree>
     <p:extLst>
       <p:ext uri="{BB962C8B-B14F-4D97-AF65-F5344CB8AC3E}">
-        <p14:creationId xmlns:p14="http://schemas.microsoft.com/office/powerpoint/2010/main" val="245253284"/>
+        <p14:creationId xmlns:p14="http://schemas.microsoft.com/office/powerpoint/2010/main" val="3765097112"/>
       </p:ext>
     </p:extLst>
   </p:cSld>
@@ -11358,7 +11297,7 @@
                   <a:schemeClr val="bg1"/>
                 </a:solidFill>
               </a:rPr>
-              <a:t>Выводы</a:t>
+              <a:t>Ограничения и проблемы</a:t>
             </a:r>
           </a:p>
         </p:txBody>
@@ -11399,63 +11338,7 @@
                 <a:effectLst/>
                 <a:latin typeface="fkGroteskNeue"/>
               </a:rPr>
-              <a:t>(3) Алгоритм CDCL, расширяющий DPLL посредством </a:t>
-            </a:r>
-            <a:r>
-              <a:rPr lang="ru-RU" b="0" i="0" dirty="0" err="1">
-                <a:effectLst/>
-                <a:latin typeface="fkGroteskNeue"/>
-              </a:rPr>
-              <a:t>clause</a:t>
-            </a:r>
-            <a:r>
-              <a:rPr lang="ru-RU" b="0" i="0" dirty="0">
-                <a:effectLst/>
-                <a:latin typeface="fkGroteskNeue"/>
-              </a:rPr>
-              <a:t> </a:t>
-            </a:r>
-            <a:r>
-              <a:rPr lang="ru-RU" b="0" i="0" dirty="0" err="1">
-                <a:effectLst/>
-                <a:latin typeface="fkGroteskNeue"/>
-              </a:rPr>
-              <a:t>learning</a:t>
-            </a:r>
-            <a:r>
-              <a:rPr lang="ru-RU" b="0" i="0" dirty="0">
-                <a:effectLst/>
-                <a:latin typeface="fkGroteskNeue"/>
-              </a:rPr>
-              <a:t>, </a:t>
-            </a:r>
-            <a:r>
-              <a:rPr lang="ru-RU" b="0" i="0" dirty="0" err="1">
-                <a:effectLst/>
-                <a:latin typeface="fkGroteskNeue"/>
-              </a:rPr>
-              <a:t>non-chronological</a:t>
-            </a:r>
-            <a:r>
-              <a:rPr lang="ru-RU" b="0" i="0" dirty="0">
-                <a:effectLst/>
-                <a:latin typeface="fkGroteskNeue"/>
-              </a:rPr>
-              <a:t> </a:t>
-            </a:r>
-            <a:r>
-              <a:rPr lang="ru-RU" b="0" i="0" dirty="0" err="1">
-                <a:effectLst/>
-                <a:latin typeface="fkGroteskNeue"/>
-              </a:rPr>
-              <a:t>backtracking</a:t>
-            </a:r>
-            <a:r>
-              <a:rPr lang="ru-RU" b="0" i="0" dirty="0">
-                <a:effectLst/>
-                <a:latin typeface="fkGroteskNeue"/>
-              </a:rPr>
-              <a:t> и интеллектуальных эвристик, достигает практических решений задач со сложностью, казалось бы, непреодолимой для методов полного перебора;</a:t>
+              <a:t>Несмотря на значительные успехи, CDCL-решатели сталкиваются с рядом трудностей:</a:t>
             </a:r>
           </a:p>
           <a:p>
@@ -11467,21 +11350,31 @@
                 <a:effectLst/>
                 <a:latin typeface="fkGroteskNeue"/>
               </a:rPr>
-              <a:t>(4) Z3 SMT-решатель, реализующий CDCL с многочисленными оптимизациями, демонстрирует ускорение на 100-400 раз по сравнению с </a:t>
-            </a:r>
-            <a:r>
-              <a:rPr lang="ru-RU" b="0" i="0" dirty="0" err="1">
-                <a:effectLst/>
-                <a:latin typeface="fkGroteskNeue"/>
-              </a:rPr>
-              <a:t>брутфорсом</a:t>
-            </a:r>
-            <a:r>
-              <a:rPr lang="ru-RU" b="0" i="0" dirty="0">
-                <a:effectLst/>
-                <a:latin typeface="fkGroteskNeue"/>
-              </a:rPr>
-              <a:t> на формулах масштаба 20-25 переменных;</a:t>
+              <a:t>(1) Масштабируемость на очень большие экземпляры — формулы с сотнями тысяч клауз остаются вызовом, требуя часов вычисления;</a:t>
+            </a:r>
+          </a:p>
+          <a:p>
+            <a:pPr marL="0" indent="0">
+              <a:buNone/>
+            </a:pPr>
+            <a:r>
+              <a:rPr lang="ru-RU" b="0" i="0" dirty="0">
+                <a:effectLst/>
+                <a:latin typeface="fkGroteskNeue"/>
+              </a:rPr>
+              <a:t>(2) Зависимость от структуры экземпляра — случайные формулы часто решаются быстро, тогда как структурированные экземпляры (возникающие из реальных приложений) могут демонстрировать непредсказуемо долгое время решения;</a:t>
+            </a:r>
+          </a:p>
+          <a:p>
+            <a:pPr marL="0" indent="0">
+              <a:buNone/>
+            </a:pPr>
+            <a:r>
+              <a:rPr lang="ru-RU" b="0" i="0" dirty="0">
+                <a:effectLst/>
+                <a:latin typeface="fkGroteskNeue"/>
+              </a:rPr>
+              <a:t>(3) Качество эвристик выбора переменной — неправильный выбор эвристики может замедлить алгоритм в 1000 раз;</a:t>
             </a:r>
           </a:p>
         </p:txBody>
@@ -11491,7 +11384,7 @@
           <p:cNvPr id="5" name="Номер слайда 4">
             <a:extLst>
               <a:ext uri="{FF2B5EF4-FFF2-40B4-BE49-F238E27FC236}">
-                <a16:creationId xmlns:a16="http://schemas.microsoft.com/office/drawing/2014/main" id="{A2ECA31E-91E0-4F72-9FE1-3F8171538966}"/>
+                <a16:creationId xmlns:a16="http://schemas.microsoft.com/office/drawing/2014/main" id="{D4414503-E004-4E28-992E-24EBE48EB4F6}"/>
               </a:ext>
             </a:extLst>
           </p:cNvPr>
@@ -11518,7 +11411,7 @@
     </p:spTree>
     <p:extLst>
       <p:ext uri="{BB962C8B-B14F-4D97-AF65-F5344CB8AC3E}">
-        <p14:creationId xmlns:p14="http://schemas.microsoft.com/office/powerpoint/2010/main" val="1992044431"/>
+        <p14:creationId xmlns:p14="http://schemas.microsoft.com/office/powerpoint/2010/main" val="2790502837"/>
       </p:ext>
     </p:extLst>
   </p:cSld>
@@ -11579,7 +11472,7 @@
                   <a:schemeClr val="bg1"/>
                 </a:solidFill>
               </a:rPr>
-              <a:t>Выводы</a:t>
+              <a:t>Ограничения и проблемы</a:t>
             </a:r>
           </a:p>
         </p:txBody>
@@ -11627,7 +11520,7 @@
                 <a:effectLst/>
                 <a:latin typeface="fkGroteskNeue"/>
               </a:rPr>
-              <a:t>5) SAT-технология является критической инфраструктурой для верификации аппаратуры, тестирования ПО и множества других приложений в современной цифровой индустрии</a:t>
+              <a:t>4) Фазовые переходы — для некоторого класса случайных формул наблюдается резкий переход от простого к сложному при определённом соотношении клауз к переменным, создающий "пиковую сложность";</a:t>
             </a:r>
           </a:p>
           <a:p>
@@ -11635,19 +11528,47 @@
               <a:buNone/>
             </a:pPr>
             <a:r>
+              <a:rPr lang="ru-RU" b="0" i="0" dirty="0">
+                <a:effectLst/>
+                <a:latin typeface="fkGroteskNeue"/>
+              </a:rPr>
+              <a:t>(5) Проблема несбалансированного поиска — алгоритм может зависнуть в неудачной ветви, несмотря на наличие других решающих </a:t>
+            </a:r>
+            <a:r>
               <a:rPr lang="ru-RU" b="0" i="0">
                 <a:effectLst/>
                 <a:latin typeface="fkGroteskNeue"/>
               </a:rPr>
-              <a:t>Результаты </a:t>
-            </a:r>
-            <a:r>
-              <a:rPr lang="ru-RU" b="0" i="0" dirty="0">
-                <a:effectLst/>
-                <a:latin typeface="fkGroteskNeue"/>
-              </a:rPr>
-              <a:t>подтверждают гипотезу о том, что интеллектуальные алгоритмические подходы преодолевают теоретические барьеры экспоненциальной сложности и обеспечивают практическую разрешимость задач, неразрешимых наивными методами.</a:t>
-            </a:r>
+              <a:t>путей.</a:t>
+            </a:r>
+          </a:p>
+          <a:p>
+            <a:pPr marL="0" indent="0">
+              <a:buNone/>
+            </a:pPr>
+            <a:r>
+              <a:rPr lang="ru-RU" b="0" i="0">
+                <a:effectLst/>
+                <a:latin typeface="fkGroteskNeue"/>
+              </a:rPr>
+              <a:t>Указанные </a:t>
+            </a:r>
+            <a:r>
+              <a:rPr lang="ru-RU" b="0" i="0" dirty="0">
+                <a:effectLst/>
+                <a:latin typeface="fkGroteskNeue"/>
+              </a:rPr>
+              <a:t>ограничения остаются активной областью исследований, включая разработку адаптивных эвристик, параллельных SAT-решателей и гибридных подходов.</a:t>
+            </a:r>
+          </a:p>
+          <a:p>
+            <a:pPr marL="0" indent="0">
+              <a:buNone/>
+            </a:pPr>
+            <a:endParaRPr lang="ru-RU" b="0" i="0" dirty="0">
+              <a:effectLst/>
+              <a:latin typeface="fkGroteskNeue"/>
+            </a:endParaRPr>
           </a:p>
         </p:txBody>
       </p:sp>
@@ -11656,7 +11577,7 @@
           <p:cNvPr id="5" name="Номер слайда 4">
             <a:extLst>
               <a:ext uri="{FF2B5EF4-FFF2-40B4-BE49-F238E27FC236}">
-                <a16:creationId xmlns:a16="http://schemas.microsoft.com/office/drawing/2014/main" id="{EFEA3F5C-1A10-4333-BB12-4ED8F6BCA869}"/>
+                <a16:creationId xmlns:a16="http://schemas.microsoft.com/office/drawing/2014/main" id="{19A37503-CBE7-44C8-BDE3-BE11EC2CF3B8}"/>
               </a:ext>
             </a:extLst>
           </p:cNvPr>
@@ -11683,7 +11604,7 @@
     </p:spTree>
     <p:extLst>
       <p:ext uri="{BB962C8B-B14F-4D97-AF65-F5344CB8AC3E}">
-        <p14:creationId xmlns:p14="http://schemas.microsoft.com/office/powerpoint/2010/main" val="1971149438"/>
+        <p14:creationId xmlns:p14="http://schemas.microsoft.com/office/powerpoint/2010/main" val="1522365481"/>
       </p:ext>
     </p:extLst>
   </p:cSld>
@@ -11744,7 +11665,7 @@
                   <a:schemeClr val="bg1"/>
                 </a:solidFill>
               </a:rPr>
-              <a:t>Роли в команде</a:t>
+              <a:t>Выводы</a:t>
             </a:r>
           </a:p>
         </p:txBody>
@@ -11785,7 +11706,7 @@
                 <a:effectLst/>
                 <a:latin typeface="fkGroteskNeue"/>
               </a:rPr>
-              <a:t>Барченков П.А. — Главы 1,2, управление проектом</a:t>
+              <a:t>Проведённое исследование подтвердило следующие ключевые положения:</a:t>
             </a:r>
           </a:p>
           <a:p>
@@ -11797,7 +11718,21 @@
                 <a:effectLst/>
                 <a:latin typeface="fkGroteskNeue"/>
               </a:rPr>
-              <a:t>Лебедев И.А. — разработка программного комплекса</a:t>
+              <a:t>(1) Проблема SAT остаётся NP-полной, и методы полного перебора </a:t>
+            </a:r>
+            <a:r>
+              <a:rPr lang="ru-RU" b="0" i="0" dirty="0" err="1">
+                <a:effectLst/>
+                <a:latin typeface="fkGroteskNeue"/>
+              </a:rPr>
+              <a:t>экспоненциальны</a:t>
+            </a:r>
+            <a:r>
+              <a:rPr lang="ru-RU" b="0" i="0" dirty="0">
+                <a:effectLst/>
+                <a:latin typeface="fkGroteskNeue"/>
+              </a:rPr>
+              <a:t> по определению, практически применимы только для n ≤ 25 переменных;</a:t>
             </a:r>
           </a:p>
           <a:p>
@@ -11809,7 +11744,49 @@
                 <a:effectLst/>
                 <a:latin typeface="fkGroteskNeue"/>
               </a:rPr>
-              <a:t>Шарапов И.Д. — тестирование ПК, Глава 3, презентация</a:t>
+              <a:t>(2) Алгоритм DPLL, базирующийся на </a:t>
+            </a:r>
+            <a:r>
+              <a:rPr lang="ru-RU" b="0" i="0" dirty="0" err="1">
+                <a:effectLst/>
+                <a:latin typeface="fkGroteskNeue"/>
+              </a:rPr>
+              <a:t>unit</a:t>
+            </a:r>
+            <a:r>
+              <a:rPr lang="ru-RU" b="0" i="0" dirty="0">
+                <a:effectLst/>
+                <a:latin typeface="fkGroteskNeue"/>
+              </a:rPr>
+              <a:t> </a:t>
+            </a:r>
+            <a:r>
+              <a:rPr lang="ru-RU" b="0" i="0" dirty="0" err="1">
+                <a:effectLst/>
+                <a:latin typeface="fkGroteskNeue"/>
+              </a:rPr>
+              <a:t>propagation</a:t>
+            </a:r>
+            <a:r>
+              <a:rPr lang="ru-RU" b="0" i="0" dirty="0">
+                <a:effectLst/>
+                <a:latin typeface="fkGroteskNeue"/>
+              </a:rPr>
+              <a:t> и </a:t>
+            </a:r>
+            <a:r>
+              <a:rPr lang="ru-RU" b="0" i="0" dirty="0" err="1">
+                <a:effectLst/>
+                <a:latin typeface="fkGroteskNeue"/>
+              </a:rPr>
+              <a:t>backtracking</a:t>
+            </a:r>
+            <a:r>
+              <a:rPr lang="ru-RU" b="0" i="0" dirty="0">
+                <a:effectLst/>
+                <a:latin typeface="fkGroteskNeue"/>
+              </a:rPr>
+              <a:t>, обеспечивает значительное сокращение пространства поиска по сравнению с полным перебором, но не использует информацию из конфликтов;</a:t>
             </a:r>
           </a:p>
         </p:txBody>
@@ -11819,7 +11796,7 @@
           <p:cNvPr id="5" name="Номер слайда 4">
             <a:extLst>
               <a:ext uri="{FF2B5EF4-FFF2-40B4-BE49-F238E27FC236}">
-                <a16:creationId xmlns:a16="http://schemas.microsoft.com/office/drawing/2014/main" id="{0A9FC68C-42E9-4D87-ADC9-79020943E357}"/>
+                <a16:creationId xmlns:a16="http://schemas.microsoft.com/office/drawing/2014/main" id="{483094D7-4AAE-40FD-B102-287EFB92C6D5}"/>
               </a:ext>
             </a:extLst>
           </p:cNvPr>
@@ -11846,7 +11823,7 @@
     </p:spTree>
     <p:extLst>
       <p:ext uri="{BB962C8B-B14F-4D97-AF65-F5344CB8AC3E}">
-        <p14:creationId xmlns:p14="http://schemas.microsoft.com/office/powerpoint/2010/main" val="4020197024"/>
+        <p14:creationId xmlns:p14="http://schemas.microsoft.com/office/powerpoint/2010/main" val="245253284"/>
       </p:ext>
     </p:extLst>
   </p:cSld>
@@ -11986,6 +11963,555 @@
     <p:extLst>
       <p:ext uri="{BB962C8B-B14F-4D97-AF65-F5344CB8AC3E}">
         <p14:creationId xmlns:p14="http://schemas.microsoft.com/office/powerpoint/2010/main" val="1886072618"/>
+      </p:ext>
+    </p:extLst>
+  </p:cSld>
+  <p:clrMapOvr>
+    <a:masterClrMapping/>
+  </p:clrMapOvr>
+</p:sld>
+</file>
+
+<file path=ppt/slides/slide40.xml><?xml version="1.0" encoding="utf-8"?>
+<p:sld xmlns:a="http://schemas.openxmlformats.org/drawingml/2006/main" xmlns:r="http://schemas.openxmlformats.org/officeDocument/2006/relationships" xmlns:p="http://schemas.openxmlformats.org/presentationml/2006/main">
+  <p:cSld>
+    <p:spTree>
+      <p:nvGrpSpPr>
+        <p:cNvPr id="1" name=""/>
+        <p:cNvGrpSpPr/>
+        <p:nvPr/>
+      </p:nvGrpSpPr>
+      <p:grpSpPr>
+        <a:xfrm>
+          <a:off x="0" y="0"/>
+          <a:ext cx="0" cy="0"/>
+          <a:chOff x="0" y="0"/>
+          <a:chExt cx="0" cy="0"/>
+        </a:xfrm>
+      </p:grpSpPr>
+      <p:sp>
+        <p:nvSpPr>
+          <p:cNvPr id="2" name="Заголовок 1">
+            <a:extLst>
+              <a:ext uri="{FF2B5EF4-FFF2-40B4-BE49-F238E27FC236}">
+                <a16:creationId xmlns:a16="http://schemas.microsoft.com/office/drawing/2014/main" id="{560A5064-666A-7555-7357-0F8EFD667F80}"/>
+              </a:ext>
+            </a:extLst>
+          </p:cNvPr>
+          <p:cNvSpPr>
+            <a:spLocks noGrp="1"/>
+          </p:cNvSpPr>
+          <p:nvPr>
+            <p:ph type="title"/>
+          </p:nvPr>
+        </p:nvSpPr>
+        <p:spPr>
+          <a:xfrm>
+            <a:off x="185056" y="0"/>
+            <a:ext cx="12006943" cy="919842"/>
+          </a:xfrm>
+        </p:spPr>
+        <p:txBody>
+          <a:bodyPr>
+            <a:normAutofit/>
+          </a:bodyPr>
+          <a:lstStyle/>
+          <a:p>
+            <a:r>
+              <a:rPr lang="ru-RU" dirty="0">
+                <a:solidFill>
+                  <a:schemeClr val="bg1"/>
+                </a:solidFill>
+              </a:rPr>
+              <a:t>Выводы</a:t>
+            </a:r>
+          </a:p>
+        </p:txBody>
+      </p:sp>
+      <p:sp>
+        <p:nvSpPr>
+          <p:cNvPr id="3" name="Объект 2">
+            <a:extLst>
+              <a:ext uri="{FF2B5EF4-FFF2-40B4-BE49-F238E27FC236}">
+                <a16:creationId xmlns:a16="http://schemas.microsoft.com/office/drawing/2014/main" id="{EF1A858C-C156-B159-B6C9-F121B8D996B9}"/>
+              </a:ext>
+            </a:extLst>
+          </p:cNvPr>
+          <p:cNvSpPr>
+            <a:spLocks noGrp="1"/>
+          </p:cNvSpPr>
+          <p:nvPr>
+            <p:ph idx="1"/>
+          </p:nvPr>
+        </p:nvSpPr>
+        <p:spPr>
+          <a:xfrm>
+            <a:off x="838200" y="1825625"/>
+            <a:ext cx="10515600" cy="4618718"/>
+          </a:xfrm>
+        </p:spPr>
+        <p:txBody>
+          <a:bodyPr>
+            <a:normAutofit/>
+          </a:bodyPr>
+          <a:lstStyle/>
+          <a:p>
+            <a:pPr marL="0" indent="0">
+              <a:buNone/>
+            </a:pPr>
+            <a:r>
+              <a:rPr lang="ru-RU" b="0" i="0" dirty="0">
+                <a:effectLst/>
+                <a:latin typeface="fkGroteskNeue"/>
+              </a:rPr>
+              <a:t>(3) Алгоритм CDCL, расширяющий DPLL посредством </a:t>
+            </a:r>
+            <a:r>
+              <a:rPr lang="ru-RU" b="0" i="0" dirty="0" err="1">
+                <a:effectLst/>
+                <a:latin typeface="fkGroteskNeue"/>
+              </a:rPr>
+              <a:t>clause</a:t>
+            </a:r>
+            <a:r>
+              <a:rPr lang="ru-RU" b="0" i="0" dirty="0">
+                <a:effectLst/>
+                <a:latin typeface="fkGroteskNeue"/>
+              </a:rPr>
+              <a:t> </a:t>
+            </a:r>
+            <a:r>
+              <a:rPr lang="ru-RU" b="0" i="0" dirty="0" err="1">
+                <a:effectLst/>
+                <a:latin typeface="fkGroteskNeue"/>
+              </a:rPr>
+              <a:t>learning</a:t>
+            </a:r>
+            <a:r>
+              <a:rPr lang="ru-RU" b="0" i="0" dirty="0">
+                <a:effectLst/>
+                <a:latin typeface="fkGroteskNeue"/>
+              </a:rPr>
+              <a:t>, </a:t>
+            </a:r>
+            <a:r>
+              <a:rPr lang="ru-RU" b="0" i="0" dirty="0" err="1">
+                <a:effectLst/>
+                <a:latin typeface="fkGroteskNeue"/>
+              </a:rPr>
+              <a:t>non-chronological</a:t>
+            </a:r>
+            <a:r>
+              <a:rPr lang="ru-RU" b="0" i="0" dirty="0">
+                <a:effectLst/>
+                <a:latin typeface="fkGroteskNeue"/>
+              </a:rPr>
+              <a:t> </a:t>
+            </a:r>
+            <a:r>
+              <a:rPr lang="ru-RU" b="0" i="0" dirty="0" err="1">
+                <a:effectLst/>
+                <a:latin typeface="fkGroteskNeue"/>
+              </a:rPr>
+              <a:t>backtracking</a:t>
+            </a:r>
+            <a:r>
+              <a:rPr lang="ru-RU" b="0" i="0" dirty="0">
+                <a:effectLst/>
+                <a:latin typeface="fkGroteskNeue"/>
+              </a:rPr>
+              <a:t> и интеллектуальных эвристик, достигает практических решений задач со сложностью, казалось бы, непреодолимой для методов полного перебора;</a:t>
+            </a:r>
+          </a:p>
+          <a:p>
+            <a:pPr marL="0" indent="0">
+              <a:buNone/>
+            </a:pPr>
+            <a:r>
+              <a:rPr lang="ru-RU" b="0" i="0" dirty="0">
+                <a:effectLst/>
+                <a:latin typeface="fkGroteskNeue"/>
+              </a:rPr>
+              <a:t>(4) Z3 SMT-решатель, реализующий CDCL с многочисленными оптимизациями, демонстрирует ускорение на 100-400 раз по сравнению с </a:t>
+            </a:r>
+            <a:r>
+              <a:rPr lang="ru-RU" b="0" i="0" dirty="0" err="1">
+                <a:effectLst/>
+                <a:latin typeface="fkGroteskNeue"/>
+              </a:rPr>
+              <a:t>брутфорсом</a:t>
+            </a:r>
+            <a:r>
+              <a:rPr lang="ru-RU" b="0" i="0" dirty="0">
+                <a:effectLst/>
+                <a:latin typeface="fkGroteskNeue"/>
+              </a:rPr>
+              <a:t> на формулах масштаба 20-25 переменных;</a:t>
+            </a:r>
+          </a:p>
+        </p:txBody>
+      </p:sp>
+      <p:sp>
+        <p:nvSpPr>
+          <p:cNvPr id="5" name="Номер слайда 4">
+            <a:extLst>
+              <a:ext uri="{FF2B5EF4-FFF2-40B4-BE49-F238E27FC236}">
+                <a16:creationId xmlns:a16="http://schemas.microsoft.com/office/drawing/2014/main" id="{A2ECA31E-91E0-4F72-9FE1-3F8171538966}"/>
+              </a:ext>
+            </a:extLst>
+          </p:cNvPr>
+          <p:cNvSpPr>
+            <a:spLocks noGrp="1"/>
+          </p:cNvSpPr>
+          <p:nvPr>
+            <p:ph type="sldNum" sz="quarter" idx="12"/>
+          </p:nvPr>
+        </p:nvSpPr>
+        <p:spPr/>
+        <p:txBody>
+          <a:bodyPr/>
+          <a:lstStyle/>
+          <a:p>
+            <a:fld id="{EF7A8E35-B303-42FD-88A6-20A8D5E4F372}" type="slidenum">
+              <a:rPr lang="ru-RU" smtClean="0"/>
+              <a:t>40</a:t>
+            </a:fld>
+            <a:endParaRPr lang="ru-RU"/>
+          </a:p>
+        </p:txBody>
+      </p:sp>
+    </p:spTree>
+    <p:extLst>
+      <p:ext uri="{BB962C8B-B14F-4D97-AF65-F5344CB8AC3E}">
+        <p14:creationId xmlns:p14="http://schemas.microsoft.com/office/powerpoint/2010/main" val="1992044431"/>
+      </p:ext>
+    </p:extLst>
+  </p:cSld>
+  <p:clrMapOvr>
+    <a:masterClrMapping/>
+  </p:clrMapOvr>
+</p:sld>
+</file>
+
+<file path=ppt/slides/slide41.xml><?xml version="1.0" encoding="utf-8"?>
+<p:sld xmlns:a="http://schemas.openxmlformats.org/drawingml/2006/main" xmlns:r="http://schemas.openxmlformats.org/officeDocument/2006/relationships" xmlns:p="http://schemas.openxmlformats.org/presentationml/2006/main">
+  <p:cSld>
+    <p:spTree>
+      <p:nvGrpSpPr>
+        <p:cNvPr id="1" name=""/>
+        <p:cNvGrpSpPr/>
+        <p:nvPr/>
+      </p:nvGrpSpPr>
+      <p:grpSpPr>
+        <a:xfrm>
+          <a:off x="0" y="0"/>
+          <a:ext cx="0" cy="0"/>
+          <a:chOff x="0" y="0"/>
+          <a:chExt cx="0" cy="0"/>
+        </a:xfrm>
+      </p:grpSpPr>
+      <p:sp>
+        <p:nvSpPr>
+          <p:cNvPr id="2" name="Заголовок 1">
+            <a:extLst>
+              <a:ext uri="{FF2B5EF4-FFF2-40B4-BE49-F238E27FC236}">
+                <a16:creationId xmlns:a16="http://schemas.microsoft.com/office/drawing/2014/main" id="{560A5064-666A-7555-7357-0F8EFD667F80}"/>
+              </a:ext>
+            </a:extLst>
+          </p:cNvPr>
+          <p:cNvSpPr>
+            <a:spLocks noGrp="1"/>
+          </p:cNvSpPr>
+          <p:nvPr>
+            <p:ph type="title"/>
+          </p:nvPr>
+        </p:nvSpPr>
+        <p:spPr>
+          <a:xfrm>
+            <a:off x="185056" y="0"/>
+            <a:ext cx="12006943" cy="919842"/>
+          </a:xfrm>
+        </p:spPr>
+        <p:txBody>
+          <a:bodyPr>
+            <a:normAutofit/>
+          </a:bodyPr>
+          <a:lstStyle/>
+          <a:p>
+            <a:r>
+              <a:rPr lang="ru-RU" dirty="0">
+                <a:solidFill>
+                  <a:schemeClr val="bg1"/>
+                </a:solidFill>
+              </a:rPr>
+              <a:t>Выводы</a:t>
+            </a:r>
+          </a:p>
+        </p:txBody>
+      </p:sp>
+      <p:sp>
+        <p:nvSpPr>
+          <p:cNvPr id="3" name="Объект 2">
+            <a:extLst>
+              <a:ext uri="{FF2B5EF4-FFF2-40B4-BE49-F238E27FC236}">
+                <a16:creationId xmlns:a16="http://schemas.microsoft.com/office/drawing/2014/main" id="{EF1A858C-C156-B159-B6C9-F121B8D996B9}"/>
+              </a:ext>
+            </a:extLst>
+          </p:cNvPr>
+          <p:cNvSpPr>
+            <a:spLocks noGrp="1"/>
+          </p:cNvSpPr>
+          <p:nvPr>
+            <p:ph idx="1"/>
+          </p:nvPr>
+        </p:nvSpPr>
+        <p:spPr>
+          <a:xfrm>
+            <a:off x="838200" y="1825625"/>
+            <a:ext cx="10515600" cy="4618718"/>
+          </a:xfrm>
+        </p:spPr>
+        <p:txBody>
+          <a:bodyPr>
+            <a:normAutofit/>
+          </a:bodyPr>
+          <a:lstStyle/>
+          <a:p>
+            <a:pPr marL="0" indent="0">
+              <a:buNone/>
+            </a:pPr>
+            <a:r>
+              <a:rPr lang="ru-RU" b="0" i="0">
+                <a:effectLst/>
+                <a:latin typeface="fkGroteskNeue"/>
+              </a:rPr>
+              <a:t>(</a:t>
+            </a:r>
+            <a:r>
+              <a:rPr lang="ru-RU" b="0" i="0" dirty="0">
+                <a:effectLst/>
+                <a:latin typeface="fkGroteskNeue"/>
+              </a:rPr>
+              <a:t>5) SAT-технология является критической инфраструктурой для верификации аппаратуры, тестирования ПО и множества других приложений в современной цифровой индустрии</a:t>
+            </a:r>
+          </a:p>
+          <a:p>
+            <a:pPr marL="0" indent="0">
+              <a:buNone/>
+            </a:pPr>
+            <a:r>
+              <a:rPr lang="ru-RU" b="0" i="0">
+                <a:effectLst/>
+                <a:latin typeface="fkGroteskNeue"/>
+              </a:rPr>
+              <a:t>Результаты </a:t>
+            </a:r>
+            <a:r>
+              <a:rPr lang="ru-RU" b="0" i="0" dirty="0">
+                <a:effectLst/>
+                <a:latin typeface="fkGroteskNeue"/>
+              </a:rPr>
+              <a:t>подтверждают гипотезу о том, что интеллектуальные алгоритмические подходы преодолевают теоретические барьеры экспоненциальной сложности и обеспечивают практическую разрешимость задач, неразрешимых наивными методами.</a:t>
+            </a:r>
+          </a:p>
+        </p:txBody>
+      </p:sp>
+      <p:sp>
+        <p:nvSpPr>
+          <p:cNvPr id="5" name="Номер слайда 4">
+            <a:extLst>
+              <a:ext uri="{FF2B5EF4-FFF2-40B4-BE49-F238E27FC236}">
+                <a16:creationId xmlns:a16="http://schemas.microsoft.com/office/drawing/2014/main" id="{EFEA3F5C-1A10-4333-BB12-4ED8F6BCA869}"/>
+              </a:ext>
+            </a:extLst>
+          </p:cNvPr>
+          <p:cNvSpPr>
+            <a:spLocks noGrp="1"/>
+          </p:cNvSpPr>
+          <p:nvPr>
+            <p:ph type="sldNum" sz="quarter" idx="12"/>
+          </p:nvPr>
+        </p:nvSpPr>
+        <p:spPr/>
+        <p:txBody>
+          <a:bodyPr/>
+          <a:lstStyle/>
+          <a:p>
+            <a:fld id="{EF7A8E35-B303-42FD-88A6-20A8D5E4F372}" type="slidenum">
+              <a:rPr lang="ru-RU" smtClean="0"/>
+              <a:t>41</a:t>
+            </a:fld>
+            <a:endParaRPr lang="ru-RU"/>
+          </a:p>
+        </p:txBody>
+      </p:sp>
+    </p:spTree>
+    <p:extLst>
+      <p:ext uri="{BB962C8B-B14F-4D97-AF65-F5344CB8AC3E}">
+        <p14:creationId xmlns:p14="http://schemas.microsoft.com/office/powerpoint/2010/main" val="1971149438"/>
+      </p:ext>
+    </p:extLst>
+  </p:cSld>
+  <p:clrMapOvr>
+    <a:masterClrMapping/>
+  </p:clrMapOvr>
+</p:sld>
+</file>
+
+<file path=ppt/slides/slide42.xml><?xml version="1.0" encoding="utf-8"?>
+<p:sld xmlns:a="http://schemas.openxmlformats.org/drawingml/2006/main" xmlns:r="http://schemas.openxmlformats.org/officeDocument/2006/relationships" xmlns:p="http://schemas.openxmlformats.org/presentationml/2006/main">
+  <p:cSld>
+    <p:spTree>
+      <p:nvGrpSpPr>
+        <p:cNvPr id="1" name=""/>
+        <p:cNvGrpSpPr/>
+        <p:nvPr/>
+      </p:nvGrpSpPr>
+      <p:grpSpPr>
+        <a:xfrm>
+          <a:off x="0" y="0"/>
+          <a:ext cx="0" cy="0"/>
+          <a:chOff x="0" y="0"/>
+          <a:chExt cx="0" cy="0"/>
+        </a:xfrm>
+      </p:grpSpPr>
+      <p:sp>
+        <p:nvSpPr>
+          <p:cNvPr id="2" name="Заголовок 1">
+            <a:extLst>
+              <a:ext uri="{FF2B5EF4-FFF2-40B4-BE49-F238E27FC236}">
+                <a16:creationId xmlns:a16="http://schemas.microsoft.com/office/drawing/2014/main" id="{560A5064-666A-7555-7357-0F8EFD667F80}"/>
+              </a:ext>
+            </a:extLst>
+          </p:cNvPr>
+          <p:cNvSpPr>
+            <a:spLocks noGrp="1"/>
+          </p:cNvSpPr>
+          <p:nvPr>
+            <p:ph type="title"/>
+          </p:nvPr>
+        </p:nvSpPr>
+        <p:spPr>
+          <a:xfrm>
+            <a:off x="185056" y="0"/>
+            <a:ext cx="12006943" cy="919842"/>
+          </a:xfrm>
+        </p:spPr>
+        <p:txBody>
+          <a:bodyPr>
+            <a:normAutofit/>
+          </a:bodyPr>
+          <a:lstStyle/>
+          <a:p>
+            <a:r>
+              <a:rPr lang="ru-RU" dirty="0">
+                <a:solidFill>
+                  <a:schemeClr val="bg1"/>
+                </a:solidFill>
+              </a:rPr>
+              <a:t>Роли в команде</a:t>
+            </a:r>
+          </a:p>
+        </p:txBody>
+      </p:sp>
+      <p:sp>
+        <p:nvSpPr>
+          <p:cNvPr id="3" name="Объект 2">
+            <a:extLst>
+              <a:ext uri="{FF2B5EF4-FFF2-40B4-BE49-F238E27FC236}">
+                <a16:creationId xmlns:a16="http://schemas.microsoft.com/office/drawing/2014/main" id="{EF1A858C-C156-B159-B6C9-F121B8D996B9}"/>
+              </a:ext>
+            </a:extLst>
+          </p:cNvPr>
+          <p:cNvSpPr>
+            <a:spLocks noGrp="1"/>
+          </p:cNvSpPr>
+          <p:nvPr>
+            <p:ph idx="1"/>
+          </p:nvPr>
+        </p:nvSpPr>
+        <p:spPr>
+          <a:xfrm>
+            <a:off x="838200" y="1825625"/>
+            <a:ext cx="10515600" cy="4618718"/>
+          </a:xfrm>
+        </p:spPr>
+        <p:txBody>
+          <a:bodyPr>
+            <a:normAutofit/>
+          </a:bodyPr>
+          <a:lstStyle/>
+          <a:p>
+            <a:pPr marL="0" indent="0">
+              <a:buNone/>
+            </a:pPr>
+            <a:r>
+              <a:rPr lang="ru-RU" b="0" i="0" dirty="0">
+                <a:effectLst/>
+                <a:latin typeface="fkGroteskNeue"/>
+              </a:rPr>
+              <a:t>Барченков П.А. — Главы 1,2, управление проектом</a:t>
+            </a:r>
+          </a:p>
+          <a:p>
+            <a:pPr marL="0" indent="0">
+              <a:buNone/>
+            </a:pPr>
+            <a:r>
+              <a:rPr lang="ru-RU" b="0" i="0" dirty="0">
+                <a:effectLst/>
+                <a:latin typeface="fkGroteskNeue"/>
+              </a:rPr>
+              <a:t>Лебедев И.А. — разработка программного комплекса</a:t>
+            </a:r>
+          </a:p>
+          <a:p>
+            <a:pPr marL="0" indent="0">
+              <a:buNone/>
+            </a:pPr>
+            <a:r>
+              <a:rPr lang="ru-RU" b="0" i="0" dirty="0">
+                <a:effectLst/>
+                <a:latin typeface="fkGroteskNeue"/>
+              </a:rPr>
+              <a:t>Шарапов И.Д. — тестирование ПК, Глава 3, презентация</a:t>
+            </a:r>
+          </a:p>
+        </p:txBody>
+      </p:sp>
+      <p:sp>
+        <p:nvSpPr>
+          <p:cNvPr id="5" name="Номер слайда 4">
+            <a:extLst>
+              <a:ext uri="{FF2B5EF4-FFF2-40B4-BE49-F238E27FC236}">
+                <a16:creationId xmlns:a16="http://schemas.microsoft.com/office/drawing/2014/main" id="{0A9FC68C-42E9-4D87-ADC9-79020943E357}"/>
+              </a:ext>
+            </a:extLst>
+          </p:cNvPr>
+          <p:cNvSpPr>
+            <a:spLocks noGrp="1"/>
+          </p:cNvSpPr>
+          <p:nvPr>
+            <p:ph type="sldNum" sz="quarter" idx="12"/>
+          </p:nvPr>
+        </p:nvSpPr>
+        <p:spPr/>
+        <p:txBody>
+          <a:bodyPr/>
+          <a:lstStyle/>
+          <a:p>
+            <a:fld id="{EF7A8E35-B303-42FD-88A6-20A8D5E4F372}" type="slidenum">
+              <a:rPr lang="ru-RU" smtClean="0"/>
+              <a:t>42</a:t>
+            </a:fld>
+            <a:endParaRPr lang="ru-RU"/>
+          </a:p>
+        </p:txBody>
+      </p:sp>
+    </p:spTree>
+    <p:extLst>
+      <p:ext uri="{BB962C8B-B14F-4D97-AF65-F5344CB8AC3E}">
+        <p14:creationId xmlns:p14="http://schemas.microsoft.com/office/powerpoint/2010/main" val="4020197024"/>
       </p:ext>
     </p:extLst>
   </p:cSld>
@@ -12616,8 +13142,21 @@
                   <a:schemeClr val="bg1"/>
                 </a:solidFill>
               </a:rPr>
-              <a:t>Ограничения полного перебора</a:t>
-            </a:r>
+              <a:t>Преобразование </a:t>
+            </a:r>
+            <a:r>
+              <a:rPr lang="ru-RU" dirty="0" err="1">
+                <a:solidFill>
+                  <a:schemeClr val="bg1"/>
+                </a:solidFill>
+              </a:rPr>
+              <a:t>Цейтна</a:t>
+            </a:r>
+            <a:endParaRPr lang="ru-RU" dirty="0">
+              <a:solidFill>
+                <a:schemeClr val="bg1"/>
+              </a:solidFill>
+            </a:endParaRPr>
           </a:p>
         </p:txBody>
       </p:sp>
@@ -12657,35 +13196,116 @@
                 <a:effectLst/>
                 <a:latin typeface="fkGroteskNeue"/>
               </a:rPr>
-              <a:t>Метод полного перебора (</a:t>
+              <a:t>Преобразование </a:t>
             </a:r>
             <a:r>
               <a:rPr lang="ru-RU" b="0" i="0" dirty="0" err="1">
                 <a:effectLst/>
                 <a:latin typeface="fkGroteskNeue"/>
               </a:rPr>
-              <a:t>brute</a:t>
-            </a:r>
-            <a:r>
-              <a:rPr lang="ru-RU" b="0" i="0" dirty="0">
-                <a:effectLst/>
-                <a:latin typeface="fkGroteskNeue"/>
-              </a:rPr>
-              <a:t> </a:t>
+              <a:t>Цейтина</a:t>
+            </a:r>
+            <a:r>
+              <a:rPr lang="ru-RU" b="0" i="0" dirty="0">
+                <a:effectLst/>
+                <a:latin typeface="fkGroteskNeue"/>
+              </a:rPr>
+              <a:t> преобразует произвольную булеву формулу или логическую схему в КНФ, которая сохраняет свойство выполнимости.</a:t>
+            </a:r>
+          </a:p>
+          <a:p>
+            <a:pPr marL="0" indent="0">
+              <a:buNone/>
+            </a:pPr>
+            <a:r>
+              <a:rPr lang="ru-RU" b="0" i="0" dirty="0">
+                <a:effectLst/>
+                <a:latin typeface="fkGroteskNeue"/>
+              </a:rPr>
+              <a:t>Для каждой </a:t>
             </a:r>
             <a:r>
               <a:rPr lang="ru-RU" b="0" i="0" dirty="0" err="1">
                 <a:effectLst/>
                 <a:latin typeface="fkGroteskNeue"/>
               </a:rPr>
-              <a:t>force</a:t>
-            </a:r>
-            <a:r>
-              <a:rPr lang="ru-RU" b="0" i="0" dirty="0">
-                <a:effectLst/>
-                <a:latin typeface="fkGroteskNeue"/>
-              </a:rPr>
-              <a:t>) основан на систематическом тестировании всех возможных назначений значений переменным формулы. Практическая применимость этого метода ограничивается следующим образом: при n = 10 переменных требуется проверить 1024 комбинации; при n = 20 — 1048576 комбинаций; при n = 30 — 1073741824 комбинаций. </a:t>
+              <a:t>подформулы</a:t>
+            </a:r>
+            <a:r>
+              <a:rPr lang="ru-RU" b="0" i="0" dirty="0">
+                <a:effectLst/>
+                <a:latin typeface="fkGroteskNeue"/>
+              </a:rPr>
+              <a:t> или выхода логического элемента вводится новая переменная </a:t>
+            </a:r>
+            <a:r>
+              <a:rPr lang="ru-RU" b="0" dirty="0">
+                <a:effectLst/>
+                <a:latin typeface="KaTeX_Main"/>
+              </a:rPr>
+              <a:t>x</a:t>
+            </a:r>
+            <a:r>
+              <a:rPr lang="ru-RU" b="0" i="0" dirty="0">
+                <a:effectLst/>
+                <a:latin typeface="fkGroteskNeue"/>
+              </a:rPr>
+              <a:t>, представляющая её значение. Затем добавляются клаузы КНФ, эквивалентные </a:t>
+            </a:r>
+            <a:r>
+              <a:rPr lang="en-US" dirty="0">
+                <a:latin typeface="fkGroteskNeue"/>
+              </a:rPr>
+              <a:t>”</a:t>
+            </a:r>
+            <a:r>
+              <a:rPr lang="ru-RU" b="0" dirty="0">
+                <a:effectLst/>
+                <a:latin typeface="KaTeX_Main"/>
+              </a:rPr>
+              <a:t>x ↔</a:t>
+            </a:r>
+            <a:r>
+              <a:rPr lang="ru-RU" b="0" i="0" dirty="0">
+                <a:effectLst/>
+                <a:latin typeface="fkGroteskNeue"/>
+              </a:rPr>
+              <a:t> </a:t>
+            </a:r>
+            <a:r>
+              <a:rPr lang="ru-RU" b="0" i="0" dirty="0" err="1">
+                <a:effectLst/>
+                <a:latin typeface="fkGroteskNeue"/>
+              </a:rPr>
+              <a:t>подформула</a:t>
+            </a:r>
+            <a:r>
+              <a:rPr lang="en-US" b="0" i="0" dirty="0">
+                <a:effectLst/>
+                <a:latin typeface="fkGroteskNeue"/>
+              </a:rPr>
+              <a:t>”</a:t>
+            </a:r>
+            <a:r>
+              <a:rPr lang="ru-RU" b="0" i="0" dirty="0">
+                <a:effectLst/>
+                <a:latin typeface="fkGroteskNeue"/>
+              </a:rPr>
+              <a:t>, где </a:t>
+            </a:r>
+            <a:r>
+              <a:rPr lang="ru-RU" b="0" i="0" dirty="0" err="1">
+                <a:effectLst/>
+                <a:latin typeface="fkGroteskNeue"/>
+              </a:rPr>
+              <a:t>подформула</a:t>
+            </a:r>
+            <a:r>
+              <a:rPr lang="ru-RU" b="0" i="0" dirty="0">
+                <a:effectLst/>
+                <a:latin typeface="fkGroteskNeue"/>
+              </a:rPr>
+              <a:t> разбивается рекурсивно. </a:t>
             </a:r>
           </a:p>
           <a:p>
@@ -12697,9 +13317,8 @@
                 <a:effectLst/>
                 <a:latin typeface="fkGroteskNeue"/>
               </a:rPr>
-              <a:t>Экспоненциальный рост функции 2ⁿ делает полный перебор практически неприменимым для n &gt; 25 на современных вычислительных системах. А такой запрос есть.</a:t>
-            </a:r>
-            <a:endParaRPr lang="ru-RU" dirty="0"/>
+              <a:t>Финальная КНФ — конъюнкция всех этих клауз.</a:t>
+            </a:r>
           </a:p>
         </p:txBody>
       </p:sp>
@@ -12708,7 +13327,7 @@
           <p:cNvPr id="5" name="Номер слайда 4">
             <a:extLst>
               <a:ext uri="{FF2B5EF4-FFF2-40B4-BE49-F238E27FC236}">
-                <a16:creationId xmlns:a16="http://schemas.microsoft.com/office/drawing/2014/main" id="{ABCF50E8-CF4E-4F7A-9469-8A13C19A3F90}"/>
+                <a16:creationId xmlns:a16="http://schemas.microsoft.com/office/drawing/2014/main" id="{0A9FC68C-42E9-4D87-ADC9-79020943E357}"/>
               </a:ext>
             </a:extLst>
           </p:cNvPr>
@@ -12735,7 +13354,7 @@
     </p:spTree>
     <p:extLst>
       <p:ext uri="{BB962C8B-B14F-4D97-AF65-F5344CB8AC3E}">
-        <p14:creationId xmlns:p14="http://schemas.microsoft.com/office/powerpoint/2010/main" val="4000563812"/>
+        <p14:creationId xmlns:p14="http://schemas.microsoft.com/office/powerpoint/2010/main" val="3185949667"/>
       </p:ext>
     </p:extLst>
   </p:cSld>
@@ -12791,21 +13410,26 @@
           <a:lstStyle/>
           <a:p>
             <a:r>
-              <a:rPr lang="en-US" dirty="0">
-                <a:solidFill>
-                  <a:schemeClr val="bg1"/>
-                </a:solidFill>
-              </a:rPr>
-              <a:t>SAT-</a:t>
-            </a:r>
-            <a:r>
               <a:rPr lang="ru-RU" dirty="0">
                 <a:solidFill>
                   <a:schemeClr val="bg1"/>
                 </a:solidFill>
               </a:rPr>
-              <a:t>редукция</a:t>
-            </a:r>
+              <a:t>Преобразование </a:t>
+            </a:r>
+            <a:r>
+              <a:rPr lang="ru-RU" dirty="0" err="1">
+                <a:solidFill>
+                  <a:schemeClr val="bg1"/>
+                </a:solidFill>
+              </a:rPr>
+              <a:t>Цейтна</a:t>
+            </a:r>
+            <a:endParaRPr lang="ru-RU" dirty="0">
+              <a:solidFill>
+                <a:schemeClr val="bg1"/>
+              </a:solidFill>
+            </a:endParaRPr>
           </a:p>
         </p:txBody>
       </p:sp>
@@ -12833,7 +13457,7 @@
         </p:spPr>
         <p:txBody>
           <a:bodyPr>
-            <a:normAutofit fontScale="92500"/>
+            <a:normAutofit fontScale="92500" lnSpcReduction="10000"/>
           </a:bodyPr>
           <a:lstStyle/>
           <a:p>
@@ -12845,22 +13469,33 @@
                 <a:effectLst/>
                 <a:latin typeface="fkGroteskNeue"/>
               </a:rPr>
-              <a:t>Одним из значительных практических применений SAT-решателей является верификация эквивалентности цифровых схем. Пусть даны две булевы функции F₁ и F₂, реализованные различными схемотехническими реализациями. Вопрос верификации формулируется следующим образом: выполняется ли условие ∀x ∈ {0,1}ⁿ: F₁(x) = F₂(x)? Классический подход к решению этой задачи посредством SAT-решателя использует конструкцию, называемую </a:t>
-            </a:r>
-            <a:r>
-              <a:rPr lang="ru-RU" b="0" i="0" dirty="0" err="1">
-                <a:effectLst/>
-                <a:latin typeface="fkGroteskNeue"/>
-              </a:rPr>
-              <a:t>miter</a:t>
-            </a:r>
-            <a:r>
-              <a:rPr lang="ru-RU" b="0" i="0" dirty="0">
-                <a:effectLst/>
-                <a:latin typeface="fkGroteskNeue"/>
-              </a:rPr>
-              <a:t>: D(x) = (F₁(x) ∧ ¬F₂(x)) ∨ (¬F₁(x) ∧ F₂(x)). </a:t>
-            </a:r>
+              <a:t>Рассмотрим формулу </a:t>
+            </a:r>
+            <a:r>
+              <a:rPr lang="el-GR" b="0" dirty="0">
+                <a:effectLst/>
+                <a:latin typeface="KaTeX_Main"/>
+              </a:rPr>
+              <a:t>ϕ=((</a:t>
+            </a:r>
+            <a:r>
+              <a:rPr lang="en-US" b="0" dirty="0">
+                <a:effectLst/>
+                <a:latin typeface="KaTeX_Main"/>
+              </a:rPr>
+              <a:t>p ∨ q) ∧ r) → (¬s)</a:t>
+            </a:r>
+            <a:r>
+              <a:rPr lang="en-US" b="0" i="0" dirty="0">
+                <a:effectLst/>
+                <a:latin typeface="fkGroteskNeue"/>
+              </a:rPr>
+              <a:t>. </a:t>
+            </a:r>
+            <a:endParaRPr lang="ru-RU" b="0" i="0" dirty="0">
+              <a:effectLst/>
+              <a:latin typeface="fkGroteskNeue"/>
+            </a:endParaRPr>
           </a:p>
           <a:p>
             <a:pPr marL="0" indent="0">
@@ -12871,9 +13506,728 @@
                 <a:effectLst/>
                 <a:latin typeface="fkGroteskNeue"/>
               </a:rPr>
-              <a:t>Формула D истинна тогда и только тогда, когда F₁ и F₂ выдают различные значения при некотором входном векторе x. SAT-решатель решает задачу о выполнимости D. Если D выполнима (SAT), то найдено свидетельство неэквивалентности (контрпример). Если D невыполнима (UNSAT), функции эквивалентны.</a:t>
-            </a:r>
-            <a:endParaRPr lang="ru-RU" dirty="0"/>
+              <a:t>Вводим переменные: </a:t>
+            </a:r>
+            <a:r>
+              <a:rPr lang="en-US" b="0" dirty="0">
+                <a:effectLst/>
+                <a:latin typeface="KaTeX_Main"/>
+              </a:rPr>
+              <a:t>x1 ↔ ¬s</a:t>
+            </a:r>
+            <a:r>
+              <a:rPr lang="en-US" b="0" i="0" dirty="0">
+                <a:effectLst/>
+                <a:latin typeface="fkGroteskNeue"/>
+              </a:rPr>
+              <a:t>, </a:t>
+            </a:r>
+            <a:r>
+              <a:rPr lang="en-US" b="0" dirty="0">
+                <a:effectLst/>
+                <a:latin typeface="KaTeX_Main"/>
+              </a:rPr>
+              <a:t>x2 ↔ </a:t>
+            </a:r>
+            <a:r>
+              <a:rPr lang="en-US" b="0" dirty="0" err="1">
+                <a:effectLst/>
+                <a:latin typeface="KaTeX_Main"/>
+              </a:rPr>
+              <a:t>p∨q</a:t>
+            </a:r>
+            <a:r>
+              <a:rPr lang="en-US" b="0" i="0" dirty="0">
+                <a:effectLst/>
+                <a:latin typeface="fkGroteskNeue"/>
+              </a:rPr>
+              <a:t>, </a:t>
+            </a:r>
+            <a:r>
+              <a:rPr lang="en-US" b="0" dirty="0">
+                <a:effectLst/>
+                <a:latin typeface="KaTeX_Main"/>
+              </a:rPr>
+              <a:t>x3 ↔ x2∧r</a:t>
+            </a:r>
+            <a:r>
+              <a:rPr lang="en-US" b="0" i="0" dirty="0">
+                <a:effectLst/>
+                <a:latin typeface="fkGroteskNeue"/>
+              </a:rPr>
+              <a:t>, </a:t>
+            </a:r>
+            <a:r>
+              <a:rPr lang="en-US" b="0" dirty="0">
+                <a:effectLst/>
+                <a:latin typeface="KaTeX_Main"/>
+              </a:rPr>
+              <a:t>x4 ↔ x3→x1</a:t>
+            </a:r>
+            <a:r>
+              <a:rPr lang="en-US" b="0" i="0" dirty="0">
+                <a:effectLst/>
+                <a:latin typeface="fkGroteskNeue"/>
+              </a:rPr>
+              <a:t>.</a:t>
+            </a:r>
+            <a:endParaRPr lang="ru-RU" b="0" i="0" dirty="0">
+              <a:effectLst/>
+              <a:latin typeface="fkGroteskNeue"/>
+            </a:endParaRPr>
+          </a:p>
+          <a:p>
+            <a:pPr marL="0" indent="0">
+              <a:buNone/>
+            </a:pPr>
+            <a:r>
+              <a:rPr lang="ru-RU" b="0" i="0" dirty="0">
+                <a:effectLst/>
+                <a:latin typeface="fkGroteskNeue"/>
+              </a:rPr>
+              <a:t>Для </a:t>
+            </a:r>
+            <a:r>
+              <a:rPr lang="en-US" b="0" dirty="0">
+                <a:effectLst/>
+                <a:latin typeface="KaTeX_Main"/>
+              </a:rPr>
+              <a:t>x2↔p∨q</a:t>
+            </a:r>
+            <a:r>
+              <a:rPr lang="en-US" b="0" i="0" dirty="0">
+                <a:effectLst/>
+                <a:latin typeface="fkGroteskNeue"/>
+              </a:rPr>
+              <a:t> </a:t>
+            </a:r>
+            <a:r>
+              <a:rPr lang="ru-RU" b="0" i="0" dirty="0">
+                <a:effectLst/>
+                <a:latin typeface="fkGroteskNeue"/>
+              </a:rPr>
+              <a:t>получаем клаузы: </a:t>
+            </a:r>
+            <a:r>
+              <a:rPr lang="ru-RU" b="0" dirty="0">
+                <a:effectLst/>
+                <a:latin typeface="KaTeX_Main"/>
+              </a:rPr>
+              <a:t>(¬</a:t>
+            </a:r>
+            <a:r>
+              <a:rPr lang="en-US" b="0" dirty="0">
+                <a:effectLst/>
+                <a:latin typeface="KaTeX_Main"/>
+              </a:rPr>
+              <a:t>x2</a:t>
+            </a:r>
+            <a:r>
+              <a:rPr lang="ru-RU" b="0" dirty="0">
+                <a:effectLst/>
+                <a:latin typeface="KaTeX_Main"/>
+              </a:rPr>
+              <a:t> </a:t>
+            </a:r>
+            <a:r>
+              <a:rPr lang="en-US" b="0" dirty="0">
+                <a:effectLst/>
+                <a:latin typeface="KaTeX_Main"/>
+              </a:rPr>
+              <a:t>∨</a:t>
+            </a:r>
+            <a:r>
+              <a:rPr lang="ru-RU" b="0" dirty="0">
+                <a:effectLst/>
+                <a:latin typeface="KaTeX_Main"/>
+              </a:rPr>
+              <a:t> </a:t>
+            </a:r>
+            <a:r>
+              <a:rPr lang="en-US" b="0" dirty="0">
+                <a:effectLst/>
+                <a:latin typeface="KaTeX_Main"/>
+              </a:rPr>
+              <a:t>p ∨ q)</a:t>
+            </a:r>
+            <a:r>
+              <a:rPr lang="ru-RU" b="0" dirty="0">
+                <a:effectLst/>
+                <a:latin typeface="KaTeX_Main"/>
+              </a:rPr>
+              <a:t> </a:t>
+            </a:r>
+            <a:r>
+              <a:rPr lang="en-US" b="0" dirty="0">
+                <a:effectLst/>
+                <a:latin typeface="KaTeX_Main"/>
+              </a:rPr>
+              <a:t>∧</a:t>
+            </a:r>
+            <a:r>
+              <a:rPr lang="ru-RU" b="0" dirty="0">
+                <a:effectLst/>
+                <a:latin typeface="KaTeX_Main"/>
+              </a:rPr>
+              <a:t> </a:t>
+            </a:r>
+            <a:r>
+              <a:rPr lang="en-US" b="0" dirty="0">
+                <a:effectLst/>
+                <a:latin typeface="KaTeX_Main"/>
+              </a:rPr>
+              <a:t>(¬p</a:t>
+            </a:r>
+            <a:r>
+              <a:rPr lang="ru-RU" b="0" dirty="0">
+                <a:effectLst/>
+                <a:latin typeface="KaTeX_Main"/>
+              </a:rPr>
+              <a:t> </a:t>
+            </a:r>
+            <a:r>
+              <a:rPr lang="en-US" b="0" dirty="0">
+                <a:effectLst/>
+                <a:latin typeface="KaTeX_Main"/>
+              </a:rPr>
+              <a:t>∨</a:t>
+            </a:r>
+            <a:r>
+              <a:rPr lang="ru-RU" b="0" dirty="0">
+                <a:effectLst/>
+                <a:latin typeface="KaTeX_Main"/>
+              </a:rPr>
+              <a:t> </a:t>
+            </a:r>
+            <a:r>
+              <a:rPr lang="en-US" b="0" dirty="0">
+                <a:effectLst/>
+                <a:latin typeface="KaTeX_Main"/>
+              </a:rPr>
+              <a:t>x2)</a:t>
+            </a:r>
+            <a:r>
+              <a:rPr lang="ru-RU" b="0" dirty="0">
+                <a:effectLst/>
+                <a:latin typeface="KaTeX_Main"/>
+              </a:rPr>
+              <a:t> </a:t>
+            </a:r>
+            <a:r>
+              <a:rPr lang="en-US" b="0" dirty="0">
+                <a:effectLst/>
+                <a:latin typeface="KaTeX_Main"/>
+              </a:rPr>
+              <a:t>∧</a:t>
+            </a:r>
+            <a:r>
+              <a:rPr lang="ru-RU" b="0" dirty="0">
+                <a:effectLst/>
+                <a:latin typeface="KaTeX_Main"/>
+              </a:rPr>
+              <a:t> </a:t>
+            </a:r>
+            <a:r>
+              <a:rPr lang="en-US" b="0" dirty="0">
+                <a:effectLst/>
+                <a:latin typeface="KaTeX_Main"/>
+              </a:rPr>
+              <a:t>(¬q</a:t>
+            </a:r>
+            <a:r>
+              <a:rPr lang="ru-RU" b="0" dirty="0">
+                <a:effectLst/>
+                <a:latin typeface="KaTeX_Main"/>
+              </a:rPr>
+              <a:t> </a:t>
+            </a:r>
+            <a:r>
+              <a:rPr lang="en-US" b="0" dirty="0">
+                <a:effectLst/>
+                <a:latin typeface="KaTeX_Main"/>
+              </a:rPr>
+              <a:t>∨</a:t>
+            </a:r>
+            <a:r>
+              <a:rPr lang="ru-RU" b="0" dirty="0">
+                <a:effectLst/>
+                <a:latin typeface="KaTeX_Main"/>
+              </a:rPr>
+              <a:t> </a:t>
+            </a:r>
+            <a:r>
+              <a:rPr lang="en-US" b="0" dirty="0">
+                <a:effectLst/>
+                <a:latin typeface="KaTeX_Main"/>
+              </a:rPr>
+              <a:t>x2)</a:t>
+            </a:r>
+            <a:r>
+              <a:rPr lang="en-US" b="0" i="0" dirty="0">
+                <a:effectLst/>
+                <a:latin typeface="fkGroteskNeue"/>
+              </a:rPr>
+              <a:t>.</a:t>
+            </a:r>
+            <a:endParaRPr lang="ru-RU" b="0" i="0" dirty="0">
+              <a:effectLst/>
+              <a:latin typeface="fkGroteskNeue"/>
+            </a:endParaRPr>
+          </a:p>
+          <a:p>
+            <a:pPr marL="0" indent="0">
+              <a:buNone/>
+            </a:pPr>
+            <a:endParaRPr lang="ru-RU" dirty="0">
+              <a:latin typeface="fkGroteskNeue"/>
+            </a:endParaRPr>
+          </a:p>
+          <a:p>
+            <a:pPr marL="0" indent="0">
+              <a:buNone/>
+            </a:pPr>
+            <a:r>
+              <a:rPr lang="en-US" dirty="0">
+                <a:latin typeface="fkGroteskNeue"/>
+              </a:rPr>
+              <a:t>x</a:t>
+            </a:r>
+            <a:r>
+              <a:rPr lang="en-US" b="0" dirty="0">
+                <a:effectLst/>
+                <a:latin typeface="KaTeX_Main"/>
+              </a:rPr>
+              <a:t> ↔ ¬a </a:t>
+            </a:r>
+            <a:r>
+              <a:rPr lang="ru-RU" b="0" i="0" dirty="0">
+                <a:effectLst/>
+                <a:latin typeface="fkGroteskNeue"/>
+              </a:rPr>
+              <a:t>—</a:t>
+            </a:r>
+            <a:r>
+              <a:rPr lang="en-US" b="0" i="0" dirty="0">
+                <a:effectLst/>
+                <a:latin typeface="fkGroteskNeue"/>
+              </a:rPr>
+              <a:t> (</a:t>
+            </a:r>
+            <a:r>
+              <a:rPr lang="en-US" b="0" dirty="0">
+                <a:effectLst/>
+                <a:latin typeface="KaTeX_Main"/>
+              </a:rPr>
+              <a:t>¬x ∨ ¬a</a:t>
+            </a:r>
+            <a:r>
+              <a:rPr lang="en-US" b="0" i="0" dirty="0">
+                <a:effectLst/>
+                <a:latin typeface="fkGroteskNeue"/>
+              </a:rPr>
+              <a:t>) </a:t>
+            </a:r>
+            <a:r>
+              <a:rPr lang="en-US" b="0" dirty="0">
+                <a:effectLst/>
+                <a:latin typeface="KaTeX_Main"/>
+              </a:rPr>
+              <a:t>∧ (x ∨ a)</a:t>
+            </a:r>
+          </a:p>
+          <a:p>
+            <a:pPr marL="0" indent="0">
+              <a:buNone/>
+            </a:pPr>
+            <a:r>
+              <a:rPr lang="en-US" i="0" dirty="0">
+                <a:latin typeface="KaTeX_Main"/>
+              </a:rPr>
+              <a:t>x </a:t>
+            </a:r>
+            <a:r>
+              <a:rPr lang="en-US" b="0" dirty="0">
+                <a:effectLst/>
+                <a:latin typeface="KaTeX_Main"/>
+              </a:rPr>
+              <a:t>↔ (a ∧ b) </a:t>
+            </a:r>
+            <a:r>
+              <a:rPr lang="ru-RU" b="0" i="0" dirty="0">
+                <a:effectLst/>
+                <a:latin typeface="fkGroteskNeue"/>
+              </a:rPr>
+              <a:t>—</a:t>
+            </a:r>
+            <a:r>
+              <a:rPr lang="en-US" b="0" i="0" dirty="0">
+                <a:effectLst/>
+                <a:latin typeface="fkGroteskNeue"/>
+              </a:rPr>
+              <a:t> (</a:t>
+            </a:r>
+            <a:r>
+              <a:rPr lang="en-US" b="0" dirty="0">
+                <a:effectLst/>
+                <a:latin typeface="KaTeX_Main"/>
+              </a:rPr>
+              <a:t>¬x ∨ a</a:t>
+            </a:r>
+            <a:r>
+              <a:rPr lang="en-US" b="0" i="0" dirty="0">
+                <a:effectLst/>
+                <a:latin typeface="fkGroteskNeue"/>
+              </a:rPr>
+              <a:t>) </a:t>
+            </a:r>
+            <a:r>
+              <a:rPr lang="en-US" b="0" dirty="0">
+                <a:effectLst/>
+                <a:latin typeface="KaTeX_Main"/>
+              </a:rPr>
+              <a:t>∧ </a:t>
+            </a:r>
+            <a:r>
+              <a:rPr lang="en-US" b="0" i="0" dirty="0">
+                <a:effectLst/>
+                <a:latin typeface="fkGroteskNeue"/>
+              </a:rPr>
+              <a:t>(</a:t>
+            </a:r>
+            <a:r>
+              <a:rPr lang="en-US" b="0" dirty="0">
+                <a:effectLst/>
+                <a:latin typeface="KaTeX_Main"/>
+              </a:rPr>
+              <a:t>¬x ∨ b</a:t>
+            </a:r>
+            <a:r>
+              <a:rPr lang="en-US" b="0" i="0" dirty="0">
+                <a:effectLst/>
+                <a:latin typeface="fkGroteskNeue"/>
+              </a:rPr>
+              <a:t>) </a:t>
+            </a:r>
+            <a:r>
+              <a:rPr lang="en-US" b="0" dirty="0">
+                <a:effectLst/>
+                <a:latin typeface="KaTeX_Main"/>
+              </a:rPr>
+              <a:t>∧ </a:t>
+            </a:r>
+            <a:r>
+              <a:rPr lang="en-US" b="0" i="0" dirty="0">
+                <a:effectLst/>
+                <a:latin typeface="fkGroteskNeue"/>
+              </a:rPr>
+              <a:t>(</a:t>
+            </a:r>
+            <a:r>
+              <a:rPr lang="en-US" b="0" dirty="0">
+                <a:effectLst/>
+                <a:latin typeface="KaTeX_Main"/>
+              </a:rPr>
+              <a:t>x ∨ ¬a ∨ ¬b</a:t>
+            </a:r>
+            <a:r>
+              <a:rPr lang="en-US" b="0" i="0" dirty="0">
+                <a:effectLst/>
+                <a:latin typeface="fkGroteskNeue"/>
+              </a:rPr>
+              <a:t>)</a:t>
+            </a:r>
+            <a:endParaRPr lang="en-US" b="0" dirty="0">
+              <a:effectLst/>
+              <a:latin typeface="KaTeX_Main"/>
+            </a:endParaRPr>
+          </a:p>
+          <a:p>
+            <a:pPr marL="0" indent="0">
+              <a:buNone/>
+            </a:pPr>
+            <a:r>
+              <a:rPr lang="en-US" i="0" dirty="0">
+                <a:latin typeface="KaTeX_Main"/>
+              </a:rPr>
+              <a:t>x </a:t>
+            </a:r>
+            <a:r>
+              <a:rPr lang="en-US" b="0" dirty="0">
+                <a:effectLst/>
+                <a:latin typeface="KaTeX_Main"/>
+              </a:rPr>
+              <a:t>↔ (a ∨ b) </a:t>
+            </a:r>
+            <a:r>
+              <a:rPr lang="ru-RU" b="0" i="0" dirty="0">
+                <a:effectLst/>
+                <a:latin typeface="fkGroteskNeue"/>
+              </a:rPr>
+              <a:t>—</a:t>
+            </a:r>
+            <a:r>
+              <a:rPr lang="en-US" b="0" i="0" dirty="0">
+                <a:effectLst/>
+                <a:latin typeface="fkGroteskNeue"/>
+              </a:rPr>
+              <a:t> (</a:t>
+            </a:r>
+            <a:r>
+              <a:rPr lang="en-US" b="0" dirty="0">
+                <a:effectLst/>
+                <a:latin typeface="KaTeX_Main"/>
+              </a:rPr>
+              <a:t>x ∨ ¬a</a:t>
+            </a:r>
+            <a:r>
+              <a:rPr lang="en-US" b="0" i="0" dirty="0">
+                <a:effectLst/>
+                <a:latin typeface="fkGroteskNeue"/>
+              </a:rPr>
+              <a:t>) </a:t>
+            </a:r>
+            <a:r>
+              <a:rPr lang="en-US" b="0" dirty="0">
+                <a:effectLst/>
+                <a:latin typeface="KaTeX_Main"/>
+              </a:rPr>
+              <a:t>∧ </a:t>
+            </a:r>
+            <a:r>
+              <a:rPr lang="en-US" b="0" i="0" dirty="0">
+                <a:effectLst/>
+                <a:latin typeface="fkGroteskNeue"/>
+              </a:rPr>
+              <a:t>(</a:t>
+            </a:r>
+            <a:r>
+              <a:rPr lang="en-US" b="0" dirty="0">
+                <a:effectLst/>
+                <a:latin typeface="KaTeX_Main"/>
+              </a:rPr>
+              <a:t>x ∨ ¬b</a:t>
+            </a:r>
+            <a:r>
+              <a:rPr lang="en-US" b="0" i="0" dirty="0">
+                <a:effectLst/>
+                <a:latin typeface="fkGroteskNeue"/>
+              </a:rPr>
+              <a:t>) </a:t>
+            </a:r>
+            <a:r>
+              <a:rPr lang="en-US" b="0" dirty="0">
+                <a:effectLst/>
+                <a:latin typeface="KaTeX_Main"/>
+              </a:rPr>
+              <a:t>∧ </a:t>
+            </a:r>
+            <a:r>
+              <a:rPr lang="en-US" b="0" i="0" dirty="0">
+                <a:effectLst/>
+                <a:latin typeface="fkGroteskNeue"/>
+              </a:rPr>
+              <a:t>(</a:t>
+            </a:r>
+            <a:r>
+              <a:rPr lang="en-US" b="0" dirty="0">
+                <a:effectLst/>
+                <a:latin typeface="KaTeX_Main"/>
+              </a:rPr>
+              <a:t>¬x ∨ a ∨ b</a:t>
+            </a:r>
+            <a:r>
+              <a:rPr lang="en-US" b="0" i="0" dirty="0">
+                <a:effectLst/>
+                <a:latin typeface="fkGroteskNeue"/>
+              </a:rPr>
+              <a:t>)</a:t>
+            </a:r>
+            <a:endParaRPr lang="ru-RU" b="0" i="0" dirty="0">
+              <a:effectLst/>
+              <a:latin typeface="fkGroteskNeue"/>
+            </a:endParaRPr>
+          </a:p>
+          <a:p>
+            <a:pPr marL="0" indent="0">
+              <a:buNone/>
+            </a:pPr>
+            <a:endParaRPr lang="ru-RU" b="0" dirty="0">
+              <a:effectLst/>
+              <a:latin typeface="fkGroteskNeue"/>
+            </a:endParaRPr>
+          </a:p>
+          <a:p>
+            <a:pPr marL="0" indent="0">
+              <a:buNone/>
+            </a:pPr>
+            <a:r>
+              <a:rPr lang="en-US" b="0" dirty="0">
+                <a:effectLst/>
+                <a:latin typeface="fkGroteskNeue"/>
+              </a:rPr>
+              <a:t>a </a:t>
+            </a:r>
+            <a:r>
+              <a:rPr lang="en-US" b="0" dirty="0">
+                <a:effectLst/>
+                <a:latin typeface="KaTeX_Main"/>
+              </a:rPr>
+              <a:t>→</a:t>
+            </a:r>
+            <a:r>
+              <a:rPr lang="en-US" b="0" dirty="0">
+                <a:effectLst/>
+                <a:latin typeface="fkGroteskNeue"/>
+              </a:rPr>
+              <a:t> b </a:t>
+            </a:r>
+            <a:r>
+              <a:rPr lang="ru-RU" b="0" i="0" dirty="0">
+                <a:effectLst/>
+                <a:latin typeface="fkGroteskNeue"/>
+              </a:rPr>
+              <a:t>—</a:t>
+            </a:r>
+            <a:r>
+              <a:rPr lang="en-US" b="0" i="0" dirty="0">
+                <a:effectLst/>
+                <a:latin typeface="fkGroteskNeue"/>
+              </a:rPr>
+              <a:t> </a:t>
+            </a:r>
+            <a:r>
+              <a:rPr lang="en-US" b="0" dirty="0">
+                <a:effectLst/>
+                <a:latin typeface="KaTeX_Main"/>
+              </a:rPr>
+              <a:t>¬a ∨ b</a:t>
+            </a:r>
+          </a:p>
+          <a:p>
+            <a:pPr marL="0" indent="0">
+              <a:buNone/>
+            </a:pPr>
+            <a:r>
+              <a:rPr lang="en-US" dirty="0">
+                <a:latin typeface="KaTeX_Main"/>
+              </a:rPr>
+              <a:t>a </a:t>
+            </a:r>
+            <a:r>
+              <a:rPr lang="en-US" b="0" dirty="0">
+                <a:effectLst/>
+                <a:latin typeface="KaTeX_Main"/>
+              </a:rPr>
+              <a:t>↔ b </a:t>
+            </a:r>
+            <a:r>
+              <a:rPr lang="ru-RU" b="0" i="0" dirty="0">
+                <a:effectLst/>
+                <a:latin typeface="fkGroteskNeue"/>
+              </a:rPr>
+              <a:t>—</a:t>
+            </a:r>
+            <a:r>
+              <a:rPr lang="en-US" b="0" i="0" dirty="0">
+                <a:effectLst/>
+                <a:latin typeface="fkGroteskNeue"/>
+              </a:rPr>
+              <a:t> (</a:t>
+            </a:r>
+            <a:r>
+              <a:rPr lang="en-US" b="0" dirty="0">
+                <a:effectLst/>
+                <a:latin typeface="fkGroteskNeue"/>
+              </a:rPr>
+              <a:t>a </a:t>
+            </a:r>
+            <a:r>
+              <a:rPr lang="en-US" b="0" dirty="0">
+                <a:effectLst/>
+                <a:latin typeface="KaTeX_Main"/>
+              </a:rPr>
+              <a:t>→</a:t>
+            </a:r>
+            <a:r>
+              <a:rPr lang="en-US" b="0" dirty="0">
+                <a:effectLst/>
+                <a:latin typeface="fkGroteskNeue"/>
+              </a:rPr>
+              <a:t> b</a:t>
+            </a:r>
+            <a:r>
+              <a:rPr lang="en-US" b="0" i="0" dirty="0">
+                <a:effectLst/>
+                <a:latin typeface="fkGroteskNeue"/>
+              </a:rPr>
+              <a:t>)</a:t>
+            </a:r>
+            <a:r>
+              <a:rPr lang="ru-RU" b="0" i="0" dirty="0">
+                <a:effectLst/>
+                <a:latin typeface="fkGroteskNeue"/>
+              </a:rPr>
+              <a:t> </a:t>
+            </a:r>
+            <a:r>
+              <a:rPr lang="en-US" b="0" dirty="0">
+                <a:effectLst/>
+                <a:latin typeface="KaTeX_Main"/>
+              </a:rPr>
+              <a:t>∧</a:t>
+            </a:r>
+            <a:r>
+              <a:rPr lang="ru-RU" b="0" dirty="0">
+                <a:effectLst/>
+                <a:latin typeface="KaTeX_Main"/>
+              </a:rPr>
+              <a:t> </a:t>
+            </a:r>
+            <a:r>
+              <a:rPr lang="en-US" b="0" i="0" dirty="0">
+                <a:effectLst/>
+                <a:latin typeface="fkGroteskNeue"/>
+              </a:rPr>
+              <a:t>(</a:t>
+            </a:r>
+            <a:r>
+              <a:rPr lang="en-US" i="0" dirty="0">
+                <a:latin typeface="fkGroteskNeue"/>
+              </a:rPr>
+              <a:t>b</a:t>
+            </a:r>
+            <a:r>
+              <a:rPr lang="en-US" b="0" dirty="0">
+                <a:effectLst/>
+                <a:latin typeface="fkGroteskNeue"/>
+              </a:rPr>
+              <a:t> </a:t>
+            </a:r>
+            <a:r>
+              <a:rPr lang="en-US" b="0" dirty="0">
+                <a:effectLst/>
+                <a:latin typeface="KaTeX_Main"/>
+              </a:rPr>
+              <a:t>→</a:t>
+            </a:r>
+            <a:r>
+              <a:rPr lang="en-US" b="0" dirty="0">
+                <a:effectLst/>
+                <a:latin typeface="fkGroteskNeue"/>
+              </a:rPr>
+              <a:t> a</a:t>
+            </a:r>
+            <a:r>
+              <a:rPr lang="en-US" b="0" i="0" dirty="0">
+                <a:effectLst/>
+                <a:latin typeface="fkGroteskNeue"/>
+              </a:rPr>
+              <a:t>)</a:t>
+            </a:r>
+            <a:endParaRPr lang="en-US" b="0" dirty="0">
+              <a:effectLst/>
+              <a:latin typeface="KaTeX_Main"/>
+            </a:endParaRPr>
           </a:p>
         </p:txBody>
       </p:sp>
@@ -12882,7 +14236,7 @@
           <p:cNvPr id="5" name="Номер слайда 4">
             <a:extLst>
               <a:ext uri="{FF2B5EF4-FFF2-40B4-BE49-F238E27FC236}">
-                <a16:creationId xmlns:a16="http://schemas.microsoft.com/office/drawing/2014/main" id="{FB2F3A90-9F6E-4A95-9DA8-C97913D986AE}"/>
+                <a16:creationId xmlns:a16="http://schemas.microsoft.com/office/drawing/2014/main" id="{0A9FC68C-42E9-4D87-ADC9-79020943E357}"/>
               </a:ext>
             </a:extLst>
           </p:cNvPr>
@@ -12909,7 +14263,7 @@
     </p:spTree>
     <p:extLst>
       <p:ext uri="{BB962C8B-B14F-4D97-AF65-F5344CB8AC3E}">
-        <p14:creationId xmlns:p14="http://schemas.microsoft.com/office/powerpoint/2010/main" val="2155838738"/>
+        <p14:creationId xmlns:p14="http://schemas.microsoft.com/office/powerpoint/2010/main" val="3151589194"/>
       </p:ext>
     </p:extLst>
   </p:cSld>
